--- a/HTML.pptx
+++ b/HTML.pptx
@@ -5,22 +5,29 @@
     <p:sldMasterId id="2147483648" r:id="rId1"/>
   </p:sldMasterIdLst>
   <p:sldIdLst>
-    <p:sldId id="256" r:id="rId3"/>
-    <p:sldId id="257" r:id="rId4"/>
-    <p:sldId id="258" r:id="rId5"/>
-    <p:sldId id="259" r:id="rId6"/>
-    <p:sldId id="260" r:id="rId7"/>
-    <p:sldId id="261" r:id="rId8"/>
-    <p:sldId id="262" r:id="rId9"/>
-    <p:sldId id="263" r:id="rId10"/>
-    <p:sldId id="264" r:id="rId11"/>
-    <p:sldId id="265" r:id="rId12"/>
-    <p:sldId id="266" r:id="rId13"/>
-    <p:sldId id="267" r:id="rId14"/>
-    <p:sldId id="268" r:id="rId15"/>
-    <p:sldId id="269" r:id="rId16"/>
-    <p:sldId id="270" r:id="rId17"/>
-    <p:sldId id="271" r:id="rId18"/>
+    <p:sldId id="256" r:id="rId2"/>
+    <p:sldId id="257" r:id="rId3"/>
+    <p:sldId id="258" r:id="rId4"/>
+    <p:sldId id="259" r:id="rId5"/>
+    <p:sldId id="260" r:id="rId6"/>
+    <p:sldId id="261" r:id="rId7"/>
+    <p:sldId id="262" r:id="rId8"/>
+    <p:sldId id="263" r:id="rId9"/>
+    <p:sldId id="264" r:id="rId10"/>
+    <p:sldId id="265" r:id="rId11"/>
+    <p:sldId id="266" r:id="rId12"/>
+    <p:sldId id="267" r:id="rId13"/>
+    <p:sldId id="268" r:id="rId14"/>
+    <p:sldId id="269" r:id="rId15"/>
+    <p:sldId id="270" r:id="rId16"/>
+    <p:sldId id="271" r:id="rId17"/>
+    <p:sldId id="272" r:id="rId18"/>
+    <p:sldId id="273" r:id="rId19"/>
+    <p:sldId id="274" r:id="rId20"/>
+    <p:sldId id="275" r:id="rId21"/>
+    <p:sldId id="276" r:id="rId22"/>
+    <p:sldId id="277" r:id="rId23"/>
+    <p:sldId id="278" r:id="rId24"/>
   </p:sldIdLst>
   <p:sldSz cx="12192000" cy="6858000"/>
   <p:notesSz cx="6858000" cy="9144000"/>
@@ -119,11 +126,16 @@
       </a:defRPr>
     </a:lvl9pPr>
   </p:defaultTextStyle>
+  <p:extLst>
+    <p:ext uri="{EFAFB233-063F-42B5-8137-9DF3F51BA10A}">
+      <p15:sldGuideLst xmlns:p15="http://schemas.microsoft.com/office/powerpoint/2012/main"/>
+    </p:ext>
+  </p:extLst>
 </p:presentation>
 </file>
 
 <file path=ppt/slideLayouts/slideLayout1.xml><?xml version="1.0" encoding="utf-8"?>
-<p:sldLayout xmlns:a="http://schemas.openxmlformats.org/drawingml/2006/main" xmlns:r="http://schemas.openxmlformats.org/officeDocument/2006/relationships" xmlns:p="http://schemas.openxmlformats.org/presentationml/2006/main" type="title" preserve="1" showMasterSp="0">
+<p:sldLayout xmlns:a="http://schemas.openxmlformats.org/drawingml/2006/main" xmlns:r="http://schemas.openxmlformats.org/officeDocument/2006/relationships" xmlns:p="http://schemas.openxmlformats.org/presentationml/2006/main" showMasterSp="0" type="title" preserve="1">
   <p:cSld name="Title Slide">
     <p:spTree>
       <p:nvGrpSpPr>
@@ -457,6 +469,7 @@
           <a:p>
             <a:fld id="{B61BEF0D-F0BB-DE4B-95CE-6DB70DBA9567}" type="datetimeFigureOut">
               <a:rPr lang="en-US" dirty="0"/>
+              <a:t>7/6/2023</a:t>
             </a:fld>
             <a:endParaRPr lang="en-US" dirty="0"/>
           </a:p>
@@ -508,6 +521,7 @@
           <a:p>
             <a:fld id="{D57F1E4F-1CFF-5643-939E-217C01CDF565}" type="slidenum">
               <a:rPr lang="en-US" dirty="0"/>
+              <a:t>‹#›</a:t>
             </a:fld>
             <a:endParaRPr lang="en-US" dirty="0"/>
           </a:p>
@@ -754,7 +768,6 @@
               <a:rPr lang="en-US"/>
               <a:t>Edit Master text styles</a:t>
             </a:r>
-            <a:endParaRPr lang="en-US"/>
           </a:p>
         </p:txBody>
       </p:sp>
@@ -775,6 +788,7 @@
           <a:p>
             <a:fld id="{B61BEF0D-F0BB-DE4B-95CE-6DB70DBA9567}" type="datetimeFigureOut">
               <a:rPr lang="en-US" dirty="0"/>
+              <a:t>7/6/2023</a:t>
             </a:fld>
             <a:endParaRPr lang="en-US" dirty="0"/>
           </a:p>
@@ -816,6 +830,7 @@
           <a:p>
             <a:fld id="{D57F1E4F-1CFF-5643-939E-217C01CDF565}" type="slidenum">
               <a:rPr lang="en-US" dirty="0"/>
+              <a:t>‹#›</a:t>
             </a:fld>
             <a:endParaRPr lang="en-US" dirty="0"/>
           </a:p>
@@ -996,7 +1011,6 @@
               <a:rPr lang="en-US"/>
               <a:t>Edit Master text styles</a:t>
             </a:r>
-            <a:endParaRPr lang="en-US"/>
           </a:p>
         </p:txBody>
       </p:sp>
@@ -1017,6 +1031,7 @@
           <a:p>
             <a:fld id="{B61BEF0D-F0BB-DE4B-95CE-6DB70DBA9567}" type="datetimeFigureOut">
               <a:rPr lang="en-US" dirty="0"/>
+              <a:t>7/6/2023</a:t>
             </a:fld>
             <a:endParaRPr lang="en-US" dirty="0"/>
           </a:p>
@@ -1058,6 +1073,7 @@
           <a:p>
             <a:fld id="{D57F1E4F-1CFF-5643-939E-217C01CDF565}" type="slidenum">
               <a:rPr lang="en-US" dirty="0"/>
+              <a:t>‹#›</a:t>
             </a:fld>
             <a:endParaRPr lang="en-US" dirty="0"/>
           </a:p>
@@ -1210,7 +1226,6 @@
               <a:rPr lang="en-US"/>
               <a:t>Edit Master text styles</a:t>
             </a:r>
-            <a:endParaRPr lang="en-US"/>
           </a:p>
         </p:txBody>
       </p:sp>
@@ -1330,7 +1345,6 @@
               <a:rPr lang="en-US"/>
               <a:t>Edit Master text styles</a:t>
             </a:r>
-            <a:endParaRPr lang="en-US"/>
           </a:p>
         </p:txBody>
       </p:sp>
@@ -1351,6 +1365,7 @@
           <a:p>
             <a:fld id="{B61BEF0D-F0BB-DE4B-95CE-6DB70DBA9567}" type="datetimeFigureOut">
               <a:rPr lang="en-US" dirty="0"/>
+              <a:t>7/6/2023</a:t>
             </a:fld>
             <a:endParaRPr lang="en-US" dirty="0"/>
           </a:p>
@@ -1392,6 +1407,7 @@
           <a:p>
             <a:fld id="{D57F1E4F-1CFF-5643-939E-217C01CDF565}" type="slidenum">
               <a:rPr lang="en-US" dirty="0"/>
+              <a:t>‹#›</a:t>
             </a:fld>
             <a:endParaRPr lang="en-US" dirty="0"/>
           </a:p>
@@ -1428,12 +1444,6 @@
               </a:rPr>
               <a:t>“</a:t>
             </a:r>
-            <a:endParaRPr lang="en-US" sz="8000" dirty="0">
-              <a:solidFill>
-                <a:schemeClr val="tx1"/>
-              </a:solidFill>
-              <a:effectLst/>
-            </a:endParaRPr>
           </a:p>
         </p:txBody>
       </p:sp>
@@ -1468,12 +1478,6 @@
               </a:rPr>
               <a:t>”</a:t>
             </a:r>
-            <a:endParaRPr lang="en-US" sz="8000" dirty="0">
-              <a:solidFill>
-                <a:schemeClr val="tx1"/>
-              </a:solidFill>
-              <a:effectLst/>
-            </a:endParaRPr>
           </a:p>
         </p:txBody>
       </p:sp>
@@ -1683,7 +1687,6 @@
               <a:rPr lang="en-US"/>
               <a:t>Edit Master text styles</a:t>
             </a:r>
-            <a:endParaRPr lang="en-US"/>
           </a:p>
         </p:txBody>
       </p:sp>
@@ -1704,6 +1707,7 @@
           <a:p>
             <a:fld id="{B61BEF0D-F0BB-DE4B-95CE-6DB70DBA9567}" type="datetimeFigureOut">
               <a:rPr lang="en-US" dirty="0"/>
+              <a:t>7/6/2023</a:t>
             </a:fld>
             <a:endParaRPr lang="en-US" dirty="0"/>
           </a:p>
@@ -1745,6 +1749,7 @@
           <a:p>
             <a:fld id="{D57F1E4F-1CFF-5643-939E-217C01CDF565}" type="slidenum">
               <a:rPr lang="en-US" dirty="0"/>
+              <a:t>‹#›</a:t>
             </a:fld>
             <a:endParaRPr lang="en-US" dirty="0"/>
           </a:p>
@@ -1932,7 +1937,6 @@
               <a:rPr lang="en-US"/>
               <a:t>Edit Master text styles</a:t>
             </a:r>
-            <a:endParaRPr lang="en-US"/>
           </a:p>
         </p:txBody>
       </p:sp>
@@ -2052,7 +2056,6 @@
               <a:rPr lang="en-US"/>
               <a:t>Edit Master text styles</a:t>
             </a:r>
-            <a:endParaRPr lang="en-US"/>
           </a:p>
         </p:txBody>
       </p:sp>
@@ -2073,6 +2076,7 @@
           <a:p>
             <a:fld id="{B61BEF0D-F0BB-DE4B-95CE-6DB70DBA9567}" type="datetimeFigureOut">
               <a:rPr lang="en-US" dirty="0"/>
+              <a:t>7/6/2023</a:t>
             </a:fld>
             <a:endParaRPr lang="en-US" dirty="0"/>
           </a:p>
@@ -2114,6 +2118,7 @@
           <a:p>
             <a:fld id="{D57F1E4F-1CFF-5643-939E-217C01CDF565}" type="slidenum">
               <a:rPr lang="en-US" dirty="0"/>
+              <a:t>‹#›</a:t>
             </a:fld>
             <a:endParaRPr lang="en-US" dirty="0"/>
           </a:p>
@@ -2150,12 +2155,6 @@
               </a:rPr>
               <a:t>“</a:t>
             </a:r>
-            <a:endParaRPr lang="en-US" sz="8000" dirty="0">
-              <a:solidFill>
-                <a:schemeClr val="tx1"/>
-              </a:solidFill>
-              <a:effectLst/>
-            </a:endParaRPr>
           </a:p>
         </p:txBody>
       </p:sp>
@@ -2190,12 +2189,6 @@
               </a:rPr>
               <a:t>”</a:t>
             </a:r>
-            <a:endParaRPr lang="en-US" sz="8000" dirty="0">
-              <a:solidFill>
-                <a:schemeClr val="tx1"/>
-              </a:solidFill>
-              <a:effectLst/>
-            </a:endParaRPr>
           </a:p>
         </p:txBody>
       </p:sp>
@@ -2409,7 +2402,6 @@
               <a:rPr lang="en-US"/>
               <a:t>Edit Master text styles</a:t>
             </a:r>
-            <a:endParaRPr lang="en-US"/>
           </a:p>
         </p:txBody>
       </p:sp>
@@ -2529,7 +2521,6 @@
               <a:rPr lang="en-US"/>
               <a:t>Edit Master text styles</a:t>
             </a:r>
-            <a:endParaRPr lang="en-US"/>
           </a:p>
         </p:txBody>
       </p:sp>
@@ -2550,6 +2541,7 @@
           <a:p>
             <a:fld id="{B61BEF0D-F0BB-DE4B-95CE-6DB70DBA9567}" type="datetimeFigureOut">
               <a:rPr lang="en-US" dirty="0"/>
+              <a:t>7/6/2023</a:t>
             </a:fld>
             <a:endParaRPr lang="en-US" dirty="0"/>
           </a:p>
@@ -2591,6 +2583,7 @@
           <a:p>
             <a:fld id="{D57F1E4F-1CFF-5643-939E-217C01CDF565}" type="slidenum">
               <a:rPr lang="en-US" dirty="0"/>
+              <a:t>‹#›</a:t>
             </a:fld>
             <a:endParaRPr lang="en-US" dirty="0"/>
           </a:p>
@@ -2699,7 +2692,6 @@
               <a:rPr lang="en-US"/>
               <a:t>Edit Master text styles</a:t>
             </a:r>
-            <a:endParaRPr lang="en-US"/>
           </a:p>
           <a:p>
             <a:pPr lvl="1"/>
@@ -2707,7 +2699,6 @@
               <a:rPr lang="en-US"/>
               <a:t>Second level</a:t>
             </a:r>
-            <a:endParaRPr lang="en-US"/>
           </a:p>
           <a:p>
             <a:pPr lvl="2"/>
@@ -2715,7 +2706,6 @@
               <a:rPr lang="en-US"/>
               <a:t>Third level</a:t>
             </a:r>
-            <a:endParaRPr lang="en-US"/>
           </a:p>
           <a:p>
             <a:pPr lvl="3"/>
@@ -2723,7 +2713,6 @@
               <a:rPr lang="en-US"/>
               <a:t>Fourth level</a:t>
             </a:r>
-            <a:endParaRPr lang="en-US"/>
           </a:p>
           <a:p>
             <a:pPr lvl="4"/>
@@ -2752,6 +2741,7 @@
           <a:p>
             <a:fld id="{B61BEF0D-F0BB-DE4B-95CE-6DB70DBA9567}" type="datetimeFigureOut">
               <a:rPr lang="en-US" dirty="0"/>
+              <a:t>7/6/2023</a:t>
             </a:fld>
             <a:endParaRPr lang="en-US" dirty="0"/>
           </a:p>
@@ -2793,6 +2783,7 @@
           <a:p>
             <a:fld id="{D57F1E4F-1CFF-5643-939E-217C01CDF565}" type="slidenum">
               <a:rPr lang="en-US" dirty="0"/>
+              <a:t>‹#›</a:t>
             </a:fld>
             <a:endParaRPr lang="en-US" dirty="0"/>
           </a:p>
@@ -2907,7 +2898,6 @@
               <a:rPr lang="en-US"/>
               <a:t>Edit Master text styles</a:t>
             </a:r>
-            <a:endParaRPr lang="en-US"/>
           </a:p>
           <a:p>
             <a:pPr lvl="1"/>
@@ -2915,7 +2905,6 @@
               <a:rPr lang="en-US"/>
               <a:t>Second level</a:t>
             </a:r>
-            <a:endParaRPr lang="en-US"/>
           </a:p>
           <a:p>
             <a:pPr lvl="2"/>
@@ -2923,7 +2912,6 @@
               <a:rPr lang="en-US"/>
               <a:t>Third level</a:t>
             </a:r>
-            <a:endParaRPr lang="en-US"/>
           </a:p>
           <a:p>
             <a:pPr lvl="3"/>
@@ -2931,7 +2919,6 @@
               <a:rPr lang="en-US"/>
               <a:t>Fourth level</a:t>
             </a:r>
-            <a:endParaRPr lang="en-US"/>
           </a:p>
           <a:p>
             <a:pPr lvl="4"/>
@@ -2960,6 +2947,7 @@
           <a:p>
             <a:fld id="{B61BEF0D-F0BB-DE4B-95CE-6DB70DBA9567}" type="datetimeFigureOut">
               <a:rPr lang="en-US" dirty="0"/>
+              <a:t>7/6/2023</a:t>
             </a:fld>
             <a:endParaRPr lang="en-US" dirty="0"/>
           </a:p>
@@ -3001,6 +2989,7 @@
           <a:p>
             <a:fld id="{D57F1E4F-1CFF-5643-939E-217C01CDF565}" type="slidenum">
               <a:rPr lang="en-US" dirty="0"/>
+              <a:t>‹#›</a:t>
             </a:fld>
             <a:endParaRPr lang="en-US" dirty="0"/>
           </a:p>
@@ -3136,7 +3125,6 @@
               <a:rPr lang="en-US"/>
               <a:t>Edit Master text styles</a:t>
             </a:r>
-            <a:endParaRPr lang="en-US"/>
           </a:p>
           <a:p>
             <a:pPr lvl="1"/>
@@ -3144,7 +3132,6 @@
               <a:rPr lang="en-US"/>
               <a:t>Second level</a:t>
             </a:r>
-            <a:endParaRPr lang="en-US"/>
           </a:p>
           <a:p>
             <a:pPr lvl="2"/>
@@ -3152,7 +3139,6 @@
               <a:rPr lang="en-US"/>
               <a:t>Third level</a:t>
             </a:r>
-            <a:endParaRPr lang="en-US"/>
           </a:p>
           <a:p>
             <a:pPr lvl="3"/>
@@ -3160,7 +3146,6 @@
               <a:rPr lang="en-US"/>
               <a:t>Fourth level</a:t>
             </a:r>
-            <a:endParaRPr lang="en-US"/>
           </a:p>
           <a:p>
             <a:pPr lvl="4"/>
@@ -3189,6 +3174,7 @@
           <a:p>
             <a:fld id="{52647F38-B617-4D2F-AE0A-013F0C4D2C57}" type="datetimeFigureOut">
               <a:rPr lang="en-US" dirty="0"/>
+              <a:t>7/6/2023</a:t>
             </a:fld>
             <a:endParaRPr lang="en-US" dirty="0"/>
           </a:p>
@@ -3230,6 +3216,7 @@
           <a:p>
             <a:fld id="{E97799C9-84D9-46D2-A11E-BCF8A720529D}" type="slidenum">
               <a:rPr lang="en-US" dirty="0"/>
+              <a:t>‹#›</a:t>
             </a:fld>
             <a:endParaRPr lang="en-US" dirty="0"/>
           </a:p>
@@ -3410,7 +3397,6 @@
               <a:rPr lang="en-US"/>
               <a:t>Edit Master text styles</a:t>
             </a:r>
-            <a:endParaRPr lang="en-US"/>
           </a:p>
         </p:txBody>
       </p:sp>
@@ -3431,6 +3417,7 @@
           <a:p>
             <a:fld id="{B61BEF0D-F0BB-DE4B-95CE-6DB70DBA9567}" type="datetimeFigureOut">
               <a:rPr lang="en-US" dirty="0"/>
+              <a:t>7/6/2023</a:t>
             </a:fld>
             <a:endParaRPr lang="en-US" dirty="0"/>
           </a:p>
@@ -3472,6 +3459,7 @@
           <a:p>
             <a:fld id="{D57F1E4F-1CFF-5643-939E-217C01CDF565}" type="slidenum">
               <a:rPr lang="en-US" dirty="0"/>
+              <a:t>‹#›</a:t>
             </a:fld>
             <a:endParaRPr lang="en-US" dirty="0"/>
           </a:p>
@@ -3614,7 +3602,6 @@
               <a:rPr lang="en-US"/>
               <a:t>Edit Master text styles</a:t>
             </a:r>
-            <a:endParaRPr lang="en-US"/>
           </a:p>
           <a:p>
             <a:pPr lvl="1"/>
@@ -3622,7 +3609,6 @@
               <a:rPr lang="en-US"/>
               <a:t>Second level</a:t>
             </a:r>
-            <a:endParaRPr lang="en-US"/>
           </a:p>
           <a:p>
             <a:pPr lvl="2"/>
@@ -3630,7 +3616,6 @@
               <a:rPr lang="en-US"/>
               <a:t>Third level</a:t>
             </a:r>
-            <a:endParaRPr lang="en-US"/>
           </a:p>
           <a:p>
             <a:pPr lvl="3"/>
@@ -3638,7 +3623,6 @@
               <a:rPr lang="en-US"/>
               <a:t>Fourth level</a:t>
             </a:r>
-            <a:endParaRPr lang="en-US"/>
           </a:p>
           <a:p>
             <a:pPr lvl="4"/>
@@ -3677,7 +3661,6 @@
               <a:rPr lang="en-US"/>
               <a:t>Edit Master text styles</a:t>
             </a:r>
-            <a:endParaRPr lang="en-US"/>
           </a:p>
           <a:p>
             <a:pPr lvl="1"/>
@@ -3685,7 +3668,6 @@
               <a:rPr lang="en-US"/>
               <a:t>Second level</a:t>
             </a:r>
-            <a:endParaRPr lang="en-US"/>
           </a:p>
           <a:p>
             <a:pPr lvl="2"/>
@@ -3693,7 +3675,6 @@
               <a:rPr lang="en-US"/>
               <a:t>Third level</a:t>
             </a:r>
-            <a:endParaRPr lang="en-US"/>
           </a:p>
           <a:p>
             <a:pPr lvl="3"/>
@@ -3701,7 +3682,6 @@
               <a:rPr lang="en-US"/>
               <a:t>Fourth level</a:t>
             </a:r>
-            <a:endParaRPr lang="en-US"/>
           </a:p>
           <a:p>
             <a:pPr lvl="4"/>
@@ -3730,6 +3710,7 @@
           <a:p>
             <a:fld id="{05BFA754-D5C3-4E66-96A6-867B257F58DC}" type="datetimeFigureOut">
               <a:rPr lang="en-US" dirty="0"/>
+              <a:t>7/6/2023</a:t>
             </a:fld>
             <a:endParaRPr lang="en-US" dirty="0"/>
           </a:p>
@@ -3771,6 +3752,7 @@
           <a:p>
             <a:fld id="{5D84065D-F351-4B03-BD91-D8A6B8D4B362}" type="slidenum">
               <a:rPr lang="en-US" dirty="0"/>
+              <a:t>‹#›</a:t>
             </a:fld>
             <a:endParaRPr lang="en-US" dirty="0"/>
           </a:p>
@@ -3902,7 +3884,6 @@
               <a:rPr lang="en-US"/>
               <a:t>Edit Master text styles</a:t>
             </a:r>
-            <a:endParaRPr lang="en-US"/>
           </a:p>
         </p:txBody>
       </p:sp>
@@ -3933,7 +3914,6 @@
               <a:rPr lang="en-US"/>
               <a:t>Edit Master text styles</a:t>
             </a:r>
-            <a:endParaRPr lang="en-US"/>
           </a:p>
           <a:p>
             <a:pPr lvl="1"/>
@@ -3941,7 +3921,6 @@
               <a:rPr lang="en-US"/>
               <a:t>Second level</a:t>
             </a:r>
-            <a:endParaRPr lang="en-US"/>
           </a:p>
           <a:p>
             <a:pPr lvl="2"/>
@@ -3949,7 +3928,6 @@
               <a:rPr lang="en-US"/>
               <a:t>Third level</a:t>
             </a:r>
-            <a:endParaRPr lang="en-US"/>
           </a:p>
           <a:p>
             <a:pPr lvl="3"/>
@@ -3957,7 +3935,6 @@
               <a:rPr lang="en-US"/>
               <a:t>Fourth level</a:t>
             </a:r>
-            <a:endParaRPr lang="en-US"/>
           </a:p>
           <a:p>
             <a:pPr lvl="4"/>
@@ -4043,7 +4020,6 @@
               <a:rPr lang="en-US"/>
               <a:t>Edit Master text styles</a:t>
             </a:r>
-            <a:endParaRPr lang="en-US"/>
           </a:p>
         </p:txBody>
       </p:sp>
@@ -4074,7 +4050,6 @@
               <a:rPr lang="en-US"/>
               <a:t>Edit Master text styles</a:t>
             </a:r>
-            <a:endParaRPr lang="en-US"/>
           </a:p>
           <a:p>
             <a:pPr lvl="1"/>
@@ -4082,7 +4057,6 @@
               <a:rPr lang="en-US"/>
               <a:t>Second level</a:t>
             </a:r>
-            <a:endParaRPr lang="en-US"/>
           </a:p>
           <a:p>
             <a:pPr lvl="2"/>
@@ -4090,7 +4064,6 @@
               <a:rPr lang="en-US"/>
               <a:t>Third level</a:t>
             </a:r>
-            <a:endParaRPr lang="en-US"/>
           </a:p>
           <a:p>
             <a:pPr lvl="3"/>
@@ -4098,7 +4071,6 @@
               <a:rPr lang="en-US"/>
               <a:t>Fourth level</a:t>
             </a:r>
-            <a:endParaRPr lang="en-US"/>
           </a:p>
           <a:p>
             <a:pPr lvl="4"/>
@@ -4127,6 +4099,7 @@
           <a:p>
             <a:fld id="{B61BEF0D-F0BB-DE4B-95CE-6DB70DBA9567}" type="datetimeFigureOut">
               <a:rPr lang="en-US" dirty="0"/>
+              <a:t>7/6/2023</a:t>
             </a:fld>
             <a:endParaRPr lang="en-US" dirty="0"/>
           </a:p>
@@ -4168,6 +4141,7 @@
           <a:p>
             <a:fld id="{D57F1E4F-1CFF-5643-939E-217C01CDF565}" type="slidenum">
               <a:rPr lang="en-US" dirty="0"/>
+              <a:t>‹#›</a:t>
             </a:fld>
             <a:endParaRPr lang="en-US" dirty="0"/>
           </a:p>
@@ -4269,6 +4243,7 @@
           <a:p>
             <a:fld id="{B61BEF0D-F0BB-DE4B-95CE-6DB70DBA9567}" type="datetimeFigureOut">
               <a:rPr lang="en-US" dirty="0"/>
+              <a:t>7/6/2023</a:t>
             </a:fld>
             <a:endParaRPr lang="en-US" dirty="0"/>
           </a:p>
@@ -4310,6 +4285,7 @@
           <a:p>
             <a:fld id="{D57F1E4F-1CFF-5643-939E-217C01CDF565}" type="slidenum">
               <a:rPr lang="en-US" dirty="0"/>
+              <a:t>‹#›</a:t>
             </a:fld>
             <a:endParaRPr lang="en-US" dirty="0"/>
           </a:p>
@@ -4388,6 +4364,7 @@
           <a:p>
             <a:fld id="{B61BEF0D-F0BB-DE4B-95CE-6DB70DBA9567}" type="datetimeFigureOut">
               <a:rPr lang="en-US" dirty="0"/>
+              <a:t>7/6/2023</a:t>
             </a:fld>
             <a:endParaRPr lang="en-US" dirty="0"/>
           </a:p>
@@ -4429,6 +4406,7 @@
           <a:p>
             <a:fld id="{D57F1E4F-1CFF-5643-939E-217C01CDF565}" type="slidenum">
               <a:rPr lang="en-US" dirty="0"/>
+              <a:t>‹#›</a:t>
             </a:fld>
             <a:endParaRPr lang="en-US" dirty="0"/>
           </a:p>
@@ -4520,7 +4498,6 @@
               <a:rPr lang="en-US"/>
               <a:t>Edit Master text styles</a:t>
             </a:r>
-            <a:endParaRPr lang="en-US"/>
           </a:p>
           <a:p>
             <a:pPr lvl="1"/>
@@ -4528,7 +4505,6 @@
               <a:rPr lang="en-US"/>
               <a:t>Second level</a:t>
             </a:r>
-            <a:endParaRPr lang="en-US"/>
           </a:p>
           <a:p>
             <a:pPr lvl="2"/>
@@ -4536,7 +4512,6 @@
               <a:rPr lang="en-US"/>
               <a:t>Third level</a:t>
             </a:r>
-            <a:endParaRPr lang="en-US"/>
           </a:p>
           <a:p>
             <a:pPr lvl="3"/>
@@ -4544,7 +4519,6 @@
               <a:rPr lang="en-US"/>
               <a:t>Fourth level</a:t>
             </a:r>
-            <a:endParaRPr lang="en-US"/>
           </a:p>
           <a:p>
             <a:pPr lvl="4"/>
@@ -4620,7 +4594,6 @@
               <a:rPr lang="en-US"/>
               <a:t>Edit Master text styles</a:t>
             </a:r>
-            <a:endParaRPr lang="en-US"/>
           </a:p>
         </p:txBody>
       </p:sp>
@@ -4641,6 +4614,7 @@
           <a:p>
             <a:fld id="{B61BEF0D-F0BB-DE4B-95CE-6DB70DBA9567}" type="datetimeFigureOut">
               <a:rPr lang="en-US" dirty="0"/>
+              <a:t>7/6/2023</a:t>
             </a:fld>
             <a:endParaRPr lang="en-US" dirty="0"/>
           </a:p>
@@ -4682,6 +4656,7 @@
           <a:p>
             <a:fld id="{D57F1E4F-1CFF-5643-939E-217C01CDF565}" type="slidenum">
               <a:rPr lang="en-US" dirty="0"/>
+              <a:t>‹#›</a:t>
             </a:fld>
             <a:endParaRPr lang="en-US" dirty="0"/>
           </a:p>
@@ -4929,7 +4904,6 @@
               <a:rPr lang="en-US"/>
               <a:t>Edit Master text styles</a:t>
             </a:r>
-            <a:endParaRPr lang="en-US"/>
           </a:p>
         </p:txBody>
       </p:sp>
@@ -4950,6 +4924,7 @@
           <a:p>
             <a:fld id="{B61BEF0D-F0BB-DE4B-95CE-6DB70DBA9567}" type="datetimeFigureOut">
               <a:rPr lang="en-US" dirty="0"/>
+              <a:t>7/6/2023</a:t>
             </a:fld>
             <a:endParaRPr lang="en-US" dirty="0"/>
           </a:p>
@@ -4991,6 +4966,7 @@
           <a:p>
             <a:fld id="{D57F1E4F-1CFF-5643-939E-217C01CDF565}" type="slidenum">
               <a:rPr lang="en-US" dirty="0"/>
+              <a:t>‹#›</a:t>
             </a:fld>
             <a:endParaRPr lang="en-US" dirty="0"/>
           </a:p>
@@ -5049,7 +5025,7 @@
             <p:nvPr/>
           </p:nvPicPr>
           <p:blipFill>
-            <a:blip r:embed="rId18">
+            <a:blip r:embed="rId19">
               <a:extLst>
                 <a:ext uri="{28A0092B-C50C-407E-A947-70E740481C1C}">
                   <a14:useLocalDpi xmlns:a14="http://schemas.microsoft.com/office/drawing/2010/main" val="0"/>
@@ -5113,7 +5089,7 @@
             <p:nvPr/>
           </p:nvPicPr>
           <p:blipFill rotWithShape="1">
-            <a:blip r:embed="rId19">
+            <a:blip r:embed="rId20">
               <a:extLst>
                 <a:ext uri="{28A0092B-C50C-407E-A947-70E740481C1C}">
                   <a14:useLocalDpi xmlns:a14="http://schemas.microsoft.com/office/drawing/2010/main" val="0"/>
@@ -5144,7 +5120,7 @@
             <p:nvPr/>
           </p:nvPicPr>
           <p:blipFill rotWithShape="1">
-            <a:blip r:embed="rId19">
+            <a:blip r:embed="rId20">
               <a:extLst>
                 <a:ext uri="{28A0092B-C50C-407E-A947-70E740481C1C}">
                   <a14:useLocalDpi xmlns:a14="http://schemas.microsoft.com/office/drawing/2010/main" val="0"/>
@@ -5231,7 +5207,6 @@
               <a:rPr lang="en-US"/>
               <a:t>Edit Master text styles</a:t>
             </a:r>
-            <a:endParaRPr lang="en-US"/>
           </a:p>
           <a:p>
             <a:pPr lvl="1"/>
@@ -5239,7 +5214,6 @@
               <a:rPr lang="en-US"/>
               <a:t>Second level</a:t>
             </a:r>
-            <a:endParaRPr lang="en-US"/>
           </a:p>
           <a:p>
             <a:pPr lvl="2"/>
@@ -5247,7 +5221,6 @@
               <a:rPr lang="en-US"/>
               <a:t>Third level</a:t>
             </a:r>
-            <a:endParaRPr lang="en-US"/>
           </a:p>
           <a:p>
             <a:pPr lvl="3"/>
@@ -5255,7 +5228,6 @@
               <a:rPr lang="en-US"/>
               <a:t>Fourth level</a:t>
             </a:r>
-            <a:endParaRPr lang="en-US"/>
           </a:p>
           <a:p>
             <a:pPr lvl="4"/>
@@ -5302,6 +5274,7 @@
           <a:p>
             <a:fld id="{B61BEF0D-F0BB-DE4B-95CE-6DB70DBA9567}" type="datetimeFigureOut">
               <a:rPr lang="en-US" dirty="0"/>
+              <a:t>7/6/2023</a:t>
             </a:fld>
             <a:endParaRPr lang="en-US" dirty="0"/>
           </a:p>
@@ -5379,6 +5352,7 @@
           <a:p>
             <a:fld id="{D57F1E4F-1CFF-5643-939E-217C01CDF565}" type="slidenum">
               <a:rPr lang="en-US" dirty="0"/>
+              <a:t>‹#›</a:t>
             </a:fld>
             <a:endParaRPr lang="en-US" dirty="0"/>
           </a:p>
@@ -5857,7 +5831,6 @@
               <a:rPr lang="en-US" dirty="0"/>
               <a:t>HTML</a:t>
             </a:r>
-            <a:endParaRPr lang="en-US" dirty="0"/>
           </a:p>
         </p:txBody>
       </p:sp>
@@ -5905,7 +5878,6 @@
               <a:rPr lang="en-US" dirty="0"/>
               <a:t>HTML 5</a:t>
             </a:r>
-            <a:endParaRPr lang="en-US" dirty="0"/>
           </a:p>
         </p:txBody>
       </p:sp>
@@ -5930,14 +5902,12 @@
               <a:rPr lang="en-US" dirty="0"/>
               <a:t>HTML 5 enables to create more interactive websites by embedding audio, video and graphics on the web page.</a:t>
             </a:r>
-            <a:endParaRPr lang="en-US" dirty="0"/>
           </a:p>
           <a:p>
             <a:r>
               <a:rPr lang="en-US" dirty="0"/>
               <a:t>The purpose of HTML5 is primarily to make it easier for web developers. New features:</a:t>
             </a:r>
-            <a:endParaRPr lang="en-US" dirty="0"/>
           </a:p>
           <a:p>
             <a:pPr marL="0" indent="0">
@@ -5947,7 +5917,6 @@
               <a:rPr lang="en-US" dirty="0"/>
               <a:t>- Browser Support Geolocation</a:t>
             </a:r>
-            <a:endParaRPr lang="en-US" dirty="0"/>
           </a:p>
           <a:p>
             <a:pPr marL="0" indent="0">
@@ -5957,7 +5926,6 @@
               <a:rPr lang="en-US" dirty="0"/>
               <a:t>- Offline Application Cache</a:t>
             </a:r>
-            <a:endParaRPr lang="en-US" dirty="0"/>
           </a:p>
           <a:p>
             <a:pPr marL="0" indent="0">
@@ -5967,7 +5935,6 @@
               <a:rPr lang="en-US" dirty="0"/>
               <a:t>- Web Storage</a:t>
             </a:r>
-            <a:endParaRPr lang="en-US" dirty="0"/>
           </a:p>
           <a:p>
             <a:pPr marL="0" indent="0">
@@ -5977,7 +5944,6 @@
               <a:rPr lang="en-US" dirty="0"/>
               <a:t>- Error Handling</a:t>
             </a:r>
-            <a:endParaRPr lang="en-US" dirty="0"/>
           </a:p>
           <a:p>
             <a:pPr marL="0" indent="0">
@@ -5987,7 +5953,6 @@
               <a:rPr lang="en-US" dirty="0"/>
               <a:t>-  New Application Programming Interface (API)</a:t>
             </a:r>
-            <a:endParaRPr lang="en-US" dirty="0"/>
           </a:p>
           <a:p>
             <a:pPr marL="0" indent="0">
@@ -5997,7 +5962,6 @@
               <a:rPr lang="en-US" dirty="0"/>
               <a:t>- New Structure</a:t>
             </a:r>
-            <a:endParaRPr lang="en-US" dirty="0"/>
           </a:p>
         </p:txBody>
       </p:sp>
@@ -6085,7 +6049,6 @@
               <a:rPr lang="en-US" dirty="0"/>
               <a:t>&lt;!DOCTYPE HTML PUBLIC "-//W3C//DTD HTML 4.01//EN" "http://www.w3.org/TR/html4/strict.dtd"&gt;</a:t>
             </a:r>
-            <a:endParaRPr lang="en-US" dirty="0"/>
           </a:p>
         </p:txBody>
       </p:sp>
@@ -6185,7 +6148,6 @@
               <a:rPr lang="en-US" dirty="0"/>
               <a:t>The &lt;!DOCTYPE&gt; declaration is not case sensitive.</a:t>
             </a:r>
-            <a:endParaRPr lang="en-US" dirty="0"/>
           </a:p>
         </p:txBody>
       </p:sp>
@@ -6206,7 +6168,14 @@
         <p:cNvGrpSpPr/>
         <p:nvPr/>
       </p:nvGrpSpPr>
-      <p:grpSpPr/>
+      <p:grpSpPr>
+        <a:xfrm>
+          <a:off x="0" y="0"/>
+          <a:ext cx="0" cy="0"/>
+          <a:chOff x="0" y="0"/>
+          <a:chExt cx="0" cy="0"/>
+        </a:xfrm>
+      </p:grpSpPr>
       <p:sp>
         <p:nvSpPr>
           <p:cNvPr id="2" name="Title 1"/>
@@ -6220,12 +6189,12 @@
         <p:spPr/>
         <p:txBody>
           <a:bodyPr/>
+          <a:lstStyle/>
           <a:p>
             <a:r>
               <a:rPr lang="en-US"/>
               <a:t>Pratical 1</a:t>
             </a:r>
-            <a:endParaRPr lang="en-US"/>
           </a:p>
         </p:txBody>
       </p:sp>
@@ -6244,19 +6213,18 @@
           <a:bodyPr>
             <a:normAutofit fontScale="90000" lnSpcReduction="10000"/>
           </a:bodyPr>
+          <a:lstStyle/>
           <a:p>
             <a:r>
               <a:rPr lang="en-US"/>
               <a:t>Create a simple plan text web page.</a:t>
             </a:r>
-            <a:endParaRPr lang="en-US"/>
           </a:p>
           <a:p>
             <a:r>
               <a:rPr lang="en-US"/>
               <a:t>Insert new line in web page.</a:t>
             </a:r>
-            <a:endParaRPr lang="en-US"/>
           </a:p>
           <a:p>
             <a:pPr marL="0" indent="0">
@@ -6266,14 +6234,12 @@
               <a:rPr lang="en-US"/>
               <a:t>&lt;br&gt;,&lt;hr&gt;</a:t>
             </a:r>
-            <a:endParaRPr lang="en-US"/>
           </a:p>
           <a:p>
             <a:r>
               <a:rPr lang="en-US"/>
               <a:t>Introduction to heading,paragraph,span</a:t>
             </a:r>
-            <a:endParaRPr lang="en-US"/>
           </a:p>
           <a:p>
             <a:pPr marL="0" indent="0">
@@ -6283,14 +6249,12 @@
               <a:rPr lang="en-US"/>
               <a:t>&lt;h1&gt;/h1&gt;,&lt;p&gt;&lt;/p&gt;,&lt;span&gt;&lt;/span&gt;</a:t>
             </a:r>
-            <a:endParaRPr lang="en-US"/>
           </a:p>
           <a:p>
             <a:r>
               <a:rPr lang="en-US"/>
               <a:t>Introduction to underline,bold.itlaic.</a:t>
             </a:r>
-            <a:endParaRPr lang="en-US"/>
           </a:p>
           <a:p>
             <a:pPr marL="0" indent="0">
@@ -6300,7 +6264,6 @@
               <a:rPr lang="en-US"/>
               <a:t>&lt;u&gt;&lt;/u&gt;,&lt;b&gt;&lt;/b&gt;,&lt;i&gt;&lt;/i&gt;</a:t>
             </a:r>
-            <a:endParaRPr lang="en-US"/>
           </a:p>
           <a:p>
             <a:endParaRPr lang="en-US"/>
@@ -6330,7 +6293,14 @@
         <p:cNvGrpSpPr/>
         <p:nvPr/>
       </p:nvGrpSpPr>
-      <p:grpSpPr/>
+      <p:grpSpPr>
+        <a:xfrm>
+          <a:off x="0" y="0"/>
+          <a:ext cx="0" cy="0"/>
+          <a:chOff x="0" y="0"/>
+          <a:chExt cx="0" cy="0"/>
+        </a:xfrm>
+      </p:grpSpPr>
       <p:sp>
         <p:nvSpPr>
           <p:cNvPr id="2" name="Title 1"/>
@@ -6344,12 +6314,16 @@
         <p:spPr/>
         <p:txBody>
           <a:bodyPr/>
-          <a:p>
-            <a:r>
-              <a:rPr lang="en-US"/>
-              <a:t>Pratical 1</a:t>
-            </a:r>
-            <a:endParaRPr lang="en-US"/>
+          <a:lstStyle/>
+          <a:p>
+            <a:r>
+              <a:rPr lang="en-US" dirty="0" err="1"/>
+              <a:t>Pratical</a:t>
+            </a:r>
+            <a:r>
+              <a:rPr lang="en-US" dirty="0"/>
+              <a:t> 1</a:t>
+            </a:r>
           </a:p>
         </p:txBody>
       </p:sp>
@@ -6366,117 +6340,137 @@
         <p:spPr/>
         <p:txBody>
           <a:bodyPr>
-            <a:normAutofit lnSpcReduction="10000"/>
+            <a:normAutofit/>
           </a:bodyPr>
-          <a:p>
-            <a:r>
-              <a:rPr lang="en-US"/>
-              <a:t>Introduction to strong,emphasis.</a:t>
-            </a:r>
-            <a:endParaRPr lang="en-US"/>
+          <a:lstStyle/>
+          <a:p>
+            <a:r>
+              <a:rPr lang="en-US" dirty="0"/>
+              <a:t>Introduction to </a:t>
+            </a:r>
+            <a:r>
+              <a:rPr lang="en-US" dirty="0" err="1"/>
+              <a:t>strong,emphasis</a:t>
+            </a:r>
+            <a:r>
+              <a:rPr lang="en-US" dirty="0"/>
+              <a:t>.</a:t>
+            </a:r>
           </a:p>
           <a:p>
             <a:pPr marL="0" indent="0">
               <a:buNone/>
             </a:pPr>
             <a:r>
-              <a:rPr lang="en-US"/>
+              <a:rPr lang="en-US" dirty="0"/>
               <a:t>&lt;strong&gt;&lt;/</a:t>
             </a:r>
             <a:r>
-              <a:rPr lang="en-US">
+              <a:rPr lang="en-US" dirty="0">
                 <a:sym typeface="+mn-ea"/>
               </a:rPr>
               <a:t>strong</a:t>
             </a:r>
             <a:r>
-              <a:rPr lang="en-US"/>
-              <a:t>&gt;,&lt;em&gt;&lt;/em&gt;</a:t>
-            </a:r>
-            <a:endParaRPr lang="en-US"/>
-          </a:p>
-          <a:p>
-            <a:r>
-              <a:rPr lang="en-US">
+              <a:rPr lang="en-US" dirty="0"/>
+              <a:t>&gt;,&lt;</a:t>
+            </a:r>
+            <a:r>
+              <a:rPr lang="en-US" dirty="0" err="1"/>
+              <a:t>em</a:t>
+            </a:r>
+            <a:r>
+              <a:rPr lang="en-US" dirty="0"/>
+              <a:t>&gt;&lt;/</a:t>
+            </a:r>
+            <a:r>
+              <a:rPr lang="en-US" dirty="0" err="1"/>
+              <a:t>em</a:t>
+            </a:r>
+            <a:r>
+              <a:rPr lang="en-US" dirty="0"/>
+              <a:t>&gt;</a:t>
+            </a:r>
+          </a:p>
+          <a:p>
+            <a:r>
+              <a:rPr lang="en-US" dirty="0">
                 <a:sym typeface="+mn-ea"/>
               </a:rPr>
-              <a:t>Introduction to blockquote,quote.</a:t>
-            </a:r>
-            <a:endParaRPr lang="en-US"/>
-          </a:p>
-          <a:p>
-            <a:r>
-              <a:rPr lang="en-US">
+              <a:t>Introduction to </a:t>
+            </a:r>
+            <a:r>
+              <a:rPr lang="en-US" dirty="0" err="1">
                 <a:sym typeface="+mn-ea"/>
               </a:rPr>
-              <a:t>&lt;</a:t>
-            </a:r>
-            <a:r>
-              <a:rPr lang="en-US">
+              <a:t>blockquote,quote</a:t>
+            </a:r>
+            <a:r>
+              <a:rPr lang="en-US" dirty="0">
                 <a:sym typeface="+mn-ea"/>
               </a:rPr>
-              <a:t>blockquote</a:t>
-            </a:r>
-            <a:r>
-              <a:rPr lang="en-US">
+              <a:t>.</a:t>
+            </a:r>
+            <a:endParaRPr lang="en-US" dirty="0"/>
+          </a:p>
+          <a:p>
+            <a:pPr marL="0" indent="0">
+              <a:buNone/>
+            </a:pPr>
+            <a:r>
+              <a:rPr lang="en-US" dirty="0">
                 <a:sym typeface="+mn-ea"/>
               </a:rPr>
-              <a:t>&gt;&lt;/</a:t>
-            </a:r>
-            <a:r>
-              <a:rPr lang="en-US">
+              <a:t>&lt;blockquote&gt;&lt;/blockquote&gt;,&lt;q&gt;&lt;/q&gt;</a:t>
+            </a:r>
+          </a:p>
+          <a:p>
+            <a:r>
+              <a:rPr lang="en-US" dirty="0">
                 <a:sym typeface="+mn-ea"/>
               </a:rPr>
-              <a:t>blockquote</a:t>
-            </a:r>
-            <a:r>
-              <a:rPr lang="en-US">
+              <a:t>Introduction to </a:t>
+            </a:r>
+            <a:r>
+              <a:rPr lang="en-US" dirty="0" err="1">
                 <a:sym typeface="+mn-ea"/>
               </a:rPr>
-              <a:t>&gt;,&lt;q&gt;&lt;/q&gt;</a:t>
-            </a:r>
-            <a:endParaRPr lang="en-US">
-              <a:sym typeface="+mn-ea"/>
-            </a:endParaRPr>
-          </a:p>
-          <a:p>
-            <a:pPr marL="0" indent="0">
-              <a:buNone/>
-            </a:pPr>
-            <a:r>
-              <a:rPr lang="en-US">
+              <a:t>delete,insert</a:t>
+            </a:r>
+            <a:r>
+              <a:rPr lang="en-US" dirty="0">
                 <a:sym typeface="+mn-ea"/>
               </a:rPr>
-              <a:t>Introduction to delete,insert.</a:t>
-            </a:r>
-            <a:endParaRPr lang="en-US"/>
+              <a:t>.</a:t>
+            </a:r>
+            <a:endParaRPr lang="en-US" dirty="0"/>
           </a:p>
           <a:p>
             <a:pPr marL="0" indent="0">
               <a:buNone/>
             </a:pPr>
             <a:r>
-              <a:rPr lang="en-US">
+              <a:rPr lang="en-US" dirty="0">
                 <a:sym typeface="+mn-ea"/>
               </a:rPr>
               <a:t>&lt;del&gt;&lt;/del&gt;,&lt;ins&gt;&lt;/ins&gt;</a:t>
             </a:r>
-            <a:endParaRPr lang="en-US"/>
+            <a:endParaRPr lang="en-US" dirty="0"/>
           </a:p>
           <a:p>
             <a:pPr marL="0" indent="0">
               <a:buNone/>
             </a:pPr>
-            <a:endParaRPr lang="en-US"/>
-          </a:p>
-          <a:p>
-            <a:endParaRPr lang="en-US"/>
-          </a:p>
-          <a:p>
-            <a:endParaRPr lang="en-US"/>
-          </a:p>
-          <a:p>
-            <a:endParaRPr lang="en-US"/>
+            <a:endParaRPr lang="en-US" dirty="0"/>
+          </a:p>
+          <a:p>
+            <a:endParaRPr lang="en-US" dirty="0"/>
+          </a:p>
+          <a:p>
+            <a:endParaRPr lang="en-US" dirty="0"/>
+          </a:p>
+          <a:p>
+            <a:endParaRPr lang="en-US" dirty="0"/>
           </a:p>
         </p:txBody>
       </p:sp>
@@ -6497,7 +6491,14 @@
         <p:cNvGrpSpPr/>
         <p:nvPr/>
       </p:nvGrpSpPr>
-      <p:grpSpPr/>
+      <p:grpSpPr>
+        <a:xfrm>
+          <a:off x="0" y="0"/>
+          <a:ext cx="0" cy="0"/>
+          <a:chOff x="0" y="0"/>
+          <a:chExt cx="0" cy="0"/>
+        </a:xfrm>
+      </p:grpSpPr>
       <p:sp>
         <p:nvSpPr>
           <p:cNvPr id="2" name="Title 1"/>
@@ -6511,12 +6512,16 @@
         <p:spPr/>
         <p:txBody>
           <a:bodyPr/>
-          <a:p>
-            <a:r>
-              <a:rPr lang="en-US"/>
-              <a:t>Pratical 1</a:t>
-            </a:r>
-            <a:endParaRPr lang="en-US"/>
+          <a:lstStyle/>
+          <a:p>
+            <a:r>
+              <a:rPr lang="en-US" dirty="0" err="1"/>
+              <a:t>Pratical</a:t>
+            </a:r>
+            <a:r>
+              <a:rPr lang="en-US" dirty="0"/>
+              <a:t> 2</a:t>
+            </a:r>
           </a:p>
         </p:txBody>
       </p:sp>
@@ -6533,61 +6538,90 @@
         <p:spPr/>
         <p:txBody>
           <a:bodyPr>
-            <a:normAutofit lnSpcReduction="10000"/>
+            <a:normAutofit/>
           </a:bodyPr>
-          <a:p>
-            <a:r>
-              <a:rPr lang="en-US"/>
-              <a:t>Introduction to subscript,superscript.</a:t>
-            </a:r>
-            <a:endParaRPr lang="en-US"/>
+          <a:lstStyle/>
+          <a:p>
+            <a:r>
+              <a:rPr lang="en-US" dirty="0"/>
+              <a:t>Introduction to </a:t>
+            </a:r>
+            <a:r>
+              <a:rPr lang="en-US" dirty="0" err="1"/>
+              <a:t>subscript,superscript</a:t>
+            </a:r>
+            <a:r>
+              <a:rPr lang="en-US" dirty="0"/>
+              <a:t>.</a:t>
+            </a:r>
           </a:p>
           <a:p>
             <a:pPr marL="0" indent="0">
               <a:buNone/>
             </a:pPr>
             <a:r>
-              <a:rPr lang="en-US"/>
+              <a:rPr lang="en-US" dirty="0"/>
               <a:t>&lt;sub&gt;&lt;/</a:t>
             </a:r>
             <a:r>
-              <a:rPr lang="en-US">
+              <a:rPr lang="en-US" dirty="0">
                 <a:sym typeface="+mn-ea"/>
               </a:rPr>
               <a:t>sub</a:t>
             </a:r>
             <a:r>
-              <a:rPr lang="en-US"/>
+              <a:rPr lang="en-US" dirty="0"/>
               <a:t>&gt;,&lt;sup&gt;&lt;/sup&gt;</a:t>
             </a:r>
-            <a:endParaRPr lang="en-US"/>
-          </a:p>
-          <a:p>
-            <a:r>
-              <a:rPr lang="en-US">
+          </a:p>
+          <a:p>
+            <a:r>
+              <a:rPr lang="en-US" dirty="0">
                 <a:sym typeface="+mn-ea"/>
               </a:rPr>
               <a:t>Introduction to address.</a:t>
             </a:r>
-            <a:endParaRPr lang="en-US"/>
-          </a:p>
-          <a:p>
-            <a:r>
-              <a:rPr lang="en-US">
+            <a:endParaRPr lang="en-US" dirty="0"/>
+          </a:p>
+          <a:p>
+            <a:pPr marL="0" indent="0">
+              <a:buNone/>
+            </a:pPr>
+            <a:r>
+              <a:rPr lang="en-US" dirty="0">
                 <a:sym typeface="+mn-ea"/>
               </a:rPr>
               <a:t>&lt;address&gt;&lt;/address&gt;</a:t>
             </a:r>
-            <a:endParaRPr lang="en-US"/>
-          </a:p>
-          <a:p>
-            <a:endParaRPr lang="en-US"/>
-          </a:p>
-          <a:p>
-            <a:endParaRPr lang="en-US"/>
-          </a:p>
-          <a:p>
-            <a:endParaRPr lang="en-US"/>
+            <a:endParaRPr lang="en-US" dirty="0"/>
+          </a:p>
+          <a:p>
+            <a:r>
+              <a:rPr lang="en-US" dirty="0"/>
+              <a:t>Introduction to Pre-format.</a:t>
+            </a:r>
+          </a:p>
+          <a:p>
+            <a:pPr marL="0" indent="0">
+              <a:buNone/>
+            </a:pPr>
+            <a:r>
+              <a:rPr lang="en-US" dirty="0"/>
+              <a:t>&lt;pre&gt;BCA   Course&lt;/ pre&gt;</a:t>
+            </a:r>
+            <a:endParaRPr lang="en-US" dirty="0">
+              <a:latin typeface="Yu Gothic UI" panose="020B0500000000000000" pitchFamily="34" charset="-128"/>
+              <a:ea typeface="Yu Gothic UI" panose="020B0500000000000000" pitchFamily="34" charset="-128"/>
+            </a:endParaRPr>
+          </a:p>
+          <a:p>
+            <a:endParaRPr lang="en-US" dirty="0"/>
+          </a:p>
+          <a:p>
+            <a:endParaRPr lang="en-US" dirty="0"/>
+          </a:p>
+          <a:p>
+            <a:endParaRPr lang="en-US" dirty="0"/>
           </a:p>
         </p:txBody>
       </p:sp>
@@ -6608,7 +6642,14 @@
         <p:cNvGrpSpPr/>
         <p:nvPr/>
       </p:nvGrpSpPr>
-      <p:grpSpPr/>
+      <p:grpSpPr>
+        <a:xfrm>
+          <a:off x="0" y="0"/>
+          <a:ext cx="0" cy="0"/>
+          <a:chOff x="0" y="0"/>
+          <a:chExt cx="0" cy="0"/>
+        </a:xfrm>
+      </p:grpSpPr>
       <p:sp>
         <p:nvSpPr>
           <p:cNvPr id="2" name="Title 1"/>
@@ -6622,12 +6663,310 @@
         <p:spPr/>
         <p:txBody>
           <a:bodyPr/>
-          <a:p>
-            <a:r>
-              <a:rPr lang="en-US"/>
-              <a:t>Pratical 1</a:t>
-            </a:r>
-            <a:endParaRPr lang="en-US"/>
+          <a:lstStyle/>
+          <a:p>
+            <a:r>
+              <a:rPr lang="en-US" dirty="0" err="1"/>
+              <a:t>Pratical</a:t>
+            </a:r>
+            <a:r>
+              <a:rPr lang="en-US" dirty="0"/>
+              <a:t> 2</a:t>
+            </a:r>
+          </a:p>
+        </p:txBody>
+      </p:sp>
+      <p:sp>
+        <p:nvSpPr>
+          <p:cNvPr id="3" name="Content Placeholder 2"/>
+          <p:cNvSpPr>
+            <a:spLocks noGrp="1"/>
+          </p:cNvSpPr>
+          <p:nvPr>
+            <p:ph idx="1"/>
+          </p:nvPr>
+        </p:nvSpPr>
+        <p:spPr/>
+        <p:txBody>
+          <a:bodyPr>
+            <a:normAutofit/>
+          </a:bodyPr>
+          <a:lstStyle/>
+          <a:p>
+            <a:r>
+              <a:rPr lang="en-US" dirty="0"/>
+              <a:t>Introduction to Abbreviation.</a:t>
+            </a:r>
+          </a:p>
+          <a:p>
+            <a:pPr marL="0" indent="0">
+              <a:buNone/>
+            </a:pPr>
+            <a:r>
+              <a:rPr lang="en-US" dirty="0"/>
+              <a:t>&lt;</a:t>
+            </a:r>
+            <a:r>
+              <a:rPr lang="en-US" dirty="0" err="1"/>
+              <a:t>abbr</a:t>
+            </a:r>
+            <a:r>
+              <a:rPr lang="en-US" dirty="0"/>
+              <a:t> title="Bachelor of Computer Application"&gt;BCA&lt;/</a:t>
+            </a:r>
+            <a:r>
+              <a:rPr lang="en-US" dirty="0" err="1">
+                <a:sym typeface="+mn-ea"/>
+              </a:rPr>
+              <a:t>abbr</a:t>
+            </a:r>
+            <a:r>
+              <a:rPr lang="en-US" dirty="0"/>
+              <a:t>&gt;</a:t>
+            </a:r>
+            <a:endParaRPr lang="en-US" dirty="0">
+              <a:latin typeface="Yu Gothic UI" panose="020B0500000000000000" pitchFamily="34" charset="-128"/>
+              <a:ea typeface="Yu Gothic UI" panose="020B0500000000000000" pitchFamily="34" charset="-128"/>
+            </a:endParaRPr>
+          </a:p>
+          <a:p>
+            <a:r>
+              <a:rPr lang="en-US" dirty="0"/>
+              <a:t>Introduction to Address.</a:t>
+            </a:r>
+          </a:p>
+          <a:p>
+            <a:pPr marL="0" indent="0">
+              <a:buNone/>
+            </a:pPr>
+            <a:r>
+              <a:rPr lang="en-US" dirty="0"/>
+              <a:t>&lt;address&gt;</a:t>
+            </a:r>
+          </a:p>
+          <a:p>
+            <a:pPr marL="0" indent="0">
+              <a:buNone/>
+            </a:pPr>
+            <a:r>
+              <a:rPr lang="en-US" dirty="0"/>
+              <a:t>Chabahil-4,Kathmandu</a:t>
+            </a:r>
+          </a:p>
+          <a:p>
+            <a:pPr marL="0" indent="0">
+              <a:buNone/>
+            </a:pPr>
+            <a:r>
+              <a:rPr lang="en-US" dirty="0"/>
+              <a:t>&lt;/ address &gt;</a:t>
+            </a:r>
+            <a:endParaRPr lang="en-US" dirty="0">
+              <a:latin typeface="Yu Gothic UI" panose="020B0500000000000000" pitchFamily="34" charset="-128"/>
+              <a:ea typeface="Yu Gothic UI" panose="020B0500000000000000" pitchFamily="34" charset="-128"/>
+            </a:endParaRPr>
+          </a:p>
+          <a:p>
+            <a:endParaRPr lang="en-US" dirty="0"/>
+          </a:p>
+          <a:p>
+            <a:endParaRPr lang="en-US" dirty="0"/>
+          </a:p>
+          <a:p>
+            <a:endParaRPr lang="en-US" dirty="0"/>
+          </a:p>
+        </p:txBody>
+      </p:sp>
+    </p:spTree>
+  </p:cSld>
+  <p:clrMapOvr>
+    <a:masterClrMapping/>
+  </p:clrMapOvr>
+</p:sld>
+</file>
+
+<file path=ppt/slides/slide17.xml><?xml version="1.0" encoding="utf-8"?>
+<p:sld xmlns:a="http://schemas.openxmlformats.org/drawingml/2006/main" xmlns:r="http://schemas.openxmlformats.org/officeDocument/2006/relationships" xmlns:p="http://schemas.openxmlformats.org/presentationml/2006/main">
+  <p:cSld>
+    <p:spTree>
+      <p:nvGrpSpPr>
+        <p:cNvPr id="1" name=""/>
+        <p:cNvGrpSpPr/>
+        <p:nvPr/>
+      </p:nvGrpSpPr>
+      <p:grpSpPr>
+        <a:xfrm>
+          <a:off x="0" y="0"/>
+          <a:ext cx="0" cy="0"/>
+          <a:chOff x="0" y="0"/>
+          <a:chExt cx="0" cy="0"/>
+        </a:xfrm>
+      </p:grpSpPr>
+      <p:sp>
+        <p:nvSpPr>
+          <p:cNvPr id="2" name="Title 1"/>
+          <p:cNvSpPr>
+            <a:spLocks noGrp="1"/>
+          </p:cNvSpPr>
+          <p:nvPr>
+            <p:ph type="title"/>
+          </p:nvPr>
+        </p:nvSpPr>
+        <p:spPr/>
+        <p:txBody>
+          <a:bodyPr>
+            <a:normAutofit/>
+          </a:bodyPr>
+          <a:lstStyle/>
+          <a:p>
+            <a:r>
+              <a:rPr lang="en-US" dirty="0" err="1"/>
+              <a:t>Pratical</a:t>
+            </a:r>
+            <a:r>
+              <a:rPr lang="en-US" dirty="0"/>
+              <a:t> 2 (Unordered List)</a:t>
+            </a:r>
+          </a:p>
+        </p:txBody>
+      </p:sp>
+      <p:sp>
+        <p:nvSpPr>
+          <p:cNvPr id="3" name="Content Placeholder 2"/>
+          <p:cNvSpPr>
+            <a:spLocks noGrp="1"/>
+          </p:cNvSpPr>
+          <p:nvPr>
+            <p:ph idx="1"/>
+          </p:nvPr>
+        </p:nvSpPr>
+        <p:spPr/>
+        <p:txBody>
+          <a:bodyPr>
+            <a:normAutofit fontScale="92500" lnSpcReduction="10000"/>
+          </a:bodyPr>
+          <a:lstStyle/>
+          <a:p>
+            <a:pPr marL="0" indent="0">
+              <a:buNone/>
+            </a:pPr>
+            <a:r>
+              <a:rPr lang="en-US" dirty="0"/>
+              <a:t>An unordered list is used to create a bulleted list of items.</a:t>
+            </a:r>
+            <a:br>
+              <a:rPr lang="en-US" dirty="0"/>
+            </a:br>
+            <a:r>
+              <a:rPr lang="en-US" dirty="0"/>
+              <a:t>The &lt;ul&gt;..... &lt;/ul&gt; tag is used to define an unordered list; whereas, the &lt;li&gt;...&lt;/li&gt; tag is used to define the items of the list.</a:t>
+            </a:r>
+            <a:br>
+              <a:rPr lang="en-US" dirty="0"/>
+            </a:br>
+            <a:r>
+              <a:rPr lang="en-US" dirty="0"/>
+              <a:t>Ex: -</a:t>
+            </a:r>
+            <a:br>
+              <a:rPr lang="en-US" dirty="0"/>
+            </a:br>
+            <a:r>
+              <a:rPr lang="en-US" dirty="0"/>
+              <a:t>&lt;ul&gt;</a:t>
+            </a:r>
+          </a:p>
+          <a:p>
+            <a:pPr marL="0" indent="0">
+              <a:buNone/>
+            </a:pPr>
+            <a:r>
+              <a:rPr lang="en-US" dirty="0"/>
+              <a:t>&lt;li&gt;Linux&lt;/li&gt;</a:t>
+            </a:r>
+            <a:br>
+              <a:rPr lang="en-US" dirty="0"/>
+            </a:br>
+            <a:r>
+              <a:rPr lang="en-US" dirty="0"/>
+              <a:t>&lt;li&gt;Windows&lt;/li&gt;</a:t>
+            </a:r>
+            <a:br>
+              <a:rPr lang="en-US" dirty="0"/>
+            </a:br>
+            <a:r>
+              <a:rPr lang="en-US" dirty="0"/>
+              <a:t>&lt;li&gt;Mac&lt;/li&gt;</a:t>
+            </a:r>
+            <a:br>
+              <a:rPr lang="en-US" dirty="0"/>
+            </a:br>
+            <a:r>
+              <a:rPr lang="en-US" dirty="0"/>
+              <a:t>&lt;/ul&gt;</a:t>
+            </a:r>
+            <a:br>
+              <a:rPr lang="en-US" dirty="0"/>
+            </a:br>
+            <a:endParaRPr lang="en-US" dirty="0"/>
+          </a:p>
+        </p:txBody>
+      </p:sp>
+    </p:spTree>
+    <p:extLst>
+      <p:ext uri="{BB962C8B-B14F-4D97-AF65-F5344CB8AC3E}">
+        <p14:creationId xmlns:p14="http://schemas.microsoft.com/office/powerpoint/2010/main" val="3975300780"/>
+      </p:ext>
+    </p:extLst>
+  </p:cSld>
+  <p:clrMapOvr>
+    <a:masterClrMapping/>
+  </p:clrMapOvr>
+</p:sld>
+</file>
+
+<file path=ppt/slides/slide18.xml><?xml version="1.0" encoding="utf-8"?>
+<p:sld xmlns:a="http://schemas.openxmlformats.org/drawingml/2006/main" xmlns:r="http://schemas.openxmlformats.org/officeDocument/2006/relationships" xmlns:p="http://schemas.openxmlformats.org/presentationml/2006/main">
+  <p:cSld>
+    <p:spTree>
+      <p:nvGrpSpPr>
+        <p:cNvPr id="1" name=""/>
+        <p:cNvGrpSpPr/>
+        <p:nvPr/>
+      </p:nvGrpSpPr>
+      <p:grpSpPr>
+        <a:xfrm>
+          <a:off x="0" y="0"/>
+          <a:ext cx="0" cy="0"/>
+          <a:chOff x="0" y="0"/>
+          <a:chExt cx="0" cy="0"/>
+        </a:xfrm>
+      </p:grpSpPr>
+      <p:sp>
+        <p:nvSpPr>
+          <p:cNvPr id="2" name="Title 1"/>
+          <p:cNvSpPr>
+            <a:spLocks noGrp="1"/>
+          </p:cNvSpPr>
+          <p:nvPr>
+            <p:ph type="title"/>
+          </p:nvPr>
+        </p:nvSpPr>
+        <p:spPr/>
+        <p:txBody>
+          <a:bodyPr>
+            <a:normAutofit/>
+          </a:bodyPr>
+          <a:lstStyle/>
+          <a:p>
+            <a:r>
+              <a:rPr lang="en-US" dirty="0" err="1"/>
+              <a:t>Pratical</a:t>
+            </a:r>
+            <a:r>
+              <a:rPr lang="en-US" dirty="0"/>
+              <a:t> 2 (Ordered List)</a:t>
+            </a:r>
           </a:p>
         </p:txBody>
       </p:sp>
@@ -6646,45 +6985,488 @@
           <a:bodyPr>
             <a:normAutofit lnSpcReduction="10000"/>
           </a:bodyPr>
-          <a:p>
-            <a:r>
-              <a:rPr lang="en-US"/>
-              <a:t>Introduction to Abbreviation.</a:t>
-            </a:r>
-            <a:endParaRPr lang="en-US"/>
-          </a:p>
+          <a:lstStyle/>
           <a:p>
             <a:pPr marL="0" indent="0">
               <a:buNone/>
             </a:pPr>
             <a:r>
-              <a:rPr lang="en-US"/>
-              <a:t>&lt;abbr title=’’’’&gt;&lt;/</a:t>
-            </a:r>
-            <a:r>
-              <a:rPr lang="en-US">
-                <a:sym typeface="+mn-ea"/>
+              <a:rPr lang="en-US" dirty="0"/>
+              <a:t>﻿An ordered list displays a list of item using numbers or letters in either ascending or descending order.</a:t>
+            </a:r>
+            <a:br>
+              <a:rPr lang="en-US" dirty="0"/>
+            </a:br>
+            <a:r>
+              <a:rPr lang="en-US" dirty="0"/>
+              <a:t>The &lt;</a:t>
+            </a:r>
+            <a:r>
+              <a:rPr lang="en-US" dirty="0" err="1"/>
+              <a:t>ol</a:t>
+            </a:r>
+            <a:r>
+              <a:rPr lang="en-US" dirty="0"/>
+              <a:t>&gt;....&lt;/</a:t>
+            </a:r>
+            <a:r>
+              <a:rPr lang="en-US" dirty="0" err="1"/>
+              <a:t>ol</a:t>
+            </a:r>
+            <a:r>
+              <a:rPr lang="en-US" dirty="0"/>
+              <a:t>&gt; tag is used to define an ordered list; whereas the &lt;li&gt;...&lt;/li&gt; tag is used to define the items of list.</a:t>
+            </a:r>
+            <a:br>
+              <a:rPr lang="en-US" dirty="0"/>
+            </a:br>
+            <a:r>
+              <a:rPr lang="en-US" dirty="0"/>
+              <a:t>Ex:</a:t>
+            </a:r>
+            <a:br>
+              <a:rPr lang="en-US" dirty="0"/>
+            </a:br>
+            <a:r>
+              <a:rPr lang="en-US" dirty="0"/>
+              <a:t>&lt;</a:t>
+            </a:r>
+            <a:r>
+              <a:rPr lang="en-US" dirty="0" err="1"/>
+              <a:t>ol</a:t>
+            </a:r>
+            <a:r>
+              <a:rPr lang="en-US" dirty="0"/>
+              <a:t>&gt;</a:t>
+            </a:r>
+            <a:br>
+              <a:rPr lang="en-US" dirty="0"/>
+            </a:br>
+            <a:r>
+              <a:rPr lang="en-US" dirty="0"/>
+              <a:t>&lt;li&gt;Windows&lt;/li&gt;</a:t>
+            </a:r>
+            <a:br>
+              <a:rPr lang="en-US" dirty="0"/>
+            </a:br>
+            <a:r>
+              <a:rPr lang="en-US" dirty="0"/>
+              <a:t>&lt;li&gt;Mac&lt;/li&gt;</a:t>
+            </a:r>
+            <a:br>
+              <a:rPr lang="en-US" dirty="0"/>
+            </a:br>
+            <a:r>
+              <a:rPr lang="en-US" dirty="0"/>
+              <a:t>&lt;/</a:t>
+            </a:r>
+            <a:r>
+              <a:rPr lang="en-US" dirty="0" err="1"/>
+              <a:t>ol</a:t>
+            </a:r>
+            <a:r>
+              <a:rPr lang="en-US" dirty="0"/>
+              <a:t>&gt;</a:t>
+            </a:r>
+          </a:p>
+        </p:txBody>
+      </p:sp>
+    </p:spTree>
+    <p:extLst>
+      <p:ext uri="{BB962C8B-B14F-4D97-AF65-F5344CB8AC3E}">
+        <p14:creationId xmlns:p14="http://schemas.microsoft.com/office/powerpoint/2010/main" val="3252181884"/>
+      </p:ext>
+    </p:extLst>
+  </p:cSld>
+  <p:clrMapOvr>
+    <a:masterClrMapping/>
+  </p:clrMapOvr>
+</p:sld>
+</file>
+
+<file path=ppt/slides/slide19.xml><?xml version="1.0" encoding="utf-8"?>
+<p:sld xmlns:a="http://schemas.openxmlformats.org/drawingml/2006/main" xmlns:r="http://schemas.openxmlformats.org/officeDocument/2006/relationships" xmlns:p="http://schemas.openxmlformats.org/presentationml/2006/main">
+  <p:cSld>
+    <p:spTree>
+      <p:nvGrpSpPr>
+        <p:cNvPr id="1" name=""/>
+        <p:cNvGrpSpPr/>
+        <p:nvPr/>
+      </p:nvGrpSpPr>
+      <p:grpSpPr>
+        <a:xfrm>
+          <a:off x="0" y="0"/>
+          <a:ext cx="0" cy="0"/>
+          <a:chOff x="0" y="0"/>
+          <a:chExt cx="0" cy="0"/>
+        </a:xfrm>
+      </p:grpSpPr>
+      <p:sp>
+        <p:nvSpPr>
+          <p:cNvPr id="2" name="Title 1"/>
+          <p:cNvSpPr>
+            <a:spLocks noGrp="1"/>
+          </p:cNvSpPr>
+          <p:nvPr>
+            <p:ph type="title"/>
+          </p:nvPr>
+        </p:nvSpPr>
+        <p:spPr/>
+        <p:txBody>
+          <a:bodyPr>
+            <a:normAutofit/>
+          </a:bodyPr>
+          <a:lstStyle/>
+          <a:p>
+            <a:r>
+              <a:rPr lang="en-US" dirty="0" err="1"/>
+              <a:t>Pratical</a:t>
+            </a:r>
+            <a:r>
+              <a:rPr lang="en-US" dirty="0"/>
+              <a:t> 2 (Ordered List)</a:t>
+            </a:r>
+          </a:p>
+        </p:txBody>
+      </p:sp>
+      <p:sp>
+        <p:nvSpPr>
+          <p:cNvPr id="3" name="Content Placeholder 2"/>
+          <p:cNvSpPr>
+            <a:spLocks noGrp="1"/>
+          </p:cNvSpPr>
+          <p:nvPr>
+            <p:ph idx="1"/>
+          </p:nvPr>
+        </p:nvSpPr>
+        <p:spPr>
+          <a:xfrm>
+            <a:off x="1295401" y="2635624"/>
+            <a:ext cx="9601196" cy="3509682"/>
+          </a:xfrm>
+        </p:spPr>
+        <p:txBody>
+          <a:bodyPr>
+            <a:normAutofit lnSpcReduction="10000"/>
+          </a:bodyPr>
+          <a:lstStyle/>
+          <a:p>
+            <a:pPr marL="0" indent="0">
+              <a:buNone/>
+            </a:pPr>
+            <a:endParaRPr lang="it-IT" dirty="0">
+              <a:latin typeface="Arial" panose="020B0604020202020204" pitchFamily="34" charset="0"/>
+              <a:cs typeface="Arial" panose="020B0604020202020204" pitchFamily="34" charset="0"/>
+            </a:endParaRPr>
+          </a:p>
+          <a:p>
+            <a:pPr marL="0" indent="0">
+              <a:buNone/>
+            </a:pPr>
+            <a:endParaRPr lang="it-IT" dirty="0">
+              <a:latin typeface="Arial" panose="020B0604020202020204" pitchFamily="34" charset="0"/>
+              <a:cs typeface="Arial" panose="020B0604020202020204" pitchFamily="34" charset="0"/>
+            </a:endParaRPr>
+          </a:p>
+          <a:p>
+            <a:pPr marL="0" indent="0">
+              <a:buNone/>
+            </a:pPr>
+            <a:endParaRPr lang="it-IT" dirty="0">
+              <a:latin typeface="Arial" panose="020B0604020202020204" pitchFamily="34" charset="0"/>
+              <a:cs typeface="Arial" panose="020B0604020202020204" pitchFamily="34" charset="0"/>
+            </a:endParaRPr>
+          </a:p>
+          <a:p>
+            <a:pPr marL="0" indent="0">
+              <a:buNone/>
+            </a:pPr>
+            <a:br>
+              <a:rPr lang="it-IT" dirty="0">
+                <a:latin typeface="Arial" panose="020B0604020202020204" pitchFamily="34" charset="0"/>
+                <a:cs typeface="Arial" panose="020B0604020202020204" pitchFamily="34" charset="0"/>
               </a:rPr>
-              <a:t>abbr</a:t>
-            </a:r>
-            <a:r>
-              <a:rPr lang="en-US"/>
-              <a:t>&gt;</a:t>
-            </a:r>
-            <a:endParaRPr lang="en-US"/>
-          </a:p>
-          <a:p>
-            <a:endParaRPr lang="en-US"/>
-          </a:p>
-          <a:p>
-            <a:endParaRPr lang="en-US"/>
-          </a:p>
-          <a:p>
-            <a:endParaRPr lang="en-US"/>
-          </a:p>
-        </p:txBody>
-      </p:sp>
+            </a:br>
+            <a:r>
+              <a:rPr lang="it-IT" dirty="0">
+                <a:latin typeface="Arial" panose="020B0604020202020204" pitchFamily="34" charset="0"/>
+                <a:cs typeface="Arial" panose="020B0604020202020204" pitchFamily="34" charset="0"/>
+              </a:rPr>
+              <a:t>&lt;ol type="1" start="5" reversed="reversed " &gt;</a:t>
+            </a:r>
+          </a:p>
+          <a:p>
+            <a:pPr marL="0" indent="0">
+              <a:buNone/>
+            </a:pPr>
+            <a:r>
+              <a:rPr lang="en-US" dirty="0">
+                <a:latin typeface="Arial" panose="020B0604020202020204" pitchFamily="34" charset="0"/>
+                <a:cs typeface="Arial" panose="020B0604020202020204" pitchFamily="34" charset="0"/>
+              </a:rPr>
+              <a:t>&lt;li&gt;Linux&lt;/li&gt;</a:t>
+            </a:r>
+            <a:br>
+              <a:rPr lang="en-US" dirty="0">
+                <a:latin typeface="Arial" panose="020B0604020202020204" pitchFamily="34" charset="0"/>
+                <a:cs typeface="Arial" panose="020B0604020202020204" pitchFamily="34" charset="0"/>
+              </a:rPr>
+            </a:br>
+            <a:r>
+              <a:rPr lang="en-US" dirty="0">
+                <a:latin typeface="Arial" panose="020B0604020202020204" pitchFamily="34" charset="0"/>
+                <a:cs typeface="Arial" panose="020B0604020202020204" pitchFamily="34" charset="0"/>
+              </a:rPr>
+              <a:t>&lt;li&gt;Mac&lt;/li&gt;</a:t>
+            </a:r>
+            <a:br>
+              <a:rPr lang="it-IT" dirty="0">
+                <a:latin typeface="Arial" panose="020B0604020202020204" pitchFamily="34" charset="0"/>
+                <a:cs typeface="Arial" panose="020B0604020202020204" pitchFamily="34" charset="0"/>
+              </a:rPr>
+            </a:br>
+            <a:r>
+              <a:rPr lang="it-IT" dirty="0">
+                <a:latin typeface="Arial" panose="020B0604020202020204" pitchFamily="34" charset="0"/>
+                <a:cs typeface="Arial" panose="020B0604020202020204" pitchFamily="34" charset="0"/>
+              </a:rPr>
+              <a:t>&lt;/ol&gt;</a:t>
+            </a:r>
+            <a:endParaRPr lang="en-US" dirty="0">
+              <a:latin typeface="Arial" panose="020B0604020202020204" pitchFamily="34" charset="0"/>
+              <a:cs typeface="Arial" panose="020B0604020202020204" pitchFamily="34" charset="0"/>
+            </a:endParaRPr>
+          </a:p>
+        </p:txBody>
+      </p:sp>
+      <p:graphicFrame>
+        <p:nvGraphicFramePr>
+          <p:cNvPr id="4" name="Table 3">
+            <a:extLst>
+              <a:ext uri="{FF2B5EF4-FFF2-40B4-BE49-F238E27FC236}">
+                <a16:creationId xmlns:a16="http://schemas.microsoft.com/office/drawing/2014/main" id="{AF02725B-8539-4532-AED6-05C2CE3BEC04}"/>
+              </a:ext>
+            </a:extLst>
+          </p:cNvPr>
+          <p:cNvGraphicFramePr>
+            <a:graphicFrameLocks noGrp="1"/>
+          </p:cNvGraphicFramePr>
+          <p:nvPr>
+            <p:extLst>
+              <p:ext uri="{D42A27DB-BD31-4B8C-83A1-F6EECF244321}">
+                <p14:modId xmlns:p14="http://schemas.microsoft.com/office/powerpoint/2010/main" val="3252020628"/>
+              </p:ext>
+            </p:extLst>
+          </p:nvPr>
+        </p:nvGraphicFramePr>
+        <p:xfrm>
+          <a:off x="3030069" y="2635624"/>
+          <a:ext cx="3536576" cy="1649496"/>
+        </p:xfrm>
+        <a:graphic>
+          <a:graphicData uri="http://schemas.openxmlformats.org/drawingml/2006/table">
+            <a:tbl>
+              <a:tblPr firstRow="1" bandRow="1">
+                <a:tableStyleId>{5C22544A-7EE6-4342-B048-85BDC9FD1C3A}</a:tableStyleId>
+              </a:tblPr>
+              <a:tblGrid>
+                <a:gridCol w="1649507">
+                  <a:extLst>
+                    <a:ext uri="{9D8B030D-6E8A-4147-A177-3AD203B41FA5}">
+                      <a16:colId xmlns:a16="http://schemas.microsoft.com/office/drawing/2014/main" val="2916032736"/>
+                    </a:ext>
+                  </a:extLst>
+                </a:gridCol>
+                <a:gridCol w="1887069">
+                  <a:extLst>
+                    <a:ext uri="{9D8B030D-6E8A-4147-A177-3AD203B41FA5}">
+                      <a16:colId xmlns:a16="http://schemas.microsoft.com/office/drawing/2014/main" val="314510183"/>
+                    </a:ext>
+                  </a:extLst>
+                </a:gridCol>
+              </a:tblGrid>
+              <a:tr h="0">
+                <a:tc>
+                  <a:txBody>
+                    <a:bodyPr/>
+                    <a:lstStyle/>
+                    <a:p>
+                      <a:r>
+                        <a:rPr lang="it-IT" dirty="0"/>
+                        <a:t>Attribute</a:t>
+                      </a:r>
+                      <a:endParaRPr lang="en-US" dirty="0"/>
+                    </a:p>
+                  </a:txBody>
+                  <a:tcPr/>
+                </a:tc>
+                <a:tc>
+                  <a:txBody>
+                    <a:bodyPr/>
+                    <a:lstStyle/>
+                    <a:p>
+                      <a:r>
+                        <a:rPr lang="it-IT" dirty="0"/>
+                        <a:t>Value</a:t>
+                      </a:r>
+                      <a:endParaRPr lang="en-US" dirty="0"/>
+                    </a:p>
+                  </a:txBody>
+                  <a:tcPr/>
+                </a:tc>
+                <a:extLst>
+                  <a:ext uri="{0D108BD9-81ED-4DB2-BD59-A6C34878D82A}">
+                    <a16:rowId xmlns:a16="http://schemas.microsoft.com/office/drawing/2014/main" val="2665069021"/>
+                  </a:ext>
+                </a:extLst>
+              </a:tr>
+              <a:tr h="427912">
+                <a:tc>
+                  <a:txBody>
+                    <a:bodyPr/>
+                    <a:lstStyle/>
+                    <a:p>
+                      <a:r>
+                        <a:rPr lang="en-US" dirty="0"/>
+                        <a:t>type</a:t>
+                      </a:r>
+                    </a:p>
+                  </a:txBody>
+                  <a:tcPr/>
+                </a:tc>
+                <a:tc>
+                  <a:txBody>
+                    <a:bodyPr/>
+                    <a:lstStyle/>
+                    <a:p>
+                      <a:r>
+                        <a:rPr lang="it-IT" dirty="0"/>
+                        <a:t>1, A, a, I, i</a:t>
+                      </a:r>
+                      <a:endParaRPr lang="en-US" dirty="0"/>
+                    </a:p>
+                  </a:txBody>
+                  <a:tcPr/>
+                </a:tc>
+                <a:extLst>
+                  <a:ext uri="{0D108BD9-81ED-4DB2-BD59-A6C34878D82A}">
+                    <a16:rowId xmlns:a16="http://schemas.microsoft.com/office/drawing/2014/main" val="2285070198"/>
+                  </a:ext>
+                </a:extLst>
+              </a:tr>
+              <a:tr h="427912">
+                <a:tc>
+                  <a:txBody>
+                    <a:bodyPr/>
+                    <a:lstStyle/>
+                    <a:p>
+                      <a:r>
+                        <a:rPr lang="en-US" dirty="0"/>
+                        <a:t>start</a:t>
+                      </a:r>
+                    </a:p>
+                  </a:txBody>
+                  <a:tcPr/>
+                </a:tc>
+                <a:tc>
+                  <a:txBody>
+                    <a:bodyPr/>
+                    <a:lstStyle/>
+                    <a:p>
+                      <a:pPr marL="0" marR="0" lvl="0" indent="0" algn="l" defTabSz="457200" rtl="0" eaLnBrk="1" fontAlgn="auto" latinLnBrk="0" hangingPunct="1">
+                        <a:lnSpc>
+                          <a:spcPct val="100000"/>
+                        </a:lnSpc>
+                        <a:spcBef>
+                          <a:spcPts val="0"/>
+                        </a:spcBef>
+                        <a:spcAft>
+                          <a:spcPts val="0"/>
+                        </a:spcAft>
+                        <a:buClrTx/>
+                        <a:buSzTx/>
+                        <a:buFontTx/>
+                        <a:buNone/>
+                        <a:tabLst/>
+                        <a:defRPr/>
+                      </a:pPr>
+                      <a:r>
+                        <a:rPr lang="it-IT" dirty="0"/>
+                        <a:t>Any numeric value</a:t>
+                      </a:r>
+                      <a:endParaRPr lang="en-US" dirty="0"/>
+                    </a:p>
+                  </a:txBody>
+                  <a:tcPr/>
+                </a:tc>
+                <a:extLst>
+                  <a:ext uri="{0D108BD9-81ED-4DB2-BD59-A6C34878D82A}">
+                    <a16:rowId xmlns:a16="http://schemas.microsoft.com/office/drawing/2014/main" val="116429529"/>
+                  </a:ext>
+                </a:extLst>
+              </a:tr>
+              <a:tr h="427912">
+                <a:tc>
+                  <a:txBody>
+                    <a:bodyPr/>
+                    <a:lstStyle/>
+                    <a:p>
+                      <a:r>
+                        <a:rPr lang="it-IT" dirty="0"/>
+                        <a:t>reversed</a:t>
+                      </a:r>
+                      <a:endParaRPr lang="en-US" dirty="0"/>
+                    </a:p>
+                  </a:txBody>
+                  <a:tcPr/>
+                </a:tc>
+                <a:tc>
+                  <a:txBody>
+                    <a:bodyPr/>
+                    <a:lstStyle/>
+                    <a:p>
+                      <a:pPr marL="0" marR="0" lvl="0" indent="0" algn="l" defTabSz="457200" rtl="0" eaLnBrk="1" fontAlgn="auto" latinLnBrk="0" hangingPunct="1">
+                        <a:lnSpc>
+                          <a:spcPct val="100000"/>
+                        </a:lnSpc>
+                        <a:spcBef>
+                          <a:spcPts val="0"/>
+                        </a:spcBef>
+                        <a:spcAft>
+                          <a:spcPts val="0"/>
+                        </a:spcAft>
+                        <a:buClrTx/>
+                        <a:buSzTx/>
+                        <a:buFontTx/>
+                        <a:buNone/>
+                        <a:tabLst/>
+                        <a:defRPr/>
+                      </a:pPr>
+                      <a:r>
+                        <a:rPr lang="it-IT" dirty="0"/>
+                        <a:t>reversed</a:t>
+                      </a:r>
+                      <a:endParaRPr lang="en-US" dirty="0"/>
+                    </a:p>
+                  </a:txBody>
+                  <a:tcPr/>
+                </a:tc>
+                <a:extLst>
+                  <a:ext uri="{0D108BD9-81ED-4DB2-BD59-A6C34878D82A}">
+                    <a16:rowId xmlns:a16="http://schemas.microsoft.com/office/drawing/2014/main" val="890906859"/>
+                  </a:ext>
+                </a:extLst>
+              </a:tr>
+            </a:tbl>
+          </a:graphicData>
+        </a:graphic>
+      </p:graphicFrame>
     </p:spTree>
+    <p:extLst>
+      <p:ext uri="{BB962C8B-B14F-4D97-AF65-F5344CB8AC3E}">
+        <p14:creationId xmlns:p14="http://schemas.microsoft.com/office/powerpoint/2010/main" val="3671968741"/>
+      </p:ext>
+    </p:extLst>
   </p:cSld>
   <p:clrMapOvr>
     <a:masterClrMapping/>
@@ -6728,7 +7510,6 @@
               <a:rPr lang="en-US" dirty="0"/>
               <a:t>What is Html</a:t>
             </a:r>
-            <a:endParaRPr lang="en-US" dirty="0"/>
           </a:p>
         </p:txBody>
       </p:sp>
@@ -6753,21 +7534,18 @@
               <a:rPr lang="en-US" dirty="0"/>
               <a:t>HTML provides a way of displaying Web pages with text and images or multimedia content. </a:t>
             </a:r>
-            <a:endParaRPr lang="en-US" dirty="0"/>
           </a:p>
           <a:p>
             <a:r>
               <a:rPr lang="en-US" dirty="0"/>
               <a:t>HTML is not a programming language, but a markup language. </a:t>
             </a:r>
-            <a:endParaRPr lang="en-US" dirty="0"/>
           </a:p>
           <a:p>
             <a:r>
               <a:rPr lang="en-US" dirty="0"/>
               <a:t>An HTML file is a text file containing small markup tags. </a:t>
             </a:r>
-            <a:endParaRPr lang="en-US" dirty="0"/>
           </a:p>
           <a:p>
             <a:r>
@@ -6782,7 +7560,6 @@
               <a:rPr lang="en-US" dirty="0"/>
               <a:t> Firefox or Google Chrome, how to display the page. </a:t>
             </a:r>
-            <a:endParaRPr lang="en-US" dirty="0"/>
           </a:p>
           <a:p>
             <a:r>
@@ -6797,11 +7574,640 @@
               <a:rPr lang="en-US" dirty="0"/>
               <a:t> Markup Language.</a:t>
             </a:r>
-            <a:endParaRPr lang="en-US" dirty="0"/>
           </a:p>
         </p:txBody>
       </p:sp>
     </p:spTree>
+  </p:cSld>
+  <p:clrMapOvr>
+    <a:masterClrMapping/>
+  </p:clrMapOvr>
+</p:sld>
+</file>
+
+<file path=ppt/slides/slide20.xml><?xml version="1.0" encoding="utf-8"?>
+<p:sld xmlns:a="http://schemas.openxmlformats.org/drawingml/2006/main" xmlns:r="http://schemas.openxmlformats.org/officeDocument/2006/relationships" xmlns:p="http://schemas.openxmlformats.org/presentationml/2006/main">
+  <p:cSld>
+    <p:spTree>
+      <p:nvGrpSpPr>
+        <p:cNvPr id="1" name=""/>
+        <p:cNvGrpSpPr/>
+        <p:nvPr/>
+      </p:nvGrpSpPr>
+      <p:grpSpPr>
+        <a:xfrm>
+          <a:off x="0" y="0"/>
+          <a:ext cx="0" cy="0"/>
+          <a:chOff x="0" y="0"/>
+          <a:chExt cx="0" cy="0"/>
+        </a:xfrm>
+      </p:grpSpPr>
+      <p:sp>
+        <p:nvSpPr>
+          <p:cNvPr id="2" name="Title 1"/>
+          <p:cNvSpPr>
+            <a:spLocks noGrp="1"/>
+          </p:cNvSpPr>
+          <p:nvPr>
+            <p:ph type="title"/>
+          </p:nvPr>
+        </p:nvSpPr>
+        <p:spPr/>
+        <p:txBody>
+          <a:bodyPr>
+            <a:normAutofit/>
+          </a:bodyPr>
+          <a:lstStyle/>
+          <a:p>
+            <a:r>
+              <a:rPr lang="en-US" dirty="0" err="1"/>
+              <a:t>Pratical</a:t>
+            </a:r>
+            <a:r>
+              <a:rPr lang="en-US" dirty="0"/>
+              <a:t> 2 (Definition List)</a:t>
+            </a:r>
+          </a:p>
+        </p:txBody>
+      </p:sp>
+      <p:sp>
+        <p:nvSpPr>
+          <p:cNvPr id="3" name="Content Placeholder 2"/>
+          <p:cNvSpPr>
+            <a:spLocks noGrp="1"/>
+          </p:cNvSpPr>
+          <p:nvPr>
+            <p:ph idx="1"/>
+          </p:nvPr>
+        </p:nvSpPr>
+        <p:spPr>
+          <a:xfrm>
+            <a:off x="1295401" y="2556932"/>
+            <a:ext cx="9601196" cy="3615268"/>
+          </a:xfrm>
+        </p:spPr>
+        <p:txBody>
+          <a:bodyPr>
+            <a:normAutofit fontScale="92500" lnSpcReduction="10000"/>
+          </a:bodyPr>
+          <a:lstStyle/>
+          <a:p>
+            <a:pPr marL="0" indent="0">
+              <a:buNone/>
+            </a:pPr>
+            <a:r>
+              <a:rPr lang="en-US" dirty="0"/>
+              <a:t>﻿A definition list is a list of terms, with a definition of each term.</a:t>
+            </a:r>
+          </a:p>
+          <a:p>
+            <a:pPr marL="0" indent="0">
+              <a:buNone/>
+            </a:pPr>
+            <a:r>
+              <a:rPr lang="en-US" dirty="0"/>
+              <a:t>We can create definition list by using the &lt;dl&gt;..... &lt;/dl&gt; with &lt;dt&gt; and &lt;dd&gt; tag.</a:t>
+            </a:r>
+          </a:p>
+          <a:p>
+            <a:pPr marL="0" indent="0">
+              <a:buNone/>
+            </a:pPr>
+            <a:r>
+              <a:rPr lang="en-US" dirty="0"/>
+              <a:t>The &lt;dt&gt;...&lt;/dt&gt; tag is used to define the term; whereas, the &lt;dd&gt; tag is used to give the term's definition.</a:t>
+            </a:r>
+          </a:p>
+          <a:p>
+            <a:pPr marL="0" indent="0">
+              <a:buNone/>
+            </a:pPr>
+            <a:r>
+              <a:rPr lang="en-US" dirty="0"/>
+              <a:t>&lt;dl&gt;</a:t>
+            </a:r>
+          </a:p>
+          <a:p>
+            <a:pPr marL="0" indent="0">
+              <a:buNone/>
+            </a:pPr>
+            <a:r>
+              <a:rPr lang="en-US" dirty="0"/>
+              <a:t>&lt;dt&gt;College&lt;/dt&gt;</a:t>
+            </a:r>
+          </a:p>
+          <a:p>
+            <a:pPr marL="0" indent="0">
+              <a:buNone/>
+            </a:pPr>
+            <a:r>
+              <a:rPr lang="en-US" dirty="0"/>
+              <a:t>&lt;dd&gt;A boring place&lt;/dd&gt;</a:t>
+            </a:r>
+          </a:p>
+          <a:p>
+            <a:pPr marL="0" indent="0">
+              <a:buNone/>
+            </a:pPr>
+            <a:r>
+              <a:rPr lang="en-US" dirty="0"/>
+              <a:t>&lt;/dl&gt;</a:t>
+            </a:r>
+          </a:p>
+        </p:txBody>
+      </p:sp>
+    </p:spTree>
+    <p:extLst>
+      <p:ext uri="{BB962C8B-B14F-4D97-AF65-F5344CB8AC3E}">
+        <p14:creationId xmlns:p14="http://schemas.microsoft.com/office/powerpoint/2010/main" val="3703806875"/>
+      </p:ext>
+    </p:extLst>
+  </p:cSld>
+  <p:clrMapOvr>
+    <a:masterClrMapping/>
+  </p:clrMapOvr>
+</p:sld>
+</file>
+
+<file path=ppt/slides/slide21.xml><?xml version="1.0" encoding="utf-8"?>
+<p:sld xmlns:a="http://schemas.openxmlformats.org/drawingml/2006/main" xmlns:r="http://schemas.openxmlformats.org/officeDocument/2006/relationships" xmlns:p="http://schemas.openxmlformats.org/presentationml/2006/main">
+  <p:cSld>
+    <p:spTree>
+      <p:nvGrpSpPr>
+        <p:cNvPr id="1" name=""/>
+        <p:cNvGrpSpPr/>
+        <p:nvPr/>
+      </p:nvGrpSpPr>
+      <p:grpSpPr>
+        <a:xfrm>
+          <a:off x="0" y="0"/>
+          <a:ext cx="0" cy="0"/>
+          <a:chOff x="0" y="0"/>
+          <a:chExt cx="0" cy="0"/>
+        </a:xfrm>
+      </p:grpSpPr>
+      <p:sp>
+        <p:nvSpPr>
+          <p:cNvPr id="2" name="Title 1"/>
+          <p:cNvSpPr>
+            <a:spLocks noGrp="1"/>
+          </p:cNvSpPr>
+          <p:nvPr>
+            <p:ph type="title"/>
+          </p:nvPr>
+        </p:nvSpPr>
+        <p:spPr/>
+        <p:txBody>
+          <a:bodyPr>
+            <a:normAutofit/>
+          </a:bodyPr>
+          <a:lstStyle/>
+          <a:p>
+            <a:r>
+              <a:rPr lang="en-US" dirty="0" err="1"/>
+              <a:t>Nasted</a:t>
+            </a:r>
+            <a:endParaRPr lang="en-US" dirty="0"/>
+          </a:p>
+        </p:txBody>
+      </p:sp>
+      <p:sp>
+        <p:nvSpPr>
+          <p:cNvPr id="3" name="Content Placeholder 2"/>
+          <p:cNvSpPr>
+            <a:spLocks noGrp="1"/>
+          </p:cNvSpPr>
+          <p:nvPr>
+            <p:ph idx="1"/>
+          </p:nvPr>
+        </p:nvSpPr>
+        <p:spPr>
+          <a:xfrm>
+            <a:off x="1295401" y="2556932"/>
+            <a:ext cx="9601196" cy="3615268"/>
+          </a:xfrm>
+        </p:spPr>
+        <p:txBody>
+          <a:bodyPr>
+            <a:normAutofit/>
+          </a:bodyPr>
+          <a:lstStyle/>
+          <a:p>
+            <a:pPr marL="0" indent="0">
+              <a:buNone/>
+            </a:pPr>
+            <a:r>
+              <a:rPr lang="en-US" dirty="0"/>
+              <a:t>﻿Arrangement of data Under of similar type of data.</a:t>
+            </a:r>
+          </a:p>
+          <a:p>
+            <a:pPr marL="0" indent="0">
+              <a:buNone/>
+            </a:pPr>
+            <a:r>
+              <a:rPr lang="en-US" dirty="0"/>
+              <a:t>Use: </a:t>
+            </a:r>
+          </a:p>
+          <a:p>
+            <a:r>
+              <a:rPr lang="en-US" dirty="0"/>
+              <a:t>Arrangement</a:t>
+            </a:r>
+          </a:p>
+          <a:p>
+            <a:r>
+              <a:rPr lang="en-US" dirty="0"/>
+              <a:t>Loop</a:t>
+            </a:r>
+          </a:p>
+          <a:p>
+            <a:r>
+              <a:rPr lang="en-US" dirty="0"/>
+              <a:t>Condition like (  if, while, do while )</a:t>
+            </a:r>
+          </a:p>
+        </p:txBody>
+      </p:sp>
+    </p:spTree>
+    <p:extLst>
+      <p:ext uri="{BB962C8B-B14F-4D97-AF65-F5344CB8AC3E}">
+        <p14:creationId xmlns:p14="http://schemas.microsoft.com/office/powerpoint/2010/main" val="2801867662"/>
+      </p:ext>
+    </p:extLst>
+  </p:cSld>
+  <p:clrMapOvr>
+    <a:masterClrMapping/>
+  </p:clrMapOvr>
+</p:sld>
+</file>
+
+<file path=ppt/slides/slide22.xml><?xml version="1.0" encoding="utf-8"?>
+<p:sld xmlns:a="http://schemas.openxmlformats.org/drawingml/2006/main" xmlns:r="http://schemas.openxmlformats.org/officeDocument/2006/relationships" xmlns:p="http://schemas.openxmlformats.org/presentationml/2006/main">
+  <p:cSld>
+    <p:spTree>
+      <p:nvGrpSpPr>
+        <p:cNvPr id="1" name=""/>
+        <p:cNvGrpSpPr/>
+        <p:nvPr/>
+      </p:nvGrpSpPr>
+      <p:grpSpPr>
+        <a:xfrm>
+          <a:off x="0" y="0"/>
+          <a:ext cx="0" cy="0"/>
+          <a:chOff x="0" y="0"/>
+          <a:chExt cx="0" cy="0"/>
+        </a:xfrm>
+      </p:grpSpPr>
+      <p:sp>
+        <p:nvSpPr>
+          <p:cNvPr id="2" name="Title 1"/>
+          <p:cNvSpPr>
+            <a:spLocks noGrp="1"/>
+          </p:cNvSpPr>
+          <p:nvPr>
+            <p:ph type="title"/>
+          </p:nvPr>
+        </p:nvSpPr>
+        <p:spPr/>
+        <p:txBody>
+          <a:bodyPr>
+            <a:normAutofit/>
+          </a:bodyPr>
+          <a:lstStyle/>
+          <a:p>
+            <a:r>
+              <a:rPr lang="en-US" dirty="0" err="1"/>
+              <a:t>Pratical</a:t>
+            </a:r>
+            <a:r>
+              <a:rPr lang="en-US" dirty="0"/>
+              <a:t> 2 (</a:t>
+            </a:r>
+            <a:r>
+              <a:rPr lang="en-US" dirty="0" err="1"/>
+              <a:t>Nasted</a:t>
+            </a:r>
+            <a:r>
+              <a:rPr lang="en-US" dirty="0"/>
+              <a:t> Unordered List)</a:t>
+            </a:r>
+          </a:p>
+        </p:txBody>
+      </p:sp>
+      <p:sp>
+        <p:nvSpPr>
+          <p:cNvPr id="3" name="Content Placeholder 2"/>
+          <p:cNvSpPr>
+            <a:spLocks noGrp="1"/>
+          </p:cNvSpPr>
+          <p:nvPr>
+            <p:ph idx="1"/>
+          </p:nvPr>
+        </p:nvSpPr>
+        <p:spPr>
+          <a:xfrm>
+            <a:off x="1295401" y="2556932"/>
+            <a:ext cx="9601196" cy="3615268"/>
+          </a:xfrm>
+        </p:spPr>
+        <p:txBody>
+          <a:bodyPr>
+            <a:normAutofit fontScale="85000" lnSpcReduction="20000"/>
+          </a:bodyPr>
+          <a:lstStyle/>
+          <a:p>
+            <a:pPr marL="0" indent="0">
+              <a:buNone/>
+            </a:pPr>
+            <a:r>
+              <a:rPr lang="it-IT" dirty="0"/>
+              <a:t>﻿&lt;ul&gt;</a:t>
+            </a:r>
+          </a:p>
+          <a:p>
+            <a:pPr marL="0" indent="0">
+              <a:buNone/>
+            </a:pPr>
+            <a:r>
+              <a:rPr lang="it-IT" dirty="0"/>
+              <a:t>&lt;li&gt;Linux&lt;/li&gt;</a:t>
+            </a:r>
+          </a:p>
+          <a:p>
+            <a:pPr marL="0" indent="0">
+              <a:buNone/>
+            </a:pPr>
+            <a:r>
+              <a:rPr lang="it-IT" dirty="0"/>
+              <a:t>&lt;ul&gt;</a:t>
+            </a:r>
+          </a:p>
+          <a:p>
+            <a:pPr marL="0" indent="0">
+              <a:buNone/>
+            </a:pPr>
+            <a:r>
+              <a:rPr lang="it-IT" dirty="0"/>
+              <a:t>&lt;li&gt;Ubuntu&lt;/li&gt;&lt;/ul&gt;</a:t>
+            </a:r>
+          </a:p>
+          <a:p>
+            <a:pPr marL="0" indent="0">
+              <a:buNone/>
+            </a:pPr>
+            <a:r>
+              <a:rPr lang="it-IT" dirty="0"/>
+              <a:t>&lt;li&gt;Windows&lt;/li&gt;</a:t>
+            </a:r>
+          </a:p>
+          <a:p>
+            <a:pPr marL="0" indent="0">
+              <a:buNone/>
+            </a:pPr>
+            <a:r>
+              <a:rPr lang="it-IT" dirty="0"/>
+              <a:t>&lt;ul&gt;</a:t>
+            </a:r>
+          </a:p>
+          <a:p>
+            <a:pPr marL="0" indent="0">
+              <a:buNone/>
+            </a:pPr>
+            <a:r>
+              <a:rPr lang="it-IT" dirty="0"/>
+              <a:t>&lt;li&gt;Windows 7&lt;/li&gt;</a:t>
+            </a:r>
+          </a:p>
+          <a:p>
+            <a:pPr marL="0" indent="0">
+              <a:buNone/>
+            </a:pPr>
+            <a:r>
+              <a:rPr lang="it-IT" dirty="0"/>
+              <a:t>&lt;/ul&gt;</a:t>
+            </a:r>
+          </a:p>
+          <a:p>
+            <a:pPr marL="0" indent="0">
+              <a:buNone/>
+            </a:pPr>
+            <a:r>
+              <a:rPr lang="it-IT" dirty="0"/>
+              <a:t>&lt;/ul&gt;</a:t>
+            </a:r>
+            <a:endParaRPr lang="en-US" dirty="0"/>
+          </a:p>
+        </p:txBody>
+      </p:sp>
+    </p:spTree>
+    <p:extLst>
+      <p:ext uri="{BB962C8B-B14F-4D97-AF65-F5344CB8AC3E}">
+        <p14:creationId xmlns:p14="http://schemas.microsoft.com/office/powerpoint/2010/main" val="1100875469"/>
+      </p:ext>
+    </p:extLst>
+  </p:cSld>
+  <p:clrMapOvr>
+    <a:masterClrMapping/>
+  </p:clrMapOvr>
+</p:sld>
+</file>
+
+<file path=ppt/slides/slide23.xml><?xml version="1.0" encoding="utf-8"?>
+<p:sld xmlns:a="http://schemas.openxmlformats.org/drawingml/2006/main" xmlns:r="http://schemas.openxmlformats.org/officeDocument/2006/relationships" xmlns:p="http://schemas.openxmlformats.org/presentationml/2006/main">
+  <p:cSld>
+    <p:spTree>
+      <p:nvGrpSpPr>
+        <p:cNvPr id="1" name=""/>
+        <p:cNvGrpSpPr/>
+        <p:nvPr/>
+      </p:nvGrpSpPr>
+      <p:grpSpPr>
+        <a:xfrm>
+          <a:off x="0" y="0"/>
+          <a:ext cx="0" cy="0"/>
+          <a:chOff x="0" y="0"/>
+          <a:chExt cx="0" cy="0"/>
+        </a:xfrm>
+      </p:grpSpPr>
+      <p:sp>
+        <p:nvSpPr>
+          <p:cNvPr id="2" name="Title 1"/>
+          <p:cNvSpPr>
+            <a:spLocks noGrp="1"/>
+          </p:cNvSpPr>
+          <p:nvPr>
+            <p:ph type="title"/>
+          </p:nvPr>
+        </p:nvSpPr>
+        <p:spPr/>
+        <p:txBody>
+          <a:bodyPr>
+            <a:normAutofit/>
+          </a:bodyPr>
+          <a:lstStyle/>
+          <a:p>
+            <a:r>
+              <a:rPr lang="en-US" dirty="0" err="1"/>
+              <a:t>Pratical</a:t>
+            </a:r>
+            <a:r>
+              <a:rPr lang="en-US" dirty="0"/>
+              <a:t> 2 (</a:t>
+            </a:r>
+            <a:r>
+              <a:rPr lang="en-US" dirty="0" err="1"/>
+              <a:t>Nasted</a:t>
+            </a:r>
+            <a:r>
+              <a:rPr lang="en-US" dirty="0"/>
+              <a:t> Ordered List)</a:t>
+            </a:r>
+          </a:p>
+        </p:txBody>
+      </p:sp>
+      <p:sp>
+        <p:nvSpPr>
+          <p:cNvPr id="3" name="Content Placeholder 2"/>
+          <p:cNvSpPr>
+            <a:spLocks noGrp="1"/>
+          </p:cNvSpPr>
+          <p:nvPr>
+            <p:ph idx="1"/>
+          </p:nvPr>
+        </p:nvSpPr>
+        <p:spPr>
+          <a:xfrm>
+            <a:off x="1295401" y="2407024"/>
+            <a:ext cx="9601196" cy="3765176"/>
+          </a:xfrm>
+        </p:spPr>
+        <p:txBody>
+          <a:bodyPr>
+            <a:noAutofit/>
+          </a:bodyPr>
+          <a:lstStyle/>
+          <a:p>
+            <a:pPr marL="0" indent="0">
+              <a:buNone/>
+            </a:pPr>
+            <a:r>
+              <a:rPr lang="it-IT" sz="2000" dirty="0"/>
+              <a:t>﻿&lt;ol type=</a:t>
+            </a:r>
+            <a:r>
+              <a:rPr lang="it-IT" sz="2000" dirty="0">
+                <a:cs typeface="Arial" panose="020B0604020202020204" pitchFamily="34" charset="0"/>
+              </a:rPr>
+              <a:t>"1"  </a:t>
+            </a:r>
+            <a:r>
+              <a:rPr lang="it-IT" sz="2000" dirty="0"/>
+              <a:t>&gt;</a:t>
+            </a:r>
+          </a:p>
+          <a:p>
+            <a:pPr marL="0" indent="0">
+              <a:buNone/>
+            </a:pPr>
+            <a:r>
+              <a:rPr lang="it-IT" sz="2000" dirty="0"/>
+              <a:t>&lt;li&gt;Linux&lt;/li&gt;</a:t>
+            </a:r>
+          </a:p>
+          <a:p>
+            <a:pPr marL="0" indent="0">
+              <a:buNone/>
+            </a:pPr>
+            <a:r>
+              <a:rPr lang="it-IT" sz="2000" dirty="0"/>
+              <a:t>&lt;ol type=</a:t>
+            </a:r>
+            <a:r>
+              <a:rPr lang="it-IT" sz="2000" dirty="0">
+                <a:cs typeface="Arial" panose="020B0604020202020204" pitchFamily="34" charset="0"/>
+              </a:rPr>
+              <a:t>"a" </a:t>
+            </a:r>
+            <a:r>
+              <a:rPr lang="it-IT" sz="2000" dirty="0"/>
+              <a:t>&gt;</a:t>
+            </a:r>
+          </a:p>
+          <a:p>
+            <a:pPr marL="0" indent="0">
+              <a:buNone/>
+            </a:pPr>
+            <a:r>
+              <a:rPr lang="it-IT" sz="2000" dirty="0"/>
+              <a:t>&lt;li&gt;Ubuntu&lt;/li&gt;&lt;/ul&gt;</a:t>
+            </a:r>
+          </a:p>
+          <a:p>
+            <a:pPr marL="0" indent="0">
+              <a:buNone/>
+            </a:pPr>
+            <a:r>
+              <a:rPr lang="it-IT" sz="2000" dirty="0"/>
+              <a:t>&lt;li&gt;Windows&lt;/li&gt;</a:t>
+            </a:r>
+          </a:p>
+          <a:p>
+            <a:pPr marL="0" indent="0">
+              <a:buNone/>
+            </a:pPr>
+            <a:r>
+              <a:rPr lang="it-IT" sz="2000" dirty="0"/>
+              <a:t>&lt;ol type=</a:t>
+            </a:r>
+            <a:r>
+              <a:rPr lang="it-IT" sz="2000" dirty="0">
+                <a:cs typeface="Arial" panose="020B0604020202020204" pitchFamily="34" charset="0"/>
+              </a:rPr>
+              <a:t>"I" </a:t>
+            </a:r>
+            <a:r>
+              <a:rPr lang="it-IT" sz="2000" dirty="0"/>
+              <a:t>&gt;</a:t>
+            </a:r>
+          </a:p>
+          <a:p>
+            <a:pPr marL="0" indent="0">
+              <a:buNone/>
+            </a:pPr>
+            <a:r>
+              <a:rPr lang="it-IT" sz="2000" dirty="0"/>
+              <a:t>&lt;li&gt;Windows 7&lt;/li&gt;</a:t>
+            </a:r>
+          </a:p>
+          <a:p>
+            <a:pPr marL="0" indent="0">
+              <a:buNone/>
+            </a:pPr>
+            <a:r>
+              <a:rPr lang="it-IT" sz="2000" dirty="0"/>
+              <a:t>&lt;/ol&gt;</a:t>
+            </a:r>
+          </a:p>
+          <a:p>
+            <a:pPr marL="0" indent="0">
+              <a:buNone/>
+            </a:pPr>
+            <a:r>
+              <a:rPr lang="it-IT" sz="2000" dirty="0"/>
+              <a:t>&lt;/ol&gt;</a:t>
+            </a:r>
+            <a:endParaRPr lang="en-US" sz="2000" dirty="0"/>
+          </a:p>
+        </p:txBody>
+      </p:sp>
+    </p:spTree>
+    <p:extLst>
+      <p:ext uri="{BB962C8B-B14F-4D97-AF65-F5344CB8AC3E}">
+        <p14:creationId xmlns:p14="http://schemas.microsoft.com/office/powerpoint/2010/main" val="793297110"/>
+      </p:ext>
+    </p:extLst>
   </p:cSld>
   <p:clrMapOvr>
     <a:masterClrMapping/>
@@ -6845,7 +8251,6 @@
               <a:rPr lang="en-US" dirty="0"/>
               <a:t>Tags</a:t>
             </a:r>
-            <a:endParaRPr lang="en-US" dirty="0"/>
           </a:p>
         </p:txBody>
       </p:sp>
@@ -6889,7 +8294,6 @@
               <a:rPr lang="en-US" dirty="0"/>
               <a:t>&lt;h1&gt; A heading &lt;/h1&gt;</a:t>
             </a:r>
-            <a:endParaRPr lang="en-US" dirty="0"/>
           </a:p>
         </p:txBody>
       </p:sp>
@@ -6937,7 +8341,6 @@
               <a:rPr lang="en-US" dirty="0"/>
               <a:t>Attributes</a:t>
             </a:r>
-            <a:endParaRPr lang="en-US" dirty="0"/>
           </a:p>
         </p:txBody>
       </p:sp>
@@ -6989,7 +8392,6 @@
               <a:rPr lang="en-US" dirty="0"/>
               <a:t>The value is the information or setting for the attribute. It should be placed in double quotes. Different attributes can have different values.</a:t>
             </a:r>
-            <a:endParaRPr lang="en-US" dirty="0"/>
           </a:p>
         </p:txBody>
       </p:sp>
@@ -7037,7 +8439,6 @@
               <a:rPr lang="en-US" dirty="0"/>
               <a:t>HTML Tag</a:t>
             </a:r>
-            <a:endParaRPr lang="en-US" dirty="0"/>
           </a:p>
         </p:txBody>
       </p:sp>
@@ -7074,7 +8475,6 @@
               <a:rPr lang="en-US" dirty="0"/>
               <a:t>&lt;/html&gt;</a:t>
             </a:r>
-            <a:endParaRPr lang="en-US" dirty="0"/>
           </a:p>
         </p:txBody>
       </p:sp>
@@ -7122,7 +8522,6 @@
               <a:rPr lang="en-US" dirty="0"/>
               <a:t>Head tag</a:t>
             </a:r>
-            <a:endParaRPr lang="en-US" dirty="0"/>
           </a:p>
         </p:txBody>
       </p:sp>
@@ -7182,7 +8581,6 @@
               <a:rPr lang="en-US" dirty="0"/>
               <a:t>&lt;/html&gt;</a:t>
             </a:r>
-            <a:endParaRPr lang="en-US" dirty="0"/>
           </a:p>
         </p:txBody>
       </p:sp>
@@ -7230,7 +8628,6 @@
               <a:rPr lang="en-US" dirty="0"/>
               <a:t>Types of tags</a:t>
             </a:r>
-            <a:endParaRPr lang="en-US" dirty="0"/>
           </a:p>
         </p:txBody>
       </p:sp>
@@ -7258,7 +8655,6 @@
               <a:rPr lang="en-US" dirty="0"/>
               <a:t>Container Tag - Which has opening and closing Tag. </a:t>
             </a:r>
-            <a:endParaRPr lang="en-US" dirty="0"/>
           </a:p>
           <a:p>
             <a:pPr marL="0" indent="0">
@@ -7268,7 +8664,6 @@
               <a:rPr lang="en-US" dirty="0"/>
               <a:t>Ex: -</a:t>
             </a:r>
-            <a:endParaRPr lang="en-US" dirty="0"/>
           </a:p>
           <a:p>
             <a:pPr marL="0" indent="0">
@@ -7278,7 +8673,6 @@
               <a:rPr lang="en-US" dirty="0"/>
               <a:t>&lt;html&gt;....... &lt;/html&gt;</a:t>
             </a:r>
-            <a:endParaRPr lang="en-US" dirty="0"/>
           </a:p>
           <a:p>
             <a:pPr marL="0" indent="0">
@@ -7288,7 +8682,6 @@
               <a:rPr lang="en-US" dirty="0"/>
               <a:t>&lt;head&gt;....... &lt;/head&gt;</a:t>
             </a:r>
-            <a:endParaRPr lang="en-US" dirty="0"/>
           </a:p>
           <a:p>
             <a:pPr marL="0" indent="0">
@@ -7298,7 +8691,6 @@
               <a:rPr lang="en-US" dirty="0"/>
               <a:t>&lt;body&gt;.......&lt;/body&gt;</a:t>
             </a:r>
-            <a:endParaRPr lang="en-US" dirty="0"/>
           </a:p>
         </p:txBody>
       </p:sp>
@@ -7346,7 +8738,6 @@
               <a:rPr lang="en-US" dirty="0"/>
               <a:t>Types of tags</a:t>
             </a:r>
-            <a:endParaRPr lang="en-US" dirty="0"/>
           </a:p>
         </p:txBody>
       </p:sp>
@@ -7371,7 +8762,6 @@
               <a:rPr lang="en-US" dirty="0"/>
               <a:t>﻿Empty Tag - which has only opening tag.</a:t>
             </a:r>
-            <a:endParaRPr lang="en-US" dirty="0"/>
           </a:p>
           <a:p>
             <a:pPr marL="0" indent="0">
@@ -7381,7 +8771,6 @@
               <a:rPr lang="en-US" dirty="0"/>
               <a:t>Ex: -</a:t>
             </a:r>
-            <a:endParaRPr lang="en-US" dirty="0"/>
           </a:p>
           <a:p>
             <a:pPr marL="0" indent="0">
@@ -7399,7 +8788,6 @@
               <a:rPr lang="en-US" dirty="0"/>
               <a:t>&gt;</a:t>
             </a:r>
-            <a:endParaRPr lang="en-US" dirty="0"/>
           </a:p>
           <a:p>
             <a:pPr marL="0" indent="0">
@@ -7417,7 +8805,6 @@
               <a:rPr lang="en-US" dirty="0"/>
               <a:t>&gt;</a:t>
             </a:r>
-            <a:endParaRPr lang="en-US" dirty="0"/>
           </a:p>
           <a:p>
             <a:pPr marL="0" indent="0">
@@ -7427,7 +8814,6 @@
               <a:rPr lang="en-US" dirty="0"/>
               <a:t>&lt;input&gt;</a:t>
             </a:r>
-            <a:endParaRPr lang="en-US" dirty="0"/>
           </a:p>
           <a:p>
             <a:pPr marL="0" indent="0">
@@ -7445,7 +8831,6 @@
               <a:rPr lang="en-US" dirty="0"/>
               <a:t>&gt;</a:t>
             </a:r>
-            <a:endParaRPr lang="en-US" dirty="0"/>
           </a:p>
         </p:txBody>
       </p:sp>
@@ -7493,7 +8878,6 @@
               <a:rPr lang="en-US" dirty="0"/>
               <a:t>HTML Versions</a:t>
             </a:r>
-            <a:endParaRPr lang="en-US" dirty="0"/>
           </a:p>
         </p:txBody>
       </p:sp>
@@ -7518,8 +8902,20 @@
                 <a:tableStyleId>{5C22544A-7EE6-4342-B048-85BDC9FD1C3A}</a:tableStyleId>
               </a:tblPr>
               <a:tblGrid>
-                <a:gridCol w="2994212"/>
-                <a:gridCol w="3113218"/>
+                <a:gridCol w="2994212">
+                  <a:extLst>
+                    <a:ext uri="{9D8B030D-6E8A-4147-A177-3AD203B41FA5}">
+                      <a16:colId xmlns:a16="http://schemas.microsoft.com/office/drawing/2014/main" val="20000"/>
+                    </a:ext>
+                  </a:extLst>
+                </a:gridCol>
+                <a:gridCol w="3113218">
+                  <a:extLst>
+                    <a:ext uri="{9D8B030D-6E8A-4147-A177-3AD203B41FA5}">
+                      <a16:colId xmlns:a16="http://schemas.microsoft.com/office/drawing/2014/main" val="20001"/>
+                    </a:ext>
+                  </a:extLst>
+                </a:gridCol>
               </a:tblGrid>
               <a:tr h="370840">
                 <a:tc>
@@ -7566,6 +8962,11 @@
                   </a:txBody>
                   <a:tcPr/>
                 </a:tc>
+                <a:extLst>
+                  <a:ext uri="{0D108BD9-81ED-4DB2-BD59-A6C34878D82A}">
+                    <a16:rowId xmlns:a16="http://schemas.microsoft.com/office/drawing/2014/main" val="10000"/>
+                  </a:ext>
+                </a:extLst>
               </a:tr>
               <a:tr h="370840">
                 <a:tc>
@@ -7620,6 +9021,11 @@
                   </a:txBody>
                   <a:tcPr/>
                 </a:tc>
+                <a:extLst>
+                  <a:ext uri="{0D108BD9-81ED-4DB2-BD59-A6C34878D82A}">
+                    <a16:rowId xmlns:a16="http://schemas.microsoft.com/office/drawing/2014/main" val="10001"/>
+                  </a:ext>
+                </a:extLst>
               </a:tr>
               <a:tr h="370840">
                 <a:tc>
@@ -7674,6 +9080,11 @@
                   </a:txBody>
                   <a:tcPr/>
                 </a:tc>
+                <a:extLst>
+                  <a:ext uri="{0D108BD9-81ED-4DB2-BD59-A6C34878D82A}">
+                    <a16:rowId xmlns:a16="http://schemas.microsoft.com/office/drawing/2014/main" val="10002"/>
+                  </a:ext>
+                </a:extLst>
               </a:tr>
               <a:tr h="370840">
                 <a:tc>
@@ -7728,6 +9139,11 @@
                   </a:txBody>
                   <a:tcPr/>
                 </a:tc>
+                <a:extLst>
+                  <a:ext uri="{0D108BD9-81ED-4DB2-BD59-A6C34878D82A}">
+                    <a16:rowId xmlns:a16="http://schemas.microsoft.com/office/drawing/2014/main" val="10003"/>
+                  </a:ext>
+                </a:extLst>
               </a:tr>
               <a:tr h="370840">
                 <a:tc>
@@ -7782,6 +9198,11 @@
                   </a:txBody>
                   <a:tcPr/>
                 </a:tc>
+                <a:extLst>
+                  <a:ext uri="{0D108BD9-81ED-4DB2-BD59-A6C34878D82A}">
+                    <a16:rowId xmlns:a16="http://schemas.microsoft.com/office/drawing/2014/main" val="10004"/>
+                  </a:ext>
+                </a:extLst>
               </a:tr>
               <a:tr h="370840">
                 <a:tc>
@@ -7836,6 +9257,11 @@
                   </a:txBody>
                   <a:tcPr/>
                 </a:tc>
+                <a:extLst>
+                  <a:ext uri="{0D108BD9-81ED-4DB2-BD59-A6C34878D82A}">
+                    <a16:rowId xmlns:a16="http://schemas.microsoft.com/office/drawing/2014/main" val="10005"/>
+                  </a:ext>
+                </a:extLst>
               </a:tr>
               <a:tr h="370840">
                 <a:tc>
@@ -7890,6 +9316,11 @@
                   </a:txBody>
                   <a:tcPr/>
                 </a:tc>
+                <a:extLst>
+                  <a:ext uri="{0D108BD9-81ED-4DB2-BD59-A6C34878D82A}">
+                    <a16:rowId xmlns:a16="http://schemas.microsoft.com/office/drawing/2014/main" val="10006"/>
+                  </a:ext>
+                </a:extLst>
               </a:tr>
             </a:tbl>
           </a:graphicData>
@@ -8128,6 +9559,8 @@
       </a:bgFillStyleLst>
     </a:fmtScheme>
   </a:themeElements>
+  <a:objectDefaults/>
+  <a:extraClrSchemeLst/>
   <a:extLst>
     <a:ext uri="{05A4C25C-085E-4340-85A3-A5531E510DB2}">
       <thm15:themeFamily xmlns:thm15="http://schemas.microsoft.com/office/thememl/2012/main" name="Office Theme" id="{62F939B6-93AF-4DB8-9C6B-D6C7DFDC589F}" vid="{4A3C46E8-61CC-4603-A589-7422A47A8E4A}"/>

--- a/HTML.pptx
+++ b/HTML.pptx
@@ -28,6 +28,16 @@
     <p:sldId id="276" r:id="rId22"/>
     <p:sldId id="277" r:id="rId23"/>
     <p:sldId id="278" r:id="rId24"/>
+    <p:sldId id="279" r:id="rId25"/>
+    <p:sldId id="280" r:id="rId26"/>
+    <p:sldId id="281" r:id="rId27"/>
+    <p:sldId id="282" r:id="rId28"/>
+    <p:sldId id="288" r:id="rId29"/>
+    <p:sldId id="283" r:id="rId30"/>
+    <p:sldId id="284" r:id="rId31"/>
+    <p:sldId id="285" r:id="rId32"/>
+    <p:sldId id="286" r:id="rId33"/>
+    <p:sldId id="287" r:id="rId34"/>
   </p:sldIdLst>
   <p:sldSz cx="12192000" cy="6858000"/>
   <p:notesSz cx="6858000" cy="9144000"/>
@@ -469,7 +479,7 @@
           <a:p>
             <a:fld id="{B61BEF0D-F0BB-DE4B-95CE-6DB70DBA9567}" type="datetimeFigureOut">
               <a:rPr lang="en-US" dirty="0"/>
-              <a:t>7/6/2023</a:t>
+              <a:t>7/11/2023</a:t>
             </a:fld>
             <a:endParaRPr lang="en-US" dirty="0"/>
           </a:p>
@@ -788,7 +798,7 @@
           <a:p>
             <a:fld id="{B61BEF0D-F0BB-DE4B-95CE-6DB70DBA9567}" type="datetimeFigureOut">
               <a:rPr lang="en-US" dirty="0"/>
-              <a:t>7/6/2023</a:t>
+              <a:t>7/11/2023</a:t>
             </a:fld>
             <a:endParaRPr lang="en-US" dirty="0"/>
           </a:p>
@@ -1031,7 +1041,7 @@
           <a:p>
             <a:fld id="{B61BEF0D-F0BB-DE4B-95CE-6DB70DBA9567}" type="datetimeFigureOut">
               <a:rPr lang="en-US" dirty="0"/>
-              <a:t>7/6/2023</a:t>
+              <a:t>7/11/2023</a:t>
             </a:fld>
             <a:endParaRPr lang="en-US" dirty="0"/>
           </a:p>
@@ -1365,7 +1375,7 @@
           <a:p>
             <a:fld id="{B61BEF0D-F0BB-DE4B-95CE-6DB70DBA9567}" type="datetimeFigureOut">
               <a:rPr lang="en-US" dirty="0"/>
-              <a:t>7/6/2023</a:t>
+              <a:t>7/11/2023</a:t>
             </a:fld>
             <a:endParaRPr lang="en-US" dirty="0"/>
           </a:p>
@@ -1707,7 +1717,7 @@
           <a:p>
             <a:fld id="{B61BEF0D-F0BB-DE4B-95CE-6DB70DBA9567}" type="datetimeFigureOut">
               <a:rPr lang="en-US" dirty="0"/>
-              <a:t>7/6/2023</a:t>
+              <a:t>7/11/2023</a:t>
             </a:fld>
             <a:endParaRPr lang="en-US" dirty="0"/>
           </a:p>
@@ -2076,7 +2086,7 @@
           <a:p>
             <a:fld id="{B61BEF0D-F0BB-DE4B-95CE-6DB70DBA9567}" type="datetimeFigureOut">
               <a:rPr lang="en-US" dirty="0"/>
-              <a:t>7/6/2023</a:t>
+              <a:t>7/11/2023</a:t>
             </a:fld>
             <a:endParaRPr lang="en-US" dirty="0"/>
           </a:p>
@@ -2541,7 +2551,7 @@
           <a:p>
             <a:fld id="{B61BEF0D-F0BB-DE4B-95CE-6DB70DBA9567}" type="datetimeFigureOut">
               <a:rPr lang="en-US" dirty="0"/>
-              <a:t>7/6/2023</a:t>
+              <a:t>7/11/2023</a:t>
             </a:fld>
             <a:endParaRPr lang="en-US" dirty="0"/>
           </a:p>
@@ -2741,7 +2751,7 @@
           <a:p>
             <a:fld id="{B61BEF0D-F0BB-DE4B-95CE-6DB70DBA9567}" type="datetimeFigureOut">
               <a:rPr lang="en-US" dirty="0"/>
-              <a:t>7/6/2023</a:t>
+              <a:t>7/11/2023</a:t>
             </a:fld>
             <a:endParaRPr lang="en-US" dirty="0"/>
           </a:p>
@@ -2947,7 +2957,7 @@
           <a:p>
             <a:fld id="{B61BEF0D-F0BB-DE4B-95CE-6DB70DBA9567}" type="datetimeFigureOut">
               <a:rPr lang="en-US" dirty="0"/>
-              <a:t>7/6/2023</a:t>
+              <a:t>7/11/2023</a:t>
             </a:fld>
             <a:endParaRPr lang="en-US" dirty="0"/>
           </a:p>
@@ -3174,7 +3184,7 @@
           <a:p>
             <a:fld id="{52647F38-B617-4D2F-AE0A-013F0C4D2C57}" type="datetimeFigureOut">
               <a:rPr lang="en-US" dirty="0"/>
-              <a:t>7/6/2023</a:t>
+              <a:t>7/11/2023</a:t>
             </a:fld>
             <a:endParaRPr lang="en-US" dirty="0"/>
           </a:p>
@@ -3417,7 +3427,7 @@
           <a:p>
             <a:fld id="{B61BEF0D-F0BB-DE4B-95CE-6DB70DBA9567}" type="datetimeFigureOut">
               <a:rPr lang="en-US" dirty="0"/>
-              <a:t>7/6/2023</a:t>
+              <a:t>7/11/2023</a:t>
             </a:fld>
             <a:endParaRPr lang="en-US" dirty="0"/>
           </a:p>
@@ -3710,7 +3720,7 @@
           <a:p>
             <a:fld id="{05BFA754-D5C3-4E66-96A6-867B257F58DC}" type="datetimeFigureOut">
               <a:rPr lang="en-US" dirty="0"/>
-              <a:t>7/6/2023</a:t>
+              <a:t>7/11/2023</a:t>
             </a:fld>
             <a:endParaRPr lang="en-US" dirty="0"/>
           </a:p>
@@ -4099,7 +4109,7 @@
           <a:p>
             <a:fld id="{B61BEF0D-F0BB-DE4B-95CE-6DB70DBA9567}" type="datetimeFigureOut">
               <a:rPr lang="en-US" dirty="0"/>
-              <a:t>7/6/2023</a:t>
+              <a:t>7/11/2023</a:t>
             </a:fld>
             <a:endParaRPr lang="en-US" dirty="0"/>
           </a:p>
@@ -4243,7 +4253,7 @@
           <a:p>
             <a:fld id="{B61BEF0D-F0BB-DE4B-95CE-6DB70DBA9567}" type="datetimeFigureOut">
               <a:rPr lang="en-US" dirty="0"/>
-              <a:t>7/6/2023</a:t>
+              <a:t>7/11/2023</a:t>
             </a:fld>
             <a:endParaRPr lang="en-US" dirty="0"/>
           </a:p>
@@ -4364,7 +4374,7 @@
           <a:p>
             <a:fld id="{B61BEF0D-F0BB-DE4B-95CE-6DB70DBA9567}" type="datetimeFigureOut">
               <a:rPr lang="en-US" dirty="0"/>
-              <a:t>7/6/2023</a:t>
+              <a:t>7/11/2023</a:t>
             </a:fld>
             <a:endParaRPr lang="en-US" dirty="0"/>
           </a:p>
@@ -4614,7 +4624,7 @@
           <a:p>
             <a:fld id="{B61BEF0D-F0BB-DE4B-95CE-6DB70DBA9567}" type="datetimeFigureOut">
               <a:rPr lang="en-US" dirty="0"/>
-              <a:t>7/6/2023</a:t>
+              <a:t>7/11/2023</a:t>
             </a:fld>
             <a:endParaRPr lang="en-US" dirty="0"/>
           </a:p>
@@ -4924,7 +4934,7 @@
           <a:p>
             <a:fld id="{B61BEF0D-F0BB-DE4B-95CE-6DB70DBA9567}" type="datetimeFigureOut">
               <a:rPr lang="en-US" dirty="0"/>
-              <a:t>7/6/2023</a:t>
+              <a:t>7/11/2023</a:t>
             </a:fld>
             <a:endParaRPr lang="en-US" dirty="0"/>
           </a:p>
@@ -5274,7 +5284,7 @@
           <a:p>
             <a:fld id="{B61BEF0D-F0BB-DE4B-95CE-6DB70DBA9567}" type="datetimeFigureOut">
               <a:rPr lang="en-US" dirty="0"/>
-              <a:t>7/6/2023</a:t>
+              <a:t>7/11/2023</a:t>
             </a:fld>
             <a:endParaRPr lang="en-US" dirty="0"/>
           </a:p>
@@ -6825,7 +6835,7 @@
             </a:r>
             <a:r>
               <a:rPr lang="en-US" dirty="0"/>
-              <a:t> 2 (Unordered List)</a:t>
+              <a:t> 3 (Unordered List)</a:t>
             </a:r>
           </a:p>
         </p:txBody>
@@ -6965,7 +6975,7 @@
             </a:r>
             <a:r>
               <a:rPr lang="en-US" dirty="0"/>
-              <a:t> 2 (Ordered List)</a:t>
+              <a:t> 3 (Ordered List)</a:t>
             </a:r>
           </a:p>
         </p:txBody>
@@ -7124,7 +7134,7 @@
             </a:r>
             <a:r>
               <a:rPr lang="en-US" dirty="0"/>
-              <a:t> 2 (Ordered List)</a:t>
+              <a:t> 3 (Ordered List)</a:t>
             </a:r>
           </a:p>
         </p:txBody>
@@ -7625,7 +7635,7 @@
             </a:r>
             <a:r>
               <a:rPr lang="en-US" dirty="0"/>
-              <a:t> 2 (Definition List)</a:t>
+              <a:t> 3 (Definition List)</a:t>
             </a:r>
           </a:p>
         </p:txBody>
@@ -7883,7 +7893,7 @@
             </a:r>
             <a:r>
               <a:rPr lang="en-US" dirty="0"/>
-              <a:t> 2 (</a:t>
+              <a:t> 3 (</a:t>
             </a:r>
             <a:r>
               <a:rPr lang="en-US" dirty="0" err="1"/>
@@ -8054,7 +8064,7 @@
             </a:r>
             <a:r>
               <a:rPr lang="en-US" dirty="0"/>
-              <a:t> 2 (</a:t>
+              <a:t> 3 (</a:t>
             </a:r>
             <a:r>
               <a:rPr lang="en-US" dirty="0" err="1"/>
@@ -8206,6 +8216,2170 @@
     <p:extLst>
       <p:ext uri="{BB962C8B-B14F-4D97-AF65-F5344CB8AC3E}">
         <p14:creationId xmlns:p14="http://schemas.microsoft.com/office/powerpoint/2010/main" val="793297110"/>
+      </p:ext>
+    </p:extLst>
+  </p:cSld>
+  <p:clrMapOvr>
+    <a:masterClrMapping/>
+  </p:clrMapOvr>
+</p:sld>
+</file>
+
+<file path=ppt/slides/slide24.xml><?xml version="1.0" encoding="utf-8"?>
+<p:sld xmlns:a="http://schemas.openxmlformats.org/drawingml/2006/main" xmlns:r="http://schemas.openxmlformats.org/officeDocument/2006/relationships" xmlns:p="http://schemas.openxmlformats.org/presentationml/2006/main">
+  <p:cSld>
+    <p:spTree>
+      <p:nvGrpSpPr>
+        <p:cNvPr id="1" name=""/>
+        <p:cNvGrpSpPr/>
+        <p:nvPr/>
+      </p:nvGrpSpPr>
+      <p:grpSpPr>
+        <a:xfrm>
+          <a:off x="0" y="0"/>
+          <a:ext cx="0" cy="0"/>
+          <a:chOff x="0" y="0"/>
+          <a:chExt cx="0" cy="0"/>
+        </a:xfrm>
+      </p:grpSpPr>
+      <p:sp>
+        <p:nvSpPr>
+          <p:cNvPr id="2" name="Title 1"/>
+          <p:cNvSpPr>
+            <a:spLocks noGrp="1"/>
+          </p:cNvSpPr>
+          <p:nvPr>
+            <p:ph type="title"/>
+          </p:nvPr>
+        </p:nvSpPr>
+        <p:spPr/>
+        <p:txBody>
+          <a:bodyPr>
+            <a:normAutofit/>
+          </a:bodyPr>
+          <a:lstStyle/>
+          <a:p>
+            <a:r>
+              <a:rPr lang="en-US" dirty="0" err="1"/>
+              <a:t>Pratical</a:t>
+            </a:r>
+            <a:r>
+              <a:rPr lang="en-US" dirty="0"/>
+              <a:t> 3 (</a:t>
+            </a:r>
+            <a:r>
+              <a:rPr lang="en-US" dirty="0" err="1"/>
+              <a:t>Nasted</a:t>
+            </a:r>
+            <a:r>
+              <a:rPr lang="en-US" dirty="0"/>
+              <a:t> Ordered List)</a:t>
+            </a:r>
+          </a:p>
+        </p:txBody>
+      </p:sp>
+      <p:sp>
+        <p:nvSpPr>
+          <p:cNvPr id="3" name="Content Placeholder 2"/>
+          <p:cNvSpPr>
+            <a:spLocks noGrp="1"/>
+          </p:cNvSpPr>
+          <p:nvPr>
+            <p:ph idx="1"/>
+          </p:nvPr>
+        </p:nvSpPr>
+        <p:spPr>
+          <a:xfrm>
+            <a:off x="1295401" y="2407024"/>
+            <a:ext cx="9601196" cy="3765176"/>
+          </a:xfrm>
+        </p:spPr>
+        <p:txBody>
+          <a:bodyPr>
+            <a:noAutofit/>
+          </a:bodyPr>
+          <a:lstStyle/>
+          <a:p>
+            <a:pPr marL="0" indent="0">
+              <a:buNone/>
+            </a:pPr>
+            <a:r>
+              <a:rPr lang="it-IT" sz="2000" dirty="0"/>
+              <a:t>﻿&lt;ol type=</a:t>
+            </a:r>
+            <a:r>
+              <a:rPr lang="it-IT" sz="2000" dirty="0">
+                <a:cs typeface="Arial" panose="020B0604020202020204" pitchFamily="34" charset="0"/>
+              </a:rPr>
+              <a:t>"1"  </a:t>
+            </a:r>
+            <a:r>
+              <a:rPr lang="it-IT" sz="2000" dirty="0"/>
+              <a:t>&gt;</a:t>
+            </a:r>
+          </a:p>
+          <a:p>
+            <a:pPr marL="0" indent="0">
+              <a:buNone/>
+            </a:pPr>
+            <a:r>
+              <a:rPr lang="it-IT" sz="2000" dirty="0"/>
+              <a:t>&lt;li&gt;Linux&lt;/li&gt;</a:t>
+            </a:r>
+          </a:p>
+          <a:p>
+            <a:pPr marL="0" indent="0">
+              <a:buNone/>
+            </a:pPr>
+            <a:r>
+              <a:rPr lang="it-IT" sz="2000" dirty="0"/>
+              <a:t>&lt;ol type=</a:t>
+            </a:r>
+            <a:r>
+              <a:rPr lang="it-IT" sz="2000" dirty="0">
+                <a:cs typeface="Arial" panose="020B0604020202020204" pitchFamily="34" charset="0"/>
+              </a:rPr>
+              <a:t>"a" </a:t>
+            </a:r>
+            <a:r>
+              <a:rPr lang="it-IT" sz="2000" dirty="0"/>
+              <a:t>&gt;</a:t>
+            </a:r>
+          </a:p>
+          <a:p>
+            <a:pPr marL="0" indent="0">
+              <a:buNone/>
+            </a:pPr>
+            <a:r>
+              <a:rPr lang="it-IT" sz="2000" dirty="0"/>
+              <a:t>&lt;li&gt;Ubuntu&lt;/li&gt;&lt;/ul&gt;</a:t>
+            </a:r>
+          </a:p>
+          <a:p>
+            <a:pPr marL="0" indent="0">
+              <a:buNone/>
+            </a:pPr>
+            <a:r>
+              <a:rPr lang="it-IT" sz="2000" dirty="0"/>
+              <a:t>&lt;li&gt;Windows&lt;/li&gt;</a:t>
+            </a:r>
+          </a:p>
+          <a:p>
+            <a:pPr marL="0" indent="0">
+              <a:buNone/>
+            </a:pPr>
+            <a:r>
+              <a:rPr lang="it-IT" sz="2000" dirty="0"/>
+              <a:t>&lt;ol type=</a:t>
+            </a:r>
+            <a:r>
+              <a:rPr lang="it-IT" sz="2000" dirty="0">
+                <a:cs typeface="Arial" panose="020B0604020202020204" pitchFamily="34" charset="0"/>
+              </a:rPr>
+              <a:t>"I" </a:t>
+            </a:r>
+            <a:r>
+              <a:rPr lang="it-IT" sz="2000" dirty="0"/>
+              <a:t>&gt;</a:t>
+            </a:r>
+          </a:p>
+          <a:p>
+            <a:pPr marL="0" indent="0">
+              <a:buNone/>
+            </a:pPr>
+            <a:r>
+              <a:rPr lang="it-IT" sz="2000" dirty="0"/>
+              <a:t>&lt;li&gt;Windows 7&lt;/li&gt;</a:t>
+            </a:r>
+          </a:p>
+          <a:p>
+            <a:pPr marL="0" indent="0">
+              <a:buNone/>
+            </a:pPr>
+            <a:r>
+              <a:rPr lang="it-IT" sz="2000" dirty="0"/>
+              <a:t>&lt;/ol&gt;</a:t>
+            </a:r>
+          </a:p>
+          <a:p>
+            <a:pPr marL="0" indent="0">
+              <a:buNone/>
+            </a:pPr>
+            <a:r>
+              <a:rPr lang="it-IT" sz="2000" dirty="0"/>
+              <a:t>&lt;/ol&gt;</a:t>
+            </a:r>
+            <a:endParaRPr lang="en-US" sz="2000" dirty="0"/>
+          </a:p>
+        </p:txBody>
+      </p:sp>
+    </p:spTree>
+    <p:extLst>
+      <p:ext uri="{BB962C8B-B14F-4D97-AF65-F5344CB8AC3E}">
+        <p14:creationId xmlns:p14="http://schemas.microsoft.com/office/powerpoint/2010/main" val="2398987645"/>
+      </p:ext>
+    </p:extLst>
+  </p:cSld>
+  <p:clrMapOvr>
+    <a:masterClrMapping/>
+  </p:clrMapOvr>
+</p:sld>
+</file>
+
+<file path=ppt/slides/slide25.xml><?xml version="1.0" encoding="utf-8"?>
+<p:sld xmlns:a="http://schemas.openxmlformats.org/drawingml/2006/main" xmlns:r="http://schemas.openxmlformats.org/officeDocument/2006/relationships" xmlns:p="http://schemas.openxmlformats.org/presentationml/2006/main">
+  <p:cSld>
+    <p:spTree>
+      <p:nvGrpSpPr>
+        <p:cNvPr id="1" name=""/>
+        <p:cNvGrpSpPr/>
+        <p:nvPr/>
+      </p:nvGrpSpPr>
+      <p:grpSpPr>
+        <a:xfrm>
+          <a:off x="0" y="0"/>
+          <a:ext cx="0" cy="0"/>
+          <a:chOff x="0" y="0"/>
+          <a:chExt cx="0" cy="0"/>
+        </a:xfrm>
+      </p:grpSpPr>
+      <p:sp>
+        <p:nvSpPr>
+          <p:cNvPr id="2" name="Title 1"/>
+          <p:cNvSpPr>
+            <a:spLocks noGrp="1"/>
+          </p:cNvSpPr>
+          <p:nvPr>
+            <p:ph type="title"/>
+          </p:nvPr>
+        </p:nvSpPr>
+        <p:spPr/>
+        <p:txBody>
+          <a:bodyPr>
+            <a:normAutofit/>
+          </a:bodyPr>
+          <a:lstStyle/>
+          <a:p>
+            <a:r>
+              <a:rPr lang="en-US" dirty="0" err="1"/>
+              <a:t>Pratical</a:t>
+            </a:r>
+            <a:r>
+              <a:rPr lang="en-US" dirty="0"/>
+              <a:t> 4 (Table)</a:t>
+            </a:r>
+          </a:p>
+        </p:txBody>
+      </p:sp>
+      <p:sp>
+        <p:nvSpPr>
+          <p:cNvPr id="3" name="Content Placeholder 2"/>
+          <p:cNvSpPr>
+            <a:spLocks noGrp="1"/>
+          </p:cNvSpPr>
+          <p:nvPr>
+            <p:ph idx="1"/>
+          </p:nvPr>
+        </p:nvSpPr>
+        <p:spPr>
+          <a:xfrm>
+            <a:off x="1295401" y="2756646"/>
+            <a:ext cx="9601196" cy="3415553"/>
+          </a:xfrm>
+        </p:spPr>
+        <p:txBody>
+          <a:bodyPr>
+            <a:noAutofit/>
+          </a:bodyPr>
+          <a:lstStyle/>
+          <a:p>
+            <a:r>
+              <a:rPr lang="en-US" sz="2000" dirty="0"/>
+              <a:t>&lt;table&gt;.....&lt;/table&gt; tags represents an HTML table.</a:t>
+            </a:r>
+          </a:p>
+          <a:p>
+            <a:pPr lvl="1"/>
+            <a:r>
+              <a:rPr lang="en-US" dirty="0"/>
+              <a:t>&lt;tr&gt;....&lt;/tr&gt; tags represents a row in the table</a:t>
+            </a:r>
+          </a:p>
+          <a:p>
+            <a:pPr lvl="2"/>
+            <a:r>
+              <a:rPr lang="en-US" sz="2000" dirty="0"/>
+              <a:t>&lt;</a:t>
+            </a:r>
+            <a:r>
+              <a:rPr lang="en-US" sz="2000" dirty="0" err="1"/>
+              <a:t>th</a:t>
+            </a:r>
+            <a:r>
+              <a:rPr lang="en-US" sz="2000" dirty="0"/>
+              <a:t>&gt;....&lt;/</a:t>
+            </a:r>
+            <a:r>
+              <a:rPr lang="en-US" sz="2000" dirty="0" err="1"/>
+              <a:t>th</a:t>
+            </a:r>
+            <a:r>
+              <a:rPr lang="en-US" sz="2000" dirty="0"/>
+              <a:t>&gt; tags is used to add a column heading in a column.</a:t>
+            </a:r>
+          </a:p>
+          <a:p>
+            <a:pPr lvl="2"/>
+            <a:r>
+              <a:rPr lang="en-US" sz="2000" dirty="0"/>
+              <a:t>&lt;td&gt;.....&lt;/td&gt; tags are used to add data value in the column</a:t>
+            </a:r>
+          </a:p>
+          <a:p>
+            <a:pPr marL="0" indent="0">
+              <a:buNone/>
+            </a:pPr>
+            <a:endParaRPr lang="en-US" sz="2000" dirty="0"/>
+          </a:p>
+        </p:txBody>
+      </p:sp>
+    </p:spTree>
+    <p:extLst>
+      <p:ext uri="{BB962C8B-B14F-4D97-AF65-F5344CB8AC3E}">
+        <p14:creationId xmlns:p14="http://schemas.microsoft.com/office/powerpoint/2010/main" val="3775028839"/>
+      </p:ext>
+    </p:extLst>
+  </p:cSld>
+  <p:clrMapOvr>
+    <a:masterClrMapping/>
+  </p:clrMapOvr>
+</p:sld>
+</file>
+
+<file path=ppt/slides/slide26.xml><?xml version="1.0" encoding="utf-8"?>
+<p:sld xmlns:a="http://schemas.openxmlformats.org/drawingml/2006/main" xmlns:r="http://schemas.openxmlformats.org/officeDocument/2006/relationships" xmlns:p="http://schemas.openxmlformats.org/presentationml/2006/main">
+  <p:cSld>
+    <p:spTree>
+      <p:nvGrpSpPr>
+        <p:cNvPr id="1" name=""/>
+        <p:cNvGrpSpPr/>
+        <p:nvPr/>
+      </p:nvGrpSpPr>
+      <p:grpSpPr>
+        <a:xfrm>
+          <a:off x="0" y="0"/>
+          <a:ext cx="0" cy="0"/>
+          <a:chOff x="0" y="0"/>
+          <a:chExt cx="0" cy="0"/>
+        </a:xfrm>
+      </p:grpSpPr>
+      <p:sp>
+        <p:nvSpPr>
+          <p:cNvPr id="5" name="Rectangle 4">
+            <a:extLst>
+              <a:ext uri="{FF2B5EF4-FFF2-40B4-BE49-F238E27FC236}">
+                <a16:creationId xmlns:a16="http://schemas.microsoft.com/office/drawing/2014/main" id="{33F0D991-FB52-48C0-8926-83FED4777E18}"/>
+              </a:ext>
+            </a:extLst>
+          </p:cNvPr>
+          <p:cNvSpPr/>
+          <p:nvPr/>
+        </p:nvSpPr>
+        <p:spPr>
+          <a:xfrm>
+            <a:off x="1775012" y="2549597"/>
+            <a:ext cx="9121586" cy="2862322"/>
+          </a:xfrm>
+          <a:prstGeom prst="rect">
+            <a:avLst/>
+          </a:prstGeom>
+        </p:spPr>
+        <p:txBody>
+          <a:bodyPr wrap="square">
+            <a:spAutoFit/>
+          </a:bodyPr>
+          <a:lstStyle/>
+          <a:p>
+            <a:r>
+              <a:rPr lang="en-US" dirty="0"/>
+              <a:t>﻿&lt;table border=“1”&gt;</a:t>
+            </a:r>
+          </a:p>
+          <a:p>
+            <a:endParaRPr lang="en-US" dirty="0"/>
+          </a:p>
+          <a:p>
+            <a:pPr>
+              <a:lnSpc>
+                <a:spcPct val="150000"/>
+              </a:lnSpc>
+            </a:pPr>
+            <a:r>
+              <a:rPr lang="en-US" dirty="0"/>
+              <a:t>&lt;tr&gt;																	&lt;/tr&gt;</a:t>
+            </a:r>
+          </a:p>
+          <a:p>
+            <a:pPr>
+              <a:lnSpc>
+                <a:spcPct val="150000"/>
+              </a:lnSpc>
+            </a:pPr>
+            <a:r>
+              <a:rPr lang="en-US" dirty="0"/>
+              <a:t>&lt;tr&gt;																	&lt;/tr&gt;</a:t>
+            </a:r>
+          </a:p>
+          <a:p>
+            <a:pPr>
+              <a:lnSpc>
+                <a:spcPct val="150000"/>
+              </a:lnSpc>
+            </a:pPr>
+            <a:r>
+              <a:rPr lang="en-US" dirty="0"/>
+              <a:t>&lt;tr&gt;																	&lt;/tr&gt;</a:t>
+            </a:r>
+          </a:p>
+          <a:p>
+            <a:pPr>
+              <a:lnSpc>
+                <a:spcPct val="150000"/>
+              </a:lnSpc>
+            </a:pPr>
+            <a:r>
+              <a:rPr lang="en-US" dirty="0"/>
+              <a:t>&lt;tr&gt;																	&lt;/tr&gt;</a:t>
+            </a:r>
+          </a:p>
+          <a:p>
+            <a:endParaRPr lang="en-US" dirty="0"/>
+          </a:p>
+          <a:p>
+            <a:r>
+              <a:rPr lang="en-US" dirty="0"/>
+              <a:t>&lt;/table&gt;</a:t>
+            </a:r>
+          </a:p>
+        </p:txBody>
+      </p:sp>
+      <p:sp>
+        <p:nvSpPr>
+          <p:cNvPr id="2" name="Title 1"/>
+          <p:cNvSpPr>
+            <a:spLocks noGrp="1"/>
+          </p:cNvSpPr>
+          <p:nvPr>
+            <p:ph type="title"/>
+          </p:nvPr>
+        </p:nvSpPr>
+        <p:spPr/>
+        <p:txBody>
+          <a:bodyPr>
+            <a:normAutofit/>
+          </a:bodyPr>
+          <a:lstStyle/>
+          <a:p>
+            <a:r>
+              <a:rPr lang="en-US" dirty="0" err="1"/>
+              <a:t>Pratical</a:t>
+            </a:r>
+            <a:r>
+              <a:rPr lang="en-US" dirty="0"/>
+              <a:t> 4 (Table)</a:t>
+            </a:r>
+          </a:p>
+        </p:txBody>
+      </p:sp>
+      <p:graphicFrame>
+        <p:nvGraphicFramePr>
+          <p:cNvPr id="4" name="Content Placeholder 3">
+            <a:extLst>
+              <a:ext uri="{FF2B5EF4-FFF2-40B4-BE49-F238E27FC236}">
+                <a16:creationId xmlns:a16="http://schemas.microsoft.com/office/drawing/2014/main" id="{FF98FF36-90E6-494B-8560-FA1FB8B6B07D}"/>
+              </a:ext>
+            </a:extLst>
+          </p:cNvPr>
+          <p:cNvGraphicFramePr>
+            <a:graphicFrameLocks noGrp="1"/>
+          </p:cNvGraphicFramePr>
+          <p:nvPr>
+            <p:ph idx="1"/>
+            <p:extLst>
+              <p:ext uri="{D42A27DB-BD31-4B8C-83A1-F6EECF244321}">
+                <p14:modId xmlns:p14="http://schemas.microsoft.com/office/powerpoint/2010/main" val="3787978000"/>
+              </p:ext>
+            </p:extLst>
+          </p:nvPr>
+        </p:nvGraphicFramePr>
+        <p:xfrm>
+          <a:off x="2478742" y="3226378"/>
+          <a:ext cx="7001436" cy="1508760"/>
+        </p:xfrm>
+        <a:graphic>
+          <a:graphicData uri="http://schemas.openxmlformats.org/drawingml/2006/table">
+            <a:tbl>
+              <a:tblPr firstRow="1" bandRow="1">
+                <a:tableStyleId>{5940675A-B579-460E-94D1-54222C63F5DA}</a:tableStyleId>
+              </a:tblPr>
+              <a:tblGrid>
+                <a:gridCol w="2333812">
+                  <a:extLst>
+                    <a:ext uri="{9D8B030D-6E8A-4147-A177-3AD203B41FA5}">
+                      <a16:colId xmlns:a16="http://schemas.microsoft.com/office/drawing/2014/main" val="604512106"/>
+                    </a:ext>
+                  </a:extLst>
+                </a:gridCol>
+                <a:gridCol w="2333812">
+                  <a:extLst>
+                    <a:ext uri="{9D8B030D-6E8A-4147-A177-3AD203B41FA5}">
+                      <a16:colId xmlns:a16="http://schemas.microsoft.com/office/drawing/2014/main" val="443209667"/>
+                    </a:ext>
+                  </a:extLst>
+                </a:gridCol>
+                <a:gridCol w="2333812">
+                  <a:extLst>
+                    <a:ext uri="{9D8B030D-6E8A-4147-A177-3AD203B41FA5}">
+                      <a16:colId xmlns:a16="http://schemas.microsoft.com/office/drawing/2014/main" val="2849828124"/>
+                    </a:ext>
+                  </a:extLst>
+                </a:gridCol>
+              </a:tblGrid>
+              <a:tr h="370840">
+                <a:tc>
+                  <a:txBody>
+                    <a:bodyPr/>
+                    <a:lstStyle/>
+                    <a:p>
+                      <a:r>
+                        <a:rPr lang="en-US" sz="2000" b="1" dirty="0"/>
+                        <a:t>&lt;</a:t>
+                      </a:r>
+                      <a:r>
+                        <a:rPr lang="en-US" sz="2000" b="1" dirty="0" err="1"/>
+                        <a:t>th</a:t>
+                      </a:r>
+                      <a:r>
+                        <a:rPr lang="en-US" sz="2000" b="1" dirty="0"/>
+                        <a:t>&gt;Name&lt;/</a:t>
+                      </a:r>
+                      <a:r>
+                        <a:rPr lang="en-US" sz="2000" b="1" dirty="0" err="1"/>
+                        <a:t>th</a:t>
+                      </a:r>
+                      <a:r>
+                        <a:rPr lang="en-US" sz="2000" b="1" dirty="0"/>
+                        <a:t>&gt; </a:t>
+                      </a:r>
+                    </a:p>
+                  </a:txBody>
+                  <a:tcPr/>
+                </a:tc>
+                <a:tc>
+                  <a:txBody>
+                    <a:bodyPr/>
+                    <a:lstStyle/>
+                    <a:p>
+                      <a:r>
+                        <a:rPr lang="en-US" sz="2000" b="1" dirty="0"/>
+                        <a:t>&lt;</a:t>
+                      </a:r>
+                      <a:r>
+                        <a:rPr lang="en-US" sz="2000" b="1" dirty="0" err="1"/>
+                        <a:t>th</a:t>
+                      </a:r>
+                      <a:r>
+                        <a:rPr lang="en-US" sz="2000" b="1" dirty="0"/>
+                        <a:t>&gt;Roll&lt;/</a:t>
+                      </a:r>
+                      <a:r>
+                        <a:rPr lang="en-US" sz="2000" b="1" dirty="0" err="1"/>
+                        <a:t>th</a:t>
+                      </a:r>
+                      <a:r>
+                        <a:rPr lang="en-US" sz="2000" b="1" dirty="0"/>
+                        <a:t>&gt; </a:t>
+                      </a:r>
+                    </a:p>
+                  </a:txBody>
+                  <a:tcPr/>
+                </a:tc>
+                <a:tc>
+                  <a:txBody>
+                    <a:bodyPr/>
+                    <a:lstStyle/>
+                    <a:p>
+                      <a:pPr marL="0" marR="0" lvl="0" indent="0" algn="l" defTabSz="457200" rtl="0" eaLnBrk="1" fontAlgn="auto" latinLnBrk="0" hangingPunct="1">
+                        <a:lnSpc>
+                          <a:spcPct val="100000"/>
+                        </a:lnSpc>
+                        <a:spcBef>
+                          <a:spcPts val="0"/>
+                        </a:spcBef>
+                        <a:spcAft>
+                          <a:spcPts val="0"/>
+                        </a:spcAft>
+                        <a:buClrTx/>
+                        <a:buSzTx/>
+                        <a:buFontTx/>
+                        <a:buNone/>
+                        <a:tabLst/>
+                        <a:defRPr/>
+                      </a:pPr>
+                      <a:r>
+                        <a:rPr lang="en-US" sz="2000" b="1" dirty="0"/>
+                        <a:t>&lt;</a:t>
+                      </a:r>
+                      <a:r>
+                        <a:rPr lang="en-US" sz="2000" b="1" dirty="0" err="1"/>
+                        <a:t>th</a:t>
+                      </a:r>
+                      <a:r>
+                        <a:rPr lang="en-US" sz="2000" b="1" dirty="0"/>
+                        <a:t>&gt;Result&lt;/</a:t>
+                      </a:r>
+                      <a:r>
+                        <a:rPr lang="en-US" sz="2000" b="1" dirty="0" err="1"/>
+                        <a:t>th</a:t>
+                      </a:r>
+                      <a:r>
+                        <a:rPr lang="en-US" sz="2000" b="1" dirty="0"/>
+                        <a:t>&gt;</a:t>
+                      </a:r>
+                    </a:p>
+                  </a:txBody>
+                  <a:tcPr/>
+                </a:tc>
+                <a:extLst>
+                  <a:ext uri="{0D108BD9-81ED-4DB2-BD59-A6C34878D82A}">
+                    <a16:rowId xmlns:a16="http://schemas.microsoft.com/office/drawing/2014/main" val="1311710034"/>
+                  </a:ext>
+                </a:extLst>
+              </a:tr>
+              <a:tr h="370840">
+                <a:tc>
+                  <a:txBody>
+                    <a:bodyPr/>
+                    <a:lstStyle/>
+                    <a:p>
+                      <a:r>
+                        <a:rPr lang="en-US" dirty="0"/>
+                        <a:t>&lt;td&gt;Ravi&lt;/td&gt; </a:t>
+                      </a:r>
+                    </a:p>
+                  </a:txBody>
+                  <a:tcPr/>
+                </a:tc>
+                <a:tc>
+                  <a:txBody>
+                    <a:bodyPr/>
+                    <a:lstStyle/>
+                    <a:p>
+                      <a:pPr marL="0" marR="0" lvl="0" indent="0" algn="l" defTabSz="457200" rtl="0" eaLnBrk="1" fontAlgn="auto" latinLnBrk="0" hangingPunct="1">
+                        <a:lnSpc>
+                          <a:spcPct val="100000"/>
+                        </a:lnSpc>
+                        <a:spcBef>
+                          <a:spcPts val="0"/>
+                        </a:spcBef>
+                        <a:spcAft>
+                          <a:spcPts val="0"/>
+                        </a:spcAft>
+                        <a:buClrTx/>
+                        <a:buSzTx/>
+                        <a:buFontTx/>
+                        <a:buNone/>
+                        <a:tabLst/>
+                        <a:defRPr/>
+                      </a:pPr>
+                      <a:r>
+                        <a:rPr lang="en-US" dirty="0"/>
+                        <a:t>&lt;td&gt;101&lt;/td&gt;</a:t>
+                      </a:r>
+                    </a:p>
+                  </a:txBody>
+                  <a:tcPr/>
+                </a:tc>
+                <a:tc>
+                  <a:txBody>
+                    <a:bodyPr/>
+                    <a:lstStyle/>
+                    <a:p>
+                      <a:pPr marL="0" marR="0" lvl="0" indent="0" algn="l" defTabSz="457200" rtl="0" eaLnBrk="1" fontAlgn="auto" latinLnBrk="0" hangingPunct="1">
+                        <a:lnSpc>
+                          <a:spcPct val="100000"/>
+                        </a:lnSpc>
+                        <a:spcBef>
+                          <a:spcPts val="0"/>
+                        </a:spcBef>
+                        <a:spcAft>
+                          <a:spcPts val="0"/>
+                        </a:spcAft>
+                        <a:buClrTx/>
+                        <a:buSzTx/>
+                        <a:buFontTx/>
+                        <a:buNone/>
+                        <a:tabLst/>
+                        <a:defRPr/>
+                      </a:pPr>
+                      <a:r>
+                        <a:rPr lang="en-US" dirty="0"/>
+                        <a:t>&lt;td&gt;Pass&lt;/td&gt;</a:t>
+                      </a:r>
+                    </a:p>
+                  </a:txBody>
+                  <a:tcPr/>
+                </a:tc>
+                <a:extLst>
+                  <a:ext uri="{0D108BD9-81ED-4DB2-BD59-A6C34878D82A}">
+                    <a16:rowId xmlns:a16="http://schemas.microsoft.com/office/drawing/2014/main" val="40761255"/>
+                  </a:ext>
+                </a:extLst>
+              </a:tr>
+              <a:tr h="370840">
+                <a:tc>
+                  <a:txBody>
+                    <a:bodyPr/>
+                    <a:lstStyle/>
+                    <a:p>
+                      <a:pPr marL="0" marR="0" lvl="0" indent="0" algn="l" defTabSz="457200" rtl="0" eaLnBrk="1" fontAlgn="auto" latinLnBrk="0" hangingPunct="1">
+                        <a:lnSpc>
+                          <a:spcPct val="100000"/>
+                        </a:lnSpc>
+                        <a:spcBef>
+                          <a:spcPts val="0"/>
+                        </a:spcBef>
+                        <a:spcAft>
+                          <a:spcPts val="0"/>
+                        </a:spcAft>
+                        <a:buClrTx/>
+                        <a:buSzTx/>
+                        <a:buFontTx/>
+                        <a:buNone/>
+                        <a:tabLst/>
+                        <a:defRPr/>
+                      </a:pPr>
+                      <a:r>
+                        <a:rPr lang="en-US" dirty="0"/>
+                        <a:t>&lt;td&gt;Ram&lt;/td&gt;</a:t>
+                      </a:r>
+                    </a:p>
+                  </a:txBody>
+                  <a:tcPr/>
+                </a:tc>
+                <a:tc>
+                  <a:txBody>
+                    <a:bodyPr/>
+                    <a:lstStyle/>
+                    <a:p>
+                      <a:pPr marL="0" marR="0" lvl="0" indent="0" algn="l" defTabSz="457200" rtl="0" eaLnBrk="1" fontAlgn="auto" latinLnBrk="0" hangingPunct="1">
+                        <a:lnSpc>
+                          <a:spcPct val="100000"/>
+                        </a:lnSpc>
+                        <a:spcBef>
+                          <a:spcPts val="0"/>
+                        </a:spcBef>
+                        <a:spcAft>
+                          <a:spcPts val="0"/>
+                        </a:spcAft>
+                        <a:buClrTx/>
+                        <a:buSzTx/>
+                        <a:buFontTx/>
+                        <a:buNone/>
+                        <a:tabLst/>
+                        <a:defRPr/>
+                      </a:pPr>
+                      <a:r>
+                        <a:rPr lang="en-US" dirty="0"/>
+                        <a:t>&lt;td&gt;102&lt;/td&gt;</a:t>
+                      </a:r>
+                    </a:p>
+                  </a:txBody>
+                  <a:tcPr/>
+                </a:tc>
+                <a:tc>
+                  <a:txBody>
+                    <a:bodyPr/>
+                    <a:lstStyle/>
+                    <a:p>
+                      <a:pPr marL="0" marR="0" lvl="0" indent="0" algn="l" defTabSz="457200" rtl="0" eaLnBrk="1" fontAlgn="auto" latinLnBrk="0" hangingPunct="1">
+                        <a:lnSpc>
+                          <a:spcPct val="100000"/>
+                        </a:lnSpc>
+                        <a:spcBef>
+                          <a:spcPts val="0"/>
+                        </a:spcBef>
+                        <a:spcAft>
+                          <a:spcPts val="0"/>
+                        </a:spcAft>
+                        <a:buClrTx/>
+                        <a:buSzTx/>
+                        <a:buFontTx/>
+                        <a:buNone/>
+                        <a:tabLst/>
+                        <a:defRPr/>
+                      </a:pPr>
+                      <a:r>
+                        <a:rPr lang="en-US" dirty="0"/>
+                        <a:t>&lt;td&gt;Pass&lt;/td&gt;</a:t>
+                      </a:r>
+                    </a:p>
+                  </a:txBody>
+                  <a:tcPr/>
+                </a:tc>
+                <a:extLst>
+                  <a:ext uri="{0D108BD9-81ED-4DB2-BD59-A6C34878D82A}">
+                    <a16:rowId xmlns:a16="http://schemas.microsoft.com/office/drawing/2014/main" val="3050403717"/>
+                  </a:ext>
+                </a:extLst>
+              </a:tr>
+              <a:tr h="370840">
+                <a:tc>
+                  <a:txBody>
+                    <a:bodyPr/>
+                    <a:lstStyle/>
+                    <a:p>
+                      <a:pPr marL="0" marR="0" lvl="0" indent="0" algn="l" defTabSz="457200" rtl="0" eaLnBrk="1" fontAlgn="auto" latinLnBrk="0" hangingPunct="1">
+                        <a:lnSpc>
+                          <a:spcPct val="100000"/>
+                        </a:lnSpc>
+                        <a:spcBef>
+                          <a:spcPts val="0"/>
+                        </a:spcBef>
+                        <a:spcAft>
+                          <a:spcPts val="0"/>
+                        </a:spcAft>
+                        <a:buClrTx/>
+                        <a:buSzTx/>
+                        <a:buFontTx/>
+                        <a:buNone/>
+                        <a:tabLst/>
+                        <a:defRPr/>
+                      </a:pPr>
+                      <a:r>
+                        <a:rPr lang="en-US" dirty="0"/>
+                        <a:t>&lt;td&gt;Hari&lt;/td&gt;</a:t>
+                      </a:r>
+                    </a:p>
+                  </a:txBody>
+                  <a:tcPr/>
+                </a:tc>
+                <a:tc>
+                  <a:txBody>
+                    <a:bodyPr/>
+                    <a:lstStyle/>
+                    <a:p>
+                      <a:pPr marL="0" marR="0" lvl="0" indent="0" algn="l" defTabSz="457200" rtl="0" eaLnBrk="1" fontAlgn="auto" latinLnBrk="0" hangingPunct="1">
+                        <a:lnSpc>
+                          <a:spcPct val="100000"/>
+                        </a:lnSpc>
+                        <a:spcBef>
+                          <a:spcPts val="0"/>
+                        </a:spcBef>
+                        <a:spcAft>
+                          <a:spcPts val="0"/>
+                        </a:spcAft>
+                        <a:buClrTx/>
+                        <a:buSzTx/>
+                        <a:buFontTx/>
+                        <a:buNone/>
+                        <a:tabLst/>
+                        <a:defRPr/>
+                      </a:pPr>
+                      <a:r>
+                        <a:rPr lang="en-US" dirty="0"/>
+                        <a:t>&lt;td&gt;103&lt;/td&gt;</a:t>
+                      </a:r>
+                    </a:p>
+                  </a:txBody>
+                  <a:tcPr/>
+                </a:tc>
+                <a:tc>
+                  <a:txBody>
+                    <a:bodyPr/>
+                    <a:lstStyle/>
+                    <a:p>
+                      <a:pPr marL="0" marR="0" lvl="0" indent="0" algn="l" defTabSz="457200" rtl="0" eaLnBrk="1" fontAlgn="auto" latinLnBrk="0" hangingPunct="1">
+                        <a:lnSpc>
+                          <a:spcPct val="100000"/>
+                        </a:lnSpc>
+                        <a:spcBef>
+                          <a:spcPts val="0"/>
+                        </a:spcBef>
+                        <a:spcAft>
+                          <a:spcPts val="0"/>
+                        </a:spcAft>
+                        <a:buClrTx/>
+                        <a:buSzTx/>
+                        <a:buFontTx/>
+                        <a:buNone/>
+                        <a:tabLst/>
+                        <a:defRPr/>
+                      </a:pPr>
+                      <a:r>
+                        <a:rPr lang="en-US" dirty="0"/>
+                        <a:t>&lt;td&gt;Pass&lt;/td&gt;</a:t>
+                      </a:r>
+                    </a:p>
+                  </a:txBody>
+                  <a:tcPr/>
+                </a:tc>
+                <a:extLst>
+                  <a:ext uri="{0D108BD9-81ED-4DB2-BD59-A6C34878D82A}">
+                    <a16:rowId xmlns:a16="http://schemas.microsoft.com/office/drawing/2014/main" val="1265988705"/>
+                  </a:ext>
+                </a:extLst>
+              </a:tr>
+            </a:tbl>
+          </a:graphicData>
+        </a:graphic>
+      </p:graphicFrame>
+    </p:spTree>
+    <p:extLst>
+      <p:ext uri="{BB962C8B-B14F-4D97-AF65-F5344CB8AC3E}">
+        <p14:creationId xmlns:p14="http://schemas.microsoft.com/office/powerpoint/2010/main" val="1040573795"/>
+      </p:ext>
+    </p:extLst>
+  </p:cSld>
+  <p:clrMapOvr>
+    <a:masterClrMapping/>
+  </p:clrMapOvr>
+</p:sld>
+</file>
+
+<file path=ppt/slides/slide27.xml><?xml version="1.0" encoding="utf-8"?>
+<p:sld xmlns:a="http://schemas.openxmlformats.org/drawingml/2006/main" xmlns:r="http://schemas.openxmlformats.org/officeDocument/2006/relationships" xmlns:p="http://schemas.openxmlformats.org/presentationml/2006/main">
+  <p:cSld>
+    <p:spTree>
+      <p:nvGrpSpPr>
+        <p:cNvPr id="1" name=""/>
+        <p:cNvGrpSpPr/>
+        <p:nvPr/>
+      </p:nvGrpSpPr>
+      <p:grpSpPr>
+        <a:xfrm>
+          <a:off x="0" y="0"/>
+          <a:ext cx="0" cy="0"/>
+          <a:chOff x="0" y="0"/>
+          <a:chExt cx="0" cy="0"/>
+        </a:xfrm>
+      </p:grpSpPr>
+      <p:sp>
+        <p:nvSpPr>
+          <p:cNvPr id="2" name="Title 1"/>
+          <p:cNvSpPr>
+            <a:spLocks noGrp="1"/>
+          </p:cNvSpPr>
+          <p:nvPr>
+            <p:ph type="title"/>
+          </p:nvPr>
+        </p:nvSpPr>
+        <p:spPr/>
+        <p:txBody>
+          <a:bodyPr>
+            <a:normAutofit/>
+          </a:bodyPr>
+          <a:lstStyle/>
+          <a:p>
+            <a:r>
+              <a:rPr lang="en-US" dirty="0" err="1"/>
+              <a:t>Pratical</a:t>
+            </a:r>
+            <a:r>
+              <a:rPr lang="en-US" dirty="0"/>
+              <a:t> 4 (Table)</a:t>
+            </a:r>
+          </a:p>
+        </p:txBody>
+      </p:sp>
+      <p:graphicFrame>
+        <p:nvGraphicFramePr>
+          <p:cNvPr id="4" name="Content Placeholder 3">
+            <a:extLst>
+              <a:ext uri="{FF2B5EF4-FFF2-40B4-BE49-F238E27FC236}">
+                <a16:creationId xmlns:a16="http://schemas.microsoft.com/office/drawing/2014/main" id="{FF98FF36-90E6-494B-8560-FA1FB8B6B07D}"/>
+              </a:ext>
+            </a:extLst>
+          </p:cNvPr>
+          <p:cNvGraphicFramePr>
+            <a:graphicFrameLocks noGrp="1"/>
+          </p:cNvGraphicFramePr>
+          <p:nvPr>
+            <p:ph idx="1"/>
+            <p:extLst>
+              <p:ext uri="{D42A27DB-BD31-4B8C-83A1-F6EECF244321}">
+                <p14:modId xmlns:p14="http://schemas.microsoft.com/office/powerpoint/2010/main" val="1412831164"/>
+              </p:ext>
+            </p:extLst>
+          </p:nvPr>
+        </p:nvGraphicFramePr>
+        <p:xfrm>
+          <a:off x="2478742" y="3226378"/>
+          <a:ext cx="7001436" cy="1503680"/>
+        </p:xfrm>
+        <a:graphic>
+          <a:graphicData uri="http://schemas.openxmlformats.org/drawingml/2006/table">
+            <a:tbl>
+              <a:tblPr firstRow="1" bandRow="1">
+                <a:tableStyleId>{5940675A-B579-460E-94D1-54222C63F5DA}</a:tableStyleId>
+              </a:tblPr>
+              <a:tblGrid>
+                <a:gridCol w="2333812">
+                  <a:extLst>
+                    <a:ext uri="{9D8B030D-6E8A-4147-A177-3AD203B41FA5}">
+                      <a16:colId xmlns:a16="http://schemas.microsoft.com/office/drawing/2014/main" val="604512106"/>
+                    </a:ext>
+                  </a:extLst>
+                </a:gridCol>
+                <a:gridCol w="2333812">
+                  <a:extLst>
+                    <a:ext uri="{9D8B030D-6E8A-4147-A177-3AD203B41FA5}">
+                      <a16:colId xmlns:a16="http://schemas.microsoft.com/office/drawing/2014/main" val="443209667"/>
+                    </a:ext>
+                  </a:extLst>
+                </a:gridCol>
+                <a:gridCol w="2333812">
+                  <a:extLst>
+                    <a:ext uri="{9D8B030D-6E8A-4147-A177-3AD203B41FA5}">
+                      <a16:colId xmlns:a16="http://schemas.microsoft.com/office/drawing/2014/main" val="2849828124"/>
+                    </a:ext>
+                  </a:extLst>
+                </a:gridCol>
+              </a:tblGrid>
+              <a:tr h="370840">
+                <a:tc>
+                  <a:txBody>
+                    <a:bodyPr/>
+                    <a:lstStyle/>
+                    <a:p>
+                      <a:r>
+                        <a:rPr lang="en-US" sz="2000" b="1" dirty="0"/>
+                        <a:t>Name</a:t>
+                      </a:r>
+                    </a:p>
+                  </a:txBody>
+                  <a:tcPr/>
+                </a:tc>
+                <a:tc>
+                  <a:txBody>
+                    <a:bodyPr/>
+                    <a:lstStyle/>
+                    <a:p>
+                      <a:r>
+                        <a:rPr lang="en-US" sz="2000" b="1" dirty="0"/>
+                        <a:t>Roll </a:t>
+                      </a:r>
+                    </a:p>
+                  </a:txBody>
+                  <a:tcPr/>
+                </a:tc>
+                <a:tc>
+                  <a:txBody>
+                    <a:bodyPr/>
+                    <a:lstStyle/>
+                    <a:p>
+                      <a:pPr marL="0" marR="0" lvl="0" indent="0" algn="l" defTabSz="457200" rtl="0" eaLnBrk="1" fontAlgn="auto" latinLnBrk="0" hangingPunct="1">
+                        <a:lnSpc>
+                          <a:spcPct val="100000"/>
+                        </a:lnSpc>
+                        <a:spcBef>
+                          <a:spcPts val="0"/>
+                        </a:spcBef>
+                        <a:spcAft>
+                          <a:spcPts val="0"/>
+                        </a:spcAft>
+                        <a:buClrTx/>
+                        <a:buSzTx/>
+                        <a:buFontTx/>
+                        <a:buNone/>
+                        <a:tabLst/>
+                        <a:defRPr/>
+                      </a:pPr>
+                      <a:r>
+                        <a:rPr lang="en-US" sz="2000" b="1" dirty="0"/>
+                        <a:t>Result</a:t>
+                      </a:r>
+                    </a:p>
+                  </a:txBody>
+                  <a:tcPr/>
+                </a:tc>
+                <a:extLst>
+                  <a:ext uri="{0D108BD9-81ED-4DB2-BD59-A6C34878D82A}">
+                    <a16:rowId xmlns:a16="http://schemas.microsoft.com/office/drawing/2014/main" val="1311710034"/>
+                  </a:ext>
+                </a:extLst>
+              </a:tr>
+              <a:tr h="370840">
+                <a:tc>
+                  <a:txBody>
+                    <a:bodyPr/>
+                    <a:lstStyle/>
+                    <a:p>
+                      <a:r>
+                        <a:rPr lang="en-US" dirty="0"/>
+                        <a:t>Ravi</a:t>
+                      </a:r>
+                    </a:p>
+                  </a:txBody>
+                  <a:tcPr/>
+                </a:tc>
+                <a:tc>
+                  <a:txBody>
+                    <a:bodyPr/>
+                    <a:lstStyle/>
+                    <a:p>
+                      <a:pPr marL="0" marR="0" lvl="0" indent="0" algn="l" defTabSz="457200" rtl="0" eaLnBrk="1" fontAlgn="auto" latinLnBrk="0" hangingPunct="1">
+                        <a:lnSpc>
+                          <a:spcPct val="100000"/>
+                        </a:lnSpc>
+                        <a:spcBef>
+                          <a:spcPts val="0"/>
+                        </a:spcBef>
+                        <a:spcAft>
+                          <a:spcPts val="0"/>
+                        </a:spcAft>
+                        <a:buClrTx/>
+                        <a:buSzTx/>
+                        <a:buFontTx/>
+                        <a:buNone/>
+                        <a:tabLst/>
+                        <a:defRPr/>
+                      </a:pPr>
+                      <a:r>
+                        <a:rPr lang="en-US" dirty="0"/>
+                        <a:t>101</a:t>
+                      </a:r>
+                    </a:p>
+                  </a:txBody>
+                  <a:tcPr/>
+                </a:tc>
+                <a:tc>
+                  <a:txBody>
+                    <a:bodyPr/>
+                    <a:lstStyle/>
+                    <a:p>
+                      <a:pPr marL="0" marR="0" lvl="0" indent="0" algn="l" defTabSz="457200" rtl="0" eaLnBrk="1" fontAlgn="auto" latinLnBrk="0" hangingPunct="1">
+                        <a:lnSpc>
+                          <a:spcPct val="100000"/>
+                        </a:lnSpc>
+                        <a:spcBef>
+                          <a:spcPts val="0"/>
+                        </a:spcBef>
+                        <a:spcAft>
+                          <a:spcPts val="0"/>
+                        </a:spcAft>
+                        <a:buClrTx/>
+                        <a:buSzTx/>
+                        <a:buFontTx/>
+                        <a:buNone/>
+                        <a:tabLst/>
+                        <a:defRPr/>
+                      </a:pPr>
+                      <a:r>
+                        <a:rPr lang="en-US" dirty="0"/>
+                        <a:t>Pass</a:t>
+                      </a:r>
+                    </a:p>
+                  </a:txBody>
+                  <a:tcPr/>
+                </a:tc>
+                <a:extLst>
+                  <a:ext uri="{0D108BD9-81ED-4DB2-BD59-A6C34878D82A}">
+                    <a16:rowId xmlns:a16="http://schemas.microsoft.com/office/drawing/2014/main" val="40761255"/>
+                  </a:ext>
+                </a:extLst>
+              </a:tr>
+              <a:tr h="309601">
+                <a:tc>
+                  <a:txBody>
+                    <a:bodyPr/>
+                    <a:lstStyle/>
+                    <a:p>
+                      <a:pPr marL="0" marR="0" lvl="0" indent="0" algn="l" defTabSz="457200" rtl="0" eaLnBrk="1" fontAlgn="auto" latinLnBrk="0" hangingPunct="1">
+                        <a:lnSpc>
+                          <a:spcPct val="100000"/>
+                        </a:lnSpc>
+                        <a:spcBef>
+                          <a:spcPts val="0"/>
+                        </a:spcBef>
+                        <a:spcAft>
+                          <a:spcPts val="0"/>
+                        </a:spcAft>
+                        <a:buClrTx/>
+                        <a:buSzTx/>
+                        <a:buFontTx/>
+                        <a:buNone/>
+                        <a:tabLst/>
+                        <a:defRPr/>
+                      </a:pPr>
+                      <a:r>
+                        <a:rPr lang="en-US" dirty="0"/>
+                        <a:t>Ram</a:t>
+                      </a:r>
+                    </a:p>
+                  </a:txBody>
+                  <a:tcPr/>
+                </a:tc>
+                <a:tc>
+                  <a:txBody>
+                    <a:bodyPr/>
+                    <a:lstStyle/>
+                    <a:p>
+                      <a:pPr marL="0" marR="0" lvl="0" indent="0" algn="l" defTabSz="457200" rtl="0" eaLnBrk="1" fontAlgn="auto" latinLnBrk="0" hangingPunct="1">
+                        <a:lnSpc>
+                          <a:spcPct val="100000"/>
+                        </a:lnSpc>
+                        <a:spcBef>
+                          <a:spcPts val="0"/>
+                        </a:spcBef>
+                        <a:spcAft>
+                          <a:spcPts val="0"/>
+                        </a:spcAft>
+                        <a:buClrTx/>
+                        <a:buSzTx/>
+                        <a:buFontTx/>
+                        <a:buNone/>
+                        <a:tabLst/>
+                        <a:defRPr/>
+                      </a:pPr>
+                      <a:r>
+                        <a:rPr lang="en-US" dirty="0"/>
+                        <a:t>102</a:t>
+                      </a:r>
+                    </a:p>
+                  </a:txBody>
+                  <a:tcPr/>
+                </a:tc>
+                <a:tc>
+                  <a:txBody>
+                    <a:bodyPr/>
+                    <a:lstStyle/>
+                    <a:p>
+                      <a:pPr marL="0" marR="0" lvl="0" indent="0" algn="l" defTabSz="457200" rtl="0" eaLnBrk="1" fontAlgn="auto" latinLnBrk="0" hangingPunct="1">
+                        <a:lnSpc>
+                          <a:spcPct val="100000"/>
+                        </a:lnSpc>
+                        <a:spcBef>
+                          <a:spcPts val="0"/>
+                        </a:spcBef>
+                        <a:spcAft>
+                          <a:spcPts val="0"/>
+                        </a:spcAft>
+                        <a:buClrTx/>
+                        <a:buSzTx/>
+                        <a:buFontTx/>
+                        <a:buNone/>
+                        <a:tabLst/>
+                        <a:defRPr/>
+                      </a:pPr>
+                      <a:r>
+                        <a:rPr lang="en-US" dirty="0"/>
+                        <a:t>Pass</a:t>
+                      </a:r>
+                    </a:p>
+                  </a:txBody>
+                  <a:tcPr/>
+                </a:tc>
+                <a:extLst>
+                  <a:ext uri="{0D108BD9-81ED-4DB2-BD59-A6C34878D82A}">
+                    <a16:rowId xmlns:a16="http://schemas.microsoft.com/office/drawing/2014/main" val="3050403717"/>
+                  </a:ext>
+                </a:extLst>
+              </a:tr>
+              <a:tr h="370840">
+                <a:tc>
+                  <a:txBody>
+                    <a:bodyPr/>
+                    <a:lstStyle/>
+                    <a:p>
+                      <a:pPr marL="0" marR="0" lvl="0" indent="0" algn="l" defTabSz="457200" rtl="0" eaLnBrk="1" fontAlgn="auto" latinLnBrk="0" hangingPunct="1">
+                        <a:lnSpc>
+                          <a:spcPct val="100000"/>
+                        </a:lnSpc>
+                        <a:spcBef>
+                          <a:spcPts val="0"/>
+                        </a:spcBef>
+                        <a:spcAft>
+                          <a:spcPts val="0"/>
+                        </a:spcAft>
+                        <a:buClrTx/>
+                        <a:buSzTx/>
+                        <a:buFontTx/>
+                        <a:buNone/>
+                        <a:tabLst/>
+                        <a:defRPr/>
+                      </a:pPr>
+                      <a:r>
+                        <a:rPr lang="en-US" dirty="0"/>
+                        <a:t>Hari</a:t>
+                      </a:r>
+                    </a:p>
+                  </a:txBody>
+                  <a:tcPr/>
+                </a:tc>
+                <a:tc>
+                  <a:txBody>
+                    <a:bodyPr/>
+                    <a:lstStyle/>
+                    <a:p>
+                      <a:pPr marL="0" marR="0" lvl="0" indent="0" algn="l" defTabSz="457200" rtl="0" eaLnBrk="1" fontAlgn="auto" latinLnBrk="0" hangingPunct="1">
+                        <a:lnSpc>
+                          <a:spcPct val="100000"/>
+                        </a:lnSpc>
+                        <a:spcBef>
+                          <a:spcPts val="0"/>
+                        </a:spcBef>
+                        <a:spcAft>
+                          <a:spcPts val="0"/>
+                        </a:spcAft>
+                        <a:buClrTx/>
+                        <a:buSzTx/>
+                        <a:buFontTx/>
+                        <a:buNone/>
+                        <a:tabLst/>
+                        <a:defRPr/>
+                      </a:pPr>
+                      <a:r>
+                        <a:rPr lang="en-US" dirty="0"/>
+                        <a:t>103</a:t>
+                      </a:r>
+                    </a:p>
+                  </a:txBody>
+                  <a:tcPr/>
+                </a:tc>
+                <a:tc>
+                  <a:txBody>
+                    <a:bodyPr/>
+                    <a:lstStyle/>
+                    <a:p>
+                      <a:pPr marL="0" marR="0" lvl="0" indent="0" algn="l" defTabSz="457200" rtl="0" eaLnBrk="1" fontAlgn="auto" latinLnBrk="0" hangingPunct="1">
+                        <a:lnSpc>
+                          <a:spcPct val="100000"/>
+                        </a:lnSpc>
+                        <a:spcBef>
+                          <a:spcPts val="0"/>
+                        </a:spcBef>
+                        <a:spcAft>
+                          <a:spcPts val="0"/>
+                        </a:spcAft>
+                        <a:buClrTx/>
+                        <a:buSzTx/>
+                        <a:buFontTx/>
+                        <a:buNone/>
+                        <a:tabLst/>
+                        <a:defRPr/>
+                      </a:pPr>
+                      <a:r>
+                        <a:rPr lang="en-US" dirty="0"/>
+                        <a:t>Pass</a:t>
+                      </a:r>
+                    </a:p>
+                  </a:txBody>
+                  <a:tcPr/>
+                </a:tc>
+                <a:extLst>
+                  <a:ext uri="{0D108BD9-81ED-4DB2-BD59-A6C34878D82A}">
+                    <a16:rowId xmlns:a16="http://schemas.microsoft.com/office/drawing/2014/main" val="1265988705"/>
+                  </a:ext>
+                </a:extLst>
+              </a:tr>
+            </a:tbl>
+          </a:graphicData>
+        </a:graphic>
+      </p:graphicFrame>
+    </p:spTree>
+    <p:extLst>
+      <p:ext uri="{BB962C8B-B14F-4D97-AF65-F5344CB8AC3E}">
+        <p14:creationId xmlns:p14="http://schemas.microsoft.com/office/powerpoint/2010/main" val="2376718767"/>
+      </p:ext>
+    </p:extLst>
+  </p:cSld>
+  <p:clrMapOvr>
+    <a:masterClrMapping/>
+  </p:clrMapOvr>
+</p:sld>
+</file>
+
+<file path=ppt/slides/slide28.xml><?xml version="1.0" encoding="utf-8"?>
+<p:sld xmlns:a="http://schemas.openxmlformats.org/drawingml/2006/main" xmlns:r="http://schemas.openxmlformats.org/officeDocument/2006/relationships" xmlns:p="http://schemas.openxmlformats.org/presentationml/2006/main">
+  <p:cSld>
+    <p:spTree>
+      <p:nvGrpSpPr>
+        <p:cNvPr id="1" name=""/>
+        <p:cNvGrpSpPr/>
+        <p:nvPr/>
+      </p:nvGrpSpPr>
+      <p:grpSpPr>
+        <a:xfrm>
+          <a:off x="0" y="0"/>
+          <a:ext cx="0" cy="0"/>
+          <a:chOff x="0" y="0"/>
+          <a:chExt cx="0" cy="0"/>
+        </a:xfrm>
+      </p:grpSpPr>
+      <p:sp>
+        <p:nvSpPr>
+          <p:cNvPr id="5" name="Rectangle 4">
+            <a:extLst>
+              <a:ext uri="{FF2B5EF4-FFF2-40B4-BE49-F238E27FC236}">
+                <a16:creationId xmlns:a16="http://schemas.microsoft.com/office/drawing/2014/main" id="{33F0D991-FB52-48C0-8926-83FED4777E18}"/>
+              </a:ext>
+            </a:extLst>
+          </p:cNvPr>
+          <p:cNvSpPr/>
+          <p:nvPr/>
+        </p:nvSpPr>
+        <p:spPr>
+          <a:xfrm>
+            <a:off x="1775012" y="2549597"/>
+            <a:ext cx="9121586" cy="2862322"/>
+          </a:xfrm>
+          <a:prstGeom prst="rect">
+            <a:avLst/>
+          </a:prstGeom>
+        </p:spPr>
+        <p:txBody>
+          <a:bodyPr wrap="square">
+            <a:spAutoFit/>
+          </a:bodyPr>
+          <a:lstStyle/>
+          <a:p>
+            <a:r>
+              <a:rPr lang="en-US" dirty="0"/>
+              <a:t>﻿&lt;table border=“1”&gt;</a:t>
+            </a:r>
+          </a:p>
+          <a:p>
+            <a:endParaRPr lang="en-US" dirty="0"/>
+          </a:p>
+          <a:p>
+            <a:pPr>
+              <a:lnSpc>
+                <a:spcPct val="150000"/>
+              </a:lnSpc>
+            </a:pPr>
+            <a:r>
+              <a:rPr lang="en-US" dirty="0"/>
+              <a:t>&lt;tr&gt;																	&lt;/tr&gt;</a:t>
+            </a:r>
+          </a:p>
+          <a:p>
+            <a:pPr>
+              <a:lnSpc>
+                <a:spcPct val="150000"/>
+              </a:lnSpc>
+            </a:pPr>
+            <a:r>
+              <a:rPr lang="en-US" dirty="0"/>
+              <a:t>&lt;tr&gt;																	&lt;/tr&gt;</a:t>
+            </a:r>
+          </a:p>
+          <a:p>
+            <a:pPr>
+              <a:lnSpc>
+                <a:spcPct val="150000"/>
+              </a:lnSpc>
+            </a:pPr>
+            <a:r>
+              <a:rPr lang="en-US" dirty="0"/>
+              <a:t>&lt;tr&gt;																	&lt;/tr&gt;</a:t>
+            </a:r>
+          </a:p>
+          <a:p>
+            <a:pPr>
+              <a:lnSpc>
+                <a:spcPct val="150000"/>
+              </a:lnSpc>
+            </a:pPr>
+            <a:r>
+              <a:rPr lang="en-US" dirty="0"/>
+              <a:t>&lt;tr&gt;																	&lt;/tr&gt;</a:t>
+            </a:r>
+          </a:p>
+          <a:p>
+            <a:endParaRPr lang="en-US" dirty="0"/>
+          </a:p>
+          <a:p>
+            <a:r>
+              <a:rPr lang="en-US" dirty="0"/>
+              <a:t>&lt;/table&gt;</a:t>
+            </a:r>
+          </a:p>
+        </p:txBody>
+      </p:sp>
+      <p:sp>
+        <p:nvSpPr>
+          <p:cNvPr id="2" name="Title 1"/>
+          <p:cNvSpPr>
+            <a:spLocks noGrp="1"/>
+          </p:cNvSpPr>
+          <p:nvPr>
+            <p:ph type="title"/>
+          </p:nvPr>
+        </p:nvSpPr>
+        <p:spPr/>
+        <p:txBody>
+          <a:bodyPr>
+            <a:normAutofit/>
+          </a:bodyPr>
+          <a:lstStyle/>
+          <a:p>
+            <a:r>
+              <a:rPr lang="en-US" dirty="0" err="1"/>
+              <a:t>Pratical</a:t>
+            </a:r>
+            <a:r>
+              <a:rPr lang="en-US" dirty="0"/>
+              <a:t> 4 (</a:t>
+            </a:r>
+            <a:r>
+              <a:rPr lang="en-US" dirty="0" err="1"/>
+              <a:t>Rowspan</a:t>
+            </a:r>
+            <a:r>
+              <a:rPr lang="en-US" dirty="0"/>
+              <a:t> &amp; </a:t>
+            </a:r>
+            <a:r>
+              <a:rPr lang="en-US" dirty="0" err="1"/>
+              <a:t>Colspan</a:t>
+            </a:r>
+            <a:r>
+              <a:rPr lang="en-US" dirty="0"/>
+              <a:t>)</a:t>
+            </a:r>
+          </a:p>
+        </p:txBody>
+      </p:sp>
+      <p:graphicFrame>
+        <p:nvGraphicFramePr>
+          <p:cNvPr id="4" name="Content Placeholder 3">
+            <a:extLst>
+              <a:ext uri="{FF2B5EF4-FFF2-40B4-BE49-F238E27FC236}">
+                <a16:creationId xmlns:a16="http://schemas.microsoft.com/office/drawing/2014/main" id="{FF98FF36-90E6-494B-8560-FA1FB8B6B07D}"/>
+              </a:ext>
+            </a:extLst>
+          </p:cNvPr>
+          <p:cNvGraphicFramePr>
+            <a:graphicFrameLocks noGrp="1"/>
+          </p:cNvGraphicFramePr>
+          <p:nvPr>
+            <p:ph idx="1"/>
+            <p:extLst>
+              <p:ext uri="{D42A27DB-BD31-4B8C-83A1-F6EECF244321}">
+                <p14:modId xmlns:p14="http://schemas.microsoft.com/office/powerpoint/2010/main" val="371316432"/>
+              </p:ext>
+            </p:extLst>
+          </p:nvPr>
+        </p:nvGraphicFramePr>
+        <p:xfrm>
+          <a:off x="2478742" y="3226378"/>
+          <a:ext cx="7001436" cy="1508760"/>
+        </p:xfrm>
+        <a:graphic>
+          <a:graphicData uri="http://schemas.openxmlformats.org/drawingml/2006/table">
+            <a:tbl>
+              <a:tblPr firstRow="1" bandRow="1">
+                <a:tableStyleId>{5940675A-B579-460E-94D1-54222C63F5DA}</a:tableStyleId>
+              </a:tblPr>
+              <a:tblGrid>
+                <a:gridCol w="2333812">
+                  <a:extLst>
+                    <a:ext uri="{9D8B030D-6E8A-4147-A177-3AD203B41FA5}">
+                      <a16:colId xmlns:a16="http://schemas.microsoft.com/office/drawing/2014/main" val="604512106"/>
+                    </a:ext>
+                  </a:extLst>
+                </a:gridCol>
+                <a:gridCol w="2333812">
+                  <a:extLst>
+                    <a:ext uri="{9D8B030D-6E8A-4147-A177-3AD203B41FA5}">
+                      <a16:colId xmlns:a16="http://schemas.microsoft.com/office/drawing/2014/main" val="443209667"/>
+                    </a:ext>
+                  </a:extLst>
+                </a:gridCol>
+                <a:gridCol w="2333812">
+                  <a:extLst>
+                    <a:ext uri="{9D8B030D-6E8A-4147-A177-3AD203B41FA5}">
+                      <a16:colId xmlns:a16="http://schemas.microsoft.com/office/drawing/2014/main" val="2849828124"/>
+                    </a:ext>
+                  </a:extLst>
+                </a:gridCol>
+              </a:tblGrid>
+              <a:tr h="370840">
+                <a:tc>
+                  <a:txBody>
+                    <a:bodyPr/>
+                    <a:lstStyle/>
+                    <a:p>
+                      <a:r>
+                        <a:rPr lang="en-US" sz="2000" b="1" dirty="0"/>
+                        <a:t>&lt;</a:t>
+                      </a:r>
+                      <a:r>
+                        <a:rPr lang="en-US" sz="2000" b="1" dirty="0" err="1"/>
+                        <a:t>th</a:t>
+                      </a:r>
+                      <a:r>
+                        <a:rPr lang="en-US" sz="2000" b="1" dirty="0"/>
+                        <a:t>&gt;Name&lt;/</a:t>
+                      </a:r>
+                      <a:r>
+                        <a:rPr lang="en-US" sz="2000" b="1" dirty="0" err="1"/>
+                        <a:t>th</a:t>
+                      </a:r>
+                      <a:r>
+                        <a:rPr lang="en-US" sz="2000" b="1" dirty="0"/>
+                        <a:t>&gt; </a:t>
+                      </a:r>
+                    </a:p>
+                  </a:txBody>
+                  <a:tcPr/>
+                </a:tc>
+                <a:tc>
+                  <a:txBody>
+                    <a:bodyPr/>
+                    <a:lstStyle/>
+                    <a:p>
+                      <a:r>
+                        <a:rPr lang="en-US" sz="2000" b="1" dirty="0"/>
+                        <a:t>&lt;</a:t>
+                      </a:r>
+                      <a:r>
+                        <a:rPr lang="en-US" sz="2000" b="1" dirty="0" err="1"/>
+                        <a:t>th</a:t>
+                      </a:r>
+                      <a:r>
+                        <a:rPr lang="en-US" sz="2000" b="1" dirty="0"/>
+                        <a:t>&gt;Roll&lt;/</a:t>
+                      </a:r>
+                      <a:r>
+                        <a:rPr lang="en-US" sz="2000" b="1" dirty="0" err="1"/>
+                        <a:t>th</a:t>
+                      </a:r>
+                      <a:r>
+                        <a:rPr lang="en-US" sz="2000" b="1" dirty="0"/>
+                        <a:t>&gt; </a:t>
+                      </a:r>
+                    </a:p>
+                  </a:txBody>
+                  <a:tcPr/>
+                </a:tc>
+                <a:tc>
+                  <a:txBody>
+                    <a:bodyPr/>
+                    <a:lstStyle/>
+                    <a:p>
+                      <a:pPr marL="0" marR="0" lvl="0" indent="0" algn="l" defTabSz="457200" rtl="0" eaLnBrk="1" fontAlgn="auto" latinLnBrk="0" hangingPunct="1">
+                        <a:lnSpc>
+                          <a:spcPct val="100000"/>
+                        </a:lnSpc>
+                        <a:spcBef>
+                          <a:spcPts val="0"/>
+                        </a:spcBef>
+                        <a:spcAft>
+                          <a:spcPts val="0"/>
+                        </a:spcAft>
+                        <a:buClrTx/>
+                        <a:buSzTx/>
+                        <a:buFontTx/>
+                        <a:buNone/>
+                        <a:tabLst/>
+                        <a:defRPr/>
+                      </a:pPr>
+                      <a:r>
+                        <a:rPr lang="en-US" sz="2000" b="1" dirty="0"/>
+                        <a:t>&lt;</a:t>
+                      </a:r>
+                      <a:r>
+                        <a:rPr lang="en-US" sz="2000" b="1" dirty="0" err="1"/>
+                        <a:t>th</a:t>
+                      </a:r>
+                      <a:r>
+                        <a:rPr lang="en-US" sz="2000" b="1" dirty="0"/>
+                        <a:t>&gt;Result&lt;/</a:t>
+                      </a:r>
+                      <a:r>
+                        <a:rPr lang="en-US" sz="2000" b="1" dirty="0" err="1"/>
+                        <a:t>th</a:t>
+                      </a:r>
+                      <a:r>
+                        <a:rPr lang="en-US" sz="2000" b="1" dirty="0"/>
+                        <a:t>&gt;</a:t>
+                      </a:r>
+                    </a:p>
+                  </a:txBody>
+                  <a:tcPr/>
+                </a:tc>
+                <a:extLst>
+                  <a:ext uri="{0D108BD9-81ED-4DB2-BD59-A6C34878D82A}">
+                    <a16:rowId xmlns:a16="http://schemas.microsoft.com/office/drawing/2014/main" val="1311710034"/>
+                  </a:ext>
+                </a:extLst>
+              </a:tr>
+              <a:tr h="370840">
+                <a:tc gridSpan="2">
+                  <a:txBody>
+                    <a:bodyPr/>
+                    <a:lstStyle/>
+                    <a:p>
+                      <a:r>
+                        <a:rPr lang="en-US" dirty="0"/>
+                        <a:t>&lt;td </a:t>
+                      </a:r>
+                      <a:r>
+                        <a:rPr lang="en-US" dirty="0" err="1"/>
+                        <a:t>colspan</a:t>
+                      </a:r>
+                      <a:r>
+                        <a:rPr lang="en-US" dirty="0"/>
+                        <a:t>=“2”&gt;Ravi&lt;/td&gt;</a:t>
+                      </a:r>
+                    </a:p>
+                  </a:txBody>
+                  <a:tcPr/>
+                </a:tc>
+                <a:tc hMerge="1">
+                  <a:txBody>
+                    <a:bodyPr/>
+                    <a:lstStyle/>
+                    <a:p>
+                      <a:pPr marL="0" marR="0" lvl="0" indent="0" algn="l" defTabSz="457200" rtl="0" eaLnBrk="1" fontAlgn="auto" latinLnBrk="0" hangingPunct="1">
+                        <a:lnSpc>
+                          <a:spcPct val="100000"/>
+                        </a:lnSpc>
+                        <a:spcBef>
+                          <a:spcPts val="0"/>
+                        </a:spcBef>
+                        <a:spcAft>
+                          <a:spcPts val="0"/>
+                        </a:spcAft>
+                        <a:buClrTx/>
+                        <a:buSzTx/>
+                        <a:buFontTx/>
+                        <a:buNone/>
+                        <a:tabLst/>
+                        <a:defRPr/>
+                      </a:pPr>
+                      <a:endParaRPr lang="en-US" dirty="0"/>
+                    </a:p>
+                  </a:txBody>
+                  <a:tcPr/>
+                </a:tc>
+                <a:tc rowSpan="3">
+                  <a:txBody>
+                    <a:bodyPr/>
+                    <a:lstStyle/>
+                    <a:p>
+                      <a:pPr marL="0" marR="0" lvl="0" indent="0" algn="l" defTabSz="457200" rtl="0" eaLnBrk="1" fontAlgn="auto" latinLnBrk="0" hangingPunct="1">
+                        <a:lnSpc>
+                          <a:spcPct val="100000"/>
+                        </a:lnSpc>
+                        <a:spcBef>
+                          <a:spcPts val="0"/>
+                        </a:spcBef>
+                        <a:spcAft>
+                          <a:spcPts val="0"/>
+                        </a:spcAft>
+                        <a:buClrTx/>
+                        <a:buSzTx/>
+                        <a:buFontTx/>
+                        <a:buNone/>
+                        <a:tabLst/>
+                        <a:defRPr/>
+                      </a:pPr>
+                      <a:r>
+                        <a:rPr lang="en-US" dirty="0"/>
+                        <a:t>&lt;td </a:t>
+                      </a:r>
+                      <a:r>
+                        <a:rPr lang="en-US" dirty="0" err="1"/>
+                        <a:t>rowspan</a:t>
+                      </a:r>
+                      <a:r>
+                        <a:rPr lang="en-US" dirty="0"/>
+                        <a:t>=“3”&gt;</a:t>
+                      </a:r>
+                    </a:p>
+                    <a:p>
+                      <a:pPr marL="0" marR="0" lvl="0" indent="0" algn="l" defTabSz="457200" rtl="0" eaLnBrk="1" fontAlgn="auto" latinLnBrk="0" hangingPunct="1">
+                        <a:lnSpc>
+                          <a:spcPct val="100000"/>
+                        </a:lnSpc>
+                        <a:spcBef>
+                          <a:spcPts val="0"/>
+                        </a:spcBef>
+                        <a:spcAft>
+                          <a:spcPts val="0"/>
+                        </a:spcAft>
+                        <a:buClrTx/>
+                        <a:buSzTx/>
+                        <a:buFontTx/>
+                        <a:buNone/>
+                        <a:tabLst/>
+                        <a:defRPr/>
+                      </a:pPr>
+                      <a:r>
+                        <a:rPr lang="en-US" dirty="0"/>
+                        <a:t>Pass&lt;/td&gt;</a:t>
+                      </a:r>
+                    </a:p>
+                  </a:txBody>
+                  <a:tcPr/>
+                </a:tc>
+                <a:extLst>
+                  <a:ext uri="{0D108BD9-81ED-4DB2-BD59-A6C34878D82A}">
+                    <a16:rowId xmlns:a16="http://schemas.microsoft.com/office/drawing/2014/main" val="40761255"/>
+                  </a:ext>
+                </a:extLst>
+              </a:tr>
+              <a:tr h="370840">
+                <a:tc>
+                  <a:txBody>
+                    <a:bodyPr/>
+                    <a:lstStyle/>
+                    <a:p>
+                      <a:pPr marL="0" marR="0" lvl="0" indent="0" algn="l" defTabSz="457200" rtl="0" eaLnBrk="1" fontAlgn="auto" latinLnBrk="0" hangingPunct="1">
+                        <a:lnSpc>
+                          <a:spcPct val="100000"/>
+                        </a:lnSpc>
+                        <a:spcBef>
+                          <a:spcPts val="0"/>
+                        </a:spcBef>
+                        <a:spcAft>
+                          <a:spcPts val="0"/>
+                        </a:spcAft>
+                        <a:buClrTx/>
+                        <a:buSzTx/>
+                        <a:buFontTx/>
+                        <a:buNone/>
+                        <a:tabLst/>
+                        <a:defRPr/>
+                      </a:pPr>
+                      <a:r>
+                        <a:rPr lang="en-US" dirty="0"/>
+                        <a:t>&lt;td&gt;Ram&lt;/td&gt;</a:t>
+                      </a:r>
+                    </a:p>
+                  </a:txBody>
+                  <a:tcPr/>
+                </a:tc>
+                <a:tc>
+                  <a:txBody>
+                    <a:bodyPr/>
+                    <a:lstStyle/>
+                    <a:p>
+                      <a:pPr marL="0" marR="0" lvl="0" indent="0" algn="l" defTabSz="457200" rtl="0" eaLnBrk="1" fontAlgn="auto" latinLnBrk="0" hangingPunct="1">
+                        <a:lnSpc>
+                          <a:spcPct val="100000"/>
+                        </a:lnSpc>
+                        <a:spcBef>
+                          <a:spcPts val="0"/>
+                        </a:spcBef>
+                        <a:spcAft>
+                          <a:spcPts val="0"/>
+                        </a:spcAft>
+                        <a:buClrTx/>
+                        <a:buSzTx/>
+                        <a:buFontTx/>
+                        <a:buNone/>
+                        <a:tabLst/>
+                        <a:defRPr/>
+                      </a:pPr>
+                      <a:r>
+                        <a:rPr lang="en-US" dirty="0"/>
+                        <a:t>&lt;td&gt;102&lt;/td&gt;</a:t>
+                      </a:r>
+                    </a:p>
+                  </a:txBody>
+                  <a:tcPr/>
+                </a:tc>
+                <a:tc vMerge="1">
+                  <a:txBody>
+                    <a:bodyPr/>
+                    <a:lstStyle/>
+                    <a:p>
+                      <a:pPr marL="0" marR="0" lvl="0" indent="0" algn="l" defTabSz="457200" rtl="0" eaLnBrk="1" fontAlgn="auto" latinLnBrk="0" hangingPunct="1">
+                        <a:lnSpc>
+                          <a:spcPct val="100000"/>
+                        </a:lnSpc>
+                        <a:spcBef>
+                          <a:spcPts val="0"/>
+                        </a:spcBef>
+                        <a:spcAft>
+                          <a:spcPts val="0"/>
+                        </a:spcAft>
+                        <a:buClrTx/>
+                        <a:buSzTx/>
+                        <a:buFontTx/>
+                        <a:buNone/>
+                        <a:tabLst/>
+                        <a:defRPr/>
+                      </a:pPr>
+                      <a:endParaRPr lang="en-US" dirty="0"/>
+                    </a:p>
+                  </a:txBody>
+                  <a:tcPr/>
+                </a:tc>
+                <a:extLst>
+                  <a:ext uri="{0D108BD9-81ED-4DB2-BD59-A6C34878D82A}">
+                    <a16:rowId xmlns:a16="http://schemas.microsoft.com/office/drawing/2014/main" val="3050403717"/>
+                  </a:ext>
+                </a:extLst>
+              </a:tr>
+              <a:tr h="370840">
+                <a:tc>
+                  <a:txBody>
+                    <a:bodyPr/>
+                    <a:lstStyle/>
+                    <a:p>
+                      <a:pPr marL="0" marR="0" lvl="0" indent="0" algn="l" defTabSz="457200" rtl="0" eaLnBrk="1" fontAlgn="auto" latinLnBrk="0" hangingPunct="1">
+                        <a:lnSpc>
+                          <a:spcPct val="100000"/>
+                        </a:lnSpc>
+                        <a:spcBef>
+                          <a:spcPts val="0"/>
+                        </a:spcBef>
+                        <a:spcAft>
+                          <a:spcPts val="0"/>
+                        </a:spcAft>
+                        <a:buClrTx/>
+                        <a:buSzTx/>
+                        <a:buFontTx/>
+                        <a:buNone/>
+                        <a:tabLst/>
+                        <a:defRPr/>
+                      </a:pPr>
+                      <a:r>
+                        <a:rPr lang="en-US" dirty="0"/>
+                        <a:t>&lt;td&gt;Hari&lt;/td&gt;</a:t>
+                      </a:r>
+                    </a:p>
+                  </a:txBody>
+                  <a:tcPr/>
+                </a:tc>
+                <a:tc>
+                  <a:txBody>
+                    <a:bodyPr/>
+                    <a:lstStyle/>
+                    <a:p>
+                      <a:pPr marL="0" marR="0" lvl="0" indent="0" algn="l" defTabSz="457200" rtl="0" eaLnBrk="1" fontAlgn="auto" latinLnBrk="0" hangingPunct="1">
+                        <a:lnSpc>
+                          <a:spcPct val="100000"/>
+                        </a:lnSpc>
+                        <a:spcBef>
+                          <a:spcPts val="0"/>
+                        </a:spcBef>
+                        <a:spcAft>
+                          <a:spcPts val="0"/>
+                        </a:spcAft>
+                        <a:buClrTx/>
+                        <a:buSzTx/>
+                        <a:buFontTx/>
+                        <a:buNone/>
+                        <a:tabLst/>
+                        <a:defRPr/>
+                      </a:pPr>
+                      <a:r>
+                        <a:rPr lang="en-US" dirty="0"/>
+                        <a:t>&lt;td&gt;103&lt;/td&gt;</a:t>
+                      </a:r>
+                    </a:p>
+                  </a:txBody>
+                  <a:tcPr/>
+                </a:tc>
+                <a:tc vMerge="1">
+                  <a:txBody>
+                    <a:bodyPr/>
+                    <a:lstStyle/>
+                    <a:p>
+                      <a:pPr marL="0" marR="0" lvl="0" indent="0" algn="l" defTabSz="457200" rtl="0" eaLnBrk="1" fontAlgn="auto" latinLnBrk="0" hangingPunct="1">
+                        <a:lnSpc>
+                          <a:spcPct val="100000"/>
+                        </a:lnSpc>
+                        <a:spcBef>
+                          <a:spcPts val="0"/>
+                        </a:spcBef>
+                        <a:spcAft>
+                          <a:spcPts val="0"/>
+                        </a:spcAft>
+                        <a:buClrTx/>
+                        <a:buSzTx/>
+                        <a:buFontTx/>
+                        <a:buNone/>
+                        <a:tabLst/>
+                        <a:defRPr/>
+                      </a:pPr>
+                      <a:endParaRPr lang="en-US" dirty="0"/>
+                    </a:p>
+                  </a:txBody>
+                  <a:tcPr/>
+                </a:tc>
+                <a:extLst>
+                  <a:ext uri="{0D108BD9-81ED-4DB2-BD59-A6C34878D82A}">
+                    <a16:rowId xmlns:a16="http://schemas.microsoft.com/office/drawing/2014/main" val="1265988705"/>
+                  </a:ext>
+                </a:extLst>
+              </a:tr>
+            </a:tbl>
+          </a:graphicData>
+        </a:graphic>
+      </p:graphicFrame>
+    </p:spTree>
+    <p:extLst>
+      <p:ext uri="{BB962C8B-B14F-4D97-AF65-F5344CB8AC3E}">
+        <p14:creationId xmlns:p14="http://schemas.microsoft.com/office/powerpoint/2010/main" val="2565591556"/>
+      </p:ext>
+    </p:extLst>
+  </p:cSld>
+  <p:clrMapOvr>
+    <a:masterClrMapping/>
+  </p:clrMapOvr>
+</p:sld>
+</file>
+
+<file path=ppt/slides/slide29.xml><?xml version="1.0" encoding="utf-8"?>
+<p:sld xmlns:a="http://schemas.openxmlformats.org/drawingml/2006/main" xmlns:r="http://schemas.openxmlformats.org/officeDocument/2006/relationships" xmlns:p="http://schemas.openxmlformats.org/presentationml/2006/main">
+  <p:cSld>
+    <p:spTree>
+      <p:nvGrpSpPr>
+        <p:cNvPr id="1" name=""/>
+        <p:cNvGrpSpPr/>
+        <p:nvPr/>
+      </p:nvGrpSpPr>
+      <p:grpSpPr>
+        <a:xfrm>
+          <a:off x="0" y="0"/>
+          <a:ext cx="0" cy="0"/>
+          <a:chOff x="0" y="0"/>
+          <a:chExt cx="0" cy="0"/>
+        </a:xfrm>
+      </p:grpSpPr>
+      <p:sp>
+        <p:nvSpPr>
+          <p:cNvPr id="2" name="Title 1"/>
+          <p:cNvSpPr>
+            <a:spLocks noGrp="1"/>
+          </p:cNvSpPr>
+          <p:nvPr>
+            <p:ph type="title"/>
+          </p:nvPr>
+        </p:nvSpPr>
+        <p:spPr/>
+        <p:txBody>
+          <a:bodyPr>
+            <a:normAutofit/>
+          </a:bodyPr>
+          <a:lstStyle/>
+          <a:p>
+            <a:r>
+              <a:rPr lang="en-US" dirty="0" err="1"/>
+              <a:t>Pratical</a:t>
+            </a:r>
+            <a:r>
+              <a:rPr lang="en-US" dirty="0"/>
+              <a:t> 4 (Attributes)</a:t>
+            </a:r>
+          </a:p>
+        </p:txBody>
+      </p:sp>
+      <p:sp>
+        <p:nvSpPr>
+          <p:cNvPr id="5" name="Content Placeholder 4">
+            <a:extLst>
+              <a:ext uri="{FF2B5EF4-FFF2-40B4-BE49-F238E27FC236}">
+                <a16:creationId xmlns:a16="http://schemas.microsoft.com/office/drawing/2014/main" id="{A0706BE0-CD28-41C0-8378-D9364E07BAE5}"/>
+              </a:ext>
+            </a:extLst>
+          </p:cNvPr>
+          <p:cNvSpPr>
+            <a:spLocks noGrp="1"/>
+          </p:cNvSpPr>
+          <p:nvPr>
+            <p:ph idx="1"/>
+          </p:nvPr>
+        </p:nvSpPr>
+        <p:spPr/>
+        <p:txBody>
+          <a:bodyPr>
+            <a:normAutofit lnSpcReduction="10000"/>
+          </a:bodyPr>
+          <a:lstStyle/>
+          <a:p>
+            <a:r>
+              <a:rPr lang="en-US" dirty="0"/>
+              <a:t>For background color and color</a:t>
+            </a:r>
+          </a:p>
+          <a:p>
+            <a:pPr marL="0" indent="0">
+              <a:buNone/>
+            </a:pPr>
+            <a:r>
+              <a:rPr lang="en-US" dirty="0"/>
+              <a:t>&lt;p </a:t>
+            </a:r>
+            <a:r>
+              <a:rPr lang="en-US" dirty="0" err="1"/>
+              <a:t>bgcolor</a:t>
+            </a:r>
+            <a:r>
+              <a:rPr lang="en-US" dirty="0"/>
+              <a:t>=“red” </a:t>
+            </a:r>
+            <a:r>
+              <a:rPr lang="en-US" dirty="0" err="1"/>
+              <a:t>bgcolor</a:t>
+            </a:r>
+            <a:r>
+              <a:rPr lang="en-US" dirty="0"/>
+              <a:t>=“white”&gt; &gt;something&lt;/p&gt;</a:t>
+            </a:r>
+          </a:p>
+          <a:p>
+            <a:r>
+              <a:rPr lang="en-US" dirty="0"/>
+              <a:t>For width</a:t>
+            </a:r>
+          </a:p>
+          <a:p>
+            <a:pPr marL="0" indent="0">
+              <a:buNone/>
+            </a:pPr>
+            <a:r>
+              <a:rPr lang="en-US" dirty="0"/>
+              <a:t>&lt;p width=“20”&gt;something&lt;/p&gt;</a:t>
+            </a:r>
+          </a:p>
+          <a:p>
+            <a:pPr marL="0" indent="0">
+              <a:buNone/>
+            </a:pPr>
+            <a:r>
+              <a:rPr lang="en-US" dirty="0"/>
+              <a:t>&lt; p width=“50%”&gt;something&lt;/ p &gt;</a:t>
+            </a:r>
+          </a:p>
+          <a:p>
+            <a:r>
+              <a:rPr lang="en-US" dirty="0"/>
+              <a:t>For Align</a:t>
+            </a:r>
+          </a:p>
+          <a:p>
+            <a:pPr marL="0" indent="0">
+              <a:buNone/>
+            </a:pPr>
+            <a:r>
+              <a:rPr lang="en-US" dirty="0"/>
+              <a:t>&lt;p align=“center”&gt;something&lt;/p&gt;</a:t>
+            </a:r>
+          </a:p>
+        </p:txBody>
+      </p:sp>
+    </p:spTree>
+    <p:extLst>
+      <p:ext uri="{BB962C8B-B14F-4D97-AF65-F5344CB8AC3E}">
+        <p14:creationId xmlns:p14="http://schemas.microsoft.com/office/powerpoint/2010/main" val="2610245974"/>
       </p:ext>
     </p:extLst>
   </p:cSld>
@@ -8298,6 +10472,581 @@
         </p:txBody>
       </p:sp>
     </p:spTree>
+  </p:cSld>
+  <p:clrMapOvr>
+    <a:masterClrMapping/>
+  </p:clrMapOvr>
+</p:sld>
+</file>
+
+<file path=ppt/slides/slide30.xml><?xml version="1.0" encoding="utf-8"?>
+<p:sld xmlns:a="http://schemas.openxmlformats.org/drawingml/2006/main" xmlns:r="http://schemas.openxmlformats.org/officeDocument/2006/relationships" xmlns:p="http://schemas.openxmlformats.org/presentationml/2006/main">
+  <p:cSld>
+    <p:spTree>
+      <p:nvGrpSpPr>
+        <p:cNvPr id="1" name=""/>
+        <p:cNvGrpSpPr/>
+        <p:nvPr/>
+      </p:nvGrpSpPr>
+      <p:grpSpPr>
+        <a:xfrm>
+          <a:off x="0" y="0"/>
+          <a:ext cx="0" cy="0"/>
+          <a:chOff x="0" y="0"/>
+          <a:chExt cx="0" cy="0"/>
+        </a:xfrm>
+      </p:grpSpPr>
+      <p:sp>
+        <p:nvSpPr>
+          <p:cNvPr id="2" name="Title 1"/>
+          <p:cNvSpPr>
+            <a:spLocks noGrp="1"/>
+          </p:cNvSpPr>
+          <p:nvPr>
+            <p:ph type="title"/>
+          </p:nvPr>
+        </p:nvSpPr>
+        <p:spPr/>
+        <p:txBody>
+          <a:bodyPr>
+            <a:normAutofit/>
+          </a:bodyPr>
+          <a:lstStyle/>
+          <a:p>
+            <a:r>
+              <a:rPr lang="en-US" dirty="0" err="1"/>
+              <a:t>Pratical</a:t>
+            </a:r>
+            <a:r>
+              <a:rPr lang="en-US" dirty="0"/>
+              <a:t> 4 (Anchor)</a:t>
+            </a:r>
+          </a:p>
+        </p:txBody>
+      </p:sp>
+      <p:sp>
+        <p:nvSpPr>
+          <p:cNvPr id="5" name="Content Placeholder 4">
+            <a:extLst>
+              <a:ext uri="{FF2B5EF4-FFF2-40B4-BE49-F238E27FC236}">
+                <a16:creationId xmlns:a16="http://schemas.microsoft.com/office/drawing/2014/main" id="{A0706BE0-CD28-41C0-8378-D9364E07BAE5}"/>
+              </a:ext>
+            </a:extLst>
+          </p:cNvPr>
+          <p:cNvSpPr>
+            <a:spLocks noGrp="1"/>
+          </p:cNvSpPr>
+          <p:nvPr>
+            <p:ph idx="1"/>
+          </p:nvPr>
+        </p:nvSpPr>
+        <p:spPr/>
+        <p:txBody>
+          <a:bodyPr>
+            <a:normAutofit fontScale="85000" lnSpcReduction="10000"/>
+          </a:bodyPr>
+          <a:lstStyle/>
+          <a:p>
+            <a:r>
+              <a:rPr lang="en-US" dirty="0"/>
+              <a:t>The &lt;a&gt; tag creates a hyperlink and the </a:t>
+            </a:r>
+            <a:r>
+              <a:rPr lang="en-US" dirty="0" err="1"/>
+              <a:t>href</a:t>
+            </a:r>
+            <a:r>
+              <a:rPr lang="en-US" dirty="0"/>
+              <a:t> attribute specifies the link destination. Replace "link_to_your_page.html" with the actual URL you want the image to link to when clicked.</a:t>
+            </a:r>
+          </a:p>
+          <a:p>
+            <a:pPr marL="0" indent="0">
+              <a:buNone/>
+            </a:pPr>
+            <a:r>
+              <a:rPr lang="en-US" dirty="0"/>
+              <a:t>&lt;a </a:t>
+            </a:r>
+            <a:r>
+              <a:rPr lang="en-US" dirty="0" err="1"/>
+              <a:t>href</a:t>
+            </a:r>
+            <a:r>
+              <a:rPr lang="en-US" dirty="0"/>
+              <a:t>="https://example.com"&gt;</a:t>
+            </a:r>
+          </a:p>
+          <a:p>
+            <a:pPr marL="0" indent="0">
+              <a:buNone/>
+            </a:pPr>
+            <a:r>
+              <a:rPr lang="en-US" dirty="0"/>
+              <a:t>home</a:t>
+            </a:r>
+          </a:p>
+          <a:p>
+            <a:pPr marL="0" indent="0">
+              <a:buNone/>
+            </a:pPr>
+            <a:r>
+              <a:rPr lang="en-US" dirty="0"/>
+              <a:t>&lt;/a&gt;</a:t>
+            </a:r>
+          </a:p>
+          <a:p>
+            <a:pPr marL="0" indent="0">
+              <a:buNone/>
+            </a:pPr>
+            <a:r>
+              <a:rPr lang="en-US" dirty="0"/>
+              <a:t>&lt;a </a:t>
+            </a:r>
+            <a:r>
+              <a:rPr lang="en-US" dirty="0" err="1"/>
+              <a:t>href</a:t>
+            </a:r>
+            <a:r>
+              <a:rPr lang="en-US" dirty="0"/>
+              <a:t>="https://example.com/about"&gt;</a:t>
+            </a:r>
+          </a:p>
+          <a:p>
+            <a:pPr marL="0" indent="0">
+              <a:buNone/>
+            </a:pPr>
+            <a:r>
+              <a:rPr lang="en-US" dirty="0"/>
+              <a:t>home</a:t>
+            </a:r>
+          </a:p>
+          <a:p>
+            <a:pPr marL="0" indent="0">
+              <a:buNone/>
+            </a:pPr>
+            <a:r>
+              <a:rPr lang="en-US" dirty="0"/>
+              <a:t>&lt;/a&gt;</a:t>
+            </a:r>
+          </a:p>
+          <a:p>
+            <a:pPr marL="0" indent="0">
+              <a:buNone/>
+            </a:pPr>
+            <a:endParaRPr lang="en-US" dirty="0"/>
+          </a:p>
+        </p:txBody>
+      </p:sp>
+    </p:spTree>
+    <p:extLst>
+      <p:ext uri="{BB962C8B-B14F-4D97-AF65-F5344CB8AC3E}">
+        <p14:creationId xmlns:p14="http://schemas.microsoft.com/office/powerpoint/2010/main" val="1645598338"/>
+      </p:ext>
+    </p:extLst>
+  </p:cSld>
+  <p:clrMapOvr>
+    <a:masterClrMapping/>
+  </p:clrMapOvr>
+</p:sld>
+</file>
+
+<file path=ppt/slides/slide31.xml><?xml version="1.0" encoding="utf-8"?>
+<p:sld xmlns:a="http://schemas.openxmlformats.org/drawingml/2006/main" xmlns:r="http://schemas.openxmlformats.org/officeDocument/2006/relationships" xmlns:p="http://schemas.openxmlformats.org/presentationml/2006/main">
+  <p:cSld>
+    <p:spTree>
+      <p:nvGrpSpPr>
+        <p:cNvPr id="1" name=""/>
+        <p:cNvGrpSpPr/>
+        <p:nvPr/>
+      </p:nvGrpSpPr>
+      <p:grpSpPr>
+        <a:xfrm>
+          <a:off x="0" y="0"/>
+          <a:ext cx="0" cy="0"/>
+          <a:chOff x="0" y="0"/>
+          <a:chExt cx="0" cy="0"/>
+        </a:xfrm>
+      </p:grpSpPr>
+      <p:sp>
+        <p:nvSpPr>
+          <p:cNvPr id="2" name="Title 1"/>
+          <p:cNvSpPr>
+            <a:spLocks noGrp="1"/>
+          </p:cNvSpPr>
+          <p:nvPr>
+            <p:ph type="title"/>
+          </p:nvPr>
+        </p:nvSpPr>
+        <p:spPr/>
+        <p:txBody>
+          <a:bodyPr>
+            <a:normAutofit/>
+          </a:bodyPr>
+          <a:lstStyle/>
+          <a:p>
+            <a:r>
+              <a:rPr lang="en-US" dirty="0" err="1"/>
+              <a:t>Pratical</a:t>
+            </a:r>
+            <a:r>
+              <a:rPr lang="en-US" dirty="0"/>
+              <a:t> 4 (Image)</a:t>
+            </a:r>
+          </a:p>
+        </p:txBody>
+      </p:sp>
+      <p:sp>
+        <p:nvSpPr>
+          <p:cNvPr id="5" name="Content Placeholder 4">
+            <a:extLst>
+              <a:ext uri="{FF2B5EF4-FFF2-40B4-BE49-F238E27FC236}">
+                <a16:creationId xmlns:a16="http://schemas.microsoft.com/office/drawing/2014/main" id="{A0706BE0-CD28-41C0-8378-D9364E07BAE5}"/>
+              </a:ext>
+            </a:extLst>
+          </p:cNvPr>
+          <p:cNvSpPr>
+            <a:spLocks noGrp="1"/>
+          </p:cNvSpPr>
+          <p:nvPr>
+            <p:ph idx="1"/>
+          </p:nvPr>
+        </p:nvSpPr>
+        <p:spPr/>
+        <p:txBody>
+          <a:bodyPr>
+            <a:normAutofit/>
+          </a:bodyPr>
+          <a:lstStyle/>
+          <a:p>
+            <a:r>
+              <a:rPr lang="en-US" dirty="0"/>
+              <a:t>The &lt;</a:t>
+            </a:r>
+            <a:r>
+              <a:rPr lang="en-US" dirty="0" err="1"/>
+              <a:t>img</a:t>
+            </a:r>
+            <a:r>
+              <a:rPr lang="en-US" dirty="0"/>
+              <a:t>&gt; tag is used to display the image.</a:t>
+            </a:r>
+          </a:p>
+          <a:p>
+            <a:r>
+              <a:rPr lang="en-US" dirty="0"/>
+              <a:t>The </a:t>
+            </a:r>
+            <a:r>
+              <a:rPr lang="en-US" dirty="0" err="1"/>
+              <a:t>src</a:t>
+            </a:r>
+            <a:r>
+              <a:rPr lang="en-US" dirty="0"/>
+              <a:t> attribute specifies the path to the image file. Replace "path_to_your_image.jpg" with the actual path to your image.</a:t>
+            </a:r>
+          </a:p>
+          <a:p>
+            <a:r>
+              <a:rPr lang="en-US" dirty="0"/>
+              <a:t>The alt attribute provides alternative text for the image. This text is displayed if the image fails to load or for accessibility purposes. Replace "Image description" with a brief description of the image.</a:t>
+            </a:r>
+          </a:p>
+          <a:p>
+            <a:pPr marL="0" indent="0">
+              <a:buNone/>
+            </a:pPr>
+            <a:r>
+              <a:rPr lang="en-US" dirty="0"/>
+              <a:t>&lt;</a:t>
+            </a:r>
+            <a:r>
+              <a:rPr lang="en-US" dirty="0" err="1"/>
+              <a:t>img</a:t>
+            </a:r>
+            <a:r>
+              <a:rPr lang="en-US" dirty="0"/>
+              <a:t> </a:t>
+            </a:r>
+            <a:r>
+              <a:rPr lang="en-US" dirty="0" err="1"/>
+              <a:t>src</a:t>
+            </a:r>
+            <a:r>
+              <a:rPr lang="en-US" dirty="0"/>
+              <a:t>="images/example.jpg" alt="Example image"&gt;</a:t>
+            </a:r>
+          </a:p>
+        </p:txBody>
+      </p:sp>
+    </p:spTree>
+    <p:extLst>
+      <p:ext uri="{BB962C8B-B14F-4D97-AF65-F5344CB8AC3E}">
+        <p14:creationId xmlns:p14="http://schemas.microsoft.com/office/powerpoint/2010/main" val="2845697137"/>
+      </p:ext>
+    </p:extLst>
+  </p:cSld>
+  <p:clrMapOvr>
+    <a:masterClrMapping/>
+  </p:clrMapOvr>
+</p:sld>
+</file>
+
+<file path=ppt/slides/slide32.xml><?xml version="1.0" encoding="utf-8"?>
+<p:sld xmlns:a="http://schemas.openxmlformats.org/drawingml/2006/main" xmlns:r="http://schemas.openxmlformats.org/officeDocument/2006/relationships" xmlns:p="http://schemas.openxmlformats.org/presentationml/2006/main">
+  <p:cSld>
+    <p:spTree>
+      <p:nvGrpSpPr>
+        <p:cNvPr id="1" name=""/>
+        <p:cNvGrpSpPr/>
+        <p:nvPr/>
+      </p:nvGrpSpPr>
+      <p:grpSpPr>
+        <a:xfrm>
+          <a:off x="0" y="0"/>
+          <a:ext cx="0" cy="0"/>
+          <a:chOff x="0" y="0"/>
+          <a:chExt cx="0" cy="0"/>
+        </a:xfrm>
+      </p:grpSpPr>
+      <p:sp>
+        <p:nvSpPr>
+          <p:cNvPr id="2" name="Title 1"/>
+          <p:cNvSpPr>
+            <a:spLocks noGrp="1"/>
+          </p:cNvSpPr>
+          <p:nvPr>
+            <p:ph type="title"/>
+          </p:nvPr>
+        </p:nvSpPr>
+        <p:spPr/>
+        <p:txBody>
+          <a:bodyPr>
+            <a:normAutofit/>
+          </a:bodyPr>
+          <a:lstStyle/>
+          <a:p>
+            <a:r>
+              <a:rPr lang="en-US" dirty="0" err="1"/>
+              <a:t>Pratical</a:t>
+            </a:r>
+            <a:r>
+              <a:rPr lang="en-US" dirty="0"/>
+              <a:t> 4 (Audio)</a:t>
+            </a:r>
+          </a:p>
+        </p:txBody>
+      </p:sp>
+      <p:sp>
+        <p:nvSpPr>
+          <p:cNvPr id="5" name="Content Placeholder 4">
+            <a:extLst>
+              <a:ext uri="{FF2B5EF4-FFF2-40B4-BE49-F238E27FC236}">
+                <a16:creationId xmlns:a16="http://schemas.microsoft.com/office/drawing/2014/main" id="{A0706BE0-CD28-41C0-8378-D9364E07BAE5}"/>
+              </a:ext>
+            </a:extLst>
+          </p:cNvPr>
+          <p:cNvSpPr>
+            <a:spLocks noGrp="1"/>
+          </p:cNvSpPr>
+          <p:nvPr>
+            <p:ph idx="1"/>
+          </p:nvPr>
+        </p:nvSpPr>
+        <p:spPr/>
+        <p:txBody>
+          <a:bodyPr>
+            <a:normAutofit fontScale="92500" lnSpcReduction="20000"/>
+          </a:bodyPr>
+          <a:lstStyle/>
+          <a:p>
+            <a:r>
+              <a:rPr lang="en-US" dirty="0"/>
+              <a:t>The &lt;audio&gt; tag is used to embed audio content.</a:t>
+            </a:r>
+          </a:p>
+          <a:p>
+            <a:r>
+              <a:rPr lang="en-US" dirty="0"/>
+              <a:t>The </a:t>
+            </a:r>
+            <a:r>
+              <a:rPr lang="en-US" dirty="0" err="1"/>
+              <a:t>src</a:t>
+            </a:r>
+            <a:r>
+              <a:rPr lang="en-US" dirty="0"/>
+              <a:t> attribute specifies the path to the audio file. Replace "path_to_audio.mp3" with the actual path to your audio file.</a:t>
+            </a:r>
+          </a:p>
+          <a:p>
+            <a:r>
+              <a:rPr lang="en-US" dirty="0"/>
+              <a:t>The controls attribute adds playback controls (such as play, pause, volume control) to the audio player.</a:t>
+            </a:r>
+          </a:p>
+          <a:p>
+            <a:r>
+              <a:rPr lang="en-US" dirty="0"/>
+              <a:t>The text "Your browser does not support the audio tag." is displayed if the browser does not support the audio tag or the audio format.</a:t>
+            </a:r>
+          </a:p>
+          <a:p>
+            <a:pPr marL="0" indent="0">
+              <a:buNone/>
+            </a:pPr>
+            <a:r>
+              <a:rPr lang="en-US" dirty="0"/>
+              <a:t>&lt;audio </a:t>
+            </a:r>
+            <a:r>
+              <a:rPr lang="en-US" dirty="0" err="1"/>
+              <a:t>src</a:t>
+            </a:r>
+            <a:r>
+              <a:rPr lang="en-US" dirty="0"/>
+              <a:t>="path_to_audio.mp3" controls&gt; Your browser does not support the audio tag. &lt;/audio&gt;</a:t>
+            </a:r>
+          </a:p>
+        </p:txBody>
+      </p:sp>
+    </p:spTree>
+    <p:extLst>
+      <p:ext uri="{BB962C8B-B14F-4D97-AF65-F5344CB8AC3E}">
+        <p14:creationId xmlns:p14="http://schemas.microsoft.com/office/powerpoint/2010/main" val="238893352"/>
+      </p:ext>
+    </p:extLst>
+  </p:cSld>
+  <p:clrMapOvr>
+    <a:masterClrMapping/>
+  </p:clrMapOvr>
+</p:sld>
+</file>
+
+<file path=ppt/slides/slide33.xml><?xml version="1.0" encoding="utf-8"?>
+<p:sld xmlns:a="http://schemas.openxmlformats.org/drawingml/2006/main" xmlns:r="http://schemas.openxmlformats.org/officeDocument/2006/relationships" xmlns:p="http://schemas.openxmlformats.org/presentationml/2006/main">
+  <p:cSld>
+    <p:spTree>
+      <p:nvGrpSpPr>
+        <p:cNvPr id="1" name=""/>
+        <p:cNvGrpSpPr/>
+        <p:nvPr/>
+      </p:nvGrpSpPr>
+      <p:grpSpPr>
+        <a:xfrm>
+          <a:off x="0" y="0"/>
+          <a:ext cx="0" cy="0"/>
+          <a:chOff x="0" y="0"/>
+          <a:chExt cx="0" cy="0"/>
+        </a:xfrm>
+      </p:grpSpPr>
+      <p:sp>
+        <p:nvSpPr>
+          <p:cNvPr id="2" name="Title 1"/>
+          <p:cNvSpPr>
+            <a:spLocks noGrp="1"/>
+          </p:cNvSpPr>
+          <p:nvPr>
+            <p:ph type="title"/>
+          </p:nvPr>
+        </p:nvSpPr>
+        <p:spPr/>
+        <p:txBody>
+          <a:bodyPr>
+            <a:normAutofit/>
+          </a:bodyPr>
+          <a:lstStyle/>
+          <a:p>
+            <a:r>
+              <a:rPr lang="en-US" dirty="0" err="1"/>
+              <a:t>Pratical</a:t>
+            </a:r>
+            <a:r>
+              <a:rPr lang="en-US" dirty="0"/>
+              <a:t> 4 (Video)</a:t>
+            </a:r>
+          </a:p>
+        </p:txBody>
+      </p:sp>
+      <p:sp>
+        <p:nvSpPr>
+          <p:cNvPr id="5" name="Content Placeholder 4">
+            <a:extLst>
+              <a:ext uri="{FF2B5EF4-FFF2-40B4-BE49-F238E27FC236}">
+                <a16:creationId xmlns:a16="http://schemas.microsoft.com/office/drawing/2014/main" id="{A0706BE0-CD28-41C0-8378-D9364E07BAE5}"/>
+              </a:ext>
+            </a:extLst>
+          </p:cNvPr>
+          <p:cNvSpPr>
+            <a:spLocks noGrp="1"/>
+          </p:cNvSpPr>
+          <p:nvPr>
+            <p:ph idx="1"/>
+          </p:nvPr>
+        </p:nvSpPr>
+        <p:spPr/>
+        <p:txBody>
+          <a:bodyPr>
+            <a:normAutofit fontScale="92500" lnSpcReduction="20000"/>
+          </a:bodyPr>
+          <a:lstStyle/>
+          <a:p>
+            <a:r>
+              <a:rPr lang="en-US" dirty="0"/>
+              <a:t>The &lt;video&gt; tag is used to embed video content.</a:t>
+            </a:r>
+          </a:p>
+          <a:p>
+            <a:r>
+              <a:rPr lang="en-US" dirty="0"/>
+              <a:t>The </a:t>
+            </a:r>
+            <a:r>
+              <a:rPr lang="en-US" dirty="0" err="1"/>
+              <a:t>src</a:t>
+            </a:r>
+            <a:r>
+              <a:rPr lang="en-US" dirty="0"/>
+              <a:t> attribute specifies the path to the video file. Replace "path_to_video.mp4" with the actual path to your video.</a:t>
+            </a:r>
+          </a:p>
+          <a:p>
+            <a:r>
+              <a:rPr lang="en-US" dirty="0"/>
+              <a:t>The controls attribute adds playback controls (such as play, pause, volume control) to the video player.</a:t>
+            </a:r>
+          </a:p>
+          <a:p>
+            <a:r>
+              <a:rPr lang="en-US" dirty="0"/>
+              <a:t>The text "Your browser does not support the video tag." is displayed if the browser does not support the video tag or the video format.</a:t>
+            </a:r>
+          </a:p>
+          <a:p>
+            <a:pPr marL="0" indent="0">
+              <a:buNone/>
+            </a:pPr>
+            <a:r>
+              <a:rPr lang="en-US" dirty="0"/>
+              <a:t>&lt;video </a:t>
+            </a:r>
+            <a:r>
+              <a:rPr lang="en-US" dirty="0" err="1"/>
+              <a:t>src</a:t>
+            </a:r>
+            <a:r>
+              <a:rPr lang="en-US" dirty="0"/>
+              <a:t>="path_to_video.mp4" controls&gt; Your browser does not support the video tag. &lt;/video&gt;</a:t>
+            </a:r>
+          </a:p>
+        </p:txBody>
+      </p:sp>
+    </p:spTree>
+    <p:extLst>
+      <p:ext uri="{BB962C8B-B14F-4D97-AF65-F5344CB8AC3E}">
+        <p14:creationId xmlns:p14="http://schemas.microsoft.com/office/powerpoint/2010/main" val="1250946601"/>
+      </p:ext>
+    </p:extLst>
   </p:cSld>
   <p:clrMapOvr>
     <a:masterClrMapping/>

--- a/HTML.pptx
+++ b/HTML.pptx
@@ -41,6 +41,7 @@
     <p:sldId id="287" r:id="rId36"/>
     <p:sldId id="295" r:id="rId37"/>
     <p:sldId id="296" r:id="rId38"/>
+    <p:sldId id="329" r:id="rId39"/>
   </p:sldIdLst>
   <p:sldSz cx="12192000" cy="6858000"/>
   <p:notesSz cx="6858000" cy="9144000"/>
@@ -11535,6 +11536,96 @@
 </p:sld>
 </file>
 
+<file path=ppt/slides/slide37.xml><?xml version="1.0" encoding="utf-8"?>
+<p:sld xmlns:a="http://schemas.openxmlformats.org/drawingml/2006/main" xmlns:r="http://schemas.openxmlformats.org/officeDocument/2006/relationships" xmlns:p="http://schemas.openxmlformats.org/presentationml/2006/main">
+  <p:cSld>
+    <p:spTree>
+      <p:nvGrpSpPr>
+        <p:cNvPr id="1" name=""/>
+        <p:cNvGrpSpPr/>
+        <p:nvPr/>
+      </p:nvGrpSpPr>
+      <p:grpSpPr/>
+      <p:sp>
+        <p:nvSpPr>
+          <p:cNvPr id="2" name="Title 1"/>
+          <p:cNvSpPr>
+            <a:spLocks noGrp="1"/>
+          </p:cNvSpPr>
+          <p:nvPr>
+            <p:ph type="title"/>
+          </p:nvPr>
+        </p:nvSpPr>
+        <p:spPr/>
+        <p:txBody>
+          <a:bodyPr/>
+          <a:p>
+            <a:r>
+              <a:rPr lang="en-US"/>
+              <a:t>Position</a:t>
+            </a:r>
+            <a:endParaRPr lang="en-US"/>
+          </a:p>
+        </p:txBody>
+      </p:sp>
+      <p:sp>
+        <p:nvSpPr>
+          <p:cNvPr id="3" name="Content Placeholder 2"/>
+          <p:cNvSpPr>
+            <a:spLocks noGrp="1"/>
+          </p:cNvSpPr>
+          <p:nvPr>
+            <p:ph idx="1"/>
+          </p:nvPr>
+        </p:nvSpPr>
+        <p:spPr/>
+        <p:txBody>
+          <a:bodyPr/>
+          <a:p>
+            <a:r>
+              <a:rPr lang="en-US"/>
+              <a:t>static</a:t>
+            </a:r>
+            <a:endParaRPr lang="en-US"/>
+          </a:p>
+          <a:p>
+            <a:r>
+              <a:rPr lang="en-US"/>
+              <a:t>relative</a:t>
+            </a:r>
+            <a:endParaRPr lang="en-US"/>
+          </a:p>
+          <a:p>
+            <a:r>
+              <a:rPr lang="en-US"/>
+              <a:t>absolute</a:t>
+            </a:r>
+            <a:endParaRPr lang="en-US"/>
+          </a:p>
+          <a:p>
+            <a:r>
+              <a:rPr lang="en-US"/>
+              <a:t>fixed</a:t>
+            </a:r>
+            <a:endParaRPr lang="en-US"/>
+          </a:p>
+          <a:p>
+            <a:r>
+              <a:rPr lang="en-US"/>
+              <a:t>sticky</a:t>
+            </a:r>
+            <a:endParaRPr lang="en-US"/>
+          </a:p>
+        </p:txBody>
+      </p:sp>
+    </p:spTree>
+  </p:cSld>
+  <p:clrMapOvr>
+    <a:masterClrMapping/>
+  </p:clrMapOvr>
+</p:sld>
+</file>
+
 <file path=ppt/slides/slide4.xml><?xml version="1.0" encoding="utf-8"?>
 <p:sld xmlns:a="http://schemas.openxmlformats.org/drawingml/2006/main" xmlns:r="http://schemas.openxmlformats.org/officeDocument/2006/relationships" xmlns:p="http://schemas.openxmlformats.org/presentationml/2006/main">
   <p:cSld>

--- a/HTML.pptx
+++ b/HTML.pptx
@@ -1,13 +1,14 @@
 
 <file path=ppt/presentation.xml><?xml version="1.0" encoding="utf-8"?>
-<p:presentation xmlns:a="http://schemas.openxmlformats.org/drawingml/2006/main" xmlns:r="http://schemas.openxmlformats.org/officeDocument/2006/relationships" xmlns:p="http://schemas.openxmlformats.org/presentationml/2006/main" autoCompressPictures="0">
+<p:presentation xmlns:a="http://schemas.openxmlformats.org/drawingml/2006/main" xmlns:r="http://schemas.openxmlformats.org/officeDocument/2006/relationships" xmlns:p="http://schemas.openxmlformats.org/presentationml/2006/main" saveSubsetFonts="1">
   <p:sldMasterIdLst>
-    <p:sldMasterId id="2147483648" r:id="rId1"/>
+    <p:sldMasterId id="2147483660" r:id="rId1"/>
   </p:sldMasterIdLst>
   <p:sldIdLst>
-    <p:sldId id="256" r:id="rId3"/>
-    <p:sldId id="294" r:id="rId4"/>
-    <p:sldId id="257" r:id="rId5"/>
+    <p:sldId id="256" r:id="rId2"/>
+    <p:sldId id="257" r:id="rId3"/>
+    <p:sldId id="343" r:id="rId4"/>
+    <p:sldId id="344" r:id="rId5"/>
     <p:sldId id="258" r:id="rId6"/>
     <p:sldId id="259" r:id="rId7"/>
     <p:sldId id="260" r:id="rId8"/>
@@ -23,25 +24,23 @@
     <p:sldId id="270" r:id="rId18"/>
     <p:sldId id="271" r:id="rId19"/>
     <p:sldId id="272" r:id="rId20"/>
-    <p:sldId id="273" r:id="rId21"/>
-    <p:sldId id="274" r:id="rId22"/>
-    <p:sldId id="275" r:id="rId23"/>
-    <p:sldId id="276" r:id="rId24"/>
-    <p:sldId id="277" r:id="rId25"/>
-    <p:sldId id="278" r:id="rId26"/>
-    <p:sldId id="279" r:id="rId27"/>
-    <p:sldId id="280" r:id="rId28"/>
-    <p:sldId id="281" r:id="rId29"/>
-    <p:sldId id="282" r:id="rId30"/>
-    <p:sldId id="288" r:id="rId31"/>
-    <p:sldId id="283" r:id="rId32"/>
-    <p:sldId id="284" r:id="rId33"/>
-    <p:sldId id="285" r:id="rId34"/>
-    <p:sldId id="286" r:id="rId35"/>
-    <p:sldId id="287" r:id="rId36"/>
-    <p:sldId id="295" r:id="rId37"/>
-    <p:sldId id="296" r:id="rId38"/>
-    <p:sldId id="329" r:id="rId39"/>
+    <p:sldId id="335" r:id="rId21"/>
+    <p:sldId id="273" r:id="rId22"/>
+    <p:sldId id="274" r:id="rId23"/>
+    <p:sldId id="275" r:id="rId24"/>
+    <p:sldId id="276" r:id="rId25"/>
+    <p:sldId id="277" r:id="rId26"/>
+    <p:sldId id="278" r:id="rId27"/>
+    <p:sldId id="279" r:id="rId28"/>
+    <p:sldId id="280" r:id="rId29"/>
+    <p:sldId id="281" r:id="rId30"/>
+    <p:sldId id="282" r:id="rId31"/>
+    <p:sldId id="288" r:id="rId32"/>
+    <p:sldId id="283" r:id="rId33"/>
+    <p:sldId id="284" r:id="rId34"/>
+    <p:sldId id="285" r:id="rId35"/>
+    <p:sldId id="286" r:id="rId36"/>
+    <p:sldId id="287" r:id="rId37"/>
   </p:sldIdLst>
   <p:sldSz cx="12192000" cy="6858000"/>
   <p:notesSz cx="6858000" cy="9144000"/>
@@ -144,7 +143,7 @@
 </file>
 
 <file path=ppt/slideLayouts/slideLayout1.xml><?xml version="1.0" encoding="utf-8"?>
-<p:sldLayout xmlns:a="http://schemas.openxmlformats.org/drawingml/2006/main" xmlns:r="http://schemas.openxmlformats.org/officeDocument/2006/relationships" xmlns:p="http://schemas.openxmlformats.org/presentationml/2006/main" type="title" preserve="1" showMasterSp="0">
+<p:sldLayout xmlns:a="http://schemas.openxmlformats.org/drawingml/2006/main" xmlns:r="http://schemas.openxmlformats.org/officeDocument/2006/relationships" xmlns:p="http://schemas.openxmlformats.org/presentationml/2006/main" showMasterSp="0" type="title" preserve="1">
   <p:cSld name="Title Slide">
     <p:spTree>
       <p:nvGrpSpPr>
@@ -255,9 +254,7 @@
               </a:extLst>
             </a:blip>
             <a:srcRect/>
-            <a:stretch>
-              <a:fillRect/>
-            </a:stretch>
+            <a:stretch/>
           </p:blipFill>
           <p:spPr>
             <a:xfrm>
@@ -286,9 +283,7 @@
               </a:extLst>
             </a:blip>
             <a:srcRect/>
-            <a:stretch>
-              <a:fillRect/>
-            </a:stretch>
+            <a:stretch/>
           </p:blipFill>
           <p:spPr>
             <a:xfrm>
@@ -476,10 +471,11 @@
           <a:bodyPr/>
           <a:lstStyle/>
           <a:p>
-            <a:fld id="{B61BEF0D-F0BB-DE4B-95CE-6DB70DBA9567}" type="datetimeFigureOut">
-              <a:rPr lang="en-US" dirty="0"/>
+            <a:fld id="{66FCFC81-0874-48F1-A3A9-B70BC4677E2D}" type="datetimeFigureOut">
+              <a:rPr lang="en-US" smtClean="0"/>
+              <a:t>7/30/2023</a:t>
             </a:fld>
-            <a:endParaRPr lang="en-US" dirty="0"/>
+            <a:endParaRPr lang="en-US"/>
           </a:p>
         </p:txBody>
       </p:sp>
@@ -503,7 +499,7 @@
           <a:bodyPr/>
           <a:lstStyle/>
           <a:p>
-            <a:endParaRPr lang="en-US" dirty="0"/>
+            <a:endParaRPr lang="en-US"/>
           </a:p>
         </p:txBody>
       </p:sp>
@@ -527,10 +523,11 @@
           <a:bodyPr/>
           <a:lstStyle/>
           <a:p>
-            <a:fld id="{D57F1E4F-1CFF-5643-939E-217C01CDF565}" type="slidenum">
-              <a:rPr lang="en-US" dirty="0"/>
+            <a:fld id="{9CC845FA-408C-4CA2-B1FF-A20EF6AC2A1F}" type="slidenum">
+              <a:rPr lang="en-US" smtClean="0"/>
+              <a:t>‹#›</a:t>
             </a:fld>
-            <a:endParaRPr lang="en-US" dirty="0"/>
+            <a:endParaRPr lang="en-US"/>
           </a:p>
         </p:txBody>
       </p:sp>
@@ -565,6 +562,11 @@
         </p:style>
       </p:cxnSp>
     </p:spTree>
+    <p:extLst>
+      <p:ext uri="{BB962C8B-B14F-4D97-AF65-F5344CB8AC3E}">
+        <p14:creationId xmlns:p14="http://schemas.microsoft.com/office/powerpoint/2010/main" val="1714625069"/>
+      </p:ext>
+    </p:extLst>
   </p:cSld>
   <p:clrMapOvr>
     <a:masterClrMapping/>
@@ -775,18 +777,40 @@
               <a:rPr lang="en-US"/>
               <a:t>Edit Master text styles</a:t>
             </a:r>
+          </a:p>
+        </p:txBody>
+      </p:sp>
+      <p:sp>
+        <p:nvSpPr>
+          <p:cNvPr id="5" name="Date Placeholder 4"/>
+          <p:cNvSpPr>
+            <a:spLocks noGrp="1"/>
+          </p:cNvSpPr>
+          <p:nvPr>
+            <p:ph type="dt" sz="half" idx="10"/>
+          </p:nvPr>
+        </p:nvSpPr>
+        <p:spPr/>
+        <p:txBody>
+          <a:bodyPr/>
+          <a:lstStyle/>
+          <a:p>
+            <a:fld id="{66FCFC81-0874-48F1-A3A9-B70BC4677E2D}" type="datetimeFigureOut">
+              <a:rPr lang="en-US" smtClean="0"/>
+              <a:t>7/30/2023</a:t>
+            </a:fld>
             <a:endParaRPr lang="en-US"/>
           </a:p>
         </p:txBody>
       </p:sp>
       <p:sp>
         <p:nvSpPr>
-          <p:cNvPr id="5" name="Date Placeholder 4"/>
-          <p:cNvSpPr>
-            <a:spLocks noGrp="1"/>
-          </p:cNvSpPr>
-          <p:nvPr>
-            <p:ph type="dt" sz="half" idx="10"/>
+          <p:cNvPr id="6" name="Footer Placeholder 5"/>
+          <p:cNvSpPr>
+            <a:spLocks noGrp="1"/>
+          </p:cNvSpPr>
+          <p:nvPr>
+            <p:ph type="ftr" sz="quarter" idx="11"/>
           </p:nvPr>
         </p:nvSpPr>
         <p:spPr/>
@@ -794,55 +818,39 @@
           <a:bodyPr/>
           <a:lstStyle/>
           <a:p>
-            <a:fld id="{B61BEF0D-F0BB-DE4B-95CE-6DB70DBA9567}" type="datetimeFigureOut">
-              <a:rPr lang="en-US" dirty="0"/>
+            <a:endParaRPr lang="en-US"/>
+          </a:p>
+        </p:txBody>
+      </p:sp>
+      <p:sp>
+        <p:nvSpPr>
+          <p:cNvPr id="7" name="Slide Number Placeholder 6"/>
+          <p:cNvSpPr>
+            <a:spLocks noGrp="1"/>
+          </p:cNvSpPr>
+          <p:nvPr>
+            <p:ph type="sldNum" sz="quarter" idx="12"/>
+          </p:nvPr>
+        </p:nvSpPr>
+        <p:spPr/>
+        <p:txBody>
+          <a:bodyPr/>
+          <a:lstStyle/>
+          <a:p>
+            <a:fld id="{9CC845FA-408C-4CA2-B1FF-A20EF6AC2A1F}" type="slidenum">
+              <a:rPr lang="en-US" smtClean="0"/>
+              <a:t>‹#›</a:t>
             </a:fld>
-            <a:endParaRPr lang="en-US" dirty="0"/>
-          </a:p>
-        </p:txBody>
-      </p:sp>
-      <p:sp>
-        <p:nvSpPr>
-          <p:cNvPr id="6" name="Footer Placeholder 5"/>
-          <p:cNvSpPr>
-            <a:spLocks noGrp="1"/>
-          </p:cNvSpPr>
-          <p:nvPr>
-            <p:ph type="ftr" sz="quarter" idx="11"/>
-          </p:nvPr>
-        </p:nvSpPr>
-        <p:spPr/>
-        <p:txBody>
-          <a:bodyPr/>
-          <a:lstStyle/>
-          <a:p>
-            <a:endParaRPr lang="en-US" dirty="0"/>
-          </a:p>
-        </p:txBody>
-      </p:sp>
-      <p:sp>
-        <p:nvSpPr>
-          <p:cNvPr id="7" name="Slide Number Placeholder 6"/>
-          <p:cNvSpPr>
-            <a:spLocks noGrp="1"/>
-          </p:cNvSpPr>
-          <p:nvPr>
-            <p:ph type="sldNum" sz="quarter" idx="12"/>
-          </p:nvPr>
-        </p:nvSpPr>
-        <p:spPr/>
-        <p:txBody>
-          <a:bodyPr/>
-          <a:lstStyle/>
-          <a:p>
-            <a:fld id="{D57F1E4F-1CFF-5643-939E-217C01CDF565}" type="slidenum">
-              <a:rPr lang="en-US" dirty="0"/>
-            </a:fld>
-            <a:endParaRPr lang="en-US" dirty="0"/>
+            <a:endParaRPr lang="en-US"/>
           </a:p>
         </p:txBody>
       </p:sp>
     </p:spTree>
+    <p:extLst>
+      <p:ext uri="{BB962C8B-B14F-4D97-AF65-F5344CB8AC3E}">
+        <p14:creationId xmlns:p14="http://schemas.microsoft.com/office/powerpoint/2010/main" val="1890636672"/>
+      </p:ext>
+    </p:extLst>
   </p:cSld>
   <p:clrMapOvr>
     <a:masterClrMapping/>
@@ -1017,18 +1025,40 @@
               <a:rPr lang="en-US"/>
               <a:t>Edit Master text styles</a:t>
             </a:r>
+          </a:p>
+        </p:txBody>
+      </p:sp>
+      <p:sp>
+        <p:nvSpPr>
+          <p:cNvPr id="4" name="Date Placeholder 3"/>
+          <p:cNvSpPr>
+            <a:spLocks noGrp="1"/>
+          </p:cNvSpPr>
+          <p:nvPr>
+            <p:ph type="dt" sz="half" idx="10"/>
+          </p:nvPr>
+        </p:nvSpPr>
+        <p:spPr/>
+        <p:txBody>
+          <a:bodyPr/>
+          <a:lstStyle/>
+          <a:p>
+            <a:fld id="{66FCFC81-0874-48F1-A3A9-B70BC4677E2D}" type="datetimeFigureOut">
+              <a:rPr lang="en-US" smtClean="0"/>
+              <a:t>7/30/2023</a:t>
+            </a:fld>
             <a:endParaRPr lang="en-US"/>
           </a:p>
         </p:txBody>
       </p:sp>
       <p:sp>
         <p:nvSpPr>
-          <p:cNvPr id="4" name="Date Placeholder 3"/>
-          <p:cNvSpPr>
-            <a:spLocks noGrp="1"/>
-          </p:cNvSpPr>
-          <p:nvPr>
-            <p:ph type="dt" sz="half" idx="10"/>
+          <p:cNvPr id="5" name="Footer Placeholder 4"/>
+          <p:cNvSpPr>
+            <a:spLocks noGrp="1"/>
+          </p:cNvSpPr>
+          <p:nvPr>
+            <p:ph type="ftr" sz="quarter" idx="11"/>
           </p:nvPr>
         </p:nvSpPr>
         <p:spPr/>
@@ -1036,51 +1066,30 @@
           <a:bodyPr/>
           <a:lstStyle/>
           <a:p>
-            <a:fld id="{B61BEF0D-F0BB-DE4B-95CE-6DB70DBA9567}" type="datetimeFigureOut">
-              <a:rPr lang="en-US" dirty="0"/>
+            <a:endParaRPr lang="en-US"/>
+          </a:p>
+        </p:txBody>
+      </p:sp>
+      <p:sp>
+        <p:nvSpPr>
+          <p:cNvPr id="6" name="Slide Number Placeholder 5"/>
+          <p:cNvSpPr>
+            <a:spLocks noGrp="1"/>
+          </p:cNvSpPr>
+          <p:nvPr>
+            <p:ph type="sldNum" sz="quarter" idx="12"/>
+          </p:nvPr>
+        </p:nvSpPr>
+        <p:spPr/>
+        <p:txBody>
+          <a:bodyPr/>
+          <a:lstStyle/>
+          <a:p>
+            <a:fld id="{9CC845FA-408C-4CA2-B1FF-A20EF6AC2A1F}" type="slidenum">
+              <a:rPr lang="en-US" smtClean="0"/>
+              <a:t>‹#›</a:t>
             </a:fld>
-            <a:endParaRPr lang="en-US" dirty="0"/>
-          </a:p>
-        </p:txBody>
-      </p:sp>
-      <p:sp>
-        <p:nvSpPr>
-          <p:cNvPr id="5" name="Footer Placeholder 4"/>
-          <p:cNvSpPr>
-            <a:spLocks noGrp="1"/>
-          </p:cNvSpPr>
-          <p:nvPr>
-            <p:ph type="ftr" sz="quarter" idx="11"/>
-          </p:nvPr>
-        </p:nvSpPr>
-        <p:spPr/>
-        <p:txBody>
-          <a:bodyPr/>
-          <a:lstStyle/>
-          <a:p>
-            <a:endParaRPr lang="en-US" dirty="0"/>
-          </a:p>
-        </p:txBody>
-      </p:sp>
-      <p:sp>
-        <p:nvSpPr>
-          <p:cNvPr id="6" name="Slide Number Placeholder 5"/>
-          <p:cNvSpPr>
-            <a:spLocks noGrp="1"/>
-          </p:cNvSpPr>
-          <p:nvPr>
-            <p:ph type="sldNum" sz="quarter" idx="12"/>
-          </p:nvPr>
-        </p:nvSpPr>
-        <p:spPr/>
-        <p:txBody>
-          <a:bodyPr/>
-          <a:lstStyle/>
-          <a:p>
-            <a:fld id="{D57F1E4F-1CFF-5643-939E-217C01CDF565}" type="slidenum">
-              <a:rPr lang="en-US" dirty="0"/>
-            </a:fld>
-            <a:endParaRPr lang="en-US" dirty="0"/>
+            <a:endParaRPr lang="en-US"/>
           </a:p>
         </p:txBody>
       </p:sp>
@@ -1116,6 +1125,11 @@
         </p:style>
       </p:cxnSp>
     </p:spTree>
+    <p:extLst>
+      <p:ext uri="{BB962C8B-B14F-4D97-AF65-F5344CB8AC3E}">
+        <p14:creationId xmlns:p14="http://schemas.microsoft.com/office/powerpoint/2010/main" val="2184704234"/>
+      </p:ext>
+    </p:extLst>
   </p:cSld>
   <p:clrMapOvr>
     <a:masterClrMapping/>
@@ -1231,7 +1245,6 @@
               <a:rPr lang="en-US"/>
               <a:t>Edit Master text styles</a:t>
             </a:r>
-            <a:endParaRPr lang="en-US"/>
           </a:p>
         </p:txBody>
       </p:sp>
@@ -1351,18 +1364,40 @@
               <a:rPr lang="en-US"/>
               <a:t>Edit Master text styles</a:t>
             </a:r>
+          </a:p>
+        </p:txBody>
+      </p:sp>
+      <p:sp>
+        <p:nvSpPr>
+          <p:cNvPr id="4" name="Date Placeholder 3"/>
+          <p:cNvSpPr>
+            <a:spLocks noGrp="1"/>
+          </p:cNvSpPr>
+          <p:nvPr>
+            <p:ph type="dt" sz="half" idx="10"/>
+          </p:nvPr>
+        </p:nvSpPr>
+        <p:spPr/>
+        <p:txBody>
+          <a:bodyPr/>
+          <a:lstStyle/>
+          <a:p>
+            <a:fld id="{66FCFC81-0874-48F1-A3A9-B70BC4677E2D}" type="datetimeFigureOut">
+              <a:rPr lang="en-US" smtClean="0"/>
+              <a:t>7/30/2023</a:t>
+            </a:fld>
             <a:endParaRPr lang="en-US"/>
           </a:p>
         </p:txBody>
       </p:sp>
       <p:sp>
         <p:nvSpPr>
-          <p:cNvPr id="4" name="Date Placeholder 3"/>
-          <p:cNvSpPr>
-            <a:spLocks noGrp="1"/>
-          </p:cNvSpPr>
-          <p:nvPr>
-            <p:ph type="dt" sz="half" idx="10"/>
+          <p:cNvPr id="5" name="Footer Placeholder 4"/>
+          <p:cNvSpPr>
+            <a:spLocks noGrp="1"/>
+          </p:cNvSpPr>
+          <p:nvPr>
+            <p:ph type="ftr" sz="quarter" idx="11"/>
           </p:nvPr>
         </p:nvSpPr>
         <p:spPr/>
@@ -1370,51 +1405,30 @@
           <a:bodyPr/>
           <a:lstStyle/>
           <a:p>
-            <a:fld id="{B61BEF0D-F0BB-DE4B-95CE-6DB70DBA9567}" type="datetimeFigureOut">
-              <a:rPr lang="en-US" dirty="0"/>
+            <a:endParaRPr lang="en-US"/>
+          </a:p>
+        </p:txBody>
+      </p:sp>
+      <p:sp>
+        <p:nvSpPr>
+          <p:cNvPr id="6" name="Slide Number Placeholder 5"/>
+          <p:cNvSpPr>
+            <a:spLocks noGrp="1"/>
+          </p:cNvSpPr>
+          <p:nvPr>
+            <p:ph type="sldNum" sz="quarter" idx="12"/>
+          </p:nvPr>
+        </p:nvSpPr>
+        <p:spPr/>
+        <p:txBody>
+          <a:bodyPr/>
+          <a:lstStyle/>
+          <a:p>
+            <a:fld id="{9CC845FA-408C-4CA2-B1FF-A20EF6AC2A1F}" type="slidenum">
+              <a:rPr lang="en-US" smtClean="0"/>
+              <a:t>‹#›</a:t>
             </a:fld>
-            <a:endParaRPr lang="en-US" dirty="0"/>
-          </a:p>
-        </p:txBody>
-      </p:sp>
-      <p:sp>
-        <p:nvSpPr>
-          <p:cNvPr id="5" name="Footer Placeholder 4"/>
-          <p:cNvSpPr>
-            <a:spLocks noGrp="1"/>
-          </p:cNvSpPr>
-          <p:nvPr>
-            <p:ph type="ftr" sz="quarter" idx="11"/>
-          </p:nvPr>
-        </p:nvSpPr>
-        <p:spPr/>
-        <p:txBody>
-          <a:bodyPr/>
-          <a:lstStyle/>
-          <a:p>
-            <a:endParaRPr lang="en-US" dirty="0"/>
-          </a:p>
-        </p:txBody>
-      </p:sp>
-      <p:sp>
-        <p:nvSpPr>
-          <p:cNvPr id="6" name="Slide Number Placeholder 5"/>
-          <p:cNvSpPr>
-            <a:spLocks noGrp="1"/>
-          </p:cNvSpPr>
-          <p:nvPr>
-            <p:ph type="sldNum" sz="quarter" idx="12"/>
-          </p:nvPr>
-        </p:nvSpPr>
-        <p:spPr/>
-        <p:txBody>
-          <a:bodyPr/>
-          <a:lstStyle/>
-          <a:p>
-            <a:fld id="{D57F1E4F-1CFF-5643-939E-217C01CDF565}" type="slidenum">
-              <a:rPr lang="en-US" dirty="0"/>
-            </a:fld>
-            <a:endParaRPr lang="en-US" dirty="0"/>
+            <a:endParaRPr lang="en-US"/>
           </a:p>
         </p:txBody>
       </p:sp>
@@ -1449,12 +1463,6 @@
               </a:rPr>
               <a:t>“</a:t>
             </a:r>
-            <a:endParaRPr lang="en-US" sz="8000" dirty="0">
-              <a:solidFill>
-                <a:schemeClr val="tx1"/>
-              </a:solidFill>
-              <a:effectLst/>
-            </a:endParaRPr>
           </a:p>
         </p:txBody>
       </p:sp>
@@ -1489,12 +1497,6 @@
               </a:rPr>
               <a:t>”</a:t>
             </a:r>
-            <a:endParaRPr lang="en-US" sz="8000" dirty="0">
-              <a:solidFill>
-                <a:schemeClr val="tx1"/>
-              </a:solidFill>
-              <a:effectLst/>
-            </a:endParaRPr>
           </a:p>
         </p:txBody>
       </p:sp>
@@ -1530,6 +1532,11 @@
         </p:style>
       </p:cxnSp>
     </p:spTree>
+    <p:extLst>
+      <p:ext uri="{BB962C8B-B14F-4D97-AF65-F5344CB8AC3E}">
+        <p14:creationId xmlns:p14="http://schemas.microsoft.com/office/powerpoint/2010/main" val="4153610528"/>
+      </p:ext>
+    </p:extLst>
   </p:cSld>
   <p:clrMapOvr>
     <a:masterClrMapping/>
@@ -1704,18 +1711,40 @@
               <a:rPr lang="en-US"/>
               <a:t>Edit Master text styles</a:t>
             </a:r>
+          </a:p>
+        </p:txBody>
+      </p:sp>
+      <p:sp>
+        <p:nvSpPr>
+          <p:cNvPr id="4" name="Date Placeholder 3"/>
+          <p:cNvSpPr>
+            <a:spLocks noGrp="1"/>
+          </p:cNvSpPr>
+          <p:nvPr>
+            <p:ph type="dt" sz="half" idx="10"/>
+          </p:nvPr>
+        </p:nvSpPr>
+        <p:spPr/>
+        <p:txBody>
+          <a:bodyPr/>
+          <a:lstStyle/>
+          <a:p>
+            <a:fld id="{66FCFC81-0874-48F1-A3A9-B70BC4677E2D}" type="datetimeFigureOut">
+              <a:rPr lang="en-US" smtClean="0"/>
+              <a:t>7/30/2023</a:t>
+            </a:fld>
             <a:endParaRPr lang="en-US"/>
           </a:p>
         </p:txBody>
       </p:sp>
       <p:sp>
         <p:nvSpPr>
-          <p:cNvPr id="4" name="Date Placeholder 3"/>
-          <p:cNvSpPr>
-            <a:spLocks noGrp="1"/>
-          </p:cNvSpPr>
-          <p:nvPr>
-            <p:ph type="dt" sz="half" idx="10"/>
+          <p:cNvPr id="5" name="Footer Placeholder 4"/>
+          <p:cNvSpPr>
+            <a:spLocks noGrp="1"/>
+          </p:cNvSpPr>
+          <p:nvPr>
+            <p:ph type="ftr" sz="quarter" idx="11"/>
           </p:nvPr>
         </p:nvSpPr>
         <p:spPr/>
@@ -1723,55 +1752,39 @@
           <a:bodyPr/>
           <a:lstStyle/>
           <a:p>
-            <a:fld id="{B61BEF0D-F0BB-DE4B-95CE-6DB70DBA9567}" type="datetimeFigureOut">
-              <a:rPr lang="en-US" dirty="0"/>
+            <a:endParaRPr lang="en-US"/>
+          </a:p>
+        </p:txBody>
+      </p:sp>
+      <p:sp>
+        <p:nvSpPr>
+          <p:cNvPr id="6" name="Slide Number Placeholder 5"/>
+          <p:cNvSpPr>
+            <a:spLocks noGrp="1"/>
+          </p:cNvSpPr>
+          <p:nvPr>
+            <p:ph type="sldNum" sz="quarter" idx="12"/>
+          </p:nvPr>
+        </p:nvSpPr>
+        <p:spPr/>
+        <p:txBody>
+          <a:bodyPr/>
+          <a:lstStyle/>
+          <a:p>
+            <a:fld id="{9CC845FA-408C-4CA2-B1FF-A20EF6AC2A1F}" type="slidenum">
+              <a:rPr lang="en-US" smtClean="0"/>
+              <a:t>‹#›</a:t>
             </a:fld>
-            <a:endParaRPr lang="en-US" dirty="0"/>
-          </a:p>
-        </p:txBody>
-      </p:sp>
-      <p:sp>
-        <p:nvSpPr>
-          <p:cNvPr id="5" name="Footer Placeholder 4"/>
-          <p:cNvSpPr>
-            <a:spLocks noGrp="1"/>
-          </p:cNvSpPr>
-          <p:nvPr>
-            <p:ph type="ftr" sz="quarter" idx="11"/>
-          </p:nvPr>
-        </p:nvSpPr>
-        <p:spPr/>
-        <p:txBody>
-          <a:bodyPr/>
-          <a:lstStyle/>
-          <a:p>
-            <a:endParaRPr lang="en-US" dirty="0"/>
-          </a:p>
-        </p:txBody>
-      </p:sp>
-      <p:sp>
-        <p:nvSpPr>
-          <p:cNvPr id="6" name="Slide Number Placeholder 5"/>
-          <p:cNvSpPr>
-            <a:spLocks noGrp="1"/>
-          </p:cNvSpPr>
-          <p:nvPr>
-            <p:ph type="sldNum" sz="quarter" idx="12"/>
-          </p:nvPr>
-        </p:nvSpPr>
-        <p:spPr/>
-        <p:txBody>
-          <a:bodyPr/>
-          <a:lstStyle/>
-          <a:p>
-            <a:fld id="{D57F1E4F-1CFF-5643-939E-217C01CDF565}" type="slidenum">
-              <a:rPr lang="en-US" dirty="0"/>
-            </a:fld>
-            <a:endParaRPr lang="en-US" dirty="0"/>
+            <a:endParaRPr lang="en-US"/>
           </a:p>
         </p:txBody>
       </p:sp>
     </p:spTree>
+    <p:extLst>
+      <p:ext uri="{BB962C8B-B14F-4D97-AF65-F5344CB8AC3E}">
+        <p14:creationId xmlns:p14="http://schemas.microsoft.com/office/powerpoint/2010/main" val="2793419504"/>
+      </p:ext>
+    </p:extLst>
   </p:cSld>
   <p:clrMapOvr>
     <a:masterClrMapping/>
@@ -1953,7 +1966,6 @@
               <a:rPr lang="en-US"/>
               <a:t>Edit Master text styles</a:t>
             </a:r>
-            <a:endParaRPr lang="en-US"/>
           </a:p>
         </p:txBody>
       </p:sp>
@@ -2073,18 +2085,40 @@
               <a:rPr lang="en-US"/>
               <a:t>Edit Master text styles</a:t>
             </a:r>
+          </a:p>
+        </p:txBody>
+      </p:sp>
+      <p:sp>
+        <p:nvSpPr>
+          <p:cNvPr id="4" name="Date Placeholder 3"/>
+          <p:cNvSpPr>
+            <a:spLocks noGrp="1"/>
+          </p:cNvSpPr>
+          <p:nvPr>
+            <p:ph type="dt" sz="half" idx="10"/>
+          </p:nvPr>
+        </p:nvSpPr>
+        <p:spPr/>
+        <p:txBody>
+          <a:bodyPr/>
+          <a:lstStyle/>
+          <a:p>
+            <a:fld id="{66FCFC81-0874-48F1-A3A9-B70BC4677E2D}" type="datetimeFigureOut">
+              <a:rPr lang="en-US" smtClean="0"/>
+              <a:t>7/30/2023</a:t>
+            </a:fld>
             <a:endParaRPr lang="en-US"/>
           </a:p>
         </p:txBody>
       </p:sp>
       <p:sp>
         <p:nvSpPr>
-          <p:cNvPr id="4" name="Date Placeholder 3"/>
-          <p:cNvSpPr>
-            <a:spLocks noGrp="1"/>
-          </p:cNvSpPr>
-          <p:nvPr>
-            <p:ph type="dt" sz="half" idx="10"/>
+          <p:cNvPr id="5" name="Footer Placeholder 4"/>
+          <p:cNvSpPr>
+            <a:spLocks noGrp="1"/>
+          </p:cNvSpPr>
+          <p:nvPr>
+            <p:ph type="ftr" sz="quarter" idx="11"/>
           </p:nvPr>
         </p:nvSpPr>
         <p:spPr/>
@@ -2092,51 +2126,30 @@
           <a:bodyPr/>
           <a:lstStyle/>
           <a:p>
-            <a:fld id="{B61BEF0D-F0BB-DE4B-95CE-6DB70DBA9567}" type="datetimeFigureOut">
-              <a:rPr lang="en-US" dirty="0"/>
+            <a:endParaRPr lang="en-US"/>
+          </a:p>
+        </p:txBody>
+      </p:sp>
+      <p:sp>
+        <p:nvSpPr>
+          <p:cNvPr id="6" name="Slide Number Placeholder 5"/>
+          <p:cNvSpPr>
+            <a:spLocks noGrp="1"/>
+          </p:cNvSpPr>
+          <p:nvPr>
+            <p:ph type="sldNum" sz="quarter" idx="12"/>
+          </p:nvPr>
+        </p:nvSpPr>
+        <p:spPr/>
+        <p:txBody>
+          <a:bodyPr/>
+          <a:lstStyle/>
+          <a:p>
+            <a:fld id="{9CC845FA-408C-4CA2-B1FF-A20EF6AC2A1F}" type="slidenum">
+              <a:rPr lang="en-US" smtClean="0"/>
+              <a:t>‹#›</a:t>
             </a:fld>
-            <a:endParaRPr lang="en-US" dirty="0"/>
-          </a:p>
-        </p:txBody>
-      </p:sp>
-      <p:sp>
-        <p:nvSpPr>
-          <p:cNvPr id="5" name="Footer Placeholder 4"/>
-          <p:cNvSpPr>
-            <a:spLocks noGrp="1"/>
-          </p:cNvSpPr>
-          <p:nvPr>
-            <p:ph type="ftr" sz="quarter" idx="11"/>
-          </p:nvPr>
-        </p:nvSpPr>
-        <p:spPr/>
-        <p:txBody>
-          <a:bodyPr/>
-          <a:lstStyle/>
-          <a:p>
-            <a:endParaRPr lang="en-US" dirty="0"/>
-          </a:p>
-        </p:txBody>
-      </p:sp>
-      <p:sp>
-        <p:nvSpPr>
-          <p:cNvPr id="6" name="Slide Number Placeholder 5"/>
-          <p:cNvSpPr>
-            <a:spLocks noGrp="1"/>
-          </p:cNvSpPr>
-          <p:nvPr>
-            <p:ph type="sldNum" sz="quarter" idx="12"/>
-          </p:nvPr>
-        </p:nvSpPr>
-        <p:spPr/>
-        <p:txBody>
-          <a:bodyPr/>
-          <a:lstStyle/>
-          <a:p>
-            <a:fld id="{D57F1E4F-1CFF-5643-939E-217C01CDF565}" type="slidenum">
-              <a:rPr lang="en-US" dirty="0"/>
-            </a:fld>
-            <a:endParaRPr lang="en-US" dirty="0"/>
+            <a:endParaRPr lang="en-US"/>
           </a:p>
         </p:txBody>
       </p:sp>
@@ -2171,12 +2184,6 @@
               </a:rPr>
               <a:t>“</a:t>
             </a:r>
-            <a:endParaRPr lang="en-US" sz="8000" dirty="0">
-              <a:solidFill>
-                <a:schemeClr val="tx1"/>
-              </a:solidFill>
-              <a:effectLst/>
-            </a:endParaRPr>
           </a:p>
         </p:txBody>
       </p:sp>
@@ -2211,12 +2218,6 @@
               </a:rPr>
               <a:t>”</a:t>
             </a:r>
-            <a:endParaRPr lang="en-US" sz="8000" dirty="0">
-              <a:solidFill>
-                <a:schemeClr val="tx1"/>
-              </a:solidFill>
-              <a:effectLst/>
-            </a:endParaRPr>
           </a:p>
         </p:txBody>
       </p:sp>
@@ -2252,6 +2253,11 @@
         </p:style>
       </p:cxnSp>
     </p:spTree>
+    <p:extLst>
+      <p:ext uri="{BB962C8B-B14F-4D97-AF65-F5344CB8AC3E}">
+        <p14:creationId xmlns:p14="http://schemas.microsoft.com/office/powerpoint/2010/main" val="3306993580"/>
+      </p:ext>
+    </p:extLst>
   </p:cSld>
   <p:clrMapOvr>
     <a:masterClrMapping/>
@@ -2430,7 +2436,6 @@
               <a:rPr lang="en-US"/>
               <a:t>Edit Master text styles</a:t>
             </a:r>
-            <a:endParaRPr lang="en-US"/>
           </a:p>
         </p:txBody>
       </p:sp>
@@ -2550,18 +2555,40 @@
               <a:rPr lang="en-US"/>
               <a:t>Edit Master text styles</a:t>
             </a:r>
+          </a:p>
+        </p:txBody>
+      </p:sp>
+      <p:sp>
+        <p:nvSpPr>
+          <p:cNvPr id="4" name="Date Placeholder 3"/>
+          <p:cNvSpPr>
+            <a:spLocks noGrp="1"/>
+          </p:cNvSpPr>
+          <p:nvPr>
+            <p:ph type="dt" sz="half" idx="10"/>
+          </p:nvPr>
+        </p:nvSpPr>
+        <p:spPr/>
+        <p:txBody>
+          <a:bodyPr/>
+          <a:lstStyle/>
+          <a:p>
+            <a:fld id="{66FCFC81-0874-48F1-A3A9-B70BC4677E2D}" type="datetimeFigureOut">
+              <a:rPr lang="en-US" smtClean="0"/>
+              <a:t>7/30/2023</a:t>
+            </a:fld>
             <a:endParaRPr lang="en-US"/>
           </a:p>
         </p:txBody>
       </p:sp>
       <p:sp>
         <p:nvSpPr>
-          <p:cNvPr id="4" name="Date Placeholder 3"/>
-          <p:cNvSpPr>
-            <a:spLocks noGrp="1"/>
-          </p:cNvSpPr>
-          <p:nvPr>
-            <p:ph type="dt" sz="half" idx="10"/>
+          <p:cNvPr id="5" name="Footer Placeholder 4"/>
+          <p:cNvSpPr>
+            <a:spLocks noGrp="1"/>
+          </p:cNvSpPr>
+          <p:nvPr>
+            <p:ph type="ftr" sz="quarter" idx="11"/>
           </p:nvPr>
         </p:nvSpPr>
         <p:spPr/>
@@ -2569,51 +2596,30 @@
           <a:bodyPr/>
           <a:lstStyle/>
           <a:p>
-            <a:fld id="{B61BEF0D-F0BB-DE4B-95CE-6DB70DBA9567}" type="datetimeFigureOut">
-              <a:rPr lang="en-US" dirty="0"/>
+            <a:endParaRPr lang="en-US"/>
+          </a:p>
+        </p:txBody>
+      </p:sp>
+      <p:sp>
+        <p:nvSpPr>
+          <p:cNvPr id="6" name="Slide Number Placeholder 5"/>
+          <p:cNvSpPr>
+            <a:spLocks noGrp="1"/>
+          </p:cNvSpPr>
+          <p:nvPr>
+            <p:ph type="sldNum" sz="quarter" idx="12"/>
+          </p:nvPr>
+        </p:nvSpPr>
+        <p:spPr/>
+        <p:txBody>
+          <a:bodyPr/>
+          <a:lstStyle/>
+          <a:p>
+            <a:fld id="{9CC845FA-408C-4CA2-B1FF-A20EF6AC2A1F}" type="slidenum">
+              <a:rPr lang="en-US" smtClean="0"/>
+              <a:t>‹#›</a:t>
             </a:fld>
-            <a:endParaRPr lang="en-US" dirty="0"/>
-          </a:p>
-        </p:txBody>
-      </p:sp>
-      <p:sp>
-        <p:nvSpPr>
-          <p:cNvPr id="5" name="Footer Placeholder 4"/>
-          <p:cNvSpPr>
-            <a:spLocks noGrp="1"/>
-          </p:cNvSpPr>
-          <p:nvPr>
-            <p:ph type="ftr" sz="quarter" idx="11"/>
-          </p:nvPr>
-        </p:nvSpPr>
-        <p:spPr/>
-        <p:txBody>
-          <a:bodyPr/>
-          <a:lstStyle/>
-          <a:p>
-            <a:endParaRPr lang="en-US" dirty="0"/>
-          </a:p>
-        </p:txBody>
-      </p:sp>
-      <p:sp>
-        <p:nvSpPr>
-          <p:cNvPr id="6" name="Slide Number Placeholder 5"/>
-          <p:cNvSpPr>
-            <a:spLocks noGrp="1"/>
-          </p:cNvSpPr>
-          <p:nvPr>
-            <p:ph type="sldNum" sz="quarter" idx="12"/>
-          </p:nvPr>
-        </p:nvSpPr>
-        <p:spPr/>
-        <p:txBody>
-          <a:bodyPr/>
-          <a:lstStyle/>
-          <a:p>
-            <a:fld id="{D57F1E4F-1CFF-5643-939E-217C01CDF565}" type="slidenum">
-              <a:rPr lang="en-US" dirty="0"/>
-            </a:fld>
-            <a:endParaRPr lang="en-US" dirty="0"/>
+            <a:endParaRPr lang="en-US"/>
           </a:p>
         </p:txBody>
       </p:sp>
@@ -2649,6 +2655,11 @@
         </p:style>
       </p:cxnSp>
     </p:spTree>
+    <p:extLst>
+      <p:ext uri="{BB962C8B-B14F-4D97-AF65-F5344CB8AC3E}">
+        <p14:creationId xmlns:p14="http://schemas.microsoft.com/office/powerpoint/2010/main" val="50362581"/>
+      </p:ext>
+    </p:extLst>
   </p:cSld>
   <p:clrMapOvr>
     <a:masterClrMapping/>
@@ -2720,7 +2731,6 @@
               <a:rPr lang="en-US"/>
               <a:t>Edit Master text styles</a:t>
             </a:r>
-            <a:endParaRPr lang="en-US"/>
           </a:p>
           <a:p>
             <a:pPr lvl="1"/>
@@ -2728,7 +2738,6 @@
               <a:rPr lang="en-US"/>
               <a:t>Second level</a:t>
             </a:r>
-            <a:endParaRPr lang="en-US"/>
           </a:p>
           <a:p>
             <a:pPr lvl="2"/>
@@ -2736,7 +2745,6 @@
               <a:rPr lang="en-US"/>
               <a:t>Third level</a:t>
             </a:r>
-            <a:endParaRPr lang="en-US"/>
           </a:p>
           <a:p>
             <a:pPr lvl="3"/>
@@ -2744,7 +2752,6 @@
               <a:rPr lang="en-US"/>
               <a:t>Fourth level</a:t>
             </a:r>
-            <a:endParaRPr lang="en-US"/>
           </a:p>
           <a:p>
             <a:pPr lvl="4"/>
@@ -2771,10 +2778,11 @@
           <a:bodyPr/>
           <a:lstStyle/>
           <a:p>
-            <a:fld id="{B61BEF0D-F0BB-DE4B-95CE-6DB70DBA9567}" type="datetimeFigureOut">
-              <a:rPr lang="en-US" dirty="0"/>
+            <a:fld id="{66FCFC81-0874-48F1-A3A9-B70BC4677E2D}" type="datetimeFigureOut">
+              <a:rPr lang="en-US" smtClean="0"/>
+              <a:t>7/30/2023</a:t>
             </a:fld>
-            <a:endParaRPr lang="en-US" dirty="0"/>
+            <a:endParaRPr lang="en-US"/>
           </a:p>
         </p:txBody>
       </p:sp>
@@ -2793,7 +2801,7 @@
           <a:bodyPr/>
           <a:lstStyle/>
           <a:p>
-            <a:endParaRPr lang="en-US" dirty="0"/>
+            <a:endParaRPr lang="en-US"/>
           </a:p>
         </p:txBody>
       </p:sp>
@@ -2812,10 +2820,11 @@
           <a:bodyPr/>
           <a:lstStyle/>
           <a:p>
-            <a:fld id="{D57F1E4F-1CFF-5643-939E-217C01CDF565}" type="slidenum">
-              <a:rPr lang="en-US" dirty="0"/>
+            <a:fld id="{9CC845FA-408C-4CA2-B1FF-A20EF6AC2A1F}" type="slidenum">
+              <a:rPr lang="en-US" smtClean="0"/>
+              <a:t>‹#›</a:t>
             </a:fld>
-            <a:endParaRPr lang="en-US" dirty="0"/>
+            <a:endParaRPr lang="en-US"/>
           </a:p>
         </p:txBody>
       </p:sp>
@@ -2851,6 +2860,11 @@
         </p:style>
       </p:cxnSp>
     </p:spTree>
+    <p:extLst>
+      <p:ext uri="{BB962C8B-B14F-4D97-AF65-F5344CB8AC3E}">
+        <p14:creationId xmlns:p14="http://schemas.microsoft.com/office/powerpoint/2010/main" val="967155681"/>
+      </p:ext>
+    </p:extLst>
   </p:cSld>
   <p:clrMapOvr>
     <a:masterClrMapping/>
@@ -2928,7 +2942,6 @@
               <a:rPr lang="en-US"/>
               <a:t>Edit Master text styles</a:t>
             </a:r>
-            <a:endParaRPr lang="en-US"/>
           </a:p>
           <a:p>
             <a:pPr lvl="1"/>
@@ -2936,7 +2949,6 @@
               <a:rPr lang="en-US"/>
               <a:t>Second level</a:t>
             </a:r>
-            <a:endParaRPr lang="en-US"/>
           </a:p>
           <a:p>
             <a:pPr lvl="2"/>
@@ -2944,7 +2956,6 @@
               <a:rPr lang="en-US"/>
               <a:t>Third level</a:t>
             </a:r>
-            <a:endParaRPr lang="en-US"/>
           </a:p>
           <a:p>
             <a:pPr lvl="3"/>
@@ -2952,7 +2963,6 @@
               <a:rPr lang="en-US"/>
               <a:t>Fourth level</a:t>
             </a:r>
-            <a:endParaRPr lang="en-US"/>
           </a:p>
           <a:p>
             <a:pPr lvl="4"/>
@@ -2979,10 +2989,11 @@
           <a:bodyPr/>
           <a:lstStyle/>
           <a:p>
-            <a:fld id="{B61BEF0D-F0BB-DE4B-95CE-6DB70DBA9567}" type="datetimeFigureOut">
-              <a:rPr lang="en-US" dirty="0"/>
+            <a:fld id="{66FCFC81-0874-48F1-A3A9-B70BC4677E2D}" type="datetimeFigureOut">
+              <a:rPr lang="en-US" smtClean="0"/>
+              <a:t>7/30/2023</a:t>
             </a:fld>
-            <a:endParaRPr lang="en-US" dirty="0"/>
+            <a:endParaRPr lang="en-US"/>
           </a:p>
         </p:txBody>
       </p:sp>
@@ -3001,7 +3012,7 @@
           <a:bodyPr/>
           <a:lstStyle/>
           <a:p>
-            <a:endParaRPr lang="en-US" dirty="0"/>
+            <a:endParaRPr lang="en-US"/>
           </a:p>
         </p:txBody>
       </p:sp>
@@ -3020,10 +3031,11 @@
           <a:bodyPr/>
           <a:lstStyle/>
           <a:p>
-            <a:fld id="{D57F1E4F-1CFF-5643-939E-217C01CDF565}" type="slidenum">
-              <a:rPr lang="en-US" dirty="0"/>
+            <a:fld id="{9CC845FA-408C-4CA2-B1FF-A20EF6AC2A1F}" type="slidenum">
+              <a:rPr lang="en-US" smtClean="0"/>
+              <a:t>‹#›</a:t>
             </a:fld>
-            <a:endParaRPr lang="en-US" dirty="0"/>
+            <a:endParaRPr lang="en-US"/>
           </a:p>
         </p:txBody>
       </p:sp>
@@ -3059,6 +3071,11 @@
         </p:style>
       </p:cxnSp>
     </p:spTree>
+    <p:extLst>
+      <p:ext uri="{BB962C8B-B14F-4D97-AF65-F5344CB8AC3E}">
+        <p14:creationId xmlns:p14="http://schemas.microsoft.com/office/powerpoint/2010/main" val="182899273"/>
+      </p:ext>
+    </p:extLst>
   </p:cSld>
   <p:clrMapOvr>
     <a:masterClrMapping/>
@@ -3157,7 +3174,6 @@
               <a:rPr lang="en-US"/>
               <a:t>Edit Master text styles</a:t>
             </a:r>
-            <a:endParaRPr lang="en-US"/>
           </a:p>
           <a:p>
             <a:pPr lvl="1"/>
@@ -3165,7 +3181,6 @@
               <a:rPr lang="en-US"/>
               <a:t>Second level</a:t>
             </a:r>
-            <a:endParaRPr lang="en-US"/>
           </a:p>
           <a:p>
             <a:pPr lvl="2"/>
@@ -3173,7 +3188,6 @@
               <a:rPr lang="en-US"/>
               <a:t>Third level</a:t>
             </a:r>
-            <a:endParaRPr lang="en-US"/>
           </a:p>
           <a:p>
             <a:pPr lvl="3"/>
@@ -3181,7 +3195,6 @@
               <a:rPr lang="en-US"/>
               <a:t>Fourth level</a:t>
             </a:r>
-            <a:endParaRPr lang="en-US"/>
           </a:p>
           <a:p>
             <a:pPr lvl="4"/>
@@ -3208,10 +3221,11 @@
           <a:bodyPr/>
           <a:lstStyle/>
           <a:p>
-            <a:fld id="{52647F38-B617-4D2F-AE0A-013F0C4D2C57}" type="datetimeFigureOut">
-              <a:rPr lang="en-US" dirty="0"/>
+            <a:fld id="{66FCFC81-0874-48F1-A3A9-B70BC4677E2D}" type="datetimeFigureOut">
+              <a:rPr lang="en-US" smtClean="0"/>
+              <a:t>7/30/2023</a:t>
             </a:fld>
-            <a:endParaRPr lang="en-US" dirty="0"/>
+            <a:endParaRPr lang="en-US"/>
           </a:p>
         </p:txBody>
       </p:sp>
@@ -3230,7 +3244,7 @@
           <a:bodyPr/>
           <a:lstStyle/>
           <a:p>
-            <a:endParaRPr lang="en-US" dirty="0"/>
+            <a:endParaRPr lang="en-US"/>
           </a:p>
         </p:txBody>
       </p:sp>
@@ -3249,14 +3263,20 @@
           <a:bodyPr/>
           <a:lstStyle/>
           <a:p>
-            <a:fld id="{E97799C9-84D9-46D2-A11E-BCF8A720529D}" type="slidenum">
-              <a:rPr lang="en-US" dirty="0"/>
+            <a:fld id="{9CC845FA-408C-4CA2-B1FF-A20EF6AC2A1F}" type="slidenum">
+              <a:rPr lang="en-US" smtClean="0"/>
+              <a:t>‹#›</a:t>
             </a:fld>
-            <a:endParaRPr lang="en-US" dirty="0"/>
+            <a:endParaRPr lang="en-US"/>
           </a:p>
         </p:txBody>
       </p:sp>
     </p:spTree>
+    <p:extLst>
+      <p:ext uri="{BB962C8B-B14F-4D97-AF65-F5344CB8AC3E}">
+        <p14:creationId xmlns:p14="http://schemas.microsoft.com/office/powerpoint/2010/main" val="3158578610"/>
+      </p:ext>
+    </p:extLst>
   </p:cSld>
   <p:clrMapOvr>
     <a:masterClrMapping/>
@@ -3431,18 +3451,40 @@
               <a:rPr lang="en-US"/>
               <a:t>Edit Master text styles</a:t>
             </a:r>
+          </a:p>
+        </p:txBody>
+      </p:sp>
+      <p:sp>
+        <p:nvSpPr>
+          <p:cNvPr id="4" name="Date Placeholder 3"/>
+          <p:cNvSpPr>
+            <a:spLocks noGrp="1"/>
+          </p:cNvSpPr>
+          <p:nvPr>
+            <p:ph type="dt" sz="half" idx="10"/>
+          </p:nvPr>
+        </p:nvSpPr>
+        <p:spPr/>
+        <p:txBody>
+          <a:bodyPr/>
+          <a:lstStyle/>
+          <a:p>
+            <a:fld id="{66FCFC81-0874-48F1-A3A9-B70BC4677E2D}" type="datetimeFigureOut">
+              <a:rPr lang="en-US" smtClean="0"/>
+              <a:t>7/30/2023</a:t>
+            </a:fld>
             <a:endParaRPr lang="en-US"/>
           </a:p>
         </p:txBody>
       </p:sp>
       <p:sp>
         <p:nvSpPr>
-          <p:cNvPr id="4" name="Date Placeholder 3"/>
-          <p:cNvSpPr>
-            <a:spLocks noGrp="1"/>
-          </p:cNvSpPr>
-          <p:nvPr>
-            <p:ph type="dt" sz="half" idx="10"/>
+          <p:cNvPr id="5" name="Footer Placeholder 4"/>
+          <p:cNvSpPr>
+            <a:spLocks noGrp="1"/>
+          </p:cNvSpPr>
+          <p:nvPr>
+            <p:ph type="ftr" sz="quarter" idx="11"/>
           </p:nvPr>
         </p:nvSpPr>
         <p:spPr/>
@@ -3450,51 +3492,30 @@
           <a:bodyPr/>
           <a:lstStyle/>
           <a:p>
-            <a:fld id="{B61BEF0D-F0BB-DE4B-95CE-6DB70DBA9567}" type="datetimeFigureOut">
-              <a:rPr lang="en-US" dirty="0"/>
+            <a:endParaRPr lang="en-US"/>
+          </a:p>
+        </p:txBody>
+      </p:sp>
+      <p:sp>
+        <p:nvSpPr>
+          <p:cNvPr id="6" name="Slide Number Placeholder 5"/>
+          <p:cNvSpPr>
+            <a:spLocks noGrp="1"/>
+          </p:cNvSpPr>
+          <p:nvPr>
+            <p:ph type="sldNum" sz="quarter" idx="12"/>
+          </p:nvPr>
+        </p:nvSpPr>
+        <p:spPr/>
+        <p:txBody>
+          <a:bodyPr/>
+          <a:lstStyle/>
+          <a:p>
+            <a:fld id="{9CC845FA-408C-4CA2-B1FF-A20EF6AC2A1F}" type="slidenum">
+              <a:rPr lang="en-US" smtClean="0"/>
+              <a:t>‹#›</a:t>
             </a:fld>
-            <a:endParaRPr lang="en-US" dirty="0"/>
-          </a:p>
-        </p:txBody>
-      </p:sp>
-      <p:sp>
-        <p:nvSpPr>
-          <p:cNvPr id="5" name="Footer Placeholder 4"/>
-          <p:cNvSpPr>
-            <a:spLocks noGrp="1"/>
-          </p:cNvSpPr>
-          <p:nvPr>
-            <p:ph type="ftr" sz="quarter" idx="11"/>
-          </p:nvPr>
-        </p:nvSpPr>
-        <p:spPr/>
-        <p:txBody>
-          <a:bodyPr/>
-          <a:lstStyle/>
-          <a:p>
-            <a:endParaRPr lang="en-US" dirty="0"/>
-          </a:p>
-        </p:txBody>
-      </p:sp>
-      <p:sp>
-        <p:nvSpPr>
-          <p:cNvPr id="6" name="Slide Number Placeholder 5"/>
-          <p:cNvSpPr>
-            <a:spLocks noGrp="1"/>
-          </p:cNvSpPr>
-          <p:nvPr>
-            <p:ph type="sldNum" sz="quarter" idx="12"/>
-          </p:nvPr>
-        </p:nvSpPr>
-        <p:spPr/>
-        <p:txBody>
-          <a:bodyPr/>
-          <a:lstStyle/>
-          <a:p>
-            <a:fld id="{D57F1E4F-1CFF-5643-939E-217C01CDF565}" type="slidenum">
-              <a:rPr lang="en-US" dirty="0"/>
-            </a:fld>
-            <a:endParaRPr lang="en-US" dirty="0"/>
+            <a:endParaRPr lang="en-US"/>
           </a:p>
         </p:txBody>
       </p:sp>
@@ -3530,6 +3551,11 @@
         </p:style>
       </p:cxnSp>
     </p:spTree>
+    <p:extLst>
+      <p:ext uri="{BB962C8B-B14F-4D97-AF65-F5344CB8AC3E}">
+        <p14:creationId xmlns:p14="http://schemas.microsoft.com/office/powerpoint/2010/main" val="1682111455"/>
+      </p:ext>
+    </p:extLst>
   </p:cSld>
   <p:clrMapOvr>
     <a:masterClrMapping/>
@@ -3635,7 +3661,6 @@
               <a:rPr lang="en-US"/>
               <a:t>Edit Master text styles</a:t>
             </a:r>
-            <a:endParaRPr lang="en-US"/>
           </a:p>
           <a:p>
             <a:pPr lvl="1"/>
@@ -3643,7 +3668,6 @@
               <a:rPr lang="en-US"/>
               <a:t>Second level</a:t>
             </a:r>
-            <a:endParaRPr lang="en-US"/>
           </a:p>
           <a:p>
             <a:pPr lvl="2"/>
@@ -3651,7 +3675,6 @@
               <a:rPr lang="en-US"/>
               <a:t>Third level</a:t>
             </a:r>
-            <a:endParaRPr lang="en-US"/>
           </a:p>
           <a:p>
             <a:pPr lvl="3"/>
@@ -3659,7 +3682,6 @@
               <a:rPr lang="en-US"/>
               <a:t>Fourth level</a:t>
             </a:r>
-            <a:endParaRPr lang="en-US"/>
           </a:p>
           <a:p>
             <a:pPr lvl="4"/>
@@ -3698,7 +3720,6 @@
               <a:rPr lang="en-US"/>
               <a:t>Edit Master text styles</a:t>
             </a:r>
-            <a:endParaRPr lang="en-US"/>
           </a:p>
           <a:p>
             <a:pPr lvl="1"/>
@@ -3706,7 +3727,6 @@
               <a:rPr lang="en-US"/>
               <a:t>Second level</a:t>
             </a:r>
-            <a:endParaRPr lang="en-US"/>
           </a:p>
           <a:p>
             <a:pPr lvl="2"/>
@@ -3714,7 +3734,6 @@
               <a:rPr lang="en-US"/>
               <a:t>Third level</a:t>
             </a:r>
-            <a:endParaRPr lang="en-US"/>
           </a:p>
           <a:p>
             <a:pPr lvl="3"/>
@@ -3722,7 +3741,6 @@
               <a:rPr lang="en-US"/>
               <a:t>Fourth level</a:t>
             </a:r>
-            <a:endParaRPr lang="en-US"/>
           </a:p>
           <a:p>
             <a:pPr lvl="4"/>
@@ -3749,10 +3767,11 @@
           <a:bodyPr/>
           <a:lstStyle/>
           <a:p>
-            <a:fld id="{05BFA754-D5C3-4E66-96A6-867B257F58DC}" type="datetimeFigureOut">
-              <a:rPr lang="en-US" dirty="0"/>
+            <a:fld id="{66FCFC81-0874-48F1-A3A9-B70BC4677E2D}" type="datetimeFigureOut">
+              <a:rPr lang="en-US" smtClean="0"/>
+              <a:t>7/30/2023</a:t>
             </a:fld>
-            <a:endParaRPr lang="en-US" dirty="0"/>
+            <a:endParaRPr lang="en-US"/>
           </a:p>
         </p:txBody>
       </p:sp>
@@ -3771,7 +3790,7 @@
           <a:bodyPr/>
           <a:lstStyle/>
           <a:p>
-            <a:endParaRPr lang="en-US" dirty="0"/>
+            <a:endParaRPr lang="en-US"/>
           </a:p>
         </p:txBody>
       </p:sp>
@@ -3790,14 +3809,20 @@
           <a:bodyPr/>
           <a:lstStyle/>
           <a:p>
-            <a:fld id="{5D84065D-F351-4B03-BD91-D8A6B8D4B362}" type="slidenum">
-              <a:rPr lang="en-US" dirty="0"/>
+            <a:fld id="{9CC845FA-408C-4CA2-B1FF-A20EF6AC2A1F}" type="slidenum">
+              <a:rPr lang="en-US" smtClean="0"/>
+              <a:t>‹#›</a:t>
             </a:fld>
-            <a:endParaRPr lang="en-US" dirty="0"/>
+            <a:endParaRPr lang="en-US"/>
           </a:p>
         </p:txBody>
       </p:sp>
     </p:spTree>
+    <p:extLst>
+      <p:ext uri="{BB962C8B-B14F-4D97-AF65-F5344CB8AC3E}">
+        <p14:creationId xmlns:p14="http://schemas.microsoft.com/office/powerpoint/2010/main" val="3369561992"/>
+      </p:ext>
+    </p:extLst>
   </p:cSld>
   <p:clrMapOvr>
     <a:masterClrMapping/>
@@ -3872,7 +3897,7 @@
           <a:lstStyle>
             <a:lvl1pPr marL="0" indent="0">
               <a:spcBef>
-                <a:spcPts val="670"/>
+                <a:spcPts val="672"/>
               </a:spcBef>
               <a:spcAft>
                 <a:spcPts val="600"/>
@@ -3923,7 +3948,6 @@
               <a:rPr lang="en-US"/>
               <a:t>Edit Master text styles</a:t>
             </a:r>
-            <a:endParaRPr lang="en-US"/>
           </a:p>
         </p:txBody>
       </p:sp>
@@ -3954,7 +3978,6 @@
               <a:rPr lang="en-US"/>
               <a:t>Edit Master text styles</a:t>
             </a:r>
-            <a:endParaRPr lang="en-US"/>
           </a:p>
           <a:p>
             <a:pPr lvl="1"/>
@@ -3962,7 +3985,6 @@
               <a:rPr lang="en-US"/>
               <a:t>Second level</a:t>
             </a:r>
-            <a:endParaRPr lang="en-US"/>
           </a:p>
           <a:p>
             <a:pPr lvl="2"/>
@@ -3970,7 +3992,6 @@
               <a:rPr lang="en-US"/>
               <a:t>Third level</a:t>
             </a:r>
-            <a:endParaRPr lang="en-US"/>
           </a:p>
           <a:p>
             <a:pPr lvl="3"/>
@@ -3978,7 +3999,6 @@
               <a:rPr lang="en-US"/>
               <a:t>Fourth level</a:t>
             </a:r>
-            <a:endParaRPr lang="en-US"/>
           </a:p>
           <a:p>
             <a:pPr lvl="4"/>
@@ -4013,7 +4033,7 @@
           <a:lstStyle>
             <a:lvl1pPr marL="0" indent="0">
               <a:spcBef>
-                <a:spcPts val="670"/>
+                <a:spcPts val="672"/>
               </a:spcBef>
               <a:spcAft>
                 <a:spcPts val="600"/>
@@ -4064,7 +4084,6 @@
               <a:rPr lang="en-US"/>
               <a:t>Edit Master text styles</a:t>
             </a:r>
-            <a:endParaRPr lang="en-US"/>
           </a:p>
         </p:txBody>
       </p:sp>
@@ -4095,7 +4114,6 @@
               <a:rPr lang="en-US"/>
               <a:t>Edit Master text styles</a:t>
             </a:r>
-            <a:endParaRPr lang="en-US"/>
           </a:p>
           <a:p>
             <a:pPr lvl="1"/>
@@ -4103,7 +4121,6 @@
               <a:rPr lang="en-US"/>
               <a:t>Second level</a:t>
             </a:r>
-            <a:endParaRPr lang="en-US"/>
           </a:p>
           <a:p>
             <a:pPr lvl="2"/>
@@ -4111,7 +4128,6 @@
               <a:rPr lang="en-US"/>
               <a:t>Third level</a:t>
             </a:r>
-            <a:endParaRPr lang="en-US"/>
           </a:p>
           <a:p>
             <a:pPr lvl="3"/>
@@ -4119,7 +4135,6 @@
               <a:rPr lang="en-US"/>
               <a:t>Fourth level</a:t>
             </a:r>
-            <a:endParaRPr lang="en-US"/>
           </a:p>
           <a:p>
             <a:pPr lvl="4"/>
@@ -4146,10 +4161,11 @@
           <a:bodyPr/>
           <a:lstStyle/>
           <a:p>
-            <a:fld id="{B61BEF0D-F0BB-DE4B-95CE-6DB70DBA9567}" type="datetimeFigureOut">
-              <a:rPr lang="en-US" dirty="0"/>
+            <a:fld id="{66FCFC81-0874-48F1-A3A9-B70BC4677E2D}" type="datetimeFigureOut">
+              <a:rPr lang="en-US" smtClean="0"/>
+              <a:t>7/30/2023</a:t>
             </a:fld>
-            <a:endParaRPr lang="en-US" dirty="0"/>
+            <a:endParaRPr lang="en-US"/>
           </a:p>
         </p:txBody>
       </p:sp>
@@ -4168,7 +4184,7 @@
           <a:bodyPr/>
           <a:lstStyle/>
           <a:p>
-            <a:endParaRPr lang="en-US" dirty="0"/>
+            <a:endParaRPr lang="en-US"/>
           </a:p>
         </p:txBody>
       </p:sp>
@@ -4187,10 +4203,11 @@
           <a:bodyPr/>
           <a:lstStyle/>
           <a:p>
-            <a:fld id="{D57F1E4F-1CFF-5643-939E-217C01CDF565}" type="slidenum">
-              <a:rPr lang="en-US" dirty="0"/>
+            <a:fld id="{9CC845FA-408C-4CA2-B1FF-A20EF6AC2A1F}" type="slidenum">
+              <a:rPr lang="en-US" smtClean="0"/>
+              <a:t>‹#›</a:t>
             </a:fld>
-            <a:endParaRPr lang="en-US" dirty="0"/>
+            <a:endParaRPr lang="en-US"/>
           </a:p>
         </p:txBody>
       </p:sp>
@@ -4226,6 +4243,11 @@
         </p:style>
       </p:cxnSp>
     </p:spTree>
+    <p:extLst>
+      <p:ext uri="{BB962C8B-B14F-4D97-AF65-F5344CB8AC3E}">
+        <p14:creationId xmlns:p14="http://schemas.microsoft.com/office/powerpoint/2010/main" val="39232762"/>
+      </p:ext>
+    </p:extLst>
   </p:cSld>
   <p:clrMapOvr>
     <a:masterClrMapping/>
@@ -4288,10 +4310,11 @@
           <a:bodyPr/>
           <a:lstStyle/>
           <a:p>
-            <a:fld id="{B61BEF0D-F0BB-DE4B-95CE-6DB70DBA9567}" type="datetimeFigureOut">
-              <a:rPr lang="en-US" dirty="0"/>
+            <a:fld id="{66FCFC81-0874-48F1-A3A9-B70BC4677E2D}" type="datetimeFigureOut">
+              <a:rPr lang="en-US" smtClean="0"/>
+              <a:t>7/30/2023</a:t>
             </a:fld>
-            <a:endParaRPr lang="en-US" dirty="0"/>
+            <a:endParaRPr lang="en-US"/>
           </a:p>
         </p:txBody>
       </p:sp>
@@ -4310,7 +4333,7 @@
           <a:bodyPr/>
           <a:lstStyle/>
           <a:p>
-            <a:endParaRPr lang="en-US" dirty="0"/>
+            <a:endParaRPr lang="en-US"/>
           </a:p>
         </p:txBody>
       </p:sp>
@@ -4329,10 +4352,11 @@
           <a:bodyPr/>
           <a:lstStyle/>
           <a:p>
-            <a:fld id="{D57F1E4F-1CFF-5643-939E-217C01CDF565}" type="slidenum">
-              <a:rPr lang="en-US" dirty="0"/>
+            <a:fld id="{9CC845FA-408C-4CA2-B1FF-A20EF6AC2A1F}" type="slidenum">
+              <a:rPr lang="en-US" smtClean="0"/>
+              <a:t>‹#›</a:t>
             </a:fld>
-            <a:endParaRPr lang="en-US" dirty="0"/>
+            <a:endParaRPr lang="en-US"/>
           </a:p>
         </p:txBody>
       </p:sp>
@@ -4368,6 +4392,11 @@
         </p:style>
       </p:cxnSp>
     </p:spTree>
+    <p:extLst>
+      <p:ext uri="{BB962C8B-B14F-4D97-AF65-F5344CB8AC3E}">
+        <p14:creationId xmlns:p14="http://schemas.microsoft.com/office/powerpoint/2010/main" val="1078741998"/>
+      </p:ext>
+    </p:extLst>
   </p:cSld>
   <p:clrMapOvr>
     <a:masterClrMapping/>
@@ -4407,10 +4436,11 @@
           <a:bodyPr/>
           <a:lstStyle/>
           <a:p>
-            <a:fld id="{B61BEF0D-F0BB-DE4B-95CE-6DB70DBA9567}" type="datetimeFigureOut">
-              <a:rPr lang="en-US" dirty="0"/>
+            <a:fld id="{66FCFC81-0874-48F1-A3A9-B70BC4677E2D}" type="datetimeFigureOut">
+              <a:rPr lang="en-US" smtClean="0"/>
+              <a:t>7/30/2023</a:t>
             </a:fld>
-            <a:endParaRPr lang="en-US" dirty="0"/>
+            <a:endParaRPr lang="en-US"/>
           </a:p>
         </p:txBody>
       </p:sp>
@@ -4429,7 +4459,7 @@
           <a:bodyPr/>
           <a:lstStyle/>
           <a:p>
-            <a:endParaRPr lang="en-US" dirty="0"/>
+            <a:endParaRPr lang="en-US"/>
           </a:p>
         </p:txBody>
       </p:sp>
@@ -4448,14 +4478,20 @@
           <a:bodyPr/>
           <a:lstStyle/>
           <a:p>
-            <a:fld id="{D57F1E4F-1CFF-5643-939E-217C01CDF565}" type="slidenum">
-              <a:rPr lang="en-US" dirty="0"/>
+            <a:fld id="{9CC845FA-408C-4CA2-B1FF-A20EF6AC2A1F}" type="slidenum">
+              <a:rPr lang="en-US" smtClean="0"/>
+              <a:t>‹#›</a:t>
             </a:fld>
-            <a:endParaRPr lang="en-US" dirty="0"/>
+            <a:endParaRPr lang="en-US"/>
           </a:p>
         </p:txBody>
       </p:sp>
     </p:spTree>
+    <p:extLst>
+      <p:ext uri="{BB962C8B-B14F-4D97-AF65-F5344CB8AC3E}">
+        <p14:creationId xmlns:p14="http://schemas.microsoft.com/office/powerpoint/2010/main" val="3998817000"/>
+      </p:ext>
+    </p:extLst>
   </p:cSld>
   <p:clrMapOvr>
     <a:masterClrMapping/>
@@ -4541,7 +4577,6 @@
               <a:rPr lang="en-US"/>
               <a:t>Edit Master text styles</a:t>
             </a:r>
-            <a:endParaRPr lang="en-US"/>
           </a:p>
           <a:p>
             <a:pPr lvl="1"/>
@@ -4549,7 +4584,6 @@
               <a:rPr lang="en-US"/>
               <a:t>Second level</a:t>
             </a:r>
-            <a:endParaRPr lang="en-US"/>
           </a:p>
           <a:p>
             <a:pPr lvl="2"/>
@@ -4557,7 +4591,6 @@
               <a:rPr lang="en-US"/>
               <a:t>Third level</a:t>
             </a:r>
-            <a:endParaRPr lang="en-US"/>
           </a:p>
           <a:p>
             <a:pPr lvl="3"/>
@@ -4565,7 +4598,6 @@
               <a:rPr lang="en-US"/>
               <a:t>Fourth level</a:t>
             </a:r>
-            <a:endParaRPr lang="en-US"/>
           </a:p>
           <a:p>
             <a:pPr lvl="4"/>
@@ -4641,18 +4673,40 @@
               <a:rPr lang="en-US"/>
               <a:t>Edit Master text styles</a:t>
             </a:r>
+          </a:p>
+        </p:txBody>
+      </p:sp>
+      <p:sp>
+        <p:nvSpPr>
+          <p:cNvPr id="5" name="Date Placeholder 4"/>
+          <p:cNvSpPr>
+            <a:spLocks noGrp="1"/>
+          </p:cNvSpPr>
+          <p:nvPr>
+            <p:ph type="dt" sz="half" idx="10"/>
+          </p:nvPr>
+        </p:nvSpPr>
+        <p:spPr/>
+        <p:txBody>
+          <a:bodyPr/>
+          <a:lstStyle/>
+          <a:p>
+            <a:fld id="{66FCFC81-0874-48F1-A3A9-B70BC4677E2D}" type="datetimeFigureOut">
+              <a:rPr lang="en-US" smtClean="0"/>
+              <a:t>7/30/2023</a:t>
+            </a:fld>
             <a:endParaRPr lang="en-US"/>
           </a:p>
         </p:txBody>
       </p:sp>
       <p:sp>
         <p:nvSpPr>
-          <p:cNvPr id="5" name="Date Placeholder 4"/>
-          <p:cNvSpPr>
-            <a:spLocks noGrp="1"/>
-          </p:cNvSpPr>
-          <p:nvPr>
-            <p:ph type="dt" sz="half" idx="10"/>
+          <p:cNvPr id="6" name="Footer Placeholder 5"/>
+          <p:cNvSpPr>
+            <a:spLocks noGrp="1"/>
+          </p:cNvSpPr>
+          <p:nvPr>
+            <p:ph type="ftr" sz="quarter" idx="11"/>
           </p:nvPr>
         </p:nvSpPr>
         <p:spPr/>
@@ -4660,51 +4714,30 @@
           <a:bodyPr/>
           <a:lstStyle/>
           <a:p>
-            <a:fld id="{B61BEF0D-F0BB-DE4B-95CE-6DB70DBA9567}" type="datetimeFigureOut">
-              <a:rPr lang="en-US" dirty="0"/>
+            <a:endParaRPr lang="en-US"/>
+          </a:p>
+        </p:txBody>
+      </p:sp>
+      <p:sp>
+        <p:nvSpPr>
+          <p:cNvPr id="7" name="Slide Number Placeholder 6"/>
+          <p:cNvSpPr>
+            <a:spLocks noGrp="1"/>
+          </p:cNvSpPr>
+          <p:nvPr>
+            <p:ph type="sldNum" sz="quarter" idx="12"/>
+          </p:nvPr>
+        </p:nvSpPr>
+        <p:spPr/>
+        <p:txBody>
+          <a:bodyPr/>
+          <a:lstStyle/>
+          <a:p>
+            <a:fld id="{9CC845FA-408C-4CA2-B1FF-A20EF6AC2A1F}" type="slidenum">
+              <a:rPr lang="en-US" smtClean="0"/>
+              <a:t>‹#›</a:t>
             </a:fld>
-            <a:endParaRPr lang="en-US" dirty="0"/>
-          </a:p>
-        </p:txBody>
-      </p:sp>
-      <p:sp>
-        <p:nvSpPr>
-          <p:cNvPr id="6" name="Footer Placeholder 5"/>
-          <p:cNvSpPr>
-            <a:spLocks noGrp="1"/>
-          </p:cNvSpPr>
-          <p:nvPr>
-            <p:ph type="ftr" sz="quarter" idx="11"/>
-          </p:nvPr>
-        </p:nvSpPr>
-        <p:spPr/>
-        <p:txBody>
-          <a:bodyPr/>
-          <a:lstStyle/>
-          <a:p>
-            <a:endParaRPr lang="en-US" dirty="0"/>
-          </a:p>
-        </p:txBody>
-      </p:sp>
-      <p:sp>
-        <p:nvSpPr>
-          <p:cNvPr id="7" name="Slide Number Placeholder 6"/>
-          <p:cNvSpPr>
-            <a:spLocks noGrp="1"/>
-          </p:cNvSpPr>
-          <p:nvPr>
-            <p:ph type="sldNum" sz="quarter" idx="12"/>
-          </p:nvPr>
-        </p:nvSpPr>
-        <p:spPr/>
-        <p:txBody>
-          <a:bodyPr/>
-          <a:lstStyle/>
-          <a:p>
-            <a:fld id="{D57F1E4F-1CFF-5643-939E-217C01CDF565}" type="slidenum">
-              <a:rPr lang="en-US" dirty="0"/>
-            </a:fld>
-            <a:endParaRPr lang="en-US" dirty="0"/>
+            <a:endParaRPr lang="en-US"/>
           </a:p>
         </p:txBody>
       </p:sp>
@@ -4740,6 +4773,11 @@
         </p:style>
       </p:cxnSp>
     </p:spTree>
+    <p:extLst>
+      <p:ext uri="{BB962C8B-B14F-4D97-AF65-F5344CB8AC3E}">
+        <p14:creationId xmlns:p14="http://schemas.microsoft.com/office/powerpoint/2010/main" val="1155435211"/>
+      </p:ext>
+    </p:extLst>
   </p:cSld>
   <p:clrMapOvr>
     <a:masterClrMapping/>
@@ -4950,18 +4988,40 @@
               <a:rPr lang="en-US"/>
               <a:t>Edit Master text styles</a:t>
             </a:r>
+          </a:p>
+        </p:txBody>
+      </p:sp>
+      <p:sp>
+        <p:nvSpPr>
+          <p:cNvPr id="5" name="Date Placeholder 4"/>
+          <p:cNvSpPr>
+            <a:spLocks noGrp="1"/>
+          </p:cNvSpPr>
+          <p:nvPr>
+            <p:ph type="dt" sz="half" idx="10"/>
+          </p:nvPr>
+        </p:nvSpPr>
+        <p:spPr/>
+        <p:txBody>
+          <a:bodyPr/>
+          <a:lstStyle/>
+          <a:p>
+            <a:fld id="{66FCFC81-0874-48F1-A3A9-B70BC4677E2D}" type="datetimeFigureOut">
+              <a:rPr lang="en-US" smtClean="0"/>
+              <a:t>7/30/2023</a:t>
+            </a:fld>
             <a:endParaRPr lang="en-US"/>
           </a:p>
         </p:txBody>
       </p:sp>
       <p:sp>
         <p:nvSpPr>
-          <p:cNvPr id="5" name="Date Placeholder 4"/>
-          <p:cNvSpPr>
-            <a:spLocks noGrp="1"/>
-          </p:cNvSpPr>
-          <p:nvPr>
-            <p:ph type="dt" sz="half" idx="10"/>
+          <p:cNvPr id="6" name="Footer Placeholder 5"/>
+          <p:cNvSpPr>
+            <a:spLocks noGrp="1"/>
+          </p:cNvSpPr>
+          <p:nvPr>
+            <p:ph type="ftr" sz="quarter" idx="11"/>
           </p:nvPr>
         </p:nvSpPr>
         <p:spPr/>
@@ -4969,55 +5029,39 @@
           <a:bodyPr/>
           <a:lstStyle/>
           <a:p>
-            <a:fld id="{B61BEF0D-F0BB-DE4B-95CE-6DB70DBA9567}" type="datetimeFigureOut">
-              <a:rPr lang="en-US" dirty="0"/>
+            <a:endParaRPr lang="en-US"/>
+          </a:p>
+        </p:txBody>
+      </p:sp>
+      <p:sp>
+        <p:nvSpPr>
+          <p:cNvPr id="7" name="Slide Number Placeholder 6"/>
+          <p:cNvSpPr>
+            <a:spLocks noGrp="1"/>
+          </p:cNvSpPr>
+          <p:nvPr>
+            <p:ph type="sldNum" sz="quarter" idx="12"/>
+          </p:nvPr>
+        </p:nvSpPr>
+        <p:spPr/>
+        <p:txBody>
+          <a:bodyPr/>
+          <a:lstStyle/>
+          <a:p>
+            <a:fld id="{9CC845FA-408C-4CA2-B1FF-A20EF6AC2A1F}" type="slidenum">
+              <a:rPr lang="en-US" smtClean="0"/>
+              <a:t>‹#›</a:t>
             </a:fld>
-            <a:endParaRPr lang="en-US" dirty="0"/>
-          </a:p>
-        </p:txBody>
-      </p:sp>
-      <p:sp>
-        <p:nvSpPr>
-          <p:cNvPr id="6" name="Footer Placeholder 5"/>
-          <p:cNvSpPr>
-            <a:spLocks noGrp="1"/>
-          </p:cNvSpPr>
-          <p:nvPr>
-            <p:ph type="ftr" sz="quarter" idx="11"/>
-          </p:nvPr>
-        </p:nvSpPr>
-        <p:spPr/>
-        <p:txBody>
-          <a:bodyPr/>
-          <a:lstStyle/>
-          <a:p>
-            <a:endParaRPr lang="en-US" dirty="0"/>
-          </a:p>
-        </p:txBody>
-      </p:sp>
-      <p:sp>
-        <p:nvSpPr>
-          <p:cNvPr id="7" name="Slide Number Placeholder 6"/>
-          <p:cNvSpPr>
-            <a:spLocks noGrp="1"/>
-          </p:cNvSpPr>
-          <p:nvPr>
-            <p:ph type="sldNum" sz="quarter" idx="12"/>
-          </p:nvPr>
-        </p:nvSpPr>
-        <p:spPr/>
-        <p:txBody>
-          <a:bodyPr/>
-          <a:lstStyle/>
-          <a:p>
-            <a:fld id="{D57F1E4F-1CFF-5643-939E-217C01CDF565}" type="slidenum">
-              <a:rPr lang="en-US" dirty="0"/>
-            </a:fld>
-            <a:endParaRPr lang="en-US" dirty="0"/>
+            <a:endParaRPr lang="en-US"/>
           </a:p>
         </p:txBody>
       </p:sp>
     </p:spTree>
+    <p:extLst>
+      <p:ext uri="{BB962C8B-B14F-4D97-AF65-F5344CB8AC3E}">
+        <p14:creationId xmlns:p14="http://schemas.microsoft.com/office/powerpoint/2010/main" val="4014964181"/>
+      </p:ext>
+    </p:extLst>
   </p:cSld>
   <p:clrMapOvr>
     <a:masterClrMapping/>
@@ -5070,7 +5114,7 @@
             <p:nvPr/>
           </p:nvPicPr>
           <p:blipFill>
-            <a:blip r:embed="rId18">
+            <a:blip r:embed="rId19">
               <a:extLst>
                 <a:ext uri="{28A0092B-C50C-407E-A947-70E740481C1C}">
                   <a14:useLocalDpi xmlns:a14="http://schemas.microsoft.com/office/drawing/2010/main" val="0"/>
@@ -5134,7 +5178,7 @@
             <p:nvPr/>
           </p:nvPicPr>
           <p:blipFill rotWithShape="1">
-            <a:blip r:embed="rId19">
+            <a:blip r:embed="rId20">
               <a:extLst>
                 <a:ext uri="{28A0092B-C50C-407E-A947-70E740481C1C}">
                   <a14:useLocalDpi xmlns:a14="http://schemas.microsoft.com/office/drawing/2010/main" val="0"/>
@@ -5142,9 +5186,7 @@
               </a:extLst>
             </a:blip>
             <a:srcRect/>
-            <a:stretch>
-              <a:fillRect/>
-            </a:stretch>
+            <a:stretch/>
           </p:blipFill>
           <p:spPr>
             <a:xfrm>
@@ -5165,7 +5207,7 @@
             <p:nvPr/>
           </p:nvPicPr>
           <p:blipFill rotWithShape="1">
-            <a:blip r:embed="rId19">
+            <a:blip r:embed="rId20">
               <a:extLst>
                 <a:ext uri="{28A0092B-C50C-407E-A947-70E740481C1C}">
                   <a14:useLocalDpi xmlns:a14="http://schemas.microsoft.com/office/drawing/2010/main" val="0"/>
@@ -5173,9 +5215,7 @@
               </a:extLst>
             </a:blip>
             <a:srcRect/>
-            <a:stretch>
-              <a:fillRect/>
-            </a:stretch>
+            <a:stretch/>
           </p:blipFill>
           <p:spPr>
             <a:xfrm>
@@ -5252,7 +5292,6 @@
               <a:rPr lang="en-US"/>
               <a:t>Edit Master text styles</a:t>
             </a:r>
-            <a:endParaRPr lang="en-US"/>
           </a:p>
           <a:p>
             <a:pPr lvl="1"/>
@@ -5260,7 +5299,6 @@
               <a:rPr lang="en-US"/>
               <a:t>Second level</a:t>
             </a:r>
-            <a:endParaRPr lang="en-US"/>
           </a:p>
           <a:p>
             <a:pPr lvl="2"/>
@@ -5268,7 +5306,6 @@
               <a:rPr lang="en-US"/>
               <a:t>Third level</a:t>
             </a:r>
-            <a:endParaRPr lang="en-US"/>
           </a:p>
           <a:p>
             <a:pPr lvl="3"/>
@@ -5276,7 +5313,6 @@
               <a:rPr lang="en-US"/>
               <a:t>Fourth level</a:t>
             </a:r>
-            <a:endParaRPr lang="en-US"/>
           </a:p>
           <a:p>
             <a:pPr lvl="4"/>
@@ -5321,10 +5357,11 @@
             </a:lvl1pPr>
           </a:lstStyle>
           <a:p>
-            <a:fld id="{B61BEF0D-F0BB-DE4B-95CE-6DB70DBA9567}" type="datetimeFigureOut">
-              <a:rPr lang="en-US" dirty="0"/>
+            <a:fld id="{66FCFC81-0874-48F1-A3A9-B70BC4677E2D}" type="datetimeFigureOut">
+              <a:rPr lang="en-US" smtClean="0"/>
+              <a:t>7/30/2023</a:t>
             </a:fld>
-            <a:endParaRPr lang="en-US" dirty="0"/>
+            <a:endParaRPr lang="en-US"/>
           </a:p>
         </p:txBody>
       </p:sp>
@@ -5361,7 +5398,7 @@
             </a:lvl1pPr>
           </a:lstStyle>
           <a:p>
-            <a:endParaRPr lang="en-US" dirty="0"/>
+            <a:endParaRPr lang="en-US"/>
           </a:p>
         </p:txBody>
       </p:sp>
@@ -5398,34 +5435,40 @@
             </a:lvl1pPr>
           </a:lstStyle>
           <a:p>
-            <a:fld id="{D57F1E4F-1CFF-5643-939E-217C01CDF565}" type="slidenum">
-              <a:rPr lang="en-US" dirty="0"/>
+            <a:fld id="{9CC845FA-408C-4CA2-B1FF-A20EF6AC2A1F}" type="slidenum">
+              <a:rPr lang="en-US" smtClean="0"/>
+              <a:t>‹#›</a:t>
             </a:fld>
-            <a:endParaRPr lang="en-US" dirty="0"/>
+            <a:endParaRPr lang="en-US"/>
           </a:p>
         </p:txBody>
       </p:sp>
     </p:spTree>
+    <p:extLst>
+      <p:ext uri="{BB962C8B-B14F-4D97-AF65-F5344CB8AC3E}">
+        <p14:creationId xmlns:p14="http://schemas.microsoft.com/office/powerpoint/2010/main" val="3553049238"/>
+      </p:ext>
+    </p:extLst>
   </p:cSld>
   <p:clrMap bg1="lt1" tx1="dk1" bg2="lt2" tx2="dk2" accent1="accent1" accent2="accent2" accent3="accent3" accent4="accent4" accent5="accent5" accent6="accent6" hlink="hlink" folHlink="folHlink"/>
   <p:sldLayoutIdLst>
-    <p:sldLayoutId id="2147483649" r:id="rId1"/>
-    <p:sldLayoutId id="2147483650" r:id="rId2"/>
-    <p:sldLayoutId id="2147483651" r:id="rId3"/>
-    <p:sldLayoutId id="2147483652" r:id="rId4"/>
-    <p:sldLayoutId id="2147483653" r:id="rId5"/>
-    <p:sldLayoutId id="2147483654" r:id="rId6"/>
-    <p:sldLayoutId id="2147483655" r:id="rId7"/>
-    <p:sldLayoutId id="2147483656" r:id="rId8"/>
-    <p:sldLayoutId id="2147483657" r:id="rId9"/>
-    <p:sldLayoutId id="2147483658" r:id="rId10"/>
-    <p:sldLayoutId id="2147483659" r:id="rId11"/>
-    <p:sldLayoutId id="2147483660" r:id="rId12"/>
-    <p:sldLayoutId id="2147483661" r:id="rId13"/>
-    <p:sldLayoutId id="2147483662" r:id="rId14"/>
-    <p:sldLayoutId id="2147483663" r:id="rId15"/>
-    <p:sldLayoutId id="2147483664" r:id="rId16"/>
-    <p:sldLayoutId id="2147483665" r:id="rId17"/>
+    <p:sldLayoutId id="2147483661" r:id="rId1"/>
+    <p:sldLayoutId id="2147483662" r:id="rId2"/>
+    <p:sldLayoutId id="2147483663" r:id="rId3"/>
+    <p:sldLayoutId id="2147483664" r:id="rId4"/>
+    <p:sldLayoutId id="2147483665" r:id="rId5"/>
+    <p:sldLayoutId id="2147483666" r:id="rId6"/>
+    <p:sldLayoutId id="2147483667" r:id="rId7"/>
+    <p:sldLayoutId id="2147483668" r:id="rId8"/>
+    <p:sldLayoutId id="2147483669" r:id="rId9"/>
+    <p:sldLayoutId id="2147483670" r:id="rId10"/>
+    <p:sldLayoutId id="2147483671" r:id="rId11"/>
+    <p:sldLayoutId id="2147483672" r:id="rId12"/>
+    <p:sldLayoutId id="2147483673" r:id="rId13"/>
+    <p:sldLayoutId id="2147483674" r:id="rId14"/>
+    <p:sldLayoutId id="2147483675" r:id="rId15"/>
+    <p:sldLayoutId id="2147483676" r:id="rId16"/>
+    <p:sldLayoutId id="2147483677" r:id="rId17"/>
   </p:sldLayoutIdLst>
   <p:txStyles>
     <p:titleStyle>
@@ -5519,7 +5562,7 @@
           <a:schemeClr val="accent1"/>
         </a:buClr>
         <a:buSzPct val="115000"/>
-        <a:buFont typeface="Arial" panose="020B0604020202020204"/>
+        <a:buFont typeface="Arial"/>
         <a:buChar char="•"/>
         <a:defRPr sz="2400" kern="1200" cap="none">
           <a:solidFill>
@@ -5545,7 +5588,7 @@
           <a:schemeClr val="accent1"/>
         </a:buClr>
         <a:buSzPct val="115000"/>
-        <a:buFont typeface="Arial" panose="020B0604020202020204"/>
+        <a:buFont typeface="Arial"/>
         <a:buChar char="•"/>
         <a:defRPr sz="2000" kern="1200" cap="none">
           <a:solidFill>
@@ -5571,7 +5614,7 @@
           <a:schemeClr val="accent1"/>
         </a:buClr>
         <a:buSzPct val="115000"/>
-        <a:buFont typeface="Arial" panose="020B0604020202020204"/>
+        <a:buFont typeface="Arial"/>
         <a:buChar char="•"/>
         <a:defRPr sz="1800" kern="1200" cap="none">
           <a:solidFill>
@@ -5597,7 +5640,7 @@
           <a:schemeClr val="accent1"/>
         </a:buClr>
         <a:buSzPct val="115000"/>
-        <a:buFont typeface="Arial" panose="020B0604020202020204"/>
+        <a:buFont typeface="Arial"/>
         <a:buChar char="•"/>
         <a:defRPr sz="1600" kern="1200" cap="none">
           <a:solidFill>
@@ -5623,7 +5666,7 @@
           <a:schemeClr val="accent1"/>
         </a:buClr>
         <a:buSzPct val="115000"/>
-        <a:buFont typeface="Arial" panose="020B0604020202020204"/>
+        <a:buFont typeface="Arial"/>
         <a:buChar char="•"/>
         <a:defRPr sz="1400" kern="1200" cap="none">
           <a:solidFill>
@@ -5649,7 +5692,7 @@
           <a:schemeClr val="accent1"/>
         </a:buClr>
         <a:buSzPct val="115000"/>
-        <a:buFont typeface="Arial" panose="020B0604020202020204"/>
+        <a:buFont typeface="Arial"/>
         <a:buChar char="•"/>
         <a:defRPr sz="1400" kern="1200" cap="none">
           <a:solidFill>
@@ -5675,7 +5718,7 @@
           <a:schemeClr val="accent1"/>
         </a:buClr>
         <a:buSzPct val="115000"/>
-        <a:buFont typeface="Arial" panose="020B0604020202020204"/>
+        <a:buFont typeface="Arial"/>
         <a:buChar char="•"/>
         <a:defRPr sz="1400" kern="1200" cap="none">
           <a:solidFill>
@@ -5701,7 +5744,7 @@
           <a:schemeClr val="accent1"/>
         </a:buClr>
         <a:buSzPct val="115000"/>
-        <a:buFont typeface="Arial" panose="020B0604020202020204"/>
+        <a:buFont typeface="Arial"/>
         <a:buChar char="•"/>
         <a:defRPr sz="1400" kern="1200" cap="none">
           <a:solidFill>
@@ -5727,7 +5770,7 @@
           <a:schemeClr val="accent1"/>
         </a:buClr>
         <a:buSzPct val="115000"/>
-        <a:buFont typeface="Arial" panose="020B0604020202020204"/>
+        <a:buFont typeface="Arial"/>
         <a:buChar char="•"/>
         <a:defRPr sz="1400" kern="1200" cap="none">
           <a:solidFill>
@@ -5861,7 +5904,13 @@
       </p:grpSpPr>
       <p:sp>
         <p:nvSpPr>
-          <p:cNvPr id="2" name="Title 1"/>
+          <p:cNvPr id="2" name="Title 1">
+            <a:extLst>
+              <a:ext uri="{FF2B5EF4-FFF2-40B4-BE49-F238E27FC236}">
+                <a16:creationId xmlns:a16="http://schemas.microsoft.com/office/drawing/2014/main" id="{C6D191E6-BBF1-4392-8C82-5E3671D67A19}"/>
+              </a:ext>
+            </a:extLst>
+          </p:cNvPr>
           <p:cNvSpPr>
             <a:spLocks noGrp="1"/>
           </p:cNvSpPr>
@@ -5874,15 +5923,41 @@
           <a:bodyPr/>
           <a:lstStyle/>
           <a:p>
-            <a:r>
-              <a:rPr lang="en-US" dirty="0"/>
-              <a:t>HTML</a:t>
-            </a:r>
-            <a:endParaRPr lang="en-US" dirty="0"/>
+            <a:endParaRPr lang="en-US"/>
+          </a:p>
+        </p:txBody>
+      </p:sp>
+      <p:sp>
+        <p:nvSpPr>
+          <p:cNvPr id="3" name="Subtitle 2">
+            <a:extLst>
+              <a:ext uri="{FF2B5EF4-FFF2-40B4-BE49-F238E27FC236}">
+                <a16:creationId xmlns:a16="http://schemas.microsoft.com/office/drawing/2014/main" id="{996DCA41-2F5C-4EAD-807D-EAE625A39590}"/>
+              </a:ext>
+            </a:extLst>
+          </p:cNvPr>
+          <p:cNvSpPr>
+            <a:spLocks noGrp="1"/>
+          </p:cNvSpPr>
+          <p:nvPr>
+            <p:ph type="subTitle" idx="1"/>
+          </p:nvPr>
+        </p:nvSpPr>
+        <p:spPr/>
+        <p:txBody>
+          <a:bodyPr/>
+          <a:lstStyle/>
+          <a:p>
+            <a:endParaRPr lang="en-US"/>
           </a:p>
         </p:txBody>
       </p:sp>
     </p:spTree>
+    <p:extLst>
+      <p:ext uri="{BB962C8B-B14F-4D97-AF65-F5344CB8AC3E}">
+        <p14:creationId xmlns:p14="http://schemas.microsoft.com/office/powerpoint/2010/main" val="3409268109"/>
+      </p:ext>
+    </p:extLst>
   </p:cSld>
   <p:clrMapOvr>
     <a:masterClrMapping/>
@@ -5924,9 +5999,148 @@
           <a:p>
             <a:r>
               <a:rPr lang="en-US" dirty="0"/>
+              <a:t>Types of tags</a:t>
+            </a:r>
+          </a:p>
+        </p:txBody>
+      </p:sp>
+      <p:sp>
+        <p:nvSpPr>
+          <p:cNvPr id="3" name="Content Placeholder 2"/>
+          <p:cNvSpPr>
+            <a:spLocks noGrp="1"/>
+          </p:cNvSpPr>
+          <p:nvPr>
+            <p:ph idx="1"/>
+          </p:nvPr>
+        </p:nvSpPr>
+        <p:spPr/>
+        <p:txBody>
+          <a:bodyPr>
+            <a:normAutofit/>
+          </a:bodyPr>
+          <a:lstStyle/>
+          <a:p>
+            <a:r>
+              <a:rPr lang="en-US" dirty="0"/>
+              <a:t>﻿Empty Tag - which has only opening tag.</a:t>
+            </a:r>
+          </a:p>
+          <a:p>
+            <a:pPr marL="0" indent="0">
+              <a:buNone/>
+            </a:pPr>
+            <a:r>
+              <a:rPr lang="en-US" dirty="0"/>
+              <a:t>Ex: -</a:t>
+            </a:r>
+          </a:p>
+          <a:p>
+            <a:pPr marL="0" indent="0">
+              <a:buNone/>
+            </a:pPr>
+            <a:r>
+              <a:rPr lang="en-US" dirty="0"/>
+              <a:t>&lt;</a:t>
+            </a:r>
+            <a:r>
+              <a:rPr lang="en-US" dirty="0" err="1"/>
+              <a:t>br</a:t>
+            </a:r>
+            <a:r>
+              <a:rPr lang="en-US" dirty="0"/>
+              <a:t>&gt;</a:t>
+            </a:r>
+          </a:p>
+          <a:p>
+            <a:pPr marL="0" indent="0">
+              <a:buNone/>
+            </a:pPr>
+            <a:r>
+              <a:rPr lang="en-US" dirty="0"/>
+              <a:t>&lt;</a:t>
+            </a:r>
+            <a:r>
+              <a:rPr lang="en-US" dirty="0" err="1"/>
+              <a:t>hr</a:t>
+            </a:r>
+            <a:r>
+              <a:rPr lang="en-US" dirty="0"/>
+              <a:t>&gt;</a:t>
+            </a:r>
+          </a:p>
+          <a:p>
+            <a:pPr marL="0" indent="0">
+              <a:buNone/>
+            </a:pPr>
+            <a:r>
+              <a:rPr lang="en-US" dirty="0"/>
+              <a:t>&lt;input&gt;</a:t>
+            </a:r>
+          </a:p>
+          <a:p>
+            <a:pPr marL="0" indent="0">
+              <a:buNone/>
+            </a:pPr>
+            <a:r>
+              <a:rPr lang="en-US" dirty="0"/>
+              <a:t>&lt;</a:t>
+            </a:r>
+            <a:r>
+              <a:rPr lang="en-US" dirty="0" err="1"/>
+              <a:t>img</a:t>
+            </a:r>
+            <a:r>
+              <a:rPr lang="en-US" dirty="0"/>
+              <a:t>&gt;</a:t>
+            </a:r>
+          </a:p>
+        </p:txBody>
+      </p:sp>
+    </p:spTree>
+  </p:cSld>
+  <p:clrMapOvr>
+    <a:masterClrMapping/>
+  </p:clrMapOvr>
+</p:sld>
+</file>
+
+<file path=ppt/slides/slide11.xml><?xml version="1.0" encoding="utf-8"?>
+<p:sld xmlns:a="http://schemas.openxmlformats.org/drawingml/2006/main" xmlns:r="http://schemas.openxmlformats.org/officeDocument/2006/relationships" xmlns:p="http://schemas.openxmlformats.org/presentationml/2006/main">
+  <p:cSld>
+    <p:spTree>
+      <p:nvGrpSpPr>
+        <p:cNvPr id="1" name=""/>
+        <p:cNvGrpSpPr/>
+        <p:nvPr/>
+      </p:nvGrpSpPr>
+      <p:grpSpPr>
+        <a:xfrm>
+          <a:off x="0" y="0"/>
+          <a:ext cx="0" cy="0"/>
+          <a:chOff x="0" y="0"/>
+          <a:chExt cx="0" cy="0"/>
+        </a:xfrm>
+      </p:grpSpPr>
+      <p:sp>
+        <p:nvSpPr>
+          <p:cNvPr id="2" name="Title 1"/>
+          <p:cNvSpPr>
+            <a:spLocks noGrp="1"/>
+          </p:cNvSpPr>
+          <p:nvPr>
+            <p:ph type="title"/>
+          </p:nvPr>
+        </p:nvSpPr>
+        <p:spPr/>
+        <p:txBody>
+          <a:bodyPr/>
+          <a:lstStyle/>
+          <a:p>
+            <a:r>
+              <a:rPr lang="en-US" dirty="0"/>
               <a:t>HTML Versions</a:t>
             </a:r>
-            <a:endParaRPr lang="en-US" dirty="0"/>
           </a:p>
         </p:txBody>
       </p:sp>
@@ -5951,8 +6165,20 @@
                 <a:tableStyleId>{5C22544A-7EE6-4342-B048-85BDC9FD1C3A}</a:tableStyleId>
               </a:tblPr>
               <a:tblGrid>
-                <a:gridCol w="2994212"/>
-                <a:gridCol w="3113218"/>
+                <a:gridCol w="2994212">
+                  <a:extLst>
+                    <a:ext uri="{9D8B030D-6E8A-4147-A177-3AD203B41FA5}">
+                      <a16:colId xmlns:a16="http://schemas.microsoft.com/office/drawing/2014/main" val="20000"/>
+                    </a:ext>
+                  </a:extLst>
+                </a:gridCol>
+                <a:gridCol w="3113218">
+                  <a:extLst>
+                    <a:ext uri="{9D8B030D-6E8A-4147-A177-3AD203B41FA5}">
+                      <a16:colId xmlns:a16="http://schemas.microsoft.com/office/drawing/2014/main" val="20001"/>
+                    </a:ext>
+                  </a:extLst>
+                </a:gridCol>
               </a:tblGrid>
               <a:tr h="370840">
                 <a:tc>
@@ -5999,6 +6225,11 @@
                   </a:txBody>
                   <a:tcPr/>
                 </a:tc>
+                <a:extLst>
+                  <a:ext uri="{0D108BD9-81ED-4DB2-BD59-A6C34878D82A}">
+                    <a16:rowId xmlns:a16="http://schemas.microsoft.com/office/drawing/2014/main" val="10000"/>
+                  </a:ext>
+                </a:extLst>
               </a:tr>
               <a:tr h="370840">
                 <a:tc>
@@ -6053,6 +6284,11 @@
                   </a:txBody>
                   <a:tcPr/>
                 </a:tc>
+                <a:extLst>
+                  <a:ext uri="{0D108BD9-81ED-4DB2-BD59-A6C34878D82A}">
+                    <a16:rowId xmlns:a16="http://schemas.microsoft.com/office/drawing/2014/main" val="10001"/>
+                  </a:ext>
+                </a:extLst>
               </a:tr>
               <a:tr h="370840">
                 <a:tc>
@@ -6107,6 +6343,11 @@
                   </a:txBody>
                   <a:tcPr/>
                 </a:tc>
+                <a:extLst>
+                  <a:ext uri="{0D108BD9-81ED-4DB2-BD59-A6C34878D82A}">
+                    <a16:rowId xmlns:a16="http://schemas.microsoft.com/office/drawing/2014/main" val="10002"/>
+                  </a:ext>
+                </a:extLst>
               </a:tr>
               <a:tr h="370840">
                 <a:tc>
@@ -6161,6 +6402,11 @@
                   </a:txBody>
                   <a:tcPr/>
                 </a:tc>
+                <a:extLst>
+                  <a:ext uri="{0D108BD9-81ED-4DB2-BD59-A6C34878D82A}">
+                    <a16:rowId xmlns:a16="http://schemas.microsoft.com/office/drawing/2014/main" val="10003"/>
+                  </a:ext>
+                </a:extLst>
               </a:tr>
               <a:tr h="370840">
                 <a:tc>
@@ -6215,6 +6461,11 @@
                   </a:txBody>
                   <a:tcPr/>
                 </a:tc>
+                <a:extLst>
+                  <a:ext uri="{0D108BD9-81ED-4DB2-BD59-A6C34878D82A}">
+                    <a16:rowId xmlns:a16="http://schemas.microsoft.com/office/drawing/2014/main" val="10004"/>
+                  </a:ext>
+                </a:extLst>
               </a:tr>
               <a:tr h="370840">
                 <a:tc>
@@ -6269,6 +6520,11 @@
                   </a:txBody>
                   <a:tcPr/>
                 </a:tc>
+                <a:extLst>
+                  <a:ext uri="{0D108BD9-81ED-4DB2-BD59-A6C34878D82A}">
+                    <a16:rowId xmlns:a16="http://schemas.microsoft.com/office/drawing/2014/main" val="10005"/>
+                  </a:ext>
+                </a:extLst>
               </a:tr>
               <a:tr h="370840">
                 <a:tc>
@@ -6323,151 +6579,16 @@
                   </a:txBody>
                   <a:tcPr/>
                 </a:tc>
+                <a:extLst>
+                  <a:ext uri="{0D108BD9-81ED-4DB2-BD59-A6C34878D82A}">
+                    <a16:rowId xmlns:a16="http://schemas.microsoft.com/office/drawing/2014/main" val="10006"/>
+                  </a:ext>
+                </a:extLst>
               </a:tr>
             </a:tbl>
           </a:graphicData>
         </a:graphic>
       </p:graphicFrame>
-    </p:spTree>
-  </p:cSld>
-  <p:clrMapOvr>
-    <a:masterClrMapping/>
-  </p:clrMapOvr>
-</p:sld>
-</file>
-
-<file path=ppt/slides/slide11.xml><?xml version="1.0" encoding="utf-8"?>
-<p:sld xmlns:a="http://schemas.openxmlformats.org/drawingml/2006/main" xmlns:r="http://schemas.openxmlformats.org/officeDocument/2006/relationships" xmlns:p="http://schemas.openxmlformats.org/presentationml/2006/main">
-  <p:cSld>
-    <p:spTree>
-      <p:nvGrpSpPr>
-        <p:cNvPr id="1" name=""/>
-        <p:cNvGrpSpPr/>
-        <p:nvPr/>
-      </p:nvGrpSpPr>
-      <p:grpSpPr>
-        <a:xfrm>
-          <a:off x="0" y="0"/>
-          <a:ext cx="0" cy="0"/>
-          <a:chOff x="0" y="0"/>
-          <a:chExt cx="0" cy="0"/>
-        </a:xfrm>
-      </p:grpSpPr>
-      <p:sp>
-        <p:nvSpPr>
-          <p:cNvPr id="2" name="Title 1"/>
-          <p:cNvSpPr>
-            <a:spLocks noGrp="1"/>
-          </p:cNvSpPr>
-          <p:nvPr>
-            <p:ph type="title"/>
-          </p:nvPr>
-        </p:nvSpPr>
-        <p:spPr/>
-        <p:txBody>
-          <a:bodyPr/>
-          <a:lstStyle/>
-          <a:p>
-            <a:r>
-              <a:rPr lang="en-US" dirty="0"/>
-              <a:t>HTML 5</a:t>
-            </a:r>
-            <a:endParaRPr lang="en-US" dirty="0"/>
-          </a:p>
-        </p:txBody>
-      </p:sp>
-      <p:sp>
-        <p:nvSpPr>
-          <p:cNvPr id="3" name="Content Placeholder 2"/>
-          <p:cNvSpPr>
-            <a:spLocks noGrp="1"/>
-          </p:cNvSpPr>
-          <p:nvPr>
-            <p:ph idx="1"/>
-          </p:nvPr>
-        </p:nvSpPr>
-        <p:spPr/>
-        <p:txBody>
-          <a:bodyPr>
-            <a:normAutofit fontScale="85000" lnSpcReduction="20000"/>
-          </a:bodyPr>
-          <a:lstStyle/>
-          <a:p>
-            <a:r>
-              <a:rPr lang="en-US" dirty="0"/>
-              <a:t>HTML 5 enables to create more interactive websites by embedding audio, video and graphics on the web page.</a:t>
-            </a:r>
-            <a:endParaRPr lang="en-US" dirty="0"/>
-          </a:p>
-          <a:p>
-            <a:r>
-              <a:rPr lang="en-US" dirty="0"/>
-              <a:t>The purpose of HTML5 is primarily to make it easier for web developers. New features:</a:t>
-            </a:r>
-            <a:endParaRPr lang="en-US" dirty="0"/>
-          </a:p>
-          <a:p>
-            <a:pPr marL="0" indent="0">
-              <a:buNone/>
-            </a:pPr>
-            <a:r>
-              <a:rPr lang="en-US" dirty="0"/>
-              <a:t>- Browser Support Geolocation</a:t>
-            </a:r>
-            <a:endParaRPr lang="en-US" dirty="0"/>
-          </a:p>
-          <a:p>
-            <a:pPr marL="0" indent="0">
-              <a:buNone/>
-            </a:pPr>
-            <a:r>
-              <a:rPr lang="en-US" dirty="0"/>
-              <a:t>- Offline Application Cache</a:t>
-            </a:r>
-            <a:endParaRPr lang="en-US" dirty="0"/>
-          </a:p>
-          <a:p>
-            <a:pPr marL="0" indent="0">
-              <a:buNone/>
-            </a:pPr>
-            <a:r>
-              <a:rPr lang="en-US" dirty="0"/>
-              <a:t>- Web Storage</a:t>
-            </a:r>
-            <a:endParaRPr lang="en-US" dirty="0"/>
-          </a:p>
-          <a:p>
-            <a:pPr marL="0" indent="0">
-              <a:buNone/>
-            </a:pPr>
-            <a:r>
-              <a:rPr lang="en-US" dirty="0"/>
-              <a:t>- Error Handling</a:t>
-            </a:r>
-            <a:endParaRPr lang="en-US" dirty="0"/>
-          </a:p>
-          <a:p>
-            <a:pPr marL="0" indent="0">
-              <a:buNone/>
-            </a:pPr>
-            <a:r>
-              <a:rPr lang="en-US" dirty="0"/>
-              <a:t>-  New Application Programming Interface (API)</a:t>
-            </a:r>
-            <a:endParaRPr lang="en-US" dirty="0"/>
-          </a:p>
-          <a:p>
-            <a:pPr marL="0" indent="0">
-              <a:buNone/>
-            </a:pPr>
-            <a:r>
-              <a:rPr lang="en-US" dirty="0"/>
-              <a:t>- New Structure</a:t>
-            </a:r>
-            <a:endParaRPr lang="en-US" dirty="0"/>
-          </a:p>
-        </p:txBody>
-      </p:sp>
     </p:spTree>
   </p:cSld>
   <p:clrMapOvr>
@@ -6505,54 +6626,97 @@
         </p:nvSpPr>
         <p:spPr/>
         <p:txBody>
+          <a:bodyPr/>
+          <a:lstStyle/>
+          <a:p>
+            <a:r>
+              <a:rPr lang="en-US" dirty="0"/>
+              <a:t>HTML 5</a:t>
+            </a:r>
+          </a:p>
+        </p:txBody>
+      </p:sp>
+      <p:sp>
+        <p:nvSpPr>
+          <p:cNvPr id="3" name="Content Placeholder 2"/>
+          <p:cNvSpPr>
+            <a:spLocks noGrp="1"/>
+          </p:cNvSpPr>
+          <p:nvPr>
+            <p:ph idx="1"/>
+          </p:nvPr>
+        </p:nvSpPr>
+        <p:spPr/>
+        <p:txBody>
           <a:bodyPr>
-            <a:normAutofit/>
+            <a:normAutofit fontScale="85000" lnSpcReduction="20000"/>
           </a:bodyPr>
           <a:lstStyle/>
           <a:p>
             <a:r>
               <a:rPr lang="en-US" dirty="0"/>
-              <a:t>DOCTYPE declaration (</a:t>
-            </a:r>
-            <a:r>
-              <a:rPr lang="en-US" dirty="0">
-                <a:solidFill>
-                  <a:schemeClr val="tx1"/>
-                </a:solidFill>
-              </a:rPr>
-              <a:t>HTML 4.01)</a:t>
-            </a:r>
-            <a:endParaRPr lang="en-US" dirty="0"/>
-          </a:p>
-        </p:txBody>
-      </p:sp>
-      <p:sp>
-        <p:nvSpPr>
-          <p:cNvPr id="3" name="Content Placeholder 2"/>
-          <p:cNvSpPr>
-            <a:spLocks noGrp="1"/>
-          </p:cNvSpPr>
-          <p:nvPr>
-            <p:ph idx="1"/>
-          </p:nvPr>
-        </p:nvSpPr>
-        <p:spPr/>
-        <p:txBody>
-          <a:bodyPr/>
-          <a:lstStyle/>
-          <a:p>
-            <a:r>
-              <a:rPr lang="en-US" dirty="0"/>
-              <a:t>HTML 4.01 Strict</a:t>
-            </a:r>
-            <a:br>
-              <a:rPr lang="en-US" dirty="0"/>
-            </a:br>
-            <a:r>
-              <a:rPr lang="en-US" dirty="0"/>
-              <a:t>&lt;!DOCTYPE HTML PUBLIC "-//W3C//DTD HTML 4.01//EN" "http://www.w3.org/TR/html4/strict.dtd"&gt;</a:t>
-            </a:r>
-            <a:endParaRPr lang="en-US" dirty="0"/>
+              <a:t>HTML 5 enables to create more interactive websites by embedding audio, video and graphics on the web page.</a:t>
+            </a:r>
+          </a:p>
+          <a:p>
+            <a:r>
+              <a:rPr lang="en-US" dirty="0"/>
+              <a:t>The purpose of HTML5 is primarily to make it easier for web developers. New features:</a:t>
+            </a:r>
+          </a:p>
+          <a:p>
+            <a:pPr marL="0" indent="0">
+              <a:buNone/>
+            </a:pPr>
+            <a:r>
+              <a:rPr lang="en-US" dirty="0"/>
+              <a:t>- Browser Support Geolocation</a:t>
+            </a:r>
+          </a:p>
+          <a:p>
+            <a:pPr marL="0" indent="0">
+              <a:buNone/>
+            </a:pPr>
+            <a:r>
+              <a:rPr lang="en-US" dirty="0"/>
+              <a:t>- Offline Application Cache</a:t>
+            </a:r>
+          </a:p>
+          <a:p>
+            <a:pPr marL="0" indent="0">
+              <a:buNone/>
+            </a:pPr>
+            <a:r>
+              <a:rPr lang="en-US" dirty="0"/>
+              <a:t>- Web Storage</a:t>
+            </a:r>
+          </a:p>
+          <a:p>
+            <a:pPr marL="0" indent="0">
+              <a:buNone/>
+            </a:pPr>
+            <a:r>
+              <a:rPr lang="en-US" dirty="0"/>
+              <a:t>- Error Handling</a:t>
+            </a:r>
+          </a:p>
+          <a:p>
+            <a:pPr marL="0" indent="0">
+              <a:buNone/>
+            </a:pPr>
+            <a:r>
+              <a:rPr lang="en-US" dirty="0"/>
+              <a:t>-  New Application Programming Interface (API)</a:t>
+            </a:r>
+          </a:p>
+          <a:p>
+            <a:pPr marL="0" indent="0">
+              <a:buNone/>
+            </a:pPr>
+            <a:r>
+              <a:rPr lang="en-US" dirty="0"/>
+              <a:t>- New Structure</a:t>
+            </a:r>
           </a:p>
         </p:txBody>
       </p:sp>
@@ -6593,20 +6757,22 @@
         </p:nvSpPr>
         <p:spPr/>
         <p:txBody>
-          <a:bodyPr/>
-          <a:lstStyle/>
-          <a:p>
-            <a:r>
-              <a:rPr lang="en-US"/>
+          <a:bodyPr>
+            <a:normAutofit/>
+          </a:bodyPr>
+          <a:lstStyle/>
+          <a:p>
+            <a:r>
+              <a:rPr lang="en-US" dirty="0"/>
               <a:t>DOCTYPE declaration (</a:t>
             </a:r>
             <a:r>
-              <a:rPr lang="en-US">
+              <a:rPr lang="en-US" dirty="0">
                 <a:solidFill>
                   <a:schemeClr val="tx1"/>
                 </a:solidFill>
               </a:rPr>
-              <a:t>HTML 5)</a:t>
+              <a:t>HTML 4.01)</a:t>
             </a:r>
             <a:endParaRPr lang="en-US" dirty="0"/>
           </a:p>
@@ -6629,30 +6795,15 @@
           <a:p>
             <a:r>
               <a:rPr lang="en-US" dirty="0"/>
-              <a:t>&lt;!DOCTYPE html&gt;</a:t>
+              <a:t>HTML 4.01 Strict</a:t>
             </a:r>
             <a:br>
               <a:rPr lang="en-US" dirty="0"/>
             </a:br>
             <a:r>
               <a:rPr lang="en-US" dirty="0"/>
-              <a:t>It is an instruction to the web browser about what version</a:t>
-            </a:r>
-            <a:br>
-              <a:rPr lang="en-US" dirty="0"/>
-            </a:br>
-            <a:r>
-              <a:rPr lang="en-US" dirty="0"/>
-              <a:t>HTML the page is written in.</a:t>
-            </a:r>
-            <a:br>
-              <a:rPr lang="en-US" dirty="0"/>
-            </a:br>
-            <a:r>
-              <a:rPr lang="en-US" dirty="0"/>
-              <a:t>The &lt;!DOCTYPE&gt; declaration is not case sensitive.</a:t>
-            </a:r>
-            <a:endParaRPr lang="en-US" dirty="0"/>
+              <a:t>&lt;!DOCTYPE HTML PUBLIC "-//W3C//DTD HTML 4.01//EN" "http://www.w3.org/TR/html4/strict.dtd"&gt;</a:t>
+            </a:r>
           </a:p>
         </p:txBody>
       </p:sp>
@@ -6698,9 +6849,17 @@
           <a:p>
             <a:r>
               <a:rPr lang="en-US"/>
-              <a:t>Pratical 1</a:t>
-            </a:r>
-            <a:endParaRPr lang="en-US"/>
+              <a:t>DOCTYPE declaration (</a:t>
+            </a:r>
+            <a:r>
+              <a:rPr lang="en-US">
+                <a:solidFill>
+                  <a:schemeClr val="tx1"/>
+                </a:solidFill>
+              </a:rPr>
+              <a:t>HTML 5)</a:t>
+            </a:r>
+            <a:endParaRPr lang="en-US" dirty="0"/>
           </a:p>
         </p:txBody>
       </p:sp>
@@ -6716,76 +6875,34 @@
         </p:nvSpPr>
         <p:spPr/>
         <p:txBody>
-          <a:bodyPr>
-            <a:normAutofit fontScale="90000" lnSpcReduction="10000"/>
-          </a:bodyPr>
-          <a:lstStyle/>
-          <a:p>
-            <a:r>
-              <a:rPr lang="en-US"/>
-              <a:t>Create a simple plan text web page.</a:t>
-            </a:r>
-            <a:endParaRPr lang="en-US"/>
-          </a:p>
-          <a:p>
-            <a:r>
-              <a:rPr lang="en-US"/>
-              <a:t>Insert new line in web page.</a:t>
-            </a:r>
-            <a:endParaRPr lang="en-US"/>
-          </a:p>
-          <a:p>
-            <a:pPr marL="0" indent="0">
-              <a:buNone/>
-            </a:pPr>
-            <a:r>
-              <a:rPr lang="en-US"/>
-              <a:t>&lt;br&gt;,&lt;hr&gt;</a:t>
-            </a:r>
-            <a:endParaRPr lang="en-US"/>
-          </a:p>
-          <a:p>
-            <a:r>
-              <a:rPr lang="en-US"/>
-              <a:t>Introduction to heading,paragraph,span</a:t>
-            </a:r>
-            <a:endParaRPr lang="en-US"/>
-          </a:p>
-          <a:p>
-            <a:pPr marL="0" indent="0">
-              <a:buNone/>
-            </a:pPr>
-            <a:r>
-              <a:rPr lang="en-US"/>
-              <a:t>&lt;h1&gt;/h1&gt;,&lt;p&gt;&lt;/p&gt;,&lt;span&gt;&lt;/span&gt;</a:t>
-            </a:r>
-            <a:endParaRPr lang="en-US"/>
-          </a:p>
-          <a:p>
-            <a:r>
-              <a:rPr lang="en-US"/>
-              <a:t>Introduction to underline,bold.itlaic.</a:t>
-            </a:r>
-            <a:endParaRPr lang="en-US"/>
-          </a:p>
-          <a:p>
-            <a:pPr marL="0" indent="0">
-              <a:buNone/>
-            </a:pPr>
-            <a:r>
-              <a:rPr lang="en-US"/>
-              <a:t>&lt;u&gt;&lt;/u&gt;,&lt;b&gt;&lt;/b&gt;,&lt;i&gt;&lt;/i&gt;</a:t>
-            </a:r>
-            <a:endParaRPr lang="en-US"/>
-          </a:p>
-          <a:p>
-            <a:endParaRPr lang="en-US"/>
-          </a:p>
-          <a:p>
-            <a:endParaRPr lang="en-US"/>
-          </a:p>
-          <a:p>
-            <a:endParaRPr lang="en-US"/>
+          <a:bodyPr/>
+          <a:lstStyle/>
+          <a:p>
+            <a:r>
+              <a:rPr lang="en-US" dirty="0"/>
+              <a:t>&lt;!DOCTYPE html&gt;</a:t>
+            </a:r>
+            <a:br>
+              <a:rPr lang="en-US" dirty="0"/>
+            </a:br>
+            <a:r>
+              <a:rPr lang="en-US" dirty="0"/>
+              <a:t>It is an instruction to the web browser about what version</a:t>
+            </a:r>
+            <a:br>
+              <a:rPr lang="en-US" dirty="0"/>
+            </a:br>
+            <a:r>
+              <a:rPr lang="en-US" dirty="0"/>
+              <a:t>HTML the page is written in.</a:t>
+            </a:r>
+            <a:br>
+              <a:rPr lang="en-US" dirty="0"/>
+            </a:br>
+            <a:r>
+              <a:rPr lang="en-US" dirty="0"/>
+              <a:t>The &lt;!DOCTYPE&gt; declaration is not case sensitive.</a:t>
+            </a:r>
           </a:p>
         </p:txBody>
       </p:sp>
@@ -6831,11 +6948,7 @@
           <a:p>
             <a:r>
               <a:rPr lang="en-US" dirty="0" err="1"/>
-              <a:t>Pratical</a:t>
-            </a:r>
-            <a:r>
-              <a:rPr lang="en-US" dirty="0"/>
-              <a:t> 1</a:t>
+              <a:t>Brake|Header|Paragraph|Inhancer</a:t>
             </a:r>
             <a:endParaRPr lang="en-US" dirty="0"/>
           </a:p>
@@ -6854,23 +6967,79 @@
         <p:spPr/>
         <p:txBody>
           <a:bodyPr>
-            <a:normAutofit/>
+            <a:normAutofit fontScale="90000" lnSpcReduction="10000"/>
           </a:bodyPr>
           <a:lstStyle/>
           <a:p>
             <a:r>
               <a:rPr lang="en-US" dirty="0"/>
+              <a:t>Create a simple plan text web page.</a:t>
+            </a:r>
+          </a:p>
+          <a:p>
+            <a:r>
+              <a:rPr lang="en-US" dirty="0"/>
+              <a:t>Insert new line in web page.</a:t>
+            </a:r>
+          </a:p>
+          <a:p>
+            <a:pPr marL="0" indent="0">
+              <a:buNone/>
+            </a:pPr>
+            <a:r>
+              <a:rPr lang="en-US" dirty="0"/>
+              <a:t>&lt;</a:t>
+            </a:r>
+            <a:r>
+              <a:rPr lang="en-US" dirty="0" err="1"/>
+              <a:t>br</a:t>
+            </a:r>
+            <a:r>
+              <a:rPr lang="en-US" dirty="0"/>
+              <a:t>&gt;,&lt;</a:t>
+            </a:r>
+            <a:r>
+              <a:rPr lang="en-US" dirty="0" err="1"/>
+              <a:t>hr</a:t>
+            </a:r>
+            <a:r>
+              <a:rPr lang="en-US" dirty="0"/>
+              <a:t>&gt;</a:t>
+            </a:r>
+          </a:p>
+          <a:p>
+            <a:r>
+              <a:rPr lang="en-US" dirty="0"/>
               <a:t>Introduction to </a:t>
             </a:r>
             <a:r>
               <a:rPr lang="en-US" dirty="0" err="1"/>
-              <a:t>strong,emphasis</a:t>
+              <a:t>heading,paragraph,span</a:t>
+            </a:r>
+            <a:endParaRPr lang="en-US" dirty="0"/>
+          </a:p>
+          <a:p>
+            <a:pPr marL="0" indent="0">
+              <a:buNone/>
+            </a:pPr>
+            <a:r>
+              <a:rPr lang="en-US" dirty="0"/>
+              <a:t>&lt;h1&gt;/h1&gt;,&lt;p&gt;&lt;/p&gt;,&lt;span&gt;&lt;/span&gt;</a:t>
+            </a:r>
+          </a:p>
+          <a:p>
+            <a:r>
+              <a:rPr lang="en-US" dirty="0"/>
+              <a:t>Introduction to </a:t>
+            </a:r>
+            <a:r>
+              <a:rPr lang="en-US" dirty="0" err="1"/>
+              <a:t>underline,bold.itlaic</a:t>
             </a:r>
             <a:r>
               <a:rPr lang="en-US" dirty="0"/>
               <a:t>.</a:t>
             </a:r>
-            <a:endParaRPr lang="en-US" dirty="0"/>
           </a:p>
           <a:p>
             <a:pPr marL="0" indent="0">
@@ -6878,21 +7047,11 @@
             </a:pPr>
             <a:r>
               <a:rPr lang="en-US" dirty="0"/>
-              <a:t>&lt;strong&gt;&lt;/</a:t>
-            </a:r>
-            <a:r>
-              <a:rPr lang="en-US" dirty="0">
-                <a:sym typeface="+mn-ea"/>
-              </a:rPr>
-              <a:t>strong</a:t>
-            </a:r>
-            <a:r>
-              <a:rPr lang="en-US" dirty="0"/>
-              <a:t>&gt;,&lt;</a:t>
+              <a:t>&lt;u&gt;&lt;/u&gt;,&lt;b&gt;&lt;/b&gt;,&lt;</a:t>
             </a:r>
             <a:r>
               <a:rPr lang="en-US" dirty="0" err="1"/>
-              <a:t>em</a:t>
+              <a:t>i</a:t>
             </a:r>
             <a:r>
               <a:rPr lang="en-US" dirty="0"/>
@@ -6900,87 +7059,12 @@
             </a:r>
             <a:r>
               <a:rPr lang="en-US" dirty="0" err="1"/>
-              <a:t>em</a:t>
+              <a:t>i</a:t>
             </a:r>
             <a:r>
               <a:rPr lang="en-US" dirty="0"/>
               <a:t>&gt;</a:t>
             </a:r>
-            <a:endParaRPr lang="en-US" dirty="0"/>
-          </a:p>
-          <a:p>
-            <a:r>
-              <a:rPr lang="en-US" dirty="0">
-                <a:sym typeface="+mn-ea"/>
-              </a:rPr>
-              <a:t>Introduction to </a:t>
-            </a:r>
-            <a:r>
-              <a:rPr lang="en-US" dirty="0" err="1">
-                <a:sym typeface="+mn-ea"/>
-              </a:rPr>
-              <a:t>blockquote,quote</a:t>
-            </a:r>
-            <a:r>
-              <a:rPr lang="en-US" dirty="0">
-                <a:sym typeface="+mn-ea"/>
-              </a:rPr>
-              <a:t>.</a:t>
-            </a:r>
-            <a:endParaRPr lang="en-US" dirty="0"/>
-          </a:p>
-          <a:p>
-            <a:pPr marL="0" indent="0">
-              <a:buNone/>
-            </a:pPr>
-            <a:r>
-              <a:rPr lang="en-US" dirty="0">
-                <a:sym typeface="+mn-ea"/>
-              </a:rPr>
-              <a:t>&lt;blockquote&gt;&lt;/blockquote&gt;,&lt;q&gt;&lt;/q&gt;</a:t>
-            </a:r>
-            <a:endParaRPr lang="en-US" dirty="0">
-              <a:sym typeface="+mn-ea"/>
-            </a:endParaRPr>
-          </a:p>
-          <a:p>
-            <a:r>
-              <a:rPr lang="en-US" dirty="0">
-                <a:sym typeface="+mn-ea"/>
-              </a:rPr>
-              <a:t>Introduction to </a:t>
-            </a:r>
-            <a:r>
-              <a:rPr lang="en-US" dirty="0" err="1">
-                <a:sym typeface="+mn-ea"/>
-              </a:rPr>
-              <a:t>delete,insert</a:t>
-            </a:r>
-            <a:r>
-              <a:rPr lang="en-US" dirty="0">
-                <a:sym typeface="+mn-ea"/>
-              </a:rPr>
-              <a:t>.</a:t>
-            </a:r>
-            <a:endParaRPr lang="en-US" dirty="0"/>
-          </a:p>
-          <a:p>
-            <a:pPr marL="0" indent="0">
-              <a:buNone/>
-            </a:pPr>
-            <a:r>
-              <a:rPr lang="en-US" dirty="0">
-                <a:sym typeface="+mn-ea"/>
-              </a:rPr>
-              <a:t>&lt;del&gt;&lt;/del&gt;,&lt;ins&gt;&lt;/ins&gt;</a:t>
-            </a:r>
-            <a:endParaRPr lang="en-US" dirty="0"/>
-          </a:p>
-          <a:p>
-            <a:pPr marL="0" indent="0">
-              <a:buNone/>
-            </a:pPr>
-            <a:endParaRPr lang="en-US" dirty="0"/>
           </a:p>
           <a:p>
             <a:endParaRPr lang="en-US" dirty="0"/>
@@ -7035,11 +7119,7 @@
           <a:p>
             <a:r>
               <a:rPr lang="en-US" dirty="0" err="1"/>
-              <a:t>Pratical</a:t>
-            </a:r>
-            <a:r>
-              <a:rPr lang="en-US" dirty="0"/>
-              <a:t> 2</a:t>
+              <a:t>Inhancer</a:t>
             </a:r>
             <a:endParaRPr lang="en-US" dirty="0"/>
           </a:p>
@@ -7068,13 +7148,12 @@
             </a:r>
             <a:r>
               <a:rPr lang="en-US" dirty="0" err="1"/>
-              <a:t>subscript,superscript</a:t>
+              <a:t>strong,emphasis</a:t>
             </a:r>
             <a:r>
               <a:rPr lang="en-US" dirty="0"/>
               <a:t>.</a:t>
             </a:r>
-            <a:endParaRPr lang="en-US" dirty="0"/>
           </a:p>
           <a:p>
             <a:pPr marL="0" indent="0">
@@ -7082,45 +7161,85 @@
             </a:pPr>
             <a:r>
               <a:rPr lang="en-US" dirty="0"/>
-              <a:t>&lt;sub&gt;&lt;/</a:t>
+              <a:t>&lt;strong&gt;&lt;/</a:t>
             </a:r>
             <a:r>
               <a:rPr lang="en-US" dirty="0">
                 <a:sym typeface="+mn-ea"/>
               </a:rPr>
-              <a:t>sub</a:t>
-            </a:r>
-            <a:r>
-              <a:rPr lang="en-US" dirty="0"/>
-              <a:t>&gt;,&lt;sup&gt;&lt;/sup&gt;</a:t>
-            </a:r>
-            <a:endParaRPr lang="en-US" dirty="0"/>
+              <a:t>strong</a:t>
+            </a:r>
+            <a:r>
+              <a:rPr lang="en-US" dirty="0"/>
+              <a:t>&gt;,&lt;</a:t>
+            </a:r>
+            <a:r>
+              <a:rPr lang="en-US" dirty="0" err="1"/>
+              <a:t>em</a:t>
+            </a:r>
+            <a:r>
+              <a:rPr lang="en-US" dirty="0"/>
+              <a:t>&gt;&lt;/</a:t>
+            </a:r>
+            <a:r>
+              <a:rPr lang="en-US" dirty="0" err="1"/>
+              <a:t>em</a:t>
+            </a:r>
+            <a:r>
+              <a:rPr lang="en-US" dirty="0"/>
+              <a:t>&gt;</a:t>
+            </a:r>
           </a:p>
           <a:p>
             <a:r>
               <a:rPr lang="en-US" dirty="0">
                 <a:sym typeface="+mn-ea"/>
               </a:rPr>
-              <a:t>Introduction to address.</a:t>
-            </a:r>
-            <a:endParaRPr lang="en-US" dirty="0"/>
-          </a:p>
-          <a:p>
-            <a:pPr marL="0" indent="0">
-              <a:buNone/>
-            </a:pPr>
+              <a:t>Introduction to </a:t>
+            </a:r>
+            <a:r>
+              <a:rPr lang="en-US" dirty="0" err="1">
+                <a:sym typeface="+mn-ea"/>
+              </a:rPr>
+              <a:t>blockquote,quote</a:t>
+            </a:r>
             <a:r>
               <a:rPr lang="en-US" dirty="0">
                 <a:sym typeface="+mn-ea"/>
               </a:rPr>
-              <a:t>&lt;address&gt;&lt;/address&gt;</a:t>
+              <a:t>.</a:t>
             </a:r>
             <a:endParaRPr lang="en-US" dirty="0"/>
           </a:p>
           <a:p>
-            <a:r>
-              <a:rPr lang="en-US" dirty="0"/>
-              <a:t>Introduction to Pre-format.</a:t>
+            <a:pPr marL="0" indent="0">
+              <a:buNone/>
+            </a:pPr>
+            <a:r>
+              <a:rPr lang="en-US" dirty="0">
+                <a:sym typeface="+mn-ea"/>
+              </a:rPr>
+              <a:t>&lt;blockquote&gt;&lt;/blockquote&gt;,&lt;q&gt;&lt;/q&gt;</a:t>
+            </a:r>
+          </a:p>
+          <a:p>
+            <a:r>
+              <a:rPr lang="en-US" dirty="0">
+                <a:sym typeface="+mn-ea"/>
+              </a:rPr>
+              <a:t>Introduction to </a:t>
+            </a:r>
+            <a:r>
+              <a:rPr lang="en-US" dirty="0" err="1">
+                <a:sym typeface="+mn-ea"/>
+              </a:rPr>
+              <a:t>delete,insert</a:t>
+            </a:r>
+            <a:r>
+              <a:rPr lang="en-US" dirty="0">
+                <a:sym typeface="+mn-ea"/>
+              </a:rPr>
+              <a:t>.</a:t>
             </a:r>
             <a:endParaRPr lang="en-US" dirty="0"/>
           </a:p>
@@ -7129,13 +7248,18 @@
               <a:buNone/>
             </a:pPr>
             <a:r>
-              <a:rPr lang="en-US" dirty="0"/>
-              <a:t>&lt;pre&gt;BCA   Course&lt;/ pre&gt;</a:t>
-            </a:r>
-            <a:endParaRPr lang="en-US" dirty="0">
-              <a:latin typeface="Yu Gothic UI" panose="020B0500000000000000" pitchFamily="34" charset="-128"/>
-              <a:ea typeface="Yu Gothic UI" panose="020B0500000000000000" pitchFamily="34" charset="-128"/>
-            </a:endParaRPr>
+              <a:rPr lang="en-US" dirty="0">
+                <a:sym typeface="+mn-ea"/>
+              </a:rPr>
+              <a:t>&lt;del&gt;&lt;/del&gt;,&lt;ins&gt;&lt;/ins&gt;</a:t>
+            </a:r>
+            <a:endParaRPr lang="en-US" dirty="0"/>
+          </a:p>
+          <a:p>
+            <a:pPr marL="0" indent="0">
+              <a:buNone/>
+            </a:pPr>
+            <a:endParaRPr lang="en-US" dirty="0"/>
           </a:p>
           <a:p>
             <a:endParaRPr lang="en-US" dirty="0"/>
@@ -7189,12 +7313,12 @@
           <a:lstStyle/>
           <a:p>
             <a:r>
+              <a:rPr lang="en-US" dirty="0"/>
+              <a:t>Script| </a:t>
+            </a:r>
+            <a:r>
               <a:rPr lang="en-US" dirty="0" err="1"/>
-              <a:t>Pratical</a:t>
-            </a:r>
-            <a:r>
-              <a:rPr lang="en-US" dirty="0"/>
-              <a:t> 2</a:t>
+              <a:t>Address|Pre-fromat</a:t>
             </a:r>
             <a:endParaRPr lang="en-US" dirty="0"/>
           </a:p>
@@ -7210,7 +7334,12 @@
             <p:ph idx="1"/>
           </p:nvPr>
         </p:nvSpPr>
-        <p:spPr/>
+        <p:spPr>
+          <a:xfrm>
+            <a:off x="1295402" y="2556932"/>
+            <a:ext cx="9601196" cy="3318936"/>
+          </a:xfrm>
+        </p:spPr>
         <p:txBody>
           <a:bodyPr>
             <a:normAutofit/>
@@ -7219,9 +7348,16 @@
           <a:p>
             <a:r>
               <a:rPr lang="en-US" dirty="0"/>
-              <a:t>Introduction to Abbreviation.</a:t>
-            </a:r>
-            <a:endParaRPr lang="en-US" dirty="0"/>
+              <a:t>Introduction to </a:t>
+            </a:r>
+            <a:r>
+              <a:rPr lang="en-US" dirty="0" err="1"/>
+              <a:t>subscript,superscript</a:t>
+            </a:r>
+            <a:r>
+              <a:rPr lang="en-US" dirty="0"/>
+              <a:t>.</a:t>
+            </a:r>
           </a:p>
           <a:p>
             <a:pPr marL="0" indent="0">
@@ -7229,35 +7365,25 @@
             </a:pPr>
             <a:r>
               <a:rPr lang="en-US" dirty="0"/>
-              <a:t>&lt;</a:t>
-            </a:r>
-            <a:r>
-              <a:rPr lang="en-US" dirty="0" err="1"/>
-              <a:t>abbr</a:t>
-            </a:r>
-            <a:r>
-              <a:rPr lang="en-US" dirty="0"/>
-              <a:t> title="Bachelor of Computer Application"&gt;BCA&lt;/</a:t>
-            </a:r>
-            <a:r>
-              <a:rPr lang="en-US" dirty="0" err="1">
+              <a:t>&lt;sub&gt;&lt;/</a:t>
+            </a:r>
+            <a:r>
+              <a:rPr lang="en-US" dirty="0">
                 <a:sym typeface="+mn-ea"/>
               </a:rPr>
-              <a:t>abbr</a:t>
-            </a:r>
-            <a:r>
-              <a:rPr lang="en-US" dirty="0"/>
-              <a:t>&gt;</a:t>
-            </a:r>
-            <a:endParaRPr lang="en-US" dirty="0">
-              <a:latin typeface="Yu Gothic UI" panose="020B0500000000000000" pitchFamily="34" charset="-128"/>
-              <a:ea typeface="Yu Gothic UI" panose="020B0500000000000000" pitchFamily="34" charset="-128"/>
-            </a:endParaRPr>
-          </a:p>
-          <a:p>
-            <a:r>
-              <a:rPr lang="en-US" dirty="0"/>
-              <a:t>Introduction to Address.</a:t>
+              <a:t>sub</a:t>
+            </a:r>
+            <a:r>
+              <a:rPr lang="en-US" dirty="0"/>
+              <a:t>&gt;,&lt;sup&gt;&lt;/sup&gt;</a:t>
+            </a:r>
+          </a:p>
+          <a:p>
+            <a:r>
+              <a:rPr lang="en-US" dirty="0">
+                <a:sym typeface="+mn-ea"/>
+              </a:rPr>
+              <a:t>Introduction to address.</a:t>
             </a:r>
             <a:endParaRPr lang="en-US" dirty="0"/>
           </a:p>
@@ -7266,28 +7392,26 @@
               <a:buNone/>
             </a:pPr>
             <a:r>
-              <a:rPr lang="en-US" dirty="0"/>
-              <a:t>&lt;address&gt;</a:t>
+              <a:rPr lang="en-US" dirty="0">
+                <a:sym typeface="+mn-ea"/>
+              </a:rPr>
+              <a:t>&lt;address&gt;&lt;/address&gt;</a:t>
             </a:r>
             <a:endParaRPr lang="en-US" dirty="0"/>
           </a:p>
           <a:p>
+            <a:r>
+              <a:rPr lang="en-US" dirty="0"/>
+              <a:t>Introduction to Pre-format.</a:t>
+            </a:r>
+          </a:p>
+          <a:p>
             <a:pPr marL="0" indent="0">
               <a:buNone/>
             </a:pPr>
             <a:r>
               <a:rPr lang="en-US" dirty="0"/>
-              <a:t>Chabahil-4,Kathmandu</a:t>
-            </a:r>
-            <a:endParaRPr lang="en-US" dirty="0"/>
-          </a:p>
-          <a:p>
-            <a:pPr marL="0" indent="0">
-              <a:buNone/>
-            </a:pPr>
-            <a:r>
-              <a:rPr lang="en-US" dirty="0"/>
-              <a:t>&lt;/ address &gt;</a:t>
+              <a:t>&lt;pre&gt;BCA   Course&lt;/ pre&gt;</a:t>
             </a:r>
             <a:endParaRPr lang="en-US" dirty="0">
               <a:latin typeface="Yu Gothic UI" panose="020B0500000000000000" pitchFamily="34" charset="-128"/>
@@ -7342,102 +7466,66 @@
         </p:nvSpPr>
         <p:spPr/>
         <p:txBody>
+          <a:bodyPr/>
+          <a:lstStyle/>
+          <a:p>
+            <a:r>
+              <a:rPr lang="en-US" dirty="0"/>
+              <a:t>Abbreviation</a:t>
+            </a:r>
+          </a:p>
+        </p:txBody>
+      </p:sp>
+      <p:sp>
+        <p:nvSpPr>
+          <p:cNvPr id="3" name="Content Placeholder 2"/>
+          <p:cNvSpPr>
+            <a:spLocks noGrp="1"/>
+          </p:cNvSpPr>
+          <p:nvPr>
+            <p:ph idx="1"/>
+          </p:nvPr>
+        </p:nvSpPr>
+        <p:spPr/>
+        <p:txBody>
           <a:bodyPr>
             <a:normAutofit/>
           </a:bodyPr>
           <a:lstStyle/>
           <a:p>
             <a:r>
+              <a:rPr lang="en-US" dirty="0"/>
+              <a:t>Introduction to Abbreviation.</a:t>
+            </a:r>
+          </a:p>
+          <a:p>
+            <a:pPr marL="0" indent="0">
+              <a:buNone/>
+            </a:pPr>
+            <a:r>
+              <a:rPr lang="en-US" dirty="0"/>
+              <a:t>&lt;</a:t>
+            </a:r>
+            <a:r>
               <a:rPr lang="en-US" dirty="0" err="1"/>
-              <a:t>Pratical</a:t>
-            </a:r>
-            <a:r>
-              <a:rPr lang="en-US" dirty="0"/>
-              <a:t> 3 (Unordered List)</a:t>
-            </a:r>
-            <a:endParaRPr lang="en-US" dirty="0"/>
-          </a:p>
-        </p:txBody>
-      </p:sp>
-      <p:sp>
-        <p:nvSpPr>
-          <p:cNvPr id="3" name="Content Placeholder 2"/>
-          <p:cNvSpPr>
-            <a:spLocks noGrp="1"/>
-          </p:cNvSpPr>
-          <p:nvPr>
-            <p:ph idx="1"/>
-          </p:nvPr>
-        </p:nvSpPr>
-        <p:spPr/>
-        <p:txBody>
-          <a:bodyPr>
-            <a:normAutofit fontScale="92500" lnSpcReduction="10000"/>
-          </a:bodyPr>
-          <a:lstStyle/>
-          <a:p>
-            <a:pPr marL="0" indent="0">
-              <a:buNone/>
-            </a:pPr>
-            <a:r>
-              <a:rPr lang="en-US" dirty="0"/>
-              <a:t>An unordered list is used to create a bulleted list of items.</a:t>
-            </a:r>
-            <a:br>
-              <a:rPr lang="en-US" dirty="0"/>
-            </a:br>
-            <a:r>
-              <a:rPr lang="en-US" dirty="0"/>
-              <a:t>The &lt;ul&gt;..... &lt;/ul&gt; tag is used to define an unordered list; whereas, the &lt;li&gt;...&lt;/li&gt; tag is used to define the items of the list.</a:t>
-            </a:r>
-            <a:br>
-              <a:rPr lang="en-US" dirty="0"/>
-            </a:br>
-            <a:r>
-              <a:rPr lang="en-US" dirty="0"/>
-              <a:t>Ex: -</a:t>
-            </a:r>
-            <a:br>
-              <a:rPr lang="en-US" dirty="0"/>
-            </a:br>
-            <a:r>
-              <a:rPr lang="en-US" dirty="0"/>
-              <a:t>&lt;ul&gt;</a:t>
-            </a:r>
-            <a:endParaRPr lang="en-US" dirty="0"/>
-          </a:p>
-          <a:p>
-            <a:pPr marL="0" indent="0">
-              <a:buNone/>
-            </a:pPr>
-            <a:r>
-              <a:rPr lang="en-US" dirty="0"/>
-              <a:t>&lt;li&gt;Linux&lt;/li&gt;</a:t>
-            </a:r>
-            <a:br>
-              <a:rPr lang="en-US" dirty="0"/>
-            </a:br>
-            <a:r>
-              <a:rPr lang="en-US" dirty="0"/>
-              <a:t>&lt;li&gt;Windows&lt;/li&gt;</a:t>
-            </a:r>
-            <a:br>
-              <a:rPr lang="en-US" dirty="0"/>
-            </a:br>
-            <a:r>
-              <a:rPr lang="en-US" dirty="0"/>
-              <a:t>&lt;li&gt;Mac&lt;/li&gt;</a:t>
-            </a:r>
-            <a:br>
-              <a:rPr lang="en-US" dirty="0"/>
-            </a:br>
-            <a:r>
-              <a:rPr lang="en-US" dirty="0"/>
-              <a:t>&lt;/ul&gt;</a:t>
-            </a:r>
-            <a:br>
-              <a:rPr lang="en-US" dirty="0"/>
-            </a:br>
+              <a:t>abbr</a:t>
+            </a:r>
+            <a:r>
+              <a:rPr lang="en-US" dirty="0"/>
+              <a:t> title="Bachelor of Computer Application"&gt;BCA&lt;/</a:t>
+            </a:r>
+            <a:r>
+              <a:rPr lang="en-US" dirty="0" err="1">
+                <a:sym typeface="+mn-ea"/>
+              </a:rPr>
+              <a:t>abbr</a:t>
+            </a:r>
+            <a:r>
+              <a:rPr lang="en-US" dirty="0"/>
+              <a:t>&gt;</a:t>
+            </a:r>
+          </a:p>
+          <a:p>
             <a:endParaRPr lang="en-US" dirty="0"/>
           </a:p>
         </p:txBody>
@@ -7485,14 +7573,9 @@
           <a:lstStyle/>
           <a:p>
             <a:r>
-              <a:rPr lang="en-US" dirty="0" err="1"/>
-              <a:t>Pratical</a:t>
-            </a:r>
-            <a:r>
-              <a:rPr lang="en-US" dirty="0"/>
-              <a:t> 3 (Ordered List)</a:t>
-            </a:r>
-            <a:endParaRPr lang="en-US" dirty="0"/>
+              <a:rPr lang="en-US" dirty="0"/>
+              <a:t>Lists</a:t>
+            </a:r>
           </a:p>
         </p:txBody>
       </p:sp>
@@ -7509,91 +7592,29 @@
         <p:spPr/>
         <p:txBody>
           <a:bodyPr>
-            <a:normAutofit lnSpcReduction="10000"/>
+            <a:normAutofit/>
           </a:bodyPr>
           <a:lstStyle/>
           <a:p>
-            <a:pPr marL="0" indent="0">
-              <a:buNone/>
-            </a:pPr>
-            <a:r>
-              <a:rPr lang="en-US" dirty="0"/>
-              <a:t>﻿An ordered list displays a list of item using numbers or letters in either ascending or descending order.</a:t>
+            <a:r>
+              <a:rPr lang="en-US" dirty="0"/>
+              <a:t>unordered list</a:t>
+            </a:r>
+          </a:p>
+          <a:p>
+            <a:r>
+              <a:rPr lang="en-US" dirty="0"/>
+              <a:t>ordered list</a:t>
+            </a:r>
+          </a:p>
+          <a:p>
+            <a:r>
+              <a:rPr lang="en-US" dirty="0"/>
+              <a:t>definition list</a:t>
             </a:r>
             <a:br>
               <a:rPr lang="en-US" dirty="0"/>
             </a:br>
-            <a:r>
-              <a:rPr lang="en-US" dirty="0"/>
-              <a:t>The &lt;</a:t>
-            </a:r>
-            <a:r>
-              <a:rPr lang="en-US" dirty="0" err="1"/>
-              <a:t>ol</a:t>
-            </a:r>
-            <a:r>
-              <a:rPr lang="en-US" dirty="0"/>
-              <a:t>&gt;....&lt;/</a:t>
-            </a:r>
-            <a:r>
-              <a:rPr lang="en-US" dirty="0" err="1"/>
-              <a:t>ol</a:t>
-            </a:r>
-            <a:r>
-              <a:rPr lang="en-US" dirty="0"/>
-              <a:t>&gt; tag is used to define an ordered list; whereas the &lt;li&gt;...&lt;/li&gt; tag is used to define the items of list.</a:t>
-            </a:r>
-            <a:br>
-              <a:rPr lang="en-US" dirty="0"/>
-            </a:br>
-            <a:r>
-              <a:rPr lang="en-US" dirty="0"/>
-              <a:t>Ex:</a:t>
-            </a:r>
-            <a:br>
-              <a:rPr lang="en-US" dirty="0"/>
-            </a:br>
-            <a:r>
-              <a:rPr lang="en-US" dirty="0"/>
-              <a:t>&lt;</a:t>
-            </a:r>
-            <a:r>
-              <a:rPr lang="en-US" dirty="0" err="1"/>
-              <a:t>ol</a:t>
-            </a:r>
-            <a:r>
-              <a:rPr lang="en-US" dirty="0"/>
-              <a:t>&gt;</a:t>
-            </a:r>
-            <a:br>
-              <a:rPr lang="en-US" dirty="0"/>
-            </a:br>
-            <a:r>
-              <a:rPr lang="en-US" dirty="0"/>
-              <a:t>&lt;li&gt;Windows&lt;/li&gt;</a:t>
-            </a:r>
-            <a:br>
-              <a:rPr lang="en-US" dirty="0"/>
-            </a:br>
-            <a:r>
-              <a:rPr lang="en-US" dirty="0"/>
-              <a:t>&lt;li&gt;Mac&lt;/li&gt;</a:t>
-            </a:r>
-            <a:br>
-              <a:rPr lang="en-US" dirty="0"/>
-            </a:br>
-            <a:r>
-              <a:rPr lang="en-US" dirty="0"/>
-              <a:t>&lt;/</a:t>
-            </a:r>
-            <a:r>
-              <a:rPr lang="en-US" dirty="0" err="1"/>
-              <a:t>ol</a:t>
-            </a:r>
-            <a:r>
-              <a:rPr lang="en-US" dirty="0"/>
-              <a:t>&gt;</a:t>
-            </a:r>
             <a:endParaRPr lang="en-US" dirty="0"/>
           </a:p>
         </p:txBody>
@@ -7615,7 +7636,14 @@
         <p:cNvGrpSpPr/>
         <p:nvPr/>
       </p:nvGrpSpPr>
-      <p:grpSpPr/>
+      <p:grpSpPr>
+        <a:xfrm>
+          <a:off x="0" y="0"/>
+          <a:ext cx="0" cy="0"/>
+          <a:chOff x="0" y="0"/>
+          <a:chExt cx="0" cy="0"/>
+        </a:xfrm>
+      </p:grpSpPr>
       <p:sp>
         <p:nvSpPr>
           <p:cNvPr id="2" name="Title 1"/>
@@ -7629,58 +7657,54 @@
         <p:spPr/>
         <p:txBody>
           <a:bodyPr/>
-          <a:p>
-            <a:r>
-              <a:rPr lang="en-US"/>
-              <a:t>GRID</a:t>
-            </a:r>
-            <a:endParaRPr lang="en-US"/>
-          </a:p>
-        </p:txBody>
-      </p:sp>
-      <p:sp>
-        <p:nvSpPr>
-          <p:cNvPr id="3" name="Content Placeholder 2"/>
-          <p:cNvSpPr>
-            <a:spLocks noGrp="1"/>
-          </p:cNvSpPr>
-          <p:nvPr>
-            <p:ph idx="1"/>
-          </p:nvPr>
-        </p:nvSpPr>
-        <p:spPr/>
-        <p:txBody>
-          <a:bodyPr/>
-          <a:p>
-            <a:r>
-              <a:rPr lang="en-US"/>
-              <a:t>grid-template-columns</a:t>
-            </a:r>
-            <a:endParaRPr lang="en-US"/>
-          </a:p>
-          <a:p>
-            <a:r>
-              <a:rPr lang="en-US"/>
-              <a:t>grid-template-row</a:t>
-            </a:r>
-            <a:endParaRPr lang="en-US"/>
-          </a:p>
-          <a:p>
-            <a:r>
-              <a:rPr lang="en-US"/>
-              <a:t>gap</a:t>
-            </a:r>
-            <a:endParaRPr lang="en-US"/>
-          </a:p>
-          <a:p>
-            <a:r>
-              <a:rPr lang="en-US"/>
-              <a:t>grid-area</a:t>
-            </a:r>
-            <a:endParaRPr lang="en-US"/>
-          </a:p>
-          <a:p>
-            <a:endParaRPr lang="en-US"/>
+          <a:lstStyle/>
+          <a:p>
+            <a:r>
+              <a:rPr lang="en-US" dirty="0"/>
+              <a:t>Hypertext Markup Language </a:t>
+            </a:r>
+            <a:br>
+              <a:rPr lang="en-US" dirty="0"/>
+            </a:br>
+            <a:r>
+              <a:rPr lang="en-US" dirty="0"/>
+              <a:t>(HTML)</a:t>
+            </a:r>
+          </a:p>
+        </p:txBody>
+      </p:sp>
+      <p:sp>
+        <p:nvSpPr>
+          <p:cNvPr id="3" name="Subtitle 2">
+            <a:extLst>
+              <a:ext uri="{FF2B5EF4-FFF2-40B4-BE49-F238E27FC236}">
+                <a16:creationId xmlns:a16="http://schemas.microsoft.com/office/drawing/2014/main" id="{694D0DAD-A480-4989-ABDD-F238672D4BE3}"/>
+              </a:ext>
+            </a:extLst>
+          </p:cNvPr>
+          <p:cNvSpPr>
+            <a:spLocks noGrp="1"/>
+          </p:cNvSpPr>
+          <p:nvPr>
+            <p:ph type="body" idx="1"/>
+          </p:nvPr>
+        </p:nvSpPr>
+        <p:spPr>
+          <a:xfrm>
+            <a:off x="6844553" y="5567082"/>
+            <a:ext cx="3329204" cy="430304"/>
+          </a:xfrm>
+        </p:spPr>
+        <p:txBody>
+          <a:bodyPr>
+            <a:normAutofit lnSpcReduction="10000"/>
+          </a:bodyPr>
+          <a:lstStyle/>
+          <a:p>
+            <a:r>
+              <a:rPr lang="en-US" dirty="0"/>
+              <a:t>- Sagar Shrestha</a:t>
+            </a:r>
           </a:p>
         </p:txBody>
       </p:sp>
@@ -7727,14 +7751,295 @@
           <a:lstStyle/>
           <a:p>
             <a:r>
+              <a:rPr lang="en-US" dirty="0"/>
+              <a:t>Unordered List</a:t>
+            </a:r>
+          </a:p>
+        </p:txBody>
+      </p:sp>
+      <p:sp>
+        <p:nvSpPr>
+          <p:cNvPr id="3" name="Content Placeholder 2"/>
+          <p:cNvSpPr>
+            <a:spLocks noGrp="1"/>
+          </p:cNvSpPr>
+          <p:nvPr>
+            <p:ph idx="1"/>
+          </p:nvPr>
+        </p:nvSpPr>
+        <p:spPr/>
+        <p:txBody>
+          <a:bodyPr>
+            <a:normAutofit fontScale="92500" lnSpcReduction="10000"/>
+          </a:bodyPr>
+          <a:lstStyle/>
+          <a:p>
+            <a:pPr marL="0" indent="0">
+              <a:buNone/>
+            </a:pPr>
+            <a:r>
+              <a:rPr lang="en-US" dirty="0"/>
+              <a:t>An unordered list is used to create a bulleted list of items.</a:t>
+            </a:r>
+            <a:br>
+              <a:rPr lang="en-US" dirty="0"/>
+            </a:br>
+            <a:r>
+              <a:rPr lang="en-US" dirty="0"/>
+              <a:t>The &lt;ul&gt;..... &lt;/ul&gt; tag is used to define an unordered list; whereas, the &lt;li&gt;...&lt;/li&gt; tag is used to define the items of the list.</a:t>
+            </a:r>
+            <a:br>
+              <a:rPr lang="en-US" dirty="0"/>
+            </a:br>
+            <a:r>
+              <a:rPr lang="en-US" dirty="0"/>
+              <a:t>Ex: -</a:t>
+            </a:r>
+            <a:br>
+              <a:rPr lang="en-US" dirty="0"/>
+            </a:br>
+            <a:r>
+              <a:rPr lang="en-US" dirty="0"/>
+              <a:t>&lt;ul&gt;</a:t>
+            </a:r>
+          </a:p>
+          <a:p>
+            <a:pPr marL="0" indent="0">
+              <a:buNone/>
+            </a:pPr>
+            <a:r>
+              <a:rPr lang="en-US" dirty="0"/>
+              <a:t>&lt;li&gt;Linux&lt;/li&gt;</a:t>
+            </a:r>
+            <a:br>
+              <a:rPr lang="en-US" dirty="0"/>
+            </a:br>
+            <a:r>
+              <a:rPr lang="en-US" dirty="0"/>
+              <a:t>&lt;li&gt;Windows&lt;/li&gt;</a:t>
+            </a:r>
+            <a:br>
+              <a:rPr lang="en-US" dirty="0"/>
+            </a:br>
+            <a:r>
+              <a:rPr lang="en-US" dirty="0"/>
+              <a:t>&lt;li&gt;Mac&lt;/li&gt;</a:t>
+            </a:r>
+            <a:br>
+              <a:rPr lang="en-US" dirty="0"/>
+            </a:br>
+            <a:r>
+              <a:rPr lang="en-US" dirty="0"/>
+              <a:t>&lt;/ul&gt;</a:t>
+            </a:r>
+            <a:br>
+              <a:rPr lang="en-US" dirty="0"/>
+            </a:br>
+            <a:endParaRPr lang="en-US" dirty="0"/>
+          </a:p>
+        </p:txBody>
+      </p:sp>
+    </p:spTree>
+    <p:extLst>
+      <p:ext uri="{BB962C8B-B14F-4D97-AF65-F5344CB8AC3E}">
+        <p14:creationId xmlns:p14="http://schemas.microsoft.com/office/powerpoint/2010/main" val="1203262421"/>
+      </p:ext>
+    </p:extLst>
+  </p:cSld>
+  <p:clrMapOvr>
+    <a:masterClrMapping/>
+  </p:clrMapOvr>
+</p:sld>
+</file>
+
+<file path=ppt/slides/slide21.xml><?xml version="1.0" encoding="utf-8"?>
+<p:sld xmlns:a="http://schemas.openxmlformats.org/drawingml/2006/main" xmlns:r="http://schemas.openxmlformats.org/officeDocument/2006/relationships" xmlns:p="http://schemas.openxmlformats.org/presentationml/2006/main">
+  <p:cSld>
+    <p:spTree>
+      <p:nvGrpSpPr>
+        <p:cNvPr id="1" name=""/>
+        <p:cNvGrpSpPr/>
+        <p:nvPr/>
+      </p:nvGrpSpPr>
+      <p:grpSpPr>
+        <a:xfrm>
+          <a:off x="0" y="0"/>
+          <a:ext cx="0" cy="0"/>
+          <a:chOff x="0" y="0"/>
+          <a:chExt cx="0" cy="0"/>
+        </a:xfrm>
+      </p:grpSpPr>
+      <p:sp>
+        <p:nvSpPr>
+          <p:cNvPr id="2" name="Title 1"/>
+          <p:cNvSpPr>
+            <a:spLocks noGrp="1"/>
+          </p:cNvSpPr>
+          <p:nvPr>
+            <p:ph type="title"/>
+          </p:nvPr>
+        </p:nvSpPr>
+        <p:spPr/>
+        <p:txBody>
+          <a:bodyPr>
+            <a:normAutofit/>
+          </a:bodyPr>
+          <a:lstStyle/>
+          <a:p>
+            <a:r>
+              <a:rPr lang="en-US" dirty="0"/>
+              <a:t>Ordered List</a:t>
+            </a:r>
+          </a:p>
+        </p:txBody>
+      </p:sp>
+      <p:sp>
+        <p:nvSpPr>
+          <p:cNvPr id="3" name="Content Placeholder 2"/>
+          <p:cNvSpPr>
+            <a:spLocks noGrp="1"/>
+          </p:cNvSpPr>
+          <p:nvPr>
+            <p:ph idx="1"/>
+          </p:nvPr>
+        </p:nvSpPr>
+        <p:spPr/>
+        <p:txBody>
+          <a:bodyPr>
+            <a:normAutofit lnSpcReduction="10000"/>
+          </a:bodyPr>
+          <a:lstStyle/>
+          <a:p>
+            <a:pPr marL="0" indent="0">
+              <a:buNone/>
+            </a:pPr>
+            <a:r>
+              <a:rPr lang="en-US" dirty="0"/>
+              <a:t>﻿An ordered list displays a list of item using numbers or letters in either ascending or descending order.</a:t>
+            </a:r>
+            <a:br>
+              <a:rPr lang="en-US" dirty="0"/>
+            </a:br>
+            <a:r>
+              <a:rPr lang="en-US" dirty="0"/>
+              <a:t>The &lt;</a:t>
+            </a:r>
+            <a:r>
               <a:rPr lang="en-US" dirty="0" err="1"/>
-              <a:t>Pratical</a:t>
-            </a:r>
-            <a:r>
-              <a:rPr lang="en-US" dirty="0"/>
-              <a:t> 3 (Ordered List)</a:t>
-            </a:r>
-            <a:endParaRPr lang="en-US" dirty="0"/>
+              <a:t>ol</a:t>
+            </a:r>
+            <a:r>
+              <a:rPr lang="en-US" dirty="0"/>
+              <a:t>&gt;....&lt;/</a:t>
+            </a:r>
+            <a:r>
+              <a:rPr lang="en-US" dirty="0" err="1"/>
+              <a:t>ol</a:t>
+            </a:r>
+            <a:r>
+              <a:rPr lang="en-US" dirty="0"/>
+              <a:t>&gt; tag is used to define an ordered list; whereas the &lt;li&gt;...&lt;/li&gt; tag is used to define the items of list.</a:t>
+            </a:r>
+            <a:br>
+              <a:rPr lang="en-US" dirty="0"/>
+            </a:br>
+            <a:r>
+              <a:rPr lang="en-US" dirty="0"/>
+              <a:t>Ex:</a:t>
+            </a:r>
+            <a:br>
+              <a:rPr lang="en-US" dirty="0"/>
+            </a:br>
+            <a:r>
+              <a:rPr lang="en-US" dirty="0"/>
+              <a:t>&lt;</a:t>
+            </a:r>
+            <a:r>
+              <a:rPr lang="en-US" dirty="0" err="1"/>
+              <a:t>ol</a:t>
+            </a:r>
+            <a:r>
+              <a:rPr lang="en-US" dirty="0"/>
+              <a:t>&gt;</a:t>
+            </a:r>
+            <a:br>
+              <a:rPr lang="en-US" dirty="0"/>
+            </a:br>
+            <a:r>
+              <a:rPr lang="en-US" dirty="0"/>
+              <a:t>&lt;li&gt;Windows&lt;/li&gt;</a:t>
+            </a:r>
+            <a:br>
+              <a:rPr lang="en-US" dirty="0"/>
+            </a:br>
+            <a:r>
+              <a:rPr lang="en-US" dirty="0"/>
+              <a:t>&lt;li&gt;Mac&lt;/li&gt;</a:t>
+            </a:r>
+            <a:br>
+              <a:rPr lang="en-US" dirty="0"/>
+            </a:br>
+            <a:r>
+              <a:rPr lang="en-US" dirty="0"/>
+              <a:t>&lt;/</a:t>
+            </a:r>
+            <a:r>
+              <a:rPr lang="en-US" dirty="0" err="1"/>
+              <a:t>ol</a:t>
+            </a:r>
+            <a:r>
+              <a:rPr lang="en-US" dirty="0"/>
+              <a:t>&gt;</a:t>
+            </a:r>
+          </a:p>
+        </p:txBody>
+      </p:sp>
+    </p:spTree>
+  </p:cSld>
+  <p:clrMapOvr>
+    <a:masterClrMapping/>
+  </p:clrMapOvr>
+</p:sld>
+</file>
+
+<file path=ppt/slides/slide22.xml><?xml version="1.0" encoding="utf-8"?>
+<p:sld xmlns:a="http://schemas.openxmlformats.org/drawingml/2006/main" xmlns:r="http://schemas.openxmlformats.org/officeDocument/2006/relationships" xmlns:p="http://schemas.openxmlformats.org/presentationml/2006/main">
+  <p:cSld>
+    <p:spTree>
+      <p:nvGrpSpPr>
+        <p:cNvPr id="1" name=""/>
+        <p:cNvGrpSpPr/>
+        <p:nvPr/>
+      </p:nvGrpSpPr>
+      <p:grpSpPr>
+        <a:xfrm>
+          <a:off x="0" y="0"/>
+          <a:ext cx="0" cy="0"/>
+          <a:chOff x="0" y="0"/>
+          <a:chExt cx="0" cy="0"/>
+        </a:xfrm>
+      </p:grpSpPr>
+      <p:sp>
+        <p:nvSpPr>
+          <p:cNvPr id="2" name="Title 1"/>
+          <p:cNvSpPr>
+            <a:spLocks noGrp="1"/>
+          </p:cNvSpPr>
+          <p:nvPr>
+            <p:ph type="title"/>
+          </p:nvPr>
+        </p:nvSpPr>
+        <p:spPr/>
+        <p:txBody>
+          <a:bodyPr>
+            <a:normAutofit/>
+          </a:bodyPr>
+          <a:lstStyle/>
+          <a:p>
+            <a:r>
+              <a:rPr lang="en-US" dirty="0"/>
+              <a:t>Ordered List</a:t>
+            </a:r>
           </a:p>
         </p:txBody>
       </p:sp>
@@ -7803,10 +8108,6 @@
               </a:rPr>
               <a:t>&lt;ol type="1" start="5" reversed="reversed " &gt;</a:t>
             </a:r>
-            <a:endParaRPr lang="it-IT" dirty="0">
-              <a:latin typeface="Arial" panose="020B0604020202020204" pitchFamily="34" charset="0"/>
-              <a:cs typeface="Arial" panose="020B0604020202020204" pitchFamily="34" charset="0"/>
-            </a:endParaRPr>
           </a:p>
           <a:p>
             <a:pPr marL="0" indent="0">
@@ -7871,8 +8172,20 @@
                 <a:tableStyleId>{5C22544A-7EE6-4342-B048-85BDC9FD1C3A}</a:tableStyleId>
               </a:tblPr>
               <a:tblGrid>
-                <a:gridCol w="1649507"/>
-                <a:gridCol w="1887069"/>
+                <a:gridCol w="1649507">
+                  <a:extLst>
+                    <a:ext uri="{9D8B030D-6E8A-4147-A177-3AD203B41FA5}">
+                      <a16:colId xmlns:a16="http://schemas.microsoft.com/office/drawing/2014/main" val="20000"/>
+                    </a:ext>
+                  </a:extLst>
+                </a:gridCol>
+                <a:gridCol w="1887069">
+                  <a:extLst>
+                    <a:ext uri="{9D8B030D-6E8A-4147-A177-3AD203B41FA5}">
+                      <a16:colId xmlns:a16="http://schemas.microsoft.com/office/drawing/2014/main" val="20001"/>
+                    </a:ext>
+                  </a:extLst>
+                </a:gridCol>
               </a:tblGrid>
               <a:tr h="0">
                 <a:tc>
@@ -7903,6 +8216,11 @@
                   </a:txBody>
                   <a:tcPr/>
                 </a:tc>
+                <a:extLst>
+                  <a:ext uri="{0D108BD9-81ED-4DB2-BD59-A6C34878D82A}">
+                    <a16:rowId xmlns:a16="http://schemas.microsoft.com/office/drawing/2014/main" val="10000"/>
+                  </a:ext>
+                </a:extLst>
               </a:tr>
               <a:tr h="427912">
                 <a:tc>
@@ -7914,7 +8232,6 @@
                         <a:rPr lang="en-US" dirty="0"/>
                         <a:t>type</a:t>
                       </a:r>
-                      <a:endParaRPr lang="en-US" dirty="0"/>
                     </a:p>
                   </a:txBody>
                   <a:tcPr/>
@@ -7933,6 +8250,11 @@
                   </a:txBody>
                   <a:tcPr/>
                 </a:tc>
+                <a:extLst>
+                  <a:ext uri="{0D108BD9-81ED-4DB2-BD59-A6C34878D82A}">
+                    <a16:rowId xmlns:a16="http://schemas.microsoft.com/office/drawing/2014/main" val="10001"/>
+                  </a:ext>
+                </a:extLst>
               </a:tr>
               <a:tr h="427912">
                 <a:tc>
@@ -7944,7 +8266,6 @@
                         <a:rPr lang="en-US" dirty="0"/>
                         <a:t>start</a:t>
                       </a:r>
-                      <a:endParaRPr lang="en-US" dirty="0"/>
                     </a:p>
                   </a:txBody>
                   <a:tcPr/>
@@ -7979,6 +8300,11 @@
                   </a:txBody>
                   <a:tcPr/>
                 </a:tc>
+                <a:extLst>
+                  <a:ext uri="{0D108BD9-81ED-4DB2-BD59-A6C34878D82A}">
+                    <a16:rowId xmlns:a16="http://schemas.microsoft.com/office/drawing/2014/main" val="10002"/>
+                  </a:ext>
+                </a:extLst>
               </a:tr>
               <a:tr h="427912">
                 <a:tc>
@@ -8025,272 +8351,16 @@
                   </a:txBody>
                   <a:tcPr/>
                 </a:tc>
+                <a:extLst>
+                  <a:ext uri="{0D108BD9-81ED-4DB2-BD59-A6C34878D82A}">
+                    <a16:rowId xmlns:a16="http://schemas.microsoft.com/office/drawing/2014/main" val="10003"/>
+                  </a:ext>
+                </a:extLst>
               </a:tr>
             </a:tbl>
           </a:graphicData>
         </a:graphic>
       </p:graphicFrame>
-    </p:spTree>
-  </p:cSld>
-  <p:clrMapOvr>
-    <a:masterClrMapping/>
-  </p:clrMapOvr>
-</p:sld>
-</file>
-
-<file path=ppt/slides/slide21.xml><?xml version="1.0" encoding="utf-8"?>
-<p:sld xmlns:a="http://schemas.openxmlformats.org/drawingml/2006/main" xmlns:r="http://schemas.openxmlformats.org/officeDocument/2006/relationships" xmlns:p="http://schemas.openxmlformats.org/presentationml/2006/main">
-  <p:cSld>
-    <p:spTree>
-      <p:nvGrpSpPr>
-        <p:cNvPr id="1" name=""/>
-        <p:cNvGrpSpPr/>
-        <p:nvPr/>
-      </p:nvGrpSpPr>
-      <p:grpSpPr>
-        <a:xfrm>
-          <a:off x="0" y="0"/>
-          <a:ext cx="0" cy="0"/>
-          <a:chOff x="0" y="0"/>
-          <a:chExt cx="0" cy="0"/>
-        </a:xfrm>
-      </p:grpSpPr>
-      <p:sp>
-        <p:nvSpPr>
-          <p:cNvPr id="2" name="Title 1"/>
-          <p:cNvSpPr>
-            <a:spLocks noGrp="1"/>
-          </p:cNvSpPr>
-          <p:nvPr>
-            <p:ph type="title"/>
-          </p:nvPr>
-        </p:nvSpPr>
-        <p:spPr/>
-        <p:txBody>
-          <a:bodyPr>
-            <a:normAutofit/>
-          </a:bodyPr>
-          <a:lstStyle/>
-          <a:p>
-            <a:r>
-              <a:rPr lang="en-US" dirty="0" err="1"/>
-              <a:t>Pratical</a:t>
-            </a:r>
-            <a:r>
-              <a:rPr lang="en-US" dirty="0"/>
-              <a:t> 3 (Definition List)</a:t>
-            </a:r>
-            <a:endParaRPr lang="en-US" dirty="0"/>
-          </a:p>
-        </p:txBody>
-      </p:sp>
-      <p:sp>
-        <p:nvSpPr>
-          <p:cNvPr id="3" name="Content Placeholder 2"/>
-          <p:cNvSpPr>
-            <a:spLocks noGrp="1"/>
-          </p:cNvSpPr>
-          <p:nvPr>
-            <p:ph idx="1"/>
-          </p:nvPr>
-        </p:nvSpPr>
-        <p:spPr>
-          <a:xfrm>
-            <a:off x="1295401" y="2556932"/>
-            <a:ext cx="9601196" cy="3615268"/>
-          </a:xfrm>
-        </p:spPr>
-        <p:txBody>
-          <a:bodyPr>
-            <a:normAutofit fontScale="92500" lnSpcReduction="10000"/>
-          </a:bodyPr>
-          <a:lstStyle/>
-          <a:p>
-            <a:pPr marL="0" indent="0">
-              <a:buNone/>
-            </a:pPr>
-            <a:r>
-              <a:rPr lang="en-US" dirty="0"/>
-              <a:t>﻿A definition list is a list of terms, with a definition of each term.</a:t>
-            </a:r>
-            <a:endParaRPr lang="en-US" dirty="0"/>
-          </a:p>
-          <a:p>
-            <a:pPr marL="0" indent="0">
-              <a:buNone/>
-            </a:pPr>
-            <a:r>
-              <a:rPr lang="en-US" dirty="0"/>
-              <a:t>We can create definition list by using the &lt;dl&gt;..... &lt;/dl&gt; with &lt;dt&gt; and &lt;dd&gt; tag.</a:t>
-            </a:r>
-            <a:endParaRPr lang="en-US" dirty="0"/>
-          </a:p>
-          <a:p>
-            <a:pPr marL="0" indent="0">
-              <a:buNone/>
-            </a:pPr>
-            <a:r>
-              <a:rPr lang="en-US" dirty="0"/>
-              <a:t>The &lt;dt&gt;...&lt;/dt&gt; tag is used to define the term; whereas, the &lt;dd&gt; tag is used to give the term's definition.</a:t>
-            </a:r>
-            <a:endParaRPr lang="en-US" dirty="0"/>
-          </a:p>
-          <a:p>
-            <a:pPr marL="0" indent="0">
-              <a:buNone/>
-            </a:pPr>
-            <a:r>
-              <a:rPr lang="en-US" dirty="0"/>
-              <a:t>&lt;dl&gt;</a:t>
-            </a:r>
-            <a:endParaRPr lang="en-US" dirty="0"/>
-          </a:p>
-          <a:p>
-            <a:pPr marL="0" indent="0">
-              <a:buNone/>
-            </a:pPr>
-            <a:r>
-              <a:rPr lang="en-US" dirty="0"/>
-              <a:t>&lt;dt&gt;College&lt;/dt&gt;</a:t>
-            </a:r>
-            <a:endParaRPr lang="en-US" dirty="0"/>
-          </a:p>
-          <a:p>
-            <a:pPr marL="0" indent="0">
-              <a:buNone/>
-            </a:pPr>
-            <a:r>
-              <a:rPr lang="en-US" dirty="0"/>
-              <a:t>&lt;dd&gt;A boring place&lt;/dd&gt;</a:t>
-            </a:r>
-            <a:endParaRPr lang="en-US" dirty="0"/>
-          </a:p>
-          <a:p>
-            <a:pPr marL="0" indent="0">
-              <a:buNone/>
-            </a:pPr>
-            <a:r>
-              <a:rPr lang="en-US" dirty="0"/>
-              <a:t>&lt;/dl&gt;</a:t>
-            </a:r>
-            <a:endParaRPr lang="en-US" dirty="0"/>
-          </a:p>
-        </p:txBody>
-      </p:sp>
-    </p:spTree>
-  </p:cSld>
-  <p:clrMapOvr>
-    <a:masterClrMapping/>
-  </p:clrMapOvr>
-</p:sld>
-</file>
-
-<file path=ppt/slides/slide22.xml><?xml version="1.0" encoding="utf-8"?>
-<p:sld xmlns:a="http://schemas.openxmlformats.org/drawingml/2006/main" xmlns:r="http://schemas.openxmlformats.org/officeDocument/2006/relationships" xmlns:p="http://schemas.openxmlformats.org/presentationml/2006/main">
-  <p:cSld>
-    <p:spTree>
-      <p:nvGrpSpPr>
-        <p:cNvPr id="1" name=""/>
-        <p:cNvGrpSpPr/>
-        <p:nvPr/>
-      </p:nvGrpSpPr>
-      <p:grpSpPr>
-        <a:xfrm>
-          <a:off x="0" y="0"/>
-          <a:ext cx="0" cy="0"/>
-          <a:chOff x="0" y="0"/>
-          <a:chExt cx="0" cy="0"/>
-        </a:xfrm>
-      </p:grpSpPr>
-      <p:sp>
-        <p:nvSpPr>
-          <p:cNvPr id="2" name="Title 1"/>
-          <p:cNvSpPr>
-            <a:spLocks noGrp="1"/>
-          </p:cNvSpPr>
-          <p:nvPr>
-            <p:ph type="title"/>
-          </p:nvPr>
-        </p:nvSpPr>
-        <p:spPr/>
-        <p:txBody>
-          <a:bodyPr>
-            <a:normAutofit/>
-          </a:bodyPr>
-          <a:lstStyle/>
-          <a:p>
-            <a:r>
-              <a:rPr lang="en-US" dirty="0" err="1"/>
-              <a:t>Nasted</a:t>
-            </a:r>
-            <a:endParaRPr lang="en-US" dirty="0"/>
-          </a:p>
-        </p:txBody>
-      </p:sp>
-      <p:sp>
-        <p:nvSpPr>
-          <p:cNvPr id="3" name="Content Placeholder 2"/>
-          <p:cNvSpPr>
-            <a:spLocks noGrp="1"/>
-          </p:cNvSpPr>
-          <p:nvPr>
-            <p:ph idx="1"/>
-          </p:nvPr>
-        </p:nvSpPr>
-        <p:spPr>
-          <a:xfrm>
-            <a:off x="1295401" y="2556932"/>
-            <a:ext cx="9601196" cy="3615268"/>
-          </a:xfrm>
-        </p:spPr>
-        <p:txBody>
-          <a:bodyPr>
-            <a:normAutofit/>
-          </a:bodyPr>
-          <a:lstStyle/>
-          <a:p>
-            <a:pPr marL="0" indent="0">
-              <a:buNone/>
-            </a:pPr>
-            <a:r>
-              <a:rPr lang="en-US" dirty="0"/>
-              <a:t>﻿Arrangement of data Under of similar type of data.</a:t>
-            </a:r>
-            <a:endParaRPr lang="en-US" dirty="0"/>
-          </a:p>
-          <a:p>
-            <a:pPr marL="0" indent="0">
-              <a:buNone/>
-            </a:pPr>
-            <a:r>
-              <a:rPr lang="en-US" dirty="0"/>
-              <a:t>Use: </a:t>
-            </a:r>
-            <a:endParaRPr lang="en-US" dirty="0"/>
-          </a:p>
-          <a:p>
-            <a:r>
-              <a:rPr lang="en-US" dirty="0"/>
-              <a:t>Arrangement</a:t>
-            </a:r>
-            <a:endParaRPr lang="en-US" dirty="0"/>
-          </a:p>
-          <a:p>
-            <a:r>
-              <a:rPr lang="en-US" dirty="0"/>
-              <a:t>Loop</a:t>
-            </a:r>
-            <a:endParaRPr lang="en-US" dirty="0"/>
-          </a:p>
-          <a:p>
-            <a:r>
-              <a:rPr lang="en-US" dirty="0"/>
-              <a:t>Condition like (  if, while, do while )</a:t>
-            </a:r>
-            <a:endParaRPr lang="en-US" dirty="0"/>
-          </a:p>
-        </p:txBody>
-      </p:sp>
     </p:spTree>
   </p:cSld>
   <p:clrMapOvr>
@@ -8334,22 +8404,9 @@
           <a:lstStyle/>
           <a:p>
             <a:r>
-              <a:rPr lang="en-US" dirty="0" err="1"/>
-              <a:t>Pratical</a:t>
-            </a:r>
-            <a:r>
-              <a:rPr lang="en-US" dirty="0"/>
-              <a:t> 3 (</a:t>
-            </a:r>
-            <a:r>
-              <a:rPr lang="en-US" dirty="0" err="1"/>
-              <a:t>Nasted</a:t>
-            </a:r>
-            <a:r>
-              <a:rPr lang="en-US" dirty="0"/>
-              <a:t> Unordered List)</a:t>
-            </a:r>
-            <a:endParaRPr lang="en-US" dirty="0"/>
+              <a:rPr lang="en-US" dirty="0"/>
+              <a:t>Definition List</a:t>
+            </a:r>
           </a:p>
         </p:txBody>
       </p:sp>
@@ -8371,7 +8428,7 @@
         </p:spPr>
         <p:txBody>
           <a:bodyPr>
-            <a:normAutofit fontScale="85000" lnSpcReduction="20000"/>
+            <a:normAutofit fontScale="92500" lnSpcReduction="10000"/>
           </a:bodyPr>
           <a:lstStyle/>
           <a:p>
@@ -8379,90 +8436,63 @@
               <a:buNone/>
             </a:pPr>
             <a:r>
-              <a:rPr lang="it-IT" dirty="0"/>
-              <a:t>﻿&lt;ul&gt;</a:t>
-            </a:r>
-            <a:endParaRPr lang="it-IT" dirty="0"/>
+              <a:rPr lang="en-US" dirty="0"/>
+              <a:t>﻿A definition list is a list of terms, with a definition of each term.</a:t>
+            </a:r>
           </a:p>
           <a:p>
             <a:pPr marL="0" indent="0">
               <a:buNone/>
             </a:pPr>
             <a:r>
-              <a:rPr lang="it-IT" dirty="0"/>
-              <a:t>&lt;li&gt;Linux&lt;/li&gt;</a:t>
-            </a:r>
-            <a:endParaRPr lang="it-IT" dirty="0"/>
+              <a:rPr lang="en-US" dirty="0"/>
+              <a:t>We can create definition list by using the &lt;dl&gt;..... &lt;/dl&gt; with &lt;dt&gt; and &lt;dd&gt; tag.</a:t>
+            </a:r>
           </a:p>
           <a:p>
             <a:pPr marL="0" indent="0">
               <a:buNone/>
             </a:pPr>
             <a:r>
-              <a:rPr lang="it-IT" dirty="0"/>
-              <a:t>&lt;ul&gt;</a:t>
-            </a:r>
-            <a:endParaRPr lang="it-IT" dirty="0"/>
+              <a:rPr lang="en-US" dirty="0"/>
+              <a:t>The &lt;dt&gt;...&lt;/dt&gt; tag is used to define the term; whereas, the &lt;dd&gt; tag is used to give the term's definition.</a:t>
+            </a:r>
           </a:p>
           <a:p>
             <a:pPr marL="0" indent="0">
               <a:buNone/>
             </a:pPr>
             <a:r>
-              <a:rPr lang="it-IT" dirty="0"/>
-              <a:t>&lt;li&gt;Ubuntu&lt;/li&gt;&lt;/ul&gt;</a:t>
-            </a:r>
-            <a:endParaRPr lang="it-IT" dirty="0"/>
+              <a:rPr lang="en-US" dirty="0"/>
+              <a:t>&lt;dl&gt;</a:t>
+            </a:r>
           </a:p>
           <a:p>
             <a:pPr marL="0" indent="0">
               <a:buNone/>
             </a:pPr>
             <a:r>
-              <a:rPr lang="it-IT" dirty="0"/>
-              <a:t>&lt;li&gt;Windows&lt;/li&gt;</a:t>
-            </a:r>
-            <a:endParaRPr lang="it-IT" dirty="0"/>
+              <a:rPr lang="en-US" dirty="0"/>
+              <a:t>&lt;dt&gt;College&lt;/dt&gt;</a:t>
+            </a:r>
           </a:p>
           <a:p>
             <a:pPr marL="0" indent="0">
               <a:buNone/>
             </a:pPr>
             <a:r>
-              <a:rPr lang="it-IT" dirty="0"/>
-              <a:t>&lt;ul&gt;</a:t>
-            </a:r>
-            <a:endParaRPr lang="it-IT" dirty="0"/>
+              <a:rPr lang="en-US" dirty="0"/>
+              <a:t>&lt;dd&gt;A boring place&lt;/dd&gt;</a:t>
+            </a:r>
           </a:p>
           <a:p>
             <a:pPr marL="0" indent="0">
               <a:buNone/>
             </a:pPr>
             <a:r>
-              <a:rPr lang="it-IT" dirty="0"/>
-              <a:t>&lt;li&gt;Windows 7&lt;/li&gt;</a:t>
-            </a:r>
-            <a:endParaRPr lang="it-IT" dirty="0"/>
-          </a:p>
-          <a:p>
-            <a:pPr marL="0" indent="0">
-              <a:buNone/>
-            </a:pPr>
-            <a:r>
-              <a:rPr lang="it-IT" dirty="0"/>
-              <a:t>&lt;/ul&gt;</a:t>
-            </a:r>
-            <a:endParaRPr lang="it-IT" dirty="0"/>
-          </a:p>
-          <a:p>
-            <a:pPr marL="0" indent="0">
-              <a:buNone/>
-            </a:pPr>
-            <a:r>
-              <a:rPr lang="it-IT" dirty="0"/>
-              <a:t>&lt;/ul&gt;</a:t>
-            </a:r>
-            <a:endParaRPr lang="en-US" dirty="0"/>
+              <a:rPr lang="en-US" dirty="0"/>
+              <a:t>&lt;/dl&gt;</a:t>
+            </a:r>
           </a:p>
         </p:txBody>
       </p:sp>
@@ -8510,19 +8540,7 @@
           <a:p>
             <a:r>
               <a:rPr lang="en-US" dirty="0" err="1"/>
-              <a:t>Pratical</a:t>
-            </a:r>
-            <a:r>
-              <a:rPr lang="en-US" dirty="0"/>
-              <a:t> 3 (</a:t>
-            </a:r>
-            <a:r>
-              <a:rPr lang="en-US" dirty="0" err="1"/>
               <a:t>Nasted</a:t>
-            </a:r>
-            <a:r>
-              <a:rPr lang="en-US" dirty="0"/>
-              <a:t> Ordered List)</a:t>
             </a:r>
             <a:endParaRPr lang="en-US" dirty="0"/>
           </a:p>
@@ -8540,13 +8558,13 @@
         </p:nvSpPr>
         <p:spPr>
           <a:xfrm>
-            <a:off x="1295401" y="2407024"/>
-            <a:ext cx="9601196" cy="3765176"/>
+            <a:off x="1295401" y="2556932"/>
+            <a:ext cx="9601196" cy="3615268"/>
           </a:xfrm>
         </p:spPr>
         <p:txBody>
           <a:bodyPr>
-            <a:noAutofit/>
+            <a:normAutofit/>
           </a:bodyPr>
           <a:lstStyle/>
           <a:p>
@@ -8554,120 +8572,36 @@
               <a:buNone/>
             </a:pPr>
             <a:r>
-              <a:rPr lang="it-IT" sz="2000" dirty="0"/>
-              <a:t>﻿&lt;ol type=</a:t>
-            </a:r>
-            <a:r>
-              <a:rPr lang="it-IT" sz="2000" dirty="0">
-                <a:cs typeface="Arial" panose="020B0604020202020204" pitchFamily="34" charset="0"/>
-              </a:rPr>
-              <a:t>"1"  </a:t>
-            </a:r>
-            <a:r>
-              <a:rPr lang="it-IT" sz="2000" dirty="0"/>
-              <a:t>&gt;</a:t>
-            </a:r>
-            <a:endParaRPr lang="it-IT" sz="2000" dirty="0"/>
+              <a:rPr lang="en-US" dirty="0"/>
+              <a:t>﻿Arrangement of data Under of similar type of data.</a:t>
+            </a:r>
           </a:p>
           <a:p>
             <a:pPr marL="0" indent="0">
               <a:buNone/>
             </a:pPr>
             <a:r>
-              <a:rPr lang="it-IT" sz="2000" dirty="0"/>
-              <a:t>&lt;li&gt;Linux&lt;/li&gt;</a:t>
-            </a:r>
-            <a:endParaRPr lang="it-IT" sz="2000" dirty="0"/>
-          </a:p>
-          <a:p>
-            <a:pPr marL="0" indent="0">
-              <a:buNone/>
-            </a:pPr>
-            <a:r>
-              <a:rPr lang="it-IT" sz="2000" dirty="0"/>
-              <a:t>&lt;ol type=</a:t>
-            </a:r>
-            <a:r>
-              <a:rPr lang="it-IT" sz="2000" dirty="0">
-                <a:cs typeface="Arial" panose="020B0604020202020204" pitchFamily="34" charset="0"/>
-              </a:rPr>
-              <a:t>"a" </a:t>
-            </a:r>
-            <a:r>
-              <a:rPr lang="it-IT" sz="2000" dirty="0"/>
-              <a:t>&gt;</a:t>
-            </a:r>
-            <a:endParaRPr lang="it-IT" sz="2000" dirty="0"/>
-          </a:p>
-          <a:p>
-            <a:pPr marL="0" indent="0">
-              <a:buNone/>
-            </a:pPr>
-            <a:r>
-              <a:rPr lang="it-IT" sz="2000" dirty="0"/>
-              <a:t>&lt;li&gt;Ubuntu&lt;/li&gt;&lt;/ul&gt;</a:t>
-            </a:r>
-            <a:endParaRPr lang="it-IT" sz="2000" dirty="0"/>
-          </a:p>
-          <a:p>
-            <a:pPr marL="0" indent="0">
-              <a:buNone/>
-            </a:pPr>
-            <a:r>
-              <a:rPr lang="it-IT" sz="2000" dirty="0"/>
-              <a:t>&lt;li&gt;Windows&lt;/li&gt;</a:t>
-            </a:r>
-            <a:endParaRPr lang="it-IT" sz="2000" dirty="0"/>
-          </a:p>
-          <a:p>
-            <a:pPr marL="0" indent="0">
-              <a:buNone/>
-            </a:pPr>
-            <a:r>
-              <a:rPr lang="it-IT" sz="2000" dirty="0"/>
-              <a:t>&lt;ol type=</a:t>
-            </a:r>
-            <a:r>
-              <a:rPr lang="it-IT" sz="2000" dirty="0">
-                <a:cs typeface="Arial" panose="020B0604020202020204" pitchFamily="34" charset="0"/>
-              </a:rPr>
-              <a:t>"I" </a:t>
-            </a:r>
-            <a:r>
-              <a:rPr lang="it-IT" sz="2000" dirty="0"/>
-              <a:t>&gt;</a:t>
-            </a:r>
-            <a:endParaRPr lang="it-IT" sz="2000" dirty="0"/>
-          </a:p>
-          <a:p>
-            <a:pPr marL="0" indent="0">
-              <a:buNone/>
-            </a:pPr>
-            <a:r>
-              <a:rPr lang="it-IT" sz="2000" dirty="0"/>
-              <a:t>&lt;li&gt;Windows 7&lt;/li&gt;</a:t>
-            </a:r>
-            <a:endParaRPr lang="it-IT" sz="2000" dirty="0"/>
-          </a:p>
-          <a:p>
-            <a:pPr marL="0" indent="0">
-              <a:buNone/>
-            </a:pPr>
-            <a:r>
-              <a:rPr lang="it-IT" sz="2000" dirty="0"/>
-              <a:t>&lt;/ol&gt;</a:t>
-            </a:r>
-            <a:endParaRPr lang="it-IT" sz="2000" dirty="0"/>
-          </a:p>
-          <a:p>
-            <a:pPr marL="0" indent="0">
-              <a:buNone/>
-            </a:pPr>
-            <a:r>
-              <a:rPr lang="it-IT" sz="2000" dirty="0"/>
-              <a:t>&lt;/ol&gt;</a:t>
-            </a:r>
-            <a:endParaRPr lang="en-US" sz="2000" dirty="0"/>
+              <a:rPr lang="en-US" dirty="0"/>
+              <a:t>Use: </a:t>
+            </a:r>
+          </a:p>
+          <a:p>
+            <a:r>
+              <a:rPr lang="en-US" dirty="0"/>
+              <a:t>Arrangement</a:t>
+            </a:r>
+          </a:p>
+          <a:p>
+            <a:r>
+              <a:rPr lang="en-US" dirty="0"/>
+              <a:t>Loop</a:t>
+            </a:r>
+          </a:p>
+          <a:p>
+            <a:r>
+              <a:rPr lang="en-US" dirty="0"/>
+              <a:t>Condition like (  if, while, do while )</a:t>
+            </a:r>
           </a:p>
         </p:txBody>
       </p:sp>
@@ -8715,21 +8649,12 @@
           <a:p>
             <a:r>
               <a:rPr lang="en-US" dirty="0" err="1"/>
-              <a:t>Pratical</a:t>
-            </a:r>
-            <a:r>
-              <a:rPr lang="en-US" dirty="0"/>
-              <a:t> 3 (</a:t>
-            </a:r>
-            <a:r>
-              <a:rPr lang="en-US" dirty="0" err="1"/>
               <a:t>Nasted</a:t>
             </a:r>
             <a:r>
               <a:rPr lang="en-US" dirty="0"/>
-              <a:t> Ordered List)</a:t>
-            </a:r>
-            <a:endParaRPr lang="en-US" dirty="0"/>
+              <a:t> Unordered List</a:t>
+            </a:r>
           </a:p>
         </p:txBody>
       </p:sp>
@@ -8745,13 +8670,13 @@
         </p:nvSpPr>
         <p:spPr>
           <a:xfrm>
-            <a:off x="1295401" y="2407024"/>
-            <a:ext cx="9601196" cy="3765176"/>
+            <a:off x="1295401" y="2556932"/>
+            <a:ext cx="9601196" cy="3615268"/>
           </a:xfrm>
         </p:spPr>
         <p:txBody>
           <a:bodyPr>
-            <a:noAutofit/>
+            <a:normAutofit fontScale="85000" lnSpcReduction="20000"/>
           </a:bodyPr>
           <a:lstStyle/>
           <a:p>
@@ -8759,120 +8684,82 @@
               <a:buNone/>
             </a:pPr>
             <a:r>
-              <a:rPr lang="it-IT" sz="2000" dirty="0"/>
-              <a:t>﻿&lt;ol type=</a:t>
-            </a:r>
-            <a:r>
-              <a:rPr lang="it-IT" sz="2000" dirty="0">
-                <a:cs typeface="Arial" panose="020B0604020202020204" pitchFamily="34" charset="0"/>
-              </a:rPr>
-              <a:t>"1"  </a:t>
-            </a:r>
-            <a:r>
-              <a:rPr lang="it-IT" sz="2000" dirty="0"/>
-              <a:t>&gt;</a:t>
-            </a:r>
-            <a:endParaRPr lang="it-IT" sz="2000" dirty="0"/>
+              <a:rPr lang="it-IT" dirty="0"/>
+              <a:t>﻿&lt;ul&gt;</a:t>
+            </a:r>
           </a:p>
           <a:p>
             <a:pPr marL="0" indent="0">
               <a:buNone/>
             </a:pPr>
             <a:r>
-              <a:rPr lang="it-IT" sz="2000" dirty="0"/>
+              <a:rPr lang="it-IT" dirty="0"/>
               <a:t>&lt;li&gt;Linux&lt;/li&gt;</a:t>
             </a:r>
-            <a:endParaRPr lang="it-IT" sz="2000" dirty="0"/>
           </a:p>
           <a:p>
             <a:pPr marL="0" indent="0">
               <a:buNone/>
             </a:pPr>
             <a:r>
-              <a:rPr lang="it-IT" sz="2000" dirty="0"/>
-              <a:t>&lt;ol type=</a:t>
-            </a:r>
-            <a:r>
-              <a:rPr lang="it-IT" sz="2000" dirty="0">
-                <a:cs typeface="Arial" panose="020B0604020202020204" pitchFamily="34" charset="0"/>
-              </a:rPr>
-              <a:t>"a" </a:t>
-            </a:r>
-            <a:r>
-              <a:rPr lang="it-IT" sz="2000" dirty="0"/>
-              <a:t>&gt;</a:t>
-            </a:r>
-            <a:endParaRPr lang="it-IT" sz="2000" dirty="0"/>
+              <a:rPr lang="it-IT" dirty="0"/>
+              <a:t>&lt;ul&gt;</a:t>
+            </a:r>
           </a:p>
           <a:p>
             <a:pPr marL="0" indent="0">
               <a:buNone/>
             </a:pPr>
             <a:r>
-              <a:rPr lang="it-IT" sz="2000" dirty="0"/>
+              <a:rPr lang="it-IT" dirty="0"/>
               <a:t>&lt;li&gt;Ubuntu&lt;/li&gt;&lt;/ul&gt;</a:t>
             </a:r>
-            <a:endParaRPr lang="it-IT" sz="2000" dirty="0"/>
           </a:p>
           <a:p>
             <a:pPr marL="0" indent="0">
               <a:buNone/>
             </a:pPr>
             <a:r>
-              <a:rPr lang="it-IT" sz="2000" dirty="0"/>
+              <a:rPr lang="it-IT" dirty="0"/>
               <a:t>&lt;li&gt;Windows&lt;/li&gt;</a:t>
             </a:r>
-            <a:endParaRPr lang="it-IT" sz="2000" dirty="0"/>
           </a:p>
           <a:p>
             <a:pPr marL="0" indent="0">
               <a:buNone/>
             </a:pPr>
             <a:r>
-              <a:rPr lang="it-IT" sz="2000" dirty="0"/>
-              <a:t>&lt;ol type=</a:t>
-            </a:r>
-            <a:r>
-              <a:rPr lang="it-IT" sz="2000" dirty="0">
-                <a:cs typeface="Arial" panose="020B0604020202020204" pitchFamily="34" charset="0"/>
-              </a:rPr>
-              <a:t>"I" </a:t>
-            </a:r>
-            <a:r>
-              <a:rPr lang="it-IT" sz="2000" dirty="0"/>
-              <a:t>&gt;</a:t>
-            </a:r>
-            <a:endParaRPr lang="it-IT" sz="2000" dirty="0"/>
+              <a:rPr lang="it-IT" dirty="0"/>
+              <a:t>&lt;ul&gt;</a:t>
+            </a:r>
           </a:p>
           <a:p>
             <a:pPr marL="0" indent="0">
               <a:buNone/>
             </a:pPr>
             <a:r>
-              <a:rPr lang="it-IT" sz="2000" dirty="0"/>
+              <a:rPr lang="it-IT" dirty="0"/>
               <a:t>&lt;li&gt;Windows 7&lt;/li&gt;</a:t>
             </a:r>
-            <a:endParaRPr lang="it-IT" sz="2000" dirty="0"/>
           </a:p>
           <a:p>
             <a:pPr marL="0" indent="0">
               <a:buNone/>
             </a:pPr>
             <a:r>
-              <a:rPr lang="it-IT" sz="2000" dirty="0"/>
-              <a:t>&lt;/ol&gt;</a:t>
-            </a:r>
-            <a:endParaRPr lang="it-IT" sz="2000" dirty="0"/>
+              <a:rPr lang="it-IT" dirty="0"/>
+              <a:t>&lt;/ul&gt;</a:t>
+            </a:r>
           </a:p>
           <a:p>
             <a:pPr marL="0" indent="0">
               <a:buNone/>
             </a:pPr>
             <a:r>
-              <a:rPr lang="it-IT" sz="2000" dirty="0"/>
-              <a:t>&lt;/ol&gt;</a:t>
-            </a:r>
-            <a:endParaRPr lang="en-US" sz="2000" dirty="0"/>
+              <a:rPr lang="it-IT" dirty="0"/>
+              <a:t>&lt;/ul&gt;</a:t>
+            </a:r>
+            <a:endParaRPr lang="en-US" dirty="0"/>
           </a:p>
         </p:txBody>
       </p:sp>
@@ -8920,13 +8807,12 @@
           <a:p>
             <a:r>
               <a:rPr lang="en-US" dirty="0" err="1"/>
-              <a:t>Pratical</a:t>
-            </a:r>
-            <a:r>
-              <a:rPr lang="en-US" dirty="0"/>
-              <a:t> 4 (Table)</a:t>
-            </a:r>
-            <a:endParaRPr lang="en-US" dirty="0"/>
+              <a:t>Nasted</a:t>
+            </a:r>
+            <a:r>
+              <a:rPr lang="en-US" dirty="0"/>
+              <a:t> Ordered List</a:t>
+            </a:r>
           </a:p>
         </p:txBody>
       </p:sp>
@@ -8942,8 +8828,8 @@
         </p:nvSpPr>
         <p:spPr>
           <a:xfrm>
-            <a:off x="1295401" y="2756646"/>
-            <a:ext cx="9601196" cy="3415553"/>
+            <a:off x="1295401" y="2407024"/>
+            <a:ext cx="9601196" cy="3765176"/>
           </a:xfrm>
         </p:spPr>
         <p:txBody>
@@ -8952,56 +8838,115 @@
           </a:bodyPr>
           <a:lstStyle/>
           <a:p>
-            <a:r>
-              <a:rPr lang="en-US" sz="2000" dirty="0"/>
-              <a:t>&lt;table&gt;.....&lt;/table&gt; tags represents an HTML table.</a:t>
-            </a:r>
-            <a:endParaRPr lang="en-US" sz="2000" dirty="0"/>
-          </a:p>
-          <a:p>
-            <a:pPr lvl="1"/>
-            <a:r>
-              <a:rPr lang="en-US" dirty="0"/>
-              <a:t>&lt;tr&gt;....&lt;/tr&gt; tags represents a row in the table</a:t>
-            </a:r>
-            <a:endParaRPr lang="en-US" dirty="0"/>
-          </a:p>
-          <a:p>
-            <a:pPr lvl="2"/>
-            <a:r>
-              <a:rPr lang="en-US" sz="2000" dirty="0"/>
-              <a:t>&lt;</a:t>
-            </a:r>
-            <a:r>
-              <a:rPr lang="en-US" sz="2000" dirty="0" err="1"/>
-              <a:t>th</a:t>
-            </a:r>
-            <a:r>
-              <a:rPr lang="en-US" sz="2000" dirty="0"/>
-              <a:t>&gt;....&lt;/</a:t>
-            </a:r>
-            <a:r>
-              <a:rPr lang="en-US" sz="2000" dirty="0" err="1"/>
-              <a:t>th</a:t>
-            </a:r>
-            <a:r>
-              <a:rPr lang="en-US" sz="2000" dirty="0"/>
-              <a:t>&gt; tags is used to add a column heading in a column.</a:t>
-            </a:r>
-            <a:endParaRPr lang="en-US" sz="2000" dirty="0"/>
-          </a:p>
-          <a:p>
-            <a:pPr lvl="2"/>
-            <a:r>
-              <a:rPr lang="en-US" sz="2000" dirty="0"/>
-              <a:t>&lt;td&gt;.....&lt;/td&gt; tags are used to add data value in the column</a:t>
-            </a:r>
-            <a:endParaRPr lang="en-US" sz="2000" dirty="0"/>
-          </a:p>
-          <a:p>
             <a:pPr marL="0" indent="0">
               <a:buNone/>
             </a:pPr>
+            <a:r>
+              <a:rPr lang="it-IT" sz="2000" dirty="0"/>
+              <a:t>﻿&lt;ol type=</a:t>
+            </a:r>
+            <a:r>
+              <a:rPr lang="it-IT" sz="2000" dirty="0">
+                <a:cs typeface="Arial" panose="020B0604020202020204" pitchFamily="34" charset="0"/>
+              </a:rPr>
+              <a:t>"1"  </a:t>
+            </a:r>
+            <a:r>
+              <a:rPr lang="it-IT" sz="2000" dirty="0"/>
+              <a:t>&gt;</a:t>
+            </a:r>
+          </a:p>
+          <a:p>
+            <a:pPr marL="0" indent="0">
+              <a:buNone/>
+            </a:pPr>
+            <a:r>
+              <a:rPr lang="it-IT" sz="2000" dirty="0"/>
+              <a:t>&lt;li&gt;Linux&lt;/li&gt;</a:t>
+            </a:r>
+          </a:p>
+          <a:p>
+            <a:pPr marL="0" indent="0">
+              <a:buNone/>
+            </a:pPr>
+            <a:r>
+              <a:rPr lang="it-IT" sz="2000" dirty="0"/>
+              <a:t>&lt;ol type=</a:t>
+            </a:r>
+            <a:r>
+              <a:rPr lang="it-IT" sz="2000" dirty="0">
+                <a:cs typeface="Arial" panose="020B0604020202020204" pitchFamily="34" charset="0"/>
+              </a:rPr>
+              <a:t>"a" </a:t>
+            </a:r>
+            <a:r>
+              <a:rPr lang="it-IT" sz="2000" dirty="0"/>
+              <a:t>&gt;</a:t>
+            </a:r>
+          </a:p>
+          <a:p>
+            <a:pPr marL="0" indent="0">
+              <a:buNone/>
+            </a:pPr>
+            <a:r>
+              <a:rPr lang="it-IT" sz="2000" dirty="0"/>
+              <a:t>&lt;li&gt;Ubuntu&lt;/li&gt;&lt;/ul&gt;</a:t>
+            </a:r>
+          </a:p>
+          <a:p>
+            <a:pPr marL="0" indent="0">
+              <a:buNone/>
+            </a:pPr>
+            <a:r>
+              <a:rPr lang="it-IT" sz="2000" dirty="0"/>
+              <a:t>&lt;li&gt;Windows&lt;/li&gt;</a:t>
+            </a:r>
+          </a:p>
+          <a:p>
+            <a:pPr marL="0" indent="0">
+              <a:buNone/>
+            </a:pPr>
+            <a:r>
+              <a:rPr lang="it-IT" sz="2000" dirty="0"/>
+              <a:t>&lt;ol type=</a:t>
+            </a:r>
+            <a:r>
+              <a:rPr lang="it-IT" sz="2000" dirty="0">
+                <a:cs typeface="Arial" panose="020B0604020202020204" pitchFamily="34" charset="0"/>
+              </a:rPr>
+              <a:t>"I" </a:t>
+            </a:r>
+            <a:r>
+              <a:rPr lang="it-IT" sz="2000" dirty="0"/>
+              <a:t>&gt;</a:t>
+            </a:r>
+          </a:p>
+          <a:p>
+            <a:pPr marL="0" indent="0">
+              <a:buNone/>
+            </a:pPr>
+            <a:r>
+              <a:rPr lang="it-IT" sz="2000" dirty="0"/>
+              <a:t>&lt;li&gt;Windows 7&lt;/li&gt;</a:t>
+            </a:r>
+          </a:p>
+          <a:p>
+            <a:pPr marL="0" indent="0">
+              <a:buNone/>
+            </a:pPr>
+            <a:r>
+              <a:rPr lang="it-IT" sz="2000" dirty="0"/>
+              <a:t>&lt;/ol&gt;</a:t>
+            </a:r>
+          </a:p>
+          <a:p>
+            <a:pPr marL="0" indent="0">
+              <a:buNone/>
+            </a:pPr>
+            <a:r>
+              <a:rPr lang="it-IT" sz="2000" dirty="0"/>
+              <a:t>&lt;/ol&gt;</a:t>
+            </a:r>
             <a:endParaRPr lang="en-US" sz="2000" dirty="0"/>
           </a:p>
         </p:txBody>
@@ -9033,6 +8978,315 @@
       </p:grpSpPr>
       <p:sp>
         <p:nvSpPr>
+          <p:cNvPr id="2" name="Title 1"/>
+          <p:cNvSpPr>
+            <a:spLocks noGrp="1"/>
+          </p:cNvSpPr>
+          <p:nvPr>
+            <p:ph type="title"/>
+          </p:nvPr>
+        </p:nvSpPr>
+        <p:spPr/>
+        <p:txBody>
+          <a:bodyPr>
+            <a:normAutofit/>
+          </a:bodyPr>
+          <a:lstStyle/>
+          <a:p>
+            <a:r>
+              <a:rPr lang="en-US" dirty="0" err="1"/>
+              <a:t>Nasted</a:t>
+            </a:r>
+            <a:r>
+              <a:rPr lang="en-US" dirty="0"/>
+              <a:t> Ordered List</a:t>
+            </a:r>
+          </a:p>
+        </p:txBody>
+      </p:sp>
+      <p:sp>
+        <p:nvSpPr>
+          <p:cNvPr id="3" name="Content Placeholder 2"/>
+          <p:cNvSpPr>
+            <a:spLocks noGrp="1"/>
+          </p:cNvSpPr>
+          <p:nvPr>
+            <p:ph idx="1"/>
+          </p:nvPr>
+        </p:nvSpPr>
+        <p:spPr>
+          <a:xfrm>
+            <a:off x="1295401" y="2407024"/>
+            <a:ext cx="9601196" cy="3765176"/>
+          </a:xfrm>
+        </p:spPr>
+        <p:txBody>
+          <a:bodyPr>
+            <a:noAutofit/>
+          </a:bodyPr>
+          <a:lstStyle/>
+          <a:p>
+            <a:pPr marL="0" indent="0">
+              <a:buNone/>
+            </a:pPr>
+            <a:r>
+              <a:rPr lang="it-IT" sz="2000" dirty="0"/>
+              <a:t>﻿&lt;ol type=</a:t>
+            </a:r>
+            <a:r>
+              <a:rPr lang="it-IT" sz="2000" dirty="0">
+                <a:cs typeface="Arial" panose="020B0604020202020204" pitchFamily="34" charset="0"/>
+              </a:rPr>
+              <a:t>"1"  </a:t>
+            </a:r>
+            <a:r>
+              <a:rPr lang="it-IT" sz="2000" dirty="0"/>
+              <a:t>&gt;</a:t>
+            </a:r>
+          </a:p>
+          <a:p>
+            <a:pPr marL="0" indent="0">
+              <a:buNone/>
+            </a:pPr>
+            <a:r>
+              <a:rPr lang="it-IT" sz="2000" dirty="0"/>
+              <a:t>&lt;li&gt;Linux&lt;/li&gt;</a:t>
+            </a:r>
+          </a:p>
+          <a:p>
+            <a:pPr marL="0" indent="0">
+              <a:buNone/>
+            </a:pPr>
+            <a:r>
+              <a:rPr lang="it-IT" sz="2000" dirty="0"/>
+              <a:t>&lt;ol type=</a:t>
+            </a:r>
+            <a:r>
+              <a:rPr lang="it-IT" sz="2000" dirty="0">
+                <a:cs typeface="Arial" panose="020B0604020202020204" pitchFamily="34" charset="0"/>
+              </a:rPr>
+              <a:t>"a" </a:t>
+            </a:r>
+            <a:r>
+              <a:rPr lang="it-IT" sz="2000" dirty="0"/>
+              <a:t>&gt;</a:t>
+            </a:r>
+          </a:p>
+          <a:p>
+            <a:pPr marL="0" indent="0">
+              <a:buNone/>
+            </a:pPr>
+            <a:r>
+              <a:rPr lang="it-IT" sz="2000" dirty="0"/>
+              <a:t>&lt;li&gt;Ubuntu&lt;/li&gt;&lt;/ul&gt;</a:t>
+            </a:r>
+          </a:p>
+          <a:p>
+            <a:pPr marL="0" indent="0">
+              <a:buNone/>
+            </a:pPr>
+            <a:r>
+              <a:rPr lang="it-IT" sz="2000" dirty="0"/>
+              <a:t>&lt;li&gt;Windows&lt;/li&gt;</a:t>
+            </a:r>
+          </a:p>
+          <a:p>
+            <a:pPr marL="0" indent="0">
+              <a:buNone/>
+            </a:pPr>
+            <a:r>
+              <a:rPr lang="it-IT" sz="2000" dirty="0"/>
+              <a:t>&lt;ol type=</a:t>
+            </a:r>
+            <a:r>
+              <a:rPr lang="it-IT" sz="2000" dirty="0">
+                <a:cs typeface="Arial" panose="020B0604020202020204" pitchFamily="34" charset="0"/>
+              </a:rPr>
+              <a:t>"I" </a:t>
+            </a:r>
+            <a:r>
+              <a:rPr lang="it-IT" sz="2000" dirty="0"/>
+              <a:t>&gt;</a:t>
+            </a:r>
+          </a:p>
+          <a:p>
+            <a:pPr marL="0" indent="0">
+              <a:buNone/>
+            </a:pPr>
+            <a:r>
+              <a:rPr lang="it-IT" sz="2000" dirty="0"/>
+              <a:t>&lt;li&gt;Windows 7&lt;/li&gt;</a:t>
+            </a:r>
+          </a:p>
+          <a:p>
+            <a:pPr marL="0" indent="0">
+              <a:buNone/>
+            </a:pPr>
+            <a:r>
+              <a:rPr lang="it-IT" sz="2000" dirty="0"/>
+              <a:t>&lt;/ol&gt;</a:t>
+            </a:r>
+          </a:p>
+          <a:p>
+            <a:pPr marL="0" indent="0">
+              <a:buNone/>
+            </a:pPr>
+            <a:r>
+              <a:rPr lang="it-IT" sz="2000" dirty="0"/>
+              <a:t>&lt;/ol&gt;</a:t>
+            </a:r>
+            <a:endParaRPr lang="en-US" sz="2000" dirty="0"/>
+          </a:p>
+        </p:txBody>
+      </p:sp>
+    </p:spTree>
+  </p:cSld>
+  <p:clrMapOvr>
+    <a:masterClrMapping/>
+  </p:clrMapOvr>
+</p:sld>
+</file>
+
+<file path=ppt/slides/slide28.xml><?xml version="1.0" encoding="utf-8"?>
+<p:sld xmlns:a="http://schemas.openxmlformats.org/drawingml/2006/main" xmlns:r="http://schemas.openxmlformats.org/officeDocument/2006/relationships" xmlns:p="http://schemas.openxmlformats.org/presentationml/2006/main">
+  <p:cSld>
+    <p:spTree>
+      <p:nvGrpSpPr>
+        <p:cNvPr id="1" name=""/>
+        <p:cNvGrpSpPr/>
+        <p:nvPr/>
+      </p:nvGrpSpPr>
+      <p:grpSpPr>
+        <a:xfrm>
+          <a:off x="0" y="0"/>
+          <a:ext cx="0" cy="0"/>
+          <a:chOff x="0" y="0"/>
+          <a:chExt cx="0" cy="0"/>
+        </a:xfrm>
+      </p:grpSpPr>
+      <p:sp>
+        <p:nvSpPr>
+          <p:cNvPr id="2" name="Title 1"/>
+          <p:cNvSpPr>
+            <a:spLocks noGrp="1"/>
+          </p:cNvSpPr>
+          <p:nvPr>
+            <p:ph type="title"/>
+          </p:nvPr>
+        </p:nvSpPr>
+        <p:spPr/>
+        <p:txBody>
+          <a:bodyPr>
+            <a:normAutofit/>
+          </a:bodyPr>
+          <a:lstStyle/>
+          <a:p>
+            <a:r>
+              <a:rPr lang="en-US" dirty="0"/>
+              <a:t>Table</a:t>
+            </a:r>
+          </a:p>
+        </p:txBody>
+      </p:sp>
+      <p:sp>
+        <p:nvSpPr>
+          <p:cNvPr id="3" name="Content Placeholder 2"/>
+          <p:cNvSpPr>
+            <a:spLocks noGrp="1"/>
+          </p:cNvSpPr>
+          <p:nvPr>
+            <p:ph idx="1"/>
+          </p:nvPr>
+        </p:nvSpPr>
+        <p:spPr>
+          <a:xfrm>
+            <a:off x="1295401" y="2756646"/>
+            <a:ext cx="9601196" cy="3415553"/>
+          </a:xfrm>
+        </p:spPr>
+        <p:txBody>
+          <a:bodyPr>
+            <a:noAutofit/>
+          </a:bodyPr>
+          <a:lstStyle/>
+          <a:p>
+            <a:r>
+              <a:rPr lang="en-US" sz="2000" dirty="0"/>
+              <a:t>&lt;table&gt;.....&lt;/table&gt; tags represents an HTML table.</a:t>
+            </a:r>
+          </a:p>
+          <a:p>
+            <a:pPr lvl="1"/>
+            <a:r>
+              <a:rPr lang="en-US" dirty="0"/>
+              <a:t>&lt;tr&gt;....&lt;/tr&gt; tags represents a row in the table</a:t>
+            </a:r>
+          </a:p>
+          <a:p>
+            <a:pPr lvl="2"/>
+            <a:r>
+              <a:rPr lang="en-US" sz="2000" dirty="0"/>
+              <a:t>&lt;</a:t>
+            </a:r>
+            <a:r>
+              <a:rPr lang="en-US" sz="2000" dirty="0" err="1"/>
+              <a:t>th</a:t>
+            </a:r>
+            <a:r>
+              <a:rPr lang="en-US" sz="2000" dirty="0"/>
+              <a:t>&gt;....&lt;/</a:t>
+            </a:r>
+            <a:r>
+              <a:rPr lang="en-US" sz="2000" dirty="0" err="1"/>
+              <a:t>th</a:t>
+            </a:r>
+            <a:r>
+              <a:rPr lang="en-US" sz="2000" dirty="0"/>
+              <a:t>&gt; tags is used to add a column heading in a column.</a:t>
+            </a:r>
+          </a:p>
+          <a:p>
+            <a:pPr lvl="2"/>
+            <a:r>
+              <a:rPr lang="en-US" sz="2000" dirty="0"/>
+              <a:t>&lt;td&gt;.....&lt;/td&gt; tags are used to add data value in the column</a:t>
+            </a:r>
+          </a:p>
+          <a:p>
+            <a:pPr marL="0" indent="0">
+              <a:buNone/>
+            </a:pPr>
+            <a:endParaRPr lang="en-US" sz="2000" dirty="0"/>
+          </a:p>
+        </p:txBody>
+      </p:sp>
+    </p:spTree>
+  </p:cSld>
+  <p:clrMapOvr>
+    <a:masterClrMapping/>
+  </p:clrMapOvr>
+</p:sld>
+</file>
+
+<file path=ppt/slides/slide29.xml><?xml version="1.0" encoding="utf-8"?>
+<p:sld xmlns:a="http://schemas.openxmlformats.org/drawingml/2006/main" xmlns:r="http://schemas.openxmlformats.org/officeDocument/2006/relationships" xmlns:p="http://schemas.openxmlformats.org/presentationml/2006/main">
+  <p:cSld>
+    <p:spTree>
+      <p:nvGrpSpPr>
+        <p:cNvPr id="1" name=""/>
+        <p:cNvGrpSpPr/>
+        <p:nvPr/>
+      </p:nvGrpSpPr>
+      <p:grpSpPr>
+        <a:xfrm>
+          <a:off x="0" y="0"/>
+          <a:ext cx="0" cy="0"/>
+          <a:chOff x="0" y="0"/>
+          <a:chExt cx="0" cy="0"/>
+        </a:xfrm>
+      </p:grpSpPr>
+      <p:sp>
+        <p:nvSpPr>
           <p:cNvPr id="5" name="Rectangle 4"/>
           <p:cNvSpPr/>
           <p:nvPr/>
@@ -9040,7 +9294,7 @@
         <p:spPr>
           <a:xfrm>
             <a:off x="1775012" y="2549597"/>
-            <a:ext cx="9121586" cy="2862322"/>
+            <a:ext cx="9121586" cy="2861310"/>
           </a:xfrm>
           <a:prstGeom prst="rect">
             <a:avLst/>
@@ -9054,9 +9308,8 @@
           <a:p>
             <a:r>
               <a:rPr lang="en-US" dirty="0"/>
-              <a:t>﻿&lt;table border=“1”&gt;</a:t>
-            </a:r>
-            <a:endParaRPr lang="en-US" dirty="0"/>
+              <a:t>﻿&lt;table border=‘1’&gt;</a:t>
+            </a:r>
           </a:p>
           <a:p>
             <a:endParaRPr lang="en-US" dirty="0"/>
@@ -9071,7 +9324,6 @@
               <a:rPr lang="en-US" dirty="0"/>
               <a:t>&lt;tr&gt;																	&lt;/tr&gt;</a:t>
             </a:r>
-            <a:endParaRPr lang="en-US" dirty="0"/>
           </a:p>
           <a:p>
             <a:pPr>
@@ -9083,7 +9335,6 @@
               <a:rPr lang="en-US" dirty="0"/>
               <a:t>&lt;tr&gt;																	&lt;/tr&gt;</a:t>
             </a:r>
-            <a:endParaRPr lang="en-US" dirty="0"/>
           </a:p>
           <a:p>
             <a:pPr>
@@ -9095,7 +9346,6 @@
               <a:rPr lang="en-US" dirty="0"/>
               <a:t>&lt;tr&gt;																	&lt;/tr&gt;</a:t>
             </a:r>
-            <a:endParaRPr lang="en-US" dirty="0"/>
           </a:p>
           <a:p>
             <a:pPr>
@@ -9107,17 +9357,15 @@
               <a:rPr lang="en-US" dirty="0"/>
               <a:t>&lt;tr&gt;																	&lt;/tr&gt;</a:t>
             </a:r>
+          </a:p>
+          <a:p>
             <a:endParaRPr lang="en-US" dirty="0"/>
           </a:p>
           <a:p>
-            <a:endParaRPr lang="en-US" dirty="0"/>
-          </a:p>
-          <a:p>
             <a:r>
               <a:rPr lang="en-US" dirty="0"/>
               <a:t>&lt;/table&gt;</a:t>
             </a:r>
-            <a:endParaRPr lang="en-US" dirty="0"/>
           </a:p>
         </p:txBody>
       </p:sp>
@@ -9139,14 +9387,9 @@
           <a:lstStyle/>
           <a:p>
             <a:r>
-              <a:rPr lang="en-US" dirty="0" err="1"/>
-              <a:t>Pratical</a:t>
-            </a:r>
-            <a:r>
-              <a:rPr lang="en-US" dirty="0"/>
-              <a:t> 4 (Table)</a:t>
-            </a:r>
-            <a:endParaRPr lang="en-US" dirty="0"/>
+              <a:rPr lang="en-US" dirty="0"/>
+              <a:t>Table</a:t>
+            </a:r>
           </a:p>
         </p:txBody>
       </p:sp>
@@ -9171,9 +9414,27 @@
                 <a:tableStyleId>{5940675A-B579-460E-94D1-54222C63F5DA}</a:tableStyleId>
               </a:tblPr>
               <a:tblGrid>
-                <a:gridCol w="2333812"/>
-                <a:gridCol w="2333812"/>
-                <a:gridCol w="2333812"/>
+                <a:gridCol w="2333812">
+                  <a:extLst>
+                    <a:ext uri="{9D8B030D-6E8A-4147-A177-3AD203B41FA5}">
+                      <a16:colId xmlns:a16="http://schemas.microsoft.com/office/drawing/2014/main" val="20000"/>
+                    </a:ext>
+                  </a:extLst>
+                </a:gridCol>
+                <a:gridCol w="2333812">
+                  <a:extLst>
+                    <a:ext uri="{9D8B030D-6E8A-4147-A177-3AD203B41FA5}">
+                      <a16:colId xmlns:a16="http://schemas.microsoft.com/office/drawing/2014/main" val="20001"/>
+                    </a:ext>
+                  </a:extLst>
+                </a:gridCol>
+                <a:gridCol w="2333812">
+                  <a:extLst>
+                    <a:ext uri="{9D8B030D-6E8A-4147-A177-3AD203B41FA5}">
+                      <a16:colId xmlns:a16="http://schemas.microsoft.com/office/drawing/2014/main" val="20002"/>
+                    </a:ext>
+                  </a:extLst>
+                </a:gridCol>
               </a:tblGrid>
               <a:tr h="370840">
                 <a:tc>
@@ -9201,7 +9462,6 @@
                         <a:rPr lang="en-US" sz="2000" b="1" dirty="0"/>
                         <a:t>&gt; </a:t>
                       </a:r>
-                      <a:endParaRPr lang="en-US" sz="2000" b="1" dirty="0"/>
                     </a:p>
                   </a:txBody>
                   <a:tcPr/>
@@ -9231,7 +9491,6 @@
                         <a:rPr lang="en-US" sz="2000" b="1" dirty="0"/>
                         <a:t>&gt; </a:t>
                       </a:r>
-                      <a:endParaRPr lang="en-US" sz="2000" b="1" dirty="0"/>
                     </a:p>
                   </a:txBody>
                   <a:tcPr/>
@@ -9277,11 +9536,15 @@
                         <a:rPr lang="en-US" sz="2000" b="1" dirty="0"/>
                         <a:t>&gt;</a:t>
                       </a:r>
-                      <a:endParaRPr lang="en-US" sz="2000" b="1" dirty="0"/>
                     </a:p>
                   </a:txBody>
                   <a:tcPr/>
                 </a:tc>
+                <a:extLst>
+                  <a:ext uri="{0D108BD9-81ED-4DB2-BD59-A6C34878D82A}">
+                    <a16:rowId xmlns:a16="http://schemas.microsoft.com/office/drawing/2014/main" val="10000"/>
+                  </a:ext>
+                </a:extLst>
               </a:tr>
               <a:tr h="370840">
                 <a:tc>
@@ -9293,7 +9556,6 @@
                         <a:rPr lang="en-US" dirty="0"/>
                         <a:t>&lt;td&gt;Ravi&lt;/td&gt; </a:t>
                       </a:r>
-                      <a:endParaRPr lang="en-US" dirty="0"/>
                     </a:p>
                   </a:txBody>
                   <a:tcPr/>
@@ -9323,7 +9585,6 @@
                         <a:rPr lang="en-US" dirty="0"/>
                         <a:t>&lt;td&gt;101&lt;/td&gt;</a:t>
                       </a:r>
-                      <a:endParaRPr lang="en-US" dirty="0"/>
                     </a:p>
                   </a:txBody>
                   <a:tcPr/>
@@ -9353,11 +9614,15 @@
                         <a:rPr lang="en-US" dirty="0"/>
                         <a:t>&lt;td&gt;Pass&lt;/td&gt;</a:t>
                       </a:r>
-                      <a:endParaRPr lang="en-US" dirty="0"/>
                     </a:p>
                   </a:txBody>
                   <a:tcPr/>
                 </a:tc>
+                <a:extLst>
+                  <a:ext uri="{0D108BD9-81ED-4DB2-BD59-A6C34878D82A}">
+                    <a16:rowId xmlns:a16="http://schemas.microsoft.com/office/drawing/2014/main" val="10001"/>
+                  </a:ext>
+                </a:extLst>
               </a:tr>
               <a:tr h="370840">
                 <a:tc>
@@ -9385,7 +9650,6 @@
                         <a:rPr lang="en-US" dirty="0"/>
                         <a:t>&lt;td&gt;Ram&lt;/td&gt;</a:t>
                       </a:r>
-                      <a:endParaRPr lang="en-US" dirty="0"/>
                     </a:p>
                   </a:txBody>
                   <a:tcPr/>
@@ -9415,7 +9679,6 @@
                         <a:rPr lang="en-US" dirty="0"/>
                         <a:t>&lt;td&gt;102&lt;/td&gt;</a:t>
                       </a:r>
-                      <a:endParaRPr lang="en-US" dirty="0"/>
                     </a:p>
                   </a:txBody>
                   <a:tcPr/>
@@ -9445,11 +9708,15 @@
                         <a:rPr lang="en-US" dirty="0"/>
                         <a:t>&lt;td&gt;Pass&lt;/td&gt;</a:t>
                       </a:r>
-                      <a:endParaRPr lang="en-US" dirty="0"/>
                     </a:p>
                   </a:txBody>
                   <a:tcPr/>
                 </a:tc>
+                <a:extLst>
+                  <a:ext uri="{0D108BD9-81ED-4DB2-BD59-A6C34878D82A}">
+                    <a16:rowId xmlns:a16="http://schemas.microsoft.com/office/drawing/2014/main" val="10002"/>
+                  </a:ext>
+                </a:extLst>
               </a:tr>
               <a:tr h="370840">
                 <a:tc>
@@ -9477,7 +9744,6 @@
                         <a:rPr lang="en-US" dirty="0"/>
                         <a:t>&lt;td&gt;Hari&lt;/td&gt;</a:t>
                       </a:r>
-                      <a:endParaRPr lang="en-US" dirty="0"/>
                     </a:p>
                   </a:txBody>
                   <a:tcPr/>
@@ -9507,7 +9773,6 @@
                         <a:rPr lang="en-US" dirty="0"/>
                         <a:t>&lt;td&gt;103&lt;/td&gt;</a:t>
                       </a:r>
-                      <a:endParaRPr lang="en-US" dirty="0"/>
                     </a:p>
                   </a:txBody>
                   <a:tcPr/>
@@ -9537,11 +9802,15 @@
                         <a:rPr lang="en-US" dirty="0"/>
                         <a:t>&lt;td&gt;Pass&lt;/td&gt;</a:t>
                       </a:r>
-                      <a:endParaRPr lang="en-US" dirty="0"/>
                     </a:p>
                   </a:txBody>
                   <a:tcPr/>
                 </a:tc>
+                <a:extLst>
+                  <a:ext uri="{0D108BD9-81ED-4DB2-BD59-A6C34878D82A}">
+                    <a16:rowId xmlns:a16="http://schemas.microsoft.com/office/drawing/2014/main" val="10003"/>
+                  </a:ext>
+                </a:extLst>
               </a:tr>
             </a:tbl>
           </a:graphicData>
@@ -9555,7 +9824,7 @@
 </p:sld>
 </file>
 
-<file path=ppt/slides/slide28.xml><?xml version="1.0" encoding="utf-8"?>
+<file path=ppt/slides/slide3.xml><?xml version="1.0" encoding="utf-8"?>
 <p:sld xmlns:a="http://schemas.openxmlformats.org/drawingml/2006/main" xmlns:r="http://schemas.openxmlformats.org/officeDocument/2006/relationships" xmlns:p="http://schemas.openxmlformats.org/presentationml/2006/main">
   <p:cSld>
     <p:spTree>
@@ -9584,20 +9853,98 @@
         </p:nvSpPr>
         <p:spPr/>
         <p:txBody>
+          <a:bodyPr/>
+          <a:lstStyle/>
+          <a:p>
+            <a:r>
+              <a:rPr lang="en-US" dirty="0"/>
+              <a:t>Introduction</a:t>
+            </a:r>
+          </a:p>
+        </p:txBody>
+      </p:sp>
+      <p:pic>
+        <p:nvPicPr>
+          <p:cNvPr id="4" name="Content Placeholder 3">
+            <a:extLst>
+              <a:ext uri="{FF2B5EF4-FFF2-40B4-BE49-F238E27FC236}">
+                <a16:creationId xmlns:a16="http://schemas.microsoft.com/office/drawing/2014/main" id="{72B9C8D3-04E9-436F-9E0E-A6B4A4F46467}"/>
+              </a:ext>
+            </a:extLst>
+          </p:cNvPr>
+          <p:cNvPicPr>
+            <a:picLocks noGrp="1" noChangeAspect="1"/>
+          </p:cNvPicPr>
+          <p:nvPr>
+            <p:ph idx="1"/>
+          </p:nvPr>
+        </p:nvPicPr>
+        <p:blipFill rotWithShape="1">
+          <a:blip r:embed="rId2"/>
+          <a:srcRect t="3572"/>
+          <a:stretch/>
+        </p:blipFill>
+        <p:spPr>
+          <a:xfrm>
+            <a:off x="3391382" y="2675965"/>
+            <a:ext cx="5409236" cy="3199373"/>
+          </a:xfrm>
+          <a:prstGeom prst="rect">
+            <a:avLst/>
+          </a:prstGeom>
+        </p:spPr>
+      </p:pic>
+    </p:spTree>
+    <p:extLst>
+      <p:ext uri="{BB962C8B-B14F-4D97-AF65-F5344CB8AC3E}">
+        <p14:creationId xmlns:p14="http://schemas.microsoft.com/office/powerpoint/2010/main" val="415991189"/>
+      </p:ext>
+    </p:extLst>
+  </p:cSld>
+  <p:clrMapOvr>
+    <a:masterClrMapping/>
+  </p:clrMapOvr>
+</p:sld>
+</file>
+
+<file path=ppt/slides/slide30.xml><?xml version="1.0" encoding="utf-8"?>
+<p:sld xmlns:a="http://schemas.openxmlformats.org/drawingml/2006/main" xmlns:r="http://schemas.openxmlformats.org/officeDocument/2006/relationships" xmlns:p="http://schemas.openxmlformats.org/presentationml/2006/main">
+  <p:cSld>
+    <p:spTree>
+      <p:nvGrpSpPr>
+        <p:cNvPr id="1" name=""/>
+        <p:cNvGrpSpPr/>
+        <p:nvPr/>
+      </p:nvGrpSpPr>
+      <p:grpSpPr>
+        <a:xfrm>
+          <a:off x="0" y="0"/>
+          <a:ext cx="0" cy="0"/>
+          <a:chOff x="0" y="0"/>
+          <a:chExt cx="0" cy="0"/>
+        </a:xfrm>
+      </p:grpSpPr>
+      <p:sp>
+        <p:nvSpPr>
+          <p:cNvPr id="2" name="Title 1"/>
+          <p:cNvSpPr>
+            <a:spLocks noGrp="1"/>
+          </p:cNvSpPr>
+          <p:nvPr>
+            <p:ph type="title"/>
+          </p:nvPr>
+        </p:nvSpPr>
+        <p:spPr/>
+        <p:txBody>
           <a:bodyPr>
             <a:normAutofit/>
           </a:bodyPr>
           <a:lstStyle/>
           <a:p>
             <a:r>
-              <a:rPr lang="en-US" dirty="0" err="1"/>
-              <a:t>Pratical</a:t>
-            </a:r>
-            <a:r>
-              <a:rPr lang="en-US" dirty="0"/>
-              <a:t> 4 (Table)</a:t>
-            </a:r>
-            <a:endParaRPr lang="en-US" dirty="0"/>
+              <a:rPr lang="en-US" dirty="0"/>
+              <a:t>Table</a:t>
+            </a:r>
           </a:p>
         </p:txBody>
       </p:sp>
@@ -9622,9 +9969,27 @@
                 <a:tableStyleId>{5940675A-B579-460E-94D1-54222C63F5DA}</a:tableStyleId>
               </a:tblPr>
               <a:tblGrid>
-                <a:gridCol w="2333812"/>
-                <a:gridCol w="2333812"/>
-                <a:gridCol w="2333812"/>
+                <a:gridCol w="2333812">
+                  <a:extLst>
+                    <a:ext uri="{9D8B030D-6E8A-4147-A177-3AD203B41FA5}">
+                      <a16:colId xmlns:a16="http://schemas.microsoft.com/office/drawing/2014/main" val="20000"/>
+                    </a:ext>
+                  </a:extLst>
+                </a:gridCol>
+                <a:gridCol w="2333812">
+                  <a:extLst>
+                    <a:ext uri="{9D8B030D-6E8A-4147-A177-3AD203B41FA5}">
+                      <a16:colId xmlns:a16="http://schemas.microsoft.com/office/drawing/2014/main" val="20001"/>
+                    </a:ext>
+                  </a:extLst>
+                </a:gridCol>
+                <a:gridCol w="2333812">
+                  <a:extLst>
+                    <a:ext uri="{9D8B030D-6E8A-4147-A177-3AD203B41FA5}">
+                      <a16:colId xmlns:a16="http://schemas.microsoft.com/office/drawing/2014/main" val="20002"/>
+                    </a:ext>
+                  </a:extLst>
+                </a:gridCol>
               </a:tblGrid>
               <a:tr h="370840">
                 <a:tc>
@@ -9636,7 +10001,6 @@
                         <a:rPr lang="en-US" sz="2000" b="1" dirty="0"/>
                         <a:t>Name</a:t>
                       </a:r>
-                      <a:endParaRPr lang="en-US" sz="2000" b="1" dirty="0"/>
                     </a:p>
                   </a:txBody>
                   <a:tcPr/>
@@ -9650,7 +10014,6 @@
                         <a:rPr lang="en-US" sz="2000" b="1" dirty="0"/>
                         <a:t>Roll </a:t>
                       </a:r>
-                      <a:endParaRPr lang="en-US" sz="2000" b="1" dirty="0"/>
                     </a:p>
                   </a:txBody>
                   <a:tcPr/>
@@ -9680,11 +10043,15 @@
                         <a:rPr lang="en-US" sz="2000" b="1" dirty="0"/>
                         <a:t>Result</a:t>
                       </a:r>
-                      <a:endParaRPr lang="en-US" sz="2000" b="1" dirty="0"/>
                     </a:p>
                   </a:txBody>
                   <a:tcPr/>
                 </a:tc>
+                <a:extLst>
+                  <a:ext uri="{0D108BD9-81ED-4DB2-BD59-A6C34878D82A}">
+                    <a16:rowId xmlns:a16="http://schemas.microsoft.com/office/drawing/2014/main" val="10000"/>
+                  </a:ext>
+                </a:extLst>
               </a:tr>
               <a:tr h="370840">
                 <a:tc>
@@ -9696,7 +10063,6 @@
                         <a:rPr lang="en-US" dirty="0"/>
                         <a:t>Ravi</a:t>
                       </a:r>
-                      <a:endParaRPr lang="en-US" dirty="0"/>
                     </a:p>
                   </a:txBody>
                   <a:tcPr/>
@@ -9726,7 +10092,6 @@
                         <a:rPr lang="en-US" dirty="0"/>
                         <a:t>101</a:t>
                       </a:r>
-                      <a:endParaRPr lang="en-US" dirty="0"/>
                     </a:p>
                   </a:txBody>
                   <a:tcPr/>
@@ -9756,11 +10121,15 @@
                         <a:rPr lang="en-US" dirty="0"/>
                         <a:t>Pass</a:t>
                       </a:r>
-                      <a:endParaRPr lang="en-US" dirty="0"/>
                     </a:p>
                   </a:txBody>
                   <a:tcPr/>
                 </a:tc>
+                <a:extLst>
+                  <a:ext uri="{0D108BD9-81ED-4DB2-BD59-A6C34878D82A}">
+                    <a16:rowId xmlns:a16="http://schemas.microsoft.com/office/drawing/2014/main" val="10001"/>
+                  </a:ext>
+                </a:extLst>
               </a:tr>
               <a:tr h="309601">
                 <a:tc>
@@ -9788,7 +10157,6 @@
                         <a:rPr lang="en-US" dirty="0"/>
                         <a:t>Ram</a:t>
                       </a:r>
-                      <a:endParaRPr lang="en-US" dirty="0"/>
                     </a:p>
                   </a:txBody>
                   <a:tcPr/>
@@ -9818,7 +10186,6 @@
                         <a:rPr lang="en-US" dirty="0"/>
                         <a:t>102</a:t>
                       </a:r>
-                      <a:endParaRPr lang="en-US" dirty="0"/>
                     </a:p>
                   </a:txBody>
                   <a:tcPr/>
@@ -9848,11 +10215,15 @@
                         <a:rPr lang="en-US" dirty="0"/>
                         <a:t>Pass</a:t>
                       </a:r>
-                      <a:endParaRPr lang="en-US" dirty="0"/>
                     </a:p>
                   </a:txBody>
                   <a:tcPr/>
                 </a:tc>
+                <a:extLst>
+                  <a:ext uri="{0D108BD9-81ED-4DB2-BD59-A6C34878D82A}">
+                    <a16:rowId xmlns:a16="http://schemas.microsoft.com/office/drawing/2014/main" val="10002"/>
+                  </a:ext>
+                </a:extLst>
               </a:tr>
               <a:tr h="370840">
                 <a:tc>
@@ -9880,7 +10251,6 @@
                         <a:rPr lang="en-US" dirty="0"/>
                         <a:t>Hari</a:t>
                       </a:r>
-                      <a:endParaRPr lang="en-US" dirty="0"/>
                     </a:p>
                   </a:txBody>
                   <a:tcPr/>
@@ -9910,7 +10280,6 @@
                         <a:rPr lang="en-US" dirty="0"/>
                         <a:t>103</a:t>
                       </a:r>
-                      <a:endParaRPr lang="en-US" dirty="0"/>
                     </a:p>
                   </a:txBody>
                   <a:tcPr/>
@@ -9940,11 +10309,15 @@
                         <a:rPr lang="en-US" dirty="0"/>
                         <a:t>Pass</a:t>
                       </a:r>
-                      <a:endParaRPr lang="en-US" dirty="0"/>
                     </a:p>
                   </a:txBody>
                   <a:tcPr/>
                 </a:tc>
+                <a:extLst>
+                  <a:ext uri="{0D108BD9-81ED-4DB2-BD59-A6C34878D82A}">
+                    <a16:rowId xmlns:a16="http://schemas.microsoft.com/office/drawing/2014/main" val="10003"/>
+                  </a:ext>
+                </a:extLst>
               </a:tr>
             </a:tbl>
           </a:graphicData>
@@ -9958,7 +10331,7 @@
 </p:sld>
 </file>
 
-<file path=ppt/slides/slide29.xml><?xml version="1.0" encoding="utf-8"?>
+<file path=ppt/slides/slide31.xml><?xml version="1.0" encoding="utf-8"?>
 <p:sld xmlns:a="http://schemas.openxmlformats.org/drawingml/2006/main" xmlns:r="http://schemas.openxmlformats.org/officeDocument/2006/relationships" xmlns:p="http://schemas.openxmlformats.org/presentationml/2006/main">
   <p:cSld>
     <p:spTree>
@@ -9984,7 +10357,7 @@
         <p:spPr>
           <a:xfrm>
             <a:off x="1775012" y="2549597"/>
-            <a:ext cx="9121586" cy="2862322"/>
+            <a:ext cx="9121586" cy="2861310"/>
           </a:xfrm>
           <a:prstGeom prst="rect">
             <a:avLst/>
@@ -10000,7 +10373,6 @@
               <a:rPr lang="en-US" dirty="0"/>
               <a:t>﻿&lt;table border=“1”&gt;</a:t>
             </a:r>
-            <a:endParaRPr lang="en-US" dirty="0"/>
           </a:p>
           <a:p>
             <a:endParaRPr lang="en-US" dirty="0"/>
@@ -10015,7 +10387,6 @@
               <a:rPr lang="en-US" dirty="0"/>
               <a:t>&lt;tr&gt;																	&lt;/tr&gt;</a:t>
             </a:r>
-            <a:endParaRPr lang="en-US" dirty="0"/>
           </a:p>
           <a:p>
             <a:pPr>
@@ -10027,7 +10398,6 @@
               <a:rPr lang="en-US" dirty="0"/>
               <a:t>&lt;tr&gt;																	&lt;/tr&gt;</a:t>
             </a:r>
-            <a:endParaRPr lang="en-US" dirty="0"/>
           </a:p>
           <a:p>
             <a:pPr>
@@ -10039,7 +10409,6 @@
               <a:rPr lang="en-US" dirty="0"/>
               <a:t>&lt;tr&gt;																	&lt;/tr&gt;</a:t>
             </a:r>
-            <a:endParaRPr lang="en-US" dirty="0"/>
           </a:p>
           <a:p>
             <a:pPr>
@@ -10051,17 +10420,15 @@
               <a:rPr lang="en-US" dirty="0"/>
               <a:t>&lt;tr&gt;																	&lt;/tr&gt;</a:t>
             </a:r>
+          </a:p>
+          <a:p>
             <a:endParaRPr lang="en-US" dirty="0"/>
           </a:p>
           <a:p>
-            <a:endParaRPr lang="en-US" dirty="0"/>
-          </a:p>
-          <a:p>
             <a:r>
               <a:rPr lang="en-US" dirty="0"/>
               <a:t>&lt;/table&gt;</a:t>
             </a:r>
-            <a:endParaRPr lang="en-US" dirty="0"/>
           </a:p>
         </p:txBody>
       </p:sp>
@@ -10084,14 +10451,6 @@
           <a:p>
             <a:r>
               <a:rPr lang="en-US" dirty="0" err="1"/>
-              <a:t>Pratical</a:t>
-            </a:r>
-            <a:r>
-              <a:rPr lang="en-US" dirty="0"/>
-              <a:t> 4 (</a:t>
-            </a:r>
-            <a:r>
-              <a:rPr lang="en-US" dirty="0" err="1"/>
               <a:t>Rowspan</a:t>
             </a:r>
             <a:r>
@@ -10101,10 +10460,6 @@
             <a:r>
               <a:rPr lang="en-US" dirty="0" err="1"/>
               <a:t>Colspan</a:t>
-            </a:r>
-            <a:r>
-              <a:rPr lang="en-US" dirty="0"/>
-              <a:t>)</a:t>
             </a:r>
             <a:endParaRPr lang="en-US" dirty="0"/>
           </a:p>
@@ -10131,9 +10486,27 @@
                 <a:tableStyleId>{5940675A-B579-460E-94D1-54222C63F5DA}</a:tableStyleId>
               </a:tblPr>
               <a:tblGrid>
-                <a:gridCol w="2333812"/>
-                <a:gridCol w="2333812"/>
-                <a:gridCol w="2333812"/>
+                <a:gridCol w="2333812">
+                  <a:extLst>
+                    <a:ext uri="{9D8B030D-6E8A-4147-A177-3AD203B41FA5}">
+                      <a16:colId xmlns:a16="http://schemas.microsoft.com/office/drawing/2014/main" val="20000"/>
+                    </a:ext>
+                  </a:extLst>
+                </a:gridCol>
+                <a:gridCol w="2333812">
+                  <a:extLst>
+                    <a:ext uri="{9D8B030D-6E8A-4147-A177-3AD203B41FA5}">
+                      <a16:colId xmlns:a16="http://schemas.microsoft.com/office/drawing/2014/main" val="20001"/>
+                    </a:ext>
+                  </a:extLst>
+                </a:gridCol>
+                <a:gridCol w="2333812">
+                  <a:extLst>
+                    <a:ext uri="{9D8B030D-6E8A-4147-A177-3AD203B41FA5}">
+                      <a16:colId xmlns:a16="http://schemas.microsoft.com/office/drawing/2014/main" val="20002"/>
+                    </a:ext>
+                  </a:extLst>
+                </a:gridCol>
               </a:tblGrid>
               <a:tr h="370840">
                 <a:tc>
@@ -10161,7 +10534,6 @@
                         <a:rPr lang="en-US" sz="2000" b="1" dirty="0"/>
                         <a:t>&gt; </a:t>
                       </a:r>
-                      <a:endParaRPr lang="en-US" sz="2000" b="1" dirty="0"/>
                     </a:p>
                   </a:txBody>
                   <a:tcPr/>
@@ -10191,7 +10563,6 @@
                         <a:rPr lang="en-US" sz="2000" b="1" dirty="0"/>
                         <a:t>&gt; </a:t>
                       </a:r>
-                      <a:endParaRPr lang="en-US" sz="2000" b="1" dirty="0"/>
                     </a:p>
                   </a:txBody>
                   <a:tcPr/>
@@ -10237,11 +10608,15 @@
                         <a:rPr lang="en-US" sz="2000" b="1" dirty="0"/>
                         <a:t>&gt;</a:t>
                       </a:r>
-                      <a:endParaRPr lang="en-US" sz="2000" b="1" dirty="0"/>
                     </a:p>
                   </a:txBody>
                   <a:tcPr/>
                 </a:tc>
+                <a:extLst>
+                  <a:ext uri="{0D108BD9-81ED-4DB2-BD59-A6C34878D82A}">
+                    <a16:rowId xmlns:a16="http://schemas.microsoft.com/office/drawing/2014/main" val="10000"/>
+                  </a:ext>
+                </a:extLst>
               </a:tr>
               <a:tr h="370840">
                 <a:tc gridSpan="2">
@@ -10261,12 +10636,18 @@
                         <a:rPr lang="en-US" dirty="0"/>
                         <a:t>=“2”&gt;Ravi&lt;/td&gt;</a:t>
                       </a:r>
-                      <a:endParaRPr lang="en-US" dirty="0"/>
                     </a:p>
                   </a:txBody>
                   <a:tcPr/>
                 </a:tc>
                 <a:tc hMerge="1">
+                  <a:txBody>
+                    <a:bodyPr/>
+                    <a:lstStyle/>
+                    <a:p>
+                      <a:endParaRPr lang="en-US"/>
+                    </a:p>
+                  </a:txBody>
                   <a:tcPr/>
                 </a:tc>
                 <a:tc rowSpan="3">
@@ -10302,7 +10683,6 @@
                         <a:rPr lang="en-US" dirty="0"/>
                         <a:t>=“3”&gt;</a:t>
                       </a:r>
-                      <a:endParaRPr lang="en-US" dirty="0"/>
                     </a:p>
                     <a:p>
                       <a:pPr marL="0" marR="0" lvl="0" indent="0" algn="l" defTabSz="457200" rtl="0" eaLnBrk="1" fontAlgn="auto" latinLnBrk="0" hangingPunct="1">
@@ -10325,11 +10705,15 @@
                         <a:rPr lang="en-US" dirty="0"/>
                         <a:t>Pass&lt;/td&gt;</a:t>
                       </a:r>
-                      <a:endParaRPr lang="en-US" dirty="0"/>
                     </a:p>
                   </a:txBody>
                   <a:tcPr/>
                 </a:tc>
+                <a:extLst>
+                  <a:ext uri="{0D108BD9-81ED-4DB2-BD59-A6C34878D82A}">
+                    <a16:rowId xmlns:a16="http://schemas.microsoft.com/office/drawing/2014/main" val="10001"/>
+                  </a:ext>
+                </a:extLst>
               </a:tr>
               <a:tr h="370840">
                 <a:tc>
@@ -10357,7 +10741,6 @@
                         <a:rPr lang="en-US" dirty="0"/>
                         <a:t>&lt;td&gt;Ram&lt;/td&gt;</a:t>
                       </a:r>
-                      <a:endParaRPr lang="en-US" dirty="0"/>
                     </a:p>
                   </a:txBody>
                   <a:tcPr/>
@@ -10387,14 +10770,25 @@
                         <a:rPr lang="en-US" dirty="0"/>
                         <a:t>&lt;td&gt;102&lt;/td&gt;</a:t>
                       </a:r>
-                      <a:endParaRPr lang="en-US" dirty="0"/>
                     </a:p>
                   </a:txBody>
                   <a:tcPr/>
                 </a:tc>
                 <a:tc vMerge="1">
+                  <a:txBody>
+                    <a:bodyPr/>
+                    <a:lstStyle/>
+                    <a:p>
+                      <a:endParaRPr lang="en-US"/>
+                    </a:p>
+                  </a:txBody>
                   <a:tcPr/>
                 </a:tc>
+                <a:extLst>
+                  <a:ext uri="{0D108BD9-81ED-4DB2-BD59-A6C34878D82A}">
+                    <a16:rowId xmlns:a16="http://schemas.microsoft.com/office/drawing/2014/main" val="10002"/>
+                  </a:ext>
+                </a:extLst>
               </a:tr>
               <a:tr h="370840">
                 <a:tc>
@@ -10422,7 +10816,6 @@
                         <a:rPr lang="en-US" dirty="0"/>
                         <a:t>&lt;td&gt;Hari&lt;/td&gt;</a:t>
                       </a:r>
-                      <a:endParaRPr lang="en-US" dirty="0"/>
                     </a:p>
                   </a:txBody>
                   <a:tcPr/>
@@ -10452,454 +10845,30 @@
                         <a:rPr lang="en-US" dirty="0"/>
                         <a:t>&lt;td&gt;103&lt;/td&gt;</a:t>
                       </a:r>
-                      <a:endParaRPr lang="en-US" dirty="0"/>
                     </a:p>
                   </a:txBody>
                   <a:tcPr/>
                 </a:tc>
                 <a:tc vMerge="1">
+                  <a:txBody>
+                    <a:bodyPr/>
+                    <a:lstStyle/>
+                    <a:p>
+                      <a:endParaRPr lang="en-US"/>
+                    </a:p>
+                  </a:txBody>
                   <a:tcPr/>
                 </a:tc>
+                <a:extLst>
+                  <a:ext uri="{0D108BD9-81ED-4DB2-BD59-A6C34878D82A}">
+                    <a16:rowId xmlns:a16="http://schemas.microsoft.com/office/drawing/2014/main" val="10003"/>
+                  </a:ext>
+                </a:extLst>
               </a:tr>
             </a:tbl>
           </a:graphicData>
         </a:graphic>
       </p:graphicFrame>
-    </p:spTree>
-  </p:cSld>
-  <p:clrMapOvr>
-    <a:masterClrMapping/>
-  </p:clrMapOvr>
-</p:sld>
-</file>
-
-<file path=ppt/slides/slide3.xml><?xml version="1.0" encoding="utf-8"?>
-<p:sld xmlns:a="http://schemas.openxmlformats.org/drawingml/2006/main" xmlns:r="http://schemas.openxmlformats.org/officeDocument/2006/relationships" xmlns:p="http://schemas.openxmlformats.org/presentationml/2006/main">
-  <p:cSld>
-    <p:spTree>
-      <p:nvGrpSpPr>
-        <p:cNvPr id="1" name=""/>
-        <p:cNvGrpSpPr/>
-        <p:nvPr/>
-      </p:nvGrpSpPr>
-      <p:grpSpPr>
-        <a:xfrm>
-          <a:off x="0" y="0"/>
-          <a:ext cx="0" cy="0"/>
-          <a:chOff x="0" y="0"/>
-          <a:chExt cx="0" cy="0"/>
-        </a:xfrm>
-      </p:grpSpPr>
-      <p:sp>
-        <p:nvSpPr>
-          <p:cNvPr id="2" name="Title 1"/>
-          <p:cNvSpPr>
-            <a:spLocks noGrp="1"/>
-          </p:cNvSpPr>
-          <p:nvPr>
-            <p:ph type="title"/>
-          </p:nvPr>
-        </p:nvSpPr>
-        <p:spPr/>
-        <p:txBody>
-          <a:bodyPr/>
-          <a:lstStyle/>
-          <a:p>
-            <a:r>
-              <a:rPr lang="en-US" dirty="0"/>
-              <a:t>What is Html</a:t>
-            </a:r>
-            <a:endParaRPr lang="en-US" dirty="0"/>
-          </a:p>
-        </p:txBody>
-      </p:sp>
-      <p:sp>
-        <p:nvSpPr>
-          <p:cNvPr id="3" name="Content Placeholder 2"/>
-          <p:cNvSpPr>
-            <a:spLocks noGrp="1"/>
-          </p:cNvSpPr>
-          <p:nvPr>
-            <p:ph idx="1"/>
-          </p:nvPr>
-        </p:nvSpPr>
-        <p:spPr/>
-        <p:txBody>
-          <a:bodyPr>
-            <a:normAutofit fontScale="92500" lnSpcReduction="10000"/>
-          </a:bodyPr>
-          <a:lstStyle/>
-          <a:p>
-            <a:r>
-              <a:rPr lang="en-US" dirty="0"/>
-              <a:t>HTML provides a way of displaying Web pages with text and images or multimedia content. </a:t>
-            </a:r>
-            <a:endParaRPr lang="en-US" dirty="0"/>
-          </a:p>
-          <a:p>
-            <a:r>
-              <a:rPr lang="en-US" dirty="0"/>
-              <a:t>HTML is not a programming language, but a markup language. </a:t>
-            </a:r>
-            <a:endParaRPr lang="en-US" dirty="0"/>
-          </a:p>
-          <a:p>
-            <a:r>
-              <a:rPr lang="en-US" dirty="0"/>
-              <a:t>An HTML file is a text file containing small markup tags. </a:t>
-            </a:r>
-            <a:endParaRPr lang="en-US" dirty="0"/>
-          </a:p>
-          <a:p>
-            <a:r>
-              <a:rPr lang="en-US" dirty="0"/>
-              <a:t>The markup tags tell the Web browser, such as </a:t>
-            </a:r>
-            <a:r>
-              <a:rPr lang="en-US" dirty="0" err="1"/>
-              <a:t>Mozila</a:t>
-            </a:r>
-            <a:r>
-              <a:rPr lang="en-US" dirty="0"/>
-              <a:t> Firefox or Google Chrome, how to display the page. </a:t>
-            </a:r>
-            <a:endParaRPr lang="en-US" dirty="0"/>
-          </a:p>
-          <a:p>
-            <a:r>
-              <a:rPr lang="en-US" dirty="0"/>
-              <a:t>An HTML file must have an htm or html file extension. HTML stands for </a:t>
-            </a:r>
-            <a:r>
-              <a:rPr lang="en-US" dirty="0" err="1"/>
-              <a:t>HyperText</a:t>
-            </a:r>
-            <a:r>
-              <a:rPr lang="en-US" dirty="0"/>
-              <a:t> Markup Language.</a:t>
-            </a:r>
-            <a:endParaRPr lang="en-US" dirty="0"/>
-          </a:p>
-        </p:txBody>
-      </p:sp>
-    </p:spTree>
-  </p:cSld>
-  <p:clrMapOvr>
-    <a:masterClrMapping/>
-  </p:clrMapOvr>
-</p:sld>
-</file>
-
-<file path=ppt/slides/slide30.xml><?xml version="1.0" encoding="utf-8"?>
-<p:sld xmlns:a="http://schemas.openxmlformats.org/drawingml/2006/main" xmlns:r="http://schemas.openxmlformats.org/officeDocument/2006/relationships" xmlns:p="http://schemas.openxmlformats.org/presentationml/2006/main">
-  <p:cSld>
-    <p:spTree>
-      <p:nvGrpSpPr>
-        <p:cNvPr id="1" name=""/>
-        <p:cNvGrpSpPr/>
-        <p:nvPr/>
-      </p:nvGrpSpPr>
-      <p:grpSpPr>
-        <a:xfrm>
-          <a:off x="0" y="0"/>
-          <a:ext cx="0" cy="0"/>
-          <a:chOff x="0" y="0"/>
-          <a:chExt cx="0" cy="0"/>
-        </a:xfrm>
-      </p:grpSpPr>
-      <p:sp>
-        <p:nvSpPr>
-          <p:cNvPr id="2" name="Title 1"/>
-          <p:cNvSpPr>
-            <a:spLocks noGrp="1"/>
-          </p:cNvSpPr>
-          <p:nvPr>
-            <p:ph type="title"/>
-          </p:nvPr>
-        </p:nvSpPr>
-        <p:spPr/>
-        <p:txBody>
-          <a:bodyPr>
-            <a:normAutofit/>
-          </a:bodyPr>
-          <a:lstStyle/>
-          <a:p>
-            <a:r>
-              <a:rPr lang="en-US" dirty="0" err="1"/>
-              <a:t>Pratical</a:t>
-            </a:r>
-            <a:r>
-              <a:rPr lang="en-US" dirty="0"/>
-              <a:t> 4 (Attributes)</a:t>
-            </a:r>
-            <a:endParaRPr lang="en-US" dirty="0"/>
-          </a:p>
-        </p:txBody>
-      </p:sp>
-      <p:sp>
-        <p:nvSpPr>
-          <p:cNvPr id="5" name="Content Placeholder 4"/>
-          <p:cNvSpPr>
-            <a:spLocks noGrp="1"/>
-          </p:cNvSpPr>
-          <p:nvPr>
-            <p:ph idx="1"/>
-          </p:nvPr>
-        </p:nvSpPr>
-        <p:spPr/>
-        <p:txBody>
-          <a:bodyPr>
-            <a:normAutofit lnSpcReduction="10000"/>
-          </a:bodyPr>
-          <a:lstStyle/>
-          <a:p>
-            <a:r>
-              <a:rPr lang="en-US" dirty="0"/>
-              <a:t>For background color and color</a:t>
-            </a:r>
-            <a:endParaRPr lang="en-US" dirty="0"/>
-          </a:p>
-          <a:p>
-            <a:pPr marL="0" indent="0">
-              <a:buNone/>
-            </a:pPr>
-            <a:r>
-              <a:rPr lang="en-US" dirty="0"/>
-              <a:t>&lt;p </a:t>
-            </a:r>
-            <a:r>
-              <a:rPr lang="en-US" dirty="0" err="1"/>
-              <a:t>bgcolor</a:t>
-            </a:r>
-            <a:r>
-              <a:rPr lang="en-US" dirty="0"/>
-              <a:t>=“red” </a:t>
-            </a:r>
-            <a:r>
-              <a:rPr lang="en-US" dirty="0" err="1"/>
-              <a:t>bgcolor</a:t>
-            </a:r>
-            <a:r>
-              <a:rPr lang="en-US" dirty="0"/>
-              <a:t>=“white”&gt; &gt;something&lt;/p&gt;</a:t>
-            </a:r>
-            <a:endParaRPr lang="en-US" dirty="0"/>
-          </a:p>
-          <a:p>
-            <a:r>
-              <a:rPr lang="en-US" dirty="0"/>
-              <a:t>For width</a:t>
-            </a:r>
-            <a:endParaRPr lang="en-US" dirty="0"/>
-          </a:p>
-          <a:p>
-            <a:pPr marL="0" indent="0">
-              <a:buNone/>
-            </a:pPr>
-            <a:r>
-              <a:rPr lang="en-US" dirty="0"/>
-              <a:t>&lt;p width=“20”&gt;something&lt;/p&gt;</a:t>
-            </a:r>
-            <a:endParaRPr lang="en-US" dirty="0"/>
-          </a:p>
-          <a:p>
-            <a:pPr marL="0" indent="0">
-              <a:buNone/>
-            </a:pPr>
-            <a:r>
-              <a:rPr lang="en-US" dirty="0"/>
-              <a:t>&lt; p width=“50%”&gt;something&lt;/ p &gt;</a:t>
-            </a:r>
-            <a:endParaRPr lang="en-US" dirty="0"/>
-          </a:p>
-          <a:p>
-            <a:r>
-              <a:rPr lang="en-US" dirty="0"/>
-              <a:t>For Align</a:t>
-            </a:r>
-            <a:endParaRPr lang="en-US" dirty="0"/>
-          </a:p>
-          <a:p>
-            <a:pPr marL="0" indent="0">
-              <a:buNone/>
-            </a:pPr>
-            <a:r>
-              <a:rPr lang="en-US" dirty="0"/>
-              <a:t>&lt;p align=“center”&gt;something&lt;/p&gt;</a:t>
-            </a:r>
-            <a:endParaRPr lang="en-US" dirty="0"/>
-          </a:p>
-        </p:txBody>
-      </p:sp>
-    </p:spTree>
-  </p:cSld>
-  <p:clrMapOvr>
-    <a:masterClrMapping/>
-  </p:clrMapOvr>
-</p:sld>
-</file>
-
-<file path=ppt/slides/slide31.xml><?xml version="1.0" encoding="utf-8"?>
-<p:sld xmlns:a="http://schemas.openxmlformats.org/drawingml/2006/main" xmlns:r="http://schemas.openxmlformats.org/officeDocument/2006/relationships" xmlns:p="http://schemas.openxmlformats.org/presentationml/2006/main">
-  <p:cSld>
-    <p:spTree>
-      <p:nvGrpSpPr>
-        <p:cNvPr id="1" name=""/>
-        <p:cNvGrpSpPr/>
-        <p:nvPr/>
-      </p:nvGrpSpPr>
-      <p:grpSpPr>
-        <a:xfrm>
-          <a:off x="0" y="0"/>
-          <a:ext cx="0" cy="0"/>
-          <a:chOff x="0" y="0"/>
-          <a:chExt cx="0" cy="0"/>
-        </a:xfrm>
-      </p:grpSpPr>
-      <p:sp>
-        <p:nvSpPr>
-          <p:cNvPr id="2" name="Title 1"/>
-          <p:cNvSpPr>
-            <a:spLocks noGrp="1"/>
-          </p:cNvSpPr>
-          <p:nvPr>
-            <p:ph type="title"/>
-          </p:nvPr>
-        </p:nvSpPr>
-        <p:spPr/>
-        <p:txBody>
-          <a:bodyPr>
-            <a:normAutofit/>
-          </a:bodyPr>
-          <a:lstStyle/>
-          <a:p>
-            <a:r>
-              <a:rPr lang="en-US" dirty="0" err="1"/>
-              <a:t>Pratical</a:t>
-            </a:r>
-            <a:r>
-              <a:rPr lang="en-US" dirty="0"/>
-              <a:t> 4 (Anchor)</a:t>
-            </a:r>
-            <a:endParaRPr lang="en-US" dirty="0"/>
-          </a:p>
-        </p:txBody>
-      </p:sp>
-      <p:sp>
-        <p:nvSpPr>
-          <p:cNvPr id="5" name="Content Placeholder 4"/>
-          <p:cNvSpPr>
-            <a:spLocks noGrp="1"/>
-          </p:cNvSpPr>
-          <p:nvPr>
-            <p:ph idx="1"/>
-          </p:nvPr>
-        </p:nvSpPr>
-        <p:spPr/>
-        <p:txBody>
-          <a:bodyPr>
-            <a:normAutofit fontScale="85000" lnSpcReduction="10000"/>
-          </a:bodyPr>
-          <a:lstStyle/>
-          <a:p>
-            <a:r>
-              <a:rPr lang="en-US" dirty="0"/>
-              <a:t>The &lt;a&gt; tag creates a hyperlink and the </a:t>
-            </a:r>
-            <a:r>
-              <a:rPr lang="en-US" dirty="0" err="1"/>
-              <a:t>href</a:t>
-            </a:r>
-            <a:r>
-              <a:rPr lang="en-US" dirty="0"/>
-              <a:t> attribute specifies the link destination. Replace "link_to_your_page.html" with the actual URL you want the image to link to when clicked.</a:t>
-            </a:r>
-            <a:endParaRPr lang="en-US" dirty="0"/>
-          </a:p>
-          <a:p>
-            <a:pPr marL="0" indent="0">
-              <a:buNone/>
-            </a:pPr>
-            <a:r>
-              <a:rPr lang="en-US" dirty="0"/>
-              <a:t>&lt;a </a:t>
-            </a:r>
-            <a:r>
-              <a:rPr lang="en-US" dirty="0" err="1"/>
-              <a:t>href</a:t>
-            </a:r>
-            <a:r>
-              <a:rPr lang="en-US" dirty="0"/>
-              <a:t>="https://example.com"&gt;</a:t>
-            </a:r>
-            <a:endParaRPr lang="en-US" dirty="0"/>
-          </a:p>
-          <a:p>
-            <a:pPr marL="0" indent="0">
-              <a:buNone/>
-            </a:pPr>
-            <a:r>
-              <a:rPr lang="en-US" dirty="0"/>
-              <a:t>home</a:t>
-            </a:r>
-            <a:endParaRPr lang="en-US" dirty="0"/>
-          </a:p>
-          <a:p>
-            <a:pPr marL="0" indent="0">
-              <a:buNone/>
-            </a:pPr>
-            <a:r>
-              <a:rPr lang="en-US" dirty="0"/>
-              <a:t>&lt;/a&gt;</a:t>
-            </a:r>
-            <a:endParaRPr lang="en-US" dirty="0"/>
-          </a:p>
-          <a:p>
-            <a:pPr marL="0" indent="0">
-              <a:buNone/>
-            </a:pPr>
-            <a:r>
-              <a:rPr lang="en-US" dirty="0"/>
-              <a:t>&lt;a </a:t>
-            </a:r>
-            <a:r>
-              <a:rPr lang="en-US" dirty="0" err="1"/>
-              <a:t>href</a:t>
-            </a:r>
-            <a:r>
-              <a:rPr lang="en-US" dirty="0"/>
-              <a:t>="https://example.com/about"&gt;</a:t>
-            </a:r>
-            <a:endParaRPr lang="en-US" dirty="0"/>
-          </a:p>
-          <a:p>
-            <a:pPr marL="0" indent="0">
-              <a:buNone/>
-            </a:pPr>
-            <a:r>
-              <a:rPr lang="en-US" dirty="0"/>
-              <a:t>home</a:t>
-            </a:r>
-            <a:endParaRPr lang="en-US" dirty="0"/>
-          </a:p>
-          <a:p>
-            <a:pPr marL="0" indent="0">
-              <a:buNone/>
-            </a:pPr>
-            <a:r>
-              <a:rPr lang="en-US" dirty="0"/>
-              <a:t>&lt;/a&gt;</a:t>
-            </a:r>
-            <a:endParaRPr lang="en-US" dirty="0"/>
-          </a:p>
-          <a:p>
-            <a:pPr marL="0" indent="0">
-              <a:buNone/>
-            </a:pPr>
-            <a:endParaRPr lang="en-US" dirty="0"/>
-          </a:p>
-        </p:txBody>
-      </p:sp>
     </p:spTree>
   </p:cSld>
   <p:clrMapOvr>
@@ -10943,69 +10912,64 @@
           <a:lstStyle/>
           <a:p>
             <a:r>
+              <a:rPr lang="en-US" dirty="0"/>
+              <a:t>Attributes</a:t>
+            </a:r>
+          </a:p>
+        </p:txBody>
+      </p:sp>
+      <p:sp>
+        <p:nvSpPr>
+          <p:cNvPr id="5" name="Content Placeholder 4"/>
+          <p:cNvSpPr>
+            <a:spLocks noGrp="1"/>
+          </p:cNvSpPr>
+          <p:nvPr>
+            <p:ph idx="1"/>
+          </p:nvPr>
+        </p:nvSpPr>
+        <p:spPr/>
+        <p:txBody>
+          <a:bodyPr>
+            <a:normAutofit lnSpcReduction="10000"/>
+          </a:bodyPr>
+          <a:lstStyle/>
+          <a:p>
+            <a:r>
+              <a:rPr lang="en-US" dirty="0"/>
+              <a:t>For background color and color</a:t>
+            </a:r>
+          </a:p>
+          <a:p>
+            <a:pPr marL="0" indent="0">
+              <a:buNone/>
+            </a:pPr>
+            <a:r>
+              <a:rPr lang="en-US" dirty="0"/>
+              <a:t>&lt;p </a:t>
+            </a:r>
+            <a:r>
               <a:rPr lang="en-US" dirty="0" err="1"/>
-              <a:t>Pratical</a:t>
-            </a:r>
-            <a:r>
-              <a:rPr lang="en-US" dirty="0"/>
-              <a:t> 4 (Image)</a:t>
-            </a:r>
-            <a:endParaRPr lang="en-US" dirty="0"/>
-          </a:p>
-        </p:txBody>
-      </p:sp>
-      <p:sp>
-        <p:nvSpPr>
-          <p:cNvPr id="5" name="Content Placeholder 4"/>
-          <p:cNvSpPr>
-            <a:spLocks noGrp="1"/>
-          </p:cNvSpPr>
-          <p:nvPr>
-            <p:ph idx="1"/>
-          </p:nvPr>
-        </p:nvSpPr>
-        <p:spPr/>
-        <p:txBody>
-          <a:bodyPr>
-            <a:normAutofit/>
-          </a:bodyPr>
-          <a:lstStyle/>
-          <a:p>
-            <a:r>
-              <a:rPr lang="en-US" dirty="0"/>
-              <a:t>The &lt;</a:t>
+              <a:t>bgcolor</a:t>
+            </a:r>
+            <a:r>
+              <a:rPr lang="en-US" dirty="0"/>
+              <a:t>=“red” </a:t>
             </a:r>
             <a:r>
               <a:rPr lang="en-US" dirty="0" err="1"/>
-              <a:t>img</a:t>
-            </a:r>
-            <a:r>
-              <a:rPr lang="en-US" dirty="0"/>
-              <a:t>&gt; tag is used to display the image.</a:t>
-            </a:r>
-            <a:endParaRPr lang="en-US" dirty="0"/>
-          </a:p>
-          <a:p>
-            <a:r>
-              <a:rPr lang="en-US" dirty="0"/>
-              <a:t>The </a:t>
-            </a:r>
-            <a:r>
-              <a:rPr lang="en-US" dirty="0" err="1"/>
-              <a:t>src</a:t>
-            </a:r>
-            <a:r>
-              <a:rPr lang="en-US" dirty="0"/>
-              <a:t> attribute specifies the path to the image file. Replace "path_to_your_image.jpg" with the actual path to your image.</a:t>
-            </a:r>
-            <a:endParaRPr lang="en-US" dirty="0"/>
-          </a:p>
-          <a:p>
-            <a:r>
-              <a:rPr lang="en-US" dirty="0"/>
-              <a:t>The alt attribute provides alternative text for the image. This text is displayed if the image fails to load or for accessibility purposes. Replace "Image description" with a brief description of the image.</a:t>
-            </a:r>
-            <a:endParaRPr lang="en-US" dirty="0"/>
+              <a:t>bgcolor</a:t>
+            </a:r>
+            <a:r>
+              <a:rPr lang="en-US" dirty="0"/>
+              <a:t>=“white”&gt; &gt;something&lt;/p&gt;</a:t>
+            </a:r>
+          </a:p>
+          <a:p>
+            <a:r>
+              <a:rPr lang="en-US" dirty="0"/>
+              <a:t>For width</a:t>
+            </a:r>
           </a:p>
           <a:p>
             <a:pPr marL="0" indent="0">
@@ -11013,25 +10977,32 @@
             </a:pPr>
             <a:r>
               <a:rPr lang="en-US" dirty="0"/>
-              <a:t>&lt;</a:t>
-            </a:r>
-            <a:r>
-              <a:rPr lang="en-US" dirty="0" err="1"/>
-              <a:t>img</a:t>
-            </a:r>
-            <a:r>
-              <a:rPr lang="en-US" dirty="0"/>
-              <a:t> </a:t>
-            </a:r>
-            <a:r>
-              <a:rPr lang="en-US" dirty="0" err="1"/>
-              <a:t>src</a:t>
-            </a:r>
-            <a:r>
-              <a:rPr lang="en-US" dirty="0"/>
-              <a:t>="images/example.jpg" alt="Example image"&gt;</a:t>
-            </a:r>
-            <a:endParaRPr lang="en-US" dirty="0"/>
+              <a:t>&lt;p width=“20”&gt;something&lt;/p&gt;</a:t>
+            </a:r>
+          </a:p>
+          <a:p>
+            <a:pPr marL="0" indent="0">
+              <a:buNone/>
+            </a:pPr>
+            <a:r>
+              <a:rPr lang="en-US" dirty="0"/>
+              <a:t>&lt; p width=“50%”&gt;something&lt;/ p &gt;</a:t>
+            </a:r>
+          </a:p>
+          <a:p>
+            <a:r>
+              <a:rPr lang="en-US" dirty="0"/>
+              <a:t>For Align</a:t>
+            </a:r>
+          </a:p>
+          <a:p>
+            <a:pPr marL="0" indent="0">
+              <a:buNone/>
+            </a:pPr>
+            <a:r>
+              <a:rPr lang="en-US" dirty="0"/>
+              <a:t>&lt;p align=“center”&gt;something&lt;/p&gt;</a:t>
+            </a:r>
           </a:p>
         </p:txBody>
       </p:sp>
@@ -11078,68 +11049,58 @@
           <a:lstStyle/>
           <a:p>
             <a:r>
+              <a:rPr lang="en-US" dirty="0"/>
+              <a:t>Anchor</a:t>
+            </a:r>
+          </a:p>
+        </p:txBody>
+      </p:sp>
+      <p:sp>
+        <p:nvSpPr>
+          <p:cNvPr id="5" name="Content Placeholder 4"/>
+          <p:cNvSpPr>
+            <a:spLocks noGrp="1"/>
+          </p:cNvSpPr>
+          <p:nvPr>
+            <p:ph idx="1"/>
+          </p:nvPr>
+        </p:nvSpPr>
+        <p:spPr/>
+        <p:txBody>
+          <a:bodyPr>
+            <a:normAutofit fontScale="85000" lnSpcReduction="10000"/>
+          </a:bodyPr>
+          <a:lstStyle/>
+          <a:p>
+            <a:r>
+              <a:rPr lang="en-US" dirty="0"/>
+              <a:t>The &lt;a&gt; tag creates a hyperlink and the </a:t>
+            </a:r>
+            <a:r>
               <a:rPr lang="en-US" dirty="0" err="1"/>
-              <a:t>Pratical</a:t>
-            </a:r>
-            <a:r>
-              <a:rPr lang="en-US" dirty="0"/>
-              <a:t> 4 (Audio)</a:t>
-            </a:r>
-            <a:endParaRPr lang="en-US" dirty="0"/>
-          </a:p>
-        </p:txBody>
-      </p:sp>
-      <p:sp>
-        <p:nvSpPr>
-          <p:cNvPr id="5" name="Content Placeholder 4"/>
-          <p:cNvSpPr>
-            <a:spLocks noGrp="1"/>
-          </p:cNvSpPr>
-          <p:nvPr>
-            <p:ph idx="1"/>
-          </p:nvPr>
-        </p:nvSpPr>
-        <p:spPr/>
-        <p:txBody>
-          <a:bodyPr>
-            <a:normAutofit fontScale="92500" lnSpcReduction="20000"/>
-          </a:bodyPr>
-          <a:lstStyle/>
-          <a:p>
-            <a:r>
-              <a:rPr lang="en-US" dirty="0"/>
-              <a:t>The &lt;audio&gt; tag is used to embed audio content.</a:t>
-            </a:r>
-            <a:endParaRPr lang="en-US" dirty="0"/>
-          </a:p>
-          <a:p>
-            <a:r>
-              <a:rPr lang="en-US" dirty="0"/>
-              <a:t>The </a:t>
+              <a:t>href</a:t>
+            </a:r>
+            <a:r>
+              <a:rPr lang="en-US" dirty="0"/>
+              <a:t> attribute specifies the link destination. Replace "link_to_your_page.html" with the actual URL you want the image to link to when clicked.</a:t>
+            </a:r>
+          </a:p>
+          <a:p>
+            <a:pPr marL="0" indent="0">
+              <a:buNone/>
+            </a:pPr>
+            <a:r>
+              <a:rPr lang="en-US" dirty="0"/>
+              <a:t>&lt;a </a:t>
             </a:r>
             <a:r>
               <a:rPr lang="en-US" dirty="0" err="1"/>
-              <a:t>src</a:t>
-            </a:r>
-            <a:r>
-              <a:rPr lang="en-US" dirty="0"/>
-              <a:t> attribute specifies the path to the audio file. Replace "path_to_audio.mp3" with the actual path to your audio file.</a:t>
-            </a:r>
-            <a:endParaRPr lang="en-US" dirty="0"/>
-          </a:p>
-          <a:p>
-            <a:r>
-              <a:rPr lang="en-US" dirty="0"/>
-              <a:t>The controls attribute adds playback controls (such as play, pause, volume control) to the audio player.</a:t>
-            </a:r>
-            <a:endParaRPr lang="en-US" dirty="0"/>
-          </a:p>
-          <a:p>
-            <a:r>
-              <a:rPr lang="en-US" dirty="0"/>
-              <a:t>The text "Your browser does not support the audio tag." is displayed if the browser does not support the audio tag or the audio format.</a:t>
-            </a:r>
-            <a:endParaRPr lang="en-US" dirty="0"/>
+              <a:t>href</a:t>
+            </a:r>
+            <a:r>
+              <a:rPr lang="en-US" dirty="0"/>
+              <a:t>="https://example.com"&gt;</a:t>
+            </a:r>
           </a:p>
           <a:p>
             <a:pPr marL="0" indent="0">
@@ -11147,16 +11108,57 @@
             </a:pPr>
             <a:r>
               <a:rPr lang="en-US" dirty="0"/>
-              <a:t>&lt;audio </a:t>
+              <a:t>home</a:t>
+            </a:r>
+          </a:p>
+          <a:p>
+            <a:pPr marL="0" indent="0">
+              <a:buNone/>
+            </a:pPr>
+            <a:r>
+              <a:rPr lang="en-US" dirty="0"/>
+              <a:t>&lt;/a&gt;</a:t>
+            </a:r>
+          </a:p>
+          <a:p>
+            <a:pPr marL="0" indent="0">
+              <a:buNone/>
+            </a:pPr>
+            <a:r>
+              <a:rPr lang="en-US" dirty="0"/>
+              <a:t>&lt;a </a:t>
             </a:r>
             <a:r>
               <a:rPr lang="en-US" dirty="0" err="1"/>
-              <a:t>src</a:t>
-            </a:r>
-            <a:r>
-              <a:rPr lang="en-US" dirty="0"/>
-              <a:t>="path_to_audio.mp3" controls&gt; Your browser does not support the audio tag. &lt;/audio&gt;</a:t>
-            </a:r>
+              <a:t>href</a:t>
+            </a:r>
+            <a:r>
+              <a:rPr lang="en-US" dirty="0"/>
+              <a:t>="https://example.com/about"&gt;</a:t>
+            </a:r>
+          </a:p>
+          <a:p>
+            <a:pPr marL="0" indent="0">
+              <a:buNone/>
+            </a:pPr>
+            <a:r>
+              <a:rPr lang="en-US" dirty="0"/>
+              <a:t>home</a:t>
+            </a:r>
+          </a:p>
+          <a:p>
+            <a:pPr marL="0" indent="0">
+              <a:buNone/>
+            </a:pPr>
+            <a:r>
+              <a:rPr lang="en-US" dirty="0"/>
+              <a:t>&lt;/a&gt;</a:t>
+            </a:r>
+          </a:p>
+          <a:p>
+            <a:pPr marL="0" indent="0">
+              <a:buNone/>
+            </a:pPr>
             <a:endParaRPr lang="en-US" dirty="0"/>
           </a:p>
         </p:txBody>
@@ -11204,39 +11206,41 @@
           <a:lstStyle/>
           <a:p>
             <a:r>
+              <a:rPr lang="en-US" dirty="0"/>
+              <a:t>Image</a:t>
+            </a:r>
+          </a:p>
+        </p:txBody>
+      </p:sp>
+      <p:sp>
+        <p:nvSpPr>
+          <p:cNvPr id="5" name="Content Placeholder 4"/>
+          <p:cNvSpPr>
+            <a:spLocks noGrp="1"/>
+          </p:cNvSpPr>
+          <p:nvPr>
+            <p:ph idx="1"/>
+          </p:nvPr>
+        </p:nvSpPr>
+        <p:spPr/>
+        <p:txBody>
+          <a:bodyPr>
+            <a:normAutofit/>
+          </a:bodyPr>
+          <a:lstStyle/>
+          <a:p>
+            <a:r>
+              <a:rPr lang="en-US" dirty="0"/>
+              <a:t>The &lt;</a:t>
+            </a:r>
+            <a:r>
               <a:rPr lang="en-US" dirty="0" err="1"/>
-              <a:t>Pratical</a:t>
-            </a:r>
-            <a:r>
-              <a:rPr lang="en-US" dirty="0"/>
-              <a:t> 4 (Video)</a:t>
-            </a:r>
-            <a:endParaRPr lang="en-US" dirty="0"/>
-          </a:p>
-        </p:txBody>
-      </p:sp>
-      <p:sp>
-        <p:nvSpPr>
-          <p:cNvPr id="5" name="Content Placeholder 4"/>
-          <p:cNvSpPr>
-            <a:spLocks noGrp="1"/>
-          </p:cNvSpPr>
-          <p:nvPr>
-            <p:ph idx="1"/>
-          </p:nvPr>
-        </p:nvSpPr>
-        <p:spPr/>
-        <p:txBody>
-          <a:bodyPr>
-            <a:normAutofit fontScale="92500" lnSpcReduction="20000"/>
-          </a:bodyPr>
-          <a:lstStyle/>
-          <a:p>
-            <a:r>
-              <a:rPr lang="en-US" dirty="0"/>
-              <a:t>The &lt;video&gt; tag is used to embed video content.</a:t>
-            </a:r>
-            <a:endParaRPr lang="en-US" dirty="0"/>
+              <a:t>img</a:t>
+            </a:r>
+            <a:r>
+              <a:rPr lang="en-US" dirty="0"/>
+              <a:t>&gt; tag is used to display the image.</a:t>
+            </a:r>
           </a:p>
           <a:p>
             <a:r>
@@ -11249,23 +11253,14 @@
             </a:r>
             <a:r>
               <a:rPr lang="en-US" dirty="0"/>
-              <a:t> attribute specifies the path to the video file. Replace "path_to_video.mp4" with the actual path to your video.</a:t>
-            </a:r>
-            <a:endParaRPr lang="en-US" dirty="0"/>
-          </a:p>
-          <a:p>
-            <a:r>
-              <a:rPr lang="en-US" dirty="0"/>
-              <a:t>The controls attribute adds playback controls (such as play, pause, volume control) to the video player.</a:t>
-            </a:r>
-            <a:endParaRPr lang="en-US" dirty="0"/>
-          </a:p>
-          <a:p>
-            <a:r>
-              <a:rPr lang="en-US" dirty="0"/>
-              <a:t>The text "Your browser does not support the video tag." is displayed if the browser does not support the video tag or the video format.</a:t>
-            </a:r>
-            <a:endParaRPr lang="en-US" dirty="0"/>
+              <a:t> attribute specifies the path to the image file. Replace "path_to_your_image.jpg" with the actual path to your image.</a:t>
+            </a:r>
+          </a:p>
+          <a:p>
+            <a:r>
+              <a:rPr lang="en-US" dirty="0"/>
+              <a:t>The alt attribute provides alternative text for the image. This text is displayed if the image fails to load or for accessibility purposes. Replace "Image description" with a brief description of the image.</a:t>
+            </a:r>
           </a:p>
           <a:p>
             <a:pPr marL="0" indent="0">
@@ -11273,7 +11268,15 @@
             </a:pPr>
             <a:r>
               <a:rPr lang="en-US" dirty="0"/>
-              <a:t>&lt;video </a:t>
+              <a:t>&lt;</a:t>
+            </a:r>
+            <a:r>
+              <a:rPr lang="en-US" dirty="0" err="1"/>
+              <a:t>img</a:t>
+            </a:r>
+            <a:r>
+              <a:rPr lang="en-US" dirty="0"/>
+              <a:t> </a:t>
             </a:r>
             <a:r>
               <a:rPr lang="en-US" dirty="0" err="1"/>
@@ -11281,9 +11284,8 @@
             </a:r>
             <a:r>
               <a:rPr lang="en-US" dirty="0"/>
-              <a:t>="path_to_video.mp4" controls&gt; Your browser does not support the video tag. &lt;/video&gt;</a:t>
-            </a:r>
-            <a:endParaRPr lang="en-US" dirty="0"/>
+              <a:t>="images/example.jpg" alt="Example image"&gt;</a:t>
+            </a:r>
           </a:p>
         </p:txBody>
       </p:sp>
@@ -11330,61 +11332,76 @@
           <a:lstStyle/>
           <a:p>
             <a:r>
+              <a:rPr lang="en-US" dirty="0"/>
+              <a:t>Audio</a:t>
+            </a:r>
+          </a:p>
+        </p:txBody>
+      </p:sp>
+      <p:sp>
+        <p:nvSpPr>
+          <p:cNvPr id="5" name="Content Placeholder 4"/>
+          <p:cNvSpPr>
+            <a:spLocks noGrp="1"/>
+          </p:cNvSpPr>
+          <p:nvPr>
+            <p:ph idx="1"/>
+          </p:nvPr>
+        </p:nvSpPr>
+        <p:spPr/>
+        <p:txBody>
+          <a:bodyPr>
+            <a:normAutofit fontScale="92500" lnSpcReduction="20000"/>
+          </a:bodyPr>
+          <a:lstStyle/>
+          <a:p>
+            <a:r>
+              <a:rPr lang="en-US" dirty="0"/>
+              <a:t>The &lt;audio&gt; tag is used to embed audio content.</a:t>
+            </a:r>
+          </a:p>
+          <a:p>
+            <a:r>
+              <a:rPr lang="en-US" dirty="0"/>
+              <a:t>The </a:t>
+            </a:r>
+            <a:r>
               <a:rPr lang="en-US" dirty="0" err="1"/>
-              <a:t>GRID</a:t>
-            </a:r>
-            <a:endParaRPr lang="en-US" dirty="0"/>
-          </a:p>
-        </p:txBody>
-      </p:sp>
-      <p:sp>
-        <p:nvSpPr>
-          <p:cNvPr id="5" name="Content Placeholder 4"/>
-          <p:cNvSpPr>
-            <a:spLocks noGrp="1"/>
-          </p:cNvSpPr>
-          <p:nvPr>
-            <p:ph idx="1"/>
-          </p:nvPr>
-        </p:nvSpPr>
-        <p:spPr>
-          <a:xfrm>
-            <a:off x="1295401" y="2541692"/>
-            <a:ext cx="9601196" cy="3318936"/>
-          </a:xfrm>
-        </p:spPr>
-        <p:txBody>
-          <a:bodyPr>
-            <a:normAutofit/>
-          </a:bodyPr>
-          <a:lstStyle/>
-          <a:p>
-            <a:r>
-              <a:rPr lang="en-US" dirty="0"/>
-              <a:t>grid-template-columns</a:t>
-            </a:r>
-            <a:endParaRPr lang="en-US" dirty="0"/>
-          </a:p>
-          <a:p>
-            <a:r>
-              <a:rPr lang="en-US" dirty="0"/>
-              <a:t>grid-template-rows</a:t>
-            </a:r>
-            <a:endParaRPr lang="en-US" dirty="0"/>
-          </a:p>
-          <a:p>
-            <a:r>
-              <a:rPr lang="en-US" dirty="0"/>
-              <a:t>grid-gap</a:t>
-            </a:r>
-            <a:endParaRPr lang="en-US" dirty="0"/>
-          </a:p>
-          <a:p>
-            <a:r>
-              <a:rPr lang="en-US" dirty="0"/>
-              <a:t>grid-area</a:t>
-            </a:r>
-            <a:endParaRPr lang="en-US" dirty="0"/>
+              <a:t>src</a:t>
+            </a:r>
+            <a:r>
+              <a:rPr lang="en-US" dirty="0"/>
+              <a:t> attribute specifies the path to the audio file. Replace "path_to_audio.mp3" with the actual path to your audio file.</a:t>
+            </a:r>
+          </a:p>
+          <a:p>
+            <a:r>
+              <a:rPr lang="en-US" dirty="0"/>
+              <a:t>The controls attribute adds playback controls (such as play, pause, volume control) to the audio player.</a:t>
+            </a:r>
+          </a:p>
+          <a:p>
+            <a:r>
+              <a:rPr lang="en-US" dirty="0"/>
+              <a:t>The text "Your browser does not support the audio tag." is displayed if the browser does not support the audio tag or the audio format.</a:t>
+            </a:r>
+          </a:p>
+          <a:p>
+            <a:pPr marL="0" indent="0">
+              <a:buNone/>
+            </a:pPr>
+            <a:r>
+              <a:rPr lang="en-US" dirty="0"/>
+              <a:t>&lt;audio </a:t>
+            </a:r>
+            <a:r>
+              <a:rPr lang="en-US" dirty="0" err="1"/>
+              <a:t>src</a:t>
+            </a:r>
+            <a:r>
+              <a:rPr lang="en-US" dirty="0"/>
+              <a:t>="path_to_audio.mp3" controls&gt; Your browser does not support the audio tag. &lt;/audio&gt;</a:t>
+            </a:r>
           </a:p>
         </p:txBody>
       </p:sp>
@@ -11431,12 +11448,9 @@
           <a:lstStyle/>
           <a:p>
             <a:r>
-              <a:rPr lang="en-US" dirty="0">
-                <a:sym typeface="+mn-ea"/>
-              </a:rPr>
-              <a:t>grid-template-columns/rows</a:t>
-            </a:r>
-            <a:endParaRPr lang="en-US" dirty="0"/>
+              <a:rPr lang="en-US" dirty="0"/>
+              <a:t>Video</a:t>
+            </a:r>
           </a:p>
         </p:txBody>
       </p:sp>
@@ -11450,171 +11464,60 @@
             <p:ph idx="1"/>
           </p:nvPr>
         </p:nvSpPr>
-        <p:spPr>
-          <a:xfrm>
-            <a:off x="1295401" y="2541692"/>
-            <a:ext cx="9601196" cy="3318936"/>
-          </a:xfrm>
-        </p:spPr>
+        <p:spPr/>
         <p:txBody>
           <a:bodyPr>
-            <a:normAutofit lnSpcReduction="20000"/>
+            <a:normAutofit fontScale="92500" lnSpcReduction="20000"/>
           </a:bodyPr>
           <a:lstStyle/>
           <a:p>
             <a:r>
               <a:rPr lang="en-US" dirty="0"/>
-              <a:t>grid-column-start / </a:t>
-            </a:r>
-            <a:r>
-              <a:rPr lang="en-US" dirty="0">
-                <a:sym typeface="+mn-ea"/>
-              </a:rPr>
-              <a:t>grid-row-start</a:t>
-            </a:r>
-            <a:endParaRPr lang="en-US" dirty="0"/>
-          </a:p>
-          <a:p>
-            <a:r>
-              <a:rPr lang="en-US" dirty="0"/>
-              <a:t>grid-column-end / </a:t>
-            </a:r>
-            <a:r>
-              <a:rPr lang="en-US" dirty="0">
-                <a:sym typeface="+mn-ea"/>
-              </a:rPr>
-              <a:t>grid-column-end</a:t>
-            </a:r>
-            <a:endParaRPr lang="en-US" dirty="0"/>
-          </a:p>
-          <a:p>
-            <a:r>
-              <a:rPr lang="en-US" dirty="0">
-                <a:sym typeface="+mn-ea"/>
-              </a:rPr>
-              <a:t>repeat</a:t>
-            </a:r>
-            <a:endParaRPr lang="en-US" dirty="0"/>
-          </a:p>
-          <a:p>
-            <a:r>
-              <a:rPr lang="en-US" dirty="0">
-                <a:sym typeface="+mn-ea"/>
-              </a:rPr>
-              <a:t>minmax(200px,1fr)</a:t>
-            </a:r>
-            <a:endParaRPr lang="en-US" dirty="0"/>
-          </a:p>
-          <a:p>
-            <a:r>
-              <a:rPr lang="en-US" dirty="0">
-                <a:sym typeface="+mn-ea"/>
-              </a:rPr>
-              <a:t>auto-fill</a:t>
-            </a:r>
-            <a:endParaRPr lang="en-US" dirty="0"/>
-          </a:p>
-          <a:p>
-            <a:r>
-              <a:rPr lang="en-US" dirty="0">
-                <a:sym typeface="+mn-ea"/>
-              </a:rPr>
-              <a:t>auto-fit</a:t>
-            </a:r>
-            <a:endParaRPr lang="en-US" dirty="0"/>
-          </a:p>
-          <a:p>
-            <a:endParaRPr lang="en-US" dirty="0"/>
-          </a:p>
-        </p:txBody>
-      </p:sp>
-    </p:spTree>
-  </p:cSld>
-  <p:clrMapOvr>
-    <a:masterClrMapping/>
-  </p:clrMapOvr>
-</p:sld>
-</file>
-
-<file path=ppt/slides/slide37.xml><?xml version="1.0" encoding="utf-8"?>
-<p:sld xmlns:a="http://schemas.openxmlformats.org/drawingml/2006/main" xmlns:r="http://schemas.openxmlformats.org/officeDocument/2006/relationships" xmlns:p="http://schemas.openxmlformats.org/presentationml/2006/main">
-  <p:cSld>
-    <p:spTree>
-      <p:nvGrpSpPr>
-        <p:cNvPr id="1" name=""/>
-        <p:cNvGrpSpPr/>
-        <p:nvPr/>
-      </p:nvGrpSpPr>
-      <p:grpSpPr/>
-      <p:sp>
-        <p:nvSpPr>
-          <p:cNvPr id="2" name="Title 1"/>
-          <p:cNvSpPr>
-            <a:spLocks noGrp="1"/>
-          </p:cNvSpPr>
-          <p:nvPr>
-            <p:ph type="title"/>
-          </p:nvPr>
-        </p:nvSpPr>
-        <p:spPr/>
-        <p:txBody>
-          <a:bodyPr/>
-          <a:p>
-            <a:r>
-              <a:rPr lang="en-US"/>
-              <a:t>Position</a:t>
-            </a:r>
-            <a:endParaRPr lang="en-US"/>
-          </a:p>
-        </p:txBody>
-      </p:sp>
-      <p:sp>
-        <p:nvSpPr>
-          <p:cNvPr id="3" name="Content Placeholder 2"/>
-          <p:cNvSpPr>
-            <a:spLocks noGrp="1"/>
-          </p:cNvSpPr>
-          <p:nvPr>
-            <p:ph idx="1"/>
-          </p:nvPr>
-        </p:nvSpPr>
-        <p:spPr/>
-        <p:txBody>
-          <a:bodyPr/>
-          <a:p>
-            <a:r>
-              <a:rPr lang="en-US"/>
-              <a:t>static</a:t>
-            </a:r>
-            <a:endParaRPr lang="en-US"/>
-          </a:p>
-          <a:p>
-            <a:r>
-              <a:rPr lang="en-US"/>
-              <a:t>relative</a:t>
-            </a:r>
-            <a:endParaRPr lang="en-US"/>
-          </a:p>
-          <a:p>
-            <a:r>
-              <a:rPr lang="en-US"/>
-              <a:t>absolute</a:t>
-            </a:r>
-            <a:endParaRPr lang="en-US"/>
-          </a:p>
-          <a:p>
-            <a:r>
-              <a:rPr lang="en-US"/>
-              <a:t>fixed</a:t>
-            </a:r>
-            <a:endParaRPr lang="en-US"/>
-          </a:p>
-          <a:p>
-            <a:r>
-              <a:rPr lang="en-US"/>
-              <a:t>sticky</a:t>
-            </a:r>
-            <a:endParaRPr lang="en-US"/>
+              <a:t>The &lt;video&gt; tag is used to embed video content.</a:t>
+            </a:r>
+          </a:p>
+          <a:p>
+            <a:r>
+              <a:rPr lang="en-US" dirty="0"/>
+              <a:t>The </a:t>
+            </a:r>
+            <a:r>
+              <a:rPr lang="en-US" dirty="0" err="1"/>
+              <a:t>src</a:t>
+            </a:r>
+            <a:r>
+              <a:rPr lang="en-US" dirty="0"/>
+              <a:t> attribute specifies the path to the video file. Replace "path_to_video.mp4" with the actual path to your video.</a:t>
+            </a:r>
+          </a:p>
+          <a:p>
+            <a:r>
+              <a:rPr lang="en-US" dirty="0"/>
+              <a:t>The controls attribute adds playback controls (such as play, pause, volume control) to the video player.</a:t>
+            </a:r>
+          </a:p>
+          <a:p>
+            <a:r>
+              <a:rPr lang="en-US" dirty="0"/>
+              <a:t>The text "Your browser does not support the video tag." is displayed if the browser does not support the video tag or the video format.</a:t>
+            </a:r>
+          </a:p>
+          <a:p>
+            <a:pPr marL="0" indent="0">
+              <a:buNone/>
+            </a:pPr>
+            <a:r>
+              <a:rPr lang="en-US" dirty="0"/>
+              <a:t>&lt;video </a:t>
+            </a:r>
+            <a:r>
+              <a:rPr lang="en-US" dirty="0" err="1"/>
+              <a:t>src</a:t>
+            </a:r>
+            <a:r>
+              <a:rPr lang="en-US" dirty="0"/>
+              <a:t>="path_to_video.mp4" controls&gt; Your browser does not support the video tag. &lt;/video&gt;</a:t>
+            </a:r>
           </a:p>
         </p:txBody>
       </p:sp>
@@ -11660,9 +11563,8 @@
           <a:p>
             <a:r>
               <a:rPr lang="en-US" dirty="0"/>
-              <a:t>Tags</a:t>
-            </a:r>
-            <a:endParaRPr lang="en-US" dirty="0"/>
+              <a:t>What is Html</a:t>
+            </a:r>
           </a:p>
         </p:txBody>
       </p:sp>
@@ -11678,35 +11580,55 @@
         </p:nvSpPr>
         <p:spPr/>
         <p:txBody>
-          <a:bodyPr/>
-          <a:lstStyle/>
-          <a:p>
-            <a:r>
-              <a:rPr lang="en-US" dirty="0"/>
-              <a:t>A tag is a bit of text that acts as a point demarcation. To create a tag, HTML gives certain characters special meaning: the angle brackets &lt; and &gt;.</a:t>
-            </a:r>
-            <a:br>
-              <a:rPr lang="en-US" dirty="0"/>
-            </a:br>
-            <a:r>
-              <a:rPr lang="en-US" dirty="0"/>
-              <a:t>tag.</a:t>
-            </a:r>
-            <a:br>
-              <a:rPr lang="en-US" dirty="0"/>
-            </a:br>
-            <a:r>
-              <a:rPr lang="en-US" dirty="0"/>
-              <a:t>Putting characters within angle brackets creates a</a:t>
-            </a:r>
-            <a:br>
-              <a:rPr lang="en-US" dirty="0"/>
-            </a:br>
-            <a:r>
-              <a:rPr lang="en-US" dirty="0"/>
-              <a:t>&lt;h1&gt; A heading &lt;/h1&gt;</a:t>
-            </a:r>
-            <a:endParaRPr lang="en-US" dirty="0"/>
+          <a:bodyPr>
+            <a:normAutofit fontScale="92500" lnSpcReduction="10000"/>
+          </a:bodyPr>
+          <a:lstStyle/>
+          <a:p>
+            <a:r>
+              <a:rPr lang="en-US" dirty="0"/>
+              <a:t>HTML provides a way of displaying Web pages with text and images or multimedia content. </a:t>
+            </a:r>
+          </a:p>
+          <a:p>
+            <a:r>
+              <a:rPr lang="en-US" dirty="0"/>
+              <a:t>HTML is not a programming language, but a markup language. </a:t>
+            </a:r>
+          </a:p>
+          <a:p>
+            <a:r>
+              <a:rPr lang="en-US" dirty="0"/>
+              <a:t>An HTML file is a text file containing small markup tags. </a:t>
+            </a:r>
+          </a:p>
+          <a:p>
+            <a:r>
+              <a:rPr lang="en-US" dirty="0"/>
+              <a:t>The markup tags tell the Web browser, such as </a:t>
+            </a:r>
+            <a:r>
+              <a:rPr lang="en-US" dirty="0" err="1"/>
+              <a:t>Mozila</a:t>
+            </a:r>
+            <a:r>
+              <a:rPr lang="en-US" dirty="0"/>
+              <a:t> Firefox or Google Chrome, how to display the page. </a:t>
+            </a:r>
+          </a:p>
+          <a:p>
+            <a:r>
+              <a:rPr lang="en-US" dirty="0"/>
+              <a:t>An HTML file must have an htm or html file extension. HTML stands for </a:t>
+            </a:r>
+            <a:r>
+              <a:rPr lang="en-US" dirty="0" err="1"/>
+              <a:t>HyperText</a:t>
+            </a:r>
+            <a:r>
+              <a:rPr lang="en-US" dirty="0"/>
+              <a:t> Markup Language.</a:t>
+            </a:r>
           </a:p>
         </p:txBody>
       </p:sp>
@@ -11752,9 +11674,8 @@
           <a:p>
             <a:r>
               <a:rPr lang="en-US" dirty="0"/>
-              <a:t>Attributes</a:t>
-            </a:r>
-            <a:endParaRPr lang="en-US" dirty="0"/>
+              <a:t>Tags</a:t>
+            </a:r>
           </a:p>
         </p:txBody>
       </p:sp>
@@ -11775,38 +11696,29 @@
           <a:p>
             <a:r>
               <a:rPr lang="en-US" dirty="0"/>
-              <a:t>Attributes provide additional information about the contents of an element. They appear on the opening tag of the element and are made up of two parts: - a name and a value, separated by an equals sign.</a:t>
+              <a:t>A tag is a bit of text that acts as a point demarcation. To create a tag, HTML gives certain characters special meaning: the angle brackets &lt; and &gt;.</a:t>
             </a:r>
             <a:br>
               <a:rPr lang="en-US" dirty="0"/>
             </a:br>
             <a:r>
               <a:rPr lang="en-US" dirty="0"/>
-              <a:t>&lt;p align="</a:t>
-            </a:r>
-            <a:r>
-              <a:rPr lang="en-US" dirty="0" err="1"/>
-              <a:t>center</a:t>
-            </a:r>
-            <a:r>
-              <a:rPr lang="en-US" dirty="0"/>
-              <a:t>"&gt;Paragraph in English &lt;/p&gt;</a:t>
+              <a:t>tag.</a:t>
             </a:r>
             <a:br>
               <a:rPr lang="en-US" dirty="0"/>
             </a:br>
             <a:r>
               <a:rPr lang="en-US" dirty="0"/>
-              <a:t>The attribute name indicates what kind of extra information you are supplying about the element's content. It should be written in lowercase.</a:t>
+              <a:t>Putting characters within angle brackets creates a</a:t>
             </a:r>
             <a:br>
               <a:rPr lang="en-US" dirty="0"/>
             </a:br>
             <a:r>
               <a:rPr lang="en-US" dirty="0"/>
-              <a:t>The value is the information or setting for the attribute. It should be placed in double quotes. Different attributes can have different values.</a:t>
-            </a:r>
-            <a:endParaRPr lang="en-US" dirty="0"/>
+              <a:t>&lt;h1&gt; A heading &lt;/h1&gt;</a:t>
+            </a:r>
           </a:p>
         </p:txBody>
       </p:sp>
@@ -11852,9 +11764,8 @@
           <a:p>
             <a:r>
               <a:rPr lang="en-US" dirty="0"/>
-              <a:t>HTML Tag</a:t>
-            </a:r>
-            <a:endParaRPr lang="en-US" dirty="0"/>
+              <a:t>Attributes</a:t>
+            </a:r>
           </a:p>
         </p:txBody>
       </p:sp>
@@ -11875,23 +11786,29 @@
           <a:p>
             <a:r>
               <a:rPr lang="en-US" dirty="0"/>
-              <a:t>&lt;HTML&gt; is a starting tag. To delimit the text inside, add a closing tag by adding a forward slash "/" to the starting tag. Most but not all tags have a closing tag. It is necessary to write the code for an HTML page between &lt;HTML&gt; and &lt;/HTML&gt;. This &lt;HTML&gt; tells the browser is 'this is the start of an HTML document' and &lt;/HTML&gt; 'this is the end of an HTML document'.</a:t>
+              <a:t>Attributes provide additional information about the contents of an element. They appear on the opening tag of the element and are made up of two parts: - a name and a value, separated by an equals sign.</a:t>
             </a:r>
             <a:br>
               <a:rPr lang="en-US" dirty="0"/>
             </a:br>
             <a:r>
               <a:rPr lang="en-US" dirty="0"/>
-              <a:t>&lt;html&gt;</a:t>
+              <a:t>&lt;p align="center"&gt;Paragraph in English &lt;/p&gt;</a:t>
             </a:r>
             <a:br>
               <a:rPr lang="en-US" dirty="0"/>
             </a:br>
             <a:r>
               <a:rPr lang="en-US" dirty="0"/>
-              <a:t>&lt;/html&gt;</a:t>
-            </a:r>
-            <a:endParaRPr lang="en-US" dirty="0"/>
+              <a:t>The attribute name indicates what kind of extra information you are supplying about the element's content. It should be written in lowercase.</a:t>
+            </a:r>
+            <a:br>
+              <a:rPr lang="en-US" dirty="0"/>
+            </a:br>
+            <a:r>
+              <a:rPr lang="en-US" dirty="0"/>
+              <a:t>The value is the information or setting for the attribute. It should be placed in double quotes. Different attributes can have different values.</a:t>
+            </a:r>
           </a:p>
         </p:txBody>
       </p:sp>
@@ -11937,9 +11854,8 @@
           <a:p>
             <a:r>
               <a:rPr lang="en-US" dirty="0"/>
-              <a:t>Head tag</a:t>
-            </a:r>
-            <a:endParaRPr lang="en-US" dirty="0"/>
+              <a:t>HTML Tag</a:t>
+            </a:r>
           </a:p>
         </p:txBody>
       </p:sp>
@@ -11955,14 +11871,12 @@
         </p:nvSpPr>
         <p:spPr/>
         <p:txBody>
-          <a:bodyPr>
-            <a:normAutofit fontScale="92500"/>
-          </a:bodyPr>
-          <a:lstStyle/>
-          <a:p>
-            <a:r>
-              <a:rPr lang="en-US" dirty="0"/>
-              <a:t>Before the &lt;body&gt; element you will often see a &lt;head&gt; element. This contains information about the page, rather than information that is shown within the main part of the browser. You will usually find a &lt;title&gt; element inside the &lt;head&gt; element. &lt;head&gt; is opening head tag and &lt;/head&gt; is closing head tag.</a:t>
+          <a:bodyPr/>
+          <a:lstStyle/>
+          <a:p>
+            <a:r>
+              <a:rPr lang="en-US" dirty="0"/>
+              <a:t>&lt;HTML&gt; is a starting tag. To delimit the text inside, add a closing tag by adding a forward slash "/" to the starting tag. Most but not all tags have a closing tag. It is necessary to write the code for an HTML page between &lt;HTML&gt; and &lt;/HTML&gt;. This &lt;HTML&gt; tells the browser is 'this is the start of an HTML document' and &lt;/HTML&gt; 'this is the end of an HTML document'.</a:t>
             </a:r>
             <a:br>
               <a:rPr lang="en-US" dirty="0"/>
@@ -11976,30 +11890,8 @@
             </a:br>
             <a:r>
               <a:rPr lang="en-US" dirty="0"/>
-              <a:t>&lt;head&gt;</a:t>
-            </a:r>
-            <a:br>
-              <a:rPr lang="en-US" dirty="0"/>
-            </a:br>
-            <a:r>
-              <a:rPr lang="en-US" dirty="0"/>
-              <a:t>&lt;title&gt; Hello &lt;/title&gt;</a:t>
-            </a:r>
-            <a:br>
-              <a:rPr lang="en-US" dirty="0"/>
-            </a:br>
-            <a:r>
-              <a:rPr lang="en-US" dirty="0"/>
-              <a:t>&lt;/head&gt;</a:t>
-            </a:r>
-            <a:br>
-              <a:rPr lang="en-US" dirty="0"/>
-            </a:br>
-            <a:r>
-              <a:rPr lang="en-US" dirty="0"/>
               <a:t>&lt;/html&gt;</a:t>
             </a:r>
-            <a:endParaRPr lang="en-US" dirty="0"/>
           </a:p>
         </p:txBody>
       </p:sp>
@@ -12045,9 +11937,8 @@
           <a:p>
             <a:r>
               <a:rPr lang="en-US" dirty="0"/>
-              <a:t>Types of tags</a:t>
-            </a:r>
-            <a:endParaRPr lang="en-US" dirty="0"/>
+              <a:t>Head tag</a:t>
+            </a:r>
           </a:p>
         </p:txBody>
       </p:sp>
@@ -12064,58 +11955,49 @@
         <p:spPr/>
         <p:txBody>
           <a:bodyPr>
-            <a:normAutofit/>
+            <a:normAutofit fontScale="92500"/>
           </a:bodyPr>
           <a:lstStyle/>
           <a:p>
-            <a:pPr marL="0" indent="0">
-              <a:buNone/>
-            </a:pPr>
-            <a:r>
-              <a:rPr lang="en-US" dirty="0"/>
-              <a:t>Container Tag - Which has opening and closing Tag. </a:t>
-            </a:r>
-            <a:endParaRPr lang="en-US" dirty="0"/>
-          </a:p>
-          <a:p>
-            <a:pPr marL="0" indent="0">
-              <a:buNone/>
-            </a:pPr>
-            <a:r>
-              <a:rPr lang="en-US" dirty="0"/>
-              <a:t>Ex: -</a:t>
-            </a:r>
-            <a:endParaRPr lang="en-US" dirty="0"/>
-          </a:p>
-          <a:p>
-            <a:pPr marL="0" indent="0">
-              <a:buNone/>
-            </a:pPr>
-            <a:r>
-              <a:rPr lang="en-US" dirty="0"/>
-              <a:t>&lt;html&gt;....... &lt;/html&gt;</a:t>
-            </a:r>
-            <a:endParaRPr lang="en-US" dirty="0"/>
-          </a:p>
-          <a:p>
-            <a:pPr marL="0" indent="0">
-              <a:buNone/>
-            </a:pPr>
-            <a:r>
-              <a:rPr lang="en-US" dirty="0"/>
-              <a:t>&lt;head&gt;....... &lt;/head&gt;</a:t>
-            </a:r>
-            <a:endParaRPr lang="en-US" dirty="0"/>
-          </a:p>
-          <a:p>
-            <a:pPr marL="0" indent="0">
-              <a:buNone/>
-            </a:pPr>
-            <a:r>
-              <a:rPr lang="en-US" dirty="0"/>
-              <a:t>&lt;body&gt;.......&lt;/body&gt;</a:t>
-            </a:r>
-            <a:endParaRPr lang="en-US" dirty="0"/>
+            <a:r>
+              <a:rPr lang="en-US" dirty="0"/>
+              <a:t>Before the &lt;body&gt; element you will often see a &lt;head&gt; element. This contains information about the page, rather than information that is shown within the main part of the browser. You will usually find a &lt;title&gt; element inside the &lt;head&gt; element. &lt;head&gt; is opening head tag and &lt;/head&gt; is closing head tag.</a:t>
+            </a:r>
+            <a:br>
+              <a:rPr lang="en-US" dirty="0"/>
+            </a:br>
+            <a:r>
+              <a:rPr lang="en-US" dirty="0"/>
+              <a:t>&lt;html&gt;</a:t>
+            </a:r>
+            <a:br>
+              <a:rPr lang="en-US" dirty="0"/>
+            </a:br>
+            <a:r>
+              <a:rPr lang="en-US" dirty="0"/>
+              <a:t>&lt;head&gt;</a:t>
+            </a:r>
+            <a:br>
+              <a:rPr lang="en-US" dirty="0"/>
+            </a:br>
+            <a:r>
+              <a:rPr lang="en-US" dirty="0"/>
+              <a:t>&lt;title&gt; Hello &lt;/title&gt;</a:t>
+            </a:r>
+            <a:br>
+              <a:rPr lang="en-US" dirty="0"/>
+            </a:br>
+            <a:r>
+              <a:rPr lang="en-US" dirty="0"/>
+              <a:t>&lt;/head&gt;</a:t>
+            </a:r>
+            <a:br>
+              <a:rPr lang="en-US" dirty="0"/>
+            </a:br>
+            <a:r>
+              <a:rPr lang="en-US" dirty="0"/>
+              <a:t>&lt;/html&gt;</a:t>
+            </a:r>
           </a:p>
         </p:txBody>
       </p:sp>
@@ -12163,7 +12045,6 @@
               <a:rPr lang="en-US" dirty="0"/>
               <a:t>Types of tags</a:t>
             </a:r>
-            <a:endParaRPr lang="en-US" dirty="0"/>
           </a:p>
         </p:txBody>
       </p:sp>
@@ -12184,21 +12065,22 @@
           </a:bodyPr>
           <a:lstStyle/>
           <a:p>
-            <a:r>
-              <a:rPr lang="en-US" dirty="0"/>
-              <a:t>﻿Empty Tag - which has only opening tag.</a:t>
-            </a:r>
-            <a:endParaRPr lang="en-US" dirty="0"/>
-          </a:p>
-          <a:p>
             <a:pPr marL="0" indent="0">
               <a:buNone/>
             </a:pPr>
             <a:r>
               <a:rPr lang="en-US" dirty="0"/>
+              <a:t>Container Tag - Which has opening and closing Tag. </a:t>
+            </a:r>
+          </a:p>
+          <a:p>
+            <a:pPr marL="0" indent="0">
+              <a:buNone/>
+            </a:pPr>
+            <a:r>
+              <a:rPr lang="en-US" dirty="0"/>
               <a:t>Ex: -</a:t>
             </a:r>
-            <a:endParaRPr lang="en-US" dirty="0"/>
           </a:p>
           <a:p>
             <a:pPr marL="0" indent="0">
@@ -12206,17 +12088,8 @@
             </a:pPr>
             <a:r>
               <a:rPr lang="en-US" dirty="0"/>
-              <a:t>&lt;</a:t>
-            </a:r>
-            <a:r>
-              <a:rPr lang="en-US" dirty="0" err="1"/>
-              <a:t>br</a:t>
-            </a:r>
-            <a:r>
-              <a:rPr lang="en-US" dirty="0"/>
-              <a:t>&gt;</a:t>
-            </a:r>
-            <a:endParaRPr lang="en-US" dirty="0"/>
+              <a:t>&lt;html&gt;....... &lt;/html&gt;</a:t>
+            </a:r>
           </a:p>
           <a:p>
             <a:pPr marL="0" indent="0">
@@ -12224,17 +12097,8 @@
             </a:pPr>
             <a:r>
               <a:rPr lang="en-US" dirty="0"/>
-              <a:t>&lt;</a:t>
-            </a:r>
-            <a:r>
-              <a:rPr lang="en-US" dirty="0" err="1"/>
-              <a:t>hr</a:t>
-            </a:r>
-            <a:r>
-              <a:rPr lang="en-US" dirty="0"/>
-              <a:t>&gt;</a:t>
-            </a:r>
-            <a:endParaRPr lang="en-US" dirty="0"/>
+              <a:t>&lt;head&gt;....... &lt;/head&gt;</a:t>
+            </a:r>
           </a:p>
           <a:p>
             <a:pPr marL="0" indent="0">
@@ -12242,27 +12106,8 @@
             </a:pPr>
             <a:r>
               <a:rPr lang="en-US" dirty="0"/>
-              <a:t>&lt;input&gt;</a:t>
-            </a:r>
-            <a:endParaRPr lang="en-US" dirty="0"/>
-          </a:p>
-          <a:p>
-            <a:pPr marL="0" indent="0">
-              <a:buNone/>
-            </a:pPr>
-            <a:r>
-              <a:rPr lang="en-US" dirty="0"/>
-              <a:t>&lt;</a:t>
-            </a:r>
-            <a:r>
-              <a:rPr lang="en-US" dirty="0" err="1"/>
-              <a:t>img</a:t>
-            </a:r>
-            <a:r>
-              <a:rPr lang="en-US" dirty="0"/>
-              <a:t>&gt;</a:t>
-            </a:r>
-            <a:endParaRPr lang="en-US" dirty="0"/>
+              <a:t>&lt;body&gt;.......&lt;/body&gt;</a:t>
+            </a:r>
           </a:p>
         </p:txBody>
       </p:sp>
@@ -12317,7 +12162,7 @@
     </a:clrScheme>
     <a:fontScheme name="Organic">
       <a:majorFont>
-        <a:latin typeface="Garamond"/>
+        <a:latin typeface="Garamond" panose="02020404030301010803"/>
         <a:ea typeface=""/>
         <a:cs typeface=""/>
         <a:font script="Jpan" typeface="ＭＳ Ｐゴシック"/>
@@ -12352,7 +12197,7 @@
         <a:font script="Geor" typeface="Sylfaen"/>
       </a:majorFont>
       <a:minorFont>
-        <a:latin typeface="Garamond"/>
+        <a:latin typeface="Garamond" panose="02020404030301010803"/>
         <a:ea typeface=""/>
         <a:cs typeface=""/>
         <a:font script="Jpan" typeface="ＭＳ Ｐ明朝"/>
@@ -12492,16 +12337,16 @@
         </a:gradFill>
         <a:blipFill>
           <a:blip xmlns:r="http://schemas.openxmlformats.org/officeDocument/2006/relationships" r:embed="rId2"/>
-          <a:stretch>
-            <a:fillRect/>
-          </a:stretch>
+          <a:stretch/>
         </a:blipFill>
       </a:bgFillStyleLst>
     </a:fmtScheme>
   </a:themeElements>
+  <a:objectDefaults/>
+  <a:extraClrSchemeLst/>
   <a:extLst>
     <a:ext uri="{05A4C25C-085E-4340-85A3-A5531E510DB2}">
-      <thm15:themeFamily xmlns:thm15="http://schemas.microsoft.com/office/thememl/2012/main" name="Office Theme" id="{62F939B6-93AF-4DB8-9C6B-D6C7DFDC589F}" vid="{4A3C46E8-61CC-4603-A589-7422A47A8E4A}"/>
+      <thm15:themeFamily xmlns:thm15="http://schemas.microsoft.com/office/thememl/2012/main" name="Organic" id="{28CDC826-8792-45C0-861B-85EB3ADEDA33}" vid="{7DAC20F1-423D-49E2-BD0B-50532748BAD0}"/>
     </a:ext>
   </a:extLst>
 </a:theme>

--- a/HTML.pptx
+++ b/HTML.pptx
@@ -1,11 +1,10 @@
 
 <file path=ppt/presentation.xml><?xml version="1.0" encoding="utf-8"?>
-<p:presentation xmlns:a="http://schemas.openxmlformats.org/drawingml/2006/main" xmlns:r="http://schemas.openxmlformats.org/officeDocument/2006/relationships" xmlns:p="http://schemas.openxmlformats.org/presentationml/2006/main" saveSubsetFonts="1">
+<p:presentation xmlns:a="http://schemas.openxmlformats.org/drawingml/2006/main" xmlns:r="http://schemas.openxmlformats.org/officeDocument/2006/relationships" xmlns:p="http://schemas.openxmlformats.org/presentationml/2006/main">
   <p:sldMasterIdLst>
-    <p:sldMasterId id="2147483660" r:id="rId1"/>
+    <p:sldMasterId id="2147483648" r:id="rId1"/>
   </p:sldMasterIdLst>
   <p:sldIdLst>
-    <p:sldId id="256" r:id="rId2"/>
     <p:sldId id="257" r:id="rId3"/>
     <p:sldId id="343" r:id="rId4"/>
     <p:sldId id="344" r:id="rId5"/>
@@ -143,7 +142,7 @@
 </file>
 
 <file path=ppt/slideLayouts/slideLayout1.xml><?xml version="1.0" encoding="utf-8"?>
-<p:sldLayout xmlns:a="http://schemas.openxmlformats.org/drawingml/2006/main" xmlns:r="http://schemas.openxmlformats.org/officeDocument/2006/relationships" xmlns:p="http://schemas.openxmlformats.org/presentationml/2006/main" showMasterSp="0" type="title" preserve="1">
+<p:sldLayout xmlns:a="http://schemas.openxmlformats.org/drawingml/2006/main" xmlns:r="http://schemas.openxmlformats.org/officeDocument/2006/relationships" xmlns:p="http://schemas.openxmlformats.org/presentationml/2006/main" type="title" preserve="1" showMasterSp="0">
   <p:cSld name="Title Slide">
     <p:spTree>
       <p:nvGrpSpPr>
@@ -254,7 +253,9 @@
               </a:extLst>
             </a:blip>
             <a:srcRect/>
-            <a:stretch/>
+            <a:stretch>
+              <a:fillRect/>
+            </a:stretch>
           </p:blipFill>
           <p:spPr>
             <a:xfrm>
@@ -283,7 +284,9 @@
               </a:extLst>
             </a:blip>
             <a:srcRect/>
-            <a:stretch/>
+            <a:stretch>
+              <a:fillRect/>
+            </a:stretch>
           </p:blipFill>
           <p:spPr>
             <a:xfrm>
@@ -473,7 +476,6 @@
           <a:p>
             <a:fld id="{66FCFC81-0874-48F1-A3A9-B70BC4677E2D}" type="datetimeFigureOut">
               <a:rPr lang="en-US" smtClean="0"/>
-              <a:t>7/30/2023</a:t>
             </a:fld>
             <a:endParaRPr lang="en-US"/>
           </a:p>
@@ -525,7 +527,6 @@
           <a:p>
             <a:fld id="{9CC845FA-408C-4CA2-B1FF-A20EF6AC2A1F}" type="slidenum">
               <a:rPr lang="en-US" smtClean="0"/>
-              <a:t>‹#›</a:t>
             </a:fld>
             <a:endParaRPr lang="en-US"/>
           </a:p>
@@ -562,11 +563,6 @@
         </p:style>
       </p:cxnSp>
     </p:spTree>
-    <p:extLst>
-      <p:ext uri="{BB962C8B-B14F-4D97-AF65-F5344CB8AC3E}">
-        <p14:creationId xmlns:p14="http://schemas.microsoft.com/office/powerpoint/2010/main" val="1714625069"/>
-      </p:ext>
-    </p:extLst>
   </p:cSld>
   <p:clrMapOvr>
     <a:masterClrMapping/>
@@ -777,6 +773,7 @@
               <a:rPr lang="en-US"/>
               <a:t>Edit Master text styles</a:t>
             </a:r>
+            <a:endParaRPr lang="en-US"/>
           </a:p>
         </p:txBody>
       </p:sp>
@@ -797,7 +794,6 @@
           <a:p>
             <a:fld id="{66FCFC81-0874-48F1-A3A9-B70BC4677E2D}" type="datetimeFigureOut">
               <a:rPr lang="en-US" smtClean="0"/>
-              <a:t>7/30/2023</a:t>
             </a:fld>
             <a:endParaRPr lang="en-US"/>
           </a:p>
@@ -839,18 +835,12 @@
           <a:p>
             <a:fld id="{9CC845FA-408C-4CA2-B1FF-A20EF6AC2A1F}" type="slidenum">
               <a:rPr lang="en-US" smtClean="0"/>
-              <a:t>‹#›</a:t>
             </a:fld>
             <a:endParaRPr lang="en-US"/>
           </a:p>
         </p:txBody>
       </p:sp>
     </p:spTree>
-    <p:extLst>
-      <p:ext uri="{BB962C8B-B14F-4D97-AF65-F5344CB8AC3E}">
-        <p14:creationId xmlns:p14="http://schemas.microsoft.com/office/powerpoint/2010/main" val="1890636672"/>
-      </p:ext>
-    </p:extLst>
   </p:cSld>
   <p:clrMapOvr>
     <a:masterClrMapping/>
@@ -1025,6 +1015,7 @@
               <a:rPr lang="en-US"/>
               <a:t>Edit Master text styles</a:t>
             </a:r>
+            <a:endParaRPr lang="en-US"/>
           </a:p>
         </p:txBody>
       </p:sp>
@@ -1045,7 +1036,6 @@
           <a:p>
             <a:fld id="{66FCFC81-0874-48F1-A3A9-B70BC4677E2D}" type="datetimeFigureOut">
               <a:rPr lang="en-US" smtClean="0"/>
-              <a:t>7/30/2023</a:t>
             </a:fld>
             <a:endParaRPr lang="en-US"/>
           </a:p>
@@ -1087,7 +1077,6 @@
           <a:p>
             <a:fld id="{9CC845FA-408C-4CA2-B1FF-A20EF6AC2A1F}" type="slidenum">
               <a:rPr lang="en-US" smtClean="0"/>
-              <a:t>‹#›</a:t>
             </a:fld>
             <a:endParaRPr lang="en-US"/>
           </a:p>
@@ -1125,11 +1114,6 @@
         </p:style>
       </p:cxnSp>
     </p:spTree>
-    <p:extLst>
-      <p:ext uri="{BB962C8B-B14F-4D97-AF65-F5344CB8AC3E}">
-        <p14:creationId xmlns:p14="http://schemas.microsoft.com/office/powerpoint/2010/main" val="2184704234"/>
-      </p:ext>
-    </p:extLst>
   </p:cSld>
   <p:clrMapOvr>
     <a:masterClrMapping/>
@@ -1245,6 +1229,7 @@
               <a:rPr lang="en-US"/>
               <a:t>Edit Master text styles</a:t>
             </a:r>
+            <a:endParaRPr lang="en-US"/>
           </a:p>
         </p:txBody>
       </p:sp>
@@ -1364,6 +1349,7 @@
               <a:rPr lang="en-US"/>
               <a:t>Edit Master text styles</a:t>
             </a:r>
+            <a:endParaRPr lang="en-US"/>
           </a:p>
         </p:txBody>
       </p:sp>
@@ -1384,7 +1370,6 @@
           <a:p>
             <a:fld id="{66FCFC81-0874-48F1-A3A9-B70BC4677E2D}" type="datetimeFigureOut">
               <a:rPr lang="en-US" smtClean="0"/>
-              <a:t>7/30/2023</a:t>
             </a:fld>
             <a:endParaRPr lang="en-US"/>
           </a:p>
@@ -1426,7 +1411,6 @@
           <a:p>
             <a:fld id="{9CC845FA-408C-4CA2-B1FF-A20EF6AC2A1F}" type="slidenum">
               <a:rPr lang="en-US" smtClean="0"/>
-              <a:t>‹#›</a:t>
             </a:fld>
             <a:endParaRPr lang="en-US"/>
           </a:p>
@@ -1463,6 +1447,12 @@
               </a:rPr>
               <a:t>“</a:t>
             </a:r>
+            <a:endParaRPr lang="en-US" sz="8000" dirty="0">
+              <a:solidFill>
+                <a:schemeClr val="tx1"/>
+              </a:solidFill>
+              <a:effectLst/>
+            </a:endParaRPr>
           </a:p>
         </p:txBody>
       </p:sp>
@@ -1497,6 +1487,12 @@
               </a:rPr>
               <a:t>”</a:t>
             </a:r>
+            <a:endParaRPr lang="en-US" sz="8000" dirty="0">
+              <a:solidFill>
+                <a:schemeClr val="tx1"/>
+              </a:solidFill>
+              <a:effectLst/>
+            </a:endParaRPr>
           </a:p>
         </p:txBody>
       </p:sp>
@@ -1532,11 +1528,6 @@
         </p:style>
       </p:cxnSp>
     </p:spTree>
-    <p:extLst>
-      <p:ext uri="{BB962C8B-B14F-4D97-AF65-F5344CB8AC3E}">
-        <p14:creationId xmlns:p14="http://schemas.microsoft.com/office/powerpoint/2010/main" val="4153610528"/>
-      </p:ext>
-    </p:extLst>
   </p:cSld>
   <p:clrMapOvr>
     <a:masterClrMapping/>
@@ -1711,6 +1702,7 @@
               <a:rPr lang="en-US"/>
               <a:t>Edit Master text styles</a:t>
             </a:r>
+            <a:endParaRPr lang="en-US"/>
           </a:p>
         </p:txBody>
       </p:sp>
@@ -1731,7 +1723,6 @@
           <a:p>
             <a:fld id="{66FCFC81-0874-48F1-A3A9-B70BC4677E2D}" type="datetimeFigureOut">
               <a:rPr lang="en-US" smtClean="0"/>
-              <a:t>7/30/2023</a:t>
             </a:fld>
             <a:endParaRPr lang="en-US"/>
           </a:p>
@@ -1773,18 +1764,12 @@
           <a:p>
             <a:fld id="{9CC845FA-408C-4CA2-B1FF-A20EF6AC2A1F}" type="slidenum">
               <a:rPr lang="en-US" smtClean="0"/>
-              <a:t>‹#›</a:t>
             </a:fld>
             <a:endParaRPr lang="en-US"/>
           </a:p>
         </p:txBody>
       </p:sp>
     </p:spTree>
-    <p:extLst>
-      <p:ext uri="{BB962C8B-B14F-4D97-AF65-F5344CB8AC3E}">
-        <p14:creationId xmlns:p14="http://schemas.microsoft.com/office/powerpoint/2010/main" val="2793419504"/>
-      </p:ext>
-    </p:extLst>
   </p:cSld>
   <p:clrMapOvr>
     <a:masterClrMapping/>
@@ -1966,6 +1951,7 @@
               <a:rPr lang="en-US"/>
               <a:t>Edit Master text styles</a:t>
             </a:r>
+            <a:endParaRPr lang="en-US"/>
           </a:p>
         </p:txBody>
       </p:sp>
@@ -2085,6 +2071,7 @@
               <a:rPr lang="en-US"/>
               <a:t>Edit Master text styles</a:t>
             </a:r>
+            <a:endParaRPr lang="en-US"/>
           </a:p>
         </p:txBody>
       </p:sp>
@@ -2105,7 +2092,6 @@
           <a:p>
             <a:fld id="{66FCFC81-0874-48F1-A3A9-B70BC4677E2D}" type="datetimeFigureOut">
               <a:rPr lang="en-US" smtClean="0"/>
-              <a:t>7/30/2023</a:t>
             </a:fld>
             <a:endParaRPr lang="en-US"/>
           </a:p>
@@ -2147,7 +2133,6 @@
           <a:p>
             <a:fld id="{9CC845FA-408C-4CA2-B1FF-A20EF6AC2A1F}" type="slidenum">
               <a:rPr lang="en-US" smtClean="0"/>
-              <a:t>‹#›</a:t>
             </a:fld>
             <a:endParaRPr lang="en-US"/>
           </a:p>
@@ -2184,6 +2169,12 @@
               </a:rPr>
               <a:t>“</a:t>
             </a:r>
+            <a:endParaRPr lang="en-US" sz="8000" dirty="0">
+              <a:solidFill>
+                <a:schemeClr val="tx1"/>
+              </a:solidFill>
+              <a:effectLst/>
+            </a:endParaRPr>
           </a:p>
         </p:txBody>
       </p:sp>
@@ -2218,6 +2209,12 @@
               </a:rPr>
               <a:t>”</a:t>
             </a:r>
+            <a:endParaRPr lang="en-US" sz="8000" dirty="0">
+              <a:solidFill>
+                <a:schemeClr val="tx1"/>
+              </a:solidFill>
+              <a:effectLst/>
+            </a:endParaRPr>
           </a:p>
         </p:txBody>
       </p:sp>
@@ -2253,11 +2250,6 @@
         </p:style>
       </p:cxnSp>
     </p:spTree>
-    <p:extLst>
-      <p:ext uri="{BB962C8B-B14F-4D97-AF65-F5344CB8AC3E}">
-        <p14:creationId xmlns:p14="http://schemas.microsoft.com/office/powerpoint/2010/main" val="3306993580"/>
-      </p:ext>
-    </p:extLst>
   </p:cSld>
   <p:clrMapOvr>
     <a:masterClrMapping/>
@@ -2436,6 +2428,7 @@
               <a:rPr lang="en-US"/>
               <a:t>Edit Master text styles</a:t>
             </a:r>
+            <a:endParaRPr lang="en-US"/>
           </a:p>
         </p:txBody>
       </p:sp>
@@ -2555,6 +2548,7 @@
               <a:rPr lang="en-US"/>
               <a:t>Edit Master text styles</a:t>
             </a:r>
+            <a:endParaRPr lang="en-US"/>
           </a:p>
         </p:txBody>
       </p:sp>
@@ -2575,7 +2569,6 @@
           <a:p>
             <a:fld id="{66FCFC81-0874-48F1-A3A9-B70BC4677E2D}" type="datetimeFigureOut">
               <a:rPr lang="en-US" smtClean="0"/>
-              <a:t>7/30/2023</a:t>
             </a:fld>
             <a:endParaRPr lang="en-US"/>
           </a:p>
@@ -2617,7 +2610,6 @@
           <a:p>
             <a:fld id="{9CC845FA-408C-4CA2-B1FF-A20EF6AC2A1F}" type="slidenum">
               <a:rPr lang="en-US" smtClean="0"/>
-              <a:t>‹#›</a:t>
             </a:fld>
             <a:endParaRPr lang="en-US"/>
           </a:p>
@@ -2655,11 +2647,6 @@
         </p:style>
       </p:cxnSp>
     </p:spTree>
-    <p:extLst>
-      <p:ext uri="{BB962C8B-B14F-4D97-AF65-F5344CB8AC3E}">
-        <p14:creationId xmlns:p14="http://schemas.microsoft.com/office/powerpoint/2010/main" val="50362581"/>
-      </p:ext>
-    </p:extLst>
   </p:cSld>
   <p:clrMapOvr>
     <a:masterClrMapping/>
@@ -2731,6 +2718,7 @@
               <a:rPr lang="en-US"/>
               <a:t>Edit Master text styles</a:t>
             </a:r>
+            <a:endParaRPr lang="en-US"/>
           </a:p>
           <a:p>
             <a:pPr lvl="1"/>
@@ -2738,6 +2726,7 @@
               <a:rPr lang="en-US"/>
               <a:t>Second level</a:t>
             </a:r>
+            <a:endParaRPr lang="en-US"/>
           </a:p>
           <a:p>
             <a:pPr lvl="2"/>
@@ -2745,6 +2734,7 @@
               <a:rPr lang="en-US"/>
               <a:t>Third level</a:t>
             </a:r>
+            <a:endParaRPr lang="en-US"/>
           </a:p>
           <a:p>
             <a:pPr lvl="3"/>
@@ -2752,6 +2742,7 @@
               <a:rPr lang="en-US"/>
               <a:t>Fourth level</a:t>
             </a:r>
+            <a:endParaRPr lang="en-US"/>
           </a:p>
           <a:p>
             <a:pPr lvl="4"/>
@@ -2780,7 +2771,6 @@
           <a:p>
             <a:fld id="{66FCFC81-0874-48F1-A3A9-B70BC4677E2D}" type="datetimeFigureOut">
               <a:rPr lang="en-US" smtClean="0"/>
-              <a:t>7/30/2023</a:t>
             </a:fld>
             <a:endParaRPr lang="en-US"/>
           </a:p>
@@ -2822,7 +2812,6 @@
           <a:p>
             <a:fld id="{9CC845FA-408C-4CA2-B1FF-A20EF6AC2A1F}" type="slidenum">
               <a:rPr lang="en-US" smtClean="0"/>
-              <a:t>‹#›</a:t>
             </a:fld>
             <a:endParaRPr lang="en-US"/>
           </a:p>
@@ -2860,11 +2849,6 @@
         </p:style>
       </p:cxnSp>
     </p:spTree>
-    <p:extLst>
-      <p:ext uri="{BB962C8B-B14F-4D97-AF65-F5344CB8AC3E}">
-        <p14:creationId xmlns:p14="http://schemas.microsoft.com/office/powerpoint/2010/main" val="967155681"/>
-      </p:ext>
-    </p:extLst>
   </p:cSld>
   <p:clrMapOvr>
     <a:masterClrMapping/>
@@ -2942,6 +2926,7 @@
               <a:rPr lang="en-US"/>
               <a:t>Edit Master text styles</a:t>
             </a:r>
+            <a:endParaRPr lang="en-US"/>
           </a:p>
           <a:p>
             <a:pPr lvl="1"/>
@@ -2949,6 +2934,7 @@
               <a:rPr lang="en-US"/>
               <a:t>Second level</a:t>
             </a:r>
+            <a:endParaRPr lang="en-US"/>
           </a:p>
           <a:p>
             <a:pPr lvl="2"/>
@@ -2956,6 +2942,7 @@
               <a:rPr lang="en-US"/>
               <a:t>Third level</a:t>
             </a:r>
+            <a:endParaRPr lang="en-US"/>
           </a:p>
           <a:p>
             <a:pPr lvl="3"/>
@@ -2963,6 +2950,7 @@
               <a:rPr lang="en-US"/>
               <a:t>Fourth level</a:t>
             </a:r>
+            <a:endParaRPr lang="en-US"/>
           </a:p>
           <a:p>
             <a:pPr lvl="4"/>
@@ -2991,7 +2979,6 @@
           <a:p>
             <a:fld id="{66FCFC81-0874-48F1-A3A9-B70BC4677E2D}" type="datetimeFigureOut">
               <a:rPr lang="en-US" smtClean="0"/>
-              <a:t>7/30/2023</a:t>
             </a:fld>
             <a:endParaRPr lang="en-US"/>
           </a:p>
@@ -3033,7 +3020,6 @@
           <a:p>
             <a:fld id="{9CC845FA-408C-4CA2-B1FF-A20EF6AC2A1F}" type="slidenum">
               <a:rPr lang="en-US" smtClean="0"/>
-              <a:t>‹#›</a:t>
             </a:fld>
             <a:endParaRPr lang="en-US"/>
           </a:p>
@@ -3071,11 +3057,6 @@
         </p:style>
       </p:cxnSp>
     </p:spTree>
-    <p:extLst>
-      <p:ext uri="{BB962C8B-B14F-4D97-AF65-F5344CB8AC3E}">
-        <p14:creationId xmlns:p14="http://schemas.microsoft.com/office/powerpoint/2010/main" val="182899273"/>
-      </p:ext>
-    </p:extLst>
   </p:cSld>
   <p:clrMapOvr>
     <a:masterClrMapping/>
@@ -3174,6 +3155,7 @@
               <a:rPr lang="en-US"/>
               <a:t>Edit Master text styles</a:t>
             </a:r>
+            <a:endParaRPr lang="en-US"/>
           </a:p>
           <a:p>
             <a:pPr lvl="1"/>
@@ -3181,6 +3163,7 @@
               <a:rPr lang="en-US"/>
               <a:t>Second level</a:t>
             </a:r>
+            <a:endParaRPr lang="en-US"/>
           </a:p>
           <a:p>
             <a:pPr lvl="2"/>
@@ -3188,6 +3171,7 @@
               <a:rPr lang="en-US"/>
               <a:t>Third level</a:t>
             </a:r>
+            <a:endParaRPr lang="en-US"/>
           </a:p>
           <a:p>
             <a:pPr lvl="3"/>
@@ -3195,6 +3179,7 @@
               <a:rPr lang="en-US"/>
               <a:t>Fourth level</a:t>
             </a:r>
+            <a:endParaRPr lang="en-US"/>
           </a:p>
           <a:p>
             <a:pPr lvl="4"/>
@@ -3223,7 +3208,6 @@
           <a:p>
             <a:fld id="{66FCFC81-0874-48F1-A3A9-B70BC4677E2D}" type="datetimeFigureOut">
               <a:rPr lang="en-US" smtClean="0"/>
-              <a:t>7/30/2023</a:t>
             </a:fld>
             <a:endParaRPr lang="en-US"/>
           </a:p>
@@ -3265,18 +3249,12 @@
           <a:p>
             <a:fld id="{9CC845FA-408C-4CA2-B1FF-A20EF6AC2A1F}" type="slidenum">
               <a:rPr lang="en-US" smtClean="0"/>
-              <a:t>‹#›</a:t>
             </a:fld>
             <a:endParaRPr lang="en-US"/>
           </a:p>
         </p:txBody>
       </p:sp>
     </p:spTree>
-    <p:extLst>
-      <p:ext uri="{BB962C8B-B14F-4D97-AF65-F5344CB8AC3E}">
-        <p14:creationId xmlns:p14="http://schemas.microsoft.com/office/powerpoint/2010/main" val="3158578610"/>
-      </p:ext>
-    </p:extLst>
   </p:cSld>
   <p:clrMapOvr>
     <a:masterClrMapping/>
@@ -3451,6 +3429,7 @@
               <a:rPr lang="en-US"/>
               <a:t>Edit Master text styles</a:t>
             </a:r>
+            <a:endParaRPr lang="en-US"/>
           </a:p>
         </p:txBody>
       </p:sp>
@@ -3471,7 +3450,6 @@
           <a:p>
             <a:fld id="{66FCFC81-0874-48F1-A3A9-B70BC4677E2D}" type="datetimeFigureOut">
               <a:rPr lang="en-US" smtClean="0"/>
-              <a:t>7/30/2023</a:t>
             </a:fld>
             <a:endParaRPr lang="en-US"/>
           </a:p>
@@ -3513,7 +3491,6 @@
           <a:p>
             <a:fld id="{9CC845FA-408C-4CA2-B1FF-A20EF6AC2A1F}" type="slidenum">
               <a:rPr lang="en-US" smtClean="0"/>
-              <a:t>‹#›</a:t>
             </a:fld>
             <a:endParaRPr lang="en-US"/>
           </a:p>
@@ -3551,11 +3528,6 @@
         </p:style>
       </p:cxnSp>
     </p:spTree>
-    <p:extLst>
-      <p:ext uri="{BB962C8B-B14F-4D97-AF65-F5344CB8AC3E}">
-        <p14:creationId xmlns:p14="http://schemas.microsoft.com/office/powerpoint/2010/main" val="1682111455"/>
-      </p:ext>
-    </p:extLst>
   </p:cSld>
   <p:clrMapOvr>
     <a:masterClrMapping/>
@@ -3661,6 +3633,7 @@
               <a:rPr lang="en-US"/>
               <a:t>Edit Master text styles</a:t>
             </a:r>
+            <a:endParaRPr lang="en-US"/>
           </a:p>
           <a:p>
             <a:pPr lvl="1"/>
@@ -3668,6 +3641,7 @@
               <a:rPr lang="en-US"/>
               <a:t>Second level</a:t>
             </a:r>
+            <a:endParaRPr lang="en-US"/>
           </a:p>
           <a:p>
             <a:pPr lvl="2"/>
@@ -3675,6 +3649,7 @@
               <a:rPr lang="en-US"/>
               <a:t>Third level</a:t>
             </a:r>
+            <a:endParaRPr lang="en-US"/>
           </a:p>
           <a:p>
             <a:pPr lvl="3"/>
@@ -3682,6 +3657,7 @@
               <a:rPr lang="en-US"/>
               <a:t>Fourth level</a:t>
             </a:r>
+            <a:endParaRPr lang="en-US"/>
           </a:p>
           <a:p>
             <a:pPr lvl="4"/>
@@ -3720,6 +3696,7 @@
               <a:rPr lang="en-US"/>
               <a:t>Edit Master text styles</a:t>
             </a:r>
+            <a:endParaRPr lang="en-US"/>
           </a:p>
           <a:p>
             <a:pPr lvl="1"/>
@@ -3727,6 +3704,7 @@
               <a:rPr lang="en-US"/>
               <a:t>Second level</a:t>
             </a:r>
+            <a:endParaRPr lang="en-US"/>
           </a:p>
           <a:p>
             <a:pPr lvl="2"/>
@@ -3734,6 +3712,7 @@
               <a:rPr lang="en-US"/>
               <a:t>Third level</a:t>
             </a:r>
+            <a:endParaRPr lang="en-US"/>
           </a:p>
           <a:p>
             <a:pPr lvl="3"/>
@@ -3741,6 +3720,7 @@
               <a:rPr lang="en-US"/>
               <a:t>Fourth level</a:t>
             </a:r>
+            <a:endParaRPr lang="en-US"/>
           </a:p>
           <a:p>
             <a:pPr lvl="4"/>
@@ -3769,7 +3749,6 @@
           <a:p>
             <a:fld id="{66FCFC81-0874-48F1-A3A9-B70BC4677E2D}" type="datetimeFigureOut">
               <a:rPr lang="en-US" smtClean="0"/>
-              <a:t>7/30/2023</a:t>
             </a:fld>
             <a:endParaRPr lang="en-US"/>
           </a:p>
@@ -3811,18 +3790,12 @@
           <a:p>
             <a:fld id="{9CC845FA-408C-4CA2-B1FF-A20EF6AC2A1F}" type="slidenum">
               <a:rPr lang="en-US" smtClean="0"/>
-              <a:t>‹#›</a:t>
             </a:fld>
             <a:endParaRPr lang="en-US"/>
           </a:p>
         </p:txBody>
       </p:sp>
     </p:spTree>
-    <p:extLst>
-      <p:ext uri="{BB962C8B-B14F-4D97-AF65-F5344CB8AC3E}">
-        <p14:creationId xmlns:p14="http://schemas.microsoft.com/office/powerpoint/2010/main" val="3369561992"/>
-      </p:ext>
-    </p:extLst>
   </p:cSld>
   <p:clrMapOvr>
     <a:masterClrMapping/>
@@ -3897,7 +3870,7 @@
           <a:lstStyle>
             <a:lvl1pPr marL="0" indent="0">
               <a:spcBef>
-                <a:spcPts val="672"/>
+                <a:spcPts val="670"/>
               </a:spcBef>
               <a:spcAft>
                 <a:spcPts val="600"/>
@@ -3948,6 +3921,7 @@
               <a:rPr lang="en-US"/>
               <a:t>Edit Master text styles</a:t>
             </a:r>
+            <a:endParaRPr lang="en-US"/>
           </a:p>
         </p:txBody>
       </p:sp>
@@ -3978,6 +3952,7 @@
               <a:rPr lang="en-US"/>
               <a:t>Edit Master text styles</a:t>
             </a:r>
+            <a:endParaRPr lang="en-US"/>
           </a:p>
           <a:p>
             <a:pPr lvl="1"/>
@@ -3985,6 +3960,7 @@
               <a:rPr lang="en-US"/>
               <a:t>Second level</a:t>
             </a:r>
+            <a:endParaRPr lang="en-US"/>
           </a:p>
           <a:p>
             <a:pPr lvl="2"/>
@@ -3992,6 +3968,7 @@
               <a:rPr lang="en-US"/>
               <a:t>Third level</a:t>
             </a:r>
+            <a:endParaRPr lang="en-US"/>
           </a:p>
           <a:p>
             <a:pPr lvl="3"/>
@@ -3999,6 +3976,7 @@
               <a:rPr lang="en-US"/>
               <a:t>Fourth level</a:t>
             </a:r>
+            <a:endParaRPr lang="en-US"/>
           </a:p>
           <a:p>
             <a:pPr lvl="4"/>
@@ -4033,7 +4011,7 @@
           <a:lstStyle>
             <a:lvl1pPr marL="0" indent="0">
               <a:spcBef>
-                <a:spcPts val="672"/>
+                <a:spcPts val="670"/>
               </a:spcBef>
               <a:spcAft>
                 <a:spcPts val="600"/>
@@ -4084,6 +4062,7 @@
               <a:rPr lang="en-US"/>
               <a:t>Edit Master text styles</a:t>
             </a:r>
+            <a:endParaRPr lang="en-US"/>
           </a:p>
         </p:txBody>
       </p:sp>
@@ -4114,6 +4093,7 @@
               <a:rPr lang="en-US"/>
               <a:t>Edit Master text styles</a:t>
             </a:r>
+            <a:endParaRPr lang="en-US"/>
           </a:p>
           <a:p>
             <a:pPr lvl="1"/>
@@ -4121,6 +4101,7 @@
               <a:rPr lang="en-US"/>
               <a:t>Second level</a:t>
             </a:r>
+            <a:endParaRPr lang="en-US"/>
           </a:p>
           <a:p>
             <a:pPr lvl="2"/>
@@ -4128,6 +4109,7 @@
               <a:rPr lang="en-US"/>
               <a:t>Third level</a:t>
             </a:r>
+            <a:endParaRPr lang="en-US"/>
           </a:p>
           <a:p>
             <a:pPr lvl="3"/>
@@ -4135,6 +4117,7 @@
               <a:rPr lang="en-US"/>
               <a:t>Fourth level</a:t>
             </a:r>
+            <a:endParaRPr lang="en-US"/>
           </a:p>
           <a:p>
             <a:pPr lvl="4"/>
@@ -4163,7 +4146,6 @@
           <a:p>
             <a:fld id="{66FCFC81-0874-48F1-A3A9-B70BC4677E2D}" type="datetimeFigureOut">
               <a:rPr lang="en-US" smtClean="0"/>
-              <a:t>7/30/2023</a:t>
             </a:fld>
             <a:endParaRPr lang="en-US"/>
           </a:p>
@@ -4205,7 +4187,6 @@
           <a:p>
             <a:fld id="{9CC845FA-408C-4CA2-B1FF-A20EF6AC2A1F}" type="slidenum">
               <a:rPr lang="en-US" smtClean="0"/>
-              <a:t>‹#›</a:t>
             </a:fld>
             <a:endParaRPr lang="en-US"/>
           </a:p>
@@ -4243,11 +4224,6 @@
         </p:style>
       </p:cxnSp>
     </p:spTree>
-    <p:extLst>
-      <p:ext uri="{BB962C8B-B14F-4D97-AF65-F5344CB8AC3E}">
-        <p14:creationId xmlns:p14="http://schemas.microsoft.com/office/powerpoint/2010/main" val="39232762"/>
-      </p:ext>
-    </p:extLst>
   </p:cSld>
   <p:clrMapOvr>
     <a:masterClrMapping/>
@@ -4312,7 +4288,6 @@
           <a:p>
             <a:fld id="{66FCFC81-0874-48F1-A3A9-B70BC4677E2D}" type="datetimeFigureOut">
               <a:rPr lang="en-US" smtClean="0"/>
-              <a:t>7/30/2023</a:t>
             </a:fld>
             <a:endParaRPr lang="en-US"/>
           </a:p>
@@ -4354,7 +4329,6 @@
           <a:p>
             <a:fld id="{9CC845FA-408C-4CA2-B1FF-A20EF6AC2A1F}" type="slidenum">
               <a:rPr lang="en-US" smtClean="0"/>
-              <a:t>‹#›</a:t>
             </a:fld>
             <a:endParaRPr lang="en-US"/>
           </a:p>
@@ -4392,11 +4366,6 @@
         </p:style>
       </p:cxnSp>
     </p:spTree>
-    <p:extLst>
-      <p:ext uri="{BB962C8B-B14F-4D97-AF65-F5344CB8AC3E}">
-        <p14:creationId xmlns:p14="http://schemas.microsoft.com/office/powerpoint/2010/main" val="1078741998"/>
-      </p:ext>
-    </p:extLst>
   </p:cSld>
   <p:clrMapOvr>
     <a:masterClrMapping/>
@@ -4438,7 +4407,6 @@
           <a:p>
             <a:fld id="{66FCFC81-0874-48F1-A3A9-B70BC4677E2D}" type="datetimeFigureOut">
               <a:rPr lang="en-US" smtClean="0"/>
-              <a:t>7/30/2023</a:t>
             </a:fld>
             <a:endParaRPr lang="en-US"/>
           </a:p>
@@ -4480,18 +4448,12 @@
           <a:p>
             <a:fld id="{9CC845FA-408C-4CA2-B1FF-A20EF6AC2A1F}" type="slidenum">
               <a:rPr lang="en-US" smtClean="0"/>
-              <a:t>‹#›</a:t>
             </a:fld>
             <a:endParaRPr lang="en-US"/>
           </a:p>
         </p:txBody>
       </p:sp>
     </p:spTree>
-    <p:extLst>
-      <p:ext uri="{BB962C8B-B14F-4D97-AF65-F5344CB8AC3E}">
-        <p14:creationId xmlns:p14="http://schemas.microsoft.com/office/powerpoint/2010/main" val="3998817000"/>
-      </p:ext>
-    </p:extLst>
   </p:cSld>
   <p:clrMapOvr>
     <a:masterClrMapping/>
@@ -4577,6 +4539,7 @@
               <a:rPr lang="en-US"/>
               <a:t>Edit Master text styles</a:t>
             </a:r>
+            <a:endParaRPr lang="en-US"/>
           </a:p>
           <a:p>
             <a:pPr lvl="1"/>
@@ -4584,6 +4547,7 @@
               <a:rPr lang="en-US"/>
               <a:t>Second level</a:t>
             </a:r>
+            <a:endParaRPr lang="en-US"/>
           </a:p>
           <a:p>
             <a:pPr lvl="2"/>
@@ -4591,6 +4555,7 @@
               <a:rPr lang="en-US"/>
               <a:t>Third level</a:t>
             </a:r>
+            <a:endParaRPr lang="en-US"/>
           </a:p>
           <a:p>
             <a:pPr lvl="3"/>
@@ -4598,6 +4563,7 @@
               <a:rPr lang="en-US"/>
               <a:t>Fourth level</a:t>
             </a:r>
+            <a:endParaRPr lang="en-US"/>
           </a:p>
           <a:p>
             <a:pPr lvl="4"/>
@@ -4673,6 +4639,7 @@
               <a:rPr lang="en-US"/>
               <a:t>Edit Master text styles</a:t>
             </a:r>
+            <a:endParaRPr lang="en-US"/>
           </a:p>
         </p:txBody>
       </p:sp>
@@ -4693,7 +4660,6 @@
           <a:p>
             <a:fld id="{66FCFC81-0874-48F1-A3A9-B70BC4677E2D}" type="datetimeFigureOut">
               <a:rPr lang="en-US" smtClean="0"/>
-              <a:t>7/30/2023</a:t>
             </a:fld>
             <a:endParaRPr lang="en-US"/>
           </a:p>
@@ -4735,7 +4701,6 @@
           <a:p>
             <a:fld id="{9CC845FA-408C-4CA2-B1FF-A20EF6AC2A1F}" type="slidenum">
               <a:rPr lang="en-US" smtClean="0"/>
-              <a:t>‹#›</a:t>
             </a:fld>
             <a:endParaRPr lang="en-US"/>
           </a:p>
@@ -4773,11 +4738,6 @@
         </p:style>
       </p:cxnSp>
     </p:spTree>
-    <p:extLst>
-      <p:ext uri="{BB962C8B-B14F-4D97-AF65-F5344CB8AC3E}">
-        <p14:creationId xmlns:p14="http://schemas.microsoft.com/office/powerpoint/2010/main" val="1155435211"/>
-      </p:ext>
-    </p:extLst>
   </p:cSld>
   <p:clrMapOvr>
     <a:masterClrMapping/>
@@ -4988,6 +4948,7 @@
               <a:rPr lang="en-US"/>
               <a:t>Edit Master text styles</a:t>
             </a:r>
+            <a:endParaRPr lang="en-US"/>
           </a:p>
         </p:txBody>
       </p:sp>
@@ -5008,7 +4969,6 @@
           <a:p>
             <a:fld id="{66FCFC81-0874-48F1-A3A9-B70BC4677E2D}" type="datetimeFigureOut">
               <a:rPr lang="en-US" smtClean="0"/>
-              <a:t>7/30/2023</a:t>
             </a:fld>
             <a:endParaRPr lang="en-US"/>
           </a:p>
@@ -5050,18 +5010,12 @@
           <a:p>
             <a:fld id="{9CC845FA-408C-4CA2-B1FF-A20EF6AC2A1F}" type="slidenum">
               <a:rPr lang="en-US" smtClean="0"/>
-              <a:t>‹#›</a:t>
             </a:fld>
             <a:endParaRPr lang="en-US"/>
           </a:p>
         </p:txBody>
       </p:sp>
     </p:spTree>
-    <p:extLst>
-      <p:ext uri="{BB962C8B-B14F-4D97-AF65-F5344CB8AC3E}">
-        <p14:creationId xmlns:p14="http://schemas.microsoft.com/office/powerpoint/2010/main" val="4014964181"/>
-      </p:ext>
-    </p:extLst>
   </p:cSld>
   <p:clrMapOvr>
     <a:masterClrMapping/>
@@ -5114,7 +5068,7 @@
             <p:nvPr/>
           </p:nvPicPr>
           <p:blipFill>
-            <a:blip r:embed="rId19">
+            <a:blip r:embed="rId18">
               <a:extLst>
                 <a:ext uri="{28A0092B-C50C-407E-A947-70E740481C1C}">
                   <a14:useLocalDpi xmlns:a14="http://schemas.microsoft.com/office/drawing/2010/main" val="0"/>
@@ -5178,7 +5132,7 @@
             <p:nvPr/>
           </p:nvPicPr>
           <p:blipFill rotWithShape="1">
-            <a:blip r:embed="rId20">
+            <a:blip r:embed="rId19">
               <a:extLst>
                 <a:ext uri="{28A0092B-C50C-407E-A947-70E740481C1C}">
                   <a14:useLocalDpi xmlns:a14="http://schemas.microsoft.com/office/drawing/2010/main" val="0"/>
@@ -5186,7 +5140,9 @@
               </a:extLst>
             </a:blip>
             <a:srcRect/>
-            <a:stretch/>
+            <a:stretch>
+              <a:fillRect/>
+            </a:stretch>
           </p:blipFill>
           <p:spPr>
             <a:xfrm>
@@ -5207,7 +5163,7 @@
             <p:nvPr/>
           </p:nvPicPr>
           <p:blipFill rotWithShape="1">
-            <a:blip r:embed="rId20">
+            <a:blip r:embed="rId19">
               <a:extLst>
                 <a:ext uri="{28A0092B-C50C-407E-A947-70E740481C1C}">
                   <a14:useLocalDpi xmlns:a14="http://schemas.microsoft.com/office/drawing/2010/main" val="0"/>
@@ -5215,7 +5171,9 @@
               </a:extLst>
             </a:blip>
             <a:srcRect/>
-            <a:stretch/>
+            <a:stretch>
+              <a:fillRect/>
+            </a:stretch>
           </p:blipFill>
           <p:spPr>
             <a:xfrm>
@@ -5292,6 +5250,7 @@
               <a:rPr lang="en-US"/>
               <a:t>Edit Master text styles</a:t>
             </a:r>
+            <a:endParaRPr lang="en-US"/>
           </a:p>
           <a:p>
             <a:pPr lvl="1"/>
@@ -5299,6 +5258,7 @@
               <a:rPr lang="en-US"/>
               <a:t>Second level</a:t>
             </a:r>
+            <a:endParaRPr lang="en-US"/>
           </a:p>
           <a:p>
             <a:pPr lvl="2"/>
@@ -5306,6 +5266,7 @@
               <a:rPr lang="en-US"/>
               <a:t>Third level</a:t>
             </a:r>
+            <a:endParaRPr lang="en-US"/>
           </a:p>
           <a:p>
             <a:pPr lvl="3"/>
@@ -5313,6 +5274,7 @@
               <a:rPr lang="en-US"/>
               <a:t>Fourth level</a:t>
             </a:r>
+            <a:endParaRPr lang="en-US"/>
           </a:p>
           <a:p>
             <a:pPr lvl="4"/>
@@ -5359,7 +5321,6 @@
           <a:p>
             <a:fld id="{66FCFC81-0874-48F1-A3A9-B70BC4677E2D}" type="datetimeFigureOut">
               <a:rPr lang="en-US" smtClean="0"/>
-              <a:t>7/30/2023</a:t>
             </a:fld>
             <a:endParaRPr lang="en-US"/>
           </a:p>
@@ -5437,38 +5398,32 @@
           <a:p>
             <a:fld id="{9CC845FA-408C-4CA2-B1FF-A20EF6AC2A1F}" type="slidenum">
               <a:rPr lang="en-US" smtClean="0"/>
-              <a:t>‹#›</a:t>
             </a:fld>
             <a:endParaRPr lang="en-US"/>
           </a:p>
         </p:txBody>
       </p:sp>
     </p:spTree>
-    <p:extLst>
-      <p:ext uri="{BB962C8B-B14F-4D97-AF65-F5344CB8AC3E}">
-        <p14:creationId xmlns:p14="http://schemas.microsoft.com/office/powerpoint/2010/main" val="3553049238"/>
-      </p:ext>
-    </p:extLst>
   </p:cSld>
   <p:clrMap bg1="lt1" tx1="dk1" bg2="lt2" tx2="dk2" accent1="accent1" accent2="accent2" accent3="accent3" accent4="accent4" accent5="accent5" accent6="accent6" hlink="hlink" folHlink="folHlink"/>
   <p:sldLayoutIdLst>
-    <p:sldLayoutId id="2147483661" r:id="rId1"/>
-    <p:sldLayoutId id="2147483662" r:id="rId2"/>
-    <p:sldLayoutId id="2147483663" r:id="rId3"/>
-    <p:sldLayoutId id="2147483664" r:id="rId4"/>
-    <p:sldLayoutId id="2147483665" r:id="rId5"/>
-    <p:sldLayoutId id="2147483666" r:id="rId6"/>
-    <p:sldLayoutId id="2147483667" r:id="rId7"/>
-    <p:sldLayoutId id="2147483668" r:id="rId8"/>
-    <p:sldLayoutId id="2147483669" r:id="rId9"/>
-    <p:sldLayoutId id="2147483670" r:id="rId10"/>
-    <p:sldLayoutId id="2147483671" r:id="rId11"/>
-    <p:sldLayoutId id="2147483672" r:id="rId12"/>
-    <p:sldLayoutId id="2147483673" r:id="rId13"/>
-    <p:sldLayoutId id="2147483674" r:id="rId14"/>
-    <p:sldLayoutId id="2147483675" r:id="rId15"/>
-    <p:sldLayoutId id="2147483676" r:id="rId16"/>
-    <p:sldLayoutId id="2147483677" r:id="rId17"/>
+    <p:sldLayoutId id="2147483649" r:id="rId1"/>
+    <p:sldLayoutId id="2147483650" r:id="rId2"/>
+    <p:sldLayoutId id="2147483651" r:id="rId3"/>
+    <p:sldLayoutId id="2147483652" r:id="rId4"/>
+    <p:sldLayoutId id="2147483653" r:id="rId5"/>
+    <p:sldLayoutId id="2147483654" r:id="rId6"/>
+    <p:sldLayoutId id="2147483655" r:id="rId7"/>
+    <p:sldLayoutId id="2147483656" r:id="rId8"/>
+    <p:sldLayoutId id="2147483657" r:id="rId9"/>
+    <p:sldLayoutId id="2147483658" r:id="rId10"/>
+    <p:sldLayoutId id="2147483659" r:id="rId11"/>
+    <p:sldLayoutId id="2147483660" r:id="rId12"/>
+    <p:sldLayoutId id="2147483661" r:id="rId13"/>
+    <p:sldLayoutId id="2147483662" r:id="rId14"/>
+    <p:sldLayoutId id="2147483663" r:id="rId15"/>
+    <p:sldLayoutId id="2147483664" r:id="rId16"/>
+    <p:sldLayoutId id="2147483665" r:id="rId17"/>
   </p:sldLayoutIdLst>
   <p:txStyles>
     <p:titleStyle>
@@ -5562,7 +5517,7 @@
           <a:schemeClr val="accent1"/>
         </a:buClr>
         <a:buSzPct val="115000"/>
-        <a:buFont typeface="Arial"/>
+        <a:buFont typeface="Arial" panose="020B0604020202020204"/>
         <a:buChar char="•"/>
         <a:defRPr sz="2400" kern="1200" cap="none">
           <a:solidFill>
@@ -5588,7 +5543,7 @@
           <a:schemeClr val="accent1"/>
         </a:buClr>
         <a:buSzPct val="115000"/>
-        <a:buFont typeface="Arial"/>
+        <a:buFont typeface="Arial" panose="020B0604020202020204"/>
         <a:buChar char="•"/>
         <a:defRPr sz="2000" kern="1200" cap="none">
           <a:solidFill>
@@ -5614,7 +5569,7 @@
           <a:schemeClr val="accent1"/>
         </a:buClr>
         <a:buSzPct val="115000"/>
-        <a:buFont typeface="Arial"/>
+        <a:buFont typeface="Arial" panose="020B0604020202020204"/>
         <a:buChar char="•"/>
         <a:defRPr sz="1800" kern="1200" cap="none">
           <a:solidFill>
@@ -5640,7 +5595,7 @@
           <a:schemeClr val="accent1"/>
         </a:buClr>
         <a:buSzPct val="115000"/>
-        <a:buFont typeface="Arial"/>
+        <a:buFont typeface="Arial" panose="020B0604020202020204"/>
         <a:buChar char="•"/>
         <a:defRPr sz="1600" kern="1200" cap="none">
           <a:solidFill>
@@ -5666,7 +5621,7 @@
           <a:schemeClr val="accent1"/>
         </a:buClr>
         <a:buSzPct val="115000"/>
-        <a:buFont typeface="Arial"/>
+        <a:buFont typeface="Arial" panose="020B0604020202020204"/>
         <a:buChar char="•"/>
         <a:defRPr sz="1400" kern="1200" cap="none">
           <a:solidFill>
@@ -5692,7 +5647,7 @@
           <a:schemeClr val="accent1"/>
         </a:buClr>
         <a:buSzPct val="115000"/>
-        <a:buFont typeface="Arial"/>
+        <a:buFont typeface="Arial" panose="020B0604020202020204"/>
         <a:buChar char="•"/>
         <a:defRPr sz="1400" kern="1200" cap="none">
           <a:solidFill>
@@ -5718,7 +5673,7 @@
           <a:schemeClr val="accent1"/>
         </a:buClr>
         <a:buSzPct val="115000"/>
-        <a:buFont typeface="Arial"/>
+        <a:buFont typeface="Arial" panose="020B0604020202020204"/>
         <a:buChar char="•"/>
         <a:defRPr sz="1400" kern="1200" cap="none">
           <a:solidFill>
@@ -5744,7 +5699,7 @@
           <a:schemeClr val="accent1"/>
         </a:buClr>
         <a:buSzPct val="115000"/>
-        <a:buFont typeface="Arial"/>
+        <a:buFont typeface="Arial" panose="020B0604020202020204"/>
         <a:buChar char="•"/>
         <a:defRPr sz="1400" kern="1200" cap="none">
           <a:solidFill>
@@ -5770,7 +5725,7 @@
           <a:schemeClr val="accent1"/>
         </a:buClr>
         <a:buSzPct val="115000"/>
-        <a:buFont typeface="Arial"/>
+        <a:buFont typeface="Arial" panose="020B0604020202020204"/>
         <a:buChar char="•"/>
         <a:defRPr sz="1400" kern="1200" cap="none">
           <a:solidFill>
@@ -5904,18 +5859,12 @@
       </p:grpSpPr>
       <p:sp>
         <p:nvSpPr>
-          <p:cNvPr id="2" name="Title 1">
-            <a:extLst>
-              <a:ext uri="{FF2B5EF4-FFF2-40B4-BE49-F238E27FC236}">
-                <a16:creationId xmlns:a16="http://schemas.microsoft.com/office/drawing/2014/main" id="{C6D191E6-BBF1-4392-8C82-5E3671D67A19}"/>
-              </a:ext>
-            </a:extLst>
-          </p:cNvPr>
-          <p:cNvSpPr>
-            <a:spLocks noGrp="1"/>
-          </p:cNvSpPr>
-          <p:nvPr>
-            <p:ph type="ctrTitle"/>
+          <p:cNvPr id="2" name="Title 1"/>
+          <p:cNvSpPr>
+            <a:spLocks noGrp="1"/>
+          </p:cNvSpPr>
+          <p:nvPr>
+            <p:ph type="title"/>
           </p:nvPr>
         </p:nvSpPr>
         <p:spPr/>
@@ -5923,41 +5872,52 @@
           <a:bodyPr/>
           <a:lstStyle/>
           <a:p>
-            <a:endParaRPr lang="en-US"/>
-          </a:p>
-        </p:txBody>
-      </p:sp>
-      <p:sp>
-        <p:nvSpPr>
-          <p:cNvPr id="3" name="Subtitle 2">
-            <a:extLst>
-              <a:ext uri="{FF2B5EF4-FFF2-40B4-BE49-F238E27FC236}">
-                <a16:creationId xmlns:a16="http://schemas.microsoft.com/office/drawing/2014/main" id="{996DCA41-2F5C-4EAD-807D-EAE625A39590}"/>
-              </a:ext>
-            </a:extLst>
-          </p:cNvPr>
-          <p:cNvSpPr>
-            <a:spLocks noGrp="1"/>
-          </p:cNvSpPr>
-          <p:nvPr>
-            <p:ph type="subTitle" idx="1"/>
-          </p:nvPr>
-        </p:nvSpPr>
-        <p:spPr/>
-        <p:txBody>
-          <a:bodyPr/>
-          <a:lstStyle/>
-          <a:p>
-            <a:endParaRPr lang="en-US"/>
+            <a:r>
+              <a:rPr lang="en-US" dirty="0"/>
+              <a:t>Hypertext Markup Language </a:t>
+            </a:r>
+            <a:br>
+              <a:rPr lang="en-US" dirty="0"/>
+            </a:br>
+            <a:r>
+              <a:rPr lang="en-US" dirty="0"/>
+              <a:t>(HTML)</a:t>
+            </a:r>
+            <a:endParaRPr lang="en-US" dirty="0"/>
+          </a:p>
+        </p:txBody>
+      </p:sp>
+      <p:sp>
+        <p:nvSpPr>
+          <p:cNvPr id="3" name="Subtitle 2"/>
+          <p:cNvSpPr>
+            <a:spLocks noGrp="1"/>
+          </p:cNvSpPr>
+          <p:nvPr>
+            <p:ph type="body" idx="1"/>
+          </p:nvPr>
+        </p:nvSpPr>
+        <p:spPr>
+          <a:xfrm>
+            <a:off x="6844553" y="5567082"/>
+            <a:ext cx="3329204" cy="430304"/>
+          </a:xfrm>
+        </p:spPr>
+        <p:txBody>
+          <a:bodyPr>
+            <a:normAutofit lnSpcReduction="10000"/>
+          </a:bodyPr>
+          <a:lstStyle/>
+          <a:p>
+            <a:r>
+              <a:rPr lang="en-US" dirty="0"/>
+              <a:t>- Sagar Shrestha</a:t>
+            </a:r>
+            <a:endParaRPr lang="en-US" dirty="0"/>
           </a:p>
         </p:txBody>
       </p:sp>
     </p:spTree>
-    <p:extLst>
-      <p:ext uri="{BB962C8B-B14F-4D97-AF65-F5344CB8AC3E}">
-        <p14:creationId xmlns:p14="http://schemas.microsoft.com/office/powerpoint/2010/main" val="3409268109"/>
-      </p:ext>
-    </p:extLst>
   </p:cSld>
   <p:clrMapOvr>
     <a:masterClrMapping/>
@@ -5999,148 +5959,9 @@
           <a:p>
             <a:r>
               <a:rPr lang="en-US" dirty="0"/>
-              <a:t>Types of tags</a:t>
-            </a:r>
-          </a:p>
-        </p:txBody>
-      </p:sp>
-      <p:sp>
-        <p:nvSpPr>
-          <p:cNvPr id="3" name="Content Placeholder 2"/>
-          <p:cNvSpPr>
-            <a:spLocks noGrp="1"/>
-          </p:cNvSpPr>
-          <p:nvPr>
-            <p:ph idx="1"/>
-          </p:nvPr>
-        </p:nvSpPr>
-        <p:spPr/>
-        <p:txBody>
-          <a:bodyPr>
-            <a:normAutofit/>
-          </a:bodyPr>
-          <a:lstStyle/>
-          <a:p>
-            <a:r>
-              <a:rPr lang="en-US" dirty="0"/>
-              <a:t>﻿Empty Tag - which has only opening tag.</a:t>
-            </a:r>
-          </a:p>
-          <a:p>
-            <a:pPr marL="0" indent="0">
-              <a:buNone/>
-            </a:pPr>
-            <a:r>
-              <a:rPr lang="en-US" dirty="0"/>
-              <a:t>Ex: -</a:t>
-            </a:r>
-          </a:p>
-          <a:p>
-            <a:pPr marL="0" indent="0">
-              <a:buNone/>
-            </a:pPr>
-            <a:r>
-              <a:rPr lang="en-US" dirty="0"/>
-              <a:t>&lt;</a:t>
-            </a:r>
-            <a:r>
-              <a:rPr lang="en-US" dirty="0" err="1"/>
-              <a:t>br</a:t>
-            </a:r>
-            <a:r>
-              <a:rPr lang="en-US" dirty="0"/>
-              <a:t>&gt;</a:t>
-            </a:r>
-          </a:p>
-          <a:p>
-            <a:pPr marL="0" indent="0">
-              <a:buNone/>
-            </a:pPr>
-            <a:r>
-              <a:rPr lang="en-US" dirty="0"/>
-              <a:t>&lt;</a:t>
-            </a:r>
-            <a:r>
-              <a:rPr lang="en-US" dirty="0" err="1"/>
-              <a:t>hr</a:t>
-            </a:r>
-            <a:r>
-              <a:rPr lang="en-US" dirty="0"/>
-              <a:t>&gt;</a:t>
-            </a:r>
-          </a:p>
-          <a:p>
-            <a:pPr marL="0" indent="0">
-              <a:buNone/>
-            </a:pPr>
-            <a:r>
-              <a:rPr lang="en-US" dirty="0"/>
-              <a:t>&lt;input&gt;</a:t>
-            </a:r>
-          </a:p>
-          <a:p>
-            <a:pPr marL="0" indent="0">
-              <a:buNone/>
-            </a:pPr>
-            <a:r>
-              <a:rPr lang="en-US" dirty="0"/>
-              <a:t>&lt;</a:t>
-            </a:r>
-            <a:r>
-              <a:rPr lang="en-US" dirty="0" err="1"/>
-              <a:t>img</a:t>
-            </a:r>
-            <a:r>
-              <a:rPr lang="en-US" dirty="0"/>
-              <a:t>&gt;</a:t>
-            </a:r>
-          </a:p>
-        </p:txBody>
-      </p:sp>
-    </p:spTree>
-  </p:cSld>
-  <p:clrMapOvr>
-    <a:masterClrMapping/>
-  </p:clrMapOvr>
-</p:sld>
-</file>
-
-<file path=ppt/slides/slide11.xml><?xml version="1.0" encoding="utf-8"?>
-<p:sld xmlns:a="http://schemas.openxmlformats.org/drawingml/2006/main" xmlns:r="http://schemas.openxmlformats.org/officeDocument/2006/relationships" xmlns:p="http://schemas.openxmlformats.org/presentationml/2006/main">
-  <p:cSld>
-    <p:spTree>
-      <p:nvGrpSpPr>
-        <p:cNvPr id="1" name=""/>
-        <p:cNvGrpSpPr/>
-        <p:nvPr/>
-      </p:nvGrpSpPr>
-      <p:grpSpPr>
-        <a:xfrm>
-          <a:off x="0" y="0"/>
-          <a:ext cx="0" cy="0"/>
-          <a:chOff x="0" y="0"/>
-          <a:chExt cx="0" cy="0"/>
-        </a:xfrm>
-      </p:grpSpPr>
-      <p:sp>
-        <p:nvSpPr>
-          <p:cNvPr id="2" name="Title 1"/>
-          <p:cNvSpPr>
-            <a:spLocks noGrp="1"/>
-          </p:cNvSpPr>
-          <p:nvPr>
-            <p:ph type="title"/>
-          </p:nvPr>
-        </p:nvSpPr>
-        <p:spPr/>
-        <p:txBody>
-          <a:bodyPr/>
-          <a:lstStyle/>
-          <a:p>
-            <a:r>
-              <a:rPr lang="en-US" dirty="0"/>
               <a:t>HTML Versions</a:t>
             </a:r>
+            <a:endParaRPr lang="en-US" dirty="0"/>
           </a:p>
         </p:txBody>
       </p:sp>
@@ -6165,20 +5986,8 @@
                 <a:tableStyleId>{5C22544A-7EE6-4342-B048-85BDC9FD1C3A}</a:tableStyleId>
               </a:tblPr>
               <a:tblGrid>
-                <a:gridCol w="2994212">
-                  <a:extLst>
-                    <a:ext uri="{9D8B030D-6E8A-4147-A177-3AD203B41FA5}">
-                      <a16:colId xmlns:a16="http://schemas.microsoft.com/office/drawing/2014/main" val="20000"/>
-                    </a:ext>
-                  </a:extLst>
-                </a:gridCol>
-                <a:gridCol w="3113218">
-                  <a:extLst>
-                    <a:ext uri="{9D8B030D-6E8A-4147-A177-3AD203B41FA5}">
-                      <a16:colId xmlns:a16="http://schemas.microsoft.com/office/drawing/2014/main" val="20001"/>
-                    </a:ext>
-                  </a:extLst>
-                </a:gridCol>
+                <a:gridCol w="2994212"/>
+                <a:gridCol w="3113218"/>
               </a:tblGrid>
               <a:tr h="370840">
                 <a:tc>
@@ -6225,11 +6034,6 @@
                   </a:txBody>
                   <a:tcPr/>
                 </a:tc>
-                <a:extLst>
-                  <a:ext uri="{0D108BD9-81ED-4DB2-BD59-A6C34878D82A}">
-                    <a16:rowId xmlns:a16="http://schemas.microsoft.com/office/drawing/2014/main" val="10000"/>
-                  </a:ext>
-                </a:extLst>
               </a:tr>
               <a:tr h="370840">
                 <a:tc>
@@ -6284,11 +6088,6 @@
                   </a:txBody>
                   <a:tcPr/>
                 </a:tc>
-                <a:extLst>
-                  <a:ext uri="{0D108BD9-81ED-4DB2-BD59-A6C34878D82A}">
-                    <a16:rowId xmlns:a16="http://schemas.microsoft.com/office/drawing/2014/main" val="10001"/>
-                  </a:ext>
-                </a:extLst>
               </a:tr>
               <a:tr h="370840">
                 <a:tc>
@@ -6343,11 +6142,6 @@
                   </a:txBody>
                   <a:tcPr/>
                 </a:tc>
-                <a:extLst>
-                  <a:ext uri="{0D108BD9-81ED-4DB2-BD59-A6C34878D82A}">
-                    <a16:rowId xmlns:a16="http://schemas.microsoft.com/office/drawing/2014/main" val="10002"/>
-                  </a:ext>
-                </a:extLst>
               </a:tr>
               <a:tr h="370840">
                 <a:tc>
@@ -6402,11 +6196,6 @@
                   </a:txBody>
                   <a:tcPr/>
                 </a:tc>
-                <a:extLst>
-                  <a:ext uri="{0D108BD9-81ED-4DB2-BD59-A6C34878D82A}">
-                    <a16:rowId xmlns:a16="http://schemas.microsoft.com/office/drawing/2014/main" val="10003"/>
-                  </a:ext>
-                </a:extLst>
               </a:tr>
               <a:tr h="370840">
                 <a:tc>
@@ -6461,11 +6250,6 @@
                   </a:txBody>
                   <a:tcPr/>
                 </a:tc>
-                <a:extLst>
-                  <a:ext uri="{0D108BD9-81ED-4DB2-BD59-A6C34878D82A}">
-                    <a16:rowId xmlns:a16="http://schemas.microsoft.com/office/drawing/2014/main" val="10004"/>
-                  </a:ext>
-                </a:extLst>
               </a:tr>
               <a:tr h="370840">
                 <a:tc>
@@ -6520,11 +6304,6 @@
                   </a:txBody>
                   <a:tcPr/>
                 </a:tc>
-                <a:extLst>
-                  <a:ext uri="{0D108BD9-81ED-4DB2-BD59-A6C34878D82A}">
-                    <a16:rowId xmlns:a16="http://schemas.microsoft.com/office/drawing/2014/main" val="10005"/>
-                  </a:ext>
-                </a:extLst>
               </a:tr>
               <a:tr h="370840">
                 <a:tc>
@@ -6579,16 +6358,151 @@
                   </a:txBody>
                   <a:tcPr/>
                 </a:tc>
-                <a:extLst>
-                  <a:ext uri="{0D108BD9-81ED-4DB2-BD59-A6C34878D82A}">
-                    <a16:rowId xmlns:a16="http://schemas.microsoft.com/office/drawing/2014/main" val="10006"/>
-                  </a:ext>
-                </a:extLst>
               </a:tr>
             </a:tbl>
           </a:graphicData>
         </a:graphic>
       </p:graphicFrame>
+    </p:spTree>
+  </p:cSld>
+  <p:clrMapOvr>
+    <a:masterClrMapping/>
+  </p:clrMapOvr>
+</p:sld>
+</file>
+
+<file path=ppt/slides/slide11.xml><?xml version="1.0" encoding="utf-8"?>
+<p:sld xmlns:a="http://schemas.openxmlformats.org/drawingml/2006/main" xmlns:r="http://schemas.openxmlformats.org/officeDocument/2006/relationships" xmlns:p="http://schemas.openxmlformats.org/presentationml/2006/main">
+  <p:cSld>
+    <p:spTree>
+      <p:nvGrpSpPr>
+        <p:cNvPr id="1" name=""/>
+        <p:cNvGrpSpPr/>
+        <p:nvPr/>
+      </p:nvGrpSpPr>
+      <p:grpSpPr>
+        <a:xfrm>
+          <a:off x="0" y="0"/>
+          <a:ext cx="0" cy="0"/>
+          <a:chOff x="0" y="0"/>
+          <a:chExt cx="0" cy="0"/>
+        </a:xfrm>
+      </p:grpSpPr>
+      <p:sp>
+        <p:nvSpPr>
+          <p:cNvPr id="2" name="Title 1"/>
+          <p:cNvSpPr>
+            <a:spLocks noGrp="1"/>
+          </p:cNvSpPr>
+          <p:nvPr>
+            <p:ph type="title"/>
+          </p:nvPr>
+        </p:nvSpPr>
+        <p:spPr/>
+        <p:txBody>
+          <a:bodyPr/>
+          <a:lstStyle/>
+          <a:p>
+            <a:r>
+              <a:rPr lang="en-US" dirty="0"/>
+              <a:t>HTML 5</a:t>
+            </a:r>
+            <a:endParaRPr lang="en-US" dirty="0"/>
+          </a:p>
+        </p:txBody>
+      </p:sp>
+      <p:sp>
+        <p:nvSpPr>
+          <p:cNvPr id="3" name="Content Placeholder 2"/>
+          <p:cNvSpPr>
+            <a:spLocks noGrp="1"/>
+          </p:cNvSpPr>
+          <p:nvPr>
+            <p:ph idx="1"/>
+          </p:nvPr>
+        </p:nvSpPr>
+        <p:spPr/>
+        <p:txBody>
+          <a:bodyPr>
+            <a:normAutofit fontScale="85000" lnSpcReduction="20000"/>
+          </a:bodyPr>
+          <a:lstStyle/>
+          <a:p>
+            <a:r>
+              <a:rPr lang="en-US" dirty="0"/>
+              <a:t>HTML 5 enables to create more interactive websites by embedding audio, video and graphics on the web page.</a:t>
+            </a:r>
+            <a:endParaRPr lang="en-US" dirty="0"/>
+          </a:p>
+          <a:p>
+            <a:r>
+              <a:rPr lang="en-US" dirty="0"/>
+              <a:t>The purpose of HTML5 is primarily to make it easier for web developers. New features:</a:t>
+            </a:r>
+            <a:endParaRPr lang="en-US" dirty="0"/>
+          </a:p>
+          <a:p>
+            <a:pPr marL="0" indent="0">
+              <a:buNone/>
+            </a:pPr>
+            <a:r>
+              <a:rPr lang="en-US" dirty="0"/>
+              <a:t>- Browser Support Geolocation</a:t>
+            </a:r>
+            <a:endParaRPr lang="en-US" dirty="0"/>
+          </a:p>
+          <a:p>
+            <a:pPr marL="0" indent="0">
+              <a:buNone/>
+            </a:pPr>
+            <a:r>
+              <a:rPr lang="en-US" dirty="0"/>
+              <a:t>- Offline Application Cache</a:t>
+            </a:r>
+            <a:endParaRPr lang="en-US" dirty="0"/>
+          </a:p>
+          <a:p>
+            <a:pPr marL="0" indent="0">
+              <a:buNone/>
+            </a:pPr>
+            <a:r>
+              <a:rPr lang="en-US" dirty="0"/>
+              <a:t>- Web Storage</a:t>
+            </a:r>
+            <a:endParaRPr lang="en-US" dirty="0"/>
+          </a:p>
+          <a:p>
+            <a:pPr marL="0" indent="0">
+              <a:buNone/>
+            </a:pPr>
+            <a:r>
+              <a:rPr lang="en-US" dirty="0"/>
+              <a:t>- Error Handling</a:t>
+            </a:r>
+            <a:endParaRPr lang="en-US" dirty="0"/>
+          </a:p>
+          <a:p>
+            <a:pPr marL="0" indent="0">
+              <a:buNone/>
+            </a:pPr>
+            <a:r>
+              <a:rPr lang="en-US" dirty="0"/>
+              <a:t>-  New Application Programming Interface (API)</a:t>
+            </a:r>
+            <a:endParaRPr lang="en-US" dirty="0"/>
+          </a:p>
+          <a:p>
+            <a:pPr marL="0" indent="0">
+              <a:buNone/>
+            </a:pPr>
+            <a:r>
+              <a:rPr lang="en-US" dirty="0"/>
+              <a:t>- New Structure</a:t>
+            </a:r>
+            <a:endParaRPr lang="en-US" dirty="0"/>
+          </a:p>
+        </p:txBody>
+      </p:sp>
     </p:spTree>
   </p:cSld>
   <p:clrMapOvr>
@@ -6626,97 +6540,54 @@
         </p:nvSpPr>
         <p:spPr/>
         <p:txBody>
+          <a:bodyPr>
+            <a:normAutofit/>
+          </a:bodyPr>
+          <a:lstStyle/>
+          <a:p>
+            <a:r>
+              <a:rPr lang="en-US" dirty="0"/>
+              <a:t>DOCTYPE declaration (</a:t>
+            </a:r>
+            <a:r>
+              <a:rPr lang="en-US" dirty="0">
+                <a:solidFill>
+                  <a:schemeClr val="tx1"/>
+                </a:solidFill>
+              </a:rPr>
+              <a:t>HTML 4.01)</a:t>
+            </a:r>
+            <a:endParaRPr lang="en-US" dirty="0"/>
+          </a:p>
+        </p:txBody>
+      </p:sp>
+      <p:sp>
+        <p:nvSpPr>
+          <p:cNvPr id="3" name="Content Placeholder 2"/>
+          <p:cNvSpPr>
+            <a:spLocks noGrp="1"/>
+          </p:cNvSpPr>
+          <p:nvPr>
+            <p:ph idx="1"/>
+          </p:nvPr>
+        </p:nvSpPr>
+        <p:spPr/>
+        <p:txBody>
           <a:bodyPr/>
           <a:lstStyle/>
           <a:p>
             <a:r>
               <a:rPr lang="en-US" dirty="0"/>
-              <a:t>HTML 5</a:t>
-            </a:r>
-          </a:p>
-        </p:txBody>
-      </p:sp>
-      <p:sp>
-        <p:nvSpPr>
-          <p:cNvPr id="3" name="Content Placeholder 2"/>
-          <p:cNvSpPr>
-            <a:spLocks noGrp="1"/>
-          </p:cNvSpPr>
-          <p:nvPr>
-            <p:ph idx="1"/>
-          </p:nvPr>
-        </p:nvSpPr>
-        <p:spPr/>
-        <p:txBody>
-          <a:bodyPr>
-            <a:normAutofit fontScale="85000" lnSpcReduction="20000"/>
-          </a:bodyPr>
-          <a:lstStyle/>
-          <a:p>
-            <a:r>
-              <a:rPr lang="en-US" dirty="0"/>
-              <a:t>HTML 5 enables to create more interactive websites by embedding audio, video and graphics on the web page.</a:t>
-            </a:r>
-          </a:p>
-          <a:p>
-            <a:r>
-              <a:rPr lang="en-US" dirty="0"/>
-              <a:t>The purpose of HTML5 is primarily to make it easier for web developers. New features:</a:t>
-            </a:r>
-          </a:p>
-          <a:p>
-            <a:pPr marL="0" indent="0">
-              <a:buNone/>
-            </a:pPr>
-            <a:r>
-              <a:rPr lang="en-US" dirty="0"/>
-              <a:t>- Browser Support Geolocation</a:t>
-            </a:r>
-          </a:p>
-          <a:p>
-            <a:pPr marL="0" indent="0">
-              <a:buNone/>
-            </a:pPr>
-            <a:r>
-              <a:rPr lang="en-US" dirty="0"/>
-              <a:t>- Offline Application Cache</a:t>
-            </a:r>
-          </a:p>
-          <a:p>
-            <a:pPr marL="0" indent="0">
-              <a:buNone/>
-            </a:pPr>
-            <a:r>
-              <a:rPr lang="en-US" dirty="0"/>
-              <a:t>- Web Storage</a:t>
-            </a:r>
-          </a:p>
-          <a:p>
-            <a:pPr marL="0" indent="0">
-              <a:buNone/>
-            </a:pPr>
-            <a:r>
-              <a:rPr lang="en-US" dirty="0"/>
-              <a:t>- Error Handling</a:t>
-            </a:r>
-          </a:p>
-          <a:p>
-            <a:pPr marL="0" indent="0">
-              <a:buNone/>
-            </a:pPr>
-            <a:r>
-              <a:rPr lang="en-US" dirty="0"/>
-              <a:t>-  New Application Programming Interface (API)</a:t>
-            </a:r>
-          </a:p>
-          <a:p>
-            <a:pPr marL="0" indent="0">
-              <a:buNone/>
-            </a:pPr>
-            <a:r>
-              <a:rPr lang="en-US" dirty="0"/>
-              <a:t>- New Structure</a:t>
-            </a:r>
+              <a:t>HTML 4.01 Strict</a:t>
+            </a:r>
+            <a:br>
+              <a:rPr lang="en-US" dirty="0"/>
+            </a:br>
+            <a:r>
+              <a:rPr lang="en-US" dirty="0"/>
+              <a:t>&lt;!DOCTYPE HTML PUBLIC "-//W3C//DTD HTML 4.01//EN" "http://www.w3.org/TR/html4/strict.dtd"&gt;</a:t>
+            </a:r>
+            <a:endParaRPr lang="en-US" dirty="0"/>
           </a:p>
         </p:txBody>
       </p:sp>
@@ -6757,22 +6628,20 @@
         </p:nvSpPr>
         <p:spPr/>
         <p:txBody>
-          <a:bodyPr>
-            <a:normAutofit/>
-          </a:bodyPr>
-          <a:lstStyle/>
-          <a:p>
-            <a:r>
-              <a:rPr lang="en-US" dirty="0"/>
+          <a:bodyPr/>
+          <a:lstStyle/>
+          <a:p>
+            <a:r>
+              <a:rPr lang="en-US"/>
               <a:t>DOCTYPE declaration (</a:t>
             </a:r>
             <a:r>
-              <a:rPr lang="en-US" dirty="0">
+              <a:rPr lang="en-US">
                 <a:solidFill>
                   <a:schemeClr val="tx1"/>
                 </a:solidFill>
               </a:rPr>
-              <a:t>HTML 4.01)</a:t>
+              <a:t>HTML 5)</a:t>
             </a:r>
             <a:endParaRPr lang="en-US" dirty="0"/>
           </a:p>
@@ -6795,15 +6664,30 @@
           <a:p>
             <a:r>
               <a:rPr lang="en-US" dirty="0"/>
-              <a:t>HTML 4.01 Strict</a:t>
+              <a:t>&lt;!DOCTYPE html&gt;</a:t>
             </a:r>
             <a:br>
               <a:rPr lang="en-US" dirty="0"/>
             </a:br>
             <a:r>
               <a:rPr lang="en-US" dirty="0"/>
-              <a:t>&lt;!DOCTYPE HTML PUBLIC "-//W3C//DTD HTML 4.01//EN" "http://www.w3.org/TR/html4/strict.dtd"&gt;</a:t>
-            </a:r>
+              <a:t>It is an instruction to the web browser about what version</a:t>
+            </a:r>
+            <a:br>
+              <a:rPr lang="en-US" dirty="0"/>
+            </a:br>
+            <a:r>
+              <a:rPr lang="en-US" dirty="0"/>
+              <a:t>HTML the page is written in.</a:t>
+            </a:r>
+            <a:br>
+              <a:rPr lang="en-US" dirty="0"/>
+            </a:br>
+            <a:r>
+              <a:rPr lang="en-US" dirty="0"/>
+              <a:t>The &lt;!DOCTYPE&gt; declaration is not case sensitive.</a:t>
+            </a:r>
+            <a:endParaRPr lang="en-US" dirty="0"/>
           </a:p>
         </p:txBody>
       </p:sp>
@@ -6848,16 +6732,8 @@
           <a:lstStyle/>
           <a:p>
             <a:r>
-              <a:rPr lang="en-US"/>
-              <a:t>DOCTYPE declaration (</a:t>
-            </a:r>
-            <a:r>
-              <a:rPr lang="en-US">
-                <a:solidFill>
-                  <a:schemeClr val="tx1"/>
-                </a:solidFill>
-              </a:rPr>
-              <a:t>HTML 5)</a:t>
+              <a:rPr lang="en-US" dirty="0" err="1"/>
+              <a:t>Brake|Header|Paragraph|Inhancer</a:t>
             </a:r>
             <a:endParaRPr lang="en-US" dirty="0"/>
           </a:p>
@@ -6875,34 +6751,120 @@
         </p:nvSpPr>
         <p:spPr/>
         <p:txBody>
-          <a:bodyPr/>
-          <a:lstStyle/>
-          <a:p>
-            <a:r>
-              <a:rPr lang="en-US" dirty="0"/>
-              <a:t>&lt;!DOCTYPE html&gt;</a:t>
-            </a:r>
-            <a:br>
-              <a:rPr lang="en-US" dirty="0"/>
-            </a:br>
-            <a:r>
-              <a:rPr lang="en-US" dirty="0"/>
-              <a:t>It is an instruction to the web browser about what version</a:t>
-            </a:r>
-            <a:br>
-              <a:rPr lang="en-US" dirty="0"/>
-            </a:br>
-            <a:r>
-              <a:rPr lang="en-US" dirty="0"/>
-              <a:t>HTML the page is written in.</a:t>
-            </a:r>
-            <a:br>
-              <a:rPr lang="en-US" dirty="0"/>
-            </a:br>
-            <a:r>
-              <a:rPr lang="en-US" dirty="0"/>
-              <a:t>The &lt;!DOCTYPE&gt; declaration is not case sensitive.</a:t>
-            </a:r>
+          <a:bodyPr>
+            <a:normAutofit fontScale="90000" lnSpcReduction="10000"/>
+          </a:bodyPr>
+          <a:lstStyle/>
+          <a:p>
+            <a:r>
+              <a:rPr lang="en-US" dirty="0"/>
+              <a:t>Create a simple plan text web page.</a:t>
+            </a:r>
+            <a:endParaRPr lang="en-US" dirty="0"/>
+          </a:p>
+          <a:p>
+            <a:r>
+              <a:rPr lang="en-US" dirty="0"/>
+              <a:t>Insert new line in web page.</a:t>
+            </a:r>
+            <a:endParaRPr lang="en-US" dirty="0"/>
+          </a:p>
+          <a:p>
+            <a:pPr marL="0" indent="0">
+              <a:buNone/>
+            </a:pPr>
+            <a:r>
+              <a:rPr lang="en-US" dirty="0"/>
+              <a:t>&lt;</a:t>
+            </a:r>
+            <a:r>
+              <a:rPr lang="en-US" dirty="0" err="1"/>
+              <a:t>br</a:t>
+            </a:r>
+            <a:r>
+              <a:rPr lang="en-US" dirty="0"/>
+              <a:t>&gt;,&lt;</a:t>
+            </a:r>
+            <a:r>
+              <a:rPr lang="en-US" dirty="0" err="1"/>
+              <a:t>hr</a:t>
+            </a:r>
+            <a:r>
+              <a:rPr lang="en-US" dirty="0"/>
+              <a:t>&gt;</a:t>
+            </a:r>
+            <a:endParaRPr lang="en-US" dirty="0"/>
+          </a:p>
+          <a:p>
+            <a:r>
+              <a:rPr lang="en-US" dirty="0"/>
+              <a:t>Introduction to </a:t>
+            </a:r>
+            <a:r>
+              <a:rPr lang="en-US" dirty="0" err="1"/>
+              <a:t>heading,paragraph,span</a:t>
+            </a:r>
+            <a:endParaRPr lang="en-US" dirty="0"/>
+          </a:p>
+          <a:p>
+            <a:pPr marL="0" indent="0">
+              <a:buNone/>
+            </a:pPr>
+            <a:r>
+              <a:rPr lang="en-US" dirty="0"/>
+              <a:t>&lt;h1&gt;/h1&gt;,&lt;p&gt;&lt;/p&gt;,&lt;span&gt;&lt;/span&gt;</a:t>
+            </a:r>
+            <a:endParaRPr lang="en-US" dirty="0"/>
+          </a:p>
+          <a:p>
+            <a:r>
+              <a:rPr lang="en-US" dirty="0"/>
+              <a:t>Introduction to </a:t>
+            </a:r>
+            <a:r>
+              <a:rPr lang="en-US" dirty="0" err="1"/>
+              <a:t>underline,bold.itlaic</a:t>
+            </a:r>
+            <a:r>
+              <a:rPr lang="en-US" dirty="0"/>
+              <a:t>.</a:t>
+            </a:r>
+            <a:endParaRPr lang="en-US" dirty="0"/>
+          </a:p>
+          <a:p>
+            <a:pPr marL="0" indent="0">
+              <a:buNone/>
+            </a:pPr>
+            <a:r>
+              <a:rPr lang="en-US" dirty="0"/>
+              <a:t>&lt;u&gt;&lt;/u&gt;,&lt;b&gt;&lt;/b&gt;,&lt;</a:t>
+            </a:r>
+            <a:r>
+              <a:rPr lang="en-US" dirty="0" err="1"/>
+              <a:t>i</a:t>
+            </a:r>
+            <a:r>
+              <a:rPr lang="en-US" dirty="0"/>
+              <a:t>&gt;&lt;/</a:t>
+            </a:r>
+            <a:r>
+              <a:rPr lang="en-US" dirty="0" err="1"/>
+              <a:t>i</a:t>
+            </a:r>
+            <a:r>
+              <a:rPr lang="en-US" dirty="0"/>
+              <a:t>&gt;</a:t>
+            </a:r>
+            <a:endParaRPr lang="en-US" dirty="0"/>
+          </a:p>
+          <a:p>
+            <a:endParaRPr lang="en-US" dirty="0"/>
+          </a:p>
+          <a:p>
+            <a:endParaRPr lang="en-US" dirty="0"/>
+          </a:p>
+          <a:p>
+            <a:endParaRPr lang="en-US" dirty="0"/>
           </a:p>
         </p:txBody>
       </p:sp>
@@ -6948,7 +6910,7 @@
           <a:p>
             <a:r>
               <a:rPr lang="en-US" dirty="0" err="1"/>
-              <a:t>Brake|Header|Paragraph|Inhancer</a:t>
+              <a:t>Inhancer</a:t>
             </a:r>
             <a:endParaRPr lang="en-US" dirty="0"/>
           </a:p>
@@ -6967,20 +6929,23 @@
         <p:spPr/>
         <p:txBody>
           <a:bodyPr>
-            <a:normAutofit fontScale="90000" lnSpcReduction="10000"/>
+            <a:normAutofit/>
           </a:bodyPr>
           <a:lstStyle/>
           <a:p>
             <a:r>
               <a:rPr lang="en-US" dirty="0"/>
-              <a:t>Create a simple plan text web page.</a:t>
-            </a:r>
-          </a:p>
-          <a:p>
-            <a:r>
-              <a:rPr lang="en-US" dirty="0"/>
-              <a:t>Insert new line in web page.</a:t>
-            </a:r>
+              <a:t>Introduction to </a:t>
+            </a:r>
+            <a:r>
+              <a:rPr lang="en-US" dirty="0" err="1"/>
+              <a:t>strong,emphasis</a:t>
+            </a:r>
+            <a:r>
+              <a:rPr lang="en-US" dirty="0"/>
+              <a:t>.</a:t>
+            </a:r>
+            <a:endParaRPr lang="en-US" dirty="0"/>
           </a:p>
           <a:p>
             <a:pPr marL="0" indent="0">
@@ -6988,33 +6953,54 @@
             </a:pPr>
             <a:r>
               <a:rPr lang="en-US" dirty="0"/>
-              <a:t>&lt;</a:t>
+              <a:t>&lt;strong&gt;&lt;/</a:t>
+            </a:r>
+            <a:r>
+              <a:rPr lang="en-US" dirty="0">
+                <a:sym typeface="+mn-ea"/>
+              </a:rPr>
+              <a:t>strong</a:t>
+            </a:r>
+            <a:r>
+              <a:rPr lang="en-US" dirty="0"/>
+              <a:t>&gt;,&lt;</a:t>
             </a:r>
             <a:r>
               <a:rPr lang="en-US" dirty="0" err="1"/>
-              <a:t>br</a:t>
-            </a:r>
-            <a:r>
-              <a:rPr lang="en-US" dirty="0"/>
-              <a:t>&gt;,&lt;</a:t>
+              <a:t>em</a:t>
+            </a:r>
+            <a:r>
+              <a:rPr lang="en-US" dirty="0"/>
+              <a:t>&gt;&lt;/</a:t>
             </a:r>
             <a:r>
               <a:rPr lang="en-US" dirty="0" err="1"/>
-              <a:t>hr</a:t>
+              <a:t>em</a:t>
             </a:r>
             <a:r>
               <a:rPr lang="en-US" dirty="0"/>
               <a:t>&gt;</a:t>
             </a:r>
-          </a:p>
-          <a:p>
-            <a:r>
-              <a:rPr lang="en-US" dirty="0"/>
+            <a:endParaRPr lang="en-US" dirty="0"/>
+          </a:p>
+          <a:p>
+            <a:r>
+              <a:rPr lang="en-US" dirty="0">
+                <a:sym typeface="+mn-ea"/>
+              </a:rPr>
               <a:t>Introduction to </a:t>
             </a:r>
             <a:r>
-              <a:rPr lang="en-US" dirty="0" err="1"/>
-              <a:t>heading,paragraph,span</a:t>
+              <a:rPr lang="en-US" dirty="0" err="1">
+                <a:sym typeface="+mn-ea"/>
+              </a:rPr>
+              <a:t>blockquote,quote</a:t>
+            </a:r>
+            <a:r>
+              <a:rPr lang="en-US" dirty="0">
+                <a:sym typeface="+mn-ea"/>
+              </a:rPr>
+              <a:t>.</a:t>
             </a:r>
             <a:endParaRPr lang="en-US" dirty="0"/>
           </a:p>
@@ -7023,48 +7009,53 @@
               <a:buNone/>
             </a:pPr>
             <a:r>
-              <a:rPr lang="en-US" dirty="0"/>
-              <a:t>&lt;h1&gt;/h1&gt;,&lt;p&gt;&lt;/p&gt;,&lt;span&gt;&lt;/span&gt;</a:t>
-            </a:r>
-          </a:p>
-          <a:p>
-            <a:r>
-              <a:rPr lang="en-US" dirty="0"/>
+              <a:rPr lang="en-US" dirty="0">
+                <a:sym typeface="+mn-ea"/>
+              </a:rPr>
+              <a:t>&lt;blockquote&gt;&lt;/blockquote&gt;,&lt;q&gt;&lt;/q&gt;</a:t>
+            </a:r>
+            <a:endParaRPr lang="en-US" dirty="0">
+              <a:sym typeface="+mn-ea"/>
+            </a:endParaRPr>
+          </a:p>
+          <a:p>
+            <a:r>
+              <a:rPr lang="en-US" dirty="0">
+                <a:sym typeface="+mn-ea"/>
+              </a:rPr>
               <a:t>Introduction to </a:t>
             </a:r>
             <a:r>
-              <a:rPr lang="en-US" dirty="0" err="1"/>
-              <a:t>underline,bold.itlaic</a:t>
-            </a:r>
-            <a:r>
-              <a:rPr lang="en-US" dirty="0"/>
+              <a:rPr lang="en-US" dirty="0" err="1">
+                <a:sym typeface="+mn-ea"/>
+              </a:rPr>
+              <a:t>delete,insert</a:t>
+            </a:r>
+            <a:r>
+              <a:rPr lang="en-US" dirty="0">
+                <a:sym typeface="+mn-ea"/>
+              </a:rPr>
               <a:t>.</a:t>
             </a:r>
+            <a:endParaRPr lang="en-US" dirty="0"/>
           </a:p>
           <a:p>
             <a:pPr marL="0" indent="0">
               <a:buNone/>
             </a:pPr>
             <a:r>
-              <a:rPr lang="en-US" dirty="0"/>
-              <a:t>&lt;u&gt;&lt;/u&gt;,&lt;b&gt;&lt;/b&gt;,&lt;</a:t>
-            </a:r>
-            <a:r>
-              <a:rPr lang="en-US" dirty="0" err="1"/>
-              <a:t>i</a:t>
-            </a:r>
-            <a:r>
-              <a:rPr lang="en-US" dirty="0"/>
-              <a:t>&gt;&lt;/</a:t>
-            </a:r>
-            <a:r>
-              <a:rPr lang="en-US" dirty="0" err="1"/>
-              <a:t>i</a:t>
-            </a:r>
-            <a:r>
-              <a:rPr lang="en-US" dirty="0"/>
-              <a:t>&gt;</a:t>
-            </a:r>
+              <a:rPr lang="en-US" dirty="0">
+                <a:sym typeface="+mn-ea"/>
+              </a:rPr>
+              <a:t>&lt;del&gt;&lt;/del&gt;,&lt;ins&gt;&lt;/ins&gt;</a:t>
+            </a:r>
+            <a:endParaRPr lang="en-US" dirty="0"/>
+          </a:p>
+          <a:p>
+            <a:pPr marL="0" indent="0">
+              <a:buNone/>
+            </a:pPr>
+            <a:endParaRPr lang="en-US" dirty="0"/>
           </a:p>
           <a:p>
             <a:endParaRPr lang="en-US" dirty="0"/>
@@ -7118,8 +7109,12 @@
           <a:lstStyle/>
           <a:p>
             <a:r>
+              <a:rPr lang="en-US" dirty="0"/>
+              <a:t>Script| </a:t>
+            </a:r>
+            <a:r>
               <a:rPr lang="en-US" dirty="0" err="1"/>
-              <a:t>Inhancer</a:t>
+              <a:t>Address|Pre-fromat</a:t>
             </a:r>
             <a:endParaRPr lang="en-US" dirty="0"/>
           </a:p>
@@ -7135,7 +7130,12 @@
             <p:ph idx="1"/>
           </p:nvPr>
         </p:nvSpPr>
-        <p:spPr/>
+        <p:spPr>
+          <a:xfrm>
+            <a:off x="1295402" y="2556932"/>
+            <a:ext cx="9601196" cy="3318936"/>
+          </a:xfrm>
+        </p:spPr>
         <p:txBody>
           <a:bodyPr>
             <a:normAutofit/>
@@ -7148,12 +7148,13 @@
             </a:r>
             <a:r>
               <a:rPr lang="en-US" dirty="0" err="1"/>
-              <a:t>strong,emphasis</a:t>
+              <a:t>subscript,superscript</a:t>
             </a:r>
             <a:r>
               <a:rPr lang="en-US" dirty="0"/>
               <a:t>.</a:t>
             </a:r>
+            <a:endParaRPr lang="en-US" dirty="0"/>
           </a:p>
           <a:p>
             <a:pPr marL="0" indent="0">
@@ -7161,53 +7162,45 @@
             </a:pPr>
             <a:r>
               <a:rPr lang="en-US" dirty="0"/>
-              <a:t>&lt;strong&gt;&lt;/</a:t>
+              <a:t>&lt;sub&gt;&lt;/</a:t>
             </a:r>
             <a:r>
               <a:rPr lang="en-US" dirty="0">
                 <a:sym typeface="+mn-ea"/>
               </a:rPr>
-              <a:t>strong</a:t>
-            </a:r>
-            <a:r>
-              <a:rPr lang="en-US" dirty="0"/>
-              <a:t>&gt;,&lt;</a:t>
-            </a:r>
-            <a:r>
-              <a:rPr lang="en-US" dirty="0" err="1"/>
-              <a:t>em</a:t>
-            </a:r>
-            <a:r>
-              <a:rPr lang="en-US" dirty="0"/>
-              <a:t>&gt;&lt;/</a:t>
-            </a:r>
-            <a:r>
-              <a:rPr lang="en-US" dirty="0" err="1"/>
-              <a:t>em</a:t>
-            </a:r>
-            <a:r>
-              <a:rPr lang="en-US" dirty="0"/>
-              <a:t>&gt;</a:t>
-            </a:r>
+              <a:t>sub</a:t>
+            </a:r>
+            <a:r>
+              <a:rPr lang="en-US" dirty="0"/>
+              <a:t>&gt;,&lt;sup&gt;&lt;/sup&gt;</a:t>
+            </a:r>
+            <a:endParaRPr lang="en-US" dirty="0"/>
           </a:p>
           <a:p>
             <a:r>
               <a:rPr lang="en-US" dirty="0">
                 <a:sym typeface="+mn-ea"/>
               </a:rPr>
-              <a:t>Introduction to </a:t>
-            </a:r>
-            <a:r>
-              <a:rPr lang="en-US" dirty="0" err="1">
-                <a:sym typeface="+mn-ea"/>
-              </a:rPr>
-              <a:t>blockquote,quote</a:t>
-            </a:r>
+              <a:t>Introduction to address.</a:t>
+            </a:r>
+            <a:endParaRPr lang="en-US" dirty="0"/>
+          </a:p>
+          <a:p>
+            <a:pPr marL="0" indent="0">
+              <a:buNone/>
+            </a:pPr>
             <a:r>
               <a:rPr lang="en-US" dirty="0">
                 <a:sym typeface="+mn-ea"/>
               </a:rPr>
-              <a:t>.</a:t>
+              <a:t>&lt;address&gt;&lt;/address&gt;</a:t>
+            </a:r>
+            <a:endParaRPr lang="en-US" dirty="0"/>
+          </a:p>
+          <a:p>
+            <a:r>
+              <a:rPr lang="en-US" dirty="0"/>
+              <a:t>Introduction to Pre-format.</a:t>
             </a:r>
             <a:endParaRPr lang="en-US" dirty="0"/>
           </a:p>
@@ -7216,50 +7209,13 @@
               <a:buNone/>
             </a:pPr>
             <a:r>
-              <a:rPr lang="en-US" dirty="0">
-                <a:sym typeface="+mn-ea"/>
-              </a:rPr>
-              <a:t>&lt;blockquote&gt;&lt;/blockquote&gt;,&lt;q&gt;&lt;/q&gt;</a:t>
-            </a:r>
-          </a:p>
-          <a:p>
-            <a:r>
-              <a:rPr lang="en-US" dirty="0">
-                <a:sym typeface="+mn-ea"/>
-              </a:rPr>
-              <a:t>Introduction to </a:t>
-            </a:r>
-            <a:r>
-              <a:rPr lang="en-US" dirty="0" err="1">
-                <a:sym typeface="+mn-ea"/>
-              </a:rPr>
-              <a:t>delete,insert</a:t>
-            </a:r>
-            <a:r>
-              <a:rPr lang="en-US" dirty="0">
-                <a:sym typeface="+mn-ea"/>
-              </a:rPr>
-              <a:t>.</a:t>
-            </a:r>
-            <a:endParaRPr lang="en-US" dirty="0"/>
-          </a:p>
-          <a:p>
-            <a:pPr marL="0" indent="0">
-              <a:buNone/>
-            </a:pPr>
-            <a:r>
-              <a:rPr lang="en-US" dirty="0">
-                <a:sym typeface="+mn-ea"/>
-              </a:rPr>
-              <a:t>&lt;del&gt;&lt;/del&gt;,&lt;ins&gt;&lt;/ins&gt;</a:t>
-            </a:r>
-            <a:endParaRPr lang="en-US" dirty="0"/>
-          </a:p>
-          <a:p>
-            <a:pPr marL="0" indent="0">
-              <a:buNone/>
-            </a:pPr>
-            <a:endParaRPr lang="en-US" dirty="0"/>
+              <a:rPr lang="en-US" dirty="0"/>
+              <a:t>&lt;pre&gt;BCA   Course&lt;/ pre&gt;</a:t>
+            </a:r>
+            <a:endParaRPr lang="en-US" dirty="0">
+              <a:latin typeface="Yu Gothic UI" panose="020B0500000000000000" pitchFamily="34" charset="-128"/>
+              <a:ea typeface="Yu Gothic UI" panose="020B0500000000000000" pitchFamily="34" charset="-128"/>
+            </a:endParaRPr>
           </a:p>
           <a:p>
             <a:endParaRPr lang="en-US" dirty="0"/>
@@ -7314,11 +7270,7 @@
           <a:p>
             <a:r>
               <a:rPr lang="en-US" dirty="0"/>
-              <a:t>Script| </a:t>
-            </a:r>
-            <a:r>
-              <a:rPr lang="en-US" dirty="0" err="1"/>
-              <a:t>Address|Pre-fromat</a:t>
+              <a:t>Abbreviation</a:t>
             </a:r>
             <a:endParaRPr lang="en-US" dirty="0"/>
           </a:p>
@@ -7334,12 +7286,7 @@
             <p:ph idx="1"/>
           </p:nvPr>
         </p:nvSpPr>
-        <p:spPr>
-          <a:xfrm>
-            <a:off x="1295402" y="2556932"/>
-            <a:ext cx="9601196" cy="3318936"/>
-          </a:xfrm>
-        </p:spPr>
+        <p:spPr/>
         <p:txBody>
           <a:bodyPr>
             <a:normAutofit/>
@@ -7348,80 +7295,36 @@
           <a:p>
             <a:r>
               <a:rPr lang="en-US" dirty="0"/>
-              <a:t>Introduction to </a:t>
+              <a:t>Introduction to Abbreviation.</a:t>
+            </a:r>
+            <a:endParaRPr lang="en-US" dirty="0"/>
+          </a:p>
+          <a:p>
+            <a:pPr marL="0" indent="0">
+              <a:buNone/>
+            </a:pPr>
+            <a:r>
+              <a:rPr lang="en-US" dirty="0"/>
+              <a:t>&lt;</a:t>
             </a:r>
             <a:r>
               <a:rPr lang="en-US" dirty="0" err="1"/>
-              <a:t>subscript,superscript</a:t>
-            </a:r>
-            <a:r>
-              <a:rPr lang="en-US" dirty="0"/>
-              <a:t>.</a:t>
-            </a:r>
-          </a:p>
-          <a:p>
-            <a:pPr marL="0" indent="0">
-              <a:buNone/>
-            </a:pPr>
-            <a:r>
-              <a:rPr lang="en-US" dirty="0"/>
-              <a:t>&lt;sub&gt;&lt;/</a:t>
-            </a:r>
-            <a:r>
-              <a:rPr lang="en-US" dirty="0">
+              <a:t>abbr</a:t>
+            </a:r>
+            <a:r>
+              <a:rPr lang="en-US" dirty="0"/>
+              <a:t> title="Bachelor of Computer Application"&gt;BCA&lt;/</a:t>
+            </a:r>
+            <a:r>
+              <a:rPr lang="en-US" dirty="0" err="1">
                 <a:sym typeface="+mn-ea"/>
               </a:rPr>
-              <a:t>sub</a:t>
-            </a:r>
-            <a:r>
-              <a:rPr lang="en-US" dirty="0"/>
-              <a:t>&gt;,&lt;sup&gt;&lt;/sup&gt;</a:t>
-            </a:r>
-          </a:p>
-          <a:p>
-            <a:r>
-              <a:rPr lang="en-US" dirty="0">
-                <a:sym typeface="+mn-ea"/>
-              </a:rPr>
-              <a:t>Introduction to address.</a:t>
-            </a:r>
-            <a:endParaRPr lang="en-US" dirty="0"/>
-          </a:p>
-          <a:p>
-            <a:pPr marL="0" indent="0">
-              <a:buNone/>
-            </a:pPr>
-            <a:r>
-              <a:rPr lang="en-US" dirty="0">
-                <a:sym typeface="+mn-ea"/>
-              </a:rPr>
-              <a:t>&lt;address&gt;&lt;/address&gt;</a:t>
-            </a:r>
-            <a:endParaRPr lang="en-US" dirty="0"/>
-          </a:p>
-          <a:p>
-            <a:r>
-              <a:rPr lang="en-US" dirty="0"/>
-              <a:t>Introduction to Pre-format.</a:t>
-            </a:r>
-          </a:p>
-          <a:p>
-            <a:pPr marL="0" indent="0">
-              <a:buNone/>
-            </a:pPr>
-            <a:r>
-              <a:rPr lang="en-US" dirty="0"/>
-              <a:t>&lt;pre&gt;BCA   Course&lt;/ pre&gt;</a:t>
-            </a:r>
-            <a:endParaRPr lang="en-US" dirty="0">
-              <a:latin typeface="Yu Gothic UI" panose="020B0500000000000000" pitchFamily="34" charset="-128"/>
-              <a:ea typeface="Yu Gothic UI" panose="020B0500000000000000" pitchFamily="34" charset="-128"/>
-            </a:endParaRPr>
-          </a:p>
-          <a:p>
-            <a:endParaRPr lang="en-US" dirty="0"/>
-          </a:p>
-          <a:p>
+              <a:t>abbr</a:t>
+            </a:r>
+            <a:r>
+              <a:rPr lang="en-US" dirty="0"/>
+              <a:t>&gt;</a:t>
+            </a:r>
             <a:endParaRPr lang="en-US" dirty="0"/>
           </a:p>
           <a:p>
@@ -7466,28 +7369,6 @@
         </p:nvSpPr>
         <p:spPr/>
         <p:txBody>
-          <a:bodyPr/>
-          <a:lstStyle/>
-          <a:p>
-            <a:r>
-              <a:rPr lang="en-US" dirty="0"/>
-              <a:t>Abbreviation</a:t>
-            </a:r>
-          </a:p>
-        </p:txBody>
-      </p:sp>
-      <p:sp>
-        <p:nvSpPr>
-          <p:cNvPr id="3" name="Content Placeholder 2"/>
-          <p:cNvSpPr>
-            <a:spLocks noGrp="1"/>
-          </p:cNvSpPr>
-          <p:nvPr>
-            <p:ph idx="1"/>
-          </p:nvPr>
-        </p:nvSpPr>
-        <p:spPr/>
-        <p:txBody>
           <a:bodyPr>
             <a:normAutofit/>
           </a:bodyPr>
@@ -7495,37 +7376,50 @@
           <a:p>
             <a:r>
               <a:rPr lang="en-US" dirty="0"/>
-              <a:t>Introduction to Abbreviation.</a:t>
-            </a:r>
-          </a:p>
-          <a:p>
-            <a:pPr marL="0" indent="0">
-              <a:buNone/>
-            </a:pPr>
-            <a:r>
-              <a:rPr lang="en-US" dirty="0"/>
-              <a:t>&lt;</a:t>
-            </a:r>
-            <a:r>
-              <a:rPr lang="en-US" dirty="0" err="1"/>
-              <a:t>abbr</a:t>
-            </a:r>
-            <a:r>
-              <a:rPr lang="en-US" dirty="0"/>
-              <a:t> title="Bachelor of Computer Application"&gt;BCA&lt;/</a:t>
-            </a:r>
-            <a:r>
-              <a:rPr lang="en-US" dirty="0" err="1">
-                <a:sym typeface="+mn-ea"/>
-              </a:rPr>
-              <a:t>abbr</a:t>
-            </a:r>
-            <a:r>
-              <a:rPr lang="en-US" dirty="0"/>
-              <a:t>&gt;</a:t>
-            </a:r>
-          </a:p>
-          <a:p>
+              <a:t>Lists</a:t>
+            </a:r>
+            <a:endParaRPr lang="en-US" dirty="0"/>
+          </a:p>
+        </p:txBody>
+      </p:sp>
+      <p:sp>
+        <p:nvSpPr>
+          <p:cNvPr id="3" name="Content Placeholder 2"/>
+          <p:cNvSpPr>
+            <a:spLocks noGrp="1"/>
+          </p:cNvSpPr>
+          <p:nvPr>
+            <p:ph idx="1"/>
+          </p:nvPr>
+        </p:nvSpPr>
+        <p:spPr/>
+        <p:txBody>
+          <a:bodyPr>
+            <a:normAutofit/>
+          </a:bodyPr>
+          <a:lstStyle/>
+          <a:p>
+            <a:r>
+              <a:rPr lang="en-US" dirty="0"/>
+              <a:t>unordered list</a:t>
+            </a:r>
+            <a:endParaRPr lang="en-US" dirty="0"/>
+          </a:p>
+          <a:p>
+            <a:r>
+              <a:rPr lang="en-US" dirty="0"/>
+              <a:t>ordered list</a:t>
+            </a:r>
+            <a:endParaRPr lang="en-US" dirty="0"/>
+          </a:p>
+          <a:p>
+            <a:r>
+              <a:rPr lang="en-US" dirty="0"/>
+              <a:t>definition list</a:t>
+            </a:r>
+            <a:br>
+              <a:rPr lang="en-US" dirty="0"/>
+            </a:br>
             <a:endParaRPr lang="en-US" dirty="0"/>
           </a:p>
         </p:txBody>
@@ -7574,8 +7468,9 @@
           <a:p>
             <a:r>
               <a:rPr lang="en-US" dirty="0"/>
-              <a:t>Lists</a:t>
-            </a:r>
+              <a:t>Unordered List</a:t>
+            </a:r>
+            <a:endParaRPr lang="en-US" dirty="0"/>
           </a:p>
         </p:txBody>
       </p:sp>
@@ -7592,25 +7487,68 @@
         <p:spPr/>
         <p:txBody>
           <a:bodyPr>
-            <a:normAutofit/>
+            <a:normAutofit fontScale="92500" lnSpcReduction="10000"/>
           </a:bodyPr>
           <a:lstStyle/>
           <a:p>
-            <a:r>
-              <a:rPr lang="en-US" dirty="0"/>
-              <a:t>unordered list</a:t>
-            </a:r>
-          </a:p>
-          <a:p>
-            <a:r>
-              <a:rPr lang="en-US" dirty="0"/>
-              <a:t>ordered list</a:t>
-            </a:r>
-          </a:p>
-          <a:p>
-            <a:r>
-              <a:rPr lang="en-US" dirty="0"/>
-              <a:t>definition list</a:t>
+            <a:pPr marL="0" indent="0">
+              <a:buNone/>
+            </a:pPr>
+            <a:r>
+              <a:rPr lang="en-US" dirty="0"/>
+              <a:t>An unordered list is used to create a bulleted list of items.</a:t>
+            </a:r>
+            <a:br>
+              <a:rPr lang="en-US" dirty="0"/>
+            </a:br>
+            <a:r>
+              <a:rPr lang="en-US" dirty="0"/>
+              <a:t>The &lt;ul&gt;..... &lt;/ul&gt; tag is used to define an unordered list; whereas, the &lt;li&gt;...&lt;/li&gt; tag is used to define the items of the list.</a:t>
+            </a:r>
+            <a:br>
+              <a:rPr lang="en-US" dirty="0"/>
+            </a:br>
+            <a:r>
+              <a:rPr lang="en-US" dirty="0"/>
+              <a:t>Ex: -</a:t>
+            </a:r>
+            <a:br>
+              <a:rPr lang="en-US" dirty="0"/>
+            </a:br>
+            <a:r>
+              <a:rPr lang="en-US" dirty="0"/>
+              <a:t>&lt;ul&gt;</a:t>
+            </a:r>
+            <a:endParaRPr lang="en-US" dirty="0"/>
+          </a:p>
+          <a:p>
+            <a:pPr marL="0" indent="0">
+              <a:buNone/>
+            </a:pPr>
+            <a:r>
+              <a:rPr lang="en-US" dirty="0"/>
+              <a:t>&lt;li&gt;Linux&lt;/li&gt;</a:t>
+            </a:r>
+            <a:br>
+              <a:rPr lang="en-US" dirty="0"/>
+            </a:br>
+            <a:r>
+              <a:rPr lang="en-US" dirty="0"/>
+              <a:t>&lt;li&gt;Windows&lt;/li&gt;</a:t>
+            </a:r>
+            <a:br>
+              <a:rPr lang="en-US" dirty="0"/>
+            </a:br>
+            <a:r>
+              <a:rPr lang="en-US" dirty="0"/>
+              <a:t>&lt;li&gt;Mac&lt;/li&gt;</a:t>
+            </a:r>
+            <a:br>
+              <a:rPr lang="en-US" dirty="0"/>
+            </a:br>
+            <a:r>
+              <a:rPr lang="en-US" dirty="0"/>
+              <a:t>&lt;/ul&gt;</a:t>
             </a:r>
             <a:br>
               <a:rPr lang="en-US" dirty="0"/>
@@ -7661,53 +7599,39 @@
           <a:p>
             <a:r>
               <a:rPr lang="en-US" dirty="0"/>
-              <a:t>Hypertext Markup Language </a:t>
-            </a:r>
-            <a:br>
-              <a:rPr lang="en-US" dirty="0"/>
-            </a:br>
-            <a:r>
-              <a:rPr lang="en-US" dirty="0"/>
-              <a:t>(HTML)</a:t>
-            </a:r>
-          </a:p>
-        </p:txBody>
-      </p:sp>
-      <p:sp>
-        <p:nvSpPr>
-          <p:cNvPr id="3" name="Subtitle 2">
-            <a:extLst>
-              <a:ext uri="{FF2B5EF4-FFF2-40B4-BE49-F238E27FC236}">
-                <a16:creationId xmlns:a16="http://schemas.microsoft.com/office/drawing/2014/main" id="{694D0DAD-A480-4989-ABDD-F238672D4BE3}"/>
-              </a:ext>
-            </a:extLst>
-          </p:cNvPr>
-          <p:cNvSpPr>
-            <a:spLocks noGrp="1"/>
-          </p:cNvSpPr>
-          <p:nvPr>
-            <p:ph type="body" idx="1"/>
-          </p:nvPr>
-        </p:nvSpPr>
+              <a:t>Introduction</a:t>
+            </a:r>
+            <a:endParaRPr lang="en-US" dirty="0"/>
+          </a:p>
+        </p:txBody>
+      </p:sp>
+      <p:pic>
+        <p:nvPicPr>
+          <p:cNvPr id="4" name="Content Placeholder 3"/>
+          <p:cNvPicPr>
+            <a:picLocks noGrp="1" noChangeAspect="1"/>
+          </p:cNvPicPr>
+          <p:nvPr>
+            <p:ph idx="1"/>
+          </p:nvPr>
+        </p:nvPicPr>
+        <p:blipFill rotWithShape="1">
+          <a:blip r:embed="rId1"/>
+          <a:srcRect t="3572"/>
+          <a:stretch>
+            <a:fillRect/>
+          </a:stretch>
+        </p:blipFill>
         <p:spPr>
           <a:xfrm>
-            <a:off x="6844553" y="5567082"/>
-            <a:ext cx="3329204" cy="430304"/>
+            <a:off x="3391382" y="2675965"/>
+            <a:ext cx="5409236" cy="3199373"/>
           </a:xfrm>
+          <a:prstGeom prst="rect">
+            <a:avLst/>
+          </a:prstGeom>
         </p:spPr>
-        <p:txBody>
-          <a:bodyPr>
-            <a:normAutofit lnSpcReduction="10000"/>
-          </a:bodyPr>
-          <a:lstStyle/>
-          <a:p>
-            <a:r>
-              <a:rPr lang="en-US" dirty="0"/>
-              <a:t>- Sagar Shrestha</a:t>
-            </a:r>
-          </a:p>
-        </p:txBody>
-      </p:sp>
+      </p:pic>
     </p:spTree>
   </p:cSld>
   <p:clrMapOvr>
@@ -7752,8 +7676,9 @@
           <a:p>
             <a:r>
               <a:rPr lang="en-US" dirty="0"/>
-              <a:t>Unordered List</a:t>
-            </a:r>
+              <a:t>Ordered List</a:t>
+            </a:r>
+            <a:endParaRPr lang="en-US" dirty="0"/>
           </a:p>
         </p:txBody>
       </p:sp>
@@ -7770,7 +7695,7 @@
         <p:spPr/>
         <p:txBody>
           <a:bodyPr>
-            <a:normAutofit fontScale="92500" lnSpcReduction="10000"/>
+            <a:normAutofit lnSpcReduction="10000"/>
           </a:bodyPr>
           <a:lstStyle/>
           <a:p>
@@ -7779,37 +7704,52 @@
             </a:pPr>
             <a:r>
               <a:rPr lang="en-US" dirty="0"/>
-              <a:t>An unordered list is used to create a bulleted list of items.</a:t>
+              <a:t>﻿An ordered list displays a list of item using numbers or letters in either ascending or descending order.</a:t>
             </a:r>
             <a:br>
               <a:rPr lang="en-US" dirty="0"/>
             </a:br>
             <a:r>
               <a:rPr lang="en-US" dirty="0"/>
-              <a:t>The &lt;ul&gt;..... &lt;/ul&gt; tag is used to define an unordered list; whereas, the &lt;li&gt;...&lt;/li&gt; tag is used to define the items of the list.</a:t>
+              <a:t>The &lt;</a:t>
+            </a:r>
+            <a:r>
+              <a:rPr lang="en-US" dirty="0" err="1"/>
+              <a:t>ol</a:t>
+            </a:r>
+            <a:r>
+              <a:rPr lang="en-US" dirty="0"/>
+              <a:t>&gt;....&lt;/</a:t>
+            </a:r>
+            <a:r>
+              <a:rPr lang="en-US" dirty="0" err="1"/>
+              <a:t>ol</a:t>
+            </a:r>
+            <a:r>
+              <a:rPr lang="en-US" dirty="0"/>
+              <a:t>&gt; tag is used to define an ordered list; whereas the &lt;li&gt;...&lt;/li&gt; tag is used to define the items of list.</a:t>
             </a:r>
             <a:br>
               <a:rPr lang="en-US" dirty="0"/>
             </a:br>
             <a:r>
               <a:rPr lang="en-US" dirty="0"/>
-              <a:t>Ex: -</a:t>
+              <a:t>Ex:</a:t>
             </a:r>
             <a:br>
               <a:rPr lang="en-US" dirty="0"/>
             </a:br>
             <a:r>
               <a:rPr lang="en-US" dirty="0"/>
-              <a:t>&lt;ul&gt;</a:t>
-            </a:r>
-          </a:p>
-          <a:p>
-            <a:pPr marL="0" indent="0">
-              <a:buNone/>
-            </a:pPr>
-            <a:r>
-              <a:rPr lang="en-US" dirty="0"/>
-              <a:t>&lt;li&gt;Linux&lt;/li&gt;</a:t>
+              <a:t>&lt;</a:t>
+            </a:r>
+            <a:r>
+              <a:rPr lang="en-US" dirty="0" err="1"/>
+              <a:t>ol</a:t>
+            </a:r>
+            <a:r>
+              <a:rPr lang="en-US" dirty="0"/>
+              <a:t>&gt;</a:t>
             </a:r>
             <a:br>
               <a:rPr lang="en-US" dirty="0"/>
@@ -7830,21 +7770,21 @@
             </a:br>
             <a:r>
               <a:rPr lang="en-US" dirty="0"/>
-              <a:t>&lt;/ul&gt;</a:t>
-            </a:r>
-            <a:br>
-              <a:rPr lang="en-US" dirty="0"/>
-            </a:br>
+              <a:t>&lt;/</a:t>
+            </a:r>
+            <a:r>
+              <a:rPr lang="en-US" dirty="0" err="1"/>
+              <a:t>ol</a:t>
+            </a:r>
+            <a:r>
+              <a:rPr lang="en-US" dirty="0"/>
+              <a:t>&gt;</a:t>
+            </a:r>
             <a:endParaRPr lang="en-US" dirty="0"/>
           </a:p>
         </p:txBody>
       </p:sp>
     </p:spTree>
-    <p:extLst>
-      <p:ext uri="{BB962C8B-B14F-4D97-AF65-F5344CB8AC3E}">
-        <p14:creationId xmlns:p14="http://schemas.microsoft.com/office/powerpoint/2010/main" val="1203262421"/>
-      </p:ext>
-    </p:extLst>
   </p:cSld>
   <p:clrMapOvr>
     <a:masterClrMapping/>
@@ -7890,156 +7830,7 @@
               <a:rPr lang="en-US" dirty="0"/>
               <a:t>Ordered List</a:t>
             </a:r>
-          </a:p>
-        </p:txBody>
-      </p:sp>
-      <p:sp>
-        <p:nvSpPr>
-          <p:cNvPr id="3" name="Content Placeholder 2"/>
-          <p:cNvSpPr>
-            <a:spLocks noGrp="1"/>
-          </p:cNvSpPr>
-          <p:nvPr>
-            <p:ph idx="1"/>
-          </p:nvPr>
-        </p:nvSpPr>
-        <p:spPr/>
-        <p:txBody>
-          <a:bodyPr>
-            <a:normAutofit lnSpcReduction="10000"/>
-          </a:bodyPr>
-          <a:lstStyle/>
-          <a:p>
-            <a:pPr marL="0" indent="0">
-              <a:buNone/>
-            </a:pPr>
-            <a:r>
-              <a:rPr lang="en-US" dirty="0"/>
-              <a:t>﻿An ordered list displays a list of item using numbers or letters in either ascending or descending order.</a:t>
-            </a:r>
-            <a:br>
-              <a:rPr lang="en-US" dirty="0"/>
-            </a:br>
-            <a:r>
-              <a:rPr lang="en-US" dirty="0"/>
-              <a:t>The &lt;</a:t>
-            </a:r>
-            <a:r>
-              <a:rPr lang="en-US" dirty="0" err="1"/>
-              <a:t>ol</a:t>
-            </a:r>
-            <a:r>
-              <a:rPr lang="en-US" dirty="0"/>
-              <a:t>&gt;....&lt;/</a:t>
-            </a:r>
-            <a:r>
-              <a:rPr lang="en-US" dirty="0" err="1"/>
-              <a:t>ol</a:t>
-            </a:r>
-            <a:r>
-              <a:rPr lang="en-US" dirty="0"/>
-              <a:t>&gt; tag is used to define an ordered list; whereas the &lt;li&gt;...&lt;/li&gt; tag is used to define the items of list.</a:t>
-            </a:r>
-            <a:br>
-              <a:rPr lang="en-US" dirty="0"/>
-            </a:br>
-            <a:r>
-              <a:rPr lang="en-US" dirty="0"/>
-              <a:t>Ex:</a:t>
-            </a:r>
-            <a:br>
-              <a:rPr lang="en-US" dirty="0"/>
-            </a:br>
-            <a:r>
-              <a:rPr lang="en-US" dirty="0"/>
-              <a:t>&lt;</a:t>
-            </a:r>
-            <a:r>
-              <a:rPr lang="en-US" dirty="0" err="1"/>
-              <a:t>ol</a:t>
-            </a:r>
-            <a:r>
-              <a:rPr lang="en-US" dirty="0"/>
-              <a:t>&gt;</a:t>
-            </a:r>
-            <a:br>
-              <a:rPr lang="en-US" dirty="0"/>
-            </a:br>
-            <a:r>
-              <a:rPr lang="en-US" dirty="0"/>
-              <a:t>&lt;li&gt;Windows&lt;/li&gt;</a:t>
-            </a:r>
-            <a:br>
-              <a:rPr lang="en-US" dirty="0"/>
-            </a:br>
-            <a:r>
-              <a:rPr lang="en-US" dirty="0"/>
-              <a:t>&lt;li&gt;Mac&lt;/li&gt;</a:t>
-            </a:r>
-            <a:br>
-              <a:rPr lang="en-US" dirty="0"/>
-            </a:br>
-            <a:r>
-              <a:rPr lang="en-US" dirty="0"/>
-              <a:t>&lt;/</a:t>
-            </a:r>
-            <a:r>
-              <a:rPr lang="en-US" dirty="0" err="1"/>
-              <a:t>ol</a:t>
-            </a:r>
-            <a:r>
-              <a:rPr lang="en-US" dirty="0"/>
-              <a:t>&gt;</a:t>
-            </a:r>
-          </a:p>
-        </p:txBody>
-      </p:sp>
-    </p:spTree>
-  </p:cSld>
-  <p:clrMapOvr>
-    <a:masterClrMapping/>
-  </p:clrMapOvr>
-</p:sld>
-</file>
-
-<file path=ppt/slides/slide22.xml><?xml version="1.0" encoding="utf-8"?>
-<p:sld xmlns:a="http://schemas.openxmlformats.org/drawingml/2006/main" xmlns:r="http://schemas.openxmlformats.org/officeDocument/2006/relationships" xmlns:p="http://schemas.openxmlformats.org/presentationml/2006/main">
-  <p:cSld>
-    <p:spTree>
-      <p:nvGrpSpPr>
-        <p:cNvPr id="1" name=""/>
-        <p:cNvGrpSpPr/>
-        <p:nvPr/>
-      </p:nvGrpSpPr>
-      <p:grpSpPr>
-        <a:xfrm>
-          <a:off x="0" y="0"/>
-          <a:ext cx="0" cy="0"/>
-          <a:chOff x="0" y="0"/>
-          <a:chExt cx="0" cy="0"/>
-        </a:xfrm>
-      </p:grpSpPr>
-      <p:sp>
-        <p:nvSpPr>
-          <p:cNvPr id="2" name="Title 1"/>
-          <p:cNvSpPr>
-            <a:spLocks noGrp="1"/>
-          </p:cNvSpPr>
-          <p:nvPr>
-            <p:ph type="title"/>
-          </p:nvPr>
-        </p:nvSpPr>
-        <p:spPr/>
-        <p:txBody>
-          <a:bodyPr>
-            <a:normAutofit/>
-          </a:bodyPr>
-          <a:lstStyle/>
-          <a:p>
-            <a:r>
-              <a:rPr lang="en-US" dirty="0"/>
-              <a:t>Ordered List</a:t>
-            </a:r>
+            <a:endParaRPr lang="en-US" dirty="0"/>
           </a:p>
         </p:txBody>
       </p:sp>
@@ -8108,6 +7899,10 @@
               </a:rPr>
               <a:t>&lt;ol type="1" start="5" reversed="reversed " &gt;</a:t>
             </a:r>
+            <a:endParaRPr lang="it-IT" dirty="0">
+              <a:latin typeface="Arial" panose="020B0604020202020204" pitchFamily="34" charset="0"/>
+              <a:cs typeface="Arial" panose="020B0604020202020204" pitchFamily="34" charset="0"/>
+            </a:endParaRPr>
           </a:p>
           <a:p>
             <a:pPr marL="0" indent="0">
@@ -8172,20 +7967,8 @@
                 <a:tableStyleId>{5C22544A-7EE6-4342-B048-85BDC9FD1C3A}</a:tableStyleId>
               </a:tblPr>
               <a:tblGrid>
-                <a:gridCol w="1649507">
-                  <a:extLst>
-                    <a:ext uri="{9D8B030D-6E8A-4147-A177-3AD203B41FA5}">
-                      <a16:colId xmlns:a16="http://schemas.microsoft.com/office/drawing/2014/main" val="20000"/>
-                    </a:ext>
-                  </a:extLst>
-                </a:gridCol>
-                <a:gridCol w="1887069">
-                  <a:extLst>
-                    <a:ext uri="{9D8B030D-6E8A-4147-A177-3AD203B41FA5}">
-                      <a16:colId xmlns:a16="http://schemas.microsoft.com/office/drawing/2014/main" val="20001"/>
-                    </a:ext>
-                  </a:extLst>
-                </a:gridCol>
+                <a:gridCol w="1649507"/>
+                <a:gridCol w="1887069"/>
               </a:tblGrid>
               <a:tr h="0">
                 <a:tc>
@@ -8216,11 +7999,6 @@
                   </a:txBody>
                   <a:tcPr/>
                 </a:tc>
-                <a:extLst>
-                  <a:ext uri="{0D108BD9-81ED-4DB2-BD59-A6C34878D82A}">
-                    <a16:rowId xmlns:a16="http://schemas.microsoft.com/office/drawing/2014/main" val="10000"/>
-                  </a:ext>
-                </a:extLst>
               </a:tr>
               <a:tr h="427912">
                 <a:tc>
@@ -8232,6 +8010,7 @@
                         <a:rPr lang="en-US" dirty="0"/>
                         <a:t>type</a:t>
                       </a:r>
+                      <a:endParaRPr lang="en-US" dirty="0"/>
                     </a:p>
                   </a:txBody>
                   <a:tcPr/>
@@ -8250,11 +8029,6 @@
                   </a:txBody>
                   <a:tcPr/>
                 </a:tc>
-                <a:extLst>
-                  <a:ext uri="{0D108BD9-81ED-4DB2-BD59-A6C34878D82A}">
-                    <a16:rowId xmlns:a16="http://schemas.microsoft.com/office/drawing/2014/main" val="10001"/>
-                  </a:ext>
-                </a:extLst>
               </a:tr>
               <a:tr h="427912">
                 <a:tc>
@@ -8266,6 +8040,7 @@
                         <a:rPr lang="en-US" dirty="0"/>
                         <a:t>start</a:t>
                       </a:r>
+                      <a:endParaRPr lang="en-US" dirty="0"/>
                     </a:p>
                   </a:txBody>
                   <a:tcPr/>
@@ -8300,11 +8075,6 @@
                   </a:txBody>
                   <a:tcPr/>
                 </a:tc>
-                <a:extLst>
-                  <a:ext uri="{0D108BD9-81ED-4DB2-BD59-A6C34878D82A}">
-                    <a16:rowId xmlns:a16="http://schemas.microsoft.com/office/drawing/2014/main" val="10002"/>
-                  </a:ext>
-                </a:extLst>
               </a:tr>
               <a:tr h="427912">
                 <a:tc>
@@ -8351,16 +8121,154 @@
                   </a:txBody>
                   <a:tcPr/>
                 </a:tc>
-                <a:extLst>
-                  <a:ext uri="{0D108BD9-81ED-4DB2-BD59-A6C34878D82A}">
-                    <a16:rowId xmlns:a16="http://schemas.microsoft.com/office/drawing/2014/main" val="10003"/>
-                  </a:ext>
-                </a:extLst>
               </a:tr>
             </a:tbl>
           </a:graphicData>
         </a:graphic>
       </p:graphicFrame>
+    </p:spTree>
+  </p:cSld>
+  <p:clrMapOvr>
+    <a:masterClrMapping/>
+  </p:clrMapOvr>
+</p:sld>
+</file>
+
+<file path=ppt/slides/slide22.xml><?xml version="1.0" encoding="utf-8"?>
+<p:sld xmlns:a="http://schemas.openxmlformats.org/drawingml/2006/main" xmlns:r="http://schemas.openxmlformats.org/officeDocument/2006/relationships" xmlns:p="http://schemas.openxmlformats.org/presentationml/2006/main">
+  <p:cSld>
+    <p:spTree>
+      <p:nvGrpSpPr>
+        <p:cNvPr id="1" name=""/>
+        <p:cNvGrpSpPr/>
+        <p:nvPr/>
+      </p:nvGrpSpPr>
+      <p:grpSpPr>
+        <a:xfrm>
+          <a:off x="0" y="0"/>
+          <a:ext cx="0" cy="0"/>
+          <a:chOff x="0" y="0"/>
+          <a:chExt cx="0" cy="0"/>
+        </a:xfrm>
+      </p:grpSpPr>
+      <p:sp>
+        <p:nvSpPr>
+          <p:cNvPr id="2" name="Title 1"/>
+          <p:cNvSpPr>
+            <a:spLocks noGrp="1"/>
+          </p:cNvSpPr>
+          <p:nvPr>
+            <p:ph type="title"/>
+          </p:nvPr>
+        </p:nvSpPr>
+        <p:spPr/>
+        <p:txBody>
+          <a:bodyPr>
+            <a:normAutofit/>
+          </a:bodyPr>
+          <a:lstStyle/>
+          <a:p>
+            <a:r>
+              <a:rPr lang="en-US" dirty="0"/>
+              <a:t>Definition List</a:t>
+            </a:r>
+            <a:endParaRPr lang="en-US" dirty="0"/>
+          </a:p>
+        </p:txBody>
+      </p:sp>
+      <p:sp>
+        <p:nvSpPr>
+          <p:cNvPr id="3" name="Content Placeholder 2"/>
+          <p:cNvSpPr>
+            <a:spLocks noGrp="1"/>
+          </p:cNvSpPr>
+          <p:nvPr>
+            <p:ph idx="1"/>
+          </p:nvPr>
+        </p:nvSpPr>
+        <p:spPr>
+          <a:xfrm>
+            <a:off x="1295401" y="2556932"/>
+            <a:ext cx="9601196" cy="3615268"/>
+          </a:xfrm>
+        </p:spPr>
+        <p:txBody>
+          <a:bodyPr>
+            <a:normAutofit fontScale="92500" lnSpcReduction="10000"/>
+          </a:bodyPr>
+          <a:lstStyle/>
+          <a:p>
+            <a:pPr marL="0" indent="0">
+              <a:buNone/>
+            </a:pPr>
+            <a:r>
+              <a:rPr lang="en-US" dirty="0"/>
+              <a:t>﻿A definition list is a list of terms, with a definition of each term.</a:t>
+            </a:r>
+            <a:endParaRPr lang="en-US" dirty="0"/>
+          </a:p>
+          <a:p>
+            <a:pPr marL="0" indent="0">
+              <a:buNone/>
+            </a:pPr>
+            <a:r>
+              <a:rPr lang="en-US" dirty="0"/>
+              <a:t>We can create definition list by using the &lt;dl&gt;..... &lt;/dl&gt; with &lt;dt&gt; and &lt;dd&gt; tag.</a:t>
+            </a:r>
+            <a:endParaRPr lang="en-US" dirty="0"/>
+          </a:p>
+          <a:p>
+            <a:pPr marL="0" indent="0">
+              <a:buNone/>
+            </a:pPr>
+            <a:r>
+              <a:rPr lang="en-US" dirty="0"/>
+              <a:t>The &lt;dt&gt;...&lt;/dt&gt; tag is used to define the term; whereas, the &lt;dd&gt; tag is used to give the term's definition.</a:t>
+            </a:r>
+            <a:endParaRPr lang="en-US" dirty="0"/>
+          </a:p>
+          <a:p>
+            <a:pPr marL="0" indent="0">
+              <a:buNone/>
+            </a:pPr>
+            <a:r>
+              <a:rPr lang="en-US" dirty="0"/>
+              <a:t>&lt;dl&gt;</a:t>
+            </a:r>
+            <a:endParaRPr lang="en-US" dirty="0"/>
+          </a:p>
+          <a:p>
+            <a:pPr marL="0" indent="0">
+              <a:buNone/>
+            </a:pPr>
+            <a:r>
+              <a:rPr lang="en-US" dirty="0"/>
+              <a:t>&lt;dt&gt;College&lt;/dt&gt;</a:t>
+            </a:r>
+            <a:endParaRPr lang="en-US" dirty="0"/>
+          </a:p>
+          <a:p>
+            <a:pPr marL="0" indent="0">
+              <a:buNone/>
+            </a:pPr>
+            <a:r>
+              <a:rPr lang="en-US" dirty="0"/>
+              <a:t>&lt;dd&gt;A boring place&lt;/dd&gt;</a:t>
+            </a:r>
+            <a:endParaRPr lang="en-US" dirty="0"/>
+          </a:p>
+          <a:p>
+            <a:pPr marL="0" indent="0">
+              <a:buNone/>
+            </a:pPr>
+            <a:r>
+              <a:rPr lang="en-US" dirty="0"/>
+              <a:t>&lt;/dl&gt;</a:t>
+            </a:r>
+            <a:endParaRPr lang="en-US" dirty="0"/>
+          </a:p>
+        </p:txBody>
+      </p:sp>
     </p:spTree>
   </p:cSld>
   <p:clrMapOvr>
@@ -8404,9 +8312,10 @@
           <a:lstStyle/>
           <a:p>
             <a:r>
-              <a:rPr lang="en-US" dirty="0"/>
-              <a:t>Definition List</a:t>
-            </a:r>
+              <a:rPr lang="en-US" dirty="0" err="1"/>
+              <a:t>Nasted</a:t>
+            </a:r>
+            <a:endParaRPr lang="en-US" dirty="0"/>
           </a:p>
         </p:txBody>
       </p:sp>
@@ -8428,7 +8337,7 @@
         </p:spPr>
         <p:txBody>
           <a:bodyPr>
-            <a:normAutofit fontScale="92500" lnSpcReduction="10000"/>
+            <a:normAutofit/>
           </a:bodyPr>
           <a:lstStyle/>
           <a:p>
@@ -8437,8 +8346,9 @@
             </a:pPr>
             <a:r>
               <a:rPr lang="en-US" dirty="0"/>
-              <a:t>﻿A definition list is a list of terms, with a definition of each term.</a:t>
-            </a:r>
+              <a:t>﻿Arrangement of data Under of similar type of data.</a:t>
+            </a:r>
+            <a:endParaRPr lang="en-US" dirty="0"/>
           </a:p>
           <a:p>
             <a:pPr marL="0" indent="0">
@@ -8446,53 +8356,30 @@
             </a:pPr>
             <a:r>
               <a:rPr lang="en-US" dirty="0"/>
-              <a:t>We can create definition list by using the &lt;dl&gt;..... &lt;/dl&gt; with &lt;dt&gt; and &lt;dd&gt; tag.</a:t>
-            </a:r>
-          </a:p>
-          <a:p>
-            <a:pPr marL="0" indent="0">
-              <a:buNone/>
-            </a:pPr>
-            <a:r>
-              <a:rPr lang="en-US" dirty="0"/>
-              <a:t>The &lt;dt&gt;...&lt;/dt&gt; tag is used to define the term; whereas, the &lt;dd&gt; tag is used to give the term's definition.</a:t>
-            </a:r>
-          </a:p>
-          <a:p>
-            <a:pPr marL="0" indent="0">
-              <a:buNone/>
-            </a:pPr>
-            <a:r>
-              <a:rPr lang="en-US" dirty="0"/>
-              <a:t>&lt;dl&gt;</a:t>
-            </a:r>
-          </a:p>
-          <a:p>
-            <a:pPr marL="0" indent="0">
-              <a:buNone/>
-            </a:pPr>
-            <a:r>
-              <a:rPr lang="en-US" dirty="0"/>
-              <a:t>&lt;dt&gt;College&lt;/dt&gt;</a:t>
-            </a:r>
-          </a:p>
-          <a:p>
-            <a:pPr marL="0" indent="0">
-              <a:buNone/>
-            </a:pPr>
-            <a:r>
-              <a:rPr lang="en-US" dirty="0"/>
-              <a:t>&lt;dd&gt;A boring place&lt;/dd&gt;</a:t>
-            </a:r>
-          </a:p>
-          <a:p>
-            <a:pPr marL="0" indent="0">
-              <a:buNone/>
-            </a:pPr>
-            <a:r>
-              <a:rPr lang="en-US" dirty="0"/>
-              <a:t>&lt;/dl&gt;</a:t>
-            </a:r>
+              <a:t>Use: </a:t>
+            </a:r>
+            <a:endParaRPr lang="en-US" dirty="0"/>
+          </a:p>
+          <a:p>
+            <a:r>
+              <a:rPr lang="en-US" dirty="0"/>
+              <a:t>Arrangement</a:t>
+            </a:r>
+            <a:endParaRPr lang="en-US" dirty="0"/>
+          </a:p>
+          <a:p>
+            <a:r>
+              <a:rPr lang="en-US" dirty="0"/>
+              <a:t>Loop</a:t>
+            </a:r>
+            <a:endParaRPr lang="en-US" dirty="0"/>
+          </a:p>
+          <a:p>
+            <a:r>
+              <a:rPr lang="en-US" dirty="0"/>
+              <a:t>Condition like (  if, while, do while )</a:t>
+            </a:r>
+            <a:endParaRPr lang="en-US" dirty="0"/>
           </a:p>
         </p:txBody>
       </p:sp>
@@ -8542,6 +8429,10 @@
               <a:rPr lang="en-US" dirty="0" err="1"/>
               <a:t>Nasted</a:t>
             </a:r>
+            <a:r>
+              <a:rPr lang="en-US" dirty="0"/>
+              <a:t> Unordered List</a:t>
+            </a:r>
             <a:endParaRPr lang="en-US" dirty="0"/>
           </a:p>
         </p:txBody>
@@ -8564,7 +8455,7 @@
         </p:spPr>
         <p:txBody>
           <a:bodyPr>
-            <a:normAutofit/>
+            <a:normAutofit fontScale="85000" lnSpcReduction="20000"/>
           </a:bodyPr>
           <a:lstStyle/>
           <a:p>
@@ -8572,36 +8463,90 @@
               <a:buNone/>
             </a:pPr>
             <a:r>
-              <a:rPr lang="en-US" dirty="0"/>
-              <a:t>﻿Arrangement of data Under of similar type of data.</a:t>
-            </a:r>
+              <a:rPr lang="it-IT" dirty="0"/>
+              <a:t>﻿&lt;ul&gt;</a:t>
+            </a:r>
+            <a:endParaRPr lang="it-IT" dirty="0"/>
           </a:p>
           <a:p>
             <a:pPr marL="0" indent="0">
               <a:buNone/>
             </a:pPr>
             <a:r>
-              <a:rPr lang="en-US" dirty="0"/>
-              <a:t>Use: </a:t>
-            </a:r>
-          </a:p>
-          <a:p>
-            <a:r>
-              <a:rPr lang="en-US" dirty="0"/>
-              <a:t>Arrangement</a:t>
-            </a:r>
-          </a:p>
-          <a:p>
-            <a:r>
-              <a:rPr lang="en-US" dirty="0"/>
-              <a:t>Loop</a:t>
-            </a:r>
-          </a:p>
-          <a:p>
-            <a:r>
-              <a:rPr lang="en-US" dirty="0"/>
-              <a:t>Condition like (  if, while, do while )</a:t>
-            </a:r>
+              <a:rPr lang="it-IT" dirty="0"/>
+              <a:t>&lt;li&gt;Linux&lt;/li&gt;</a:t>
+            </a:r>
+            <a:endParaRPr lang="it-IT" dirty="0"/>
+          </a:p>
+          <a:p>
+            <a:pPr marL="0" indent="0">
+              <a:buNone/>
+            </a:pPr>
+            <a:r>
+              <a:rPr lang="it-IT" dirty="0"/>
+              <a:t>&lt;ul&gt;</a:t>
+            </a:r>
+            <a:endParaRPr lang="it-IT" dirty="0"/>
+          </a:p>
+          <a:p>
+            <a:pPr marL="0" indent="0">
+              <a:buNone/>
+            </a:pPr>
+            <a:r>
+              <a:rPr lang="it-IT" dirty="0"/>
+              <a:t>&lt;li&gt;Ubuntu&lt;/li&gt;&lt;/ul&gt;</a:t>
+            </a:r>
+            <a:endParaRPr lang="it-IT" dirty="0"/>
+          </a:p>
+          <a:p>
+            <a:pPr marL="0" indent="0">
+              <a:buNone/>
+            </a:pPr>
+            <a:r>
+              <a:rPr lang="it-IT" dirty="0"/>
+              <a:t>&lt;li&gt;Windows&lt;/li&gt;</a:t>
+            </a:r>
+            <a:endParaRPr lang="it-IT" dirty="0"/>
+          </a:p>
+          <a:p>
+            <a:pPr marL="0" indent="0">
+              <a:buNone/>
+            </a:pPr>
+            <a:r>
+              <a:rPr lang="it-IT" dirty="0"/>
+              <a:t>&lt;ul&gt;</a:t>
+            </a:r>
+            <a:endParaRPr lang="it-IT" dirty="0"/>
+          </a:p>
+          <a:p>
+            <a:pPr marL="0" indent="0">
+              <a:buNone/>
+            </a:pPr>
+            <a:r>
+              <a:rPr lang="it-IT" dirty="0"/>
+              <a:t>&lt;li&gt;Windows 7&lt;/li&gt;</a:t>
+            </a:r>
+            <a:endParaRPr lang="it-IT" dirty="0"/>
+          </a:p>
+          <a:p>
+            <a:pPr marL="0" indent="0">
+              <a:buNone/>
+            </a:pPr>
+            <a:r>
+              <a:rPr lang="it-IT" dirty="0"/>
+              <a:t>&lt;/ul&gt;</a:t>
+            </a:r>
+            <a:endParaRPr lang="it-IT" dirty="0"/>
+          </a:p>
+          <a:p>
+            <a:pPr marL="0" indent="0">
+              <a:buNone/>
+            </a:pPr>
+            <a:r>
+              <a:rPr lang="it-IT" dirty="0"/>
+              <a:t>&lt;/ul&gt;</a:t>
+            </a:r>
+            <a:endParaRPr lang="en-US" dirty="0"/>
           </a:p>
         </p:txBody>
       </p:sp>
@@ -8653,8 +8598,9 @@
             </a:r>
             <a:r>
               <a:rPr lang="en-US" dirty="0"/>
-              <a:t> Unordered List</a:t>
-            </a:r>
+              <a:t> Ordered List</a:t>
+            </a:r>
+            <a:endParaRPr lang="en-US" dirty="0"/>
           </a:p>
         </p:txBody>
       </p:sp>
@@ -8670,13 +8616,13 @@
         </p:nvSpPr>
         <p:spPr>
           <a:xfrm>
-            <a:off x="1295401" y="2556932"/>
-            <a:ext cx="9601196" cy="3615268"/>
+            <a:off x="1295401" y="2407024"/>
+            <a:ext cx="9601196" cy="3765176"/>
           </a:xfrm>
         </p:spPr>
         <p:txBody>
           <a:bodyPr>
-            <a:normAutofit fontScale="85000" lnSpcReduction="20000"/>
+            <a:noAutofit/>
           </a:bodyPr>
           <a:lstStyle/>
           <a:p>
@@ -8684,82 +8630,120 @@
               <a:buNone/>
             </a:pPr>
             <a:r>
-              <a:rPr lang="it-IT" dirty="0"/>
-              <a:t>﻿&lt;ul&gt;</a:t>
-            </a:r>
+              <a:rPr lang="it-IT" sz="2000" dirty="0"/>
+              <a:t>﻿&lt;ol type=</a:t>
+            </a:r>
+            <a:r>
+              <a:rPr lang="it-IT" sz="2000" dirty="0">
+                <a:cs typeface="Arial" panose="020B0604020202020204" pitchFamily="34" charset="0"/>
+              </a:rPr>
+              <a:t>"1"  </a:t>
+            </a:r>
+            <a:r>
+              <a:rPr lang="it-IT" sz="2000" dirty="0"/>
+              <a:t>&gt;</a:t>
+            </a:r>
+            <a:endParaRPr lang="it-IT" sz="2000" dirty="0"/>
           </a:p>
           <a:p>
             <a:pPr marL="0" indent="0">
               <a:buNone/>
             </a:pPr>
             <a:r>
-              <a:rPr lang="it-IT" dirty="0"/>
+              <a:rPr lang="it-IT" sz="2000" dirty="0"/>
               <a:t>&lt;li&gt;Linux&lt;/li&gt;</a:t>
             </a:r>
+            <a:endParaRPr lang="it-IT" sz="2000" dirty="0"/>
           </a:p>
           <a:p>
             <a:pPr marL="0" indent="0">
               <a:buNone/>
             </a:pPr>
             <a:r>
-              <a:rPr lang="it-IT" dirty="0"/>
-              <a:t>&lt;ul&gt;</a:t>
-            </a:r>
+              <a:rPr lang="it-IT" sz="2000" dirty="0"/>
+              <a:t>&lt;ol type=</a:t>
+            </a:r>
+            <a:r>
+              <a:rPr lang="it-IT" sz="2000" dirty="0">
+                <a:cs typeface="Arial" panose="020B0604020202020204" pitchFamily="34" charset="0"/>
+              </a:rPr>
+              <a:t>"a" </a:t>
+            </a:r>
+            <a:r>
+              <a:rPr lang="it-IT" sz="2000" dirty="0"/>
+              <a:t>&gt;</a:t>
+            </a:r>
+            <a:endParaRPr lang="it-IT" sz="2000" dirty="0"/>
           </a:p>
           <a:p>
             <a:pPr marL="0" indent="0">
               <a:buNone/>
             </a:pPr>
             <a:r>
-              <a:rPr lang="it-IT" dirty="0"/>
+              <a:rPr lang="it-IT" sz="2000" dirty="0"/>
               <a:t>&lt;li&gt;Ubuntu&lt;/li&gt;&lt;/ul&gt;</a:t>
             </a:r>
+            <a:endParaRPr lang="it-IT" sz="2000" dirty="0"/>
           </a:p>
           <a:p>
             <a:pPr marL="0" indent="0">
               <a:buNone/>
             </a:pPr>
             <a:r>
-              <a:rPr lang="it-IT" dirty="0"/>
+              <a:rPr lang="it-IT" sz="2000" dirty="0"/>
               <a:t>&lt;li&gt;Windows&lt;/li&gt;</a:t>
             </a:r>
+            <a:endParaRPr lang="it-IT" sz="2000" dirty="0"/>
           </a:p>
           <a:p>
             <a:pPr marL="0" indent="0">
               <a:buNone/>
             </a:pPr>
             <a:r>
-              <a:rPr lang="it-IT" dirty="0"/>
-              <a:t>&lt;ul&gt;</a:t>
-            </a:r>
+              <a:rPr lang="it-IT" sz="2000" dirty="0"/>
+              <a:t>&lt;ol type=</a:t>
+            </a:r>
+            <a:r>
+              <a:rPr lang="it-IT" sz="2000" dirty="0">
+                <a:cs typeface="Arial" panose="020B0604020202020204" pitchFamily="34" charset="0"/>
+              </a:rPr>
+              <a:t>"I" </a:t>
+            </a:r>
+            <a:r>
+              <a:rPr lang="it-IT" sz="2000" dirty="0"/>
+              <a:t>&gt;</a:t>
+            </a:r>
+            <a:endParaRPr lang="it-IT" sz="2000" dirty="0"/>
           </a:p>
           <a:p>
             <a:pPr marL="0" indent="0">
               <a:buNone/>
             </a:pPr>
             <a:r>
-              <a:rPr lang="it-IT" dirty="0"/>
+              <a:rPr lang="it-IT" sz="2000" dirty="0"/>
               <a:t>&lt;li&gt;Windows 7&lt;/li&gt;</a:t>
             </a:r>
+            <a:endParaRPr lang="it-IT" sz="2000" dirty="0"/>
           </a:p>
           <a:p>
             <a:pPr marL="0" indent="0">
               <a:buNone/>
             </a:pPr>
             <a:r>
-              <a:rPr lang="it-IT" dirty="0"/>
-              <a:t>&lt;/ul&gt;</a:t>
-            </a:r>
+              <a:rPr lang="it-IT" sz="2000" dirty="0"/>
+              <a:t>&lt;/ol&gt;</a:t>
+            </a:r>
+            <a:endParaRPr lang="it-IT" sz="2000" dirty="0"/>
           </a:p>
           <a:p>
             <a:pPr marL="0" indent="0">
               <a:buNone/>
             </a:pPr>
             <a:r>
-              <a:rPr lang="it-IT" dirty="0"/>
-              <a:t>&lt;/ul&gt;</a:t>
-            </a:r>
-            <a:endParaRPr lang="en-US" dirty="0"/>
+              <a:rPr lang="it-IT" sz="2000" dirty="0"/>
+              <a:t>&lt;/ol&gt;</a:t>
+            </a:r>
+            <a:endParaRPr lang="en-US" sz="2000" dirty="0"/>
           </a:p>
         </p:txBody>
       </p:sp>
@@ -8813,6 +8797,7 @@
               <a:rPr lang="en-US" dirty="0"/>
               <a:t> Ordered List</a:t>
             </a:r>
+            <a:endParaRPr lang="en-US" dirty="0"/>
           </a:p>
         </p:txBody>
       </p:sp>
@@ -8855,6 +8840,7 @@
               <a:rPr lang="it-IT" sz="2000" dirty="0"/>
               <a:t>&gt;</a:t>
             </a:r>
+            <a:endParaRPr lang="it-IT" sz="2000" dirty="0"/>
           </a:p>
           <a:p>
             <a:pPr marL="0" indent="0">
@@ -8864,6 +8850,7 @@
               <a:rPr lang="it-IT" sz="2000" dirty="0"/>
               <a:t>&lt;li&gt;Linux&lt;/li&gt;</a:t>
             </a:r>
+            <a:endParaRPr lang="it-IT" sz="2000" dirty="0"/>
           </a:p>
           <a:p>
             <a:pPr marL="0" indent="0">
@@ -8883,6 +8870,7 @@
               <a:rPr lang="it-IT" sz="2000" dirty="0"/>
               <a:t>&gt;</a:t>
             </a:r>
+            <a:endParaRPr lang="it-IT" sz="2000" dirty="0"/>
           </a:p>
           <a:p>
             <a:pPr marL="0" indent="0">
@@ -8892,6 +8880,7 @@
               <a:rPr lang="it-IT" sz="2000" dirty="0"/>
               <a:t>&lt;li&gt;Ubuntu&lt;/li&gt;&lt;/ul&gt;</a:t>
             </a:r>
+            <a:endParaRPr lang="it-IT" sz="2000" dirty="0"/>
           </a:p>
           <a:p>
             <a:pPr marL="0" indent="0">
@@ -8901,6 +8890,7 @@
               <a:rPr lang="it-IT" sz="2000" dirty="0"/>
               <a:t>&lt;li&gt;Windows&lt;/li&gt;</a:t>
             </a:r>
+            <a:endParaRPr lang="it-IT" sz="2000" dirty="0"/>
           </a:p>
           <a:p>
             <a:pPr marL="0" indent="0">
@@ -8920,6 +8910,7 @@
               <a:rPr lang="it-IT" sz="2000" dirty="0"/>
               <a:t>&gt;</a:t>
             </a:r>
+            <a:endParaRPr lang="it-IT" sz="2000" dirty="0"/>
           </a:p>
           <a:p>
             <a:pPr marL="0" indent="0">
@@ -8929,6 +8920,7 @@
               <a:rPr lang="it-IT" sz="2000" dirty="0"/>
               <a:t>&lt;li&gt;Windows 7&lt;/li&gt;</a:t>
             </a:r>
+            <a:endParaRPr lang="it-IT" sz="2000" dirty="0"/>
           </a:p>
           <a:p>
             <a:pPr marL="0" indent="0">
@@ -8938,6 +8930,7 @@
               <a:rPr lang="it-IT" sz="2000" dirty="0"/>
               <a:t>&lt;/ol&gt;</a:t>
             </a:r>
+            <a:endParaRPr lang="it-IT" sz="2000" dirty="0"/>
           </a:p>
           <a:p>
             <a:pPr marL="0" indent="0">
@@ -8994,13 +8987,10 @@
           <a:lstStyle/>
           <a:p>
             <a:r>
-              <a:rPr lang="en-US" dirty="0" err="1"/>
-              <a:t>Nasted</a:t>
-            </a:r>
-            <a:r>
-              <a:rPr lang="en-US" dirty="0"/>
-              <a:t> Ordered List</a:t>
-            </a:r>
+              <a:rPr lang="en-US" dirty="0"/>
+              <a:t>Table</a:t>
+            </a:r>
+            <a:endParaRPr lang="en-US" dirty="0"/>
           </a:p>
         </p:txBody>
       </p:sp>
@@ -9016,8 +9006,8 @@
         </p:nvSpPr>
         <p:spPr>
           <a:xfrm>
-            <a:off x="1295401" y="2407024"/>
-            <a:ext cx="9601196" cy="3765176"/>
+            <a:off x="1295401" y="2756646"/>
+            <a:ext cx="9601196" cy="3415553"/>
           </a:xfrm>
         </p:spPr>
         <p:txBody>
@@ -9026,115 +9016,56 @@
           </a:bodyPr>
           <a:lstStyle/>
           <a:p>
+            <a:r>
+              <a:rPr lang="en-US" sz="2000" dirty="0"/>
+              <a:t>&lt;table&gt;.....&lt;/table&gt; tags represents an HTML table.</a:t>
+            </a:r>
+            <a:endParaRPr lang="en-US" sz="2000" dirty="0"/>
+          </a:p>
+          <a:p>
+            <a:pPr lvl="1"/>
+            <a:r>
+              <a:rPr lang="en-US" dirty="0"/>
+              <a:t>&lt;tr&gt;....&lt;/tr&gt; tags represents a row in the table</a:t>
+            </a:r>
+            <a:endParaRPr lang="en-US" dirty="0"/>
+          </a:p>
+          <a:p>
+            <a:pPr lvl="2"/>
+            <a:r>
+              <a:rPr lang="en-US" sz="2000" dirty="0"/>
+              <a:t>&lt;</a:t>
+            </a:r>
+            <a:r>
+              <a:rPr lang="en-US" sz="2000" dirty="0" err="1"/>
+              <a:t>th</a:t>
+            </a:r>
+            <a:r>
+              <a:rPr lang="en-US" sz="2000" dirty="0"/>
+              <a:t>&gt;....&lt;/</a:t>
+            </a:r>
+            <a:r>
+              <a:rPr lang="en-US" sz="2000" dirty="0" err="1"/>
+              <a:t>th</a:t>
+            </a:r>
+            <a:r>
+              <a:rPr lang="en-US" sz="2000" dirty="0"/>
+              <a:t>&gt; tags is used to add a column heading in a column.</a:t>
+            </a:r>
+            <a:endParaRPr lang="en-US" sz="2000" dirty="0"/>
+          </a:p>
+          <a:p>
+            <a:pPr lvl="2"/>
+            <a:r>
+              <a:rPr lang="en-US" sz="2000" dirty="0"/>
+              <a:t>&lt;td&gt;.....&lt;/td&gt; tags are used to add data value in the column</a:t>
+            </a:r>
+            <a:endParaRPr lang="en-US" sz="2000" dirty="0"/>
+          </a:p>
+          <a:p>
             <a:pPr marL="0" indent="0">
               <a:buNone/>
             </a:pPr>
-            <a:r>
-              <a:rPr lang="it-IT" sz="2000" dirty="0"/>
-              <a:t>﻿&lt;ol type=</a:t>
-            </a:r>
-            <a:r>
-              <a:rPr lang="it-IT" sz="2000" dirty="0">
-                <a:cs typeface="Arial" panose="020B0604020202020204" pitchFamily="34" charset="0"/>
-              </a:rPr>
-              <a:t>"1"  </a:t>
-            </a:r>
-            <a:r>
-              <a:rPr lang="it-IT" sz="2000" dirty="0"/>
-              <a:t>&gt;</a:t>
-            </a:r>
-          </a:p>
-          <a:p>
-            <a:pPr marL="0" indent="0">
-              <a:buNone/>
-            </a:pPr>
-            <a:r>
-              <a:rPr lang="it-IT" sz="2000" dirty="0"/>
-              <a:t>&lt;li&gt;Linux&lt;/li&gt;</a:t>
-            </a:r>
-          </a:p>
-          <a:p>
-            <a:pPr marL="0" indent="0">
-              <a:buNone/>
-            </a:pPr>
-            <a:r>
-              <a:rPr lang="it-IT" sz="2000" dirty="0"/>
-              <a:t>&lt;ol type=</a:t>
-            </a:r>
-            <a:r>
-              <a:rPr lang="it-IT" sz="2000" dirty="0">
-                <a:cs typeface="Arial" panose="020B0604020202020204" pitchFamily="34" charset="0"/>
-              </a:rPr>
-              <a:t>"a" </a:t>
-            </a:r>
-            <a:r>
-              <a:rPr lang="it-IT" sz="2000" dirty="0"/>
-              <a:t>&gt;</a:t>
-            </a:r>
-          </a:p>
-          <a:p>
-            <a:pPr marL="0" indent="0">
-              <a:buNone/>
-            </a:pPr>
-            <a:r>
-              <a:rPr lang="it-IT" sz="2000" dirty="0"/>
-              <a:t>&lt;li&gt;Ubuntu&lt;/li&gt;&lt;/ul&gt;</a:t>
-            </a:r>
-          </a:p>
-          <a:p>
-            <a:pPr marL="0" indent="0">
-              <a:buNone/>
-            </a:pPr>
-            <a:r>
-              <a:rPr lang="it-IT" sz="2000" dirty="0"/>
-              <a:t>&lt;li&gt;Windows&lt;/li&gt;</a:t>
-            </a:r>
-          </a:p>
-          <a:p>
-            <a:pPr marL="0" indent="0">
-              <a:buNone/>
-            </a:pPr>
-            <a:r>
-              <a:rPr lang="it-IT" sz="2000" dirty="0"/>
-              <a:t>&lt;ol type=</a:t>
-            </a:r>
-            <a:r>
-              <a:rPr lang="it-IT" sz="2000" dirty="0">
-                <a:cs typeface="Arial" panose="020B0604020202020204" pitchFamily="34" charset="0"/>
-              </a:rPr>
-              <a:t>"I" </a:t>
-            </a:r>
-            <a:r>
-              <a:rPr lang="it-IT" sz="2000" dirty="0"/>
-              <a:t>&gt;</a:t>
-            </a:r>
-          </a:p>
-          <a:p>
-            <a:pPr marL="0" indent="0">
-              <a:buNone/>
-            </a:pPr>
-            <a:r>
-              <a:rPr lang="it-IT" sz="2000" dirty="0"/>
-              <a:t>&lt;li&gt;Windows 7&lt;/li&gt;</a:t>
-            </a:r>
-          </a:p>
-          <a:p>
-            <a:pPr marL="0" indent="0">
-              <a:buNone/>
-            </a:pPr>
-            <a:r>
-              <a:rPr lang="it-IT" sz="2000" dirty="0"/>
-              <a:t>&lt;/ol&gt;</a:t>
-            </a:r>
-          </a:p>
-          <a:p>
-            <a:pPr marL="0" indent="0">
-              <a:buNone/>
-            </a:pPr>
-            <a:r>
-              <a:rPr lang="it-IT" sz="2000" dirty="0"/>
-              <a:t>&lt;/ol&gt;</a:t>
-            </a:r>
             <a:endParaRPr lang="en-US" sz="2000" dirty="0"/>
           </a:p>
         </p:txBody>
@@ -9166,127 +9097,6 @@
       </p:grpSpPr>
       <p:sp>
         <p:nvSpPr>
-          <p:cNvPr id="2" name="Title 1"/>
-          <p:cNvSpPr>
-            <a:spLocks noGrp="1"/>
-          </p:cNvSpPr>
-          <p:nvPr>
-            <p:ph type="title"/>
-          </p:nvPr>
-        </p:nvSpPr>
-        <p:spPr/>
-        <p:txBody>
-          <a:bodyPr>
-            <a:normAutofit/>
-          </a:bodyPr>
-          <a:lstStyle/>
-          <a:p>
-            <a:r>
-              <a:rPr lang="en-US" dirty="0"/>
-              <a:t>Table</a:t>
-            </a:r>
-          </a:p>
-        </p:txBody>
-      </p:sp>
-      <p:sp>
-        <p:nvSpPr>
-          <p:cNvPr id="3" name="Content Placeholder 2"/>
-          <p:cNvSpPr>
-            <a:spLocks noGrp="1"/>
-          </p:cNvSpPr>
-          <p:nvPr>
-            <p:ph idx="1"/>
-          </p:nvPr>
-        </p:nvSpPr>
-        <p:spPr>
-          <a:xfrm>
-            <a:off x="1295401" y="2756646"/>
-            <a:ext cx="9601196" cy="3415553"/>
-          </a:xfrm>
-        </p:spPr>
-        <p:txBody>
-          <a:bodyPr>
-            <a:noAutofit/>
-          </a:bodyPr>
-          <a:lstStyle/>
-          <a:p>
-            <a:r>
-              <a:rPr lang="en-US" sz="2000" dirty="0"/>
-              <a:t>&lt;table&gt;.....&lt;/table&gt; tags represents an HTML table.</a:t>
-            </a:r>
-          </a:p>
-          <a:p>
-            <a:pPr lvl="1"/>
-            <a:r>
-              <a:rPr lang="en-US" dirty="0"/>
-              <a:t>&lt;tr&gt;....&lt;/tr&gt; tags represents a row in the table</a:t>
-            </a:r>
-          </a:p>
-          <a:p>
-            <a:pPr lvl="2"/>
-            <a:r>
-              <a:rPr lang="en-US" sz="2000" dirty="0"/>
-              <a:t>&lt;</a:t>
-            </a:r>
-            <a:r>
-              <a:rPr lang="en-US" sz="2000" dirty="0" err="1"/>
-              <a:t>th</a:t>
-            </a:r>
-            <a:r>
-              <a:rPr lang="en-US" sz="2000" dirty="0"/>
-              <a:t>&gt;....&lt;/</a:t>
-            </a:r>
-            <a:r>
-              <a:rPr lang="en-US" sz="2000" dirty="0" err="1"/>
-              <a:t>th</a:t>
-            </a:r>
-            <a:r>
-              <a:rPr lang="en-US" sz="2000" dirty="0"/>
-              <a:t>&gt; tags is used to add a column heading in a column.</a:t>
-            </a:r>
-          </a:p>
-          <a:p>
-            <a:pPr lvl="2"/>
-            <a:r>
-              <a:rPr lang="en-US" sz="2000" dirty="0"/>
-              <a:t>&lt;td&gt;.....&lt;/td&gt; tags are used to add data value in the column</a:t>
-            </a:r>
-          </a:p>
-          <a:p>
-            <a:pPr marL="0" indent="0">
-              <a:buNone/>
-            </a:pPr>
-            <a:endParaRPr lang="en-US" sz="2000" dirty="0"/>
-          </a:p>
-        </p:txBody>
-      </p:sp>
-    </p:spTree>
-  </p:cSld>
-  <p:clrMapOvr>
-    <a:masterClrMapping/>
-  </p:clrMapOvr>
-</p:sld>
-</file>
-
-<file path=ppt/slides/slide29.xml><?xml version="1.0" encoding="utf-8"?>
-<p:sld xmlns:a="http://schemas.openxmlformats.org/drawingml/2006/main" xmlns:r="http://schemas.openxmlformats.org/officeDocument/2006/relationships" xmlns:p="http://schemas.openxmlformats.org/presentationml/2006/main">
-  <p:cSld>
-    <p:spTree>
-      <p:nvGrpSpPr>
-        <p:cNvPr id="1" name=""/>
-        <p:cNvGrpSpPr/>
-        <p:nvPr/>
-      </p:nvGrpSpPr>
-      <p:grpSpPr>
-        <a:xfrm>
-          <a:off x="0" y="0"/>
-          <a:ext cx="0" cy="0"/>
-          <a:chOff x="0" y="0"/>
-          <a:chExt cx="0" cy="0"/>
-        </a:xfrm>
-      </p:grpSpPr>
-      <p:sp>
-        <p:nvSpPr>
           <p:cNvPr id="5" name="Rectangle 4"/>
           <p:cNvSpPr/>
           <p:nvPr/>
@@ -9310,6 +9120,7 @@
               <a:rPr lang="en-US" dirty="0"/>
               <a:t>﻿&lt;table border=‘1’&gt;</a:t>
             </a:r>
+            <a:endParaRPr lang="en-US" dirty="0"/>
           </a:p>
           <a:p>
             <a:endParaRPr lang="en-US" dirty="0"/>
@@ -9324,6 +9135,7 @@
               <a:rPr lang="en-US" dirty="0"/>
               <a:t>&lt;tr&gt;																	&lt;/tr&gt;</a:t>
             </a:r>
+            <a:endParaRPr lang="en-US" dirty="0"/>
           </a:p>
           <a:p>
             <a:pPr>
@@ -9335,6 +9147,7 @@
               <a:rPr lang="en-US" dirty="0"/>
               <a:t>&lt;tr&gt;																	&lt;/tr&gt;</a:t>
             </a:r>
+            <a:endParaRPr lang="en-US" dirty="0"/>
           </a:p>
           <a:p>
             <a:pPr>
@@ -9346,6 +9159,7 @@
               <a:rPr lang="en-US" dirty="0"/>
               <a:t>&lt;tr&gt;																	&lt;/tr&gt;</a:t>
             </a:r>
+            <a:endParaRPr lang="en-US" dirty="0"/>
           </a:p>
           <a:p>
             <a:pPr>
@@ -9357,6 +9171,7 @@
               <a:rPr lang="en-US" dirty="0"/>
               <a:t>&lt;tr&gt;																	&lt;/tr&gt;</a:t>
             </a:r>
+            <a:endParaRPr lang="en-US" dirty="0"/>
           </a:p>
           <a:p>
             <a:endParaRPr lang="en-US" dirty="0"/>
@@ -9366,6 +9181,7 @@
               <a:rPr lang="en-US" dirty="0"/>
               <a:t>&lt;/table&gt;</a:t>
             </a:r>
+            <a:endParaRPr lang="en-US" dirty="0"/>
           </a:p>
         </p:txBody>
       </p:sp>
@@ -9390,6 +9206,7 @@
               <a:rPr lang="en-US" dirty="0"/>
               <a:t>Table</a:t>
             </a:r>
+            <a:endParaRPr lang="en-US" dirty="0"/>
           </a:p>
         </p:txBody>
       </p:sp>
@@ -9414,27 +9231,9 @@
                 <a:tableStyleId>{5940675A-B579-460E-94D1-54222C63F5DA}</a:tableStyleId>
               </a:tblPr>
               <a:tblGrid>
-                <a:gridCol w="2333812">
-                  <a:extLst>
-                    <a:ext uri="{9D8B030D-6E8A-4147-A177-3AD203B41FA5}">
-                      <a16:colId xmlns:a16="http://schemas.microsoft.com/office/drawing/2014/main" val="20000"/>
-                    </a:ext>
-                  </a:extLst>
-                </a:gridCol>
-                <a:gridCol w="2333812">
-                  <a:extLst>
-                    <a:ext uri="{9D8B030D-6E8A-4147-A177-3AD203B41FA5}">
-                      <a16:colId xmlns:a16="http://schemas.microsoft.com/office/drawing/2014/main" val="20001"/>
-                    </a:ext>
-                  </a:extLst>
-                </a:gridCol>
-                <a:gridCol w="2333812">
-                  <a:extLst>
-                    <a:ext uri="{9D8B030D-6E8A-4147-A177-3AD203B41FA5}">
-                      <a16:colId xmlns:a16="http://schemas.microsoft.com/office/drawing/2014/main" val="20002"/>
-                    </a:ext>
-                  </a:extLst>
-                </a:gridCol>
+                <a:gridCol w="2333812"/>
+                <a:gridCol w="2333812"/>
+                <a:gridCol w="2333812"/>
               </a:tblGrid>
               <a:tr h="370840">
                 <a:tc>
@@ -9462,6 +9261,7 @@
                         <a:rPr lang="en-US" sz="2000" b="1" dirty="0"/>
                         <a:t>&gt; </a:t>
                       </a:r>
+                      <a:endParaRPr lang="en-US" sz="2000" b="1" dirty="0"/>
                     </a:p>
                   </a:txBody>
                   <a:tcPr/>
@@ -9491,6 +9291,7 @@
                         <a:rPr lang="en-US" sz="2000" b="1" dirty="0"/>
                         <a:t>&gt; </a:t>
                       </a:r>
+                      <a:endParaRPr lang="en-US" sz="2000" b="1" dirty="0"/>
                     </a:p>
                   </a:txBody>
                   <a:tcPr/>
@@ -9536,15 +9337,11 @@
                         <a:rPr lang="en-US" sz="2000" b="1" dirty="0"/>
                         <a:t>&gt;</a:t>
                       </a:r>
+                      <a:endParaRPr lang="en-US" sz="2000" b="1" dirty="0"/>
                     </a:p>
                   </a:txBody>
                   <a:tcPr/>
                 </a:tc>
-                <a:extLst>
-                  <a:ext uri="{0D108BD9-81ED-4DB2-BD59-A6C34878D82A}">
-                    <a16:rowId xmlns:a16="http://schemas.microsoft.com/office/drawing/2014/main" val="10000"/>
-                  </a:ext>
-                </a:extLst>
               </a:tr>
               <a:tr h="370840">
                 <a:tc>
@@ -9556,6 +9353,7 @@
                         <a:rPr lang="en-US" dirty="0"/>
                         <a:t>&lt;td&gt;Ravi&lt;/td&gt; </a:t>
                       </a:r>
+                      <a:endParaRPr lang="en-US" dirty="0"/>
                     </a:p>
                   </a:txBody>
                   <a:tcPr/>
@@ -9585,6 +9383,7 @@
                         <a:rPr lang="en-US" dirty="0"/>
                         <a:t>&lt;td&gt;101&lt;/td&gt;</a:t>
                       </a:r>
+                      <a:endParaRPr lang="en-US" dirty="0"/>
                     </a:p>
                   </a:txBody>
                   <a:tcPr/>
@@ -9614,15 +9413,11 @@
                         <a:rPr lang="en-US" dirty="0"/>
                         <a:t>&lt;td&gt;Pass&lt;/td&gt;</a:t>
                       </a:r>
+                      <a:endParaRPr lang="en-US" dirty="0"/>
                     </a:p>
                   </a:txBody>
                   <a:tcPr/>
                 </a:tc>
-                <a:extLst>
-                  <a:ext uri="{0D108BD9-81ED-4DB2-BD59-A6C34878D82A}">
-                    <a16:rowId xmlns:a16="http://schemas.microsoft.com/office/drawing/2014/main" val="10001"/>
-                  </a:ext>
-                </a:extLst>
               </a:tr>
               <a:tr h="370840">
                 <a:tc>
@@ -9650,6 +9445,7 @@
                         <a:rPr lang="en-US" dirty="0"/>
                         <a:t>&lt;td&gt;Ram&lt;/td&gt;</a:t>
                       </a:r>
+                      <a:endParaRPr lang="en-US" dirty="0"/>
                     </a:p>
                   </a:txBody>
                   <a:tcPr/>
@@ -9679,6 +9475,7 @@
                         <a:rPr lang="en-US" dirty="0"/>
                         <a:t>&lt;td&gt;102&lt;/td&gt;</a:t>
                       </a:r>
+                      <a:endParaRPr lang="en-US" dirty="0"/>
                     </a:p>
                   </a:txBody>
                   <a:tcPr/>
@@ -9708,15 +9505,11 @@
                         <a:rPr lang="en-US" dirty="0"/>
                         <a:t>&lt;td&gt;Pass&lt;/td&gt;</a:t>
                       </a:r>
+                      <a:endParaRPr lang="en-US" dirty="0"/>
                     </a:p>
                   </a:txBody>
                   <a:tcPr/>
                 </a:tc>
-                <a:extLst>
-                  <a:ext uri="{0D108BD9-81ED-4DB2-BD59-A6C34878D82A}">
-                    <a16:rowId xmlns:a16="http://schemas.microsoft.com/office/drawing/2014/main" val="10002"/>
-                  </a:ext>
-                </a:extLst>
               </a:tr>
               <a:tr h="370840">
                 <a:tc>
@@ -9744,6 +9537,7 @@
                         <a:rPr lang="en-US" dirty="0"/>
                         <a:t>&lt;td&gt;Hari&lt;/td&gt;</a:t>
                       </a:r>
+                      <a:endParaRPr lang="en-US" dirty="0"/>
                     </a:p>
                   </a:txBody>
                   <a:tcPr/>
@@ -9773,6 +9567,7 @@
                         <a:rPr lang="en-US" dirty="0"/>
                         <a:t>&lt;td&gt;103&lt;/td&gt;</a:t>
                       </a:r>
+                      <a:endParaRPr lang="en-US" dirty="0"/>
                     </a:p>
                   </a:txBody>
                   <a:tcPr/>
@@ -9802,15 +9597,410 @@
                         <a:rPr lang="en-US" dirty="0"/>
                         <a:t>&lt;td&gt;Pass&lt;/td&gt;</a:t>
                       </a:r>
+                      <a:endParaRPr lang="en-US" dirty="0"/>
                     </a:p>
                   </a:txBody>
                   <a:tcPr/>
                 </a:tc>
-                <a:extLst>
-                  <a:ext uri="{0D108BD9-81ED-4DB2-BD59-A6C34878D82A}">
-                    <a16:rowId xmlns:a16="http://schemas.microsoft.com/office/drawing/2014/main" val="10003"/>
-                  </a:ext>
-                </a:extLst>
+              </a:tr>
+            </a:tbl>
+          </a:graphicData>
+        </a:graphic>
+      </p:graphicFrame>
+    </p:spTree>
+  </p:cSld>
+  <p:clrMapOvr>
+    <a:masterClrMapping/>
+  </p:clrMapOvr>
+</p:sld>
+</file>
+
+<file path=ppt/slides/slide29.xml><?xml version="1.0" encoding="utf-8"?>
+<p:sld xmlns:a="http://schemas.openxmlformats.org/drawingml/2006/main" xmlns:r="http://schemas.openxmlformats.org/officeDocument/2006/relationships" xmlns:p="http://schemas.openxmlformats.org/presentationml/2006/main">
+  <p:cSld>
+    <p:spTree>
+      <p:nvGrpSpPr>
+        <p:cNvPr id="1" name=""/>
+        <p:cNvGrpSpPr/>
+        <p:nvPr/>
+      </p:nvGrpSpPr>
+      <p:grpSpPr>
+        <a:xfrm>
+          <a:off x="0" y="0"/>
+          <a:ext cx="0" cy="0"/>
+          <a:chOff x="0" y="0"/>
+          <a:chExt cx="0" cy="0"/>
+        </a:xfrm>
+      </p:grpSpPr>
+      <p:sp>
+        <p:nvSpPr>
+          <p:cNvPr id="2" name="Title 1"/>
+          <p:cNvSpPr>
+            <a:spLocks noGrp="1"/>
+          </p:cNvSpPr>
+          <p:nvPr>
+            <p:ph type="title"/>
+          </p:nvPr>
+        </p:nvSpPr>
+        <p:spPr/>
+        <p:txBody>
+          <a:bodyPr>
+            <a:normAutofit/>
+          </a:bodyPr>
+          <a:lstStyle/>
+          <a:p>
+            <a:r>
+              <a:rPr lang="en-US" dirty="0"/>
+              <a:t>Table</a:t>
+            </a:r>
+            <a:endParaRPr lang="en-US" dirty="0"/>
+          </a:p>
+        </p:txBody>
+      </p:sp>
+      <p:graphicFrame>
+        <p:nvGraphicFramePr>
+          <p:cNvPr id="4" name="Content Placeholder 3"/>
+          <p:cNvGraphicFramePr>
+            <a:graphicFrameLocks noGrp="1"/>
+          </p:cNvGraphicFramePr>
+          <p:nvPr>
+            <p:ph idx="1"/>
+          </p:nvPr>
+        </p:nvGraphicFramePr>
+        <p:xfrm>
+          <a:off x="2478742" y="3226378"/>
+          <a:ext cx="7001436" cy="1503680"/>
+        </p:xfrm>
+        <a:graphic>
+          <a:graphicData uri="http://schemas.openxmlformats.org/drawingml/2006/table">
+            <a:tbl>
+              <a:tblPr firstRow="1" bandRow="1">
+                <a:tableStyleId>{5940675A-B579-460E-94D1-54222C63F5DA}</a:tableStyleId>
+              </a:tblPr>
+              <a:tblGrid>
+                <a:gridCol w="2333812"/>
+                <a:gridCol w="2333812"/>
+                <a:gridCol w="2333812"/>
+              </a:tblGrid>
+              <a:tr h="370840">
+                <a:tc>
+                  <a:txBody>
+                    <a:bodyPr/>
+                    <a:lstStyle/>
+                    <a:p>
+                      <a:r>
+                        <a:rPr lang="en-US" sz="2000" b="1" dirty="0"/>
+                        <a:t>Name</a:t>
+                      </a:r>
+                      <a:endParaRPr lang="en-US" sz="2000" b="1" dirty="0"/>
+                    </a:p>
+                  </a:txBody>
+                  <a:tcPr/>
+                </a:tc>
+                <a:tc>
+                  <a:txBody>
+                    <a:bodyPr/>
+                    <a:lstStyle/>
+                    <a:p>
+                      <a:r>
+                        <a:rPr lang="en-US" sz="2000" b="1" dirty="0"/>
+                        <a:t>Roll </a:t>
+                      </a:r>
+                      <a:endParaRPr lang="en-US" sz="2000" b="1" dirty="0"/>
+                    </a:p>
+                  </a:txBody>
+                  <a:tcPr/>
+                </a:tc>
+                <a:tc>
+                  <a:txBody>
+                    <a:bodyPr/>
+                    <a:lstStyle/>
+                    <a:p>
+                      <a:pPr marL="0" marR="0" lvl="0" indent="0" algn="l" defTabSz="457200" rtl="0" eaLnBrk="1" fontAlgn="auto" latinLnBrk="0" hangingPunct="1">
+                        <a:lnSpc>
+                          <a:spcPct val="100000"/>
+                        </a:lnSpc>
+                        <a:spcBef>
+                          <a:spcPts val="0"/>
+                        </a:spcBef>
+                        <a:spcAft>
+                          <a:spcPts val="0"/>
+                        </a:spcAft>
+                        <a:buClrTx/>
+                        <a:buSzTx/>
+                        <a:buFontTx/>
+                        <a:buNone/>
+                        <a:defRPr/>
+                      </a:pPr>
+                      <a:r>
+                        <a:rPr lang="en-US" sz="2000" b="1" dirty="0"/>
+                        <a:t>Result</a:t>
+                      </a:r>
+                      <a:endParaRPr lang="en-US" sz="2000" b="1" dirty="0"/>
+                    </a:p>
+                  </a:txBody>
+                  <a:tcPr/>
+                </a:tc>
+              </a:tr>
+              <a:tr h="370840">
+                <a:tc>
+                  <a:txBody>
+                    <a:bodyPr/>
+                    <a:lstStyle/>
+                    <a:p>
+                      <a:r>
+                        <a:rPr lang="en-US" dirty="0"/>
+                        <a:t>Ravi</a:t>
+                      </a:r>
+                      <a:endParaRPr lang="en-US" dirty="0"/>
+                    </a:p>
+                  </a:txBody>
+                  <a:tcPr/>
+                </a:tc>
+                <a:tc>
+                  <a:txBody>
+                    <a:bodyPr/>
+                    <a:lstStyle/>
+                    <a:p>
+                      <a:pPr marL="0" marR="0" lvl="0" indent="0" algn="l" defTabSz="457200" rtl="0" eaLnBrk="1" fontAlgn="auto" latinLnBrk="0" hangingPunct="1">
+                        <a:lnSpc>
+                          <a:spcPct val="100000"/>
+                        </a:lnSpc>
+                        <a:spcBef>
+                          <a:spcPts val="0"/>
+                        </a:spcBef>
+                        <a:spcAft>
+                          <a:spcPts val="0"/>
+                        </a:spcAft>
+                        <a:buClrTx/>
+                        <a:buSzTx/>
+                        <a:buFontTx/>
+                        <a:buNone/>
+                        <a:defRPr/>
+                      </a:pPr>
+                      <a:r>
+                        <a:rPr lang="en-US" dirty="0"/>
+                        <a:t>101</a:t>
+                      </a:r>
+                      <a:endParaRPr lang="en-US" dirty="0"/>
+                    </a:p>
+                  </a:txBody>
+                  <a:tcPr/>
+                </a:tc>
+                <a:tc>
+                  <a:txBody>
+                    <a:bodyPr/>
+                    <a:lstStyle/>
+                    <a:p>
+                      <a:pPr marL="0" marR="0" lvl="0" indent="0" algn="l" defTabSz="457200" rtl="0" eaLnBrk="1" fontAlgn="auto" latinLnBrk="0" hangingPunct="1">
+                        <a:lnSpc>
+                          <a:spcPct val="100000"/>
+                        </a:lnSpc>
+                        <a:spcBef>
+                          <a:spcPts val="0"/>
+                        </a:spcBef>
+                        <a:spcAft>
+                          <a:spcPts val="0"/>
+                        </a:spcAft>
+                        <a:buClrTx/>
+                        <a:buSzTx/>
+                        <a:buFontTx/>
+                        <a:buNone/>
+                        <a:defRPr/>
+                      </a:pPr>
+                      <a:r>
+                        <a:rPr lang="en-US" dirty="0"/>
+                        <a:t>Pass</a:t>
+                      </a:r>
+                      <a:endParaRPr lang="en-US" dirty="0"/>
+                    </a:p>
+                  </a:txBody>
+                  <a:tcPr/>
+                </a:tc>
+              </a:tr>
+              <a:tr h="309601">
+                <a:tc>
+                  <a:txBody>
+                    <a:bodyPr/>
+                    <a:lstStyle/>
+                    <a:p>
+                      <a:pPr marL="0" marR="0" lvl="0" indent="0" algn="l" defTabSz="457200" rtl="0" eaLnBrk="1" fontAlgn="auto" latinLnBrk="0" hangingPunct="1">
+                        <a:lnSpc>
+                          <a:spcPct val="100000"/>
+                        </a:lnSpc>
+                        <a:spcBef>
+                          <a:spcPts val="0"/>
+                        </a:spcBef>
+                        <a:spcAft>
+                          <a:spcPts val="0"/>
+                        </a:spcAft>
+                        <a:buClrTx/>
+                        <a:buSzTx/>
+                        <a:buFontTx/>
+                        <a:buNone/>
+                        <a:defRPr/>
+                      </a:pPr>
+                      <a:r>
+                        <a:rPr lang="en-US" dirty="0"/>
+                        <a:t>Ram</a:t>
+                      </a:r>
+                      <a:endParaRPr lang="en-US" dirty="0"/>
+                    </a:p>
+                  </a:txBody>
+                  <a:tcPr/>
+                </a:tc>
+                <a:tc>
+                  <a:txBody>
+                    <a:bodyPr/>
+                    <a:lstStyle/>
+                    <a:p>
+                      <a:pPr marL="0" marR="0" lvl="0" indent="0" algn="l" defTabSz="457200" rtl="0" eaLnBrk="1" fontAlgn="auto" latinLnBrk="0" hangingPunct="1">
+                        <a:lnSpc>
+                          <a:spcPct val="100000"/>
+                        </a:lnSpc>
+                        <a:spcBef>
+                          <a:spcPts val="0"/>
+                        </a:spcBef>
+                        <a:spcAft>
+                          <a:spcPts val="0"/>
+                        </a:spcAft>
+                        <a:buClrTx/>
+                        <a:buSzTx/>
+                        <a:buFontTx/>
+                        <a:buNone/>
+                        <a:defRPr/>
+                      </a:pPr>
+                      <a:r>
+                        <a:rPr lang="en-US" dirty="0"/>
+                        <a:t>102</a:t>
+                      </a:r>
+                      <a:endParaRPr lang="en-US" dirty="0"/>
+                    </a:p>
+                  </a:txBody>
+                  <a:tcPr/>
+                </a:tc>
+                <a:tc>
+                  <a:txBody>
+                    <a:bodyPr/>
+                    <a:lstStyle/>
+                    <a:p>
+                      <a:pPr marL="0" marR="0" lvl="0" indent="0" algn="l" defTabSz="457200" rtl="0" eaLnBrk="1" fontAlgn="auto" latinLnBrk="0" hangingPunct="1">
+                        <a:lnSpc>
+                          <a:spcPct val="100000"/>
+                        </a:lnSpc>
+                        <a:spcBef>
+                          <a:spcPts val="0"/>
+                        </a:spcBef>
+                        <a:spcAft>
+                          <a:spcPts val="0"/>
+                        </a:spcAft>
+                        <a:buClrTx/>
+                        <a:buSzTx/>
+                        <a:buFontTx/>
+                        <a:buNone/>
+                        <a:defRPr/>
+                      </a:pPr>
+                      <a:r>
+                        <a:rPr lang="en-US" dirty="0"/>
+                        <a:t>Pass</a:t>
+                      </a:r>
+                      <a:endParaRPr lang="en-US" dirty="0"/>
+                    </a:p>
+                  </a:txBody>
+                  <a:tcPr/>
+                </a:tc>
+              </a:tr>
+              <a:tr h="370840">
+                <a:tc>
+                  <a:txBody>
+                    <a:bodyPr/>
+                    <a:lstStyle/>
+                    <a:p>
+                      <a:pPr marL="0" marR="0" lvl="0" indent="0" algn="l" defTabSz="457200" rtl="0" eaLnBrk="1" fontAlgn="auto" latinLnBrk="0" hangingPunct="1">
+                        <a:lnSpc>
+                          <a:spcPct val="100000"/>
+                        </a:lnSpc>
+                        <a:spcBef>
+                          <a:spcPts val="0"/>
+                        </a:spcBef>
+                        <a:spcAft>
+                          <a:spcPts val="0"/>
+                        </a:spcAft>
+                        <a:buClrTx/>
+                        <a:buSzTx/>
+                        <a:buFontTx/>
+                        <a:buNone/>
+                        <a:defRPr/>
+                      </a:pPr>
+                      <a:r>
+                        <a:rPr lang="en-US" dirty="0"/>
+                        <a:t>Hari</a:t>
+                      </a:r>
+                      <a:endParaRPr lang="en-US" dirty="0"/>
+                    </a:p>
+                  </a:txBody>
+                  <a:tcPr/>
+                </a:tc>
+                <a:tc>
+                  <a:txBody>
+                    <a:bodyPr/>
+                    <a:lstStyle/>
+                    <a:p>
+                      <a:pPr marL="0" marR="0" lvl="0" indent="0" algn="l" defTabSz="457200" rtl="0" eaLnBrk="1" fontAlgn="auto" latinLnBrk="0" hangingPunct="1">
+                        <a:lnSpc>
+                          <a:spcPct val="100000"/>
+                        </a:lnSpc>
+                        <a:spcBef>
+                          <a:spcPts val="0"/>
+                        </a:spcBef>
+                        <a:spcAft>
+                          <a:spcPts val="0"/>
+                        </a:spcAft>
+                        <a:buClrTx/>
+                        <a:buSzTx/>
+                        <a:buFontTx/>
+                        <a:buNone/>
+                        <a:defRPr/>
+                      </a:pPr>
+                      <a:r>
+                        <a:rPr lang="en-US" dirty="0"/>
+                        <a:t>103</a:t>
+                      </a:r>
+                      <a:endParaRPr lang="en-US" dirty="0"/>
+                    </a:p>
+                  </a:txBody>
+                  <a:tcPr/>
+                </a:tc>
+                <a:tc>
+                  <a:txBody>
+                    <a:bodyPr/>
+                    <a:lstStyle/>
+                    <a:p>
+                      <a:pPr marL="0" marR="0" lvl="0" indent="0" algn="l" defTabSz="457200" rtl="0" eaLnBrk="1" fontAlgn="auto" latinLnBrk="0" hangingPunct="1">
+                        <a:lnSpc>
+                          <a:spcPct val="100000"/>
+                        </a:lnSpc>
+                        <a:spcBef>
+                          <a:spcPts val="0"/>
+                        </a:spcBef>
+                        <a:spcAft>
+                          <a:spcPts val="0"/>
+                        </a:spcAft>
+                        <a:buClrTx/>
+                        <a:buSzTx/>
+                        <a:buFontTx/>
+                        <a:buNone/>
+                        <a:defRPr/>
+                      </a:pPr>
+                      <a:r>
+                        <a:rPr lang="en-US" dirty="0"/>
+                        <a:t>Pass</a:t>
+                      </a:r>
+                      <a:endParaRPr lang="en-US" dirty="0"/>
+                    </a:p>
+                  </a:txBody>
+                  <a:tcPr/>
+                </a:tc>
               </a:tr>
             </a:tbl>
           </a:graphicData>
@@ -9858,48 +10048,82 @@
           <a:p>
             <a:r>
               <a:rPr lang="en-US" dirty="0"/>
-              <a:t>Introduction</a:t>
-            </a:r>
-          </a:p>
-        </p:txBody>
-      </p:sp>
-      <p:pic>
-        <p:nvPicPr>
-          <p:cNvPr id="4" name="Content Placeholder 3">
-            <a:extLst>
-              <a:ext uri="{FF2B5EF4-FFF2-40B4-BE49-F238E27FC236}">
-                <a16:creationId xmlns:a16="http://schemas.microsoft.com/office/drawing/2014/main" id="{72B9C8D3-04E9-436F-9E0E-A6B4A4F46467}"/>
-              </a:ext>
-            </a:extLst>
-          </p:cNvPr>
-          <p:cNvPicPr>
-            <a:picLocks noGrp="1" noChangeAspect="1"/>
-          </p:cNvPicPr>
+              <a:t>What is Html</a:t>
+            </a:r>
+            <a:endParaRPr lang="en-US" dirty="0"/>
+          </a:p>
+        </p:txBody>
+      </p:sp>
+      <p:sp>
+        <p:nvSpPr>
+          <p:cNvPr id="3" name="Content Placeholder 2"/>
+          <p:cNvSpPr>
+            <a:spLocks noGrp="1"/>
+          </p:cNvSpPr>
           <p:nvPr>
             <p:ph idx="1"/>
           </p:nvPr>
-        </p:nvPicPr>
-        <p:blipFill rotWithShape="1">
-          <a:blip r:embed="rId2"/>
-          <a:srcRect t="3572"/>
-          <a:stretch/>
-        </p:blipFill>
-        <p:spPr>
-          <a:xfrm>
-            <a:off x="3391382" y="2675965"/>
-            <a:ext cx="5409236" cy="3199373"/>
-          </a:xfrm>
-          <a:prstGeom prst="rect">
-            <a:avLst/>
-          </a:prstGeom>
-        </p:spPr>
-      </p:pic>
+        </p:nvSpPr>
+        <p:spPr/>
+        <p:txBody>
+          <a:bodyPr>
+            <a:normAutofit fontScale="92500" lnSpcReduction="10000"/>
+          </a:bodyPr>
+          <a:lstStyle/>
+          <a:p>
+            <a:r>
+              <a:rPr lang="en-US" dirty="0"/>
+              <a:t>HTML provides a way of displaying Web pages with text and images or multimedia content. </a:t>
+            </a:r>
+            <a:endParaRPr lang="en-US" dirty="0"/>
+          </a:p>
+          <a:p>
+            <a:r>
+              <a:rPr lang="en-US" dirty="0"/>
+              <a:t>HTML is not a programming language, but a markup language. </a:t>
+            </a:r>
+            <a:endParaRPr lang="en-US" dirty="0"/>
+          </a:p>
+          <a:p>
+            <a:r>
+              <a:rPr lang="en-US" dirty="0"/>
+              <a:t>An HTML file is a text file containing small markup tags. </a:t>
+            </a:r>
+            <a:endParaRPr lang="en-US" dirty="0"/>
+          </a:p>
+          <a:p>
+            <a:r>
+              <a:rPr lang="en-US" dirty="0"/>
+              <a:t>The markup tags tell the Web browser, such as </a:t>
+            </a:r>
+            <a:r>
+              <a:rPr lang="en-US" dirty="0" err="1"/>
+              <a:t>Mozila</a:t>
+            </a:r>
+            <a:r>
+              <a:rPr lang="en-US" dirty="0"/>
+              <a:t> Firefox or Google Chrome, how to display the page. </a:t>
+            </a:r>
+            <a:endParaRPr lang="en-US" dirty="0"/>
+          </a:p>
+          <a:p>
+            <a:r>
+              <a:rPr lang="en-US" dirty="0"/>
+              <a:t>An HTML file must have an htm or html file extension. HTML stands for </a:t>
+            </a:r>
+            <a:r>
+              <a:rPr lang="en-US" dirty="0" err="1"/>
+              <a:t>HyperText</a:t>
+            </a:r>
+            <a:r>
+              <a:rPr lang="en-US" dirty="0"/>
+              <a:t> Markup Language.</a:t>
+            </a:r>
+            <a:endParaRPr lang="en-US" dirty="0"/>
+          </a:p>
+        </p:txBody>
+      </p:sp>
     </p:spTree>
-    <p:extLst>
-      <p:ext uri="{BB962C8B-B14F-4D97-AF65-F5344CB8AC3E}">
-        <p14:creationId xmlns:p14="http://schemas.microsoft.com/office/powerpoint/2010/main" val="415991189"/>
-      </p:ext>
-    </p:extLst>
   </p:cSld>
   <p:clrMapOvr>
     <a:masterClrMapping/>
@@ -9926,430 +10150,6 @@
       </p:grpSpPr>
       <p:sp>
         <p:nvSpPr>
-          <p:cNvPr id="2" name="Title 1"/>
-          <p:cNvSpPr>
-            <a:spLocks noGrp="1"/>
-          </p:cNvSpPr>
-          <p:nvPr>
-            <p:ph type="title"/>
-          </p:nvPr>
-        </p:nvSpPr>
-        <p:spPr/>
-        <p:txBody>
-          <a:bodyPr>
-            <a:normAutofit/>
-          </a:bodyPr>
-          <a:lstStyle/>
-          <a:p>
-            <a:r>
-              <a:rPr lang="en-US" dirty="0"/>
-              <a:t>Table</a:t>
-            </a:r>
-          </a:p>
-        </p:txBody>
-      </p:sp>
-      <p:graphicFrame>
-        <p:nvGraphicFramePr>
-          <p:cNvPr id="4" name="Content Placeholder 3"/>
-          <p:cNvGraphicFramePr>
-            <a:graphicFrameLocks noGrp="1"/>
-          </p:cNvGraphicFramePr>
-          <p:nvPr>
-            <p:ph idx="1"/>
-          </p:nvPr>
-        </p:nvGraphicFramePr>
-        <p:xfrm>
-          <a:off x="2478742" y="3226378"/>
-          <a:ext cx="7001436" cy="1503680"/>
-        </p:xfrm>
-        <a:graphic>
-          <a:graphicData uri="http://schemas.openxmlformats.org/drawingml/2006/table">
-            <a:tbl>
-              <a:tblPr firstRow="1" bandRow="1">
-                <a:tableStyleId>{5940675A-B579-460E-94D1-54222C63F5DA}</a:tableStyleId>
-              </a:tblPr>
-              <a:tblGrid>
-                <a:gridCol w="2333812">
-                  <a:extLst>
-                    <a:ext uri="{9D8B030D-6E8A-4147-A177-3AD203B41FA5}">
-                      <a16:colId xmlns:a16="http://schemas.microsoft.com/office/drawing/2014/main" val="20000"/>
-                    </a:ext>
-                  </a:extLst>
-                </a:gridCol>
-                <a:gridCol w="2333812">
-                  <a:extLst>
-                    <a:ext uri="{9D8B030D-6E8A-4147-A177-3AD203B41FA5}">
-                      <a16:colId xmlns:a16="http://schemas.microsoft.com/office/drawing/2014/main" val="20001"/>
-                    </a:ext>
-                  </a:extLst>
-                </a:gridCol>
-                <a:gridCol w="2333812">
-                  <a:extLst>
-                    <a:ext uri="{9D8B030D-6E8A-4147-A177-3AD203B41FA5}">
-                      <a16:colId xmlns:a16="http://schemas.microsoft.com/office/drawing/2014/main" val="20002"/>
-                    </a:ext>
-                  </a:extLst>
-                </a:gridCol>
-              </a:tblGrid>
-              <a:tr h="370840">
-                <a:tc>
-                  <a:txBody>
-                    <a:bodyPr/>
-                    <a:lstStyle/>
-                    <a:p>
-                      <a:r>
-                        <a:rPr lang="en-US" sz="2000" b="1" dirty="0"/>
-                        <a:t>Name</a:t>
-                      </a:r>
-                    </a:p>
-                  </a:txBody>
-                  <a:tcPr/>
-                </a:tc>
-                <a:tc>
-                  <a:txBody>
-                    <a:bodyPr/>
-                    <a:lstStyle/>
-                    <a:p>
-                      <a:r>
-                        <a:rPr lang="en-US" sz="2000" b="1" dirty="0"/>
-                        <a:t>Roll </a:t>
-                      </a:r>
-                    </a:p>
-                  </a:txBody>
-                  <a:tcPr/>
-                </a:tc>
-                <a:tc>
-                  <a:txBody>
-                    <a:bodyPr/>
-                    <a:lstStyle/>
-                    <a:p>
-                      <a:pPr marL="0" marR="0" lvl="0" indent="0" algn="l" defTabSz="457200" rtl="0" eaLnBrk="1" fontAlgn="auto" latinLnBrk="0" hangingPunct="1">
-                        <a:lnSpc>
-                          <a:spcPct val="100000"/>
-                        </a:lnSpc>
-                        <a:spcBef>
-                          <a:spcPts val="0"/>
-                        </a:spcBef>
-                        <a:spcAft>
-                          <a:spcPts val="0"/>
-                        </a:spcAft>
-                        <a:buClrTx/>
-                        <a:buSzTx/>
-                        <a:buFontTx/>
-                        <a:buNone/>
-                        <a:defRPr/>
-                      </a:pPr>
-                      <a:r>
-                        <a:rPr lang="en-US" sz="2000" b="1" dirty="0"/>
-                        <a:t>Result</a:t>
-                      </a:r>
-                    </a:p>
-                  </a:txBody>
-                  <a:tcPr/>
-                </a:tc>
-                <a:extLst>
-                  <a:ext uri="{0D108BD9-81ED-4DB2-BD59-A6C34878D82A}">
-                    <a16:rowId xmlns:a16="http://schemas.microsoft.com/office/drawing/2014/main" val="10000"/>
-                  </a:ext>
-                </a:extLst>
-              </a:tr>
-              <a:tr h="370840">
-                <a:tc>
-                  <a:txBody>
-                    <a:bodyPr/>
-                    <a:lstStyle/>
-                    <a:p>
-                      <a:r>
-                        <a:rPr lang="en-US" dirty="0"/>
-                        <a:t>Ravi</a:t>
-                      </a:r>
-                    </a:p>
-                  </a:txBody>
-                  <a:tcPr/>
-                </a:tc>
-                <a:tc>
-                  <a:txBody>
-                    <a:bodyPr/>
-                    <a:lstStyle/>
-                    <a:p>
-                      <a:pPr marL="0" marR="0" lvl="0" indent="0" algn="l" defTabSz="457200" rtl="0" eaLnBrk="1" fontAlgn="auto" latinLnBrk="0" hangingPunct="1">
-                        <a:lnSpc>
-                          <a:spcPct val="100000"/>
-                        </a:lnSpc>
-                        <a:spcBef>
-                          <a:spcPts val="0"/>
-                        </a:spcBef>
-                        <a:spcAft>
-                          <a:spcPts val="0"/>
-                        </a:spcAft>
-                        <a:buClrTx/>
-                        <a:buSzTx/>
-                        <a:buFontTx/>
-                        <a:buNone/>
-                        <a:defRPr/>
-                      </a:pPr>
-                      <a:r>
-                        <a:rPr lang="en-US" dirty="0"/>
-                        <a:t>101</a:t>
-                      </a:r>
-                    </a:p>
-                  </a:txBody>
-                  <a:tcPr/>
-                </a:tc>
-                <a:tc>
-                  <a:txBody>
-                    <a:bodyPr/>
-                    <a:lstStyle/>
-                    <a:p>
-                      <a:pPr marL="0" marR="0" lvl="0" indent="0" algn="l" defTabSz="457200" rtl="0" eaLnBrk="1" fontAlgn="auto" latinLnBrk="0" hangingPunct="1">
-                        <a:lnSpc>
-                          <a:spcPct val="100000"/>
-                        </a:lnSpc>
-                        <a:spcBef>
-                          <a:spcPts val="0"/>
-                        </a:spcBef>
-                        <a:spcAft>
-                          <a:spcPts val="0"/>
-                        </a:spcAft>
-                        <a:buClrTx/>
-                        <a:buSzTx/>
-                        <a:buFontTx/>
-                        <a:buNone/>
-                        <a:defRPr/>
-                      </a:pPr>
-                      <a:r>
-                        <a:rPr lang="en-US" dirty="0"/>
-                        <a:t>Pass</a:t>
-                      </a:r>
-                    </a:p>
-                  </a:txBody>
-                  <a:tcPr/>
-                </a:tc>
-                <a:extLst>
-                  <a:ext uri="{0D108BD9-81ED-4DB2-BD59-A6C34878D82A}">
-                    <a16:rowId xmlns:a16="http://schemas.microsoft.com/office/drawing/2014/main" val="10001"/>
-                  </a:ext>
-                </a:extLst>
-              </a:tr>
-              <a:tr h="309601">
-                <a:tc>
-                  <a:txBody>
-                    <a:bodyPr/>
-                    <a:lstStyle/>
-                    <a:p>
-                      <a:pPr marL="0" marR="0" lvl="0" indent="0" algn="l" defTabSz="457200" rtl="0" eaLnBrk="1" fontAlgn="auto" latinLnBrk="0" hangingPunct="1">
-                        <a:lnSpc>
-                          <a:spcPct val="100000"/>
-                        </a:lnSpc>
-                        <a:spcBef>
-                          <a:spcPts val="0"/>
-                        </a:spcBef>
-                        <a:spcAft>
-                          <a:spcPts val="0"/>
-                        </a:spcAft>
-                        <a:buClrTx/>
-                        <a:buSzTx/>
-                        <a:buFontTx/>
-                        <a:buNone/>
-                        <a:defRPr/>
-                      </a:pPr>
-                      <a:r>
-                        <a:rPr lang="en-US" dirty="0"/>
-                        <a:t>Ram</a:t>
-                      </a:r>
-                    </a:p>
-                  </a:txBody>
-                  <a:tcPr/>
-                </a:tc>
-                <a:tc>
-                  <a:txBody>
-                    <a:bodyPr/>
-                    <a:lstStyle/>
-                    <a:p>
-                      <a:pPr marL="0" marR="0" lvl="0" indent="0" algn="l" defTabSz="457200" rtl="0" eaLnBrk="1" fontAlgn="auto" latinLnBrk="0" hangingPunct="1">
-                        <a:lnSpc>
-                          <a:spcPct val="100000"/>
-                        </a:lnSpc>
-                        <a:spcBef>
-                          <a:spcPts val="0"/>
-                        </a:spcBef>
-                        <a:spcAft>
-                          <a:spcPts val="0"/>
-                        </a:spcAft>
-                        <a:buClrTx/>
-                        <a:buSzTx/>
-                        <a:buFontTx/>
-                        <a:buNone/>
-                        <a:defRPr/>
-                      </a:pPr>
-                      <a:r>
-                        <a:rPr lang="en-US" dirty="0"/>
-                        <a:t>102</a:t>
-                      </a:r>
-                    </a:p>
-                  </a:txBody>
-                  <a:tcPr/>
-                </a:tc>
-                <a:tc>
-                  <a:txBody>
-                    <a:bodyPr/>
-                    <a:lstStyle/>
-                    <a:p>
-                      <a:pPr marL="0" marR="0" lvl="0" indent="0" algn="l" defTabSz="457200" rtl="0" eaLnBrk="1" fontAlgn="auto" latinLnBrk="0" hangingPunct="1">
-                        <a:lnSpc>
-                          <a:spcPct val="100000"/>
-                        </a:lnSpc>
-                        <a:spcBef>
-                          <a:spcPts val="0"/>
-                        </a:spcBef>
-                        <a:spcAft>
-                          <a:spcPts val="0"/>
-                        </a:spcAft>
-                        <a:buClrTx/>
-                        <a:buSzTx/>
-                        <a:buFontTx/>
-                        <a:buNone/>
-                        <a:defRPr/>
-                      </a:pPr>
-                      <a:r>
-                        <a:rPr lang="en-US" dirty="0"/>
-                        <a:t>Pass</a:t>
-                      </a:r>
-                    </a:p>
-                  </a:txBody>
-                  <a:tcPr/>
-                </a:tc>
-                <a:extLst>
-                  <a:ext uri="{0D108BD9-81ED-4DB2-BD59-A6C34878D82A}">
-                    <a16:rowId xmlns:a16="http://schemas.microsoft.com/office/drawing/2014/main" val="10002"/>
-                  </a:ext>
-                </a:extLst>
-              </a:tr>
-              <a:tr h="370840">
-                <a:tc>
-                  <a:txBody>
-                    <a:bodyPr/>
-                    <a:lstStyle/>
-                    <a:p>
-                      <a:pPr marL="0" marR="0" lvl="0" indent="0" algn="l" defTabSz="457200" rtl="0" eaLnBrk="1" fontAlgn="auto" latinLnBrk="0" hangingPunct="1">
-                        <a:lnSpc>
-                          <a:spcPct val="100000"/>
-                        </a:lnSpc>
-                        <a:spcBef>
-                          <a:spcPts val="0"/>
-                        </a:spcBef>
-                        <a:spcAft>
-                          <a:spcPts val="0"/>
-                        </a:spcAft>
-                        <a:buClrTx/>
-                        <a:buSzTx/>
-                        <a:buFontTx/>
-                        <a:buNone/>
-                        <a:defRPr/>
-                      </a:pPr>
-                      <a:r>
-                        <a:rPr lang="en-US" dirty="0"/>
-                        <a:t>Hari</a:t>
-                      </a:r>
-                    </a:p>
-                  </a:txBody>
-                  <a:tcPr/>
-                </a:tc>
-                <a:tc>
-                  <a:txBody>
-                    <a:bodyPr/>
-                    <a:lstStyle/>
-                    <a:p>
-                      <a:pPr marL="0" marR="0" lvl="0" indent="0" algn="l" defTabSz="457200" rtl="0" eaLnBrk="1" fontAlgn="auto" latinLnBrk="0" hangingPunct="1">
-                        <a:lnSpc>
-                          <a:spcPct val="100000"/>
-                        </a:lnSpc>
-                        <a:spcBef>
-                          <a:spcPts val="0"/>
-                        </a:spcBef>
-                        <a:spcAft>
-                          <a:spcPts val="0"/>
-                        </a:spcAft>
-                        <a:buClrTx/>
-                        <a:buSzTx/>
-                        <a:buFontTx/>
-                        <a:buNone/>
-                        <a:defRPr/>
-                      </a:pPr>
-                      <a:r>
-                        <a:rPr lang="en-US" dirty="0"/>
-                        <a:t>103</a:t>
-                      </a:r>
-                    </a:p>
-                  </a:txBody>
-                  <a:tcPr/>
-                </a:tc>
-                <a:tc>
-                  <a:txBody>
-                    <a:bodyPr/>
-                    <a:lstStyle/>
-                    <a:p>
-                      <a:pPr marL="0" marR="0" lvl="0" indent="0" algn="l" defTabSz="457200" rtl="0" eaLnBrk="1" fontAlgn="auto" latinLnBrk="0" hangingPunct="1">
-                        <a:lnSpc>
-                          <a:spcPct val="100000"/>
-                        </a:lnSpc>
-                        <a:spcBef>
-                          <a:spcPts val="0"/>
-                        </a:spcBef>
-                        <a:spcAft>
-                          <a:spcPts val="0"/>
-                        </a:spcAft>
-                        <a:buClrTx/>
-                        <a:buSzTx/>
-                        <a:buFontTx/>
-                        <a:buNone/>
-                        <a:defRPr/>
-                      </a:pPr>
-                      <a:r>
-                        <a:rPr lang="en-US" dirty="0"/>
-                        <a:t>Pass</a:t>
-                      </a:r>
-                    </a:p>
-                  </a:txBody>
-                  <a:tcPr/>
-                </a:tc>
-                <a:extLst>
-                  <a:ext uri="{0D108BD9-81ED-4DB2-BD59-A6C34878D82A}">
-                    <a16:rowId xmlns:a16="http://schemas.microsoft.com/office/drawing/2014/main" val="10003"/>
-                  </a:ext>
-                </a:extLst>
-              </a:tr>
-            </a:tbl>
-          </a:graphicData>
-        </a:graphic>
-      </p:graphicFrame>
-    </p:spTree>
-  </p:cSld>
-  <p:clrMapOvr>
-    <a:masterClrMapping/>
-  </p:clrMapOvr>
-</p:sld>
-</file>
-
-<file path=ppt/slides/slide31.xml><?xml version="1.0" encoding="utf-8"?>
-<p:sld xmlns:a="http://schemas.openxmlformats.org/drawingml/2006/main" xmlns:r="http://schemas.openxmlformats.org/officeDocument/2006/relationships" xmlns:p="http://schemas.openxmlformats.org/presentationml/2006/main">
-  <p:cSld>
-    <p:spTree>
-      <p:nvGrpSpPr>
-        <p:cNvPr id="1" name=""/>
-        <p:cNvGrpSpPr/>
-        <p:nvPr/>
-      </p:nvGrpSpPr>
-      <p:grpSpPr>
-        <a:xfrm>
-          <a:off x="0" y="0"/>
-          <a:ext cx="0" cy="0"/>
-          <a:chOff x="0" y="0"/>
-          <a:chExt cx="0" cy="0"/>
-        </a:xfrm>
-      </p:grpSpPr>
-      <p:sp>
-        <p:nvSpPr>
           <p:cNvPr id="5" name="Rectangle 4"/>
           <p:cNvSpPr/>
           <p:nvPr/>
@@ -10373,6 +10173,7 @@
               <a:rPr lang="en-US" dirty="0"/>
               <a:t>﻿&lt;table border=“1”&gt;</a:t>
             </a:r>
+            <a:endParaRPr lang="en-US" dirty="0"/>
           </a:p>
           <a:p>
             <a:endParaRPr lang="en-US" dirty="0"/>
@@ -10387,6 +10188,7 @@
               <a:rPr lang="en-US" dirty="0"/>
               <a:t>&lt;tr&gt;																	&lt;/tr&gt;</a:t>
             </a:r>
+            <a:endParaRPr lang="en-US" dirty="0"/>
           </a:p>
           <a:p>
             <a:pPr>
@@ -10398,6 +10200,7 @@
               <a:rPr lang="en-US" dirty="0"/>
               <a:t>&lt;tr&gt;																	&lt;/tr&gt;</a:t>
             </a:r>
+            <a:endParaRPr lang="en-US" dirty="0"/>
           </a:p>
           <a:p>
             <a:pPr>
@@ -10409,6 +10212,7 @@
               <a:rPr lang="en-US" dirty="0"/>
               <a:t>&lt;tr&gt;																	&lt;/tr&gt;</a:t>
             </a:r>
+            <a:endParaRPr lang="en-US" dirty="0"/>
           </a:p>
           <a:p>
             <a:pPr>
@@ -10420,6 +10224,7 @@
               <a:rPr lang="en-US" dirty="0"/>
               <a:t>&lt;tr&gt;																	&lt;/tr&gt;</a:t>
             </a:r>
+            <a:endParaRPr lang="en-US" dirty="0"/>
           </a:p>
           <a:p>
             <a:endParaRPr lang="en-US" dirty="0"/>
@@ -10429,6 +10234,7 @@
               <a:rPr lang="en-US" dirty="0"/>
               <a:t>&lt;/table&gt;</a:t>
             </a:r>
+            <a:endParaRPr lang="en-US" dirty="0"/>
           </a:p>
         </p:txBody>
       </p:sp>
@@ -10486,27 +10292,9 @@
                 <a:tableStyleId>{5940675A-B579-460E-94D1-54222C63F5DA}</a:tableStyleId>
               </a:tblPr>
               <a:tblGrid>
-                <a:gridCol w="2333812">
-                  <a:extLst>
-                    <a:ext uri="{9D8B030D-6E8A-4147-A177-3AD203B41FA5}">
-                      <a16:colId xmlns:a16="http://schemas.microsoft.com/office/drawing/2014/main" val="20000"/>
-                    </a:ext>
-                  </a:extLst>
-                </a:gridCol>
-                <a:gridCol w="2333812">
-                  <a:extLst>
-                    <a:ext uri="{9D8B030D-6E8A-4147-A177-3AD203B41FA5}">
-                      <a16:colId xmlns:a16="http://schemas.microsoft.com/office/drawing/2014/main" val="20001"/>
-                    </a:ext>
-                  </a:extLst>
-                </a:gridCol>
-                <a:gridCol w="2333812">
-                  <a:extLst>
-                    <a:ext uri="{9D8B030D-6E8A-4147-A177-3AD203B41FA5}">
-                      <a16:colId xmlns:a16="http://schemas.microsoft.com/office/drawing/2014/main" val="20002"/>
-                    </a:ext>
-                  </a:extLst>
-                </a:gridCol>
+                <a:gridCol w="2333812"/>
+                <a:gridCol w="2333812"/>
+                <a:gridCol w="2333812"/>
               </a:tblGrid>
               <a:tr h="370840">
                 <a:tc>
@@ -10534,6 +10322,7 @@
                         <a:rPr lang="en-US" sz="2000" b="1" dirty="0"/>
                         <a:t>&gt; </a:t>
                       </a:r>
+                      <a:endParaRPr lang="en-US" sz="2000" b="1" dirty="0"/>
                     </a:p>
                   </a:txBody>
                   <a:tcPr/>
@@ -10563,6 +10352,7 @@
                         <a:rPr lang="en-US" sz="2000" b="1" dirty="0"/>
                         <a:t>&gt; </a:t>
                       </a:r>
+                      <a:endParaRPr lang="en-US" sz="2000" b="1" dirty="0"/>
                     </a:p>
                   </a:txBody>
                   <a:tcPr/>
@@ -10608,15 +10398,11 @@
                         <a:rPr lang="en-US" sz="2000" b="1" dirty="0"/>
                         <a:t>&gt;</a:t>
                       </a:r>
+                      <a:endParaRPr lang="en-US" sz="2000" b="1" dirty="0"/>
                     </a:p>
                   </a:txBody>
                   <a:tcPr/>
                 </a:tc>
-                <a:extLst>
-                  <a:ext uri="{0D108BD9-81ED-4DB2-BD59-A6C34878D82A}">
-                    <a16:rowId xmlns:a16="http://schemas.microsoft.com/office/drawing/2014/main" val="10000"/>
-                  </a:ext>
-                </a:extLst>
               </a:tr>
               <a:tr h="370840">
                 <a:tc gridSpan="2">
@@ -10636,18 +10422,12 @@
                         <a:rPr lang="en-US" dirty="0"/>
                         <a:t>=“2”&gt;Ravi&lt;/td&gt;</a:t>
                       </a:r>
+                      <a:endParaRPr lang="en-US" dirty="0"/>
                     </a:p>
                   </a:txBody>
                   <a:tcPr/>
                 </a:tc>
                 <a:tc hMerge="1">
-                  <a:txBody>
-                    <a:bodyPr/>
-                    <a:lstStyle/>
-                    <a:p>
-                      <a:endParaRPr lang="en-US"/>
-                    </a:p>
-                  </a:txBody>
                   <a:tcPr/>
                 </a:tc>
                 <a:tc rowSpan="3">
@@ -10683,6 +10463,7 @@
                         <a:rPr lang="en-US" dirty="0"/>
                         <a:t>=“3”&gt;</a:t>
                       </a:r>
+                      <a:endParaRPr lang="en-US" dirty="0"/>
                     </a:p>
                     <a:p>
                       <a:pPr marL="0" marR="0" lvl="0" indent="0" algn="l" defTabSz="457200" rtl="0" eaLnBrk="1" fontAlgn="auto" latinLnBrk="0" hangingPunct="1">
@@ -10705,15 +10486,11 @@
                         <a:rPr lang="en-US" dirty="0"/>
                         <a:t>Pass&lt;/td&gt;</a:t>
                       </a:r>
+                      <a:endParaRPr lang="en-US" dirty="0"/>
                     </a:p>
                   </a:txBody>
                   <a:tcPr/>
                 </a:tc>
-                <a:extLst>
-                  <a:ext uri="{0D108BD9-81ED-4DB2-BD59-A6C34878D82A}">
-                    <a16:rowId xmlns:a16="http://schemas.microsoft.com/office/drawing/2014/main" val="10001"/>
-                  </a:ext>
-                </a:extLst>
               </a:tr>
               <a:tr h="370840">
                 <a:tc>
@@ -10741,6 +10518,7 @@
                         <a:rPr lang="en-US" dirty="0"/>
                         <a:t>&lt;td&gt;Ram&lt;/td&gt;</a:t>
                       </a:r>
+                      <a:endParaRPr lang="en-US" dirty="0"/>
                     </a:p>
                   </a:txBody>
                   <a:tcPr/>
@@ -10770,25 +10548,14 @@
                         <a:rPr lang="en-US" dirty="0"/>
                         <a:t>&lt;td&gt;102&lt;/td&gt;</a:t>
                       </a:r>
+                      <a:endParaRPr lang="en-US" dirty="0"/>
                     </a:p>
                   </a:txBody>
                   <a:tcPr/>
                 </a:tc>
                 <a:tc vMerge="1">
-                  <a:txBody>
-                    <a:bodyPr/>
-                    <a:lstStyle/>
-                    <a:p>
-                      <a:endParaRPr lang="en-US"/>
-                    </a:p>
-                  </a:txBody>
                   <a:tcPr/>
                 </a:tc>
-                <a:extLst>
-                  <a:ext uri="{0D108BD9-81ED-4DB2-BD59-A6C34878D82A}">
-                    <a16:rowId xmlns:a16="http://schemas.microsoft.com/office/drawing/2014/main" val="10002"/>
-                  </a:ext>
-                </a:extLst>
               </a:tr>
               <a:tr h="370840">
                 <a:tc>
@@ -10816,6 +10583,7 @@
                         <a:rPr lang="en-US" dirty="0"/>
                         <a:t>&lt;td&gt;Hari&lt;/td&gt;</a:t>
                       </a:r>
+                      <a:endParaRPr lang="en-US" dirty="0"/>
                     </a:p>
                   </a:txBody>
                   <a:tcPr/>
@@ -10845,30 +10613,164 @@
                         <a:rPr lang="en-US" dirty="0"/>
                         <a:t>&lt;td&gt;103&lt;/td&gt;</a:t>
                       </a:r>
+                      <a:endParaRPr lang="en-US" dirty="0"/>
                     </a:p>
                   </a:txBody>
                   <a:tcPr/>
                 </a:tc>
                 <a:tc vMerge="1">
-                  <a:txBody>
-                    <a:bodyPr/>
-                    <a:lstStyle/>
-                    <a:p>
-                      <a:endParaRPr lang="en-US"/>
-                    </a:p>
-                  </a:txBody>
                   <a:tcPr/>
                 </a:tc>
-                <a:extLst>
-                  <a:ext uri="{0D108BD9-81ED-4DB2-BD59-A6C34878D82A}">
-                    <a16:rowId xmlns:a16="http://schemas.microsoft.com/office/drawing/2014/main" val="10003"/>
-                  </a:ext>
-                </a:extLst>
               </a:tr>
             </a:tbl>
           </a:graphicData>
         </a:graphic>
       </p:graphicFrame>
+    </p:spTree>
+  </p:cSld>
+  <p:clrMapOvr>
+    <a:masterClrMapping/>
+  </p:clrMapOvr>
+</p:sld>
+</file>
+
+<file path=ppt/slides/slide31.xml><?xml version="1.0" encoding="utf-8"?>
+<p:sld xmlns:a="http://schemas.openxmlformats.org/drawingml/2006/main" xmlns:r="http://schemas.openxmlformats.org/officeDocument/2006/relationships" xmlns:p="http://schemas.openxmlformats.org/presentationml/2006/main">
+  <p:cSld>
+    <p:spTree>
+      <p:nvGrpSpPr>
+        <p:cNvPr id="1" name=""/>
+        <p:cNvGrpSpPr/>
+        <p:nvPr/>
+      </p:nvGrpSpPr>
+      <p:grpSpPr>
+        <a:xfrm>
+          <a:off x="0" y="0"/>
+          <a:ext cx="0" cy="0"/>
+          <a:chOff x="0" y="0"/>
+          <a:chExt cx="0" cy="0"/>
+        </a:xfrm>
+      </p:grpSpPr>
+      <p:sp>
+        <p:nvSpPr>
+          <p:cNvPr id="2" name="Title 1"/>
+          <p:cNvSpPr>
+            <a:spLocks noGrp="1"/>
+          </p:cNvSpPr>
+          <p:nvPr>
+            <p:ph type="title"/>
+          </p:nvPr>
+        </p:nvSpPr>
+        <p:spPr/>
+        <p:txBody>
+          <a:bodyPr>
+            <a:normAutofit/>
+          </a:bodyPr>
+          <a:lstStyle/>
+          <a:p>
+            <a:r>
+              <a:rPr lang="en-US" dirty="0"/>
+              <a:t>Attributes</a:t>
+            </a:r>
+            <a:endParaRPr lang="en-US" dirty="0"/>
+          </a:p>
+        </p:txBody>
+      </p:sp>
+      <p:sp>
+        <p:nvSpPr>
+          <p:cNvPr id="5" name="Content Placeholder 4"/>
+          <p:cNvSpPr>
+            <a:spLocks noGrp="1"/>
+          </p:cNvSpPr>
+          <p:nvPr>
+            <p:ph idx="1"/>
+          </p:nvPr>
+        </p:nvSpPr>
+        <p:spPr/>
+        <p:txBody>
+          <a:bodyPr>
+            <a:normAutofit lnSpcReduction="10000"/>
+          </a:bodyPr>
+          <a:lstStyle/>
+          <a:p>
+            <a:r>
+              <a:rPr lang="en-US" dirty="0"/>
+              <a:t>For background color and color</a:t>
+            </a:r>
+            <a:endParaRPr lang="en-US" dirty="0"/>
+          </a:p>
+          <a:p>
+            <a:pPr marL="0" indent="0">
+              <a:buNone/>
+            </a:pPr>
+            <a:r>
+              <a:rPr lang="en-US" dirty="0"/>
+              <a:t>&lt;p </a:t>
+            </a:r>
+            <a:r>
+              <a:rPr lang="en-US" dirty="0" err="1"/>
+              <a:t>bgcolor</a:t>
+            </a:r>
+            <a:r>
+              <a:rPr lang="en-US" dirty="0"/>
+              <a:t>=“red” </a:t>
+            </a:r>
+            <a:r>
+              <a:rPr lang="en-US" dirty="0" err="1"/>
+              <a:t>bgcolor</a:t>
+            </a:r>
+            <a:r>
+              <a:rPr lang="en-US" dirty="0"/>
+              <a:t>=“white”&gt; &gt;something&lt;/p&gt;</a:t>
+            </a:r>
+            <a:endParaRPr lang="en-US" dirty="0"/>
+          </a:p>
+          <a:p>
+            <a:r>
+              <a:rPr lang="en-US" dirty="0"/>
+              <a:t>For width</a:t>
+            </a:r>
+            <a:endParaRPr lang="en-US" dirty="0"/>
+          </a:p>
+          <a:p>
+            <a:pPr marL="0" indent="0">
+              <a:buNone/>
+            </a:pPr>
+            <a:r>
+              <a:rPr lang="en-US" dirty="0"/>
+              <a:t>&lt;p width=“20”&gt;something&lt;/p&gt;</a:t>
+            </a:r>
+            <a:endParaRPr lang="en-US" dirty="0"/>
+          </a:p>
+          <a:p>
+            <a:pPr marL="0" indent="0">
+              <a:buNone/>
+            </a:pPr>
+            <a:r>
+              <a:rPr lang="en-US" dirty="0"/>
+              <a:t>&lt; p width=“50%”&gt;something&lt;/ p &gt;</a:t>
+            </a:r>
+            <a:endParaRPr lang="en-US" dirty="0"/>
+          </a:p>
+          <a:p>
+            <a:r>
+              <a:rPr lang="en-US" dirty="0"/>
+              <a:t>For Align</a:t>
+            </a:r>
+            <a:endParaRPr lang="en-US" dirty="0"/>
+          </a:p>
+          <a:p>
+            <a:pPr marL="0" indent="0">
+              <a:buNone/>
+            </a:pPr>
+            <a:r>
+              <a:rPr lang="en-US" dirty="0"/>
+              <a:t>&lt;p align=“center”&gt;something&lt;/p&gt;</a:t>
+            </a:r>
+            <a:endParaRPr lang="en-US" dirty="0"/>
+          </a:p>
+        </p:txBody>
+      </p:sp>
     </p:spTree>
   </p:cSld>
   <p:clrMapOvr>
@@ -10913,8 +10815,9 @@
           <a:p>
             <a:r>
               <a:rPr lang="en-US" dirty="0"/>
-              <a:t>Attributes</a:t>
-            </a:r>
+              <a:t>Anchor</a:t>
+            </a:r>
+            <a:endParaRPr lang="en-US" dirty="0"/>
           </a:p>
         </p:txBody>
       </p:sp>
@@ -10931,14 +10834,23 @@
         <p:spPr/>
         <p:txBody>
           <a:bodyPr>
-            <a:normAutofit lnSpcReduction="10000"/>
+            <a:normAutofit fontScale="85000" lnSpcReduction="10000"/>
           </a:bodyPr>
           <a:lstStyle/>
           <a:p>
             <a:r>
               <a:rPr lang="en-US" dirty="0"/>
-              <a:t>For background color and color</a:t>
-            </a:r>
+              <a:t>The &lt;a&gt; tag creates a hyperlink and the </a:t>
+            </a:r>
+            <a:r>
+              <a:rPr lang="en-US" dirty="0" err="1"/>
+              <a:t>href</a:t>
+            </a:r>
+            <a:r>
+              <a:rPr lang="en-US" dirty="0"/>
+              <a:t> attribute specifies the link destination. Replace "link_to_your_page.html" with the actual URL you want the image to link to when clicked.</a:t>
+            </a:r>
+            <a:endParaRPr lang="en-US" dirty="0"/>
           </a:p>
           <a:p>
             <a:pPr marL="0" indent="0">
@@ -10946,30 +10858,55 @@
             </a:pPr>
             <a:r>
               <a:rPr lang="en-US" dirty="0"/>
-              <a:t>&lt;p </a:t>
+              <a:t>&lt;a </a:t>
             </a:r>
             <a:r>
               <a:rPr lang="en-US" dirty="0" err="1"/>
-              <a:t>bgcolor</a:t>
-            </a:r>
-            <a:r>
-              <a:rPr lang="en-US" dirty="0"/>
-              <a:t>=“red” </a:t>
+              <a:t>href</a:t>
+            </a:r>
+            <a:r>
+              <a:rPr lang="en-US" dirty="0"/>
+              <a:t>="https://example.com"&gt;</a:t>
+            </a:r>
+            <a:endParaRPr lang="en-US" dirty="0"/>
+          </a:p>
+          <a:p>
+            <a:pPr marL="0" indent="0">
+              <a:buNone/>
+            </a:pPr>
+            <a:r>
+              <a:rPr lang="en-US" dirty="0"/>
+              <a:t>home</a:t>
+            </a:r>
+            <a:endParaRPr lang="en-US" dirty="0"/>
+          </a:p>
+          <a:p>
+            <a:pPr marL="0" indent="0">
+              <a:buNone/>
+            </a:pPr>
+            <a:r>
+              <a:rPr lang="en-US" dirty="0"/>
+              <a:t>&lt;/a&gt;</a:t>
+            </a:r>
+            <a:endParaRPr lang="en-US" dirty="0"/>
+          </a:p>
+          <a:p>
+            <a:pPr marL="0" indent="0">
+              <a:buNone/>
+            </a:pPr>
+            <a:r>
+              <a:rPr lang="en-US" dirty="0"/>
+              <a:t>&lt;a </a:t>
             </a:r>
             <a:r>
               <a:rPr lang="en-US" dirty="0" err="1"/>
-              <a:t>bgcolor</a:t>
-            </a:r>
-            <a:r>
-              <a:rPr lang="en-US" dirty="0"/>
-              <a:t>=“white”&gt; &gt;something&lt;/p&gt;</a:t>
-            </a:r>
-          </a:p>
-          <a:p>
-            <a:r>
-              <a:rPr lang="en-US" dirty="0"/>
-              <a:t>For width</a:t>
-            </a:r>
+              <a:t>href</a:t>
+            </a:r>
+            <a:r>
+              <a:rPr lang="en-US" dirty="0"/>
+              <a:t>="https://example.com/about"&gt;</a:t>
+            </a:r>
+            <a:endParaRPr lang="en-US" dirty="0"/>
           </a:p>
           <a:p>
             <a:pPr marL="0" indent="0">
@@ -10977,8 +10914,9 @@
             </a:pPr>
             <a:r>
               <a:rPr lang="en-US" dirty="0"/>
-              <a:t>&lt;p width=“20”&gt;something&lt;/p&gt;</a:t>
-            </a:r>
+              <a:t>home</a:t>
+            </a:r>
+            <a:endParaRPr lang="en-US" dirty="0"/>
           </a:p>
           <a:p>
             <a:pPr marL="0" indent="0">
@@ -10986,23 +10924,15 @@
             </a:pPr>
             <a:r>
               <a:rPr lang="en-US" dirty="0"/>
-              <a:t>&lt; p width=“50%”&gt;something&lt;/ p &gt;</a:t>
-            </a:r>
-          </a:p>
-          <a:p>
-            <a:r>
-              <a:rPr lang="en-US" dirty="0"/>
-              <a:t>For Align</a:t>
-            </a:r>
+              <a:t>&lt;/a&gt;</a:t>
+            </a:r>
+            <a:endParaRPr lang="en-US" dirty="0"/>
           </a:p>
           <a:p>
             <a:pPr marL="0" indent="0">
               <a:buNone/>
             </a:pPr>
-            <a:r>
-              <a:rPr lang="en-US" dirty="0"/>
-              <a:t>&lt;p align=“center”&gt;something&lt;/p&gt;</a:t>
-            </a:r>
+            <a:endParaRPr lang="en-US" dirty="0"/>
           </a:p>
         </p:txBody>
       </p:sp>
@@ -11050,8 +10980,9 @@
           <a:p>
             <a:r>
               <a:rPr lang="en-US" dirty="0"/>
-              <a:t>Anchor</a:t>
-            </a:r>
+              <a:t>Image</a:t>
+            </a:r>
+            <a:endParaRPr lang="en-US" dirty="0"/>
           </a:p>
         </p:txBody>
       </p:sp>
@@ -11068,22 +10999,45 @@
         <p:spPr/>
         <p:txBody>
           <a:bodyPr>
-            <a:normAutofit fontScale="85000" lnSpcReduction="10000"/>
+            <a:normAutofit/>
           </a:bodyPr>
           <a:lstStyle/>
           <a:p>
             <a:r>
               <a:rPr lang="en-US" dirty="0"/>
-              <a:t>The &lt;a&gt; tag creates a hyperlink and the </a:t>
+              <a:t>The &lt;</a:t>
             </a:r>
             <a:r>
               <a:rPr lang="en-US" dirty="0" err="1"/>
-              <a:t>href</a:t>
-            </a:r>
-            <a:r>
-              <a:rPr lang="en-US" dirty="0"/>
-              <a:t> attribute specifies the link destination. Replace "link_to_your_page.html" with the actual URL you want the image to link to when clicked.</a:t>
-            </a:r>
+              <a:t>img</a:t>
+            </a:r>
+            <a:r>
+              <a:rPr lang="en-US" dirty="0"/>
+              <a:t>&gt; tag is used to display the image.</a:t>
+            </a:r>
+            <a:endParaRPr lang="en-US" dirty="0"/>
+          </a:p>
+          <a:p>
+            <a:r>
+              <a:rPr lang="en-US" dirty="0"/>
+              <a:t>The </a:t>
+            </a:r>
+            <a:r>
+              <a:rPr lang="en-US" dirty="0" err="1"/>
+              <a:t>src</a:t>
+            </a:r>
+            <a:r>
+              <a:rPr lang="en-US" dirty="0"/>
+              <a:t> attribute specifies the path to the image file. Replace "path_to_your_image.jpg" with the actual path to your image.</a:t>
+            </a:r>
+            <a:endParaRPr lang="en-US" dirty="0"/>
+          </a:p>
+          <a:p>
+            <a:r>
+              <a:rPr lang="en-US" dirty="0"/>
+              <a:t>The alt attribute provides alternative text for the image. This text is displayed if the image fails to load or for accessibility purposes. Replace "Image description" with a brief description of the image.</a:t>
+            </a:r>
+            <a:endParaRPr lang="en-US" dirty="0"/>
           </a:p>
           <a:p>
             <a:pPr marL="0" indent="0">
@@ -11091,74 +11045,24 @@
             </a:pPr>
             <a:r>
               <a:rPr lang="en-US" dirty="0"/>
-              <a:t>&lt;a </a:t>
+              <a:t>&lt;</a:t>
             </a:r>
             <a:r>
               <a:rPr lang="en-US" dirty="0" err="1"/>
-              <a:t>href</a:t>
-            </a:r>
-            <a:r>
-              <a:rPr lang="en-US" dirty="0"/>
-              <a:t>="https://example.com"&gt;</a:t>
-            </a:r>
-          </a:p>
-          <a:p>
-            <a:pPr marL="0" indent="0">
-              <a:buNone/>
-            </a:pPr>
-            <a:r>
-              <a:rPr lang="en-US" dirty="0"/>
-              <a:t>home</a:t>
-            </a:r>
-          </a:p>
-          <a:p>
-            <a:pPr marL="0" indent="0">
-              <a:buNone/>
-            </a:pPr>
-            <a:r>
-              <a:rPr lang="en-US" dirty="0"/>
-              <a:t>&lt;/a&gt;</a:t>
-            </a:r>
-          </a:p>
-          <a:p>
-            <a:pPr marL="0" indent="0">
-              <a:buNone/>
-            </a:pPr>
-            <a:r>
-              <a:rPr lang="en-US" dirty="0"/>
-              <a:t>&lt;a </a:t>
+              <a:t>img</a:t>
+            </a:r>
+            <a:r>
+              <a:rPr lang="en-US" dirty="0"/>
+              <a:t> </a:t>
             </a:r>
             <a:r>
               <a:rPr lang="en-US" dirty="0" err="1"/>
-              <a:t>href</a:t>
-            </a:r>
-            <a:r>
-              <a:rPr lang="en-US" dirty="0"/>
-              <a:t>="https://example.com/about"&gt;</a:t>
-            </a:r>
-          </a:p>
-          <a:p>
-            <a:pPr marL="0" indent="0">
-              <a:buNone/>
-            </a:pPr>
-            <a:r>
-              <a:rPr lang="en-US" dirty="0"/>
-              <a:t>home</a:t>
-            </a:r>
-          </a:p>
-          <a:p>
-            <a:pPr marL="0" indent="0">
-              <a:buNone/>
-            </a:pPr>
-            <a:r>
-              <a:rPr lang="en-US" dirty="0"/>
-              <a:t>&lt;/a&gt;</a:t>
-            </a:r>
-          </a:p>
-          <a:p>
-            <a:pPr marL="0" indent="0">
-              <a:buNone/>
-            </a:pPr>
+              <a:t>src</a:t>
+            </a:r>
+            <a:r>
+              <a:rPr lang="en-US" dirty="0"/>
+              <a:t>="images/example.jpg" alt="Example image"&gt;</a:t>
+            </a:r>
             <a:endParaRPr lang="en-US" dirty="0"/>
           </a:p>
         </p:txBody>
@@ -11207,8 +11111,9 @@
           <a:p>
             <a:r>
               <a:rPr lang="en-US" dirty="0"/>
-              <a:t>Image</a:t>
-            </a:r>
+              <a:t>Audio</a:t>
+            </a:r>
+            <a:endParaRPr lang="en-US" dirty="0"/>
           </a:p>
         </p:txBody>
       </p:sp>
@@ -11225,22 +11130,15 @@
         <p:spPr/>
         <p:txBody>
           <a:bodyPr>
-            <a:normAutofit/>
+            <a:normAutofit fontScale="92500" lnSpcReduction="20000"/>
           </a:bodyPr>
           <a:lstStyle/>
           <a:p>
             <a:r>
               <a:rPr lang="en-US" dirty="0"/>
-              <a:t>The &lt;</a:t>
-            </a:r>
-            <a:r>
-              <a:rPr lang="en-US" dirty="0" err="1"/>
-              <a:t>img</a:t>
-            </a:r>
-            <a:r>
-              <a:rPr lang="en-US" dirty="0"/>
-              <a:t>&gt; tag is used to display the image.</a:t>
-            </a:r>
+              <a:t>The &lt;audio&gt; tag is used to embed audio content.</a:t>
+            </a:r>
+            <a:endParaRPr lang="en-US" dirty="0"/>
           </a:p>
           <a:p>
             <a:r>
@@ -11253,14 +11151,23 @@
             </a:r>
             <a:r>
               <a:rPr lang="en-US" dirty="0"/>
-              <a:t> attribute specifies the path to the image file. Replace "path_to_your_image.jpg" with the actual path to your image.</a:t>
-            </a:r>
-          </a:p>
-          <a:p>
-            <a:r>
-              <a:rPr lang="en-US" dirty="0"/>
-              <a:t>The alt attribute provides alternative text for the image. This text is displayed if the image fails to load or for accessibility purposes. Replace "Image description" with a brief description of the image.</a:t>
-            </a:r>
+              <a:t> attribute specifies the path to the audio file. Replace "path_to_audio.mp3" with the actual path to your audio file.</a:t>
+            </a:r>
+            <a:endParaRPr lang="en-US" dirty="0"/>
+          </a:p>
+          <a:p>
+            <a:r>
+              <a:rPr lang="en-US" dirty="0"/>
+              <a:t>The controls attribute adds playback controls (such as play, pause, volume control) to the audio player.</a:t>
+            </a:r>
+            <a:endParaRPr lang="en-US" dirty="0"/>
+          </a:p>
+          <a:p>
+            <a:r>
+              <a:rPr lang="en-US" dirty="0"/>
+              <a:t>The text "Your browser does not support the audio tag." is displayed if the browser does not support the audio tag or the audio format.</a:t>
+            </a:r>
+            <a:endParaRPr lang="en-US" dirty="0"/>
           </a:p>
           <a:p>
             <a:pPr marL="0" indent="0">
@@ -11268,15 +11175,7 @@
             </a:pPr>
             <a:r>
               <a:rPr lang="en-US" dirty="0"/>
-              <a:t>&lt;</a:t>
-            </a:r>
-            <a:r>
-              <a:rPr lang="en-US" dirty="0" err="1"/>
-              <a:t>img</a:t>
-            </a:r>
-            <a:r>
-              <a:rPr lang="en-US" dirty="0"/>
-              <a:t> </a:t>
+              <a:t>&lt;audio </a:t>
             </a:r>
             <a:r>
               <a:rPr lang="en-US" dirty="0" err="1"/>
@@ -11284,8 +11183,9 @@
             </a:r>
             <a:r>
               <a:rPr lang="en-US" dirty="0"/>
-              <a:t>="images/example.jpg" alt="Example image"&gt;</a:t>
-            </a:r>
+              <a:t>="path_to_audio.mp3" controls&gt; Your browser does not support the audio tag. &lt;/audio&gt;</a:t>
+            </a:r>
+            <a:endParaRPr lang="en-US" dirty="0"/>
           </a:p>
         </p:txBody>
       </p:sp>
@@ -11333,8 +11233,9 @@
           <a:p>
             <a:r>
               <a:rPr lang="en-US" dirty="0"/>
-              <a:t>Audio</a:t>
-            </a:r>
+              <a:t>Video</a:t>
+            </a:r>
+            <a:endParaRPr lang="en-US" dirty="0"/>
           </a:p>
         </p:txBody>
       </p:sp>
@@ -11357,8 +11258,9 @@
           <a:p>
             <a:r>
               <a:rPr lang="en-US" dirty="0"/>
-              <a:t>The &lt;audio&gt; tag is used to embed audio content.</a:t>
-            </a:r>
+              <a:t>The &lt;video&gt; tag is used to embed video content.</a:t>
+            </a:r>
+            <a:endParaRPr lang="en-US" dirty="0"/>
           </a:p>
           <a:p>
             <a:r>
@@ -11371,20 +11273,23 @@
             </a:r>
             <a:r>
               <a:rPr lang="en-US" dirty="0"/>
-              <a:t> attribute specifies the path to the audio file. Replace "path_to_audio.mp3" with the actual path to your audio file.</a:t>
-            </a:r>
-          </a:p>
-          <a:p>
-            <a:r>
-              <a:rPr lang="en-US" dirty="0"/>
-              <a:t>The controls attribute adds playback controls (such as play, pause, volume control) to the audio player.</a:t>
-            </a:r>
-          </a:p>
-          <a:p>
-            <a:r>
-              <a:rPr lang="en-US" dirty="0"/>
-              <a:t>The text "Your browser does not support the audio tag." is displayed if the browser does not support the audio tag or the audio format.</a:t>
-            </a:r>
+              <a:t> attribute specifies the path to the video file. Replace "path_to_video.mp4" with the actual path to your video.</a:t>
+            </a:r>
+            <a:endParaRPr lang="en-US" dirty="0"/>
+          </a:p>
+          <a:p>
+            <a:r>
+              <a:rPr lang="en-US" dirty="0"/>
+              <a:t>The controls attribute adds playback controls (such as play, pause, volume control) to the video player.</a:t>
+            </a:r>
+            <a:endParaRPr lang="en-US" dirty="0"/>
+          </a:p>
+          <a:p>
+            <a:r>
+              <a:rPr lang="en-US" dirty="0"/>
+              <a:t>The text "Your browser does not support the video tag." is displayed if the browser does not support the video tag or the video format.</a:t>
+            </a:r>
+            <a:endParaRPr lang="en-US" dirty="0"/>
           </a:p>
           <a:p>
             <a:pPr marL="0" indent="0">
@@ -11392,7 +11297,7 @@
             </a:pPr>
             <a:r>
               <a:rPr lang="en-US" dirty="0"/>
-              <a:t>&lt;audio </a:t>
+              <a:t>&lt;video </a:t>
             </a:r>
             <a:r>
               <a:rPr lang="en-US" dirty="0" err="1"/>
@@ -11400,124 +11305,9 @@
             </a:r>
             <a:r>
               <a:rPr lang="en-US" dirty="0"/>
-              <a:t>="path_to_audio.mp3" controls&gt; Your browser does not support the audio tag. &lt;/audio&gt;</a:t>
-            </a:r>
-          </a:p>
-        </p:txBody>
-      </p:sp>
-    </p:spTree>
-  </p:cSld>
-  <p:clrMapOvr>
-    <a:masterClrMapping/>
-  </p:clrMapOvr>
-</p:sld>
-</file>
-
-<file path=ppt/slides/slide36.xml><?xml version="1.0" encoding="utf-8"?>
-<p:sld xmlns:a="http://schemas.openxmlformats.org/drawingml/2006/main" xmlns:r="http://schemas.openxmlformats.org/officeDocument/2006/relationships" xmlns:p="http://schemas.openxmlformats.org/presentationml/2006/main">
-  <p:cSld>
-    <p:spTree>
-      <p:nvGrpSpPr>
-        <p:cNvPr id="1" name=""/>
-        <p:cNvGrpSpPr/>
-        <p:nvPr/>
-      </p:nvGrpSpPr>
-      <p:grpSpPr>
-        <a:xfrm>
-          <a:off x="0" y="0"/>
-          <a:ext cx="0" cy="0"/>
-          <a:chOff x="0" y="0"/>
-          <a:chExt cx="0" cy="0"/>
-        </a:xfrm>
-      </p:grpSpPr>
-      <p:sp>
-        <p:nvSpPr>
-          <p:cNvPr id="2" name="Title 1"/>
-          <p:cNvSpPr>
-            <a:spLocks noGrp="1"/>
-          </p:cNvSpPr>
-          <p:nvPr>
-            <p:ph type="title"/>
-          </p:nvPr>
-        </p:nvSpPr>
-        <p:spPr/>
-        <p:txBody>
-          <a:bodyPr>
-            <a:normAutofit/>
-          </a:bodyPr>
-          <a:lstStyle/>
-          <a:p>
-            <a:r>
-              <a:rPr lang="en-US" dirty="0"/>
-              <a:t>Video</a:t>
-            </a:r>
-          </a:p>
-        </p:txBody>
-      </p:sp>
-      <p:sp>
-        <p:nvSpPr>
-          <p:cNvPr id="5" name="Content Placeholder 4"/>
-          <p:cNvSpPr>
-            <a:spLocks noGrp="1"/>
-          </p:cNvSpPr>
-          <p:nvPr>
-            <p:ph idx="1"/>
-          </p:nvPr>
-        </p:nvSpPr>
-        <p:spPr/>
-        <p:txBody>
-          <a:bodyPr>
-            <a:normAutofit fontScale="92500" lnSpcReduction="20000"/>
-          </a:bodyPr>
-          <a:lstStyle/>
-          <a:p>
-            <a:r>
-              <a:rPr lang="en-US" dirty="0"/>
-              <a:t>The &lt;video&gt; tag is used to embed video content.</a:t>
-            </a:r>
-          </a:p>
-          <a:p>
-            <a:r>
-              <a:rPr lang="en-US" dirty="0"/>
-              <a:t>The </a:t>
-            </a:r>
-            <a:r>
-              <a:rPr lang="en-US" dirty="0" err="1"/>
-              <a:t>src</a:t>
-            </a:r>
-            <a:r>
-              <a:rPr lang="en-US" dirty="0"/>
-              <a:t> attribute specifies the path to the video file. Replace "path_to_video.mp4" with the actual path to your video.</a:t>
-            </a:r>
-          </a:p>
-          <a:p>
-            <a:r>
-              <a:rPr lang="en-US" dirty="0"/>
-              <a:t>The controls attribute adds playback controls (such as play, pause, volume control) to the video player.</a:t>
-            </a:r>
-          </a:p>
-          <a:p>
-            <a:r>
-              <a:rPr lang="en-US" dirty="0"/>
-              <a:t>The text "Your browser does not support the video tag." is displayed if the browser does not support the video tag or the video format.</a:t>
-            </a:r>
-          </a:p>
-          <a:p>
-            <a:pPr marL="0" indent="0">
-              <a:buNone/>
-            </a:pPr>
-            <a:r>
-              <a:rPr lang="en-US" dirty="0"/>
-              <a:t>&lt;video </a:t>
-            </a:r>
-            <a:r>
-              <a:rPr lang="en-US" dirty="0" err="1"/>
-              <a:t>src</a:t>
-            </a:r>
-            <a:r>
-              <a:rPr lang="en-US" dirty="0"/>
               <a:t>="path_to_video.mp4" controls&gt; Your browser does not support the video tag. &lt;/video&gt;</a:t>
             </a:r>
+            <a:endParaRPr lang="en-US" dirty="0"/>
           </a:p>
         </p:txBody>
       </p:sp>
@@ -11563,8 +11353,9 @@
           <a:p>
             <a:r>
               <a:rPr lang="en-US" dirty="0"/>
-              <a:t>What is Html</a:t>
-            </a:r>
+              <a:t>Tags</a:t>
+            </a:r>
+            <a:endParaRPr lang="en-US" dirty="0"/>
           </a:p>
         </p:txBody>
       </p:sp>
@@ -11580,55 +11371,35 @@
         </p:nvSpPr>
         <p:spPr/>
         <p:txBody>
-          <a:bodyPr>
-            <a:normAutofit fontScale="92500" lnSpcReduction="10000"/>
-          </a:bodyPr>
-          <a:lstStyle/>
-          <a:p>
-            <a:r>
-              <a:rPr lang="en-US" dirty="0"/>
-              <a:t>HTML provides a way of displaying Web pages with text and images or multimedia content. </a:t>
-            </a:r>
-          </a:p>
-          <a:p>
-            <a:r>
-              <a:rPr lang="en-US" dirty="0"/>
-              <a:t>HTML is not a programming language, but a markup language. </a:t>
-            </a:r>
-          </a:p>
-          <a:p>
-            <a:r>
-              <a:rPr lang="en-US" dirty="0"/>
-              <a:t>An HTML file is a text file containing small markup tags. </a:t>
-            </a:r>
-          </a:p>
-          <a:p>
-            <a:r>
-              <a:rPr lang="en-US" dirty="0"/>
-              <a:t>The markup tags tell the Web browser, such as </a:t>
-            </a:r>
-            <a:r>
-              <a:rPr lang="en-US" dirty="0" err="1"/>
-              <a:t>Mozila</a:t>
-            </a:r>
-            <a:r>
-              <a:rPr lang="en-US" dirty="0"/>
-              <a:t> Firefox or Google Chrome, how to display the page. </a:t>
-            </a:r>
-          </a:p>
-          <a:p>
-            <a:r>
-              <a:rPr lang="en-US" dirty="0"/>
-              <a:t>An HTML file must have an htm or html file extension. HTML stands for </a:t>
-            </a:r>
-            <a:r>
-              <a:rPr lang="en-US" dirty="0" err="1"/>
-              <a:t>HyperText</a:t>
-            </a:r>
-            <a:r>
-              <a:rPr lang="en-US" dirty="0"/>
-              <a:t> Markup Language.</a:t>
-            </a:r>
+          <a:bodyPr/>
+          <a:lstStyle/>
+          <a:p>
+            <a:r>
+              <a:rPr lang="en-US" dirty="0"/>
+              <a:t>A tag is a bit of text that acts as a point demarcation. To create a tag, HTML gives certain characters special meaning: the angle brackets &lt; and &gt;.</a:t>
+            </a:r>
+            <a:br>
+              <a:rPr lang="en-US" dirty="0"/>
+            </a:br>
+            <a:r>
+              <a:rPr lang="en-US" dirty="0"/>
+              <a:t>tag.</a:t>
+            </a:r>
+            <a:br>
+              <a:rPr lang="en-US" dirty="0"/>
+            </a:br>
+            <a:r>
+              <a:rPr lang="en-US" dirty="0"/>
+              <a:t>Putting characters within angle brackets creates a</a:t>
+            </a:r>
+            <a:br>
+              <a:rPr lang="en-US" dirty="0"/>
+            </a:br>
+            <a:r>
+              <a:rPr lang="en-US" dirty="0"/>
+              <a:t>&lt;h1&gt; A heading &lt;/h1&gt;</a:t>
+            </a:r>
+            <a:endParaRPr lang="en-US" dirty="0"/>
           </a:p>
         </p:txBody>
       </p:sp>
@@ -11674,8 +11445,9 @@
           <a:p>
             <a:r>
               <a:rPr lang="en-US" dirty="0"/>
-              <a:t>Tags</a:t>
-            </a:r>
+              <a:t>Attributes</a:t>
+            </a:r>
+            <a:endParaRPr lang="en-US" dirty="0"/>
           </a:p>
         </p:txBody>
       </p:sp>
@@ -11696,29 +11468,30 @@
           <a:p>
             <a:r>
               <a:rPr lang="en-US" dirty="0"/>
-              <a:t>A tag is a bit of text that acts as a point demarcation. To create a tag, HTML gives certain characters special meaning: the angle brackets &lt; and &gt;.</a:t>
+              <a:t>Attributes provide additional information about the contents of an element. They appear on the opening tag of the element and are made up of two parts: - a name and a value, separated by an equals sign.</a:t>
             </a:r>
             <a:br>
               <a:rPr lang="en-US" dirty="0"/>
             </a:br>
             <a:r>
               <a:rPr lang="en-US" dirty="0"/>
-              <a:t>tag.</a:t>
+              <a:t>&lt;p align="center"&gt;Paragraph in English &lt;/p&gt;</a:t>
             </a:r>
             <a:br>
               <a:rPr lang="en-US" dirty="0"/>
             </a:br>
             <a:r>
               <a:rPr lang="en-US" dirty="0"/>
-              <a:t>Putting characters within angle brackets creates a</a:t>
+              <a:t>The attribute name indicates what kind of extra information you are supplying about the element's content. It should be written in lowercase.</a:t>
             </a:r>
             <a:br>
               <a:rPr lang="en-US" dirty="0"/>
             </a:br>
             <a:r>
               <a:rPr lang="en-US" dirty="0"/>
-              <a:t>&lt;h1&gt; A heading &lt;/h1&gt;</a:t>
-            </a:r>
+              <a:t>The value is the information or setting for the attribute. It should be placed in double quotes. Different attributes can have different values.</a:t>
+            </a:r>
+            <a:endParaRPr lang="en-US" dirty="0"/>
           </a:p>
         </p:txBody>
       </p:sp>
@@ -11764,8 +11537,9 @@
           <a:p>
             <a:r>
               <a:rPr lang="en-US" dirty="0"/>
-              <a:t>Attributes</a:t>
-            </a:r>
+              <a:t>HTML Tag</a:t>
+            </a:r>
+            <a:endParaRPr lang="en-US" dirty="0"/>
           </a:p>
         </p:txBody>
       </p:sp>
@@ -11786,29 +11560,23 @@
           <a:p>
             <a:r>
               <a:rPr lang="en-US" dirty="0"/>
-              <a:t>Attributes provide additional information about the contents of an element. They appear on the opening tag of the element and are made up of two parts: - a name and a value, separated by an equals sign.</a:t>
+              <a:t>&lt;HTML&gt; is a starting tag. To delimit the text inside, add a closing tag by adding a forward slash "/" to the starting tag. Most but not all tags have a closing tag. It is necessary to write the code for an HTML page between &lt;HTML&gt; and &lt;/HTML&gt;. This &lt;HTML&gt; tells the browser is 'this is the start of an HTML document' and &lt;/HTML&gt; 'this is the end of an HTML document'.</a:t>
             </a:r>
             <a:br>
               <a:rPr lang="en-US" dirty="0"/>
             </a:br>
             <a:r>
               <a:rPr lang="en-US" dirty="0"/>
-              <a:t>&lt;p align="center"&gt;Paragraph in English &lt;/p&gt;</a:t>
+              <a:t>&lt;html&gt;</a:t>
             </a:r>
             <a:br>
               <a:rPr lang="en-US" dirty="0"/>
             </a:br>
             <a:r>
               <a:rPr lang="en-US" dirty="0"/>
-              <a:t>The attribute name indicates what kind of extra information you are supplying about the element's content. It should be written in lowercase.</a:t>
-            </a:r>
-            <a:br>
-              <a:rPr lang="en-US" dirty="0"/>
-            </a:br>
-            <a:r>
-              <a:rPr lang="en-US" dirty="0"/>
-              <a:t>The value is the information or setting for the attribute. It should be placed in double quotes. Different attributes can have different values.</a:t>
-            </a:r>
+              <a:t>&lt;/html&gt;</a:t>
+            </a:r>
+            <a:endParaRPr lang="en-US" dirty="0"/>
           </a:p>
         </p:txBody>
       </p:sp>
@@ -11854,8 +11622,9 @@
           <a:p>
             <a:r>
               <a:rPr lang="en-US" dirty="0"/>
-              <a:t>HTML Tag</a:t>
-            </a:r>
+              <a:t>Head tag</a:t>
+            </a:r>
+            <a:endParaRPr lang="en-US" dirty="0"/>
           </a:p>
         </p:txBody>
       </p:sp>
@@ -11871,12 +11640,14 @@
         </p:nvSpPr>
         <p:spPr/>
         <p:txBody>
-          <a:bodyPr/>
-          <a:lstStyle/>
-          <a:p>
-            <a:r>
-              <a:rPr lang="en-US" dirty="0"/>
-              <a:t>&lt;HTML&gt; is a starting tag. To delimit the text inside, add a closing tag by adding a forward slash "/" to the starting tag. Most but not all tags have a closing tag. It is necessary to write the code for an HTML page between &lt;HTML&gt; and &lt;/HTML&gt;. This &lt;HTML&gt; tells the browser is 'this is the start of an HTML document' and &lt;/HTML&gt; 'this is the end of an HTML document'.</a:t>
+          <a:bodyPr>
+            <a:normAutofit fontScale="92500"/>
+          </a:bodyPr>
+          <a:lstStyle/>
+          <a:p>
+            <a:r>
+              <a:rPr lang="en-US" dirty="0"/>
+              <a:t>Before the &lt;body&gt; element you will often see a &lt;head&gt; element. This contains information about the page, rather than information that is shown within the main part of the browser. You will usually find a &lt;title&gt; element inside the &lt;head&gt; element. &lt;head&gt; is opening head tag and &lt;/head&gt; is closing head tag.</a:t>
             </a:r>
             <a:br>
               <a:rPr lang="en-US" dirty="0"/>
@@ -11890,8 +11661,30 @@
             </a:br>
             <a:r>
               <a:rPr lang="en-US" dirty="0"/>
+              <a:t>&lt;head&gt;</a:t>
+            </a:r>
+            <a:br>
+              <a:rPr lang="en-US" dirty="0"/>
+            </a:br>
+            <a:r>
+              <a:rPr lang="en-US" dirty="0"/>
+              <a:t>&lt;title&gt; Hello &lt;/title&gt;</a:t>
+            </a:r>
+            <a:br>
+              <a:rPr lang="en-US" dirty="0"/>
+            </a:br>
+            <a:r>
+              <a:rPr lang="en-US" dirty="0"/>
+              <a:t>&lt;/head&gt;</a:t>
+            </a:r>
+            <a:br>
+              <a:rPr lang="en-US" dirty="0"/>
+            </a:br>
+            <a:r>
+              <a:rPr lang="en-US" dirty="0"/>
               <a:t>&lt;/html&gt;</a:t>
             </a:r>
+            <a:endParaRPr lang="en-US" dirty="0"/>
           </a:p>
         </p:txBody>
       </p:sp>
@@ -11937,8 +11730,9 @@
           <a:p>
             <a:r>
               <a:rPr lang="en-US" dirty="0"/>
-              <a:t>Head tag</a:t>
-            </a:r>
+              <a:t>Types of tags</a:t>
+            </a:r>
+            <a:endParaRPr lang="en-US" dirty="0"/>
           </a:p>
         </p:txBody>
       </p:sp>
@@ -11955,49 +11749,58 @@
         <p:spPr/>
         <p:txBody>
           <a:bodyPr>
-            <a:normAutofit fontScale="92500"/>
+            <a:normAutofit/>
           </a:bodyPr>
           <a:lstStyle/>
           <a:p>
-            <a:r>
-              <a:rPr lang="en-US" dirty="0"/>
-              <a:t>Before the &lt;body&gt; element you will often see a &lt;head&gt; element. This contains information about the page, rather than information that is shown within the main part of the browser. You will usually find a &lt;title&gt; element inside the &lt;head&gt; element. &lt;head&gt; is opening head tag and &lt;/head&gt; is closing head tag.</a:t>
-            </a:r>
-            <a:br>
-              <a:rPr lang="en-US" dirty="0"/>
-            </a:br>
-            <a:r>
-              <a:rPr lang="en-US" dirty="0"/>
-              <a:t>&lt;html&gt;</a:t>
-            </a:r>
-            <a:br>
-              <a:rPr lang="en-US" dirty="0"/>
-            </a:br>
-            <a:r>
-              <a:rPr lang="en-US" dirty="0"/>
-              <a:t>&lt;head&gt;</a:t>
-            </a:r>
-            <a:br>
-              <a:rPr lang="en-US" dirty="0"/>
-            </a:br>
-            <a:r>
-              <a:rPr lang="en-US" dirty="0"/>
-              <a:t>&lt;title&gt; Hello &lt;/title&gt;</a:t>
-            </a:r>
-            <a:br>
-              <a:rPr lang="en-US" dirty="0"/>
-            </a:br>
-            <a:r>
-              <a:rPr lang="en-US" dirty="0"/>
-              <a:t>&lt;/head&gt;</a:t>
-            </a:r>
-            <a:br>
-              <a:rPr lang="en-US" dirty="0"/>
-            </a:br>
-            <a:r>
-              <a:rPr lang="en-US" dirty="0"/>
-              <a:t>&lt;/html&gt;</a:t>
-            </a:r>
+            <a:pPr marL="0" indent="0">
+              <a:buNone/>
+            </a:pPr>
+            <a:r>
+              <a:rPr lang="en-US" dirty="0"/>
+              <a:t>Container Tag - Which has opening and closing Tag. </a:t>
+            </a:r>
+            <a:endParaRPr lang="en-US" dirty="0"/>
+          </a:p>
+          <a:p>
+            <a:pPr marL="0" indent="0">
+              <a:buNone/>
+            </a:pPr>
+            <a:r>
+              <a:rPr lang="en-US" dirty="0"/>
+              <a:t>Ex: -</a:t>
+            </a:r>
+            <a:endParaRPr lang="en-US" dirty="0"/>
+          </a:p>
+          <a:p>
+            <a:pPr marL="0" indent="0">
+              <a:buNone/>
+            </a:pPr>
+            <a:r>
+              <a:rPr lang="en-US" dirty="0"/>
+              <a:t>&lt;html&gt;....... &lt;/html&gt;</a:t>
+            </a:r>
+            <a:endParaRPr lang="en-US" dirty="0"/>
+          </a:p>
+          <a:p>
+            <a:pPr marL="0" indent="0">
+              <a:buNone/>
+            </a:pPr>
+            <a:r>
+              <a:rPr lang="en-US" dirty="0"/>
+              <a:t>&lt;head&gt;....... &lt;/head&gt;</a:t>
+            </a:r>
+            <a:endParaRPr lang="en-US" dirty="0"/>
+          </a:p>
+          <a:p>
+            <a:pPr marL="0" indent="0">
+              <a:buNone/>
+            </a:pPr>
+            <a:r>
+              <a:rPr lang="en-US" dirty="0"/>
+              <a:t>&lt;body&gt;.......&lt;/body&gt;</a:t>
+            </a:r>
+            <a:endParaRPr lang="en-US" dirty="0"/>
           </a:p>
         </p:txBody>
       </p:sp>
@@ -12045,6 +11848,7 @@
               <a:rPr lang="en-US" dirty="0"/>
               <a:t>Types of tags</a:t>
             </a:r>
+            <a:endParaRPr lang="en-US" dirty="0"/>
           </a:p>
         </p:txBody>
       </p:sp>
@@ -12065,13 +11869,21 @@
           </a:bodyPr>
           <a:lstStyle/>
           <a:p>
+            <a:r>
+              <a:rPr lang="en-US" dirty="0"/>
+              <a:t>﻿Empty Tag - which has only opening tag.</a:t>
+            </a:r>
+            <a:endParaRPr lang="en-US" dirty="0"/>
+          </a:p>
+          <a:p>
             <a:pPr marL="0" indent="0">
               <a:buNone/>
             </a:pPr>
             <a:r>
               <a:rPr lang="en-US" dirty="0"/>
-              <a:t>Container Tag - Which has opening and closing Tag. </a:t>
-            </a:r>
+              <a:t>Ex: -</a:t>
+            </a:r>
+            <a:endParaRPr lang="en-US" dirty="0"/>
           </a:p>
           <a:p>
             <a:pPr marL="0" indent="0">
@@ -12079,8 +11891,17 @@
             </a:pPr>
             <a:r>
               <a:rPr lang="en-US" dirty="0"/>
-              <a:t>Ex: -</a:t>
-            </a:r>
+              <a:t>&lt;</a:t>
+            </a:r>
+            <a:r>
+              <a:rPr lang="en-US" dirty="0" err="1"/>
+              <a:t>br</a:t>
+            </a:r>
+            <a:r>
+              <a:rPr lang="en-US" dirty="0"/>
+              <a:t>&gt;</a:t>
+            </a:r>
+            <a:endParaRPr lang="en-US" dirty="0"/>
           </a:p>
           <a:p>
             <a:pPr marL="0" indent="0">
@@ -12088,8 +11909,17 @@
             </a:pPr>
             <a:r>
               <a:rPr lang="en-US" dirty="0"/>
-              <a:t>&lt;html&gt;....... &lt;/html&gt;</a:t>
-            </a:r>
+              <a:t>&lt;</a:t>
+            </a:r>
+            <a:r>
+              <a:rPr lang="en-US" dirty="0" err="1"/>
+              <a:t>hr</a:t>
+            </a:r>
+            <a:r>
+              <a:rPr lang="en-US" dirty="0"/>
+              <a:t>&gt;</a:t>
+            </a:r>
+            <a:endParaRPr lang="en-US" dirty="0"/>
           </a:p>
           <a:p>
             <a:pPr marL="0" indent="0">
@@ -12097,8 +11927,9 @@
             </a:pPr>
             <a:r>
               <a:rPr lang="en-US" dirty="0"/>
-              <a:t>&lt;head&gt;....... &lt;/head&gt;</a:t>
-            </a:r>
+              <a:t>&lt;input&gt;</a:t>
+            </a:r>
+            <a:endParaRPr lang="en-US" dirty="0"/>
           </a:p>
           <a:p>
             <a:pPr marL="0" indent="0">
@@ -12106,8 +11937,17 @@
             </a:pPr>
             <a:r>
               <a:rPr lang="en-US" dirty="0"/>
-              <a:t>&lt;body&gt;.......&lt;/body&gt;</a:t>
-            </a:r>
+              <a:t>&lt;</a:t>
+            </a:r>
+            <a:r>
+              <a:rPr lang="en-US" dirty="0" err="1"/>
+              <a:t>img</a:t>
+            </a:r>
+            <a:r>
+              <a:rPr lang="en-US" dirty="0"/>
+              <a:t>&gt;</a:t>
+            </a:r>
+            <a:endParaRPr lang="en-US" dirty="0"/>
           </a:p>
         </p:txBody>
       </p:sp>
@@ -12162,7 +12002,7 @@
     </a:clrScheme>
     <a:fontScheme name="Organic">
       <a:majorFont>
-        <a:latin typeface="Garamond" panose="02020404030301010803"/>
+        <a:latin typeface="Garamond"/>
         <a:ea typeface=""/>
         <a:cs typeface=""/>
         <a:font script="Jpan" typeface="ＭＳ Ｐゴシック"/>
@@ -12197,7 +12037,7 @@
         <a:font script="Geor" typeface="Sylfaen"/>
       </a:majorFont>
       <a:minorFont>
-        <a:latin typeface="Garamond" panose="02020404030301010803"/>
+        <a:latin typeface="Garamond"/>
         <a:ea typeface=""/>
         <a:cs typeface=""/>
         <a:font script="Jpan" typeface="ＭＳ Ｐ明朝"/>
@@ -12337,16 +12177,16 @@
         </a:gradFill>
         <a:blipFill>
           <a:blip xmlns:r="http://schemas.openxmlformats.org/officeDocument/2006/relationships" r:embed="rId2"/>
-          <a:stretch/>
+          <a:stretch>
+            <a:fillRect/>
+          </a:stretch>
         </a:blipFill>
       </a:bgFillStyleLst>
     </a:fmtScheme>
   </a:themeElements>
-  <a:objectDefaults/>
-  <a:extraClrSchemeLst/>
   <a:extLst>
     <a:ext uri="{05A4C25C-085E-4340-85A3-A5531E510DB2}">
-      <thm15:themeFamily xmlns:thm15="http://schemas.microsoft.com/office/thememl/2012/main" name="Organic" id="{28CDC826-8792-45C0-861B-85EB3ADEDA33}" vid="{7DAC20F1-423D-49E2-BD0B-50532748BAD0}"/>
+      <thm15:themeFamily xmlns:thm15="http://schemas.microsoft.com/office/thememl/2012/main" name="Office Theme" id="{62F939B6-93AF-4DB8-9C6B-D6C7DFDC589F}" vid="{4A3C46E8-61CC-4603-A589-7422A47A8E4A}"/>
     </a:ext>
   </a:extLst>
 </a:theme>
